--- a/modsel/paramest/ModSelAnalysis_FlowDiagram.pptx
+++ b/modsel/paramest/ModSelAnalysis_FlowDiagram.pptx
@@ -2,13 +2,14 @@
 <file path=ppt/presentation.xml><?xml version="1.0" encoding="utf-8"?>
 <p:presentation xmlns:a="http://schemas.openxmlformats.org/drawingml/2006/main" xmlns:r="http://schemas.openxmlformats.org/officeDocument/2006/relationships" xmlns:p="http://schemas.openxmlformats.org/presentationml/2006/main" saveSubsetFonts="1" autoCompressPictures="0">
   <p:sldMasterIdLst>
-    <p:sldMasterId id="2147483732" r:id="rId1"/>
+    <p:sldMasterId id="2147483744" r:id="rId1"/>
   </p:sldMasterIdLst>
   <p:sldIdLst>
     <p:sldId id="256" r:id="rId2"/>
     <p:sldId id="258" r:id="rId3"/>
+    <p:sldId id="259" r:id="rId4"/>
   </p:sldIdLst>
-  <p:sldSz cx="16459200" cy="7315200"/>
+  <p:sldSz cx="16459200" cy="16459200"/>
   <p:notesSz cx="6858000" cy="9144000"/>
   <p:defaultTextStyle>
     <a:defPPr>
@@ -108,7 +109,7 @@
   <p:extLst>
     <p:ext uri="{EFAFB233-063F-42B5-8137-9DF3F51BA10A}">
       <p15:sldGuideLst xmlns:p15="http://schemas.microsoft.com/office/powerpoint/2012/main">
-        <p15:guide id="1" orient="horz" pos="2304" userDrawn="1">
+        <p15:guide id="1" orient="horz" pos="5184" userDrawn="1">
           <p15:clr>
             <a:srgbClr val="A4A3A4"/>
           </p15:clr>
@@ -165,15 +166,15 @@
         </p:nvSpPr>
         <p:spPr>
           <a:xfrm>
-            <a:off x="2057400" y="1197187"/>
-            <a:ext cx="12344400" cy="2546773"/>
+            <a:off x="1234440" y="2693671"/>
+            <a:ext cx="13990320" cy="5730240"/>
           </a:xfrm>
         </p:spPr>
         <p:txBody>
           <a:bodyPr anchor="b"/>
           <a:lstStyle>
             <a:lvl1pPr algn="ctr">
-              <a:defRPr sz="6400"/>
+              <a:defRPr sz="10800"/>
             </a:lvl1pPr>
           </a:lstStyle>
           <a:p>
@@ -197,8 +198,8 @@
         </p:nvSpPr>
         <p:spPr>
           <a:xfrm>
-            <a:off x="2057400" y="3842174"/>
-            <a:ext cx="12344400" cy="1766146"/>
+            <a:off x="2057400" y="8644891"/>
+            <a:ext cx="12344400" cy="3973829"/>
           </a:xfrm>
         </p:spPr>
         <p:txBody>
@@ -206,39 +207,39 @@
           <a:lstStyle>
             <a:lvl1pPr marL="0" indent="0" algn="ctr">
               <a:buNone/>
-              <a:defRPr sz="2560"/>
+              <a:defRPr sz="4320"/>
             </a:lvl1pPr>
-            <a:lvl2pPr marL="487695" indent="0" algn="ctr">
+            <a:lvl2pPr marL="822960" indent="0" algn="ctr">
               <a:buNone/>
-              <a:defRPr sz="2133"/>
+              <a:defRPr sz="3600"/>
             </a:lvl2pPr>
-            <a:lvl3pPr marL="975390" indent="0" algn="ctr">
+            <a:lvl3pPr marL="1645920" indent="0" algn="ctr">
               <a:buNone/>
-              <a:defRPr sz="1920"/>
+              <a:defRPr sz="3240"/>
             </a:lvl3pPr>
-            <a:lvl4pPr marL="1463086" indent="0" algn="ctr">
+            <a:lvl4pPr marL="2468880" indent="0" algn="ctr">
               <a:buNone/>
-              <a:defRPr sz="1707"/>
+              <a:defRPr sz="2880"/>
             </a:lvl4pPr>
-            <a:lvl5pPr marL="1950781" indent="0" algn="ctr">
+            <a:lvl5pPr marL="3291840" indent="0" algn="ctr">
               <a:buNone/>
-              <a:defRPr sz="1707"/>
+              <a:defRPr sz="2880"/>
             </a:lvl5pPr>
-            <a:lvl6pPr marL="2438476" indent="0" algn="ctr">
+            <a:lvl6pPr marL="4114800" indent="0" algn="ctr">
               <a:buNone/>
-              <a:defRPr sz="1707"/>
+              <a:defRPr sz="2880"/>
             </a:lvl6pPr>
-            <a:lvl7pPr marL="2926171" indent="0" algn="ctr">
+            <a:lvl7pPr marL="4937760" indent="0" algn="ctr">
               <a:buNone/>
-              <a:defRPr sz="1707"/>
+              <a:defRPr sz="2880"/>
             </a:lvl7pPr>
-            <a:lvl8pPr marL="3413867" indent="0" algn="ctr">
+            <a:lvl8pPr marL="5760720" indent="0" algn="ctr">
               <a:buNone/>
-              <a:defRPr sz="1707"/>
+              <a:defRPr sz="2880"/>
             </a:lvl8pPr>
-            <a:lvl9pPr marL="3901562" indent="0" algn="ctr">
+            <a:lvl9pPr marL="6583680" indent="0" algn="ctr">
               <a:buNone/>
-              <a:defRPr sz="1707"/>
+              <a:defRPr sz="2880"/>
             </a:lvl9pPr>
           </a:lstStyle>
           <a:p>
@@ -267,7 +268,7 @@
           <a:p>
             <a:fld id="{957CF60C-A504-6447-9F1C-7F75B010BCC6}" type="datetimeFigureOut">
               <a:rPr lang="en-US" smtClean="0"/>
-              <a:t>9/8/22</a:t>
+              <a:t>10/25/22</a:t>
             </a:fld>
             <a:endParaRPr lang="en-US"/>
           </a:p>
@@ -318,7 +319,7 @@
     </p:spTree>
     <p:extLst>
       <p:ext uri="{BB962C8B-B14F-4D97-AF65-F5344CB8AC3E}">
-        <p14:creationId xmlns:p14="http://schemas.microsoft.com/office/powerpoint/2010/main" val="3537333995"/>
+        <p14:creationId xmlns:p14="http://schemas.microsoft.com/office/powerpoint/2010/main" val="2086794763"/>
       </p:ext>
     </p:extLst>
   </p:cSld>
@@ -437,7 +438,7 @@
           <a:p>
             <a:fld id="{957CF60C-A504-6447-9F1C-7F75B010BCC6}" type="datetimeFigureOut">
               <a:rPr lang="en-US" smtClean="0"/>
-              <a:t>9/8/22</a:t>
+              <a:t>10/25/22</a:t>
             </a:fld>
             <a:endParaRPr lang="en-US"/>
           </a:p>
@@ -488,7 +489,7 @@
     </p:spTree>
     <p:extLst>
       <p:ext uri="{BB962C8B-B14F-4D97-AF65-F5344CB8AC3E}">
-        <p14:creationId xmlns:p14="http://schemas.microsoft.com/office/powerpoint/2010/main" val="2534165961"/>
+        <p14:creationId xmlns:p14="http://schemas.microsoft.com/office/powerpoint/2010/main" val="3298786129"/>
       </p:ext>
     </p:extLst>
   </p:cSld>
@@ -527,8 +528,8 @@
         </p:nvSpPr>
         <p:spPr>
           <a:xfrm>
-            <a:off x="11778615" y="389467"/>
-            <a:ext cx="3549015" cy="6199294"/>
+            <a:off x="11778616" y="876300"/>
+            <a:ext cx="3549015" cy="13948411"/>
           </a:xfrm>
         </p:spPr>
         <p:txBody>
@@ -555,8 +556,8 @@
         </p:nvSpPr>
         <p:spPr>
           <a:xfrm>
-            <a:off x="1131570" y="389467"/>
-            <a:ext cx="10441305" cy="6199294"/>
+            <a:off x="1131571" y="876300"/>
+            <a:ext cx="10441305" cy="13948411"/>
           </a:xfrm>
         </p:spPr>
         <p:txBody>
@@ -617,7 +618,7 @@
           <a:p>
             <a:fld id="{957CF60C-A504-6447-9F1C-7F75B010BCC6}" type="datetimeFigureOut">
               <a:rPr lang="en-US" smtClean="0"/>
-              <a:t>9/8/22</a:t>
+              <a:t>10/25/22</a:t>
             </a:fld>
             <a:endParaRPr lang="en-US"/>
           </a:p>
@@ -668,7 +669,7 @@
     </p:spTree>
     <p:extLst>
       <p:ext uri="{BB962C8B-B14F-4D97-AF65-F5344CB8AC3E}">
-        <p14:creationId xmlns:p14="http://schemas.microsoft.com/office/powerpoint/2010/main" val="1829484010"/>
+        <p14:creationId xmlns:p14="http://schemas.microsoft.com/office/powerpoint/2010/main" val="2306974740"/>
       </p:ext>
     </p:extLst>
   </p:cSld>
@@ -787,7 +788,7 @@
           <a:p>
             <a:fld id="{957CF60C-A504-6447-9F1C-7F75B010BCC6}" type="datetimeFigureOut">
               <a:rPr lang="en-US" smtClean="0"/>
-              <a:t>9/8/22</a:t>
+              <a:t>10/25/22</a:t>
             </a:fld>
             <a:endParaRPr lang="en-US"/>
           </a:p>
@@ -838,7 +839,7 @@
     </p:spTree>
     <p:extLst>
       <p:ext uri="{BB962C8B-B14F-4D97-AF65-F5344CB8AC3E}">
-        <p14:creationId xmlns:p14="http://schemas.microsoft.com/office/powerpoint/2010/main" val="1500681669"/>
+        <p14:creationId xmlns:p14="http://schemas.microsoft.com/office/powerpoint/2010/main" val="1818993241"/>
       </p:ext>
     </p:extLst>
   </p:cSld>
@@ -877,15 +878,15 @@
         </p:nvSpPr>
         <p:spPr>
           <a:xfrm>
-            <a:off x="1122998" y="1823721"/>
-            <a:ext cx="14196060" cy="3042919"/>
+            <a:off x="1122998" y="4103375"/>
+            <a:ext cx="14196060" cy="6846569"/>
           </a:xfrm>
         </p:spPr>
         <p:txBody>
           <a:bodyPr anchor="b"/>
           <a:lstStyle>
             <a:lvl1pPr>
-              <a:defRPr sz="6400"/>
+              <a:defRPr sz="10800"/>
             </a:lvl1pPr>
           </a:lstStyle>
           <a:p>
@@ -909,8 +910,8 @@
         </p:nvSpPr>
         <p:spPr>
           <a:xfrm>
-            <a:off x="1122998" y="4895428"/>
-            <a:ext cx="14196060" cy="1600199"/>
+            <a:off x="1122998" y="11014715"/>
+            <a:ext cx="14196060" cy="3600449"/>
           </a:xfrm>
         </p:spPr>
         <p:txBody>
@@ -918,17 +919,15 @@
           <a:lstStyle>
             <a:lvl1pPr marL="0" indent="0">
               <a:buNone/>
-              <a:defRPr sz="2560">
+              <a:defRPr sz="4320">
                 <a:solidFill>
-                  <a:schemeClr val="tx1">
-                    <a:tint val="75000"/>
-                  </a:schemeClr>
+                  <a:schemeClr val="tx1"/>
                 </a:solidFill>
               </a:defRPr>
             </a:lvl1pPr>
-            <a:lvl2pPr marL="487695" indent="0">
+            <a:lvl2pPr marL="822960" indent="0">
               <a:buNone/>
-              <a:defRPr sz="2133">
+              <a:defRPr sz="3600">
                 <a:solidFill>
                   <a:schemeClr val="tx1">
                     <a:tint val="75000"/>
@@ -936,9 +935,9 @@
                 </a:solidFill>
               </a:defRPr>
             </a:lvl2pPr>
-            <a:lvl3pPr marL="975390" indent="0">
+            <a:lvl3pPr marL="1645920" indent="0">
               <a:buNone/>
-              <a:defRPr sz="1920">
+              <a:defRPr sz="3240">
                 <a:solidFill>
                   <a:schemeClr val="tx1">
                     <a:tint val="75000"/>
@@ -946,9 +945,9 @@
                 </a:solidFill>
               </a:defRPr>
             </a:lvl3pPr>
-            <a:lvl4pPr marL="1463086" indent="0">
+            <a:lvl4pPr marL="2468880" indent="0">
               <a:buNone/>
-              <a:defRPr sz="1707">
+              <a:defRPr sz="2880">
                 <a:solidFill>
                   <a:schemeClr val="tx1">
                     <a:tint val="75000"/>
@@ -956,9 +955,9 @@
                 </a:solidFill>
               </a:defRPr>
             </a:lvl4pPr>
-            <a:lvl5pPr marL="1950781" indent="0">
+            <a:lvl5pPr marL="3291840" indent="0">
               <a:buNone/>
-              <a:defRPr sz="1707">
+              <a:defRPr sz="2880">
                 <a:solidFill>
                   <a:schemeClr val="tx1">
                     <a:tint val="75000"/>
@@ -966,9 +965,9 @@
                 </a:solidFill>
               </a:defRPr>
             </a:lvl5pPr>
-            <a:lvl6pPr marL="2438476" indent="0">
+            <a:lvl6pPr marL="4114800" indent="0">
               <a:buNone/>
-              <a:defRPr sz="1707">
+              <a:defRPr sz="2880">
                 <a:solidFill>
                   <a:schemeClr val="tx1">
                     <a:tint val="75000"/>
@@ -976,9 +975,9 @@
                 </a:solidFill>
               </a:defRPr>
             </a:lvl6pPr>
-            <a:lvl7pPr marL="2926171" indent="0">
+            <a:lvl7pPr marL="4937760" indent="0">
               <a:buNone/>
-              <a:defRPr sz="1707">
+              <a:defRPr sz="2880">
                 <a:solidFill>
                   <a:schemeClr val="tx1">
                     <a:tint val="75000"/>
@@ -986,9 +985,9 @@
                 </a:solidFill>
               </a:defRPr>
             </a:lvl7pPr>
-            <a:lvl8pPr marL="3413867" indent="0">
+            <a:lvl8pPr marL="5760720" indent="0">
               <a:buNone/>
-              <a:defRPr sz="1707">
+              <a:defRPr sz="2880">
                 <a:solidFill>
                   <a:schemeClr val="tx1">
                     <a:tint val="75000"/>
@@ -996,9 +995,9 @@
                 </a:solidFill>
               </a:defRPr>
             </a:lvl8pPr>
-            <a:lvl9pPr marL="3901562" indent="0">
+            <a:lvl9pPr marL="6583680" indent="0">
               <a:buNone/>
-              <a:defRPr sz="1707">
+              <a:defRPr sz="2880">
                 <a:solidFill>
                   <a:schemeClr val="tx1">
                     <a:tint val="75000"/>
@@ -1033,7 +1032,7 @@
           <a:p>
             <a:fld id="{957CF60C-A504-6447-9F1C-7F75B010BCC6}" type="datetimeFigureOut">
               <a:rPr lang="en-US" smtClean="0"/>
-              <a:t>9/8/22</a:t>
+              <a:t>10/25/22</a:t>
             </a:fld>
             <a:endParaRPr lang="en-US"/>
           </a:p>
@@ -1084,7 +1083,7 @@
     </p:spTree>
     <p:extLst>
       <p:ext uri="{BB962C8B-B14F-4D97-AF65-F5344CB8AC3E}">
-        <p14:creationId xmlns:p14="http://schemas.microsoft.com/office/powerpoint/2010/main" val="4104122989"/>
+        <p14:creationId xmlns:p14="http://schemas.microsoft.com/office/powerpoint/2010/main" val="1686156612"/>
       </p:ext>
     </p:extLst>
   </p:cSld>
@@ -1146,8 +1145,8 @@
         </p:nvSpPr>
         <p:spPr>
           <a:xfrm>
-            <a:off x="1131570" y="1947333"/>
-            <a:ext cx="6995160" cy="4641427"/>
+            <a:off x="1131570" y="4381500"/>
+            <a:ext cx="6995160" cy="10443211"/>
           </a:xfrm>
         </p:spPr>
         <p:txBody>
@@ -1203,8 +1202,8 @@
         </p:nvSpPr>
         <p:spPr>
           <a:xfrm>
-            <a:off x="8332470" y="1947333"/>
-            <a:ext cx="6995160" cy="4641427"/>
+            <a:off x="8332470" y="4381500"/>
+            <a:ext cx="6995160" cy="10443211"/>
           </a:xfrm>
         </p:spPr>
         <p:txBody>
@@ -1265,7 +1264,7 @@
           <a:p>
             <a:fld id="{957CF60C-A504-6447-9F1C-7F75B010BCC6}" type="datetimeFigureOut">
               <a:rPr lang="en-US" smtClean="0"/>
-              <a:t>9/8/22</a:t>
+              <a:t>10/25/22</a:t>
             </a:fld>
             <a:endParaRPr lang="en-US"/>
           </a:p>
@@ -1316,7 +1315,7 @@
     </p:spTree>
     <p:extLst>
       <p:ext uri="{BB962C8B-B14F-4D97-AF65-F5344CB8AC3E}">
-        <p14:creationId xmlns:p14="http://schemas.microsoft.com/office/powerpoint/2010/main" val="4018913669"/>
+        <p14:creationId xmlns:p14="http://schemas.microsoft.com/office/powerpoint/2010/main" val="1402055768"/>
       </p:ext>
     </p:extLst>
   </p:cSld>
@@ -1355,8 +1354,8 @@
         </p:nvSpPr>
         <p:spPr>
           <a:xfrm>
-            <a:off x="1133714" y="389467"/>
-            <a:ext cx="14196060" cy="1413934"/>
+            <a:off x="1133714" y="876304"/>
+            <a:ext cx="14196060" cy="3181351"/>
           </a:xfrm>
         </p:spPr>
         <p:txBody>
@@ -1383,8 +1382,8 @@
         </p:nvSpPr>
         <p:spPr>
           <a:xfrm>
-            <a:off x="1133715" y="1793241"/>
-            <a:ext cx="6963012" cy="878839"/>
+            <a:off x="1133716" y="4034791"/>
+            <a:ext cx="6963012" cy="1977389"/>
           </a:xfrm>
         </p:spPr>
         <p:txBody>
@@ -1392,39 +1391,39 @@
           <a:lstStyle>
             <a:lvl1pPr marL="0" indent="0">
               <a:buNone/>
-              <a:defRPr sz="2560" b="1"/>
+              <a:defRPr sz="4320" b="1"/>
             </a:lvl1pPr>
-            <a:lvl2pPr marL="487695" indent="0">
+            <a:lvl2pPr marL="822960" indent="0">
               <a:buNone/>
-              <a:defRPr sz="2133" b="1"/>
+              <a:defRPr sz="3600" b="1"/>
             </a:lvl2pPr>
-            <a:lvl3pPr marL="975390" indent="0">
+            <a:lvl3pPr marL="1645920" indent="0">
               <a:buNone/>
-              <a:defRPr sz="1920" b="1"/>
+              <a:defRPr sz="3240" b="1"/>
             </a:lvl3pPr>
-            <a:lvl4pPr marL="1463086" indent="0">
+            <a:lvl4pPr marL="2468880" indent="0">
               <a:buNone/>
-              <a:defRPr sz="1707" b="1"/>
+              <a:defRPr sz="2880" b="1"/>
             </a:lvl4pPr>
-            <a:lvl5pPr marL="1950781" indent="0">
+            <a:lvl5pPr marL="3291840" indent="0">
               <a:buNone/>
-              <a:defRPr sz="1707" b="1"/>
+              <a:defRPr sz="2880" b="1"/>
             </a:lvl5pPr>
-            <a:lvl6pPr marL="2438476" indent="0">
+            <a:lvl6pPr marL="4114800" indent="0">
               <a:buNone/>
-              <a:defRPr sz="1707" b="1"/>
+              <a:defRPr sz="2880" b="1"/>
             </a:lvl6pPr>
-            <a:lvl7pPr marL="2926171" indent="0">
+            <a:lvl7pPr marL="4937760" indent="0">
               <a:buNone/>
-              <a:defRPr sz="1707" b="1"/>
+              <a:defRPr sz="2880" b="1"/>
             </a:lvl7pPr>
-            <a:lvl8pPr marL="3413867" indent="0">
+            <a:lvl8pPr marL="5760720" indent="0">
               <a:buNone/>
-              <a:defRPr sz="1707" b="1"/>
+              <a:defRPr sz="2880" b="1"/>
             </a:lvl8pPr>
-            <a:lvl9pPr marL="3901562" indent="0">
+            <a:lvl9pPr marL="6583680" indent="0">
               <a:buNone/>
-              <a:defRPr sz="1707" b="1"/>
+              <a:defRPr sz="2880" b="1"/>
             </a:lvl9pPr>
           </a:lstStyle>
           <a:p>
@@ -1448,8 +1447,8 @@
         </p:nvSpPr>
         <p:spPr>
           <a:xfrm>
-            <a:off x="1133715" y="2672080"/>
-            <a:ext cx="6963012" cy="3930227"/>
+            <a:off x="1133716" y="6012180"/>
+            <a:ext cx="6963012" cy="8843011"/>
           </a:xfrm>
         </p:spPr>
         <p:txBody>
@@ -1505,8 +1504,8 @@
         </p:nvSpPr>
         <p:spPr>
           <a:xfrm>
-            <a:off x="8332470" y="1793241"/>
-            <a:ext cx="6997304" cy="878839"/>
+            <a:off x="8332471" y="4034791"/>
+            <a:ext cx="6997304" cy="1977389"/>
           </a:xfrm>
         </p:spPr>
         <p:txBody>
@@ -1514,39 +1513,39 @@
           <a:lstStyle>
             <a:lvl1pPr marL="0" indent="0">
               <a:buNone/>
-              <a:defRPr sz="2560" b="1"/>
+              <a:defRPr sz="4320" b="1"/>
             </a:lvl1pPr>
-            <a:lvl2pPr marL="487695" indent="0">
+            <a:lvl2pPr marL="822960" indent="0">
               <a:buNone/>
-              <a:defRPr sz="2133" b="1"/>
+              <a:defRPr sz="3600" b="1"/>
             </a:lvl2pPr>
-            <a:lvl3pPr marL="975390" indent="0">
+            <a:lvl3pPr marL="1645920" indent="0">
               <a:buNone/>
-              <a:defRPr sz="1920" b="1"/>
+              <a:defRPr sz="3240" b="1"/>
             </a:lvl3pPr>
-            <a:lvl4pPr marL="1463086" indent="0">
+            <a:lvl4pPr marL="2468880" indent="0">
               <a:buNone/>
-              <a:defRPr sz="1707" b="1"/>
+              <a:defRPr sz="2880" b="1"/>
             </a:lvl4pPr>
-            <a:lvl5pPr marL="1950781" indent="0">
+            <a:lvl5pPr marL="3291840" indent="0">
               <a:buNone/>
-              <a:defRPr sz="1707" b="1"/>
+              <a:defRPr sz="2880" b="1"/>
             </a:lvl5pPr>
-            <a:lvl6pPr marL="2438476" indent="0">
+            <a:lvl6pPr marL="4114800" indent="0">
               <a:buNone/>
-              <a:defRPr sz="1707" b="1"/>
+              <a:defRPr sz="2880" b="1"/>
             </a:lvl6pPr>
-            <a:lvl7pPr marL="2926171" indent="0">
+            <a:lvl7pPr marL="4937760" indent="0">
               <a:buNone/>
-              <a:defRPr sz="1707" b="1"/>
+              <a:defRPr sz="2880" b="1"/>
             </a:lvl7pPr>
-            <a:lvl8pPr marL="3413867" indent="0">
+            <a:lvl8pPr marL="5760720" indent="0">
               <a:buNone/>
-              <a:defRPr sz="1707" b="1"/>
+              <a:defRPr sz="2880" b="1"/>
             </a:lvl8pPr>
-            <a:lvl9pPr marL="3901562" indent="0">
+            <a:lvl9pPr marL="6583680" indent="0">
               <a:buNone/>
-              <a:defRPr sz="1707" b="1"/>
+              <a:defRPr sz="2880" b="1"/>
             </a:lvl9pPr>
           </a:lstStyle>
           <a:p>
@@ -1570,8 +1569,8 @@
         </p:nvSpPr>
         <p:spPr>
           <a:xfrm>
-            <a:off x="8332470" y="2672080"/>
-            <a:ext cx="6997304" cy="3930227"/>
+            <a:off x="8332471" y="6012180"/>
+            <a:ext cx="6997304" cy="8843011"/>
           </a:xfrm>
         </p:spPr>
         <p:txBody>
@@ -1632,7 +1631,7 @@
           <a:p>
             <a:fld id="{957CF60C-A504-6447-9F1C-7F75B010BCC6}" type="datetimeFigureOut">
               <a:rPr lang="en-US" smtClean="0"/>
-              <a:t>9/8/22</a:t>
+              <a:t>10/25/22</a:t>
             </a:fld>
             <a:endParaRPr lang="en-US"/>
           </a:p>
@@ -1683,7 +1682,7 @@
     </p:spTree>
     <p:extLst>
       <p:ext uri="{BB962C8B-B14F-4D97-AF65-F5344CB8AC3E}">
-        <p14:creationId xmlns:p14="http://schemas.microsoft.com/office/powerpoint/2010/main" val="3273835541"/>
+        <p14:creationId xmlns:p14="http://schemas.microsoft.com/office/powerpoint/2010/main" val="97841124"/>
       </p:ext>
     </p:extLst>
   </p:cSld>
@@ -1750,7 +1749,7 @@
           <a:p>
             <a:fld id="{957CF60C-A504-6447-9F1C-7F75B010BCC6}" type="datetimeFigureOut">
               <a:rPr lang="en-US" smtClean="0"/>
-              <a:t>9/8/22</a:t>
+              <a:t>10/25/22</a:t>
             </a:fld>
             <a:endParaRPr lang="en-US"/>
           </a:p>
@@ -1801,7 +1800,7 @@
     </p:spTree>
     <p:extLst>
       <p:ext uri="{BB962C8B-B14F-4D97-AF65-F5344CB8AC3E}">
-        <p14:creationId xmlns:p14="http://schemas.microsoft.com/office/powerpoint/2010/main" val="3404570807"/>
+        <p14:creationId xmlns:p14="http://schemas.microsoft.com/office/powerpoint/2010/main" val="2844742229"/>
       </p:ext>
     </p:extLst>
   </p:cSld>
@@ -1845,7 +1844,7 @@
           <a:p>
             <a:fld id="{957CF60C-A504-6447-9F1C-7F75B010BCC6}" type="datetimeFigureOut">
               <a:rPr lang="en-US" smtClean="0"/>
-              <a:t>9/8/22</a:t>
+              <a:t>10/25/22</a:t>
             </a:fld>
             <a:endParaRPr lang="en-US"/>
           </a:p>
@@ -1896,7 +1895,7 @@
     </p:spTree>
     <p:extLst>
       <p:ext uri="{BB962C8B-B14F-4D97-AF65-F5344CB8AC3E}">
-        <p14:creationId xmlns:p14="http://schemas.microsoft.com/office/powerpoint/2010/main" val="3499590124"/>
+        <p14:creationId xmlns:p14="http://schemas.microsoft.com/office/powerpoint/2010/main" val="3903251117"/>
       </p:ext>
     </p:extLst>
   </p:cSld>
@@ -1935,15 +1934,15 @@
         </p:nvSpPr>
         <p:spPr>
           <a:xfrm>
-            <a:off x="1133714" y="487680"/>
-            <a:ext cx="5308520" cy="1706880"/>
+            <a:off x="1133714" y="1097280"/>
+            <a:ext cx="5308520" cy="3840480"/>
           </a:xfrm>
         </p:spPr>
         <p:txBody>
           <a:bodyPr anchor="b"/>
           <a:lstStyle>
             <a:lvl1pPr>
-              <a:defRPr sz="3413"/>
+              <a:defRPr sz="5760"/>
             </a:lvl1pPr>
           </a:lstStyle>
           <a:p>
@@ -1967,39 +1966,39 @@
         </p:nvSpPr>
         <p:spPr>
           <a:xfrm>
-            <a:off x="6997304" y="1053254"/>
-            <a:ext cx="8332470" cy="5198533"/>
+            <a:off x="6997304" y="2369824"/>
+            <a:ext cx="8332470" cy="11696700"/>
           </a:xfrm>
         </p:spPr>
         <p:txBody>
           <a:bodyPr/>
           <a:lstStyle>
             <a:lvl1pPr>
-              <a:defRPr sz="3413"/>
+              <a:defRPr sz="5760"/>
             </a:lvl1pPr>
             <a:lvl2pPr>
-              <a:defRPr sz="2987"/>
+              <a:defRPr sz="5040"/>
             </a:lvl2pPr>
             <a:lvl3pPr>
-              <a:defRPr sz="2560"/>
+              <a:defRPr sz="4320"/>
             </a:lvl3pPr>
             <a:lvl4pPr>
-              <a:defRPr sz="2133"/>
+              <a:defRPr sz="3600"/>
             </a:lvl4pPr>
             <a:lvl5pPr>
-              <a:defRPr sz="2133"/>
+              <a:defRPr sz="3600"/>
             </a:lvl5pPr>
             <a:lvl6pPr>
-              <a:defRPr sz="2133"/>
+              <a:defRPr sz="3600"/>
             </a:lvl6pPr>
             <a:lvl7pPr>
-              <a:defRPr sz="2133"/>
+              <a:defRPr sz="3600"/>
             </a:lvl7pPr>
             <a:lvl8pPr>
-              <a:defRPr sz="2133"/>
+              <a:defRPr sz="3600"/>
             </a:lvl8pPr>
             <a:lvl9pPr>
-              <a:defRPr sz="2133"/>
+              <a:defRPr sz="3600"/>
             </a:lvl9pPr>
           </a:lstStyle>
           <a:p>
@@ -2052,8 +2051,8 @@
         </p:nvSpPr>
         <p:spPr>
           <a:xfrm>
-            <a:off x="1133714" y="2194560"/>
-            <a:ext cx="5308520" cy="4065694"/>
+            <a:off x="1133714" y="4937760"/>
+            <a:ext cx="5308520" cy="9147811"/>
           </a:xfrm>
         </p:spPr>
         <p:txBody>
@@ -2061,39 +2060,39 @@
           <a:lstStyle>
             <a:lvl1pPr marL="0" indent="0">
               <a:buNone/>
-              <a:defRPr sz="1707"/>
+              <a:defRPr sz="2880"/>
             </a:lvl1pPr>
-            <a:lvl2pPr marL="487695" indent="0">
+            <a:lvl2pPr marL="822960" indent="0">
               <a:buNone/>
-              <a:defRPr sz="1493"/>
+              <a:defRPr sz="2520"/>
             </a:lvl2pPr>
-            <a:lvl3pPr marL="975390" indent="0">
+            <a:lvl3pPr marL="1645920" indent="0">
               <a:buNone/>
-              <a:defRPr sz="1280"/>
+              <a:defRPr sz="2160"/>
             </a:lvl3pPr>
-            <a:lvl4pPr marL="1463086" indent="0">
+            <a:lvl4pPr marL="2468880" indent="0">
               <a:buNone/>
-              <a:defRPr sz="1067"/>
+              <a:defRPr sz="1800"/>
             </a:lvl4pPr>
-            <a:lvl5pPr marL="1950781" indent="0">
+            <a:lvl5pPr marL="3291840" indent="0">
               <a:buNone/>
-              <a:defRPr sz="1067"/>
+              <a:defRPr sz="1800"/>
             </a:lvl5pPr>
-            <a:lvl6pPr marL="2438476" indent="0">
+            <a:lvl6pPr marL="4114800" indent="0">
               <a:buNone/>
-              <a:defRPr sz="1067"/>
+              <a:defRPr sz="1800"/>
             </a:lvl6pPr>
-            <a:lvl7pPr marL="2926171" indent="0">
+            <a:lvl7pPr marL="4937760" indent="0">
               <a:buNone/>
-              <a:defRPr sz="1067"/>
+              <a:defRPr sz="1800"/>
             </a:lvl7pPr>
-            <a:lvl8pPr marL="3413867" indent="0">
+            <a:lvl8pPr marL="5760720" indent="0">
               <a:buNone/>
-              <a:defRPr sz="1067"/>
+              <a:defRPr sz="1800"/>
             </a:lvl8pPr>
-            <a:lvl9pPr marL="3901562" indent="0">
+            <a:lvl9pPr marL="6583680" indent="0">
               <a:buNone/>
-              <a:defRPr sz="1067"/>
+              <a:defRPr sz="1800"/>
             </a:lvl9pPr>
           </a:lstStyle>
           <a:p>
@@ -2122,7 +2121,7 @@
           <a:p>
             <a:fld id="{957CF60C-A504-6447-9F1C-7F75B010BCC6}" type="datetimeFigureOut">
               <a:rPr lang="en-US" smtClean="0"/>
-              <a:t>9/8/22</a:t>
+              <a:t>10/25/22</a:t>
             </a:fld>
             <a:endParaRPr lang="en-US"/>
           </a:p>
@@ -2173,7 +2172,7 @@
     </p:spTree>
     <p:extLst>
       <p:ext uri="{BB962C8B-B14F-4D97-AF65-F5344CB8AC3E}">
-        <p14:creationId xmlns:p14="http://schemas.microsoft.com/office/powerpoint/2010/main" val="4097384278"/>
+        <p14:creationId xmlns:p14="http://schemas.microsoft.com/office/powerpoint/2010/main" val="2988752404"/>
       </p:ext>
     </p:extLst>
   </p:cSld>
@@ -2212,15 +2211,15 @@
         </p:nvSpPr>
         <p:spPr>
           <a:xfrm>
-            <a:off x="1133714" y="487680"/>
-            <a:ext cx="5308520" cy="1706880"/>
+            <a:off x="1133714" y="1097280"/>
+            <a:ext cx="5308520" cy="3840480"/>
           </a:xfrm>
         </p:spPr>
         <p:txBody>
           <a:bodyPr anchor="b"/>
           <a:lstStyle>
             <a:lvl1pPr>
-              <a:defRPr sz="3413"/>
+              <a:defRPr sz="5760"/>
             </a:lvl1pPr>
           </a:lstStyle>
           <a:p>
@@ -2244,8 +2243,8 @@
         </p:nvSpPr>
         <p:spPr>
           <a:xfrm>
-            <a:off x="6997304" y="1053254"/>
-            <a:ext cx="8332470" cy="5198533"/>
+            <a:off x="6997304" y="2369824"/>
+            <a:ext cx="8332470" cy="11696700"/>
           </a:xfrm>
         </p:spPr>
         <p:txBody>
@@ -2253,39 +2252,39 @@
           <a:lstStyle>
             <a:lvl1pPr marL="0" indent="0">
               <a:buNone/>
-              <a:defRPr sz="3413"/>
+              <a:defRPr sz="5760"/>
             </a:lvl1pPr>
-            <a:lvl2pPr marL="487695" indent="0">
+            <a:lvl2pPr marL="822960" indent="0">
               <a:buNone/>
-              <a:defRPr sz="2987"/>
+              <a:defRPr sz="5040"/>
             </a:lvl2pPr>
-            <a:lvl3pPr marL="975390" indent="0">
+            <a:lvl3pPr marL="1645920" indent="0">
               <a:buNone/>
-              <a:defRPr sz="2560"/>
+              <a:defRPr sz="4320"/>
             </a:lvl3pPr>
-            <a:lvl4pPr marL="1463086" indent="0">
+            <a:lvl4pPr marL="2468880" indent="0">
               <a:buNone/>
-              <a:defRPr sz="2133"/>
+              <a:defRPr sz="3600"/>
             </a:lvl4pPr>
-            <a:lvl5pPr marL="1950781" indent="0">
+            <a:lvl5pPr marL="3291840" indent="0">
               <a:buNone/>
-              <a:defRPr sz="2133"/>
+              <a:defRPr sz="3600"/>
             </a:lvl5pPr>
-            <a:lvl6pPr marL="2438476" indent="0">
+            <a:lvl6pPr marL="4114800" indent="0">
               <a:buNone/>
-              <a:defRPr sz="2133"/>
+              <a:defRPr sz="3600"/>
             </a:lvl6pPr>
-            <a:lvl7pPr marL="2926171" indent="0">
+            <a:lvl7pPr marL="4937760" indent="0">
               <a:buNone/>
-              <a:defRPr sz="2133"/>
+              <a:defRPr sz="3600"/>
             </a:lvl7pPr>
-            <a:lvl8pPr marL="3413867" indent="0">
+            <a:lvl8pPr marL="5760720" indent="0">
               <a:buNone/>
-              <a:defRPr sz="2133"/>
+              <a:defRPr sz="3600"/>
             </a:lvl8pPr>
-            <a:lvl9pPr marL="3901562" indent="0">
+            <a:lvl9pPr marL="6583680" indent="0">
               <a:buNone/>
-              <a:defRPr sz="2133"/>
+              <a:defRPr sz="3600"/>
             </a:lvl9pPr>
           </a:lstStyle>
           <a:p>
@@ -2309,8 +2308,8 @@
         </p:nvSpPr>
         <p:spPr>
           <a:xfrm>
-            <a:off x="1133714" y="2194560"/>
-            <a:ext cx="5308520" cy="4065694"/>
+            <a:off x="1133714" y="4937760"/>
+            <a:ext cx="5308520" cy="9147811"/>
           </a:xfrm>
         </p:spPr>
         <p:txBody>
@@ -2318,39 +2317,39 @@
           <a:lstStyle>
             <a:lvl1pPr marL="0" indent="0">
               <a:buNone/>
-              <a:defRPr sz="1707"/>
+              <a:defRPr sz="2880"/>
             </a:lvl1pPr>
-            <a:lvl2pPr marL="487695" indent="0">
+            <a:lvl2pPr marL="822960" indent="0">
               <a:buNone/>
-              <a:defRPr sz="1493"/>
+              <a:defRPr sz="2520"/>
             </a:lvl2pPr>
-            <a:lvl3pPr marL="975390" indent="0">
+            <a:lvl3pPr marL="1645920" indent="0">
               <a:buNone/>
-              <a:defRPr sz="1280"/>
+              <a:defRPr sz="2160"/>
             </a:lvl3pPr>
-            <a:lvl4pPr marL="1463086" indent="0">
+            <a:lvl4pPr marL="2468880" indent="0">
               <a:buNone/>
-              <a:defRPr sz="1067"/>
+              <a:defRPr sz="1800"/>
             </a:lvl4pPr>
-            <a:lvl5pPr marL="1950781" indent="0">
+            <a:lvl5pPr marL="3291840" indent="0">
               <a:buNone/>
-              <a:defRPr sz="1067"/>
+              <a:defRPr sz="1800"/>
             </a:lvl5pPr>
-            <a:lvl6pPr marL="2438476" indent="0">
+            <a:lvl6pPr marL="4114800" indent="0">
               <a:buNone/>
-              <a:defRPr sz="1067"/>
+              <a:defRPr sz="1800"/>
             </a:lvl6pPr>
-            <a:lvl7pPr marL="2926171" indent="0">
+            <a:lvl7pPr marL="4937760" indent="0">
               <a:buNone/>
-              <a:defRPr sz="1067"/>
+              <a:defRPr sz="1800"/>
             </a:lvl7pPr>
-            <a:lvl8pPr marL="3413867" indent="0">
+            <a:lvl8pPr marL="5760720" indent="0">
               <a:buNone/>
-              <a:defRPr sz="1067"/>
+              <a:defRPr sz="1800"/>
             </a:lvl8pPr>
-            <a:lvl9pPr marL="3901562" indent="0">
+            <a:lvl9pPr marL="6583680" indent="0">
               <a:buNone/>
-              <a:defRPr sz="1067"/>
+              <a:defRPr sz="1800"/>
             </a:lvl9pPr>
           </a:lstStyle>
           <a:p>
@@ -2379,7 +2378,7 @@
           <a:p>
             <a:fld id="{957CF60C-A504-6447-9F1C-7F75B010BCC6}" type="datetimeFigureOut">
               <a:rPr lang="en-US" smtClean="0"/>
-              <a:t>9/8/22</a:t>
+              <a:t>10/25/22</a:t>
             </a:fld>
             <a:endParaRPr lang="en-US"/>
           </a:p>
@@ -2430,7 +2429,7 @@
     </p:spTree>
     <p:extLst>
       <p:ext uri="{BB962C8B-B14F-4D97-AF65-F5344CB8AC3E}">
-        <p14:creationId xmlns:p14="http://schemas.microsoft.com/office/powerpoint/2010/main" val="3914353899"/>
+        <p14:creationId xmlns:p14="http://schemas.microsoft.com/office/powerpoint/2010/main" val="2977697218"/>
       </p:ext>
     </p:extLst>
   </p:cSld>
@@ -2474,8 +2473,8 @@
         </p:nvSpPr>
         <p:spPr>
           <a:xfrm>
-            <a:off x="1131570" y="389467"/>
-            <a:ext cx="14196060" cy="1413934"/>
+            <a:off x="1131570" y="876304"/>
+            <a:ext cx="14196060" cy="3181351"/>
           </a:xfrm>
           <a:prstGeom prst="rect">
             <a:avLst/>
@@ -2507,8 +2506,8 @@
         </p:nvSpPr>
         <p:spPr>
           <a:xfrm>
-            <a:off x="1131570" y="1947333"/>
-            <a:ext cx="14196060" cy="4641427"/>
+            <a:off x="1131570" y="4381500"/>
+            <a:ext cx="14196060" cy="10443211"/>
           </a:xfrm>
           <a:prstGeom prst="rect">
             <a:avLst/>
@@ -2569,8 +2568,8 @@
         </p:nvSpPr>
         <p:spPr>
           <a:xfrm>
-            <a:off x="1131570" y="6780107"/>
-            <a:ext cx="3703320" cy="389467"/>
+            <a:off x="1131570" y="15255244"/>
+            <a:ext cx="3703320" cy="876300"/>
           </a:xfrm>
           <a:prstGeom prst="rect">
             <a:avLst/>
@@ -2580,7 +2579,7 @@
           <a:bodyPr vert="horz" lIns="91440" tIns="45720" rIns="91440" bIns="45720" rtlCol="0" anchor="ctr"/>
           <a:lstStyle>
             <a:lvl1pPr algn="l">
-              <a:defRPr sz="1280">
+              <a:defRPr sz="2160">
                 <a:solidFill>
                   <a:schemeClr val="tx1">
                     <a:tint val="75000"/>
@@ -2592,7 +2591,7 @@
           <a:p>
             <a:fld id="{957CF60C-A504-6447-9F1C-7F75B010BCC6}" type="datetimeFigureOut">
               <a:rPr lang="en-US" smtClean="0"/>
-              <a:t>9/8/22</a:t>
+              <a:t>10/25/22</a:t>
             </a:fld>
             <a:endParaRPr lang="en-US"/>
           </a:p>
@@ -2610,8 +2609,8 @@
         </p:nvSpPr>
         <p:spPr>
           <a:xfrm>
-            <a:off x="5452110" y="6780107"/>
-            <a:ext cx="5554980" cy="389467"/>
+            <a:off x="5452110" y="15255244"/>
+            <a:ext cx="5554980" cy="876300"/>
           </a:xfrm>
           <a:prstGeom prst="rect">
             <a:avLst/>
@@ -2621,7 +2620,7 @@
           <a:bodyPr vert="horz" lIns="91440" tIns="45720" rIns="91440" bIns="45720" rtlCol="0" anchor="ctr"/>
           <a:lstStyle>
             <a:lvl1pPr algn="ctr">
-              <a:defRPr sz="1280">
+              <a:defRPr sz="2160">
                 <a:solidFill>
                   <a:schemeClr val="tx1">
                     <a:tint val="75000"/>
@@ -2647,8 +2646,8 @@
         </p:nvSpPr>
         <p:spPr>
           <a:xfrm>
-            <a:off x="11624310" y="6780107"/>
-            <a:ext cx="3703320" cy="389467"/>
+            <a:off x="11624310" y="15255244"/>
+            <a:ext cx="3703320" cy="876300"/>
           </a:xfrm>
           <a:prstGeom prst="rect">
             <a:avLst/>
@@ -2658,7 +2657,7 @@
           <a:bodyPr vert="horz" lIns="91440" tIns="45720" rIns="91440" bIns="45720" rtlCol="0" anchor="ctr"/>
           <a:lstStyle>
             <a:lvl1pPr algn="r">
-              <a:defRPr sz="1280">
+              <a:defRPr sz="2160">
                 <a:solidFill>
                   <a:schemeClr val="tx1">
                     <a:tint val="75000"/>
@@ -2679,27 +2678,27 @@
     </p:spTree>
     <p:extLst>
       <p:ext uri="{BB962C8B-B14F-4D97-AF65-F5344CB8AC3E}">
-        <p14:creationId xmlns:p14="http://schemas.microsoft.com/office/powerpoint/2010/main" val="3739609895"/>
+        <p14:creationId xmlns:p14="http://schemas.microsoft.com/office/powerpoint/2010/main" val="100810119"/>
       </p:ext>
     </p:extLst>
   </p:cSld>
   <p:clrMap bg1="lt1" tx1="dk1" bg2="lt2" tx2="dk2" accent1="accent1" accent2="accent2" accent3="accent3" accent4="accent4" accent5="accent5" accent6="accent6" hlink="hlink" folHlink="folHlink"/>
   <p:sldLayoutIdLst>
-    <p:sldLayoutId id="2147483733" r:id="rId1"/>
-    <p:sldLayoutId id="2147483734" r:id="rId2"/>
-    <p:sldLayoutId id="2147483735" r:id="rId3"/>
-    <p:sldLayoutId id="2147483736" r:id="rId4"/>
-    <p:sldLayoutId id="2147483737" r:id="rId5"/>
-    <p:sldLayoutId id="2147483738" r:id="rId6"/>
-    <p:sldLayoutId id="2147483739" r:id="rId7"/>
-    <p:sldLayoutId id="2147483740" r:id="rId8"/>
-    <p:sldLayoutId id="2147483741" r:id="rId9"/>
-    <p:sldLayoutId id="2147483742" r:id="rId10"/>
-    <p:sldLayoutId id="2147483743" r:id="rId11"/>
+    <p:sldLayoutId id="2147483745" r:id="rId1"/>
+    <p:sldLayoutId id="2147483746" r:id="rId2"/>
+    <p:sldLayoutId id="2147483747" r:id="rId3"/>
+    <p:sldLayoutId id="2147483748" r:id="rId4"/>
+    <p:sldLayoutId id="2147483749" r:id="rId5"/>
+    <p:sldLayoutId id="2147483750" r:id="rId6"/>
+    <p:sldLayoutId id="2147483751" r:id="rId7"/>
+    <p:sldLayoutId id="2147483752" r:id="rId8"/>
+    <p:sldLayoutId id="2147483753" r:id="rId9"/>
+    <p:sldLayoutId id="2147483754" r:id="rId10"/>
+    <p:sldLayoutId id="2147483755" r:id="rId11"/>
   </p:sldLayoutIdLst>
   <p:txStyles>
     <p:titleStyle>
-      <a:lvl1pPr algn="l" defTabSz="975390" rtl="0" eaLnBrk="1" latinLnBrk="0" hangingPunct="1">
+      <a:lvl1pPr algn="l" defTabSz="1645920" rtl="0" eaLnBrk="1" latinLnBrk="0" hangingPunct="1">
         <a:lnSpc>
           <a:spcPct val="90000"/>
         </a:lnSpc>
@@ -2707,7 +2706,7 @@
           <a:spcPct val="0"/>
         </a:spcBef>
         <a:buNone/>
-        <a:defRPr sz="4693" kern="1200">
+        <a:defRPr sz="7920" kern="1200">
           <a:solidFill>
             <a:schemeClr val="tx1"/>
           </a:solidFill>
@@ -2718,16 +2717,16 @@
       </a:lvl1pPr>
     </p:titleStyle>
     <p:bodyStyle>
-      <a:lvl1pPr marL="243848" indent="-243848" algn="l" defTabSz="975390" rtl="0" eaLnBrk="1" latinLnBrk="0" hangingPunct="1">
+      <a:lvl1pPr marL="411480" indent="-411480" algn="l" defTabSz="1645920" rtl="0" eaLnBrk="1" latinLnBrk="0" hangingPunct="1">
         <a:lnSpc>
           <a:spcPct val="90000"/>
         </a:lnSpc>
         <a:spcBef>
-          <a:spcPts val="1067"/>
+          <a:spcPts val="1800"/>
         </a:spcBef>
         <a:buFont typeface="Arial" panose="020B0604020202020204" pitchFamily="34" charset="0"/>
         <a:buChar char="•"/>
-        <a:defRPr sz="2987" kern="1200">
+        <a:defRPr sz="5040" kern="1200">
           <a:solidFill>
             <a:schemeClr val="tx1"/>
           </a:solidFill>
@@ -2736,16 +2735,16 @@
           <a:cs typeface="+mn-cs"/>
         </a:defRPr>
       </a:lvl1pPr>
-      <a:lvl2pPr marL="731543" indent="-243848" algn="l" defTabSz="975390" rtl="0" eaLnBrk="1" latinLnBrk="0" hangingPunct="1">
+      <a:lvl2pPr marL="1234440" indent="-411480" algn="l" defTabSz="1645920" rtl="0" eaLnBrk="1" latinLnBrk="0" hangingPunct="1">
         <a:lnSpc>
           <a:spcPct val="90000"/>
         </a:lnSpc>
         <a:spcBef>
-          <a:spcPts val="533"/>
+          <a:spcPts val="900"/>
         </a:spcBef>
         <a:buFont typeface="Arial" panose="020B0604020202020204" pitchFamily="34" charset="0"/>
         <a:buChar char="•"/>
-        <a:defRPr sz="2560" kern="1200">
+        <a:defRPr sz="4320" kern="1200">
           <a:solidFill>
             <a:schemeClr val="tx1"/>
           </a:solidFill>
@@ -2754,16 +2753,16 @@
           <a:cs typeface="+mn-cs"/>
         </a:defRPr>
       </a:lvl2pPr>
-      <a:lvl3pPr marL="1219238" indent="-243848" algn="l" defTabSz="975390" rtl="0" eaLnBrk="1" latinLnBrk="0" hangingPunct="1">
+      <a:lvl3pPr marL="2057400" indent="-411480" algn="l" defTabSz="1645920" rtl="0" eaLnBrk="1" latinLnBrk="0" hangingPunct="1">
         <a:lnSpc>
           <a:spcPct val="90000"/>
         </a:lnSpc>
         <a:spcBef>
-          <a:spcPts val="533"/>
+          <a:spcPts val="900"/>
         </a:spcBef>
         <a:buFont typeface="Arial" panose="020B0604020202020204" pitchFamily="34" charset="0"/>
         <a:buChar char="•"/>
-        <a:defRPr sz="2133" kern="1200">
+        <a:defRPr sz="3600" kern="1200">
           <a:solidFill>
             <a:schemeClr val="tx1"/>
           </a:solidFill>
@@ -2772,16 +2771,16 @@
           <a:cs typeface="+mn-cs"/>
         </a:defRPr>
       </a:lvl3pPr>
-      <a:lvl4pPr marL="1706933" indent="-243848" algn="l" defTabSz="975390" rtl="0" eaLnBrk="1" latinLnBrk="0" hangingPunct="1">
+      <a:lvl4pPr marL="2880360" indent="-411480" algn="l" defTabSz="1645920" rtl="0" eaLnBrk="1" latinLnBrk="0" hangingPunct="1">
         <a:lnSpc>
           <a:spcPct val="90000"/>
         </a:lnSpc>
         <a:spcBef>
-          <a:spcPts val="533"/>
+          <a:spcPts val="900"/>
         </a:spcBef>
         <a:buFont typeface="Arial" panose="020B0604020202020204" pitchFamily="34" charset="0"/>
         <a:buChar char="•"/>
-        <a:defRPr sz="1920" kern="1200">
+        <a:defRPr sz="3240" kern="1200">
           <a:solidFill>
             <a:schemeClr val="tx1"/>
           </a:solidFill>
@@ -2790,16 +2789,16 @@
           <a:cs typeface="+mn-cs"/>
         </a:defRPr>
       </a:lvl4pPr>
-      <a:lvl5pPr marL="2194629" indent="-243848" algn="l" defTabSz="975390" rtl="0" eaLnBrk="1" latinLnBrk="0" hangingPunct="1">
+      <a:lvl5pPr marL="3703320" indent="-411480" algn="l" defTabSz="1645920" rtl="0" eaLnBrk="1" latinLnBrk="0" hangingPunct="1">
         <a:lnSpc>
           <a:spcPct val="90000"/>
         </a:lnSpc>
         <a:spcBef>
-          <a:spcPts val="533"/>
+          <a:spcPts val="900"/>
         </a:spcBef>
         <a:buFont typeface="Arial" panose="020B0604020202020204" pitchFamily="34" charset="0"/>
         <a:buChar char="•"/>
-        <a:defRPr sz="1920" kern="1200">
+        <a:defRPr sz="3240" kern="1200">
           <a:solidFill>
             <a:schemeClr val="tx1"/>
           </a:solidFill>
@@ -2808,16 +2807,16 @@
           <a:cs typeface="+mn-cs"/>
         </a:defRPr>
       </a:lvl5pPr>
-      <a:lvl6pPr marL="2682324" indent="-243848" algn="l" defTabSz="975390" rtl="0" eaLnBrk="1" latinLnBrk="0" hangingPunct="1">
+      <a:lvl6pPr marL="4526280" indent="-411480" algn="l" defTabSz="1645920" rtl="0" eaLnBrk="1" latinLnBrk="0" hangingPunct="1">
         <a:lnSpc>
           <a:spcPct val="90000"/>
         </a:lnSpc>
         <a:spcBef>
-          <a:spcPts val="533"/>
+          <a:spcPts val="900"/>
         </a:spcBef>
         <a:buFont typeface="Arial" panose="020B0604020202020204" pitchFamily="34" charset="0"/>
         <a:buChar char="•"/>
-        <a:defRPr sz="1920" kern="1200">
+        <a:defRPr sz="3240" kern="1200">
           <a:solidFill>
             <a:schemeClr val="tx1"/>
           </a:solidFill>
@@ -2826,16 +2825,16 @@
           <a:cs typeface="+mn-cs"/>
         </a:defRPr>
       </a:lvl6pPr>
-      <a:lvl7pPr marL="3170019" indent="-243848" algn="l" defTabSz="975390" rtl="0" eaLnBrk="1" latinLnBrk="0" hangingPunct="1">
+      <a:lvl7pPr marL="5349240" indent="-411480" algn="l" defTabSz="1645920" rtl="0" eaLnBrk="1" latinLnBrk="0" hangingPunct="1">
         <a:lnSpc>
           <a:spcPct val="90000"/>
         </a:lnSpc>
         <a:spcBef>
-          <a:spcPts val="533"/>
+          <a:spcPts val="900"/>
         </a:spcBef>
         <a:buFont typeface="Arial" panose="020B0604020202020204" pitchFamily="34" charset="0"/>
         <a:buChar char="•"/>
-        <a:defRPr sz="1920" kern="1200">
+        <a:defRPr sz="3240" kern="1200">
           <a:solidFill>
             <a:schemeClr val="tx1"/>
           </a:solidFill>
@@ -2844,16 +2843,16 @@
           <a:cs typeface="+mn-cs"/>
         </a:defRPr>
       </a:lvl7pPr>
-      <a:lvl8pPr marL="3657714" indent="-243848" algn="l" defTabSz="975390" rtl="0" eaLnBrk="1" latinLnBrk="0" hangingPunct="1">
+      <a:lvl8pPr marL="6172200" indent="-411480" algn="l" defTabSz="1645920" rtl="0" eaLnBrk="1" latinLnBrk="0" hangingPunct="1">
         <a:lnSpc>
           <a:spcPct val="90000"/>
         </a:lnSpc>
         <a:spcBef>
-          <a:spcPts val="533"/>
+          <a:spcPts val="900"/>
         </a:spcBef>
         <a:buFont typeface="Arial" panose="020B0604020202020204" pitchFamily="34" charset="0"/>
         <a:buChar char="•"/>
-        <a:defRPr sz="1920" kern="1200">
+        <a:defRPr sz="3240" kern="1200">
           <a:solidFill>
             <a:schemeClr val="tx1"/>
           </a:solidFill>
@@ -2862,16 +2861,16 @@
           <a:cs typeface="+mn-cs"/>
         </a:defRPr>
       </a:lvl8pPr>
-      <a:lvl9pPr marL="4145410" indent="-243848" algn="l" defTabSz="975390" rtl="0" eaLnBrk="1" latinLnBrk="0" hangingPunct="1">
+      <a:lvl9pPr marL="6995160" indent="-411480" algn="l" defTabSz="1645920" rtl="0" eaLnBrk="1" latinLnBrk="0" hangingPunct="1">
         <a:lnSpc>
           <a:spcPct val="90000"/>
         </a:lnSpc>
         <a:spcBef>
-          <a:spcPts val="533"/>
+          <a:spcPts val="900"/>
         </a:spcBef>
         <a:buFont typeface="Arial" panose="020B0604020202020204" pitchFamily="34" charset="0"/>
         <a:buChar char="•"/>
-        <a:defRPr sz="1920" kern="1200">
+        <a:defRPr sz="3240" kern="1200">
           <a:solidFill>
             <a:schemeClr val="tx1"/>
           </a:solidFill>
@@ -2885,8 +2884,8 @@
       <a:defPPr>
         <a:defRPr lang="en-US"/>
       </a:defPPr>
-      <a:lvl1pPr marL="0" algn="l" defTabSz="975390" rtl="0" eaLnBrk="1" latinLnBrk="0" hangingPunct="1">
-        <a:defRPr sz="1920" kern="1200">
+      <a:lvl1pPr marL="0" algn="l" defTabSz="1645920" rtl="0" eaLnBrk="1" latinLnBrk="0" hangingPunct="1">
+        <a:defRPr sz="3240" kern="1200">
           <a:solidFill>
             <a:schemeClr val="tx1"/>
           </a:solidFill>
@@ -2895,8 +2894,8 @@
           <a:cs typeface="+mn-cs"/>
         </a:defRPr>
       </a:lvl1pPr>
-      <a:lvl2pPr marL="487695" algn="l" defTabSz="975390" rtl="0" eaLnBrk="1" latinLnBrk="0" hangingPunct="1">
-        <a:defRPr sz="1920" kern="1200">
+      <a:lvl2pPr marL="822960" algn="l" defTabSz="1645920" rtl="0" eaLnBrk="1" latinLnBrk="0" hangingPunct="1">
+        <a:defRPr sz="3240" kern="1200">
           <a:solidFill>
             <a:schemeClr val="tx1"/>
           </a:solidFill>
@@ -2905,8 +2904,8 @@
           <a:cs typeface="+mn-cs"/>
         </a:defRPr>
       </a:lvl2pPr>
-      <a:lvl3pPr marL="975390" algn="l" defTabSz="975390" rtl="0" eaLnBrk="1" latinLnBrk="0" hangingPunct="1">
-        <a:defRPr sz="1920" kern="1200">
+      <a:lvl3pPr marL="1645920" algn="l" defTabSz="1645920" rtl="0" eaLnBrk="1" latinLnBrk="0" hangingPunct="1">
+        <a:defRPr sz="3240" kern="1200">
           <a:solidFill>
             <a:schemeClr val="tx1"/>
           </a:solidFill>
@@ -2915,8 +2914,8 @@
           <a:cs typeface="+mn-cs"/>
         </a:defRPr>
       </a:lvl3pPr>
-      <a:lvl4pPr marL="1463086" algn="l" defTabSz="975390" rtl="0" eaLnBrk="1" latinLnBrk="0" hangingPunct="1">
-        <a:defRPr sz="1920" kern="1200">
+      <a:lvl4pPr marL="2468880" algn="l" defTabSz="1645920" rtl="0" eaLnBrk="1" latinLnBrk="0" hangingPunct="1">
+        <a:defRPr sz="3240" kern="1200">
           <a:solidFill>
             <a:schemeClr val="tx1"/>
           </a:solidFill>
@@ -2925,8 +2924,8 @@
           <a:cs typeface="+mn-cs"/>
         </a:defRPr>
       </a:lvl4pPr>
-      <a:lvl5pPr marL="1950781" algn="l" defTabSz="975390" rtl="0" eaLnBrk="1" latinLnBrk="0" hangingPunct="1">
-        <a:defRPr sz="1920" kern="1200">
+      <a:lvl5pPr marL="3291840" algn="l" defTabSz="1645920" rtl="0" eaLnBrk="1" latinLnBrk="0" hangingPunct="1">
+        <a:defRPr sz="3240" kern="1200">
           <a:solidFill>
             <a:schemeClr val="tx1"/>
           </a:solidFill>
@@ -2935,8 +2934,8 @@
           <a:cs typeface="+mn-cs"/>
         </a:defRPr>
       </a:lvl5pPr>
-      <a:lvl6pPr marL="2438476" algn="l" defTabSz="975390" rtl="0" eaLnBrk="1" latinLnBrk="0" hangingPunct="1">
-        <a:defRPr sz="1920" kern="1200">
+      <a:lvl6pPr marL="4114800" algn="l" defTabSz="1645920" rtl="0" eaLnBrk="1" latinLnBrk="0" hangingPunct="1">
+        <a:defRPr sz="3240" kern="1200">
           <a:solidFill>
             <a:schemeClr val="tx1"/>
           </a:solidFill>
@@ -2945,8 +2944,8 @@
           <a:cs typeface="+mn-cs"/>
         </a:defRPr>
       </a:lvl6pPr>
-      <a:lvl7pPr marL="2926171" algn="l" defTabSz="975390" rtl="0" eaLnBrk="1" latinLnBrk="0" hangingPunct="1">
-        <a:defRPr sz="1920" kern="1200">
+      <a:lvl7pPr marL="4937760" algn="l" defTabSz="1645920" rtl="0" eaLnBrk="1" latinLnBrk="0" hangingPunct="1">
+        <a:defRPr sz="3240" kern="1200">
           <a:solidFill>
             <a:schemeClr val="tx1"/>
           </a:solidFill>
@@ -2955,8 +2954,8 @@
           <a:cs typeface="+mn-cs"/>
         </a:defRPr>
       </a:lvl7pPr>
-      <a:lvl8pPr marL="3413867" algn="l" defTabSz="975390" rtl="0" eaLnBrk="1" latinLnBrk="0" hangingPunct="1">
-        <a:defRPr sz="1920" kern="1200">
+      <a:lvl8pPr marL="5760720" algn="l" defTabSz="1645920" rtl="0" eaLnBrk="1" latinLnBrk="0" hangingPunct="1">
+        <a:defRPr sz="3240" kern="1200">
           <a:solidFill>
             <a:schemeClr val="tx1"/>
           </a:solidFill>
@@ -2965,8 +2964,8 @@
           <a:cs typeface="+mn-cs"/>
         </a:defRPr>
       </a:lvl8pPr>
-      <a:lvl9pPr marL="3901562" algn="l" defTabSz="975390" rtl="0" eaLnBrk="1" latinLnBrk="0" hangingPunct="1">
-        <a:defRPr sz="1920" kern="1200">
+      <a:lvl9pPr marL="6583680" algn="l" defTabSz="1645920" rtl="0" eaLnBrk="1" latinLnBrk="0" hangingPunct="1">
+        <a:defRPr sz="3240" kern="1200">
           <a:solidFill>
             <a:schemeClr val="tx1"/>
           </a:solidFill>
@@ -3011,7 +3010,7 @@
         </p:nvGrpSpPr>
         <p:grpSpPr>
           <a:xfrm>
-            <a:off x="9469973" y="2635252"/>
+            <a:off x="9469973" y="7207252"/>
             <a:ext cx="608922" cy="2081816"/>
             <a:chOff x="8515683" y="1263650"/>
             <a:chExt cx="608922" cy="2081816"/>
@@ -3263,7 +3262,7 @@
         </p:nvSpPr>
         <p:spPr>
           <a:xfrm>
-            <a:off x="10078896" y="1546210"/>
+            <a:off x="10078897" y="6118211"/>
             <a:ext cx="2003239" cy="1200329"/>
           </a:xfrm>
           <a:prstGeom prst="rect">
@@ -3321,7 +3320,7 @@
             </p:nvSpPr>
             <p:spPr>
               <a:xfrm>
-                <a:off x="9726473" y="2943557"/>
+                <a:off x="9726474" y="7515557"/>
                 <a:ext cx="2708089" cy="1441292"/>
               </a:xfrm>
               <a:prstGeom prst="rect">
@@ -3716,7 +3715,7 @@
             </p:nvSpPr>
             <p:spPr>
               <a:xfrm>
-                <a:off x="9726473" y="2943557"/>
+                <a:off x="9726474" y="7515557"/>
                 <a:ext cx="2708089" cy="1441292"/>
               </a:xfrm>
               <a:prstGeom prst="rect">
@@ -3763,7 +3762,7 @@
         </p:nvGrpSpPr>
         <p:grpSpPr>
           <a:xfrm>
-            <a:off x="9747602" y="4581868"/>
+            <a:off x="9747603" y="9153868"/>
             <a:ext cx="2665829" cy="1815882"/>
             <a:chOff x="8651359" y="2961973"/>
             <a:chExt cx="2665829" cy="1815882"/>
@@ -3891,7 +3890,7 @@
         </p:nvGrpSpPr>
         <p:grpSpPr>
           <a:xfrm>
-            <a:off x="6226650" y="3366605"/>
+            <a:off x="6226650" y="7938605"/>
             <a:ext cx="430506" cy="584184"/>
             <a:chOff x="5272360" y="2006015"/>
             <a:chExt cx="430506" cy="573172"/>
@@ -4052,7 +4051,7 @@
         </p:nvGrpSpPr>
         <p:grpSpPr>
           <a:xfrm>
-            <a:off x="3735872" y="3366605"/>
+            <a:off x="3735872" y="7938605"/>
             <a:ext cx="428326" cy="573172"/>
             <a:chOff x="2783762" y="2006015"/>
             <a:chExt cx="428326" cy="573172"/>
@@ -4260,7 +4259,7 @@
         </p:nvSpPr>
         <p:spPr>
           <a:xfrm>
-            <a:off x="3992373" y="3792607"/>
+            <a:off x="3992374" y="8364608"/>
             <a:ext cx="2406105" cy="1200329"/>
           </a:xfrm>
           <a:prstGeom prst="rect">
@@ -4308,7 +4307,7 @@
         </p:nvGrpSpPr>
         <p:grpSpPr>
           <a:xfrm>
-            <a:off x="999268" y="3053028"/>
+            <a:off x="999269" y="7625029"/>
             <a:ext cx="2736605" cy="1200329"/>
             <a:chOff x="44977" y="3053026"/>
             <a:chExt cx="2736605" cy="1200329"/>
@@ -4449,7 +4448,7 @@
         </p:nvGrpSpPr>
         <p:grpSpPr>
           <a:xfrm>
-            <a:off x="4164198" y="1660699"/>
+            <a:off x="4164198" y="6232699"/>
             <a:ext cx="2062452" cy="1815882"/>
             <a:chOff x="3125498" y="321690"/>
             <a:chExt cx="2062452" cy="1815882"/>
@@ -4570,7 +4569,7 @@
             </p:nvSpPr>
             <p:spPr>
               <a:xfrm>
-                <a:off x="6657157" y="3111665"/>
+                <a:off x="6657158" y="7683665"/>
                 <a:ext cx="2812817" cy="1108958"/>
               </a:xfrm>
               <a:prstGeom prst="rect">
@@ -4725,7 +4724,7 @@
             </p:nvSpPr>
             <p:spPr>
               <a:xfrm>
-                <a:off x="6657157" y="3111665"/>
+                <a:off x="6657158" y="7683665"/>
                 <a:ext cx="2812817" cy="1108958"/>
               </a:xfrm>
               <a:prstGeom prst="rect">
@@ -4802,7 +4801,7 @@
         </p:nvGrpSpPr>
         <p:grpSpPr>
           <a:xfrm>
-            <a:off x="993130" y="1336516"/>
+            <a:off x="993130" y="5908516"/>
             <a:ext cx="11750300" cy="4642168"/>
             <a:chOff x="44977" y="1336516"/>
             <a:chExt cx="11750300" cy="4642168"/>
@@ -5994,8 +5993,8 @@
         </p:nvGrpSpPr>
         <p:grpSpPr>
           <a:xfrm>
-            <a:off x="999268" y="1336516"/>
-            <a:ext cx="14727709" cy="4642168"/>
+            <a:off x="999269" y="5908516"/>
+            <a:ext cx="14727709" cy="4645152"/>
             <a:chOff x="999268" y="1336516"/>
             <a:chExt cx="14727709" cy="4642168"/>
           </a:xfrm>
@@ -6443,8 +6442,8 @@
             </p:spPr>
           </p:pic>
         </p:grpSp>
-        <mc:AlternateContent xmlns:mc="http://schemas.openxmlformats.org/markup-compatibility/2006">
-          <mc:Choice xmlns:a14="http://schemas.microsoft.com/office/drawing/2010/main" Requires="a14">
+        <mc:AlternateContent xmlns:mc="http://schemas.openxmlformats.org/markup-compatibility/2006" xmlns:a14="http://schemas.microsoft.com/office/drawing/2010/main">
+          <mc:Choice Requires="a14">
             <p:sp>
               <p:nvSpPr>
                 <p:cNvPr id="26" name="TextBox 25">
@@ -6597,7 +6596,7 @@
               </p:txBody>
             </p:sp>
           </mc:Choice>
-          <mc:Fallback>
+          <mc:Fallback xmlns="">
             <p:sp>
               <p:nvSpPr>
                 <p:cNvPr id="26" name="TextBox 25">
@@ -7279,6 +7278,36 @@
 </p:sld>
 </file>
 
+<file path=ppt/slides/slide3.xml><?xml version="1.0" encoding="utf-8"?>
+<p:sld xmlns:a="http://schemas.openxmlformats.org/drawingml/2006/main" xmlns:r="http://schemas.openxmlformats.org/officeDocument/2006/relationships" xmlns:p="http://schemas.openxmlformats.org/presentationml/2006/main">
+  <p:cSld>
+    <p:spTree>
+      <p:nvGrpSpPr>
+        <p:cNvPr id="1" name=""/>
+        <p:cNvGrpSpPr/>
+        <p:nvPr/>
+      </p:nvGrpSpPr>
+      <p:grpSpPr>
+        <a:xfrm>
+          <a:off x="0" y="0"/>
+          <a:ext cx="0" cy="0"/>
+          <a:chOff x="0" y="0"/>
+          <a:chExt cx="0" cy="0"/>
+        </a:xfrm>
+      </p:grpSpPr>
+    </p:spTree>
+    <p:extLst>
+      <p:ext uri="{BB962C8B-B14F-4D97-AF65-F5344CB8AC3E}">
+        <p14:creationId xmlns:p14="http://schemas.microsoft.com/office/powerpoint/2010/main" val="2145722793"/>
+      </p:ext>
+    </p:extLst>
+  </p:cSld>
+  <p:clrMapOvr>
+    <a:masterClrMapping/>
+  </p:clrMapOvr>
+</p:sld>
+</file>
+
 <file path=ppt/theme/theme1.xml><?xml version="1.0" encoding="utf-8"?>
 <a:theme xmlns:a="http://schemas.openxmlformats.org/drawingml/2006/main" name="Office Theme">
   <a:themeElements>

--- a/modsel/paramest/ModSelAnalysis_FlowDiagram.pptx
+++ b/modsel/paramest/ModSelAnalysis_FlowDiagram.pptx
@@ -2,21 +2,26 @@
 <file path=ppt/presentation.xml><?xml version="1.0" encoding="utf-8"?>
 <p:presentation xmlns:a="http://schemas.openxmlformats.org/drawingml/2006/main" xmlns:r="http://schemas.openxmlformats.org/officeDocument/2006/relationships" xmlns:p="http://schemas.openxmlformats.org/presentationml/2006/main" saveSubsetFonts="1" autoCompressPictures="0">
   <p:sldMasterIdLst>
-    <p:sldMasterId id="2147483744" r:id="rId1"/>
+    <p:sldMasterId id="2147483756" r:id="rId1"/>
   </p:sldMasterIdLst>
+  <p:notesMasterIdLst>
+    <p:notesMasterId r:id="rId7"/>
+  </p:notesMasterIdLst>
   <p:sldIdLst>
     <p:sldId id="256" r:id="rId2"/>
     <p:sldId id="258" r:id="rId3"/>
     <p:sldId id="259" r:id="rId4"/>
+    <p:sldId id="260" r:id="rId5"/>
+    <p:sldId id="261" r:id="rId6"/>
   </p:sldIdLst>
-  <p:sldSz cx="16459200" cy="16459200"/>
+  <p:sldSz cx="21945600" cy="21945600"/>
   <p:notesSz cx="6858000" cy="9144000"/>
   <p:defaultTextStyle>
     <a:defPPr>
       <a:defRPr lang="en-US"/>
     </a:defPPr>
-    <a:lvl1pPr marL="0" algn="l" defTabSz="914400" rtl="0" eaLnBrk="1" latinLnBrk="0" hangingPunct="1">
-      <a:defRPr sz="1800" kern="1200">
+    <a:lvl1pPr marL="0" algn="l" defTabSz="1219170" rtl="0" eaLnBrk="1" latinLnBrk="0" hangingPunct="1">
+      <a:defRPr sz="2400" kern="1200">
         <a:solidFill>
           <a:schemeClr val="tx1"/>
         </a:solidFill>
@@ -25,8 +30,8 @@
         <a:cs typeface="+mn-cs"/>
       </a:defRPr>
     </a:lvl1pPr>
-    <a:lvl2pPr marL="457200" algn="l" defTabSz="914400" rtl="0" eaLnBrk="1" latinLnBrk="0" hangingPunct="1">
-      <a:defRPr sz="1800" kern="1200">
+    <a:lvl2pPr marL="609585" algn="l" defTabSz="1219170" rtl="0" eaLnBrk="1" latinLnBrk="0" hangingPunct="1">
+      <a:defRPr sz="2400" kern="1200">
         <a:solidFill>
           <a:schemeClr val="tx1"/>
         </a:solidFill>
@@ -35,8 +40,8 @@
         <a:cs typeface="+mn-cs"/>
       </a:defRPr>
     </a:lvl2pPr>
-    <a:lvl3pPr marL="914400" algn="l" defTabSz="914400" rtl="0" eaLnBrk="1" latinLnBrk="0" hangingPunct="1">
-      <a:defRPr sz="1800" kern="1200">
+    <a:lvl3pPr marL="1219170" algn="l" defTabSz="1219170" rtl="0" eaLnBrk="1" latinLnBrk="0" hangingPunct="1">
+      <a:defRPr sz="2400" kern="1200">
         <a:solidFill>
           <a:schemeClr val="tx1"/>
         </a:solidFill>
@@ -45,8 +50,8 @@
         <a:cs typeface="+mn-cs"/>
       </a:defRPr>
     </a:lvl3pPr>
-    <a:lvl4pPr marL="1371600" algn="l" defTabSz="914400" rtl="0" eaLnBrk="1" latinLnBrk="0" hangingPunct="1">
-      <a:defRPr sz="1800" kern="1200">
+    <a:lvl4pPr marL="1828754" algn="l" defTabSz="1219170" rtl="0" eaLnBrk="1" latinLnBrk="0" hangingPunct="1">
+      <a:defRPr sz="2400" kern="1200">
         <a:solidFill>
           <a:schemeClr val="tx1"/>
         </a:solidFill>
@@ -55,8 +60,8 @@
         <a:cs typeface="+mn-cs"/>
       </a:defRPr>
     </a:lvl4pPr>
-    <a:lvl5pPr marL="1828800" algn="l" defTabSz="914400" rtl="0" eaLnBrk="1" latinLnBrk="0" hangingPunct="1">
-      <a:defRPr sz="1800" kern="1200">
+    <a:lvl5pPr marL="2438339" algn="l" defTabSz="1219170" rtl="0" eaLnBrk="1" latinLnBrk="0" hangingPunct="1">
+      <a:defRPr sz="2400" kern="1200">
         <a:solidFill>
           <a:schemeClr val="tx1"/>
         </a:solidFill>
@@ -65,8 +70,8 @@
         <a:cs typeface="+mn-cs"/>
       </a:defRPr>
     </a:lvl5pPr>
-    <a:lvl6pPr marL="2286000" algn="l" defTabSz="914400" rtl="0" eaLnBrk="1" latinLnBrk="0" hangingPunct="1">
-      <a:defRPr sz="1800" kern="1200">
+    <a:lvl6pPr marL="3047924" algn="l" defTabSz="1219170" rtl="0" eaLnBrk="1" latinLnBrk="0" hangingPunct="1">
+      <a:defRPr sz="2400" kern="1200">
         <a:solidFill>
           <a:schemeClr val="tx1"/>
         </a:solidFill>
@@ -75,8 +80,8 @@
         <a:cs typeface="+mn-cs"/>
       </a:defRPr>
     </a:lvl6pPr>
-    <a:lvl7pPr marL="2743200" algn="l" defTabSz="914400" rtl="0" eaLnBrk="1" latinLnBrk="0" hangingPunct="1">
-      <a:defRPr sz="1800" kern="1200">
+    <a:lvl7pPr marL="3657509" algn="l" defTabSz="1219170" rtl="0" eaLnBrk="1" latinLnBrk="0" hangingPunct="1">
+      <a:defRPr sz="2400" kern="1200">
         <a:solidFill>
           <a:schemeClr val="tx1"/>
         </a:solidFill>
@@ -85,8 +90,8 @@
         <a:cs typeface="+mn-cs"/>
       </a:defRPr>
     </a:lvl7pPr>
-    <a:lvl8pPr marL="3200400" algn="l" defTabSz="914400" rtl="0" eaLnBrk="1" latinLnBrk="0" hangingPunct="1">
-      <a:defRPr sz="1800" kern="1200">
+    <a:lvl8pPr marL="4267093" algn="l" defTabSz="1219170" rtl="0" eaLnBrk="1" latinLnBrk="0" hangingPunct="1">
+      <a:defRPr sz="2400" kern="1200">
         <a:solidFill>
           <a:schemeClr val="tx1"/>
         </a:solidFill>
@@ -95,8 +100,8 @@
         <a:cs typeface="+mn-cs"/>
       </a:defRPr>
     </a:lvl8pPr>
-    <a:lvl9pPr marL="3657600" algn="l" defTabSz="914400" rtl="0" eaLnBrk="1" latinLnBrk="0" hangingPunct="1">
-      <a:defRPr sz="1800" kern="1200">
+    <a:lvl9pPr marL="4876678" algn="l" defTabSz="1219170" rtl="0" eaLnBrk="1" latinLnBrk="0" hangingPunct="1">
+      <a:defRPr sz="2400" kern="1200">
         <a:solidFill>
           <a:schemeClr val="tx1"/>
         </a:solidFill>
@@ -109,12 +114,12 @@
   <p:extLst>
     <p:ext uri="{EFAFB233-063F-42B5-8137-9DF3F51BA10A}">
       <p15:sldGuideLst xmlns:p15="http://schemas.microsoft.com/office/powerpoint/2012/main">
-        <p15:guide id="1" orient="horz" pos="5184" userDrawn="1">
+        <p15:guide id="1" orient="horz" pos="6912" userDrawn="1">
           <p15:clr>
             <a:srgbClr val="A4A3A4"/>
           </p15:clr>
         </p15:guide>
-        <p15:guide id="2" pos="5184" userDrawn="1">
+        <p15:guide id="2" pos="6912" userDrawn="1">
           <p15:clr>
             <a:srgbClr val="A4A3A4"/>
           </p15:clr>
@@ -135,6 +140,922 @@
     </p:extLst>
   </p:cmAuthor>
 </p:cmAuthorLst>
+</file>
+
+<file path=ppt/notesMasters/notesMaster1.xml><?xml version="1.0" encoding="utf-8"?>
+<p:notesMaster xmlns:a="http://schemas.openxmlformats.org/drawingml/2006/main" xmlns:r="http://schemas.openxmlformats.org/officeDocument/2006/relationships" xmlns:p="http://schemas.openxmlformats.org/presentationml/2006/main">
+  <p:cSld>
+    <p:bg>
+      <p:bgRef idx="1001">
+        <a:schemeClr val="bg1"/>
+      </p:bgRef>
+    </p:bg>
+    <p:spTree>
+      <p:nvGrpSpPr>
+        <p:cNvPr id="1" name=""/>
+        <p:cNvGrpSpPr/>
+        <p:nvPr/>
+      </p:nvGrpSpPr>
+      <p:grpSpPr>
+        <a:xfrm>
+          <a:off x="0" y="0"/>
+          <a:ext cx="0" cy="0"/>
+          <a:chOff x="0" y="0"/>
+          <a:chExt cx="0" cy="0"/>
+        </a:xfrm>
+      </p:grpSpPr>
+      <p:sp>
+        <p:nvSpPr>
+          <p:cNvPr id="2" name="Header Placeholder 1"/>
+          <p:cNvSpPr>
+            <a:spLocks noGrp="1"/>
+          </p:cNvSpPr>
+          <p:nvPr>
+            <p:ph type="hdr" sz="quarter"/>
+          </p:nvPr>
+        </p:nvSpPr>
+        <p:spPr>
+          <a:xfrm>
+            <a:off x="0" y="0"/>
+            <a:ext cx="2971800" cy="458788"/>
+          </a:xfrm>
+          <a:prstGeom prst="rect">
+            <a:avLst/>
+          </a:prstGeom>
+        </p:spPr>
+        <p:txBody>
+          <a:bodyPr vert="horz" lIns="91440" tIns="45720" rIns="91440" bIns="45720" rtlCol="0"/>
+          <a:lstStyle>
+            <a:lvl1pPr algn="l">
+              <a:defRPr sz="1200"/>
+            </a:lvl1pPr>
+          </a:lstStyle>
+          <a:p>
+            <a:endParaRPr lang="en-US"/>
+          </a:p>
+        </p:txBody>
+      </p:sp>
+      <p:sp>
+        <p:nvSpPr>
+          <p:cNvPr id="3" name="Date Placeholder 2"/>
+          <p:cNvSpPr>
+            <a:spLocks noGrp="1"/>
+          </p:cNvSpPr>
+          <p:nvPr>
+            <p:ph type="dt" idx="1"/>
+          </p:nvPr>
+        </p:nvSpPr>
+        <p:spPr>
+          <a:xfrm>
+            <a:off x="3884613" y="0"/>
+            <a:ext cx="2971800" cy="458788"/>
+          </a:xfrm>
+          <a:prstGeom prst="rect">
+            <a:avLst/>
+          </a:prstGeom>
+        </p:spPr>
+        <p:txBody>
+          <a:bodyPr vert="horz" lIns="91440" tIns="45720" rIns="91440" bIns="45720" rtlCol="0"/>
+          <a:lstStyle>
+            <a:lvl1pPr algn="r">
+              <a:defRPr sz="1200"/>
+            </a:lvl1pPr>
+          </a:lstStyle>
+          <a:p>
+            <a:fld id="{4F7CD100-96F6-244B-90D1-120180DBD7F9}" type="datetimeFigureOut">
+              <a:rPr lang="en-US" smtClean="0"/>
+              <a:t>10/25/22</a:t>
+            </a:fld>
+            <a:endParaRPr lang="en-US"/>
+          </a:p>
+        </p:txBody>
+      </p:sp>
+      <p:sp>
+        <p:nvSpPr>
+          <p:cNvPr id="4" name="Slide Image Placeholder 3"/>
+          <p:cNvSpPr>
+            <a:spLocks noGrp="1" noRot="1" noChangeAspect="1"/>
+          </p:cNvSpPr>
+          <p:nvPr>
+            <p:ph type="sldImg" idx="2"/>
+          </p:nvPr>
+        </p:nvSpPr>
+        <p:spPr>
+          <a:xfrm>
+            <a:off x="1885950" y="1143000"/>
+            <a:ext cx="3086100" cy="3086100"/>
+          </a:xfrm>
+          <a:prstGeom prst="rect">
+            <a:avLst/>
+          </a:prstGeom>
+          <a:noFill/>
+          <a:ln w="12700">
+            <a:solidFill>
+              <a:prstClr val="black"/>
+            </a:solidFill>
+          </a:ln>
+        </p:spPr>
+        <p:txBody>
+          <a:bodyPr vert="horz" lIns="91440" tIns="45720" rIns="91440" bIns="45720" rtlCol="0" anchor="ctr"/>
+          <a:lstStyle/>
+          <a:p>
+            <a:endParaRPr lang="en-US"/>
+          </a:p>
+        </p:txBody>
+      </p:sp>
+      <p:sp>
+        <p:nvSpPr>
+          <p:cNvPr id="5" name="Notes Placeholder 4"/>
+          <p:cNvSpPr>
+            <a:spLocks noGrp="1"/>
+          </p:cNvSpPr>
+          <p:nvPr>
+            <p:ph type="body" sz="quarter" idx="3"/>
+          </p:nvPr>
+        </p:nvSpPr>
+        <p:spPr>
+          <a:xfrm>
+            <a:off x="685800" y="4400550"/>
+            <a:ext cx="5486400" cy="3600450"/>
+          </a:xfrm>
+          <a:prstGeom prst="rect">
+            <a:avLst/>
+          </a:prstGeom>
+        </p:spPr>
+        <p:txBody>
+          <a:bodyPr vert="horz" lIns="91440" tIns="45720" rIns="91440" bIns="45720" rtlCol="0"/>
+          <a:lstStyle/>
+          <a:p>
+            <a:pPr lvl="0"/>
+            <a:r>
+              <a:rPr lang="en-US"/>
+              <a:t>Edit Master text styles</a:t>
+            </a:r>
+          </a:p>
+          <a:p>
+            <a:pPr lvl="1"/>
+            <a:r>
+              <a:rPr lang="en-US"/>
+              <a:t>Second level</a:t>
+            </a:r>
+          </a:p>
+          <a:p>
+            <a:pPr lvl="2"/>
+            <a:r>
+              <a:rPr lang="en-US"/>
+              <a:t>Third level</a:t>
+            </a:r>
+          </a:p>
+          <a:p>
+            <a:pPr lvl="3"/>
+            <a:r>
+              <a:rPr lang="en-US"/>
+              <a:t>Fourth level</a:t>
+            </a:r>
+          </a:p>
+          <a:p>
+            <a:pPr lvl="4"/>
+            <a:r>
+              <a:rPr lang="en-US"/>
+              <a:t>Fifth level</a:t>
+            </a:r>
+          </a:p>
+        </p:txBody>
+      </p:sp>
+      <p:sp>
+        <p:nvSpPr>
+          <p:cNvPr id="6" name="Footer Placeholder 5"/>
+          <p:cNvSpPr>
+            <a:spLocks noGrp="1"/>
+          </p:cNvSpPr>
+          <p:nvPr>
+            <p:ph type="ftr" sz="quarter" idx="4"/>
+          </p:nvPr>
+        </p:nvSpPr>
+        <p:spPr>
+          <a:xfrm>
+            <a:off x="0" y="8685213"/>
+            <a:ext cx="2971800" cy="458787"/>
+          </a:xfrm>
+          <a:prstGeom prst="rect">
+            <a:avLst/>
+          </a:prstGeom>
+        </p:spPr>
+        <p:txBody>
+          <a:bodyPr vert="horz" lIns="91440" tIns="45720" rIns="91440" bIns="45720" rtlCol="0" anchor="b"/>
+          <a:lstStyle>
+            <a:lvl1pPr algn="l">
+              <a:defRPr sz="1200"/>
+            </a:lvl1pPr>
+          </a:lstStyle>
+          <a:p>
+            <a:endParaRPr lang="en-US"/>
+          </a:p>
+        </p:txBody>
+      </p:sp>
+      <p:sp>
+        <p:nvSpPr>
+          <p:cNvPr id="7" name="Slide Number Placeholder 6"/>
+          <p:cNvSpPr>
+            <a:spLocks noGrp="1"/>
+          </p:cNvSpPr>
+          <p:nvPr>
+            <p:ph type="sldNum" sz="quarter" idx="5"/>
+          </p:nvPr>
+        </p:nvSpPr>
+        <p:spPr>
+          <a:xfrm>
+            <a:off x="3884613" y="8685213"/>
+            <a:ext cx="2971800" cy="458787"/>
+          </a:xfrm>
+          <a:prstGeom prst="rect">
+            <a:avLst/>
+          </a:prstGeom>
+        </p:spPr>
+        <p:txBody>
+          <a:bodyPr vert="horz" lIns="91440" tIns="45720" rIns="91440" bIns="45720" rtlCol="0" anchor="b"/>
+          <a:lstStyle>
+            <a:lvl1pPr algn="r">
+              <a:defRPr sz="1200"/>
+            </a:lvl1pPr>
+          </a:lstStyle>
+          <a:p>
+            <a:fld id="{679852A8-BD59-3649-AA16-7F990F12058F}" type="slidenum">
+              <a:rPr lang="en-US" smtClean="0"/>
+              <a:t>‹#›</a:t>
+            </a:fld>
+            <a:endParaRPr lang="en-US"/>
+          </a:p>
+        </p:txBody>
+      </p:sp>
+    </p:spTree>
+    <p:extLst>
+      <p:ext uri="{BB962C8B-B14F-4D97-AF65-F5344CB8AC3E}">
+        <p14:creationId xmlns:p14="http://schemas.microsoft.com/office/powerpoint/2010/main" val="3250944199"/>
+      </p:ext>
+    </p:extLst>
+  </p:cSld>
+  <p:clrMap bg1="lt1" tx1="dk1" bg2="lt2" tx2="dk2" accent1="accent1" accent2="accent2" accent3="accent3" accent4="accent4" accent5="accent5" accent6="accent6" hlink="hlink" folHlink="folHlink"/>
+  <p:notesStyle>
+    <a:lvl1pPr marL="0" algn="l" defTabSz="1219170" rtl="0" eaLnBrk="1" latinLnBrk="0" hangingPunct="1">
+      <a:defRPr sz="1600" kern="1200">
+        <a:solidFill>
+          <a:schemeClr val="tx1"/>
+        </a:solidFill>
+        <a:latin typeface="+mn-lt"/>
+        <a:ea typeface="+mn-ea"/>
+        <a:cs typeface="+mn-cs"/>
+      </a:defRPr>
+    </a:lvl1pPr>
+    <a:lvl2pPr marL="609585" algn="l" defTabSz="1219170" rtl="0" eaLnBrk="1" latinLnBrk="0" hangingPunct="1">
+      <a:defRPr sz="1600" kern="1200">
+        <a:solidFill>
+          <a:schemeClr val="tx1"/>
+        </a:solidFill>
+        <a:latin typeface="+mn-lt"/>
+        <a:ea typeface="+mn-ea"/>
+        <a:cs typeface="+mn-cs"/>
+      </a:defRPr>
+    </a:lvl2pPr>
+    <a:lvl3pPr marL="1219170" algn="l" defTabSz="1219170" rtl="0" eaLnBrk="1" latinLnBrk="0" hangingPunct="1">
+      <a:defRPr sz="1600" kern="1200">
+        <a:solidFill>
+          <a:schemeClr val="tx1"/>
+        </a:solidFill>
+        <a:latin typeface="+mn-lt"/>
+        <a:ea typeface="+mn-ea"/>
+        <a:cs typeface="+mn-cs"/>
+      </a:defRPr>
+    </a:lvl3pPr>
+    <a:lvl4pPr marL="1828754" algn="l" defTabSz="1219170" rtl="0" eaLnBrk="1" latinLnBrk="0" hangingPunct="1">
+      <a:defRPr sz="1600" kern="1200">
+        <a:solidFill>
+          <a:schemeClr val="tx1"/>
+        </a:solidFill>
+        <a:latin typeface="+mn-lt"/>
+        <a:ea typeface="+mn-ea"/>
+        <a:cs typeface="+mn-cs"/>
+      </a:defRPr>
+    </a:lvl4pPr>
+    <a:lvl5pPr marL="2438339" algn="l" defTabSz="1219170" rtl="0" eaLnBrk="1" latinLnBrk="0" hangingPunct="1">
+      <a:defRPr sz="1600" kern="1200">
+        <a:solidFill>
+          <a:schemeClr val="tx1"/>
+        </a:solidFill>
+        <a:latin typeface="+mn-lt"/>
+        <a:ea typeface="+mn-ea"/>
+        <a:cs typeface="+mn-cs"/>
+      </a:defRPr>
+    </a:lvl5pPr>
+    <a:lvl6pPr marL="3047924" algn="l" defTabSz="1219170" rtl="0" eaLnBrk="1" latinLnBrk="0" hangingPunct="1">
+      <a:defRPr sz="1600" kern="1200">
+        <a:solidFill>
+          <a:schemeClr val="tx1"/>
+        </a:solidFill>
+        <a:latin typeface="+mn-lt"/>
+        <a:ea typeface="+mn-ea"/>
+        <a:cs typeface="+mn-cs"/>
+      </a:defRPr>
+    </a:lvl6pPr>
+    <a:lvl7pPr marL="3657509" algn="l" defTabSz="1219170" rtl="0" eaLnBrk="1" latinLnBrk="0" hangingPunct="1">
+      <a:defRPr sz="1600" kern="1200">
+        <a:solidFill>
+          <a:schemeClr val="tx1"/>
+        </a:solidFill>
+        <a:latin typeface="+mn-lt"/>
+        <a:ea typeface="+mn-ea"/>
+        <a:cs typeface="+mn-cs"/>
+      </a:defRPr>
+    </a:lvl7pPr>
+    <a:lvl8pPr marL="4267093" algn="l" defTabSz="1219170" rtl="0" eaLnBrk="1" latinLnBrk="0" hangingPunct="1">
+      <a:defRPr sz="1600" kern="1200">
+        <a:solidFill>
+          <a:schemeClr val="tx1"/>
+        </a:solidFill>
+        <a:latin typeface="+mn-lt"/>
+        <a:ea typeface="+mn-ea"/>
+        <a:cs typeface="+mn-cs"/>
+      </a:defRPr>
+    </a:lvl8pPr>
+    <a:lvl9pPr marL="4876678" algn="l" defTabSz="1219170" rtl="0" eaLnBrk="1" latinLnBrk="0" hangingPunct="1">
+      <a:defRPr sz="1600" kern="1200">
+        <a:solidFill>
+          <a:schemeClr val="tx1"/>
+        </a:solidFill>
+        <a:latin typeface="+mn-lt"/>
+        <a:ea typeface="+mn-ea"/>
+        <a:cs typeface="+mn-cs"/>
+      </a:defRPr>
+    </a:lvl9pPr>
+  </p:notesStyle>
+</p:notesMaster>
+</file>
+
+<file path=ppt/notesSlides/notesSlide1.xml><?xml version="1.0" encoding="utf-8"?>
+<p:notes xmlns:a="http://schemas.openxmlformats.org/drawingml/2006/main" xmlns:r="http://schemas.openxmlformats.org/officeDocument/2006/relationships" xmlns:p="http://schemas.openxmlformats.org/presentationml/2006/main">
+  <p:cSld>
+    <p:spTree>
+      <p:nvGrpSpPr>
+        <p:cNvPr id="1" name=""/>
+        <p:cNvGrpSpPr/>
+        <p:nvPr/>
+      </p:nvGrpSpPr>
+      <p:grpSpPr>
+        <a:xfrm>
+          <a:off x="0" y="0"/>
+          <a:ext cx="0" cy="0"/>
+          <a:chOff x="0" y="0"/>
+          <a:chExt cx="0" cy="0"/>
+        </a:xfrm>
+      </p:grpSpPr>
+      <p:sp>
+        <p:nvSpPr>
+          <p:cNvPr id="2" name="Slide Image Placeholder 1"/>
+          <p:cNvSpPr>
+            <a:spLocks noGrp="1" noRot="1" noChangeAspect="1"/>
+          </p:cNvSpPr>
+          <p:nvPr>
+            <p:ph type="sldImg"/>
+          </p:nvPr>
+        </p:nvSpPr>
+        <p:spPr/>
+      </p:sp>
+      <p:sp>
+        <p:nvSpPr>
+          <p:cNvPr id="3" name="Notes Placeholder 2"/>
+          <p:cNvSpPr>
+            <a:spLocks noGrp="1"/>
+          </p:cNvSpPr>
+          <p:nvPr>
+            <p:ph type="body" idx="1"/>
+          </p:nvPr>
+        </p:nvSpPr>
+        <p:spPr/>
+        <p:txBody>
+          <a:bodyPr/>
+          <a:lstStyle/>
+          <a:p>
+            <a:r>
+              <a:rPr lang="en-US" dirty="0"/>
+              <a:t>A – PR 1 </a:t>
+            </a:r>
+            <a:r>
+              <a:rPr lang="en-US" dirty="0" err="1"/>
+              <a:t>param</a:t>
+            </a:r>
+            <a:endParaRPr lang="en-US" dirty="0"/>
+          </a:p>
+          <a:p>
+            <a:r>
+              <a:rPr lang="en-US" dirty="0"/>
+              <a:t>B – SRK 1 </a:t>
+            </a:r>
+            <a:r>
+              <a:rPr lang="en-US" dirty="0" err="1"/>
+              <a:t>param</a:t>
+            </a:r>
+            <a:endParaRPr lang="en-US" dirty="0"/>
+          </a:p>
+          <a:p>
+            <a:r>
+              <a:rPr lang="en-US" dirty="0"/>
+              <a:t>C – PR 3 </a:t>
+            </a:r>
+            <a:r>
+              <a:rPr lang="en-US" dirty="0" err="1"/>
+              <a:t>params</a:t>
+            </a:r>
+            <a:endParaRPr lang="en-US" dirty="0"/>
+          </a:p>
+          <a:p>
+            <a:r>
+              <a:rPr lang="en-US" dirty="0"/>
+              <a:t>D – SRK 3 </a:t>
+            </a:r>
+            <a:r>
+              <a:rPr lang="en-US" dirty="0" err="1"/>
+              <a:t>params</a:t>
+            </a:r>
+            <a:endParaRPr lang="en-US" dirty="0"/>
+          </a:p>
+          <a:p>
+            <a:r>
+              <a:rPr lang="en-US" dirty="0"/>
+              <a:t>E – no </a:t>
+            </a:r>
+            <a:r>
+              <a:rPr lang="en-US" dirty="0" err="1"/>
+              <a:t>Tdep</a:t>
+            </a:r>
+            <a:r>
+              <a:rPr lang="en-US" dirty="0"/>
+              <a:t> (2)</a:t>
+            </a:r>
+          </a:p>
+          <a:p>
+            <a:r>
+              <a:rPr lang="en-US" dirty="0"/>
+              <a:t>F – </a:t>
+            </a:r>
+            <a:r>
+              <a:rPr lang="en-US" dirty="0" err="1"/>
+              <a:t>lin</a:t>
+            </a:r>
+            <a:r>
+              <a:rPr lang="en-US" dirty="0"/>
+              <a:t> </a:t>
+            </a:r>
+            <a:r>
+              <a:rPr lang="en-US" dirty="0" err="1"/>
+              <a:t>Tdep</a:t>
+            </a:r>
+            <a:r>
+              <a:rPr lang="en-US" dirty="0"/>
+              <a:t> (4)</a:t>
+            </a:r>
+          </a:p>
+          <a:p>
+            <a:r>
+              <a:rPr lang="en-US" dirty="0"/>
+              <a:t>G – </a:t>
+            </a:r>
+            <a:r>
+              <a:rPr lang="en-US" dirty="0" err="1"/>
+              <a:t>quadTdep</a:t>
+            </a:r>
+            <a:r>
+              <a:rPr lang="en-US" dirty="0"/>
+              <a:t> (6)</a:t>
+            </a:r>
+          </a:p>
+          <a:p>
+            <a:r>
+              <a:rPr lang="en-US" dirty="0"/>
+              <a:t>H – </a:t>
+            </a:r>
+            <a:r>
+              <a:rPr lang="en-US" dirty="0" err="1"/>
+              <a:t>polyTdep</a:t>
+            </a:r>
+            <a:r>
+              <a:rPr lang="en-US" dirty="0"/>
+              <a:t> (8)</a:t>
+            </a:r>
+          </a:p>
+        </p:txBody>
+      </p:sp>
+      <p:sp>
+        <p:nvSpPr>
+          <p:cNvPr id="4" name="Slide Number Placeholder 3"/>
+          <p:cNvSpPr>
+            <a:spLocks noGrp="1"/>
+          </p:cNvSpPr>
+          <p:nvPr>
+            <p:ph type="sldNum" sz="quarter" idx="5"/>
+          </p:nvPr>
+        </p:nvSpPr>
+        <p:spPr/>
+        <p:txBody>
+          <a:bodyPr/>
+          <a:lstStyle/>
+          <a:p>
+            <a:fld id="{679852A8-BD59-3649-AA16-7F990F12058F}" type="slidenum">
+              <a:rPr lang="en-US" smtClean="0"/>
+              <a:t>3</a:t>
+            </a:fld>
+            <a:endParaRPr lang="en-US"/>
+          </a:p>
+        </p:txBody>
+      </p:sp>
+    </p:spTree>
+    <p:extLst>
+      <p:ext uri="{BB962C8B-B14F-4D97-AF65-F5344CB8AC3E}">
+        <p14:creationId xmlns:p14="http://schemas.microsoft.com/office/powerpoint/2010/main" val="2661244345"/>
+      </p:ext>
+    </p:extLst>
+  </p:cSld>
+  <p:clrMapOvr>
+    <a:masterClrMapping/>
+  </p:clrMapOvr>
+</p:notes>
+</file>
+
+<file path=ppt/notesSlides/notesSlide2.xml><?xml version="1.0" encoding="utf-8"?>
+<p:notes xmlns:a="http://schemas.openxmlformats.org/drawingml/2006/main" xmlns:r="http://schemas.openxmlformats.org/officeDocument/2006/relationships" xmlns:p="http://schemas.openxmlformats.org/presentationml/2006/main">
+  <p:cSld>
+    <p:spTree>
+      <p:nvGrpSpPr>
+        <p:cNvPr id="1" name=""/>
+        <p:cNvGrpSpPr/>
+        <p:nvPr/>
+      </p:nvGrpSpPr>
+      <p:grpSpPr>
+        <a:xfrm>
+          <a:off x="0" y="0"/>
+          <a:ext cx="0" cy="0"/>
+          <a:chOff x="0" y="0"/>
+          <a:chExt cx="0" cy="0"/>
+        </a:xfrm>
+      </p:grpSpPr>
+      <p:sp>
+        <p:nvSpPr>
+          <p:cNvPr id="2" name="Slide Image Placeholder 1"/>
+          <p:cNvSpPr>
+            <a:spLocks noGrp="1" noRot="1" noChangeAspect="1"/>
+          </p:cNvSpPr>
+          <p:nvPr>
+            <p:ph type="sldImg"/>
+          </p:nvPr>
+        </p:nvSpPr>
+        <p:spPr/>
+      </p:sp>
+      <p:sp>
+        <p:nvSpPr>
+          <p:cNvPr id="3" name="Notes Placeholder 2"/>
+          <p:cNvSpPr>
+            <a:spLocks noGrp="1"/>
+          </p:cNvSpPr>
+          <p:nvPr>
+            <p:ph type="body" idx="1"/>
+          </p:nvPr>
+        </p:nvSpPr>
+        <p:spPr/>
+        <p:txBody>
+          <a:bodyPr/>
+          <a:lstStyle/>
+          <a:p>
+            <a:r>
+              <a:rPr lang="en-US" dirty="0"/>
+              <a:t>A – PR 1 </a:t>
+            </a:r>
+            <a:r>
+              <a:rPr lang="en-US" dirty="0" err="1"/>
+              <a:t>param</a:t>
+            </a:r>
+            <a:endParaRPr lang="en-US" dirty="0"/>
+          </a:p>
+          <a:p>
+            <a:r>
+              <a:rPr lang="en-US" dirty="0"/>
+              <a:t>B – SRK 1 </a:t>
+            </a:r>
+            <a:r>
+              <a:rPr lang="en-US" dirty="0" err="1"/>
+              <a:t>param</a:t>
+            </a:r>
+            <a:endParaRPr lang="en-US" dirty="0"/>
+          </a:p>
+          <a:p>
+            <a:r>
+              <a:rPr lang="en-US" dirty="0"/>
+              <a:t>C – PR 3 </a:t>
+            </a:r>
+            <a:r>
+              <a:rPr lang="en-US" dirty="0" err="1"/>
+              <a:t>params</a:t>
+            </a:r>
+            <a:endParaRPr lang="en-US" dirty="0"/>
+          </a:p>
+          <a:p>
+            <a:r>
+              <a:rPr lang="en-US" dirty="0"/>
+              <a:t>D – SRK 3 </a:t>
+            </a:r>
+            <a:r>
+              <a:rPr lang="en-US" dirty="0" err="1"/>
+              <a:t>params</a:t>
+            </a:r>
+            <a:endParaRPr lang="en-US" dirty="0"/>
+          </a:p>
+          <a:p>
+            <a:r>
+              <a:rPr lang="en-US" dirty="0"/>
+              <a:t>E – no </a:t>
+            </a:r>
+            <a:r>
+              <a:rPr lang="en-US" dirty="0" err="1"/>
+              <a:t>Tdep</a:t>
+            </a:r>
+            <a:r>
+              <a:rPr lang="en-US" dirty="0"/>
+              <a:t> (2)</a:t>
+            </a:r>
+          </a:p>
+          <a:p>
+            <a:r>
+              <a:rPr lang="en-US" dirty="0"/>
+              <a:t>F – </a:t>
+            </a:r>
+            <a:r>
+              <a:rPr lang="en-US" dirty="0" err="1"/>
+              <a:t>lin</a:t>
+            </a:r>
+            <a:r>
+              <a:rPr lang="en-US" dirty="0"/>
+              <a:t> </a:t>
+            </a:r>
+            <a:r>
+              <a:rPr lang="en-US" dirty="0" err="1"/>
+              <a:t>Tdep</a:t>
+            </a:r>
+            <a:r>
+              <a:rPr lang="en-US" dirty="0"/>
+              <a:t> (4)</a:t>
+            </a:r>
+          </a:p>
+          <a:p>
+            <a:r>
+              <a:rPr lang="en-US" dirty="0"/>
+              <a:t>G – </a:t>
+            </a:r>
+            <a:r>
+              <a:rPr lang="en-US" dirty="0" err="1"/>
+              <a:t>quadTdep</a:t>
+            </a:r>
+            <a:r>
+              <a:rPr lang="en-US" dirty="0"/>
+              <a:t> (6)</a:t>
+            </a:r>
+          </a:p>
+          <a:p>
+            <a:r>
+              <a:rPr lang="en-US" dirty="0"/>
+              <a:t>H – </a:t>
+            </a:r>
+            <a:r>
+              <a:rPr lang="en-US" dirty="0" err="1"/>
+              <a:t>polyTdep</a:t>
+            </a:r>
+            <a:r>
+              <a:rPr lang="en-US" dirty="0"/>
+              <a:t> (8)</a:t>
+            </a:r>
+          </a:p>
+        </p:txBody>
+      </p:sp>
+      <p:sp>
+        <p:nvSpPr>
+          <p:cNvPr id="4" name="Slide Number Placeholder 3"/>
+          <p:cNvSpPr>
+            <a:spLocks noGrp="1"/>
+          </p:cNvSpPr>
+          <p:nvPr>
+            <p:ph type="sldNum" sz="quarter" idx="5"/>
+          </p:nvPr>
+        </p:nvSpPr>
+        <p:spPr/>
+        <p:txBody>
+          <a:bodyPr/>
+          <a:lstStyle/>
+          <a:p>
+            <a:fld id="{679852A8-BD59-3649-AA16-7F990F12058F}" type="slidenum">
+              <a:rPr lang="en-US" smtClean="0"/>
+              <a:t>4</a:t>
+            </a:fld>
+            <a:endParaRPr lang="en-US"/>
+          </a:p>
+        </p:txBody>
+      </p:sp>
+    </p:spTree>
+    <p:extLst>
+      <p:ext uri="{BB962C8B-B14F-4D97-AF65-F5344CB8AC3E}">
+        <p14:creationId xmlns:p14="http://schemas.microsoft.com/office/powerpoint/2010/main" val="2750516959"/>
+      </p:ext>
+    </p:extLst>
+  </p:cSld>
+  <p:clrMapOvr>
+    <a:masterClrMapping/>
+  </p:clrMapOvr>
+</p:notes>
+</file>
+
+<file path=ppt/notesSlides/notesSlide3.xml><?xml version="1.0" encoding="utf-8"?>
+<p:notes xmlns:a="http://schemas.openxmlformats.org/drawingml/2006/main" xmlns:r="http://schemas.openxmlformats.org/officeDocument/2006/relationships" xmlns:p="http://schemas.openxmlformats.org/presentationml/2006/main">
+  <p:cSld>
+    <p:spTree>
+      <p:nvGrpSpPr>
+        <p:cNvPr id="1" name=""/>
+        <p:cNvGrpSpPr/>
+        <p:nvPr/>
+      </p:nvGrpSpPr>
+      <p:grpSpPr>
+        <a:xfrm>
+          <a:off x="0" y="0"/>
+          <a:ext cx="0" cy="0"/>
+          <a:chOff x="0" y="0"/>
+          <a:chExt cx="0" cy="0"/>
+        </a:xfrm>
+      </p:grpSpPr>
+      <p:sp>
+        <p:nvSpPr>
+          <p:cNvPr id="2" name="Slide Image Placeholder 1"/>
+          <p:cNvSpPr>
+            <a:spLocks noGrp="1" noRot="1" noChangeAspect="1"/>
+          </p:cNvSpPr>
+          <p:nvPr>
+            <p:ph type="sldImg"/>
+          </p:nvPr>
+        </p:nvSpPr>
+        <p:spPr/>
+      </p:sp>
+      <p:sp>
+        <p:nvSpPr>
+          <p:cNvPr id="3" name="Notes Placeholder 2"/>
+          <p:cNvSpPr>
+            <a:spLocks noGrp="1"/>
+          </p:cNvSpPr>
+          <p:nvPr>
+            <p:ph type="body" idx="1"/>
+          </p:nvPr>
+        </p:nvSpPr>
+        <p:spPr/>
+        <p:txBody>
+          <a:bodyPr/>
+          <a:lstStyle/>
+          <a:p>
+            <a:r>
+              <a:rPr lang="en-US" dirty="0"/>
+              <a:t>A – PR 1 </a:t>
+            </a:r>
+            <a:r>
+              <a:rPr lang="en-US" dirty="0" err="1"/>
+              <a:t>param</a:t>
+            </a:r>
+            <a:endParaRPr lang="en-US" dirty="0"/>
+          </a:p>
+          <a:p>
+            <a:r>
+              <a:rPr lang="en-US" dirty="0"/>
+              <a:t>B – SRK 1 </a:t>
+            </a:r>
+            <a:r>
+              <a:rPr lang="en-US" dirty="0" err="1"/>
+              <a:t>param</a:t>
+            </a:r>
+            <a:endParaRPr lang="en-US" dirty="0"/>
+          </a:p>
+          <a:p>
+            <a:r>
+              <a:rPr lang="en-US" dirty="0"/>
+              <a:t>C – PR 3 </a:t>
+            </a:r>
+            <a:r>
+              <a:rPr lang="en-US" dirty="0" err="1"/>
+              <a:t>params</a:t>
+            </a:r>
+            <a:endParaRPr lang="en-US" dirty="0"/>
+          </a:p>
+          <a:p>
+            <a:r>
+              <a:rPr lang="en-US" dirty="0"/>
+              <a:t>D – SRK 3 </a:t>
+            </a:r>
+            <a:r>
+              <a:rPr lang="en-US" dirty="0" err="1"/>
+              <a:t>params</a:t>
+            </a:r>
+            <a:endParaRPr lang="en-US" dirty="0"/>
+          </a:p>
+          <a:p>
+            <a:r>
+              <a:rPr lang="en-US" dirty="0"/>
+              <a:t>E – no </a:t>
+            </a:r>
+            <a:r>
+              <a:rPr lang="en-US" dirty="0" err="1"/>
+              <a:t>Tdep</a:t>
+            </a:r>
+            <a:r>
+              <a:rPr lang="en-US" dirty="0"/>
+              <a:t> (2)</a:t>
+            </a:r>
+          </a:p>
+          <a:p>
+            <a:r>
+              <a:rPr lang="en-US" dirty="0"/>
+              <a:t>F – </a:t>
+            </a:r>
+            <a:r>
+              <a:rPr lang="en-US" dirty="0" err="1"/>
+              <a:t>lin</a:t>
+            </a:r>
+            <a:r>
+              <a:rPr lang="en-US" dirty="0"/>
+              <a:t> </a:t>
+            </a:r>
+            <a:r>
+              <a:rPr lang="en-US" dirty="0" err="1"/>
+              <a:t>Tdep</a:t>
+            </a:r>
+            <a:r>
+              <a:rPr lang="en-US" dirty="0"/>
+              <a:t> (4)</a:t>
+            </a:r>
+          </a:p>
+          <a:p>
+            <a:r>
+              <a:rPr lang="en-US" dirty="0"/>
+              <a:t>G – </a:t>
+            </a:r>
+            <a:r>
+              <a:rPr lang="en-US" dirty="0" err="1"/>
+              <a:t>quadTdep</a:t>
+            </a:r>
+            <a:r>
+              <a:rPr lang="en-US" dirty="0"/>
+              <a:t> (6)</a:t>
+            </a:r>
+          </a:p>
+          <a:p>
+            <a:r>
+              <a:rPr lang="en-US" dirty="0"/>
+              <a:t>H – </a:t>
+            </a:r>
+            <a:r>
+              <a:rPr lang="en-US" dirty="0" err="1"/>
+              <a:t>polyTdep</a:t>
+            </a:r>
+            <a:r>
+              <a:rPr lang="en-US" dirty="0"/>
+              <a:t> (8)</a:t>
+            </a:r>
+          </a:p>
+        </p:txBody>
+      </p:sp>
+      <p:sp>
+        <p:nvSpPr>
+          <p:cNvPr id="4" name="Slide Number Placeholder 3"/>
+          <p:cNvSpPr>
+            <a:spLocks noGrp="1"/>
+          </p:cNvSpPr>
+          <p:nvPr>
+            <p:ph type="sldNum" sz="quarter" idx="5"/>
+          </p:nvPr>
+        </p:nvSpPr>
+        <p:spPr/>
+        <p:txBody>
+          <a:bodyPr/>
+          <a:lstStyle/>
+          <a:p>
+            <a:fld id="{679852A8-BD59-3649-AA16-7F990F12058F}" type="slidenum">
+              <a:rPr lang="en-US" smtClean="0"/>
+              <a:t>5</a:t>
+            </a:fld>
+            <a:endParaRPr lang="en-US"/>
+          </a:p>
+        </p:txBody>
+      </p:sp>
+    </p:spTree>
+    <p:extLst>
+      <p:ext uri="{BB962C8B-B14F-4D97-AF65-F5344CB8AC3E}">
+        <p14:creationId xmlns:p14="http://schemas.microsoft.com/office/powerpoint/2010/main" val="787625694"/>
+      </p:ext>
+    </p:extLst>
+  </p:cSld>
+  <p:clrMapOvr>
+    <a:masterClrMapping/>
+  </p:clrMapOvr>
+</p:notes>
 </file>
 
 <file path=ppt/slideLayouts/slideLayout1.xml><?xml version="1.0" encoding="utf-8"?>
@@ -166,15 +1087,15 @@
         </p:nvSpPr>
         <p:spPr>
           <a:xfrm>
-            <a:off x="1234440" y="2693671"/>
-            <a:ext cx="13990320" cy="5730240"/>
+            <a:off x="1645920" y="3591562"/>
+            <a:ext cx="18653760" cy="7640320"/>
           </a:xfrm>
         </p:spPr>
         <p:txBody>
           <a:bodyPr anchor="b"/>
           <a:lstStyle>
             <a:lvl1pPr algn="ctr">
-              <a:defRPr sz="10800"/>
+              <a:defRPr sz="14400"/>
             </a:lvl1pPr>
           </a:lstStyle>
           <a:p>
@@ -198,8 +1119,8 @@
         </p:nvSpPr>
         <p:spPr>
           <a:xfrm>
-            <a:off x="2057400" y="8644891"/>
-            <a:ext cx="12344400" cy="3973829"/>
+            <a:off x="2743200" y="11526522"/>
+            <a:ext cx="16459200" cy="5298438"/>
           </a:xfrm>
         </p:spPr>
         <p:txBody>
@@ -207,39 +1128,39 @@
           <a:lstStyle>
             <a:lvl1pPr marL="0" indent="0" algn="ctr">
               <a:buNone/>
+              <a:defRPr sz="5760"/>
+            </a:lvl1pPr>
+            <a:lvl2pPr marL="1097280" indent="0" algn="ctr">
+              <a:buNone/>
+              <a:defRPr sz="4800"/>
+            </a:lvl2pPr>
+            <a:lvl3pPr marL="2194560" indent="0" algn="ctr">
+              <a:buNone/>
               <a:defRPr sz="4320"/>
-            </a:lvl1pPr>
-            <a:lvl2pPr marL="822960" indent="0" algn="ctr">
+            </a:lvl3pPr>
+            <a:lvl4pPr marL="3291840" indent="0" algn="ctr">
               <a:buNone/>
-              <a:defRPr sz="3600"/>
-            </a:lvl2pPr>
-            <a:lvl3pPr marL="1645920" indent="0" algn="ctr">
+              <a:defRPr sz="3840"/>
+            </a:lvl4pPr>
+            <a:lvl5pPr marL="4389120" indent="0" algn="ctr">
               <a:buNone/>
-              <a:defRPr sz="3240"/>
-            </a:lvl3pPr>
-            <a:lvl4pPr marL="2468880" indent="0" algn="ctr">
+              <a:defRPr sz="3840"/>
+            </a:lvl5pPr>
+            <a:lvl6pPr marL="5486400" indent="0" algn="ctr">
               <a:buNone/>
-              <a:defRPr sz="2880"/>
-            </a:lvl4pPr>
-            <a:lvl5pPr marL="3291840" indent="0" algn="ctr">
+              <a:defRPr sz="3840"/>
+            </a:lvl6pPr>
+            <a:lvl7pPr marL="6583680" indent="0" algn="ctr">
               <a:buNone/>
-              <a:defRPr sz="2880"/>
-            </a:lvl5pPr>
-            <a:lvl6pPr marL="4114800" indent="0" algn="ctr">
+              <a:defRPr sz="3840"/>
+            </a:lvl7pPr>
+            <a:lvl8pPr marL="7680960" indent="0" algn="ctr">
               <a:buNone/>
-              <a:defRPr sz="2880"/>
-            </a:lvl6pPr>
-            <a:lvl7pPr marL="4937760" indent="0" algn="ctr">
+              <a:defRPr sz="3840"/>
+            </a:lvl8pPr>
+            <a:lvl9pPr marL="8778240" indent="0" algn="ctr">
               <a:buNone/>
-              <a:defRPr sz="2880"/>
-            </a:lvl7pPr>
-            <a:lvl8pPr marL="5760720" indent="0" algn="ctr">
-              <a:buNone/>
-              <a:defRPr sz="2880"/>
-            </a:lvl8pPr>
-            <a:lvl9pPr marL="6583680" indent="0" algn="ctr">
-              <a:buNone/>
-              <a:defRPr sz="2880"/>
+              <a:defRPr sz="3840"/>
             </a:lvl9pPr>
           </a:lstStyle>
           <a:p>
@@ -319,7 +1240,7 @@
     </p:spTree>
     <p:extLst>
       <p:ext uri="{BB962C8B-B14F-4D97-AF65-F5344CB8AC3E}">
-        <p14:creationId xmlns:p14="http://schemas.microsoft.com/office/powerpoint/2010/main" val="2086794763"/>
+        <p14:creationId xmlns:p14="http://schemas.microsoft.com/office/powerpoint/2010/main" val="2335765885"/>
       </p:ext>
     </p:extLst>
   </p:cSld>
@@ -489,7 +1410,7 @@
     </p:spTree>
     <p:extLst>
       <p:ext uri="{BB962C8B-B14F-4D97-AF65-F5344CB8AC3E}">
-        <p14:creationId xmlns:p14="http://schemas.microsoft.com/office/powerpoint/2010/main" val="3298786129"/>
+        <p14:creationId xmlns:p14="http://schemas.microsoft.com/office/powerpoint/2010/main" val="223212506"/>
       </p:ext>
     </p:extLst>
   </p:cSld>
@@ -528,8 +1449,8 @@
         </p:nvSpPr>
         <p:spPr>
           <a:xfrm>
-            <a:off x="11778616" y="876300"/>
-            <a:ext cx="3549015" cy="13948411"/>
+            <a:off x="15704821" y="1168400"/>
+            <a:ext cx="4732020" cy="18597882"/>
           </a:xfrm>
         </p:spPr>
         <p:txBody>
@@ -556,8 +1477,8 @@
         </p:nvSpPr>
         <p:spPr>
           <a:xfrm>
-            <a:off x="1131571" y="876300"/>
-            <a:ext cx="10441305" cy="13948411"/>
+            <a:off x="1508761" y="1168400"/>
+            <a:ext cx="13921740" cy="18597882"/>
           </a:xfrm>
         </p:spPr>
         <p:txBody>
@@ -669,7 +1590,7 @@
     </p:spTree>
     <p:extLst>
       <p:ext uri="{BB962C8B-B14F-4D97-AF65-F5344CB8AC3E}">
-        <p14:creationId xmlns:p14="http://schemas.microsoft.com/office/powerpoint/2010/main" val="2306974740"/>
+        <p14:creationId xmlns:p14="http://schemas.microsoft.com/office/powerpoint/2010/main" val="3956027520"/>
       </p:ext>
     </p:extLst>
   </p:cSld>
@@ -839,7 +1760,7 @@
     </p:spTree>
     <p:extLst>
       <p:ext uri="{BB962C8B-B14F-4D97-AF65-F5344CB8AC3E}">
-        <p14:creationId xmlns:p14="http://schemas.microsoft.com/office/powerpoint/2010/main" val="1818993241"/>
+        <p14:creationId xmlns:p14="http://schemas.microsoft.com/office/powerpoint/2010/main" val="3348123153"/>
       </p:ext>
     </p:extLst>
   </p:cSld>
@@ -878,15 +1799,15 @@
         </p:nvSpPr>
         <p:spPr>
           <a:xfrm>
-            <a:off x="1122998" y="4103375"/>
-            <a:ext cx="14196060" cy="6846569"/>
+            <a:off x="1497331" y="5471167"/>
+            <a:ext cx="18928080" cy="9128758"/>
           </a:xfrm>
         </p:spPr>
         <p:txBody>
           <a:bodyPr anchor="b"/>
           <a:lstStyle>
             <a:lvl1pPr>
-              <a:defRPr sz="10800"/>
+              <a:defRPr sz="14400"/>
             </a:lvl1pPr>
           </a:lstStyle>
           <a:p>
@@ -910,8 +1831,8 @@
         </p:nvSpPr>
         <p:spPr>
           <a:xfrm>
-            <a:off x="1122998" y="11014715"/>
-            <a:ext cx="14196060" cy="3600449"/>
+            <a:off x="1497331" y="14686287"/>
+            <a:ext cx="18928080" cy="4800598"/>
           </a:xfrm>
         </p:spPr>
         <p:txBody>
@@ -919,15 +1840,15 @@
           <a:lstStyle>
             <a:lvl1pPr marL="0" indent="0">
               <a:buNone/>
-              <a:defRPr sz="4320">
+              <a:defRPr sz="5760">
                 <a:solidFill>
                   <a:schemeClr val="tx1"/>
                 </a:solidFill>
               </a:defRPr>
             </a:lvl1pPr>
-            <a:lvl2pPr marL="822960" indent="0">
+            <a:lvl2pPr marL="1097280" indent="0">
               <a:buNone/>
-              <a:defRPr sz="3600">
+              <a:defRPr sz="4800">
                 <a:solidFill>
                   <a:schemeClr val="tx1">
                     <a:tint val="75000"/>
@@ -935,9 +1856,9 @@
                 </a:solidFill>
               </a:defRPr>
             </a:lvl2pPr>
-            <a:lvl3pPr marL="1645920" indent="0">
+            <a:lvl3pPr marL="2194560" indent="0">
               <a:buNone/>
-              <a:defRPr sz="3240">
+              <a:defRPr sz="4320">
                 <a:solidFill>
                   <a:schemeClr val="tx1">
                     <a:tint val="75000"/>
@@ -945,9 +1866,9 @@
                 </a:solidFill>
               </a:defRPr>
             </a:lvl3pPr>
-            <a:lvl4pPr marL="2468880" indent="0">
+            <a:lvl4pPr marL="3291840" indent="0">
               <a:buNone/>
-              <a:defRPr sz="2880">
+              <a:defRPr sz="3840">
                 <a:solidFill>
                   <a:schemeClr val="tx1">
                     <a:tint val="75000"/>
@@ -955,9 +1876,9 @@
                 </a:solidFill>
               </a:defRPr>
             </a:lvl4pPr>
-            <a:lvl5pPr marL="3291840" indent="0">
+            <a:lvl5pPr marL="4389120" indent="0">
               <a:buNone/>
-              <a:defRPr sz="2880">
+              <a:defRPr sz="3840">
                 <a:solidFill>
                   <a:schemeClr val="tx1">
                     <a:tint val="75000"/>
@@ -965,9 +1886,9 @@
                 </a:solidFill>
               </a:defRPr>
             </a:lvl5pPr>
-            <a:lvl6pPr marL="4114800" indent="0">
+            <a:lvl6pPr marL="5486400" indent="0">
               <a:buNone/>
-              <a:defRPr sz="2880">
+              <a:defRPr sz="3840">
                 <a:solidFill>
                   <a:schemeClr val="tx1">
                     <a:tint val="75000"/>
@@ -975,9 +1896,9 @@
                 </a:solidFill>
               </a:defRPr>
             </a:lvl6pPr>
-            <a:lvl7pPr marL="4937760" indent="0">
+            <a:lvl7pPr marL="6583680" indent="0">
               <a:buNone/>
-              <a:defRPr sz="2880">
+              <a:defRPr sz="3840">
                 <a:solidFill>
                   <a:schemeClr val="tx1">
                     <a:tint val="75000"/>
@@ -985,9 +1906,9 @@
                 </a:solidFill>
               </a:defRPr>
             </a:lvl7pPr>
-            <a:lvl8pPr marL="5760720" indent="0">
+            <a:lvl8pPr marL="7680960" indent="0">
               <a:buNone/>
-              <a:defRPr sz="2880">
+              <a:defRPr sz="3840">
                 <a:solidFill>
                   <a:schemeClr val="tx1">
                     <a:tint val="75000"/>
@@ -995,9 +1916,9 @@
                 </a:solidFill>
               </a:defRPr>
             </a:lvl8pPr>
-            <a:lvl9pPr marL="6583680" indent="0">
+            <a:lvl9pPr marL="8778240" indent="0">
               <a:buNone/>
-              <a:defRPr sz="2880">
+              <a:defRPr sz="3840">
                 <a:solidFill>
                   <a:schemeClr val="tx1">
                     <a:tint val="75000"/>
@@ -1083,7 +2004,7 @@
     </p:spTree>
     <p:extLst>
       <p:ext uri="{BB962C8B-B14F-4D97-AF65-F5344CB8AC3E}">
-        <p14:creationId xmlns:p14="http://schemas.microsoft.com/office/powerpoint/2010/main" val="1686156612"/>
+        <p14:creationId xmlns:p14="http://schemas.microsoft.com/office/powerpoint/2010/main" val="1005659629"/>
       </p:ext>
     </p:extLst>
   </p:cSld>
@@ -1145,8 +2066,8 @@
         </p:nvSpPr>
         <p:spPr>
           <a:xfrm>
-            <a:off x="1131570" y="4381500"/>
-            <a:ext cx="6995160" cy="10443211"/>
+            <a:off x="1508760" y="5842000"/>
+            <a:ext cx="9326880" cy="13924282"/>
           </a:xfrm>
         </p:spPr>
         <p:txBody>
@@ -1202,8 +2123,8 @@
         </p:nvSpPr>
         <p:spPr>
           <a:xfrm>
-            <a:off x="8332470" y="4381500"/>
-            <a:ext cx="6995160" cy="10443211"/>
+            <a:off x="11109960" y="5842000"/>
+            <a:ext cx="9326880" cy="13924282"/>
           </a:xfrm>
         </p:spPr>
         <p:txBody>
@@ -1315,7 +2236,7 @@
     </p:spTree>
     <p:extLst>
       <p:ext uri="{BB962C8B-B14F-4D97-AF65-F5344CB8AC3E}">
-        <p14:creationId xmlns:p14="http://schemas.microsoft.com/office/powerpoint/2010/main" val="1402055768"/>
+        <p14:creationId xmlns:p14="http://schemas.microsoft.com/office/powerpoint/2010/main" val="965932962"/>
       </p:ext>
     </p:extLst>
   </p:cSld>
@@ -1354,8 +2275,8 @@
         </p:nvSpPr>
         <p:spPr>
           <a:xfrm>
-            <a:off x="1133714" y="876304"/>
-            <a:ext cx="14196060" cy="3181351"/>
+            <a:off x="1511618" y="1168405"/>
+            <a:ext cx="18928080" cy="4241802"/>
           </a:xfrm>
         </p:spPr>
         <p:txBody>
@@ -1382,8 +2303,8 @@
         </p:nvSpPr>
         <p:spPr>
           <a:xfrm>
-            <a:off x="1133716" y="4034791"/>
-            <a:ext cx="6963012" cy="1977389"/>
+            <a:off x="1511621" y="5379722"/>
+            <a:ext cx="9284016" cy="2636518"/>
           </a:xfrm>
         </p:spPr>
         <p:txBody>
@@ -1391,39 +2312,39 @@
           <a:lstStyle>
             <a:lvl1pPr marL="0" indent="0">
               <a:buNone/>
+              <a:defRPr sz="5760" b="1"/>
+            </a:lvl1pPr>
+            <a:lvl2pPr marL="1097280" indent="0">
+              <a:buNone/>
+              <a:defRPr sz="4800" b="1"/>
+            </a:lvl2pPr>
+            <a:lvl3pPr marL="2194560" indent="0">
+              <a:buNone/>
               <a:defRPr sz="4320" b="1"/>
-            </a:lvl1pPr>
-            <a:lvl2pPr marL="822960" indent="0">
+            </a:lvl3pPr>
+            <a:lvl4pPr marL="3291840" indent="0">
               <a:buNone/>
-              <a:defRPr sz="3600" b="1"/>
-            </a:lvl2pPr>
-            <a:lvl3pPr marL="1645920" indent="0">
+              <a:defRPr sz="3840" b="1"/>
+            </a:lvl4pPr>
+            <a:lvl5pPr marL="4389120" indent="0">
               <a:buNone/>
-              <a:defRPr sz="3240" b="1"/>
-            </a:lvl3pPr>
-            <a:lvl4pPr marL="2468880" indent="0">
+              <a:defRPr sz="3840" b="1"/>
+            </a:lvl5pPr>
+            <a:lvl6pPr marL="5486400" indent="0">
               <a:buNone/>
-              <a:defRPr sz="2880" b="1"/>
-            </a:lvl4pPr>
-            <a:lvl5pPr marL="3291840" indent="0">
+              <a:defRPr sz="3840" b="1"/>
+            </a:lvl6pPr>
+            <a:lvl7pPr marL="6583680" indent="0">
               <a:buNone/>
-              <a:defRPr sz="2880" b="1"/>
-            </a:lvl5pPr>
-            <a:lvl6pPr marL="4114800" indent="0">
+              <a:defRPr sz="3840" b="1"/>
+            </a:lvl7pPr>
+            <a:lvl8pPr marL="7680960" indent="0">
               <a:buNone/>
-              <a:defRPr sz="2880" b="1"/>
-            </a:lvl6pPr>
-            <a:lvl7pPr marL="4937760" indent="0">
+              <a:defRPr sz="3840" b="1"/>
+            </a:lvl8pPr>
+            <a:lvl9pPr marL="8778240" indent="0">
               <a:buNone/>
-              <a:defRPr sz="2880" b="1"/>
-            </a:lvl7pPr>
-            <a:lvl8pPr marL="5760720" indent="0">
-              <a:buNone/>
-              <a:defRPr sz="2880" b="1"/>
-            </a:lvl8pPr>
-            <a:lvl9pPr marL="6583680" indent="0">
-              <a:buNone/>
-              <a:defRPr sz="2880" b="1"/>
+              <a:defRPr sz="3840" b="1"/>
             </a:lvl9pPr>
           </a:lstStyle>
           <a:p>
@@ -1447,8 +2368,8 @@
         </p:nvSpPr>
         <p:spPr>
           <a:xfrm>
-            <a:off x="1133716" y="6012180"/>
-            <a:ext cx="6963012" cy="8843011"/>
+            <a:off x="1511621" y="8016240"/>
+            <a:ext cx="9284016" cy="11790682"/>
           </a:xfrm>
         </p:spPr>
         <p:txBody>
@@ -1504,8 +2425,8 @@
         </p:nvSpPr>
         <p:spPr>
           <a:xfrm>
-            <a:off x="8332471" y="4034791"/>
-            <a:ext cx="6997304" cy="1977389"/>
+            <a:off x="11109961" y="5379722"/>
+            <a:ext cx="9329738" cy="2636518"/>
           </a:xfrm>
         </p:spPr>
         <p:txBody>
@@ -1513,39 +2434,39 @@
           <a:lstStyle>
             <a:lvl1pPr marL="0" indent="0">
               <a:buNone/>
+              <a:defRPr sz="5760" b="1"/>
+            </a:lvl1pPr>
+            <a:lvl2pPr marL="1097280" indent="0">
+              <a:buNone/>
+              <a:defRPr sz="4800" b="1"/>
+            </a:lvl2pPr>
+            <a:lvl3pPr marL="2194560" indent="0">
+              <a:buNone/>
               <a:defRPr sz="4320" b="1"/>
-            </a:lvl1pPr>
-            <a:lvl2pPr marL="822960" indent="0">
+            </a:lvl3pPr>
+            <a:lvl4pPr marL="3291840" indent="0">
               <a:buNone/>
-              <a:defRPr sz="3600" b="1"/>
-            </a:lvl2pPr>
-            <a:lvl3pPr marL="1645920" indent="0">
+              <a:defRPr sz="3840" b="1"/>
+            </a:lvl4pPr>
+            <a:lvl5pPr marL="4389120" indent="0">
               <a:buNone/>
-              <a:defRPr sz="3240" b="1"/>
-            </a:lvl3pPr>
-            <a:lvl4pPr marL="2468880" indent="0">
+              <a:defRPr sz="3840" b="1"/>
+            </a:lvl5pPr>
+            <a:lvl6pPr marL="5486400" indent="0">
               <a:buNone/>
-              <a:defRPr sz="2880" b="1"/>
-            </a:lvl4pPr>
-            <a:lvl5pPr marL="3291840" indent="0">
+              <a:defRPr sz="3840" b="1"/>
+            </a:lvl6pPr>
+            <a:lvl7pPr marL="6583680" indent="0">
               <a:buNone/>
-              <a:defRPr sz="2880" b="1"/>
-            </a:lvl5pPr>
-            <a:lvl6pPr marL="4114800" indent="0">
+              <a:defRPr sz="3840" b="1"/>
+            </a:lvl7pPr>
+            <a:lvl8pPr marL="7680960" indent="0">
               <a:buNone/>
-              <a:defRPr sz="2880" b="1"/>
-            </a:lvl6pPr>
-            <a:lvl7pPr marL="4937760" indent="0">
+              <a:defRPr sz="3840" b="1"/>
+            </a:lvl8pPr>
+            <a:lvl9pPr marL="8778240" indent="0">
               <a:buNone/>
-              <a:defRPr sz="2880" b="1"/>
-            </a:lvl7pPr>
-            <a:lvl8pPr marL="5760720" indent="0">
-              <a:buNone/>
-              <a:defRPr sz="2880" b="1"/>
-            </a:lvl8pPr>
-            <a:lvl9pPr marL="6583680" indent="0">
-              <a:buNone/>
-              <a:defRPr sz="2880" b="1"/>
+              <a:defRPr sz="3840" b="1"/>
             </a:lvl9pPr>
           </a:lstStyle>
           <a:p>
@@ -1569,8 +2490,8 @@
         </p:nvSpPr>
         <p:spPr>
           <a:xfrm>
-            <a:off x="8332471" y="6012180"/>
-            <a:ext cx="6997304" cy="8843011"/>
+            <a:off x="11109961" y="8016240"/>
+            <a:ext cx="9329738" cy="11790682"/>
           </a:xfrm>
         </p:spPr>
         <p:txBody>
@@ -1682,7 +2603,7 @@
     </p:spTree>
     <p:extLst>
       <p:ext uri="{BB962C8B-B14F-4D97-AF65-F5344CB8AC3E}">
-        <p14:creationId xmlns:p14="http://schemas.microsoft.com/office/powerpoint/2010/main" val="97841124"/>
+        <p14:creationId xmlns:p14="http://schemas.microsoft.com/office/powerpoint/2010/main" val="3620722852"/>
       </p:ext>
     </p:extLst>
   </p:cSld>
@@ -1800,7 +2721,7 @@
     </p:spTree>
     <p:extLst>
       <p:ext uri="{BB962C8B-B14F-4D97-AF65-F5344CB8AC3E}">
-        <p14:creationId xmlns:p14="http://schemas.microsoft.com/office/powerpoint/2010/main" val="2844742229"/>
+        <p14:creationId xmlns:p14="http://schemas.microsoft.com/office/powerpoint/2010/main" val="2845440631"/>
       </p:ext>
     </p:extLst>
   </p:cSld>
@@ -1895,7 +2816,7 @@
     </p:spTree>
     <p:extLst>
       <p:ext uri="{BB962C8B-B14F-4D97-AF65-F5344CB8AC3E}">
-        <p14:creationId xmlns:p14="http://schemas.microsoft.com/office/powerpoint/2010/main" val="3903251117"/>
+        <p14:creationId xmlns:p14="http://schemas.microsoft.com/office/powerpoint/2010/main" val="4280165748"/>
       </p:ext>
     </p:extLst>
   </p:cSld>
@@ -1934,15 +2855,15 @@
         </p:nvSpPr>
         <p:spPr>
           <a:xfrm>
-            <a:off x="1133714" y="1097280"/>
-            <a:ext cx="5308520" cy="3840480"/>
+            <a:off x="1511619" y="1463040"/>
+            <a:ext cx="7078027" cy="5120640"/>
           </a:xfrm>
         </p:spPr>
         <p:txBody>
           <a:bodyPr anchor="b"/>
           <a:lstStyle>
             <a:lvl1pPr>
-              <a:defRPr sz="5760"/>
+              <a:defRPr sz="7680"/>
             </a:lvl1pPr>
           </a:lstStyle>
           <a:p>
@@ -1966,39 +2887,39 @@
         </p:nvSpPr>
         <p:spPr>
           <a:xfrm>
-            <a:off x="6997304" y="2369824"/>
-            <a:ext cx="8332470" cy="11696700"/>
+            <a:off x="9329738" y="3159765"/>
+            <a:ext cx="11109960" cy="15595600"/>
           </a:xfrm>
         </p:spPr>
         <p:txBody>
           <a:bodyPr/>
           <a:lstStyle>
             <a:lvl1pPr>
-              <a:defRPr sz="5760"/>
+              <a:defRPr sz="7680"/>
             </a:lvl1pPr>
             <a:lvl2pPr>
-              <a:defRPr sz="5040"/>
+              <a:defRPr sz="6720"/>
             </a:lvl2pPr>
             <a:lvl3pPr>
-              <a:defRPr sz="4320"/>
+              <a:defRPr sz="5760"/>
             </a:lvl3pPr>
             <a:lvl4pPr>
-              <a:defRPr sz="3600"/>
+              <a:defRPr sz="4800"/>
             </a:lvl4pPr>
             <a:lvl5pPr>
-              <a:defRPr sz="3600"/>
+              <a:defRPr sz="4800"/>
             </a:lvl5pPr>
             <a:lvl6pPr>
-              <a:defRPr sz="3600"/>
+              <a:defRPr sz="4800"/>
             </a:lvl6pPr>
             <a:lvl7pPr>
-              <a:defRPr sz="3600"/>
+              <a:defRPr sz="4800"/>
             </a:lvl7pPr>
             <a:lvl8pPr>
-              <a:defRPr sz="3600"/>
+              <a:defRPr sz="4800"/>
             </a:lvl8pPr>
             <a:lvl9pPr>
-              <a:defRPr sz="3600"/>
+              <a:defRPr sz="4800"/>
             </a:lvl9pPr>
           </a:lstStyle>
           <a:p>
@@ -2051,8 +2972,8 @@
         </p:nvSpPr>
         <p:spPr>
           <a:xfrm>
-            <a:off x="1133714" y="4937760"/>
-            <a:ext cx="5308520" cy="9147811"/>
+            <a:off x="1511619" y="6583680"/>
+            <a:ext cx="7078027" cy="12197082"/>
           </a:xfrm>
         </p:spPr>
         <p:txBody>
@@ -2060,39 +2981,39 @@
           <a:lstStyle>
             <a:lvl1pPr marL="0" indent="0">
               <a:buNone/>
+              <a:defRPr sz="3840"/>
+            </a:lvl1pPr>
+            <a:lvl2pPr marL="1097280" indent="0">
+              <a:buNone/>
+              <a:defRPr sz="3360"/>
+            </a:lvl2pPr>
+            <a:lvl3pPr marL="2194560" indent="0">
+              <a:buNone/>
               <a:defRPr sz="2880"/>
-            </a:lvl1pPr>
-            <a:lvl2pPr marL="822960" indent="0">
+            </a:lvl3pPr>
+            <a:lvl4pPr marL="3291840" indent="0">
               <a:buNone/>
-              <a:defRPr sz="2520"/>
-            </a:lvl2pPr>
-            <a:lvl3pPr marL="1645920" indent="0">
+              <a:defRPr sz="2400"/>
+            </a:lvl4pPr>
+            <a:lvl5pPr marL="4389120" indent="0">
               <a:buNone/>
-              <a:defRPr sz="2160"/>
-            </a:lvl3pPr>
-            <a:lvl4pPr marL="2468880" indent="0">
+              <a:defRPr sz="2400"/>
+            </a:lvl5pPr>
+            <a:lvl6pPr marL="5486400" indent="0">
               <a:buNone/>
-              <a:defRPr sz="1800"/>
-            </a:lvl4pPr>
-            <a:lvl5pPr marL="3291840" indent="0">
+              <a:defRPr sz="2400"/>
+            </a:lvl6pPr>
+            <a:lvl7pPr marL="6583680" indent="0">
               <a:buNone/>
-              <a:defRPr sz="1800"/>
-            </a:lvl5pPr>
-            <a:lvl6pPr marL="4114800" indent="0">
+              <a:defRPr sz="2400"/>
+            </a:lvl7pPr>
+            <a:lvl8pPr marL="7680960" indent="0">
               <a:buNone/>
-              <a:defRPr sz="1800"/>
-            </a:lvl6pPr>
-            <a:lvl7pPr marL="4937760" indent="0">
+              <a:defRPr sz="2400"/>
+            </a:lvl8pPr>
+            <a:lvl9pPr marL="8778240" indent="0">
               <a:buNone/>
-              <a:defRPr sz="1800"/>
-            </a:lvl7pPr>
-            <a:lvl8pPr marL="5760720" indent="0">
-              <a:buNone/>
-              <a:defRPr sz="1800"/>
-            </a:lvl8pPr>
-            <a:lvl9pPr marL="6583680" indent="0">
-              <a:buNone/>
-              <a:defRPr sz="1800"/>
+              <a:defRPr sz="2400"/>
             </a:lvl9pPr>
           </a:lstStyle>
           <a:p>
@@ -2172,7 +3093,7 @@
     </p:spTree>
     <p:extLst>
       <p:ext uri="{BB962C8B-B14F-4D97-AF65-F5344CB8AC3E}">
-        <p14:creationId xmlns:p14="http://schemas.microsoft.com/office/powerpoint/2010/main" val="2988752404"/>
+        <p14:creationId xmlns:p14="http://schemas.microsoft.com/office/powerpoint/2010/main" val="3464085268"/>
       </p:ext>
     </p:extLst>
   </p:cSld>
@@ -2211,15 +3132,15 @@
         </p:nvSpPr>
         <p:spPr>
           <a:xfrm>
-            <a:off x="1133714" y="1097280"/>
-            <a:ext cx="5308520" cy="3840480"/>
+            <a:off x="1511619" y="1463040"/>
+            <a:ext cx="7078027" cy="5120640"/>
           </a:xfrm>
         </p:spPr>
         <p:txBody>
           <a:bodyPr anchor="b"/>
           <a:lstStyle>
             <a:lvl1pPr>
-              <a:defRPr sz="5760"/>
+              <a:defRPr sz="7680"/>
             </a:lvl1pPr>
           </a:lstStyle>
           <a:p>
@@ -2243,8 +3164,8 @@
         </p:nvSpPr>
         <p:spPr>
           <a:xfrm>
-            <a:off x="6997304" y="2369824"/>
-            <a:ext cx="8332470" cy="11696700"/>
+            <a:off x="9329738" y="3159765"/>
+            <a:ext cx="11109960" cy="15595600"/>
           </a:xfrm>
         </p:spPr>
         <p:txBody>
@@ -2252,39 +3173,39 @@
           <a:lstStyle>
             <a:lvl1pPr marL="0" indent="0">
               <a:buNone/>
+              <a:defRPr sz="7680"/>
+            </a:lvl1pPr>
+            <a:lvl2pPr marL="1097280" indent="0">
+              <a:buNone/>
+              <a:defRPr sz="6720"/>
+            </a:lvl2pPr>
+            <a:lvl3pPr marL="2194560" indent="0">
+              <a:buNone/>
               <a:defRPr sz="5760"/>
-            </a:lvl1pPr>
-            <a:lvl2pPr marL="822960" indent="0">
+            </a:lvl3pPr>
+            <a:lvl4pPr marL="3291840" indent="0">
               <a:buNone/>
-              <a:defRPr sz="5040"/>
-            </a:lvl2pPr>
-            <a:lvl3pPr marL="1645920" indent="0">
+              <a:defRPr sz="4800"/>
+            </a:lvl4pPr>
+            <a:lvl5pPr marL="4389120" indent="0">
               <a:buNone/>
-              <a:defRPr sz="4320"/>
-            </a:lvl3pPr>
-            <a:lvl4pPr marL="2468880" indent="0">
+              <a:defRPr sz="4800"/>
+            </a:lvl5pPr>
+            <a:lvl6pPr marL="5486400" indent="0">
               <a:buNone/>
-              <a:defRPr sz="3600"/>
-            </a:lvl4pPr>
-            <a:lvl5pPr marL="3291840" indent="0">
+              <a:defRPr sz="4800"/>
+            </a:lvl6pPr>
+            <a:lvl7pPr marL="6583680" indent="0">
               <a:buNone/>
-              <a:defRPr sz="3600"/>
-            </a:lvl5pPr>
-            <a:lvl6pPr marL="4114800" indent="0">
+              <a:defRPr sz="4800"/>
+            </a:lvl7pPr>
+            <a:lvl8pPr marL="7680960" indent="0">
               <a:buNone/>
-              <a:defRPr sz="3600"/>
-            </a:lvl6pPr>
-            <a:lvl7pPr marL="4937760" indent="0">
+              <a:defRPr sz="4800"/>
+            </a:lvl8pPr>
+            <a:lvl9pPr marL="8778240" indent="0">
               <a:buNone/>
-              <a:defRPr sz="3600"/>
-            </a:lvl7pPr>
-            <a:lvl8pPr marL="5760720" indent="0">
-              <a:buNone/>
-              <a:defRPr sz="3600"/>
-            </a:lvl8pPr>
-            <a:lvl9pPr marL="6583680" indent="0">
-              <a:buNone/>
-              <a:defRPr sz="3600"/>
+              <a:defRPr sz="4800"/>
             </a:lvl9pPr>
           </a:lstStyle>
           <a:p>
@@ -2308,8 +3229,8 @@
         </p:nvSpPr>
         <p:spPr>
           <a:xfrm>
-            <a:off x="1133714" y="4937760"/>
-            <a:ext cx="5308520" cy="9147811"/>
+            <a:off x="1511619" y="6583680"/>
+            <a:ext cx="7078027" cy="12197082"/>
           </a:xfrm>
         </p:spPr>
         <p:txBody>
@@ -2317,39 +3238,39 @@
           <a:lstStyle>
             <a:lvl1pPr marL="0" indent="0">
               <a:buNone/>
+              <a:defRPr sz="3840"/>
+            </a:lvl1pPr>
+            <a:lvl2pPr marL="1097280" indent="0">
+              <a:buNone/>
+              <a:defRPr sz="3360"/>
+            </a:lvl2pPr>
+            <a:lvl3pPr marL="2194560" indent="0">
+              <a:buNone/>
               <a:defRPr sz="2880"/>
-            </a:lvl1pPr>
-            <a:lvl2pPr marL="822960" indent="0">
+            </a:lvl3pPr>
+            <a:lvl4pPr marL="3291840" indent="0">
               <a:buNone/>
-              <a:defRPr sz="2520"/>
-            </a:lvl2pPr>
-            <a:lvl3pPr marL="1645920" indent="0">
+              <a:defRPr sz="2400"/>
+            </a:lvl4pPr>
+            <a:lvl5pPr marL="4389120" indent="0">
               <a:buNone/>
-              <a:defRPr sz="2160"/>
-            </a:lvl3pPr>
-            <a:lvl4pPr marL="2468880" indent="0">
+              <a:defRPr sz="2400"/>
+            </a:lvl5pPr>
+            <a:lvl6pPr marL="5486400" indent="0">
               <a:buNone/>
-              <a:defRPr sz="1800"/>
-            </a:lvl4pPr>
-            <a:lvl5pPr marL="3291840" indent="0">
+              <a:defRPr sz="2400"/>
+            </a:lvl6pPr>
+            <a:lvl7pPr marL="6583680" indent="0">
               <a:buNone/>
-              <a:defRPr sz="1800"/>
-            </a:lvl5pPr>
-            <a:lvl6pPr marL="4114800" indent="0">
+              <a:defRPr sz="2400"/>
+            </a:lvl7pPr>
+            <a:lvl8pPr marL="7680960" indent="0">
               <a:buNone/>
-              <a:defRPr sz="1800"/>
-            </a:lvl6pPr>
-            <a:lvl7pPr marL="4937760" indent="0">
+              <a:defRPr sz="2400"/>
+            </a:lvl8pPr>
+            <a:lvl9pPr marL="8778240" indent="0">
               <a:buNone/>
-              <a:defRPr sz="1800"/>
-            </a:lvl7pPr>
-            <a:lvl8pPr marL="5760720" indent="0">
-              <a:buNone/>
-              <a:defRPr sz="1800"/>
-            </a:lvl8pPr>
-            <a:lvl9pPr marL="6583680" indent="0">
-              <a:buNone/>
-              <a:defRPr sz="1800"/>
+              <a:defRPr sz="2400"/>
             </a:lvl9pPr>
           </a:lstStyle>
           <a:p>
@@ -2429,7 +3350,7 @@
     </p:spTree>
     <p:extLst>
       <p:ext uri="{BB962C8B-B14F-4D97-AF65-F5344CB8AC3E}">
-        <p14:creationId xmlns:p14="http://schemas.microsoft.com/office/powerpoint/2010/main" val="2977697218"/>
+        <p14:creationId xmlns:p14="http://schemas.microsoft.com/office/powerpoint/2010/main" val="2692884433"/>
       </p:ext>
     </p:extLst>
   </p:cSld>
@@ -2473,8 +3394,8 @@
         </p:nvSpPr>
         <p:spPr>
           <a:xfrm>
-            <a:off x="1131570" y="876304"/>
-            <a:ext cx="14196060" cy="3181351"/>
+            <a:off x="1508760" y="1168405"/>
+            <a:ext cx="18928080" cy="4241802"/>
           </a:xfrm>
           <a:prstGeom prst="rect">
             <a:avLst/>
@@ -2506,8 +3427,8 @@
         </p:nvSpPr>
         <p:spPr>
           <a:xfrm>
-            <a:off x="1131570" y="4381500"/>
-            <a:ext cx="14196060" cy="10443211"/>
+            <a:off x="1508760" y="5842000"/>
+            <a:ext cx="18928080" cy="13924282"/>
           </a:xfrm>
           <a:prstGeom prst="rect">
             <a:avLst/>
@@ -2568,8 +3489,8 @@
         </p:nvSpPr>
         <p:spPr>
           <a:xfrm>
-            <a:off x="1131570" y="15255244"/>
-            <a:ext cx="3703320" cy="876300"/>
+            <a:off x="1508760" y="20340325"/>
+            <a:ext cx="4937760" cy="1168400"/>
           </a:xfrm>
           <a:prstGeom prst="rect">
             <a:avLst/>
@@ -2579,7 +3500,7 @@
           <a:bodyPr vert="horz" lIns="91440" tIns="45720" rIns="91440" bIns="45720" rtlCol="0" anchor="ctr"/>
           <a:lstStyle>
             <a:lvl1pPr algn="l">
-              <a:defRPr sz="2160">
+              <a:defRPr sz="2880">
                 <a:solidFill>
                   <a:schemeClr val="tx1">
                     <a:tint val="75000"/>
@@ -2609,8 +3530,8 @@
         </p:nvSpPr>
         <p:spPr>
           <a:xfrm>
-            <a:off x="5452110" y="15255244"/>
-            <a:ext cx="5554980" cy="876300"/>
+            <a:off x="7269480" y="20340325"/>
+            <a:ext cx="7406640" cy="1168400"/>
           </a:xfrm>
           <a:prstGeom prst="rect">
             <a:avLst/>
@@ -2620,7 +3541,7 @@
           <a:bodyPr vert="horz" lIns="91440" tIns="45720" rIns="91440" bIns="45720" rtlCol="0" anchor="ctr"/>
           <a:lstStyle>
             <a:lvl1pPr algn="ctr">
-              <a:defRPr sz="2160">
+              <a:defRPr sz="2880">
                 <a:solidFill>
                   <a:schemeClr val="tx1">
                     <a:tint val="75000"/>
@@ -2646,8 +3567,8 @@
         </p:nvSpPr>
         <p:spPr>
           <a:xfrm>
-            <a:off x="11624310" y="15255244"/>
-            <a:ext cx="3703320" cy="876300"/>
+            <a:off x="15499080" y="20340325"/>
+            <a:ext cx="4937760" cy="1168400"/>
           </a:xfrm>
           <a:prstGeom prst="rect">
             <a:avLst/>
@@ -2657,7 +3578,7 @@
           <a:bodyPr vert="horz" lIns="91440" tIns="45720" rIns="91440" bIns="45720" rtlCol="0" anchor="ctr"/>
           <a:lstStyle>
             <a:lvl1pPr algn="r">
-              <a:defRPr sz="2160">
+              <a:defRPr sz="2880">
                 <a:solidFill>
                   <a:schemeClr val="tx1">
                     <a:tint val="75000"/>
@@ -2678,27 +3599,27 @@
     </p:spTree>
     <p:extLst>
       <p:ext uri="{BB962C8B-B14F-4D97-AF65-F5344CB8AC3E}">
-        <p14:creationId xmlns:p14="http://schemas.microsoft.com/office/powerpoint/2010/main" val="100810119"/>
+        <p14:creationId xmlns:p14="http://schemas.microsoft.com/office/powerpoint/2010/main" val="408482166"/>
       </p:ext>
     </p:extLst>
   </p:cSld>
   <p:clrMap bg1="lt1" tx1="dk1" bg2="lt2" tx2="dk2" accent1="accent1" accent2="accent2" accent3="accent3" accent4="accent4" accent5="accent5" accent6="accent6" hlink="hlink" folHlink="folHlink"/>
   <p:sldLayoutIdLst>
-    <p:sldLayoutId id="2147483745" r:id="rId1"/>
-    <p:sldLayoutId id="2147483746" r:id="rId2"/>
-    <p:sldLayoutId id="2147483747" r:id="rId3"/>
-    <p:sldLayoutId id="2147483748" r:id="rId4"/>
-    <p:sldLayoutId id="2147483749" r:id="rId5"/>
-    <p:sldLayoutId id="2147483750" r:id="rId6"/>
-    <p:sldLayoutId id="2147483751" r:id="rId7"/>
-    <p:sldLayoutId id="2147483752" r:id="rId8"/>
-    <p:sldLayoutId id="2147483753" r:id="rId9"/>
-    <p:sldLayoutId id="2147483754" r:id="rId10"/>
-    <p:sldLayoutId id="2147483755" r:id="rId11"/>
+    <p:sldLayoutId id="2147483757" r:id="rId1"/>
+    <p:sldLayoutId id="2147483758" r:id="rId2"/>
+    <p:sldLayoutId id="2147483759" r:id="rId3"/>
+    <p:sldLayoutId id="2147483760" r:id="rId4"/>
+    <p:sldLayoutId id="2147483761" r:id="rId5"/>
+    <p:sldLayoutId id="2147483762" r:id="rId6"/>
+    <p:sldLayoutId id="2147483763" r:id="rId7"/>
+    <p:sldLayoutId id="2147483764" r:id="rId8"/>
+    <p:sldLayoutId id="2147483765" r:id="rId9"/>
+    <p:sldLayoutId id="2147483766" r:id="rId10"/>
+    <p:sldLayoutId id="2147483767" r:id="rId11"/>
   </p:sldLayoutIdLst>
   <p:txStyles>
     <p:titleStyle>
-      <a:lvl1pPr algn="l" defTabSz="1645920" rtl="0" eaLnBrk="1" latinLnBrk="0" hangingPunct="1">
+      <a:lvl1pPr algn="l" defTabSz="2194560" rtl="0" eaLnBrk="1" latinLnBrk="0" hangingPunct="1">
         <a:lnSpc>
           <a:spcPct val="90000"/>
         </a:lnSpc>
@@ -2706,7 +3627,7 @@
           <a:spcPct val="0"/>
         </a:spcBef>
         <a:buNone/>
-        <a:defRPr sz="7920" kern="1200">
+        <a:defRPr sz="10560" kern="1200">
           <a:solidFill>
             <a:schemeClr val="tx1"/>
           </a:solidFill>
@@ -2717,16 +3638,16 @@
       </a:lvl1pPr>
     </p:titleStyle>
     <p:bodyStyle>
-      <a:lvl1pPr marL="411480" indent="-411480" algn="l" defTabSz="1645920" rtl="0" eaLnBrk="1" latinLnBrk="0" hangingPunct="1">
+      <a:lvl1pPr marL="548640" indent="-548640" algn="l" defTabSz="2194560" rtl="0" eaLnBrk="1" latinLnBrk="0" hangingPunct="1">
         <a:lnSpc>
           <a:spcPct val="90000"/>
         </a:lnSpc>
         <a:spcBef>
-          <a:spcPts val="1800"/>
+          <a:spcPts val="2400"/>
         </a:spcBef>
         <a:buFont typeface="Arial" panose="020B0604020202020204" pitchFamily="34" charset="0"/>
         <a:buChar char="•"/>
-        <a:defRPr sz="5040" kern="1200">
+        <a:defRPr sz="6720" kern="1200">
           <a:solidFill>
             <a:schemeClr val="tx1"/>
           </a:solidFill>
@@ -2735,12 +3656,48 @@
           <a:cs typeface="+mn-cs"/>
         </a:defRPr>
       </a:lvl1pPr>
-      <a:lvl2pPr marL="1234440" indent="-411480" algn="l" defTabSz="1645920" rtl="0" eaLnBrk="1" latinLnBrk="0" hangingPunct="1">
+      <a:lvl2pPr marL="1645920" indent="-548640" algn="l" defTabSz="2194560" rtl="0" eaLnBrk="1" latinLnBrk="0" hangingPunct="1">
         <a:lnSpc>
           <a:spcPct val="90000"/>
         </a:lnSpc>
         <a:spcBef>
-          <a:spcPts val="900"/>
+          <a:spcPts val="1200"/>
+        </a:spcBef>
+        <a:buFont typeface="Arial" panose="020B0604020202020204" pitchFamily="34" charset="0"/>
+        <a:buChar char="•"/>
+        <a:defRPr sz="5760" kern="1200">
+          <a:solidFill>
+            <a:schemeClr val="tx1"/>
+          </a:solidFill>
+          <a:latin typeface="+mn-lt"/>
+          <a:ea typeface="+mn-ea"/>
+          <a:cs typeface="+mn-cs"/>
+        </a:defRPr>
+      </a:lvl2pPr>
+      <a:lvl3pPr marL="2743200" indent="-548640" algn="l" defTabSz="2194560" rtl="0" eaLnBrk="1" latinLnBrk="0" hangingPunct="1">
+        <a:lnSpc>
+          <a:spcPct val="90000"/>
+        </a:lnSpc>
+        <a:spcBef>
+          <a:spcPts val="1200"/>
+        </a:spcBef>
+        <a:buFont typeface="Arial" panose="020B0604020202020204" pitchFamily="34" charset="0"/>
+        <a:buChar char="•"/>
+        <a:defRPr sz="4800" kern="1200">
+          <a:solidFill>
+            <a:schemeClr val="tx1"/>
+          </a:solidFill>
+          <a:latin typeface="+mn-lt"/>
+          <a:ea typeface="+mn-ea"/>
+          <a:cs typeface="+mn-cs"/>
+        </a:defRPr>
+      </a:lvl3pPr>
+      <a:lvl4pPr marL="3840480" indent="-548640" algn="l" defTabSz="2194560" rtl="0" eaLnBrk="1" latinLnBrk="0" hangingPunct="1">
+        <a:lnSpc>
+          <a:spcPct val="90000"/>
+        </a:lnSpc>
+        <a:spcBef>
+          <a:spcPts val="1200"/>
         </a:spcBef>
         <a:buFont typeface="Arial" panose="020B0604020202020204" pitchFamily="34" charset="0"/>
         <a:buChar char="•"/>
@@ -2752,53 +3709,17 @@
           <a:ea typeface="+mn-ea"/>
           <a:cs typeface="+mn-cs"/>
         </a:defRPr>
-      </a:lvl2pPr>
-      <a:lvl3pPr marL="2057400" indent="-411480" algn="l" defTabSz="1645920" rtl="0" eaLnBrk="1" latinLnBrk="0" hangingPunct="1">
+      </a:lvl4pPr>
+      <a:lvl5pPr marL="4937760" indent="-548640" algn="l" defTabSz="2194560" rtl="0" eaLnBrk="1" latinLnBrk="0" hangingPunct="1">
         <a:lnSpc>
           <a:spcPct val="90000"/>
         </a:lnSpc>
         <a:spcBef>
-          <a:spcPts val="900"/>
+          <a:spcPts val="1200"/>
         </a:spcBef>
         <a:buFont typeface="Arial" panose="020B0604020202020204" pitchFamily="34" charset="0"/>
         <a:buChar char="•"/>
-        <a:defRPr sz="3600" kern="1200">
-          <a:solidFill>
-            <a:schemeClr val="tx1"/>
-          </a:solidFill>
-          <a:latin typeface="+mn-lt"/>
-          <a:ea typeface="+mn-ea"/>
-          <a:cs typeface="+mn-cs"/>
-        </a:defRPr>
-      </a:lvl3pPr>
-      <a:lvl4pPr marL="2880360" indent="-411480" algn="l" defTabSz="1645920" rtl="0" eaLnBrk="1" latinLnBrk="0" hangingPunct="1">
-        <a:lnSpc>
-          <a:spcPct val="90000"/>
-        </a:lnSpc>
-        <a:spcBef>
-          <a:spcPts val="900"/>
-        </a:spcBef>
-        <a:buFont typeface="Arial" panose="020B0604020202020204" pitchFamily="34" charset="0"/>
-        <a:buChar char="•"/>
-        <a:defRPr sz="3240" kern="1200">
-          <a:solidFill>
-            <a:schemeClr val="tx1"/>
-          </a:solidFill>
-          <a:latin typeface="+mn-lt"/>
-          <a:ea typeface="+mn-ea"/>
-          <a:cs typeface="+mn-cs"/>
-        </a:defRPr>
-      </a:lvl4pPr>
-      <a:lvl5pPr marL="3703320" indent="-411480" algn="l" defTabSz="1645920" rtl="0" eaLnBrk="1" latinLnBrk="0" hangingPunct="1">
-        <a:lnSpc>
-          <a:spcPct val="90000"/>
-        </a:lnSpc>
-        <a:spcBef>
-          <a:spcPts val="900"/>
-        </a:spcBef>
-        <a:buFont typeface="Arial" panose="020B0604020202020204" pitchFamily="34" charset="0"/>
-        <a:buChar char="•"/>
-        <a:defRPr sz="3240" kern="1200">
+        <a:defRPr sz="4320" kern="1200">
           <a:solidFill>
             <a:schemeClr val="tx1"/>
           </a:solidFill>
@@ -2807,16 +3728,16 @@
           <a:cs typeface="+mn-cs"/>
         </a:defRPr>
       </a:lvl5pPr>
-      <a:lvl6pPr marL="4526280" indent="-411480" algn="l" defTabSz="1645920" rtl="0" eaLnBrk="1" latinLnBrk="0" hangingPunct="1">
+      <a:lvl6pPr marL="6035040" indent="-548640" algn="l" defTabSz="2194560" rtl="0" eaLnBrk="1" latinLnBrk="0" hangingPunct="1">
         <a:lnSpc>
           <a:spcPct val="90000"/>
         </a:lnSpc>
         <a:spcBef>
-          <a:spcPts val="900"/>
+          <a:spcPts val="1200"/>
         </a:spcBef>
         <a:buFont typeface="Arial" panose="020B0604020202020204" pitchFamily="34" charset="0"/>
         <a:buChar char="•"/>
-        <a:defRPr sz="3240" kern="1200">
+        <a:defRPr sz="4320" kern="1200">
           <a:solidFill>
             <a:schemeClr val="tx1"/>
           </a:solidFill>
@@ -2825,16 +3746,16 @@
           <a:cs typeface="+mn-cs"/>
         </a:defRPr>
       </a:lvl6pPr>
-      <a:lvl7pPr marL="5349240" indent="-411480" algn="l" defTabSz="1645920" rtl="0" eaLnBrk="1" latinLnBrk="0" hangingPunct="1">
+      <a:lvl7pPr marL="7132320" indent="-548640" algn="l" defTabSz="2194560" rtl="0" eaLnBrk="1" latinLnBrk="0" hangingPunct="1">
         <a:lnSpc>
           <a:spcPct val="90000"/>
         </a:lnSpc>
         <a:spcBef>
-          <a:spcPts val="900"/>
+          <a:spcPts val="1200"/>
         </a:spcBef>
         <a:buFont typeface="Arial" panose="020B0604020202020204" pitchFamily="34" charset="0"/>
         <a:buChar char="•"/>
-        <a:defRPr sz="3240" kern="1200">
+        <a:defRPr sz="4320" kern="1200">
           <a:solidFill>
             <a:schemeClr val="tx1"/>
           </a:solidFill>
@@ -2843,16 +3764,16 @@
           <a:cs typeface="+mn-cs"/>
         </a:defRPr>
       </a:lvl7pPr>
-      <a:lvl8pPr marL="6172200" indent="-411480" algn="l" defTabSz="1645920" rtl="0" eaLnBrk="1" latinLnBrk="0" hangingPunct="1">
+      <a:lvl8pPr marL="8229600" indent="-548640" algn="l" defTabSz="2194560" rtl="0" eaLnBrk="1" latinLnBrk="0" hangingPunct="1">
         <a:lnSpc>
           <a:spcPct val="90000"/>
         </a:lnSpc>
         <a:spcBef>
-          <a:spcPts val="900"/>
+          <a:spcPts val="1200"/>
         </a:spcBef>
         <a:buFont typeface="Arial" panose="020B0604020202020204" pitchFamily="34" charset="0"/>
         <a:buChar char="•"/>
-        <a:defRPr sz="3240" kern="1200">
+        <a:defRPr sz="4320" kern="1200">
           <a:solidFill>
             <a:schemeClr val="tx1"/>
           </a:solidFill>
@@ -2861,16 +3782,16 @@
           <a:cs typeface="+mn-cs"/>
         </a:defRPr>
       </a:lvl8pPr>
-      <a:lvl9pPr marL="6995160" indent="-411480" algn="l" defTabSz="1645920" rtl="0" eaLnBrk="1" latinLnBrk="0" hangingPunct="1">
+      <a:lvl9pPr marL="9326880" indent="-548640" algn="l" defTabSz="2194560" rtl="0" eaLnBrk="1" latinLnBrk="0" hangingPunct="1">
         <a:lnSpc>
           <a:spcPct val="90000"/>
         </a:lnSpc>
         <a:spcBef>
-          <a:spcPts val="900"/>
+          <a:spcPts val="1200"/>
         </a:spcBef>
         <a:buFont typeface="Arial" panose="020B0604020202020204" pitchFamily="34" charset="0"/>
         <a:buChar char="•"/>
-        <a:defRPr sz="3240" kern="1200">
+        <a:defRPr sz="4320" kern="1200">
           <a:solidFill>
             <a:schemeClr val="tx1"/>
           </a:solidFill>
@@ -2884,8 +3805,8 @@
       <a:defPPr>
         <a:defRPr lang="en-US"/>
       </a:defPPr>
-      <a:lvl1pPr marL="0" algn="l" defTabSz="1645920" rtl="0" eaLnBrk="1" latinLnBrk="0" hangingPunct="1">
-        <a:defRPr sz="3240" kern="1200">
+      <a:lvl1pPr marL="0" algn="l" defTabSz="2194560" rtl="0" eaLnBrk="1" latinLnBrk="0" hangingPunct="1">
+        <a:defRPr sz="4320" kern="1200">
           <a:solidFill>
             <a:schemeClr val="tx1"/>
           </a:solidFill>
@@ -2894,8 +3815,8 @@
           <a:cs typeface="+mn-cs"/>
         </a:defRPr>
       </a:lvl1pPr>
-      <a:lvl2pPr marL="822960" algn="l" defTabSz="1645920" rtl="0" eaLnBrk="1" latinLnBrk="0" hangingPunct="1">
-        <a:defRPr sz="3240" kern="1200">
+      <a:lvl2pPr marL="1097280" algn="l" defTabSz="2194560" rtl="0" eaLnBrk="1" latinLnBrk="0" hangingPunct="1">
+        <a:defRPr sz="4320" kern="1200">
           <a:solidFill>
             <a:schemeClr val="tx1"/>
           </a:solidFill>
@@ -2904,8 +3825,8 @@
           <a:cs typeface="+mn-cs"/>
         </a:defRPr>
       </a:lvl2pPr>
-      <a:lvl3pPr marL="1645920" algn="l" defTabSz="1645920" rtl="0" eaLnBrk="1" latinLnBrk="0" hangingPunct="1">
-        <a:defRPr sz="3240" kern="1200">
+      <a:lvl3pPr marL="2194560" algn="l" defTabSz="2194560" rtl="0" eaLnBrk="1" latinLnBrk="0" hangingPunct="1">
+        <a:defRPr sz="4320" kern="1200">
           <a:solidFill>
             <a:schemeClr val="tx1"/>
           </a:solidFill>
@@ -2914,8 +3835,8 @@
           <a:cs typeface="+mn-cs"/>
         </a:defRPr>
       </a:lvl3pPr>
-      <a:lvl4pPr marL="2468880" algn="l" defTabSz="1645920" rtl="0" eaLnBrk="1" latinLnBrk="0" hangingPunct="1">
-        <a:defRPr sz="3240" kern="1200">
+      <a:lvl4pPr marL="3291840" algn="l" defTabSz="2194560" rtl="0" eaLnBrk="1" latinLnBrk="0" hangingPunct="1">
+        <a:defRPr sz="4320" kern="1200">
           <a:solidFill>
             <a:schemeClr val="tx1"/>
           </a:solidFill>
@@ -2924,8 +3845,8 @@
           <a:cs typeface="+mn-cs"/>
         </a:defRPr>
       </a:lvl4pPr>
-      <a:lvl5pPr marL="3291840" algn="l" defTabSz="1645920" rtl="0" eaLnBrk="1" latinLnBrk="0" hangingPunct="1">
-        <a:defRPr sz="3240" kern="1200">
+      <a:lvl5pPr marL="4389120" algn="l" defTabSz="2194560" rtl="0" eaLnBrk="1" latinLnBrk="0" hangingPunct="1">
+        <a:defRPr sz="4320" kern="1200">
           <a:solidFill>
             <a:schemeClr val="tx1"/>
           </a:solidFill>
@@ -2934,8 +3855,8 @@
           <a:cs typeface="+mn-cs"/>
         </a:defRPr>
       </a:lvl5pPr>
-      <a:lvl6pPr marL="4114800" algn="l" defTabSz="1645920" rtl="0" eaLnBrk="1" latinLnBrk="0" hangingPunct="1">
-        <a:defRPr sz="3240" kern="1200">
+      <a:lvl6pPr marL="5486400" algn="l" defTabSz="2194560" rtl="0" eaLnBrk="1" latinLnBrk="0" hangingPunct="1">
+        <a:defRPr sz="4320" kern="1200">
           <a:solidFill>
             <a:schemeClr val="tx1"/>
           </a:solidFill>
@@ -2944,8 +3865,8 @@
           <a:cs typeface="+mn-cs"/>
         </a:defRPr>
       </a:lvl6pPr>
-      <a:lvl7pPr marL="4937760" algn="l" defTabSz="1645920" rtl="0" eaLnBrk="1" latinLnBrk="0" hangingPunct="1">
-        <a:defRPr sz="3240" kern="1200">
+      <a:lvl7pPr marL="6583680" algn="l" defTabSz="2194560" rtl="0" eaLnBrk="1" latinLnBrk="0" hangingPunct="1">
+        <a:defRPr sz="4320" kern="1200">
           <a:solidFill>
             <a:schemeClr val="tx1"/>
           </a:solidFill>
@@ -2954,8 +3875,8 @@
           <a:cs typeface="+mn-cs"/>
         </a:defRPr>
       </a:lvl7pPr>
-      <a:lvl8pPr marL="5760720" algn="l" defTabSz="1645920" rtl="0" eaLnBrk="1" latinLnBrk="0" hangingPunct="1">
-        <a:defRPr sz="3240" kern="1200">
+      <a:lvl8pPr marL="7680960" algn="l" defTabSz="2194560" rtl="0" eaLnBrk="1" latinLnBrk="0" hangingPunct="1">
+        <a:defRPr sz="4320" kern="1200">
           <a:solidFill>
             <a:schemeClr val="tx1"/>
           </a:solidFill>
@@ -2964,8 +3885,8 @@
           <a:cs typeface="+mn-cs"/>
         </a:defRPr>
       </a:lvl8pPr>
-      <a:lvl9pPr marL="6583680" algn="l" defTabSz="1645920" rtl="0" eaLnBrk="1" latinLnBrk="0" hangingPunct="1">
-        <a:defRPr sz="3240" kern="1200">
+      <a:lvl9pPr marL="8778240" algn="l" defTabSz="2194560" rtl="0" eaLnBrk="1" latinLnBrk="0" hangingPunct="1">
+        <a:defRPr sz="4320" kern="1200">
           <a:solidFill>
             <a:schemeClr val="tx1"/>
           </a:solidFill>
@@ -3010,10 +3931,10 @@
         </p:nvGrpSpPr>
         <p:grpSpPr>
           <a:xfrm>
-            <a:off x="9469973" y="7207252"/>
-            <a:ext cx="608922" cy="2081816"/>
-            <a:chOff x="8515683" y="1263650"/>
-            <a:chExt cx="608922" cy="2081816"/>
+            <a:off x="12626634" y="9609669"/>
+            <a:ext cx="811893" cy="2775755"/>
+            <a:chOff x="8515685" y="1263650"/>
+            <a:chExt cx="608920" cy="2081816"/>
           </a:xfrm>
         </p:grpSpPr>
         <p:sp>
@@ -3057,7 +3978,7 @@
             </a:fontRef>
           </p:style>
           <p:txBody>
-            <a:bodyPr rot="0" spcFirstLastPara="0" vertOverflow="overflow" horzOverflow="overflow" vert="horz" wrap="square" lIns="91440" tIns="45720" rIns="91440" bIns="45720" numCol="1" spcCol="0" rtlCol="0" fromWordArt="0" anchor="ctr" anchorCtr="0" forceAA="0" compatLnSpc="1">
+            <a:bodyPr rot="0" spcFirstLastPara="0" vertOverflow="overflow" horzOverflow="overflow" vert="horz" wrap="square" lIns="121920" tIns="60960" rIns="121920" bIns="60960" numCol="1" spcCol="0" rtlCol="0" fromWordArt="0" anchor="ctr" anchorCtr="0" forceAA="0" compatLnSpc="1">
               <a:prstTxWarp prst="textNoShape">
                 <a:avLst/>
               </a:prstTxWarp>
@@ -3066,7 +3987,7 @@
             <a:lstStyle/>
             <a:p>
               <a:pPr algn="ctr"/>
-              <a:endParaRPr lang="en-US" dirty="0"/>
+              <a:endParaRPr lang="en-US" sz="3200" dirty="0"/>
             </a:p>
           </p:txBody>
         </p:sp>
@@ -3175,8 +4096,8 @@
           </p:nvCxnSpPr>
           <p:spPr>
             <a:xfrm flipV="1">
-              <a:off x="8607593" y="2292601"/>
-              <a:ext cx="155448" cy="0"/>
+              <a:off x="8607593" y="2280996"/>
+              <a:ext cx="164591" cy="23563"/>
             </a:xfrm>
             <a:prstGeom prst="straightConnector1">
               <a:avLst/>
@@ -3220,8 +4141,8 @@
           </p:nvCxnSpPr>
           <p:spPr>
             <a:xfrm>
-              <a:off x="8515683" y="2294542"/>
-              <a:ext cx="100584" cy="0"/>
+              <a:off x="8515685" y="2282952"/>
+              <a:ext cx="91908" cy="21606"/>
             </a:xfrm>
             <a:prstGeom prst="line">
               <a:avLst/>
@@ -3262,8 +4183,8 @@
         </p:nvSpPr>
         <p:spPr>
           <a:xfrm>
-            <a:off x="10078897" y="6118211"/>
-            <a:ext cx="2003239" cy="1200329"/>
+            <a:off x="13438530" y="8157615"/>
+            <a:ext cx="2670985" cy="1569660"/>
           </a:xfrm>
           <a:prstGeom prst="rect">
             <a:avLst/>
@@ -3283,22 +4204,22 @@
           <a:p>
             <a:pPr algn="ctr"/>
             <a:r>
-              <a:rPr lang="en-US" sz="2400" b="1" u="sng" dirty="0"/>
+              <a:rPr lang="en-US" sz="3200" b="1" u="sng" dirty="0"/>
               <a:t>Step 3(</a:t>
             </a:r>
             <a:r>
-              <a:rPr lang="en-US" sz="2400" b="1" u="sng" dirty="0" err="1"/>
+              <a:rPr lang="en-US" sz="3200" b="1" u="sng" dirty="0" err="1"/>
               <a:t>i</a:t>
             </a:r>
             <a:r>
-              <a:rPr lang="en-US" sz="2400" b="1" u="sng" dirty="0"/>
+              <a:rPr lang="en-US" sz="3200" b="1" u="sng" dirty="0"/>
               <a:t>)</a:t>
             </a:r>
           </a:p>
           <a:p>
             <a:pPr algn="ctr"/>
             <a:r>
-              <a:rPr lang="en-US" sz="2400" dirty="0"/>
+              <a:rPr lang="en-US" sz="3200" dirty="0"/>
               <a:t>Identifiability Analysis</a:t>
             </a:r>
           </a:p>
@@ -3320,8 +4241,8 @@
             </p:nvSpPr>
             <p:spPr>
               <a:xfrm>
-                <a:off x="9726474" y="7515557"/>
-                <a:ext cx="2708089" cy="1441292"/>
+                <a:off x="12968633" y="10020743"/>
+                <a:ext cx="3610785" cy="1890774"/>
               </a:xfrm>
               <a:prstGeom prst="rect">
                 <a:avLst/>
@@ -3341,14 +4262,14 @@
               <a:p>
                 <a:pPr algn="ctr"/>
                 <a:r>
-                  <a:rPr lang="en-US" sz="2400" b="1" u="sng" dirty="0"/>
+                  <a:rPr lang="en-US" sz="3200" b="1" u="sng" dirty="0"/>
                   <a:t>Step 3(ii)</a:t>
                 </a:r>
               </a:p>
               <a:p>
                 <a:pPr algn="ctr"/>
                 <a:r>
-                  <a:rPr lang="en-US" sz="2400" dirty="0"/>
+                  <a:rPr lang="en-US" sz="3200" dirty="0"/>
                   <a:t>Uncertainty Analysis</a:t>
                 </a:r>
               </a:p>
@@ -3363,7 +4284,7 @@
                       <m:sSub>
                         <m:sSubPr>
                           <m:ctrlPr>
-                            <a:rPr lang="en-US" sz="1600" i="1">
+                            <a:rPr lang="en-US" sz="2133" i="1">
                               <a:latin typeface="Cambria Math" panose="02040503050406030204" pitchFamily="18" charset="0"/>
                               <a:ea typeface="Cambria Math" panose="02040503050406030204" pitchFamily="18" charset="0"/>
                             </a:rPr>
@@ -3374,7 +4295,7 @@
                             <m:rPr>
                               <m:sty m:val="p"/>
                             </m:rPr>
-                            <a:rPr lang="el-GR" sz="1600" i="1">
+                            <a:rPr lang="el-GR" sz="2133" i="1">
                               <a:latin typeface="Cambria Math" panose="02040503050406030204" pitchFamily="18" charset="0"/>
                               <a:ea typeface="Cambria Math" panose="02040503050406030204" pitchFamily="18" charset="0"/>
                             </a:rPr>
@@ -3383,21 +4304,21 @@
                         </m:e>
                         <m:sub>
                           <m:r>
-                            <a:rPr lang="en-US" sz="1600" i="1">
+                            <a:rPr lang="en-US" sz="2133" i="1">
                               <a:latin typeface="Cambria Math" panose="02040503050406030204" pitchFamily="18" charset="0"/>
                               <a:ea typeface="Cambria Math" panose="02040503050406030204" pitchFamily="18" charset="0"/>
                             </a:rPr>
                             <m:t>𝑖</m:t>
                           </m:r>
                           <m:r>
-                            <a:rPr lang="en-US" sz="1600" i="1">
+                            <a:rPr lang="en-US" sz="2133" i="1">
                               <a:latin typeface="Cambria Math" panose="02040503050406030204" pitchFamily="18" charset="0"/>
                               <a:ea typeface="Cambria Math" panose="02040503050406030204" pitchFamily="18" charset="0"/>
                             </a:rPr>
                             <m:t>,</m:t>
                           </m:r>
                           <m:r>
-                            <a:rPr lang="en-US" sz="1600" i="1">
+                            <a:rPr lang="en-US" sz="2133" i="1">
                               <a:latin typeface="Cambria Math" panose="02040503050406030204" pitchFamily="18" charset="0"/>
                               <a:ea typeface="Cambria Math" panose="02040503050406030204" pitchFamily="18" charset="0"/>
                             </a:rPr>
@@ -3406,7 +4327,7 @@
                         </m:sub>
                       </m:sSub>
                       <m:r>
-                        <a:rPr lang="en-US" sz="1600" i="1">
+                        <a:rPr lang="en-US" sz="2133" i="1">
                           <a:latin typeface="Cambria Math" panose="02040503050406030204" pitchFamily="18" charset="0"/>
                           <a:ea typeface="Cambria Math" panose="02040503050406030204" pitchFamily="18" charset="0"/>
                         </a:rPr>
@@ -3417,7 +4338,7 @@
                           <m:begChr m:val="["/>
                           <m:endChr m:val="]"/>
                           <m:ctrlPr>
-                            <a:rPr lang="en-US" sz="1600" i="1">
+                            <a:rPr lang="en-US" sz="2133" i="1">
                               <a:latin typeface="Cambria Math" panose="02040503050406030204" pitchFamily="18" charset="0"/>
                               <a:ea typeface="Cambria Math" panose="02040503050406030204" pitchFamily="18" charset="0"/>
                             </a:rPr>
@@ -3435,7 +4356,7 @@
                                 </m:mc>
                               </m:mcs>
                               <m:ctrlPr>
-                                <a:rPr lang="en-US" sz="1600" i="1">
+                                <a:rPr lang="en-US" sz="2133" i="1">
                                   <a:latin typeface="Cambria Math" panose="02040503050406030204" pitchFamily="18" charset="0"/>
                                   <a:ea typeface="Cambria Math" panose="02040503050406030204" pitchFamily="18" charset="0"/>
                                 </a:rPr>
@@ -3446,7 +4367,7 @@
                                 <m:sSubSup>
                                   <m:sSubSupPr>
                                     <m:ctrlPr>
-                                      <a:rPr lang="en-US" sz="1600" i="1">
+                                      <a:rPr lang="en-US" sz="2133" i="1">
                                         <a:latin typeface="Cambria Math" panose="02040503050406030204" pitchFamily="18" charset="0"/>
                                         <a:ea typeface="Cambria Math" panose="02040503050406030204" pitchFamily="18" charset="0"/>
                                       </a:rPr>
@@ -3457,7 +4378,7 @@
                                       <m:rPr>
                                         <m:brk m:alnAt="7"/>
                                       </m:rPr>
-                                      <a:rPr lang="en-US" sz="1600" i="1">
+                                      <a:rPr lang="en-US" sz="2133" i="1">
                                         <a:latin typeface="Cambria Math" panose="02040503050406030204" pitchFamily="18" charset="0"/>
                                         <a:ea typeface="Cambria Math" panose="02040503050406030204" pitchFamily="18" charset="0"/>
                                       </a:rPr>
@@ -3469,21 +4390,21 @@
                                       <m:rPr>
                                         <m:brk m:alnAt="7"/>
                                       </m:rPr>
-                                      <a:rPr lang="en-US" sz="1600" i="1">
+                                      <a:rPr lang="en-US" sz="2133" i="1">
                                         <a:latin typeface="Cambria Math" panose="02040503050406030204" pitchFamily="18" charset="0"/>
                                         <a:ea typeface="Cambria Math" panose="02040503050406030204" pitchFamily="18" charset="0"/>
                                       </a:rPr>
                                       <m:t>𝑖</m:t>
                                     </m:r>
                                     <m:r>
-                                      <a:rPr lang="en-US" sz="1600" i="1">
+                                      <a:rPr lang="en-US" sz="2133" i="1">
                                         <a:latin typeface="Cambria Math" panose="02040503050406030204" pitchFamily="18" charset="0"/>
                                         <a:ea typeface="Cambria Math" panose="02040503050406030204" pitchFamily="18" charset="0"/>
                                       </a:rPr>
                                       <m:t>,</m:t>
                                     </m:r>
                                     <m:r>
-                                      <a:rPr lang="en-US" sz="1600" i="1">
+                                      <a:rPr lang="en-US" sz="2133" i="1">
                                         <a:latin typeface="Cambria Math" panose="02040503050406030204" pitchFamily="18" charset="0"/>
                                         <a:ea typeface="Cambria Math" panose="02040503050406030204" pitchFamily="18" charset="0"/>
                                       </a:rPr>
@@ -3495,7 +4416,7 @@
                                       <m:rPr>
                                         <m:brk m:alnAt="7"/>
                                       </m:rPr>
-                                      <a:rPr lang="en-US" sz="1600" i="1">
+                                      <a:rPr lang="en-US" sz="2133" i="1">
                                         <a:latin typeface="Cambria Math" panose="02040503050406030204" pitchFamily="18" charset="0"/>
                                         <a:ea typeface="Cambria Math" panose="02040503050406030204" pitchFamily="18" charset="0"/>
                                       </a:rPr>
@@ -3508,7 +4429,7 @@
                                 <m:sSubSup>
                                   <m:sSubSupPr>
                                     <m:ctrlPr>
-                                      <a:rPr lang="en-US" sz="1600" i="1">
+                                      <a:rPr lang="en-US" sz="2133" i="1">
                                         <a:latin typeface="Cambria Math" panose="02040503050406030204" pitchFamily="18" charset="0"/>
                                         <a:ea typeface="Cambria Math" panose="02040503050406030204" pitchFamily="18" charset="0"/>
                                       </a:rPr>
@@ -3519,7 +4440,7 @@
                                       <m:rPr>
                                         <m:brk m:alnAt="7"/>
                                       </m:rPr>
-                                      <a:rPr lang="en-US" sz="1600" i="1">
+                                      <a:rPr lang="en-US" sz="2133" i="1">
                                         <a:latin typeface="Cambria Math" panose="02040503050406030204" pitchFamily="18" charset="0"/>
                                         <a:ea typeface="Cambria Math" panose="02040503050406030204" pitchFamily="18" charset="0"/>
                                       </a:rPr>
@@ -3531,21 +4452,21 @@
                                       <m:rPr>
                                         <m:brk m:alnAt="7"/>
                                       </m:rPr>
-                                      <a:rPr lang="en-US" sz="1600" i="1">
+                                      <a:rPr lang="en-US" sz="2133" i="1">
                                         <a:latin typeface="Cambria Math" panose="02040503050406030204" pitchFamily="18" charset="0"/>
                                         <a:ea typeface="Cambria Math" panose="02040503050406030204" pitchFamily="18" charset="0"/>
                                       </a:rPr>
                                       <m:t>𝑖</m:t>
                                     </m:r>
                                     <m:r>
-                                      <a:rPr lang="en-US" sz="1600" i="1">
+                                      <a:rPr lang="en-US" sz="2133" i="1">
                                         <a:latin typeface="Cambria Math" panose="02040503050406030204" pitchFamily="18" charset="0"/>
                                         <a:ea typeface="Cambria Math" panose="02040503050406030204" pitchFamily="18" charset="0"/>
                                       </a:rPr>
                                       <m:t>,</m:t>
                                     </m:r>
                                     <m:r>
-                                      <a:rPr lang="en-US" sz="1600" i="1">
+                                      <a:rPr lang="en-US" sz="2133" i="1">
                                         <a:latin typeface="Cambria Math" panose="02040503050406030204" pitchFamily="18" charset="0"/>
                                         <a:ea typeface="Cambria Math" panose="02040503050406030204" pitchFamily="18" charset="0"/>
                                       </a:rPr>
@@ -3557,7 +4478,7 @@
                                       <m:rPr>
                                         <m:brk m:alnAt="7"/>
                                       </m:rPr>
-                                      <a:rPr lang="en-US" sz="1600" i="1">
+                                      <a:rPr lang="en-US" sz="2133" i="1">
                                         <a:latin typeface="Cambria Math" panose="02040503050406030204" pitchFamily="18" charset="0"/>
                                         <a:ea typeface="Cambria Math" panose="02040503050406030204" pitchFamily="18" charset="0"/>
                                       </a:rPr>
@@ -3572,7 +4493,7 @@
                                 <m:sSubSup>
                                   <m:sSubSupPr>
                                     <m:ctrlPr>
-                                      <a:rPr lang="en-US" sz="1600" i="1">
+                                      <a:rPr lang="en-US" sz="2133" i="1">
                                         <a:latin typeface="Cambria Math" panose="02040503050406030204" pitchFamily="18" charset="0"/>
                                         <a:ea typeface="Cambria Math" panose="02040503050406030204" pitchFamily="18" charset="0"/>
                                       </a:rPr>
@@ -3583,7 +4504,7 @@
                                       <m:rPr>
                                         <m:brk m:alnAt="7"/>
                                       </m:rPr>
-                                      <a:rPr lang="en-US" sz="1600" i="1">
+                                      <a:rPr lang="en-US" sz="2133" i="1">
                                         <a:latin typeface="Cambria Math" panose="02040503050406030204" pitchFamily="18" charset="0"/>
                                         <a:ea typeface="Cambria Math" panose="02040503050406030204" pitchFamily="18" charset="0"/>
                                       </a:rPr>
@@ -3592,21 +4513,21 @@
                                   </m:e>
                                   <m:sub>
                                     <m:r>
-                                      <a:rPr lang="en-US" sz="1600" i="1">
+                                      <a:rPr lang="en-US" sz="2133" i="1">
                                         <a:latin typeface="Cambria Math" panose="02040503050406030204" pitchFamily="18" charset="0"/>
                                         <a:ea typeface="Cambria Math" panose="02040503050406030204" pitchFamily="18" charset="0"/>
                                       </a:rPr>
                                       <m:t>𝑗</m:t>
                                     </m:r>
                                     <m:r>
-                                      <a:rPr lang="en-US" sz="1600" i="1">
+                                      <a:rPr lang="en-US" sz="2133" i="1">
                                         <a:latin typeface="Cambria Math" panose="02040503050406030204" pitchFamily="18" charset="0"/>
                                         <a:ea typeface="Cambria Math" panose="02040503050406030204" pitchFamily="18" charset="0"/>
                                       </a:rPr>
                                       <m:t>,</m:t>
                                     </m:r>
                                     <m:r>
-                                      <a:rPr lang="en-US" sz="1600" i="1">
+                                      <a:rPr lang="en-US" sz="2133" i="1">
                                         <a:latin typeface="Cambria Math" panose="02040503050406030204" pitchFamily="18" charset="0"/>
                                         <a:ea typeface="Cambria Math" panose="02040503050406030204" pitchFamily="18" charset="0"/>
                                       </a:rPr>
@@ -3618,7 +4539,7 @@
                                       <m:rPr>
                                         <m:brk m:alnAt="7"/>
                                       </m:rPr>
-                                      <a:rPr lang="en-US" sz="1600" i="1">
+                                      <a:rPr lang="en-US" sz="2133" i="1">
                                         <a:latin typeface="Cambria Math" panose="02040503050406030204" pitchFamily="18" charset="0"/>
                                         <a:ea typeface="Cambria Math" panose="02040503050406030204" pitchFamily="18" charset="0"/>
                                       </a:rPr>
@@ -3631,7 +4552,7 @@
                                 <m:sSubSup>
                                   <m:sSubSupPr>
                                     <m:ctrlPr>
-                                      <a:rPr lang="en-US" sz="1600" i="1">
+                                      <a:rPr lang="en-US" sz="2133" i="1">
                                         <a:latin typeface="Cambria Math" panose="02040503050406030204" pitchFamily="18" charset="0"/>
                                         <a:ea typeface="Cambria Math" panose="02040503050406030204" pitchFamily="18" charset="0"/>
                                       </a:rPr>
@@ -3642,7 +4563,7 @@
                                       <m:rPr>
                                         <m:brk m:alnAt="7"/>
                                       </m:rPr>
-                                      <a:rPr lang="en-US" sz="1600" i="1">
+                                      <a:rPr lang="en-US" sz="2133" i="1">
                                         <a:latin typeface="Cambria Math" panose="02040503050406030204" pitchFamily="18" charset="0"/>
                                         <a:ea typeface="Cambria Math" panose="02040503050406030204" pitchFamily="18" charset="0"/>
                                       </a:rPr>
@@ -3651,21 +4572,21 @@
                                   </m:e>
                                   <m:sub>
                                     <m:r>
-                                      <a:rPr lang="en-US" sz="1600" i="1">
+                                      <a:rPr lang="en-US" sz="2133" i="1">
                                         <a:latin typeface="Cambria Math" panose="02040503050406030204" pitchFamily="18" charset="0"/>
                                         <a:ea typeface="Cambria Math" panose="02040503050406030204" pitchFamily="18" charset="0"/>
                                       </a:rPr>
                                       <m:t>𝑗</m:t>
                                     </m:r>
                                     <m:r>
-                                      <a:rPr lang="en-US" sz="1600" i="1">
+                                      <a:rPr lang="en-US" sz="2133" i="1">
                                         <a:latin typeface="Cambria Math" panose="02040503050406030204" pitchFamily="18" charset="0"/>
                                         <a:ea typeface="Cambria Math" panose="02040503050406030204" pitchFamily="18" charset="0"/>
                                       </a:rPr>
                                       <m:t>,</m:t>
                                     </m:r>
                                     <m:r>
-                                      <a:rPr lang="en-US" sz="1600" i="1">
+                                      <a:rPr lang="en-US" sz="2133" i="1">
                                         <a:latin typeface="Cambria Math" panose="02040503050406030204" pitchFamily="18" charset="0"/>
                                         <a:ea typeface="Cambria Math" panose="02040503050406030204" pitchFamily="18" charset="0"/>
                                       </a:rPr>
@@ -3677,7 +4598,7 @@
                                       <m:rPr>
                                         <m:brk m:alnAt="7"/>
                                       </m:rPr>
-                                      <a:rPr lang="en-US" sz="1600" i="1">
+                                      <a:rPr lang="en-US" sz="2133" i="1">
                                         <a:latin typeface="Cambria Math" panose="02040503050406030204" pitchFamily="18" charset="0"/>
                                         <a:ea typeface="Cambria Math" panose="02040503050406030204" pitchFamily="18" charset="0"/>
                                       </a:rPr>
@@ -3693,7 +4614,7 @@
                     </m:oMath>
                   </m:oMathPara>
                 </a14:m>
-                <a:endParaRPr lang="en-US" sz="1600" dirty="0"/>
+                <a:endParaRPr lang="en-US" sz="2133" dirty="0"/>
               </a:p>
             </p:txBody>
           </p:sp>
@@ -3715,8 +4636,8 @@
             </p:nvSpPr>
             <p:spPr>
               <a:xfrm>
-                <a:off x="9726474" y="7515557"/>
-                <a:ext cx="2708089" cy="1441292"/>
+                <a:off x="12968633" y="10020743"/>
+                <a:ext cx="3610785" cy="1890774"/>
               </a:xfrm>
               <a:prstGeom prst="rect">
                 <a:avLst/>
@@ -3724,7 +4645,7 @@
               <a:blipFill>
                 <a:blip r:embed="rId2"/>
                 <a:stretch>
-                  <a:fillRect l="-2778" t="-1724" r="-2778"/>
+                  <a:fillRect l="-3147" t="-3289" r="-2797"/>
                 </a:stretch>
               </a:blipFill>
               <a:ln w="28575">
@@ -3762,10 +4683,10 @@
         </p:nvGrpSpPr>
         <p:grpSpPr>
           <a:xfrm>
-            <a:off x="9747603" y="9153868"/>
-            <a:ext cx="2665829" cy="1815882"/>
+            <a:off x="12996805" y="12205159"/>
+            <a:ext cx="3554439" cy="2409318"/>
             <a:chOff x="8651359" y="2961973"/>
-            <a:chExt cx="2665829" cy="1815882"/>
+            <a:chExt cx="2665829" cy="1806988"/>
           </a:xfrm>
         </p:grpSpPr>
         <p:sp>
@@ -3783,7 +4704,7 @@
           <p:spPr>
             <a:xfrm>
               <a:off x="8651359" y="2961973"/>
-              <a:ext cx="2665829" cy="1815882"/>
+              <a:ext cx="2665829" cy="1792750"/>
             </a:xfrm>
             <a:prstGeom prst="rect">
               <a:avLst/>
@@ -3803,28 +4724,28 @@
             <a:p>
               <a:pPr algn="ctr"/>
               <a:r>
-                <a:rPr lang="en-US" sz="2400" b="1" u="sng" dirty="0"/>
+                <a:rPr lang="en-US" sz="3200" b="1" u="sng" dirty="0"/>
                 <a:t>Step 3(iii)</a:t>
               </a:r>
             </a:p>
             <a:p>
               <a:pPr algn="ctr"/>
               <a:r>
-                <a:rPr lang="en-US" sz="2400" dirty="0"/>
+                <a:rPr lang="en-US" sz="3200" dirty="0"/>
                 <a:t>Optimality Analysis</a:t>
               </a:r>
             </a:p>
             <a:p>
               <a:pPr algn="ctr"/>
-              <a:endParaRPr lang="en-US" sz="2400" dirty="0"/>
+              <a:endParaRPr lang="en-US" sz="3200" dirty="0"/>
             </a:p>
             <a:p>
               <a:pPr algn="ctr"/>
-              <a:endParaRPr lang="en-US" sz="2400" dirty="0"/>
+              <a:endParaRPr lang="en-US" sz="3200" dirty="0"/>
             </a:p>
             <a:p>
               <a:pPr algn="ctr"/>
-              <a:endParaRPr lang="en-US" sz="1600" dirty="0"/>
+              <a:endParaRPr lang="en-US" sz="2133" dirty="0"/>
             </a:p>
           </p:txBody>
         </p:sp>
@@ -3890,10 +4811,10 @@
         </p:nvGrpSpPr>
         <p:grpSpPr>
           <a:xfrm>
-            <a:off x="6226650" y="7938605"/>
-            <a:ext cx="430506" cy="584184"/>
+            <a:off x="8302200" y="10584807"/>
+            <a:ext cx="574011" cy="778912"/>
             <a:chOff x="5272360" y="2006015"/>
-            <a:chExt cx="430506" cy="573172"/>
+            <a:chExt cx="430508" cy="573172"/>
           </a:xfrm>
         </p:grpSpPr>
         <p:sp>
@@ -3937,7 +4858,7 @@
             </a:fontRef>
           </p:style>
           <p:txBody>
-            <a:bodyPr rot="0" spcFirstLastPara="0" vertOverflow="overflow" horzOverflow="overflow" vert="horz" wrap="square" lIns="91440" tIns="45720" rIns="91440" bIns="45720" numCol="1" spcCol="0" rtlCol="0" fromWordArt="0" anchor="ctr" anchorCtr="0" forceAA="0" compatLnSpc="1">
+            <a:bodyPr rot="0" spcFirstLastPara="0" vertOverflow="overflow" horzOverflow="overflow" vert="horz" wrap="square" lIns="121920" tIns="60960" rIns="121920" bIns="60960" numCol="1" spcCol="0" rtlCol="0" fromWordArt="0" anchor="ctr" anchorCtr="0" forceAA="0" compatLnSpc="1">
               <a:prstTxWarp prst="textNoShape">
                 <a:avLst/>
               </a:prstTxWarp>
@@ -3946,7 +4867,7 @@
             <a:lstStyle/>
             <a:p>
               <a:pPr algn="ctr"/>
-              <a:endParaRPr lang="en-US" dirty="0"/>
+              <a:endParaRPr lang="en-US" sz="3200" dirty="0"/>
             </a:p>
           </p:txBody>
         </p:sp>
@@ -4007,9 +4928,9 @@
             <p:nvPr/>
           </p:nvCxnSpPr>
           <p:spPr>
-            <a:xfrm>
-              <a:off x="5605070" y="2292601"/>
-              <a:ext cx="97796" cy="1941"/>
+            <a:xfrm flipV="1">
+              <a:off x="5605070" y="2288537"/>
+              <a:ext cx="97798" cy="4064"/>
             </a:xfrm>
             <a:prstGeom prst="straightConnector1">
               <a:avLst/>
@@ -4051,10 +4972,10 @@
         </p:nvGrpSpPr>
         <p:grpSpPr>
           <a:xfrm>
-            <a:off x="3735872" y="7938605"/>
-            <a:ext cx="428326" cy="573172"/>
-            <a:chOff x="2783762" y="2006015"/>
-            <a:chExt cx="428326" cy="573172"/>
+            <a:off x="4981168" y="10584808"/>
+            <a:ext cx="571098" cy="764230"/>
+            <a:chOff x="2783765" y="2006015"/>
+            <a:chExt cx="428323" cy="573172"/>
           </a:xfrm>
         </p:grpSpPr>
         <p:cxnSp>
@@ -4162,9 +5083,9 @@
             <p:nvPr/>
           </p:nvCxnSpPr>
           <p:spPr>
-            <a:xfrm flipV="1">
-              <a:off x="2783762" y="2292601"/>
-              <a:ext cx="95616" cy="1"/>
+            <a:xfrm>
+              <a:off x="2783765" y="2281062"/>
+              <a:ext cx="95613" cy="11539"/>
             </a:xfrm>
             <a:prstGeom prst="line">
               <a:avLst/>
@@ -4231,7 +5152,7 @@
             </a:fontRef>
           </p:style>
           <p:txBody>
-            <a:bodyPr rot="0" spcFirstLastPara="0" vertOverflow="overflow" horzOverflow="overflow" vert="horz" wrap="square" lIns="91440" tIns="45720" rIns="91440" bIns="45720" numCol="1" spcCol="0" rtlCol="0" fromWordArt="0" anchor="ctr" anchorCtr="0" forceAA="0" compatLnSpc="1">
+            <a:bodyPr rot="0" spcFirstLastPara="0" vertOverflow="overflow" horzOverflow="overflow" vert="horz" wrap="square" lIns="121920" tIns="60960" rIns="121920" bIns="60960" numCol="1" spcCol="0" rtlCol="0" fromWordArt="0" anchor="ctr" anchorCtr="0" forceAA="0" compatLnSpc="1">
               <a:prstTxWarp prst="textNoShape">
                 <a:avLst/>
               </a:prstTxWarp>
@@ -4240,7 +5161,7 @@
             <a:lstStyle/>
             <a:p>
               <a:pPr algn="ctr"/>
-              <a:endParaRPr lang="en-US" dirty="0"/>
+              <a:endParaRPr lang="en-US" sz="3200" dirty="0"/>
             </a:p>
           </p:txBody>
         </p:sp>
@@ -4259,8 +5180,8 @@
         </p:nvSpPr>
         <p:spPr>
           <a:xfrm>
-            <a:off x="3992374" y="8364608"/>
-            <a:ext cx="2406105" cy="1200329"/>
+            <a:off x="5323166" y="11152811"/>
+            <a:ext cx="3208140" cy="1569660"/>
           </a:xfrm>
           <a:prstGeom prst="rect">
             <a:avLst/>
@@ -4280,14 +5201,14 @@
           <a:p>
             <a:pPr algn="ctr"/>
             <a:r>
-              <a:rPr lang="en-US" sz="2400" b="1" u="sng" dirty="0"/>
+              <a:rPr lang="en-US" sz="3200" b="1" u="sng" dirty="0"/>
               <a:t>Step 1(ii)</a:t>
             </a:r>
           </a:p>
           <a:p>
             <a:pPr algn="ctr"/>
             <a:r>
-              <a:rPr lang="en-US" sz="2400" dirty="0"/>
+              <a:rPr lang="en-US" sz="3200" dirty="0"/>
               <a:t>Compare Model Fit Indices</a:t>
             </a:r>
           </a:p>
@@ -4307,10 +5228,10 @@
         </p:nvGrpSpPr>
         <p:grpSpPr>
           <a:xfrm>
-            <a:off x="999269" y="7625029"/>
-            <a:ext cx="2736605" cy="1200329"/>
+            <a:off x="1332359" y="10166706"/>
+            <a:ext cx="3648807" cy="1569660"/>
             <a:chOff x="44977" y="3053026"/>
-            <a:chExt cx="2736605" cy="1200329"/>
+            <a:chExt cx="2736605" cy="1177245"/>
           </a:xfrm>
         </p:grpSpPr>
         <p:sp>
@@ -4328,7 +5249,7 @@
           <p:spPr>
             <a:xfrm>
               <a:off x="44977" y="3053026"/>
-              <a:ext cx="2736605" cy="1200329"/>
+              <a:ext cx="2736605" cy="1177245"/>
             </a:xfrm>
             <a:prstGeom prst="rect">
               <a:avLst/>
@@ -4348,20 +5269,20 @@
             <a:p>
               <a:pPr algn="ctr"/>
               <a:r>
-                <a:rPr lang="en-US" sz="2400" b="1" u="sng" dirty="0"/>
+                <a:rPr lang="en-US" sz="3200" b="1" u="sng" dirty="0"/>
                 <a:t>Step 0</a:t>
               </a:r>
             </a:p>
             <a:p>
               <a:pPr algn="ctr"/>
               <a:r>
-                <a:rPr lang="en-US" sz="2400" dirty="0"/>
+                <a:rPr lang="en-US" sz="3200" dirty="0"/>
                 <a:t>Estimate Parameters</a:t>
               </a:r>
             </a:p>
             <a:p>
               <a:pPr algn="ctr"/>
-              <a:endParaRPr lang="en-US" sz="2400" dirty="0"/>
+              <a:endParaRPr lang="en-US" sz="3200" dirty="0"/>
             </a:p>
           </p:txBody>
         </p:sp>
@@ -4448,10 +5369,10 @@
         </p:nvGrpSpPr>
         <p:grpSpPr>
           <a:xfrm>
-            <a:off x="4164198" y="6232699"/>
-            <a:ext cx="2062452" cy="1815882"/>
+            <a:off x="5552264" y="8310266"/>
+            <a:ext cx="2749936" cy="2390334"/>
             <a:chOff x="3125498" y="321690"/>
-            <a:chExt cx="2062452" cy="1815882"/>
+            <a:chExt cx="2062452" cy="1792750"/>
           </a:xfrm>
         </p:grpSpPr>
         <p:sp>
@@ -4469,7 +5390,7 @@
           <p:spPr>
             <a:xfrm>
               <a:off x="3125498" y="321690"/>
-              <a:ext cx="2062452" cy="1815882"/>
+              <a:ext cx="2062452" cy="1792750"/>
             </a:xfrm>
             <a:prstGeom prst="rect">
               <a:avLst/>
@@ -4489,36 +5410,36 @@
             <a:p>
               <a:pPr algn="ctr"/>
               <a:r>
-                <a:rPr lang="en-US" sz="2400" b="1" u="sng" dirty="0"/>
+                <a:rPr lang="en-US" sz="3200" b="1" u="sng" dirty="0"/>
                 <a:t>Step 1(</a:t>
               </a:r>
               <a:r>
-                <a:rPr lang="en-US" sz="2400" b="1" u="sng" dirty="0" err="1"/>
+                <a:rPr lang="en-US" sz="3200" b="1" u="sng" dirty="0" err="1"/>
                 <a:t>i</a:t>
               </a:r>
               <a:r>
-                <a:rPr lang="en-US" sz="2400" b="1" u="sng" dirty="0"/>
+                <a:rPr lang="en-US" sz="3200" b="1" u="sng" dirty="0"/>
                 <a:t>)</a:t>
               </a:r>
             </a:p>
             <a:p>
               <a:pPr algn="ctr"/>
               <a:r>
-                <a:rPr lang="en-US" sz="2400" dirty="0"/>
+                <a:rPr lang="en-US" sz="3200" dirty="0"/>
                 <a:t>Visualize Fits</a:t>
               </a:r>
             </a:p>
             <a:p>
               <a:pPr algn="ctr"/>
-              <a:endParaRPr lang="en-US" sz="2400" dirty="0"/>
+              <a:endParaRPr lang="en-US" sz="3200" dirty="0"/>
             </a:p>
             <a:p>
               <a:pPr algn="ctr"/>
-              <a:endParaRPr lang="en-US" sz="2400" dirty="0"/>
+              <a:endParaRPr lang="en-US" sz="3200" dirty="0"/>
             </a:p>
             <a:p>
               <a:pPr algn="ctr"/>
-              <a:endParaRPr lang="en-US" sz="1600" dirty="0"/>
+              <a:endParaRPr lang="en-US" sz="2133" dirty="0"/>
             </a:p>
           </p:txBody>
         </p:sp>
@@ -4569,8 +5490,8 @@
             </p:nvSpPr>
             <p:spPr>
               <a:xfrm>
-                <a:off x="6657158" y="7683665"/>
-                <a:ext cx="2812817" cy="1108958"/>
+                <a:off x="8876211" y="10244887"/>
+                <a:ext cx="3750423" cy="1447704"/>
               </a:xfrm>
               <a:prstGeom prst="rect">
                 <a:avLst/>
@@ -4590,14 +5511,14 @@
               <a:p>
                 <a:pPr algn="ctr"/>
                 <a:r>
-                  <a:rPr lang="en-US" sz="2400" b="1" u="sng" dirty="0"/>
+                  <a:rPr lang="en-US" sz="3200" b="1" u="sng" dirty="0"/>
                   <a:t>Step 2</a:t>
                 </a:r>
               </a:p>
               <a:p>
                 <a:pPr algn="ctr"/>
                 <a:r>
-                  <a:rPr lang="en-US" sz="2400" dirty="0"/>
+                  <a:rPr lang="en-US" sz="3200" dirty="0"/>
                   <a:t>Rank Models</a:t>
                 </a:r>
               </a:p>
@@ -4610,7 +5531,7 @@
                     </m:oMathParaPr>
                     <m:oMath xmlns:m="http://schemas.openxmlformats.org/officeDocument/2006/math">
                       <m:r>
-                        <a:rPr lang="en-US" sz="1600" i="1">
+                        <a:rPr lang="en-US" sz="2133" i="1">
                           <a:latin typeface="Cambria Math" panose="02040503050406030204" pitchFamily="18" charset="0"/>
                         </a:rPr>
                         <m:t>𝐴𝐼𝐶</m:t>
@@ -4618,14 +5539,14 @@
                       <m:d>
                         <m:dPr>
                           <m:ctrlPr>
-                            <a:rPr lang="en-US" sz="1600" i="1">
+                            <a:rPr lang="en-US" sz="2133" i="1">
                               <a:latin typeface="Cambria Math" panose="02040503050406030204" pitchFamily="18" charset="0"/>
                             </a:rPr>
                           </m:ctrlPr>
                         </m:dPr>
                         <m:e>
                           <m:r>
-                            <a:rPr lang="en-US" sz="1600" i="1">
+                            <a:rPr lang="en-US" sz="2133" i="1">
                               <a:latin typeface="Cambria Math" panose="02040503050406030204" pitchFamily="18" charset="0"/>
                             </a:rPr>
                             <m:t>𝑝</m:t>
@@ -4633,13 +5554,13 @@
                         </m:e>
                       </m:d>
                       <m:r>
-                        <a:rPr lang="en-US" sz="1600" i="1">
+                        <a:rPr lang="en-US" sz="2133" i="1">
                           <a:latin typeface="Cambria Math" panose="02040503050406030204" pitchFamily="18" charset="0"/>
                         </a:rPr>
                         <m:t>=</m:t>
                       </m:r>
                       <m:r>
-                        <a:rPr lang="en-US" sz="1600" i="1">
+                        <a:rPr lang="en-US" sz="2133" i="1">
                           <a:latin typeface="Cambria Math" panose="02040503050406030204" pitchFamily="18" charset="0"/>
                         </a:rPr>
                         <m:t>𝑁</m:t>
@@ -4648,7 +5569,7 @@
                         <m:rPr>
                           <m:sty m:val="p"/>
                         </m:rPr>
-                        <a:rPr lang="en-US" sz="1600">
+                        <a:rPr lang="en-US" sz="2133">
                           <a:latin typeface="Cambria Math" panose="02040503050406030204" pitchFamily="18" charset="0"/>
                         </a:rPr>
                         <m:t>ln</m:t>
@@ -4656,14 +5577,14 @@
                       <m:d>
                         <m:dPr>
                           <m:ctrlPr>
-                            <a:rPr lang="en-US" sz="1600" i="1">
+                            <a:rPr lang="en-US" sz="2133" i="1">
                               <a:latin typeface="Cambria Math" panose="02040503050406030204" pitchFamily="18" charset="0"/>
                             </a:rPr>
                           </m:ctrlPr>
                         </m:dPr>
                         <m:e>
                           <m:r>
-                            <a:rPr lang="en-US" sz="1600" i="1">
+                            <a:rPr lang="en-US" sz="2133" i="1">
                               <a:latin typeface="Cambria Math" panose="02040503050406030204" pitchFamily="18" charset="0"/>
                             </a:rPr>
                             <m:t>𝑀𝑆𝐸</m:t>
@@ -4671,14 +5592,14 @@
                           <m:d>
                             <m:dPr>
                               <m:ctrlPr>
-                                <a:rPr lang="en-US" sz="1600" i="1">
+                                <a:rPr lang="en-US" sz="2133" i="1">
                                   <a:latin typeface="Cambria Math" panose="02040503050406030204" pitchFamily="18" charset="0"/>
                                 </a:rPr>
                               </m:ctrlPr>
                             </m:dPr>
                             <m:e>
                               <m:r>
-                                <a:rPr lang="en-US" sz="1600" i="1">
+                                <a:rPr lang="en-US" sz="2133" i="1">
                                   <a:latin typeface="Cambria Math" panose="02040503050406030204" pitchFamily="18" charset="0"/>
                                 </a:rPr>
                                 <m:t>𝑝</m:t>
@@ -4688,13 +5609,13 @@
                         </m:e>
                       </m:d>
                       <m:r>
-                        <a:rPr lang="en-US" sz="1600" i="1">
+                        <a:rPr lang="en-US" sz="2133" i="1">
                           <a:latin typeface="Cambria Math" panose="02040503050406030204" pitchFamily="18" charset="0"/>
                         </a:rPr>
                         <m:t>+2</m:t>
                       </m:r>
                       <m:r>
-                        <a:rPr lang="en-US" sz="1600" i="1">
+                        <a:rPr lang="en-US" sz="2133" i="1">
                           <a:latin typeface="Cambria Math" panose="02040503050406030204" pitchFamily="18" charset="0"/>
                         </a:rPr>
                         <m:t>𝑝</m:t>
@@ -4702,7 +5623,7 @@
                     </m:oMath>
                   </m:oMathPara>
                 </a14:m>
-                <a:endParaRPr lang="en-US" sz="1600" dirty="0"/>
+                <a:endParaRPr lang="en-US" sz="2133" dirty="0"/>
               </a:p>
             </p:txBody>
           </p:sp>
@@ -4724,8 +5645,8 @@
             </p:nvSpPr>
             <p:spPr>
               <a:xfrm>
-                <a:off x="6657158" y="7683665"/>
-                <a:ext cx="2812817" cy="1108958"/>
+                <a:off x="8876211" y="10244887"/>
+                <a:ext cx="3750423" cy="1447704"/>
               </a:xfrm>
               <a:prstGeom prst="rect">
                 <a:avLst/>
@@ -4733,7 +5654,7 @@
               <a:blipFill>
                 <a:blip r:embed="rId7"/>
                 <a:stretch>
-                  <a:fillRect t="-3333"/>
+                  <a:fillRect t="-4274"/>
                 </a:stretch>
               </a:blipFill>
               <a:ln w="28575">
@@ -4801,8 +5722,8 @@
         </p:nvGrpSpPr>
         <p:grpSpPr>
           <a:xfrm>
-            <a:off x="993130" y="5908516"/>
-            <a:ext cx="11750300" cy="4642168"/>
+            <a:off x="1324173" y="7878022"/>
+            <a:ext cx="15667067" cy="6189558"/>
             <a:chOff x="44977" y="1336516"/>
             <a:chExt cx="11750300" cy="4642168"/>
           </a:xfrm>
@@ -4823,9 +5744,9 @@
             <p:nvPr/>
           </p:nvCxnSpPr>
           <p:spPr>
-            <a:xfrm>
-              <a:off x="8443350" y="3657600"/>
-              <a:ext cx="164242" cy="0"/>
+            <a:xfrm flipV="1">
+              <a:off x="8443350" y="3645899"/>
+              <a:ext cx="164242" cy="112"/>
             </a:xfrm>
             <a:prstGeom prst="straightConnector1">
               <a:avLst/>
@@ -4868,9 +5789,9 @@
             <p:nvPr/>
           </p:nvCxnSpPr>
           <p:spPr>
-            <a:xfrm>
-              <a:off x="5466291" y="3657600"/>
-              <a:ext cx="164242" cy="0"/>
+            <a:xfrm flipV="1">
+              <a:off x="5466291" y="3646010"/>
+              <a:ext cx="164242" cy="25"/>
             </a:xfrm>
             <a:prstGeom prst="straightConnector1">
               <a:avLst/>
@@ -4914,8 +5835,8 @@
           </p:nvCxnSpPr>
           <p:spPr>
             <a:xfrm>
-              <a:off x="2781582" y="3653191"/>
-              <a:ext cx="164589" cy="0"/>
+              <a:off x="2781582" y="3641648"/>
+              <a:ext cx="164589" cy="4386"/>
             </a:xfrm>
             <a:prstGeom prst="straightConnector1">
               <a:avLst/>
@@ -4957,9 +5878,9 @@
           <p:grpSpPr>
             <a:xfrm>
               <a:off x="44977" y="3053026"/>
-              <a:ext cx="2736605" cy="1200329"/>
+              <a:ext cx="2736605" cy="1177245"/>
               <a:chOff x="44977" y="3053026"/>
-              <a:chExt cx="2736605" cy="1200329"/>
+              <a:chExt cx="2736605" cy="1177245"/>
             </a:xfrm>
           </p:grpSpPr>
           <p:sp>
@@ -4977,7 +5898,7 @@
             <p:spPr>
               <a:xfrm>
                 <a:off x="44977" y="3053026"/>
-                <a:ext cx="2736605" cy="1200329"/>
+                <a:ext cx="2736605" cy="1177245"/>
               </a:xfrm>
               <a:prstGeom prst="rect">
                 <a:avLst/>
@@ -4997,20 +5918,20 @@
               <a:p>
                 <a:pPr algn="ctr"/>
                 <a:r>
-                  <a:rPr lang="en-US" sz="2400" b="1" u="sng" dirty="0"/>
+                  <a:rPr lang="en-US" sz="3200" b="1" u="sng" dirty="0"/>
                   <a:t>Step 0</a:t>
                 </a:r>
               </a:p>
               <a:p>
                 <a:pPr algn="ctr"/>
                 <a:r>
-                  <a:rPr lang="en-US" sz="2400" dirty="0"/>
+                  <a:rPr lang="en-US" sz="3200" dirty="0"/>
                   <a:t>Estimate Parameters</a:t>
                 </a:r>
               </a:p>
               <a:p>
                 <a:pPr algn="ctr"/>
-                <a:endParaRPr lang="en-US" sz="2400" dirty="0"/>
+                <a:endParaRPr lang="en-US" sz="3200" dirty="0"/>
               </a:p>
             </p:txBody>
           </p:sp>
@@ -5098,9 +6019,9 @@
           <p:grpSpPr>
             <a:xfrm>
               <a:off x="2946171" y="2380327"/>
-              <a:ext cx="2520120" cy="2554545"/>
+              <a:ext cx="2520120" cy="2531414"/>
               <a:chOff x="2953409" y="2144128"/>
-              <a:chExt cx="2520120" cy="2554545"/>
+              <a:chExt cx="2520120" cy="2531414"/>
             </a:xfrm>
           </p:grpSpPr>
           <p:sp>
@@ -5118,7 +6039,7 @@
             <p:spPr>
               <a:xfrm>
                 <a:off x="2953409" y="2144128"/>
-                <a:ext cx="2520120" cy="2554545"/>
+                <a:ext cx="2520120" cy="2531414"/>
               </a:xfrm>
               <a:prstGeom prst="rect">
                 <a:avLst/>
@@ -5138,37 +6059,37 @@
               <a:p>
                 <a:pPr algn="ctr"/>
                 <a:r>
-                  <a:rPr lang="en-US" sz="2400" b="1" u="sng" dirty="0"/>
+                  <a:rPr lang="en-US" sz="3200" b="1" u="sng" dirty="0"/>
                   <a:t>Step 1</a:t>
                 </a:r>
               </a:p>
               <a:p>
                 <a:pPr algn="ctr"/>
                 <a:r>
-                  <a:rPr lang="en-US" sz="2400" dirty="0" err="1"/>
+                  <a:rPr lang="en-US" sz="3200" dirty="0" err="1"/>
                   <a:t>i</a:t>
                 </a:r>
                 <a:r>
-                  <a:rPr lang="en-US" sz="2400" dirty="0"/>
+                  <a:rPr lang="en-US" sz="3200" dirty="0"/>
                   <a:t>) Visualize Fits</a:t>
                 </a:r>
               </a:p>
               <a:p>
                 <a:pPr algn="ctr"/>
-                <a:endParaRPr lang="en-US" sz="2400" dirty="0"/>
+                <a:endParaRPr lang="en-US" sz="3200" dirty="0"/>
               </a:p>
               <a:p>
                 <a:pPr algn="ctr"/>
-                <a:endParaRPr lang="en-US" sz="2400" dirty="0"/>
+                <a:endParaRPr lang="en-US" sz="3200" dirty="0"/>
               </a:p>
               <a:p>
                 <a:pPr algn="ctr"/>
-                <a:endParaRPr lang="en-US" sz="1600" dirty="0"/>
+                <a:endParaRPr lang="en-US" sz="2133" dirty="0"/>
               </a:p>
               <a:p>
                 <a:pPr algn="ctr"/>
                 <a:r>
-                  <a:rPr lang="en-US" sz="2400" dirty="0"/>
+                  <a:rPr lang="en-US" sz="3200" dirty="0"/>
                   <a:t>ii) Compare Model Fit Metric</a:t>
                 </a:r>
               </a:p>
@@ -5205,8 +6126,8 @@
             </p:spPr>
           </p:pic>
         </p:grpSp>
-        <mc:AlternateContent xmlns:mc="http://schemas.openxmlformats.org/markup-compatibility/2006" xmlns:a14="http://schemas.microsoft.com/office/drawing/2010/main">
-          <mc:Choice Requires="a14">
+        <mc:AlternateContent xmlns:mc="http://schemas.openxmlformats.org/markup-compatibility/2006">
+          <mc:Choice xmlns:a14="http://schemas.microsoft.com/office/drawing/2010/main" Requires="a14">
             <p:sp>
               <p:nvSpPr>
                 <p:cNvPr id="60" name="TextBox 59">
@@ -5222,7 +6143,7 @@
               <p:spPr>
                 <a:xfrm>
                   <a:off x="5630533" y="3103121"/>
-                  <a:ext cx="2812817" cy="1108958"/>
+                  <a:ext cx="2812817" cy="1085778"/>
                 </a:xfrm>
                 <a:prstGeom prst="rect">
                   <a:avLst/>
@@ -5242,14 +6163,14 @@
                 <a:p>
                   <a:pPr algn="ctr"/>
                   <a:r>
-                    <a:rPr lang="en-US" sz="2400" b="1" u="sng" dirty="0"/>
+                    <a:rPr lang="en-US" sz="3200" b="1" u="sng" dirty="0"/>
                     <a:t>Step 2</a:t>
                   </a:r>
                 </a:p>
                 <a:p>
                   <a:pPr algn="ctr"/>
                   <a:r>
-                    <a:rPr lang="en-US" sz="2400" dirty="0"/>
+                    <a:rPr lang="en-US" sz="3200" dirty="0"/>
                     <a:t>Rank Models</a:t>
                   </a:r>
                 </a:p>
@@ -5262,7 +6183,7 @@
                       </m:oMathParaPr>
                       <m:oMath xmlns:m="http://schemas.openxmlformats.org/officeDocument/2006/math">
                         <m:r>
-                          <a:rPr lang="en-US" sz="1600" i="1">
+                          <a:rPr lang="en-US" sz="2133" i="1">
                             <a:latin typeface="Cambria Math" panose="02040503050406030204" pitchFamily="18" charset="0"/>
                           </a:rPr>
                           <m:t>𝐴𝐼𝐶</m:t>
@@ -5270,14 +6191,14 @@
                         <m:d>
                           <m:dPr>
                             <m:ctrlPr>
-                              <a:rPr lang="en-US" sz="1600" i="1">
+                              <a:rPr lang="en-US" sz="2133" i="1">
                                 <a:latin typeface="Cambria Math" panose="02040503050406030204" pitchFamily="18" charset="0"/>
                               </a:rPr>
                             </m:ctrlPr>
                           </m:dPr>
                           <m:e>
                             <m:r>
-                              <a:rPr lang="en-US" sz="1600" i="1">
+                              <a:rPr lang="en-US" sz="2133" i="1">
                                 <a:latin typeface="Cambria Math" panose="02040503050406030204" pitchFamily="18" charset="0"/>
                               </a:rPr>
                               <m:t>𝑝</m:t>
@@ -5285,13 +6206,13 @@
                           </m:e>
                         </m:d>
                         <m:r>
-                          <a:rPr lang="en-US" sz="1600" i="1">
+                          <a:rPr lang="en-US" sz="2133" i="1">
                             <a:latin typeface="Cambria Math" panose="02040503050406030204" pitchFamily="18" charset="0"/>
                           </a:rPr>
                           <m:t>=</m:t>
                         </m:r>
                         <m:r>
-                          <a:rPr lang="en-US" sz="1600" i="1">
+                          <a:rPr lang="en-US" sz="2133" i="1">
                             <a:latin typeface="Cambria Math" panose="02040503050406030204" pitchFamily="18" charset="0"/>
                           </a:rPr>
                           <m:t>𝑁</m:t>
@@ -5300,7 +6221,7 @@
                           <m:rPr>
                             <m:sty m:val="p"/>
                           </m:rPr>
-                          <a:rPr lang="en-US" sz="1600">
+                          <a:rPr lang="en-US" sz="2133">
                             <a:latin typeface="Cambria Math" panose="02040503050406030204" pitchFamily="18" charset="0"/>
                           </a:rPr>
                           <m:t>ln</m:t>
@@ -5308,14 +6229,14 @@
                         <m:d>
                           <m:dPr>
                             <m:ctrlPr>
-                              <a:rPr lang="en-US" sz="1600" i="1">
+                              <a:rPr lang="en-US" sz="2133" i="1">
                                 <a:latin typeface="Cambria Math" panose="02040503050406030204" pitchFamily="18" charset="0"/>
                               </a:rPr>
                             </m:ctrlPr>
                           </m:dPr>
                           <m:e>
                             <m:r>
-                              <a:rPr lang="en-US" sz="1600" i="1">
+                              <a:rPr lang="en-US" sz="2133" i="1">
                                 <a:latin typeface="Cambria Math" panose="02040503050406030204" pitchFamily="18" charset="0"/>
                               </a:rPr>
                               <m:t>𝑀𝑆𝐸</m:t>
@@ -5323,14 +6244,14 @@
                             <m:d>
                               <m:dPr>
                                 <m:ctrlPr>
-                                  <a:rPr lang="en-US" sz="1600" i="1">
+                                  <a:rPr lang="en-US" sz="2133" i="1">
                                     <a:latin typeface="Cambria Math" panose="02040503050406030204" pitchFamily="18" charset="0"/>
                                   </a:rPr>
                                 </m:ctrlPr>
                               </m:dPr>
                               <m:e>
                                 <m:r>
-                                  <a:rPr lang="en-US" sz="1600" i="1">
+                                  <a:rPr lang="en-US" sz="2133" i="1">
                                     <a:latin typeface="Cambria Math" panose="02040503050406030204" pitchFamily="18" charset="0"/>
                                   </a:rPr>
                                   <m:t>𝑝</m:t>
@@ -5340,13 +6261,13 @@
                           </m:e>
                         </m:d>
                         <m:r>
-                          <a:rPr lang="en-US" sz="1600" i="1">
+                          <a:rPr lang="en-US" sz="2133" i="1">
                             <a:latin typeface="Cambria Math" panose="02040503050406030204" pitchFamily="18" charset="0"/>
                           </a:rPr>
                           <m:t>+2</m:t>
                         </m:r>
                         <m:r>
-                          <a:rPr lang="en-US" sz="1600" i="1">
+                          <a:rPr lang="en-US" sz="2133" i="1">
                             <a:latin typeface="Cambria Math" panose="02040503050406030204" pitchFamily="18" charset="0"/>
                           </a:rPr>
                           <m:t>𝑝</m:t>
@@ -5354,12 +6275,12 @@
                       </m:oMath>
                     </m:oMathPara>
                   </a14:m>
-                  <a:endParaRPr lang="en-US" sz="1600" dirty="0"/>
+                  <a:endParaRPr lang="en-US" sz="2133" dirty="0"/>
                 </a:p>
               </p:txBody>
             </p:sp>
           </mc:Choice>
-          <mc:Fallback xmlns="">
+          <mc:Fallback>
             <p:sp>
               <p:nvSpPr>
                 <p:cNvPr id="60" name="TextBox 59">
@@ -5377,7 +6298,7 @@
               <p:spPr>
                 <a:xfrm>
                   <a:off x="5630533" y="3103121"/>
-                  <a:ext cx="2812817" cy="1108958"/>
+                  <a:ext cx="2812817" cy="1085778"/>
                 </a:xfrm>
                 <a:prstGeom prst="rect">
                   <a:avLst/>
@@ -5385,7 +6306,7 @@
                 <a:blipFill>
                   <a:blip r:embed="rId5"/>
                   <a:stretch>
-                    <a:fillRect t="-2198"/>
+                    <a:fillRect t="-4274"/>
                   </a:stretch>
                 </a:blipFill>
                 <a:ln w="28575">
@@ -5429,8 +6350,8 @@
               <a:chExt cx="3187685" cy="4642168"/>
             </a:xfrm>
           </p:grpSpPr>
-          <mc:AlternateContent xmlns:mc="http://schemas.openxmlformats.org/markup-compatibility/2006" xmlns:a14="http://schemas.microsoft.com/office/drawing/2010/main">
-            <mc:Choice Requires="a14">
+          <mc:AlternateContent xmlns:mc="http://schemas.openxmlformats.org/markup-compatibility/2006">
+            <mc:Choice xmlns:a14="http://schemas.microsoft.com/office/drawing/2010/main" Requires="a14">
               <p:sp>
                 <p:nvSpPr>
                   <p:cNvPr id="66" name="TextBox 65">
@@ -5446,7 +6367,7 @@
                 <p:spPr>
                   <a:xfrm>
                     <a:off x="8554180" y="2198290"/>
-                    <a:ext cx="3187685" cy="4642168"/>
+                    <a:ext cx="3187685" cy="4618765"/>
                   </a:xfrm>
                   <a:prstGeom prst="rect">
                     <a:avLst/>
@@ -5466,46 +6387,46 @@
                   <a:p>
                     <a:pPr algn="ctr"/>
                     <a:r>
-                      <a:rPr lang="en-US" sz="2400" b="1" u="sng" dirty="0"/>
+                      <a:rPr lang="en-US" sz="3200" b="1" u="sng" dirty="0"/>
                       <a:t>Step 3</a:t>
                     </a:r>
                   </a:p>
                   <a:p>
                     <a:pPr algn="ctr"/>
                     <a:r>
-                      <a:rPr lang="en-US" sz="2400" dirty="0" err="1"/>
+                      <a:rPr lang="en-US" sz="3200" dirty="0" err="1"/>
                       <a:t>i</a:t>
                     </a:r>
                     <a:r>
-                      <a:rPr lang="en-US" sz="2400" dirty="0"/>
+                      <a:rPr lang="en-US" sz="3200" dirty="0"/>
                       <a:t>) Compute Fischer Information Matrix</a:t>
                     </a:r>
                   </a:p>
                   <a:p>
                     <a:pPr algn="ctr"/>
-                    <a:endParaRPr lang="en-US" sz="1200" dirty="0"/>
+                    <a:endParaRPr lang="en-US" sz="1600" dirty="0"/>
                   </a:p>
                   <a:p>
                     <a:pPr algn="ctr"/>
                     <a:r>
-                      <a:rPr lang="en-US" sz="2400" dirty="0"/>
+                      <a:rPr lang="en-US" sz="3200" dirty="0"/>
                       <a:t>ii) Identifiability Analysis</a:t>
                     </a:r>
                   </a:p>
                   <a:p>
                     <a:pPr algn="ctr"/>
-                    <a:endParaRPr lang="en-US" sz="1200" dirty="0"/>
+                    <a:endParaRPr lang="en-US" sz="1600" dirty="0"/>
                   </a:p>
                   <a:p>
                     <a:pPr algn="ctr"/>
                     <a:r>
-                      <a:rPr lang="en-US" sz="2400" dirty="0"/>
+                      <a:rPr lang="en-US" sz="3200" dirty="0"/>
                       <a:t>iii) Uncertainty Analysis</a:t>
                     </a:r>
                   </a:p>
                   <a:p>
                     <a:pPr algn="ctr"/>
-                    <a:endParaRPr lang="en-US" sz="1200" dirty="0"/>
+                    <a:endParaRPr lang="en-US" sz="1600" dirty="0"/>
                   </a:p>
                   <a:p>
                     <a:pPr algn="ctr"/>
@@ -5518,7 +6439,7 @@
                           <m:sSub>
                             <m:sSubPr>
                               <m:ctrlPr>
-                                <a:rPr lang="en-US" sz="1600" i="1">
+                                <a:rPr lang="en-US" sz="2133" i="1">
                                   <a:latin typeface="Cambria Math" panose="02040503050406030204" pitchFamily="18" charset="0"/>
                                   <a:ea typeface="Cambria Math" panose="02040503050406030204" pitchFamily="18" charset="0"/>
                                 </a:rPr>
@@ -5529,7 +6450,7 @@
                                 <m:rPr>
                                   <m:sty m:val="p"/>
                                 </m:rPr>
-                                <a:rPr lang="el-GR" sz="1600" i="1">
+                                <a:rPr lang="el-GR" sz="2133" i="1">
                                   <a:latin typeface="Cambria Math" panose="02040503050406030204" pitchFamily="18" charset="0"/>
                                   <a:ea typeface="Cambria Math" panose="02040503050406030204" pitchFamily="18" charset="0"/>
                                 </a:rPr>
@@ -5538,21 +6459,21 @@
                             </m:e>
                             <m:sub>
                               <m:r>
-                                <a:rPr lang="en-US" sz="1600" i="1">
+                                <a:rPr lang="en-US" sz="2133" i="1">
                                   <a:latin typeface="Cambria Math" panose="02040503050406030204" pitchFamily="18" charset="0"/>
                                   <a:ea typeface="Cambria Math" panose="02040503050406030204" pitchFamily="18" charset="0"/>
                                 </a:rPr>
                                 <m:t>𝑖</m:t>
                               </m:r>
                               <m:r>
-                                <a:rPr lang="en-US" sz="1600" i="1">
+                                <a:rPr lang="en-US" sz="2133" i="1">
                                   <a:latin typeface="Cambria Math" panose="02040503050406030204" pitchFamily="18" charset="0"/>
                                   <a:ea typeface="Cambria Math" panose="02040503050406030204" pitchFamily="18" charset="0"/>
                                 </a:rPr>
                                 <m:t>,</m:t>
                               </m:r>
                               <m:r>
-                                <a:rPr lang="en-US" sz="1600" i="1">
+                                <a:rPr lang="en-US" sz="2133" i="1">
                                   <a:latin typeface="Cambria Math" panose="02040503050406030204" pitchFamily="18" charset="0"/>
                                   <a:ea typeface="Cambria Math" panose="02040503050406030204" pitchFamily="18" charset="0"/>
                                 </a:rPr>
@@ -5561,7 +6482,7 @@
                             </m:sub>
                           </m:sSub>
                           <m:r>
-                            <a:rPr lang="en-US" sz="1600" i="1">
+                            <a:rPr lang="en-US" sz="2133" i="1">
                               <a:latin typeface="Cambria Math" panose="02040503050406030204" pitchFamily="18" charset="0"/>
                               <a:ea typeface="Cambria Math" panose="02040503050406030204" pitchFamily="18" charset="0"/>
                             </a:rPr>
@@ -5572,7 +6493,7 @@
                               <m:begChr m:val="["/>
                               <m:endChr m:val="]"/>
                               <m:ctrlPr>
-                                <a:rPr lang="en-US" sz="1600" i="1">
+                                <a:rPr lang="en-US" sz="2133" i="1">
                                   <a:latin typeface="Cambria Math" panose="02040503050406030204" pitchFamily="18" charset="0"/>
                                   <a:ea typeface="Cambria Math" panose="02040503050406030204" pitchFamily="18" charset="0"/>
                                 </a:rPr>
@@ -5590,7 +6511,7 @@
                                     </m:mc>
                                   </m:mcs>
                                   <m:ctrlPr>
-                                    <a:rPr lang="en-US" sz="1600" i="1">
+                                    <a:rPr lang="en-US" sz="2133" i="1">
                                       <a:latin typeface="Cambria Math" panose="02040503050406030204" pitchFamily="18" charset="0"/>
                                       <a:ea typeface="Cambria Math" panose="02040503050406030204" pitchFamily="18" charset="0"/>
                                     </a:rPr>
@@ -5601,7 +6522,7 @@
                                     <m:sSubSup>
                                       <m:sSubSupPr>
                                         <m:ctrlPr>
-                                          <a:rPr lang="en-US" sz="1600" i="1">
+                                          <a:rPr lang="en-US" sz="2133" i="1">
                                             <a:latin typeface="Cambria Math" panose="02040503050406030204" pitchFamily="18" charset="0"/>
                                             <a:ea typeface="Cambria Math" panose="02040503050406030204" pitchFamily="18" charset="0"/>
                                           </a:rPr>
@@ -5612,7 +6533,7 @@
                                           <m:rPr>
                                             <m:brk m:alnAt="7"/>
                                           </m:rPr>
-                                          <a:rPr lang="en-US" sz="1600" i="1">
+                                          <a:rPr lang="en-US" sz="2133" i="1">
                                             <a:latin typeface="Cambria Math" panose="02040503050406030204" pitchFamily="18" charset="0"/>
                                             <a:ea typeface="Cambria Math" panose="02040503050406030204" pitchFamily="18" charset="0"/>
                                           </a:rPr>
@@ -5624,21 +6545,21 @@
                                           <m:rPr>
                                             <m:brk m:alnAt="7"/>
                                           </m:rPr>
-                                          <a:rPr lang="en-US" sz="1600" i="1">
+                                          <a:rPr lang="en-US" sz="2133" i="1">
                                             <a:latin typeface="Cambria Math" panose="02040503050406030204" pitchFamily="18" charset="0"/>
                                             <a:ea typeface="Cambria Math" panose="02040503050406030204" pitchFamily="18" charset="0"/>
                                           </a:rPr>
                                           <m:t>𝑖</m:t>
                                         </m:r>
                                         <m:r>
-                                          <a:rPr lang="en-US" sz="1600" i="1">
+                                          <a:rPr lang="en-US" sz="2133" i="1">
                                             <a:latin typeface="Cambria Math" panose="02040503050406030204" pitchFamily="18" charset="0"/>
                                             <a:ea typeface="Cambria Math" panose="02040503050406030204" pitchFamily="18" charset="0"/>
                                           </a:rPr>
                                           <m:t>,</m:t>
                                         </m:r>
                                         <m:r>
-                                          <a:rPr lang="en-US" sz="1600" i="1">
+                                          <a:rPr lang="en-US" sz="2133" i="1">
                                             <a:latin typeface="Cambria Math" panose="02040503050406030204" pitchFamily="18" charset="0"/>
                                             <a:ea typeface="Cambria Math" panose="02040503050406030204" pitchFamily="18" charset="0"/>
                                           </a:rPr>
@@ -5650,7 +6571,7 @@
                                           <m:rPr>
                                             <m:brk m:alnAt="7"/>
                                           </m:rPr>
-                                          <a:rPr lang="en-US" sz="1600" i="1">
+                                          <a:rPr lang="en-US" sz="2133" i="1">
                                             <a:latin typeface="Cambria Math" panose="02040503050406030204" pitchFamily="18" charset="0"/>
                                             <a:ea typeface="Cambria Math" panose="02040503050406030204" pitchFamily="18" charset="0"/>
                                           </a:rPr>
@@ -5663,7 +6584,7 @@
                                     <m:sSubSup>
                                       <m:sSubSupPr>
                                         <m:ctrlPr>
-                                          <a:rPr lang="en-US" sz="1600" i="1">
+                                          <a:rPr lang="en-US" sz="2133" i="1">
                                             <a:latin typeface="Cambria Math" panose="02040503050406030204" pitchFamily="18" charset="0"/>
                                             <a:ea typeface="Cambria Math" panose="02040503050406030204" pitchFamily="18" charset="0"/>
                                           </a:rPr>
@@ -5674,7 +6595,7 @@
                                           <m:rPr>
                                             <m:brk m:alnAt="7"/>
                                           </m:rPr>
-                                          <a:rPr lang="en-US" sz="1600" i="1">
+                                          <a:rPr lang="en-US" sz="2133" i="1">
                                             <a:latin typeface="Cambria Math" panose="02040503050406030204" pitchFamily="18" charset="0"/>
                                             <a:ea typeface="Cambria Math" panose="02040503050406030204" pitchFamily="18" charset="0"/>
                                           </a:rPr>
@@ -5686,21 +6607,21 @@
                                           <m:rPr>
                                             <m:brk m:alnAt="7"/>
                                           </m:rPr>
-                                          <a:rPr lang="en-US" sz="1600" i="1">
+                                          <a:rPr lang="en-US" sz="2133" i="1">
                                             <a:latin typeface="Cambria Math" panose="02040503050406030204" pitchFamily="18" charset="0"/>
                                             <a:ea typeface="Cambria Math" panose="02040503050406030204" pitchFamily="18" charset="0"/>
                                           </a:rPr>
                                           <m:t>𝑖</m:t>
                                         </m:r>
                                         <m:r>
-                                          <a:rPr lang="en-US" sz="1600" i="1">
+                                          <a:rPr lang="en-US" sz="2133" i="1">
                                             <a:latin typeface="Cambria Math" panose="02040503050406030204" pitchFamily="18" charset="0"/>
                                             <a:ea typeface="Cambria Math" panose="02040503050406030204" pitchFamily="18" charset="0"/>
                                           </a:rPr>
                                           <m:t>,</m:t>
                                         </m:r>
                                         <m:r>
-                                          <a:rPr lang="en-US" sz="1600" i="1">
+                                          <a:rPr lang="en-US" sz="2133" i="1">
                                             <a:latin typeface="Cambria Math" panose="02040503050406030204" pitchFamily="18" charset="0"/>
                                             <a:ea typeface="Cambria Math" panose="02040503050406030204" pitchFamily="18" charset="0"/>
                                           </a:rPr>
@@ -5712,7 +6633,7 @@
                                           <m:rPr>
                                             <m:brk m:alnAt="7"/>
                                           </m:rPr>
-                                          <a:rPr lang="en-US" sz="1600" i="1">
+                                          <a:rPr lang="en-US" sz="2133" i="1">
                                             <a:latin typeface="Cambria Math" panose="02040503050406030204" pitchFamily="18" charset="0"/>
                                             <a:ea typeface="Cambria Math" panose="02040503050406030204" pitchFamily="18" charset="0"/>
                                           </a:rPr>
@@ -5727,7 +6648,7 @@
                                     <m:sSubSup>
                                       <m:sSubSupPr>
                                         <m:ctrlPr>
-                                          <a:rPr lang="en-US" sz="1600" i="1">
+                                          <a:rPr lang="en-US" sz="2133" i="1">
                                             <a:latin typeface="Cambria Math" panose="02040503050406030204" pitchFamily="18" charset="0"/>
                                             <a:ea typeface="Cambria Math" panose="02040503050406030204" pitchFamily="18" charset="0"/>
                                           </a:rPr>
@@ -5738,7 +6659,7 @@
                                           <m:rPr>
                                             <m:brk m:alnAt="7"/>
                                           </m:rPr>
-                                          <a:rPr lang="en-US" sz="1600" i="1">
+                                          <a:rPr lang="en-US" sz="2133" i="1">
                                             <a:latin typeface="Cambria Math" panose="02040503050406030204" pitchFamily="18" charset="0"/>
                                             <a:ea typeface="Cambria Math" panose="02040503050406030204" pitchFamily="18" charset="0"/>
                                           </a:rPr>
@@ -5747,21 +6668,21 @@
                                       </m:e>
                                       <m:sub>
                                         <m:r>
-                                          <a:rPr lang="en-US" sz="1600" i="1">
+                                          <a:rPr lang="en-US" sz="2133" i="1">
                                             <a:latin typeface="Cambria Math" panose="02040503050406030204" pitchFamily="18" charset="0"/>
                                             <a:ea typeface="Cambria Math" panose="02040503050406030204" pitchFamily="18" charset="0"/>
                                           </a:rPr>
                                           <m:t>𝑗</m:t>
                                         </m:r>
                                         <m:r>
-                                          <a:rPr lang="en-US" sz="1600" i="1">
+                                          <a:rPr lang="en-US" sz="2133" i="1">
                                             <a:latin typeface="Cambria Math" panose="02040503050406030204" pitchFamily="18" charset="0"/>
                                             <a:ea typeface="Cambria Math" panose="02040503050406030204" pitchFamily="18" charset="0"/>
                                           </a:rPr>
                                           <m:t>,</m:t>
                                         </m:r>
                                         <m:r>
-                                          <a:rPr lang="en-US" sz="1600" i="1">
+                                          <a:rPr lang="en-US" sz="2133" i="1">
                                             <a:latin typeface="Cambria Math" panose="02040503050406030204" pitchFamily="18" charset="0"/>
                                             <a:ea typeface="Cambria Math" panose="02040503050406030204" pitchFamily="18" charset="0"/>
                                           </a:rPr>
@@ -5773,7 +6694,7 @@
                                           <m:rPr>
                                             <m:brk m:alnAt="7"/>
                                           </m:rPr>
-                                          <a:rPr lang="en-US" sz="1600" i="1">
+                                          <a:rPr lang="en-US" sz="2133" i="1">
                                             <a:latin typeface="Cambria Math" panose="02040503050406030204" pitchFamily="18" charset="0"/>
                                             <a:ea typeface="Cambria Math" panose="02040503050406030204" pitchFamily="18" charset="0"/>
                                           </a:rPr>
@@ -5786,7 +6707,7 @@
                                     <m:sSubSup>
                                       <m:sSubSupPr>
                                         <m:ctrlPr>
-                                          <a:rPr lang="en-US" sz="1600" i="1">
+                                          <a:rPr lang="en-US" sz="2133" i="1">
                                             <a:latin typeface="Cambria Math" panose="02040503050406030204" pitchFamily="18" charset="0"/>
                                             <a:ea typeface="Cambria Math" panose="02040503050406030204" pitchFamily="18" charset="0"/>
                                           </a:rPr>
@@ -5797,7 +6718,7 @@
                                           <m:rPr>
                                             <m:brk m:alnAt="7"/>
                                           </m:rPr>
-                                          <a:rPr lang="en-US" sz="1600" i="1">
+                                          <a:rPr lang="en-US" sz="2133" i="1">
                                             <a:latin typeface="Cambria Math" panose="02040503050406030204" pitchFamily="18" charset="0"/>
                                             <a:ea typeface="Cambria Math" panose="02040503050406030204" pitchFamily="18" charset="0"/>
                                           </a:rPr>
@@ -5806,21 +6727,21 @@
                                       </m:e>
                                       <m:sub>
                                         <m:r>
-                                          <a:rPr lang="en-US" sz="1600" i="1">
+                                          <a:rPr lang="en-US" sz="2133" i="1">
                                             <a:latin typeface="Cambria Math" panose="02040503050406030204" pitchFamily="18" charset="0"/>
                                             <a:ea typeface="Cambria Math" panose="02040503050406030204" pitchFamily="18" charset="0"/>
                                           </a:rPr>
                                           <m:t>𝑗</m:t>
                                         </m:r>
                                         <m:r>
-                                          <a:rPr lang="en-US" sz="1600" i="1">
+                                          <a:rPr lang="en-US" sz="2133" i="1">
                                             <a:latin typeface="Cambria Math" panose="02040503050406030204" pitchFamily="18" charset="0"/>
                                             <a:ea typeface="Cambria Math" panose="02040503050406030204" pitchFamily="18" charset="0"/>
                                           </a:rPr>
                                           <m:t>,</m:t>
                                         </m:r>
                                         <m:r>
-                                          <a:rPr lang="en-US" sz="1600" i="1">
+                                          <a:rPr lang="en-US" sz="2133" i="1">
                                             <a:latin typeface="Cambria Math" panose="02040503050406030204" pitchFamily="18" charset="0"/>
                                             <a:ea typeface="Cambria Math" panose="02040503050406030204" pitchFamily="18" charset="0"/>
                                           </a:rPr>
@@ -5832,7 +6753,7 @@
                                           <m:rPr>
                                             <m:brk m:alnAt="7"/>
                                           </m:rPr>
-                                          <a:rPr lang="en-US" sz="1600" i="1">
+                                          <a:rPr lang="en-US" sz="2133" i="1">
                                             <a:latin typeface="Cambria Math" panose="02040503050406030204" pitchFamily="18" charset="0"/>
                                             <a:ea typeface="Cambria Math" panose="02040503050406030204" pitchFamily="18" charset="0"/>
                                           </a:rPr>
@@ -5848,18 +6769,7 @@
                         </m:oMath>
                       </m:oMathPara>
                     </a14:m>
-                    <a:endParaRPr lang="en-US" sz="1600" dirty="0"/>
-                  </a:p>
-                  <a:p>
-                    <a:pPr algn="ctr"/>
-                    <a:endParaRPr lang="en-US" sz="1200" dirty="0"/>
-                  </a:p>
-                  <a:p>
-                    <a:pPr algn="ctr"/>
-                    <a:r>
-                      <a:rPr lang="en-US" sz="2400" dirty="0"/>
-                      <a:t>iv) Optimality Analysis</a:t>
-                    </a:r>
+                    <a:endParaRPr lang="en-US" sz="2133" dirty="0"/>
                   </a:p>
                   <a:p>
                     <a:pPr algn="ctr"/>
@@ -5867,20 +6777,31 @@
                   </a:p>
                   <a:p>
                     <a:pPr algn="ctr"/>
-                    <a:endParaRPr lang="en-US" sz="1600" dirty="0"/>
+                    <a:r>
+                      <a:rPr lang="en-US" sz="3200" dirty="0"/>
+                      <a:t>iv) Optimality Analysis</a:t>
+                    </a:r>
                   </a:p>
                   <a:p>
                     <a:pPr algn="ctr"/>
-                    <a:endParaRPr lang="en-US" sz="1600" dirty="0"/>
+                    <a:endParaRPr lang="en-US" sz="2133" dirty="0"/>
                   </a:p>
                   <a:p>
                     <a:pPr algn="ctr"/>
-                    <a:endParaRPr lang="en-US" sz="1600" dirty="0"/>
+                    <a:endParaRPr lang="en-US" sz="2133" dirty="0"/>
+                  </a:p>
+                  <a:p>
+                    <a:pPr algn="ctr"/>
+                    <a:endParaRPr lang="en-US" sz="2133" dirty="0"/>
+                  </a:p>
+                  <a:p>
+                    <a:pPr algn="ctr"/>
+                    <a:endParaRPr lang="en-US" sz="2133" dirty="0"/>
                   </a:p>
                 </p:txBody>
               </p:sp>
             </mc:Choice>
-            <mc:Fallback xmlns="">
+            <mc:Fallback>
               <p:sp>
                 <p:nvSpPr>
                   <p:cNvPr id="66" name="TextBox 65">
@@ -5898,7 +6819,7 @@
                 <p:spPr>
                   <a:xfrm>
                     <a:off x="8554180" y="2198290"/>
-                    <a:ext cx="3187685" cy="4642168"/>
+                    <a:ext cx="3187685" cy="4618765"/>
                   </a:xfrm>
                   <a:prstGeom prst="rect">
                     <a:avLst/>
@@ -5906,7 +6827,7 @@
                   <a:blipFill>
                     <a:blip r:embed="rId6"/>
                     <a:stretch>
-                      <a:fillRect l="-2362" t="-542" r="-2362"/>
+                      <a:fillRect l="-2367" t="-820" r="-2367"/>
                     </a:stretch>
                   </a:blipFill>
                   <a:ln w="28575">
@@ -5993,8 +6914,8 @@
         </p:nvGrpSpPr>
         <p:grpSpPr>
           <a:xfrm>
-            <a:off x="999269" y="5908516"/>
-            <a:ext cx="14727709" cy="4645152"/>
+            <a:off x="1332360" y="7878022"/>
+            <a:ext cx="19636945" cy="6193536"/>
             <a:chOff x="999268" y="1336516"/>
             <a:chExt cx="14727709" cy="4642168"/>
           </a:xfrm>
@@ -6016,8 +6937,8 @@
           </p:nvCxnSpPr>
           <p:spPr>
             <a:xfrm>
-              <a:off x="12749568" y="3657600"/>
-              <a:ext cx="164592" cy="2908"/>
+              <a:off x="12749568" y="3644414"/>
+              <a:ext cx="164591" cy="4173"/>
             </a:xfrm>
             <a:prstGeom prst="straightConnector1">
               <a:avLst/>
@@ -6060,9 +6981,9 @@
             <p:nvPr/>
           </p:nvCxnSpPr>
           <p:spPr>
-            <a:xfrm>
-              <a:off x="9397640" y="3657600"/>
-              <a:ext cx="164242" cy="0"/>
+            <a:xfrm flipV="1">
+              <a:off x="9397641" y="3644414"/>
+              <a:ext cx="164242" cy="1246"/>
             </a:xfrm>
             <a:prstGeom prst="straightConnector1">
               <a:avLst/>
@@ -6106,8 +7027,8 @@
           </p:nvCxnSpPr>
           <p:spPr>
             <a:xfrm>
-              <a:off x="6420581" y="3657600"/>
-              <a:ext cx="164242" cy="0"/>
+              <a:off x="6420581" y="3645222"/>
+              <a:ext cx="164243" cy="439"/>
             </a:xfrm>
             <a:prstGeom prst="straightConnector1">
               <a:avLst/>
@@ -6151,8 +7072,8 @@
           </p:nvCxnSpPr>
           <p:spPr>
             <a:xfrm>
-              <a:off x="3735873" y="3653191"/>
-              <a:ext cx="164589" cy="0"/>
+              <a:off x="3735873" y="3641272"/>
+              <a:ext cx="164588" cy="3951"/>
             </a:xfrm>
             <a:prstGeom prst="straightConnector1">
               <a:avLst/>
@@ -6194,9 +7115,9 @@
           <p:grpSpPr>
             <a:xfrm>
               <a:off x="999268" y="3053027"/>
-              <a:ext cx="2736605" cy="1200329"/>
+              <a:ext cx="2736605" cy="1176489"/>
               <a:chOff x="44977" y="3053026"/>
-              <a:chExt cx="2736605" cy="1200329"/>
+              <a:chExt cx="2736605" cy="1176489"/>
             </a:xfrm>
           </p:grpSpPr>
           <p:sp>
@@ -6214,7 +7135,7 @@
             <p:spPr>
               <a:xfrm>
                 <a:off x="44977" y="3053026"/>
-                <a:ext cx="2736605" cy="1200329"/>
+                <a:ext cx="2736605" cy="1176489"/>
               </a:xfrm>
               <a:prstGeom prst="rect">
                 <a:avLst/>
@@ -6234,20 +7155,20 @@
               <a:p>
                 <a:pPr algn="ctr"/>
                 <a:r>
-                  <a:rPr lang="en-US" sz="2400" b="1" u="sng" dirty="0"/>
+                  <a:rPr lang="en-US" sz="3200" b="1" u="sng" dirty="0"/>
                   <a:t>Step 0</a:t>
                 </a:r>
               </a:p>
               <a:p>
                 <a:pPr algn="ctr"/>
                 <a:r>
-                  <a:rPr lang="en-US" sz="2400" dirty="0"/>
+                  <a:rPr lang="en-US" sz="3200" dirty="0"/>
                   <a:t>Estimate Parameters</a:t>
                 </a:r>
               </a:p>
               <a:p>
                 <a:pPr algn="ctr"/>
-                <a:endParaRPr lang="en-US" sz="2400" dirty="0"/>
+                <a:endParaRPr lang="en-US" sz="3200" dirty="0"/>
               </a:p>
             </p:txBody>
           </p:sp>
@@ -6335,9 +7256,9 @@
           <p:grpSpPr>
             <a:xfrm>
               <a:off x="3900461" y="2380328"/>
-              <a:ext cx="2520120" cy="2554545"/>
+              <a:ext cx="2520120" cy="2529788"/>
               <a:chOff x="2953409" y="2144128"/>
-              <a:chExt cx="2520120" cy="2554545"/>
+              <a:chExt cx="2520120" cy="2529788"/>
             </a:xfrm>
           </p:grpSpPr>
           <p:sp>
@@ -6355,7 +7276,7 @@
             <p:spPr>
               <a:xfrm>
                 <a:off x="2953409" y="2144128"/>
-                <a:ext cx="2520120" cy="2554545"/>
+                <a:ext cx="2520120" cy="2529788"/>
               </a:xfrm>
               <a:prstGeom prst="rect">
                 <a:avLst/>
@@ -6375,37 +7296,37 @@
               <a:p>
                 <a:pPr algn="ctr"/>
                 <a:r>
-                  <a:rPr lang="en-US" sz="2400" b="1" u="sng" dirty="0"/>
+                  <a:rPr lang="en-US" sz="3200" b="1" u="sng" dirty="0"/>
                   <a:t>Step 1</a:t>
                 </a:r>
               </a:p>
               <a:p>
                 <a:pPr algn="ctr"/>
                 <a:r>
-                  <a:rPr lang="en-US" sz="2400" dirty="0" err="1"/>
+                  <a:rPr lang="en-US" sz="3200" dirty="0" err="1"/>
                   <a:t>i</a:t>
                 </a:r>
                 <a:r>
-                  <a:rPr lang="en-US" sz="2400" dirty="0"/>
+                  <a:rPr lang="en-US" sz="3200" dirty="0"/>
                   <a:t>) Visualize Fits</a:t>
                 </a:r>
               </a:p>
               <a:p>
                 <a:pPr algn="ctr"/>
-                <a:endParaRPr lang="en-US" sz="2400" dirty="0"/>
+                <a:endParaRPr lang="en-US" sz="3200" dirty="0"/>
               </a:p>
               <a:p>
                 <a:pPr algn="ctr"/>
-                <a:endParaRPr lang="en-US" sz="2400" dirty="0"/>
+                <a:endParaRPr lang="en-US" sz="3200" dirty="0"/>
               </a:p>
               <a:p>
                 <a:pPr algn="ctr"/>
-                <a:endParaRPr lang="en-US" sz="1600" dirty="0"/>
+                <a:endParaRPr lang="en-US" sz="2133" dirty="0"/>
               </a:p>
               <a:p>
                 <a:pPr algn="ctr"/>
                 <a:r>
-                  <a:rPr lang="en-US" sz="2400" dirty="0"/>
+                  <a:rPr lang="en-US" sz="3200" dirty="0"/>
                   <a:t>ii) Compare Model Fit Metric</a:t>
                 </a:r>
               </a:p>
@@ -6442,8 +7363,8 @@
             </p:spPr>
           </p:pic>
         </p:grpSp>
-        <mc:AlternateContent xmlns:mc="http://schemas.openxmlformats.org/markup-compatibility/2006" xmlns:a14="http://schemas.microsoft.com/office/drawing/2010/main">
-          <mc:Choice Requires="a14">
+        <mc:AlternateContent xmlns:mc="http://schemas.openxmlformats.org/markup-compatibility/2006">
+          <mc:Choice xmlns:a14="http://schemas.microsoft.com/office/drawing/2010/main" Requires="a14">
             <p:sp>
               <p:nvSpPr>
                 <p:cNvPr id="26" name="TextBox 25">
@@ -6459,7 +7380,7 @@
               <p:spPr>
                 <a:xfrm>
                   <a:off x="6584824" y="3103121"/>
-                  <a:ext cx="2812817" cy="1108958"/>
+                  <a:ext cx="2812817" cy="1085080"/>
                 </a:xfrm>
                 <a:prstGeom prst="rect">
                   <a:avLst/>
@@ -6479,14 +7400,14 @@
                 <a:p>
                   <a:pPr algn="ctr"/>
                   <a:r>
-                    <a:rPr lang="en-US" sz="2400" b="1" u="sng" dirty="0"/>
+                    <a:rPr lang="en-US" sz="3200" b="1" u="sng" dirty="0"/>
                     <a:t>Step 2</a:t>
                   </a:r>
                 </a:p>
                 <a:p>
                   <a:pPr algn="ctr"/>
                   <a:r>
-                    <a:rPr lang="en-US" sz="2400" dirty="0"/>
+                    <a:rPr lang="en-US" sz="3200" dirty="0"/>
                     <a:t>Rank Models</a:t>
                   </a:r>
                 </a:p>
@@ -6499,7 +7420,7 @@
                       </m:oMathParaPr>
                       <m:oMath xmlns:m="http://schemas.openxmlformats.org/officeDocument/2006/math">
                         <m:r>
-                          <a:rPr lang="en-US" sz="1600" i="1">
+                          <a:rPr lang="en-US" sz="2133" i="1">
                             <a:latin typeface="Cambria Math" panose="02040503050406030204" pitchFamily="18" charset="0"/>
                           </a:rPr>
                           <m:t>𝐴𝐼𝐶</m:t>
@@ -6507,14 +7428,14 @@
                         <m:d>
                           <m:dPr>
                             <m:ctrlPr>
-                              <a:rPr lang="en-US" sz="1600" i="1">
+                              <a:rPr lang="en-US" sz="2133" i="1">
                                 <a:latin typeface="Cambria Math" panose="02040503050406030204" pitchFamily="18" charset="0"/>
                               </a:rPr>
                             </m:ctrlPr>
                           </m:dPr>
                           <m:e>
                             <m:r>
-                              <a:rPr lang="en-US" sz="1600" i="1">
+                              <a:rPr lang="en-US" sz="2133" i="1">
                                 <a:latin typeface="Cambria Math" panose="02040503050406030204" pitchFamily="18" charset="0"/>
                               </a:rPr>
                               <m:t>𝑝</m:t>
@@ -6522,13 +7443,13 @@
                           </m:e>
                         </m:d>
                         <m:r>
-                          <a:rPr lang="en-US" sz="1600" i="1">
+                          <a:rPr lang="en-US" sz="2133" i="1">
                             <a:latin typeface="Cambria Math" panose="02040503050406030204" pitchFamily="18" charset="0"/>
                           </a:rPr>
                           <m:t>=</m:t>
                         </m:r>
                         <m:r>
-                          <a:rPr lang="en-US" sz="1600" i="1">
+                          <a:rPr lang="en-US" sz="2133" i="1">
                             <a:latin typeface="Cambria Math" panose="02040503050406030204" pitchFamily="18" charset="0"/>
                           </a:rPr>
                           <m:t>𝑁</m:t>
@@ -6537,7 +7458,7 @@
                           <m:rPr>
                             <m:sty m:val="p"/>
                           </m:rPr>
-                          <a:rPr lang="en-US" sz="1600">
+                          <a:rPr lang="en-US" sz="2133">
                             <a:latin typeface="Cambria Math" panose="02040503050406030204" pitchFamily="18" charset="0"/>
                           </a:rPr>
                           <m:t>ln</m:t>
@@ -6545,14 +7466,14 @@
                         <m:d>
                           <m:dPr>
                             <m:ctrlPr>
-                              <a:rPr lang="en-US" sz="1600" i="1">
+                              <a:rPr lang="en-US" sz="2133" i="1">
                                 <a:latin typeface="Cambria Math" panose="02040503050406030204" pitchFamily="18" charset="0"/>
                               </a:rPr>
                             </m:ctrlPr>
                           </m:dPr>
                           <m:e>
                             <m:r>
-                              <a:rPr lang="en-US" sz="1600" i="1">
+                              <a:rPr lang="en-US" sz="2133" i="1">
                                 <a:latin typeface="Cambria Math" panose="02040503050406030204" pitchFamily="18" charset="0"/>
                               </a:rPr>
                               <m:t>𝑀𝑆𝐸</m:t>
@@ -6560,14 +7481,14 @@
                             <m:d>
                               <m:dPr>
                                 <m:ctrlPr>
-                                  <a:rPr lang="en-US" sz="1600" i="1">
+                                  <a:rPr lang="en-US" sz="2133" i="1">
                                     <a:latin typeface="Cambria Math" panose="02040503050406030204" pitchFamily="18" charset="0"/>
                                   </a:rPr>
                                 </m:ctrlPr>
                               </m:dPr>
                               <m:e>
                                 <m:r>
-                                  <a:rPr lang="en-US" sz="1600" i="1">
+                                  <a:rPr lang="en-US" sz="2133" i="1">
                                     <a:latin typeface="Cambria Math" panose="02040503050406030204" pitchFamily="18" charset="0"/>
                                   </a:rPr>
                                   <m:t>𝑝</m:t>
@@ -6577,13 +7498,13 @@
                           </m:e>
                         </m:d>
                         <m:r>
-                          <a:rPr lang="en-US" sz="1600" i="1">
+                          <a:rPr lang="en-US" sz="2133" i="1">
                             <a:latin typeface="Cambria Math" panose="02040503050406030204" pitchFamily="18" charset="0"/>
                           </a:rPr>
                           <m:t>+2</m:t>
                         </m:r>
                         <m:r>
-                          <a:rPr lang="en-US" sz="1600" i="1">
+                          <a:rPr lang="en-US" sz="2133" i="1">
                             <a:latin typeface="Cambria Math" panose="02040503050406030204" pitchFamily="18" charset="0"/>
                           </a:rPr>
                           <m:t>𝑝</m:t>
@@ -6591,12 +7512,12 @@
                       </m:oMath>
                     </m:oMathPara>
                   </a14:m>
-                  <a:endParaRPr lang="en-US" sz="1600" dirty="0"/>
+                  <a:endParaRPr lang="en-US" sz="2133" dirty="0"/>
                 </a:p>
               </p:txBody>
             </p:sp>
           </mc:Choice>
-          <mc:Fallback xmlns="">
+          <mc:Fallback>
             <p:sp>
               <p:nvSpPr>
                 <p:cNvPr id="26" name="TextBox 25">
@@ -6614,7 +7535,7 @@
               <p:spPr>
                 <a:xfrm>
                   <a:off x="6584824" y="3103121"/>
-                  <a:ext cx="2812817" cy="1108958"/>
+                  <a:ext cx="2812817" cy="1085080"/>
                 </a:xfrm>
                 <a:prstGeom prst="rect">
                   <a:avLst/>
@@ -6622,7 +7543,7 @@
                 <a:blipFill>
                   <a:blip r:embed="rId8"/>
                   <a:stretch>
-                    <a:fillRect t="-2198"/>
+                    <a:fillRect t="-4274"/>
                   </a:stretch>
                 </a:blipFill>
                 <a:ln w="28575">
@@ -6666,8 +7587,8 @@
               <a:chExt cx="3187685" cy="4642168"/>
             </a:xfrm>
           </p:grpSpPr>
-          <mc:AlternateContent xmlns:mc="http://schemas.openxmlformats.org/markup-compatibility/2006" xmlns:a14="http://schemas.microsoft.com/office/drawing/2010/main">
-            <mc:Choice Requires="a14">
+          <mc:AlternateContent xmlns:mc="http://schemas.openxmlformats.org/markup-compatibility/2006">
+            <mc:Choice xmlns:a14="http://schemas.microsoft.com/office/drawing/2010/main" Requires="a14">
               <p:sp>
                 <p:nvSpPr>
                   <p:cNvPr id="28" name="TextBox 27">
@@ -6683,7 +7604,7 @@
                 <p:spPr>
                   <a:xfrm>
                     <a:off x="8554180" y="2198290"/>
-                    <a:ext cx="3187685" cy="4642168"/>
+                    <a:ext cx="3187685" cy="4615797"/>
                   </a:xfrm>
                   <a:prstGeom prst="rect">
                     <a:avLst/>
@@ -6703,46 +7624,46 @@
                   <a:p>
                     <a:pPr algn="ctr"/>
                     <a:r>
-                      <a:rPr lang="en-US" sz="2400" b="1" u="sng" dirty="0"/>
+                      <a:rPr lang="en-US" sz="3200" b="1" u="sng" dirty="0"/>
                       <a:t>Step 3</a:t>
                     </a:r>
                   </a:p>
                   <a:p>
                     <a:pPr algn="ctr"/>
                     <a:r>
-                      <a:rPr lang="en-US" sz="2400" dirty="0" err="1"/>
+                      <a:rPr lang="en-US" sz="3200" dirty="0" err="1"/>
                       <a:t>i</a:t>
                     </a:r>
                     <a:r>
-                      <a:rPr lang="en-US" sz="2400" dirty="0"/>
+                      <a:rPr lang="en-US" sz="3200" dirty="0"/>
                       <a:t>) Compute Fischer Information Matrix</a:t>
                     </a:r>
                   </a:p>
                   <a:p>
                     <a:pPr algn="ctr"/>
-                    <a:endParaRPr lang="en-US" sz="1200" dirty="0"/>
+                    <a:endParaRPr lang="en-US" sz="1600" dirty="0"/>
                   </a:p>
                   <a:p>
                     <a:pPr algn="ctr"/>
                     <a:r>
-                      <a:rPr lang="en-US" sz="2400" dirty="0"/>
+                      <a:rPr lang="en-US" sz="3200" dirty="0"/>
                       <a:t>ii) Identifiability Analysis</a:t>
                     </a:r>
                   </a:p>
                   <a:p>
                     <a:pPr algn="ctr"/>
-                    <a:endParaRPr lang="en-US" sz="1200" dirty="0"/>
+                    <a:endParaRPr lang="en-US" sz="1600" dirty="0"/>
                   </a:p>
                   <a:p>
                     <a:pPr algn="ctr"/>
                     <a:r>
-                      <a:rPr lang="en-US" sz="2400" dirty="0"/>
+                      <a:rPr lang="en-US" sz="3200" dirty="0"/>
                       <a:t>iii) Uncertainty Analysis</a:t>
                     </a:r>
                   </a:p>
                   <a:p>
                     <a:pPr algn="ctr"/>
-                    <a:endParaRPr lang="en-US" sz="1200" dirty="0"/>
+                    <a:endParaRPr lang="en-US" sz="1600" dirty="0"/>
                   </a:p>
                   <a:p>
                     <a:pPr algn="ctr"/>
@@ -6755,7 +7676,7 @@
                           <m:sSub>
                             <m:sSubPr>
                               <m:ctrlPr>
-                                <a:rPr lang="en-US" sz="1600" i="1">
+                                <a:rPr lang="en-US" sz="2133" i="1">
                                   <a:latin typeface="Cambria Math" panose="02040503050406030204" pitchFamily="18" charset="0"/>
                                   <a:ea typeface="Cambria Math" panose="02040503050406030204" pitchFamily="18" charset="0"/>
                                 </a:rPr>
@@ -6766,7 +7687,7 @@
                                 <m:rPr>
                                   <m:sty m:val="p"/>
                                 </m:rPr>
-                                <a:rPr lang="el-GR" sz="1600" i="1">
+                                <a:rPr lang="el-GR" sz="2133" i="1">
                                   <a:latin typeface="Cambria Math" panose="02040503050406030204" pitchFamily="18" charset="0"/>
                                   <a:ea typeface="Cambria Math" panose="02040503050406030204" pitchFamily="18" charset="0"/>
                                 </a:rPr>
@@ -6775,21 +7696,21 @@
                             </m:e>
                             <m:sub>
                               <m:r>
-                                <a:rPr lang="en-US" sz="1600" i="1">
+                                <a:rPr lang="en-US" sz="2133" i="1">
                                   <a:latin typeface="Cambria Math" panose="02040503050406030204" pitchFamily="18" charset="0"/>
                                   <a:ea typeface="Cambria Math" panose="02040503050406030204" pitchFamily="18" charset="0"/>
                                 </a:rPr>
                                 <m:t>𝑖</m:t>
                               </m:r>
                               <m:r>
-                                <a:rPr lang="en-US" sz="1600" i="1">
+                                <a:rPr lang="en-US" sz="2133" i="1">
                                   <a:latin typeface="Cambria Math" panose="02040503050406030204" pitchFamily="18" charset="0"/>
                                   <a:ea typeface="Cambria Math" panose="02040503050406030204" pitchFamily="18" charset="0"/>
                                 </a:rPr>
                                 <m:t>,</m:t>
                               </m:r>
                               <m:r>
-                                <a:rPr lang="en-US" sz="1600" i="1">
+                                <a:rPr lang="en-US" sz="2133" i="1">
                                   <a:latin typeface="Cambria Math" panose="02040503050406030204" pitchFamily="18" charset="0"/>
                                   <a:ea typeface="Cambria Math" panose="02040503050406030204" pitchFamily="18" charset="0"/>
                                 </a:rPr>
@@ -6798,7 +7719,7 @@
                             </m:sub>
                           </m:sSub>
                           <m:r>
-                            <a:rPr lang="en-US" sz="1600" i="1">
+                            <a:rPr lang="en-US" sz="2133" i="1">
                               <a:latin typeface="Cambria Math" panose="02040503050406030204" pitchFamily="18" charset="0"/>
                               <a:ea typeface="Cambria Math" panose="02040503050406030204" pitchFamily="18" charset="0"/>
                             </a:rPr>
@@ -6809,7 +7730,7 @@
                               <m:begChr m:val="["/>
                               <m:endChr m:val="]"/>
                               <m:ctrlPr>
-                                <a:rPr lang="en-US" sz="1600" i="1">
+                                <a:rPr lang="en-US" sz="2133" i="1">
                                   <a:latin typeface="Cambria Math" panose="02040503050406030204" pitchFamily="18" charset="0"/>
                                   <a:ea typeface="Cambria Math" panose="02040503050406030204" pitchFamily="18" charset="0"/>
                                 </a:rPr>
@@ -6827,7 +7748,7 @@
                                     </m:mc>
                                   </m:mcs>
                                   <m:ctrlPr>
-                                    <a:rPr lang="en-US" sz="1600" i="1">
+                                    <a:rPr lang="en-US" sz="2133" i="1">
                                       <a:latin typeface="Cambria Math" panose="02040503050406030204" pitchFamily="18" charset="0"/>
                                       <a:ea typeface="Cambria Math" panose="02040503050406030204" pitchFamily="18" charset="0"/>
                                     </a:rPr>
@@ -6838,7 +7759,7 @@
                                     <m:sSubSup>
                                       <m:sSubSupPr>
                                         <m:ctrlPr>
-                                          <a:rPr lang="en-US" sz="1600" i="1">
+                                          <a:rPr lang="en-US" sz="2133" i="1">
                                             <a:latin typeface="Cambria Math" panose="02040503050406030204" pitchFamily="18" charset="0"/>
                                             <a:ea typeface="Cambria Math" panose="02040503050406030204" pitchFamily="18" charset="0"/>
                                           </a:rPr>
@@ -6849,7 +7770,7 @@
                                           <m:rPr>
                                             <m:brk m:alnAt="7"/>
                                           </m:rPr>
-                                          <a:rPr lang="en-US" sz="1600" i="1">
+                                          <a:rPr lang="en-US" sz="2133" i="1">
                                             <a:latin typeface="Cambria Math" panose="02040503050406030204" pitchFamily="18" charset="0"/>
                                             <a:ea typeface="Cambria Math" panose="02040503050406030204" pitchFamily="18" charset="0"/>
                                           </a:rPr>
@@ -6861,21 +7782,21 @@
                                           <m:rPr>
                                             <m:brk m:alnAt="7"/>
                                           </m:rPr>
-                                          <a:rPr lang="en-US" sz="1600" i="1">
+                                          <a:rPr lang="en-US" sz="2133" i="1">
                                             <a:latin typeface="Cambria Math" panose="02040503050406030204" pitchFamily="18" charset="0"/>
                                             <a:ea typeface="Cambria Math" panose="02040503050406030204" pitchFamily="18" charset="0"/>
                                           </a:rPr>
                                           <m:t>𝑖</m:t>
                                         </m:r>
                                         <m:r>
-                                          <a:rPr lang="en-US" sz="1600" i="1">
+                                          <a:rPr lang="en-US" sz="2133" i="1">
                                             <a:latin typeface="Cambria Math" panose="02040503050406030204" pitchFamily="18" charset="0"/>
                                             <a:ea typeface="Cambria Math" panose="02040503050406030204" pitchFamily="18" charset="0"/>
                                           </a:rPr>
                                           <m:t>,</m:t>
                                         </m:r>
                                         <m:r>
-                                          <a:rPr lang="en-US" sz="1600" i="1">
+                                          <a:rPr lang="en-US" sz="2133" i="1">
                                             <a:latin typeface="Cambria Math" panose="02040503050406030204" pitchFamily="18" charset="0"/>
                                             <a:ea typeface="Cambria Math" panose="02040503050406030204" pitchFamily="18" charset="0"/>
                                           </a:rPr>
@@ -6887,7 +7808,7 @@
                                           <m:rPr>
                                             <m:brk m:alnAt="7"/>
                                           </m:rPr>
-                                          <a:rPr lang="en-US" sz="1600" i="1">
+                                          <a:rPr lang="en-US" sz="2133" i="1">
                                             <a:latin typeface="Cambria Math" panose="02040503050406030204" pitchFamily="18" charset="0"/>
                                             <a:ea typeface="Cambria Math" panose="02040503050406030204" pitchFamily="18" charset="0"/>
                                           </a:rPr>
@@ -6900,7 +7821,7 @@
                                     <m:sSubSup>
                                       <m:sSubSupPr>
                                         <m:ctrlPr>
-                                          <a:rPr lang="en-US" sz="1600" i="1">
+                                          <a:rPr lang="en-US" sz="2133" i="1">
                                             <a:latin typeface="Cambria Math" panose="02040503050406030204" pitchFamily="18" charset="0"/>
                                             <a:ea typeface="Cambria Math" panose="02040503050406030204" pitchFamily="18" charset="0"/>
                                           </a:rPr>
@@ -6911,7 +7832,7 @@
                                           <m:rPr>
                                             <m:brk m:alnAt="7"/>
                                           </m:rPr>
-                                          <a:rPr lang="en-US" sz="1600" i="1">
+                                          <a:rPr lang="en-US" sz="2133" i="1">
                                             <a:latin typeface="Cambria Math" panose="02040503050406030204" pitchFamily="18" charset="0"/>
                                             <a:ea typeface="Cambria Math" panose="02040503050406030204" pitchFamily="18" charset="0"/>
                                           </a:rPr>
@@ -6923,21 +7844,21 @@
                                           <m:rPr>
                                             <m:brk m:alnAt="7"/>
                                           </m:rPr>
-                                          <a:rPr lang="en-US" sz="1600" i="1">
+                                          <a:rPr lang="en-US" sz="2133" i="1">
                                             <a:latin typeface="Cambria Math" panose="02040503050406030204" pitchFamily="18" charset="0"/>
                                             <a:ea typeface="Cambria Math" panose="02040503050406030204" pitchFamily="18" charset="0"/>
                                           </a:rPr>
                                           <m:t>𝑖</m:t>
                                         </m:r>
                                         <m:r>
-                                          <a:rPr lang="en-US" sz="1600" i="1">
+                                          <a:rPr lang="en-US" sz="2133" i="1">
                                             <a:latin typeface="Cambria Math" panose="02040503050406030204" pitchFamily="18" charset="0"/>
                                             <a:ea typeface="Cambria Math" panose="02040503050406030204" pitchFamily="18" charset="0"/>
                                           </a:rPr>
                                           <m:t>,</m:t>
                                         </m:r>
                                         <m:r>
-                                          <a:rPr lang="en-US" sz="1600" i="1">
+                                          <a:rPr lang="en-US" sz="2133" i="1">
                                             <a:latin typeface="Cambria Math" panose="02040503050406030204" pitchFamily="18" charset="0"/>
                                             <a:ea typeface="Cambria Math" panose="02040503050406030204" pitchFamily="18" charset="0"/>
                                           </a:rPr>
@@ -6949,7 +7870,7 @@
                                           <m:rPr>
                                             <m:brk m:alnAt="7"/>
                                           </m:rPr>
-                                          <a:rPr lang="en-US" sz="1600" i="1">
+                                          <a:rPr lang="en-US" sz="2133" i="1">
                                             <a:latin typeface="Cambria Math" panose="02040503050406030204" pitchFamily="18" charset="0"/>
                                             <a:ea typeface="Cambria Math" panose="02040503050406030204" pitchFamily="18" charset="0"/>
                                           </a:rPr>
@@ -6964,7 +7885,7 @@
                                     <m:sSubSup>
                                       <m:sSubSupPr>
                                         <m:ctrlPr>
-                                          <a:rPr lang="en-US" sz="1600" i="1">
+                                          <a:rPr lang="en-US" sz="2133" i="1">
                                             <a:latin typeface="Cambria Math" panose="02040503050406030204" pitchFamily="18" charset="0"/>
                                             <a:ea typeface="Cambria Math" panose="02040503050406030204" pitchFamily="18" charset="0"/>
                                           </a:rPr>
@@ -6975,7 +7896,7 @@
                                           <m:rPr>
                                             <m:brk m:alnAt="7"/>
                                           </m:rPr>
-                                          <a:rPr lang="en-US" sz="1600" i="1">
+                                          <a:rPr lang="en-US" sz="2133" i="1">
                                             <a:latin typeface="Cambria Math" panose="02040503050406030204" pitchFamily="18" charset="0"/>
                                             <a:ea typeface="Cambria Math" panose="02040503050406030204" pitchFamily="18" charset="0"/>
                                           </a:rPr>
@@ -6984,21 +7905,21 @@
                                       </m:e>
                                       <m:sub>
                                         <m:r>
-                                          <a:rPr lang="en-US" sz="1600" i="1">
+                                          <a:rPr lang="en-US" sz="2133" i="1">
                                             <a:latin typeface="Cambria Math" panose="02040503050406030204" pitchFamily="18" charset="0"/>
                                             <a:ea typeface="Cambria Math" panose="02040503050406030204" pitchFamily="18" charset="0"/>
                                           </a:rPr>
                                           <m:t>𝑗</m:t>
                                         </m:r>
                                         <m:r>
-                                          <a:rPr lang="en-US" sz="1600" i="1">
+                                          <a:rPr lang="en-US" sz="2133" i="1">
                                             <a:latin typeface="Cambria Math" panose="02040503050406030204" pitchFamily="18" charset="0"/>
                                             <a:ea typeface="Cambria Math" panose="02040503050406030204" pitchFamily="18" charset="0"/>
                                           </a:rPr>
                                           <m:t>,</m:t>
                                         </m:r>
                                         <m:r>
-                                          <a:rPr lang="en-US" sz="1600" i="1">
+                                          <a:rPr lang="en-US" sz="2133" i="1">
                                             <a:latin typeface="Cambria Math" panose="02040503050406030204" pitchFamily="18" charset="0"/>
                                             <a:ea typeface="Cambria Math" panose="02040503050406030204" pitchFamily="18" charset="0"/>
                                           </a:rPr>
@@ -7010,7 +7931,7 @@
                                           <m:rPr>
                                             <m:brk m:alnAt="7"/>
                                           </m:rPr>
-                                          <a:rPr lang="en-US" sz="1600" i="1">
+                                          <a:rPr lang="en-US" sz="2133" i="1">
                                             <a:latin typeface="Cambria Math" panose="02040503050406030204" pitchFamily="18" charset="0"/>
                                             <a:ea typeface="Cambria Math" panose="02040503050406030204" pitchFamily="18" charset="0"/>
                                           </a:rPr>
@@ -7023,7 +7944,7 @@
                                     <m:sSubSup>
                                       <m:sSubSupPr>
                                         <m:ctrlPr>
-                                          <a:rPr lang="en-US" sz="1600" i="1">
+                                          <a:rPr lang="en-US" sz="2133" i="1">
                                             <a:latin typeface="Cambria Math" panose="02040503050406030204" pitchFamily="18" charset="0"/>
                                             <a:ea typeface="Cambria Math" panose="02040503050406030204" pitchFamily="18" charset="0"/>
                                           </a:rPr>
@@ -7034,7 +7955,7 @@
                                           <m:rPr>
                                             <m:brk m:alnAt="7"/>
                                           </m:rPr>
-                                          <a:rPr lang="en-US" sz="1600" i="1">
+                                          <a:rPr lang="en-US" sz="2133" i="1">
                                             <a:latin typeface="Cambria Math" panose="02040503050406030204" pitchFamily="18" charset="0"/>
                                             <a:ea typeface="Cambria Math" panose="02040503050406030204" pitchFamily="18" charset="0"/>
                                           </a:rPr>
@@ -7043,21 +7964,21 @@
                                       </m:e>
                                       <m:sub>
                                         <m:r>
-                                          <a:rPr lang="en-US" sz="1600" i="1">
+                                          <a:rPr lang="en-US" sz="2133" i="1">
                                             <a:latin typeface="Cambria Math" panose="02040503050406030204" pitchFamily="18" charset="0"/>
                                             <a:ea typeface="Cambria Math" panose="02040503050406030204" pitchFamily="18" charset="0"/>
                                           </a:rPr>
                                           <m:t>𝑗</m:t>
                                         </m:r>
                                         <m:r>
-                                          <a:rPr lang="en-US" sz="1600" i="1">
+                                          <a:rPr lang="en-US" sz="2133" i="1">
                                             <a:latin typeface="Cambria Math" panose="02040503050406030204" pitchFamily="18" charset="0"/>
                                             <a:ea typeface="Cambria Math" panose="02040503050406030204" pitchFamily="18" charset="0"/>
                                           </a:rPr>
                                           <m:t>,</m:t>
                                         </m:r>
                                         <m:r>
-                                          <a:rPr lang="en-US" sz="1600" i="1">
+                                          <a:rPr lang="en-US" sz="2133" i="1">
                                             <a:latin typeface="Cambria Math" panose="02040503050406030204" pitchFamily="18" charset="0"/>
                                             <a:ea typeface="Cambria Math" panose="02040503050406030204" pitchFamily="18" charset="0"/>
                                           </a:rPr>
@@ -7069,7 +7990,7 @@
                                           <m:rPr>
                                             <m:brk m:alnAt="7"/>
                                           </m:rPr>
-                                          <a:rPr lang="en-US" sz="1600" i="1">
+                                          <a:rPr lang="en-US" sz="2133" i="1">
                                             <a:latin typeface="Cambria Math" panose="02040503050406030204" pitchFamily="18" charset="0"/>
                                             <a:ea typeface="Cambria Math" panose="02040503050406030204" pitchFamily="18" charset="0"/>
                                           </a:rPr>
@@ -7085,18 +8006,7 @@
                         </m:oMath>
                       </m:oMathPara>
                     </a14:m>
-                    <a:endParaRPr lang="en-US" sz="1600" dirty="0"/>
-                  </a:p>
-                  <a:p>
-                    <a:pPr algn="ctr"/>
-                    <a:endParaRPr lang="en-US" sz="1200" dirty="0"/>
-                  </a:p>
-                  <a:p>
-                    <a:pPr algn="ctr"/>
-                    <a:r>
-                      <a:rPr lang="en-US" sz="2400" dirty="0"/>
-                      <a:t>iv) Optimality Analysis</a:t>
-                    </a:r>
+                    <a:endParaRPr lang="en-US" sz="2133" dirty="0"/>
                   </a:p>
                   <a:p>
                     <a:pPr algn="ctr"/>
@@ -7104,26 +8014,37 @@
                   </a:p>
                   <a:p>
                     <a:pPr algn="ctr"/>
-                    <a:endParaRPr lang="en-US" sz="1600" dirty="0"/>
+                    <a:r>
+                      <a:rPr lang="en-US" sz="3200" dirty="0"/>
+                      <a:t>iv) Optimality Analysis</a:t>
+                    </a:r>
                   </a:p>
                   <a:p>
                     <a:pPr algn="ctr"/>
-                    <a:endParaRPr lang="en-US" sz="1600" dirty="0"/>
+                    <a:endParaRPr lang="en-US" sz="2133" dirty="0"/>
                   </a:p>
                   <a:p>
                     <a:pPr algn="ctr"/>
-                    <a:endParaRPr lang="en-US" sz="1600" dirty="0"/>
+                    <a:endParaRPr lang="en-US" sz="2133" dirty="0"/>
+                  </a:p>
+                  <a:p>
+                    <a:pPr algn="ctr"/>
+                    <a:endParaRPr lang="en-US" sz="2133" dirty="0"/>
+                  </a:p>
+                  <a:p>
+                    <a:pPr algn="ctr"/>
+                    <a:endParaRPr lang="en-US" sz="2133" dirty="0"/>
                   </a:p>
                 </p:txBody>
               </p:sp>
             </mc:Choice>
-            <mc:Fallback xmlns="">
+            <mc:Fallback>
               <p:sp>
                 <p:nvSpPr>
-                  <p:cNvPr id="66" name="TextBox 65">
+                  <p:cNvPr id="28" name="TextBox 27">
                     <a:extLst>
                       <a:ext uri="{FF2B5EF4-FFF2-40B4-BE49-F238E27FC236}">
-                        <a16:creationId xmlns:a16="http://schemas.microsoft.com/office/drawing/2014/main" id="{481B0263-8DBD-C448-980A-C240B49FAA23}"/>
+                        <a16:creationId xmlns:a16="http://schemas.microsoft.com/office/drawing/2014/main" id="{726589B9-6663-A647-B794-2BBF0D82511C}"/>
                       </a:ext>
                     </a:extLst>
                   </p:cNvPr>
@@ -7135,15 +8056,15 @@
                 <p:spPr>
                   <a:xfrm>
                     <a:off x="8554180" y="2198290"/>
-                    <a:ext cx="3187685" cy="4642168"/>
+                    <a:ext cx="3187685" cy="4615797"/>
                   </a:xfrm>
                   <a:prstGeom prst="rect">
                     <a:avLst/>
                   </a:prstGeom>
                   <a:blipFill>
-                    <a:blip r:embed="rId6"/>
+                    <a:blip r:embed="rId9"/>
                     <a:stretch>
-                      <a:fillRect l="-2362" t="-542" r="-2362"/>
+                      <a:fillRect l="-2367" t="-820" r="-2367"/>
                     </a:stretch>
                   </a:blipFill>
                   <a:ln w="28575">
@@ -7230,7 +8151,7 @@
           <p:spPr>
             <a:xfrm>
               <a:off x="12914160" y="3060343"/>
-              <a:ext cx="2812817" cy="1200329"/>
+              <a:ext cx="2812817" cy="1176489"/>
             </a:xfrm>
             <a:prstGeom prst="rect">
               <a:avLst/>
@@ -7250,17 +8171,17 @@
             <a:p>
               <a:pPr algn="ctr"/>
               <a:r>
-                <a:rPr lang="en-US" sz="2400" b="1" u="sng" dirty="0"/>
+                <a:rPr lang="en-US" sz="3200" b="1" u="sng" dirty="0"/>
                 <a:t>Step 4</a:t>
               </a:r>
             </a:p>
             <a:p>
               <a:pPr algn="ctr"/>
               <a:r>
-                <a:rPr lang="en-US" sz="2400" dirty="0"/>
+                <a:rPr lang="en-US" sz="3200" dirty="0"/>
                 <a:t>Model-Based Design of Experiments</a:t>
               </a:r>
-              <a:endParaRPr lang="en-US" sz="1600" dirty="0"/>
+              <a:endParaRPr lang="en-US" sz="2133" dirty="0"/>
             </a:p>
           </p:txBody>
         </p:sp>
@@ -7295,10 +8216,1717 @@
           <a:chExt cx="0" cy="0"/>
         </a:xfrm>
       </p:grpSpPr>
+      <p:grpSp>
+        <p:nvGrpSpPr>
+          <p:cNvPr id="31" name="Group 30">
+            <a:extLst>
+              <a:ext uri="{FF2B5EF4-FFF2-40B4-BE49-F238E27FC236}">
+                <a16:creationId xmlns:a16="http://schemas.microsoft.com/office/drawing/2014/main" id="{A42D7484-1DD5-EC44-9923-DCCF7E914715}"/>
+              </a:ext>
+            </a:extLst>
+          </p:cNvPr>
+          <p:cNvGrpSpPr/>
+          <p:nvPr/>
+        </p:nvGrpSpPr>
+        <p:grpSpPr>
+          <a:xfrm>
+            <a:off x="4766959" y="766323"/>
+            <a:ext cx="12061486" cy="15562472"/>
+            <a:chOff x="4766959" y="766323"/>
+            <a:chExt cx="12061486" cy="15562472"/>
+          </a:xfrm>
+        </p:grpSpPr>
+        <p:pic>
+          <p:nvPicPr>
+            <p:cNvPr id="7" name="Picture 6">
+              <a:extLst>
+                <a:ext uri="{FF2B5EF4-FFF2-40B4-BE49-F238E27FC236}">
+                  <a16:creationId xmlns:a16="http://schemas.microsoft.com/office/drawing/2014/main" id="{FD6DD97A-98AA-4B4D-B98F-301873EF41FC}"/>
+                </a:ext>
+              </a:extLst>
+            </p:cNvPr>
+            <p:cNvPicPr>
+              <a:picLocks noChangeAspect="1"/>
+            </p:cNvPicPr>
+            <p:nvPr/>
+          </p:nvPicPr>
+          <p:blipFill>
+            <a:blip r:embed="rId3"/>
+            <a:stretch>
+              <a:fillRect/>
+            </a:stretch>
+          </p:blipFill>
+          <p:spPr>
+            <a:xfrm>
+              <a:off x="4766959" y="766323"/>
+              <a:ext cx="5524500" cy="3746500"/>
+            </a:xfrm>
+            <a:prstGeom prst="rect">
+              <a:avLst/>
+            </a:prstGeom>
+          </p:spPr>
+        </p:pic>
+        <p:pic>
+          <p:nvPicPr>
+            <p:cNvPr id="9" name="Picture 8">
+              <a:extLst>
+                <a:ext uri="{FF2B5EF4-FFF2-40B4-BE49-F238E27FC236}">
+                  <a16:creationId xmlns:a16="http://schemas.microsoft.com/office/drawing/2014/main" id="{6227C03A-217B-5045-9D56-B8C9ADD8180E}"/>
+                </a:ext>
+              </a:extLst>
+            </p:cNvPr>
+            <p:cNvPicPr>
+              <a:picLocks noChangeAspect="1"/>
+            </p:cNvPicPr>
+            <p:nvPr/>
+          </p:nvPicPr>
+          <p:blipFill>
+            <a:blip r:embed="rId4"/>
+            <a:stretch>
+              <a:fillRect/>
+            </a:stretch>
+          </p:blipFill>
+          <p:spPr>
+            <a:xfrm>
+              <a:off x="11303945" y="779023"/>
+              <a:ext cx="5524500" cy="3733800"/>
+            </a:xfrm>
+            <a:prstGeom prst="rect">
+              <a:avLst/>
+            </a:prstGeom>
+          </p:spPr>
+        </p:pic>
+        <p:sp>
+          <p:nvSpPr>
+            <p:cNvPr id="10" name="TextBox 9">
+              <a:extLst>
+                <a:ext uri="{FF2B5EF4-FFF2-40B4-BE49-F238E27FC236}">
+                  <a16:creationId xmlns:a16="http://schemas.microsoft.com/office/drawing/2014/main" id="{E1E546EC-77F7-0F42-B69A-6AF42C820633}"/>
+                </a:ext>
+              </a:extLst>
+            </p:cNvPr>
+            <p:cNvSpPr txBox="1"/>
+            <p:nvPr/>
+          </p:nvSpPr>
+          <p:spPr>
+            <a:xfrm>
+              <a:off x="9241276" y="933855"/>
+              <a:ext cx="778213" cy="646331"/>
+            </a:xfrm>
+            <a:prstGeom prst="rect">
+              <a:avLst/>
+            </a:prstGeom>
+            <a:noFill/>
+          </p:spPr>
+          <p:txBody>
+            <a:bodyPr wrap="square" rtlCol="0">
+              <a:spAutoFit/>
+            </a:bodyPr>
+            <a:lstStyle/>
+            <a:p>
+              <a:pPr algn="ctr"/>
+              <a:r>
+                <a:rPr lang="en-US" sz="3600" dirty="0"/>
+                <a:t>a</a:t>
+              </a:r>
+            </a:p>
+          </p:txBody>
+        </p:sp>
+        <p:sp>
+          <p:nvSpPr>
+            <p:cNvPr id="11" name="TextBox 10">
+              <a:extLst>
+                <a:ext uri="{FF2B5EF4-FFF2-40B4-BE49-F238E27FC236}">
+                  <a16:creationId xmlns:a16="http://schemas.microsoft.com/office/drawing/2014/main" id="{AFCBC57A-D714-3645-881E-C885022C9808}"/>
+                </a:ext>
+              </a:extLst>
+            </p:cNvPr>
+            <p:cNvSpPr txBox="1"/>
+            <p:nvPr/>
+          </p:nvSpPr>
+          <p:spPr>
+            <a:xfrm>
+              <a:off x="15775021" y="933854"/>
+              <a:ext cx="778213" cy="646331"/>
+            </a:xfrm>
+            <a:prstGeom prst="rect">
+              <a:avLst/>
+            </a:prstGeom>
+            <a:noFill/>
+          </p:spPr>
+          <p:txBody>
+            <a:bodyPr wrap="square" rtlCol="0">
+              <a:spAutoFit/>
+            </a:bodyPr>
+            <a:lstStyle/>
+            <a:p>
+              <a:pPr algn="ctr"/>
+              <a:r>
+                <a:rPr lang="en-US" sz="3600" dirty="0"/>
+                <a:t>b</a:t>
+              </a:r>
+            </a:p>
+          </p:txBody>
+        </p:sp>
+        <p:pic>
+          <p:nvPicPr>
+            <p:cNvPr id="13" name="Picture 12">
+              <a:extLst>
+                <a:ext uri="{FF2B5EF4-FFF2-40B4-BE49-F238E27FC236}">
+                  <a16:creationId xmlns:a16="http://schemas.microsoft.com/office/drawing/2014/main" id="{B898815E-99C2-B34B-A85A-1879FA69FF90}"/>
+                </a:ext>
+              </a:extLst>
+            </p:cNvPr>
+            <p:cNvPicPr>
+              <a:picLocks noChangeAspect="1"/>
+            </p:cNvPicPr>
+            <p:nvPr/>
+          </p:nvPicPr>
+          <p:blipFill>
+            <a:blip r:embed="rId5"/>
+            <a:stretch>
+              <a:fillRect/>
+            </a:stretch>
+          </p:blipFill>
+          <p:spPr>
+            <a:xfrm>
+              <a:off x="4766959" y="4680355"/>
+              <a:ext cx="5524500" cy="3759200"/>
+            </a:xfrm>
+            <a:prstGeom prst="rect">
+              <a:avLst/>
+            </a:prstGeom>
+          </p:spPr>
+        </p:pic>
+        <p:pic>
+          <p:nvPicPr>
+            <p:cNvPr id="15" name="Picture 14">
+              <a:extLst>
+                <a:ext uri="{FF2B5EF4-FFF2-40B4-BE49-F238E27FC236}">
+                  <a16:creationId xmlns:a16="http://schemas.microsoft.com/office/drawing/2014/main" id="{28C51A40-863D-9945-97AF-34F78302EE93}"/>
+                </a:ext>
+              </a:extLst>
+            </p:cNvPr>
+            <p:cNvPicPr>
+              <a:picLocks noChangeAspect="1"/>
+            </p:cNvPicPr>
+            <p:nvPr/>
+          </p:nvPicPr>
+          <p:blipFill>
+            <a:blip r:embed="rId6"/>
+            <a:stretch>
+              <a:fillRect/>
+            </a:stretch>
+          </p:blipFill>
+          <p:spPr>
+            <a:xfrm>
+              <a:off x="11303945" y="4680355"/>
+              <a:ext cx="5524500" cy="3759200"/>
+            </a:xfrm>
+            <a:prstGeom prst="rect">
+              <a:avLst/>
+            </a:prstGeom>
+          </p:spPr>
+        </p:pic>
+        <p:sp>
+          <p:nvSpPr>
+            <p:cNvPr id="16" name="TextBox 15">
+              <a:extLst>
+                <a:ext uri="{FF2B5EF4-FFF2-40B4-BE49-F238E27FC236}">
+                  <a16:creationId xmlns:a16="http://schemas.microsoft.com/office/drawing/2014/main" id="{53E79E97-ECD7-3841-BEF4-5EEF5A2D154A}"/>
+                </a:ext>
+              </a:extLst>
+            </p:cNvPr>
+            <p:cNvSpPr txBox="1"/>
+            <p:nvPr/>
+          </p:nvSpPr>
+          <p:spPr>
+            <a:xfrm>
+              <a:off x="9241275" y="4865775"/>
+              <a:ext cx="778213" cy="646331"/>
+            </a:xfrm>
+            <a:prstGeom prst="rect">
+              <a:avLst/>
+            </a:prstGeom>
+            <a:noFill/>
+          </p:spPr>
+          <p:txBody>
+            <a:bodyPr wrap="square" rtlCol="0">
+              <a:spAutoFit/>
+            </a:bodyPr>
+            <a:lstStyle/>
+            <a:p>
+              <a:pPr algn="ctr"/>
+              <a:r>
+                <a:rPr lang="en-US" sz="3600" dirty="0"/>
+                <a:t>c</a:t>
+              </a:r>
+            </a:p>
+          </p:txBody>
+        </p:sp>
+        <p:sp>
+          <p:nvSpPr>
+            <p:cNvPr id="17" name="TextBox 16">
+              <a:extLst>
+                <a:ext uri="{FF2B5EF4-FFF2-40B4-BE49-F238E27FC236}">
+                  <a16:creationId xmlns:a16="http://schemas.microsoft.com/office/drawing/2014/main" id="{0C564C5B-A40A-4C42-950F-88AA3A00579B}"/>
+                </a:ext>
+              </a:extLst>
+            </p:cNvPr>
+            <p:cNvSpPr txBox="1"/>
+            <p:nvPr/>
+          </p:nvSpPr>
+          <p:spPr>
+            <a:xfrm>
+              <a:off x="15775021" y="4865775"/>
+              <a:ext cx="778213" cy="646331"/>
+            </a:xfrm>
+            <a:prstGeom prst="rect">
+              <a:avLst/>
+            </a:prstGeom>
+            <a:noFill/>
+          </p:spPr>
+          <p:txBody>
+            <a:bodyPr wrap="square" rtlCol="0">
+              <a:spAutoFit/>
+            </a:bodyPr>
+            <a:lstStyle/>
+            <a:p>
+              <a:pPr algn="ctr"/>
+              <a:r>
+                <a:rPr lang="en-US" sz="3600" dirty="0"/>
+                <a:t>d</a:t>
+              </a:r>
+            </a:p>
+          </p:txBody>
+        </p:sp>
+        <p:pic>
+          <p:nvPicPr>
+            <p:cNvPr id="19" name="Picture 18">
+              <a:extLst>
+                <a:ext uri="{FF2B5EF4-FFF2-40B4-BE49-F238E27FC236}">
+                  <a16:creationId xmlns:a16="http://schemas.microsoft.com/office/drawing/2014/main" id="{EFC5A81C-2D51-2648-8F5C-9EC5B722EF54}"/>
+                </a:ext>
+              </a:extLst>
+            </p:cNvPr>
+            <p:cNvPicPr>
+              <a:picLocks noChangeAspect="1"/>
+            </p:cNvPicPr>
+            <p:nvPr/>
+          </p:nvPicPr>
+          <p:blipFill>
+            <a:blip r:embed="rId7"/>
+            <a:stretch>
+              <a:fillRect/>
+            </a:stretch>
+          </p:blipFill>
+          <p:spPr>
+            <a:xfrm>
+              <a:off x="4766959" y="8624975"/>
+              <a:ext cx="5524500" cy="3759200"/>
+            </a:xfrm>
+            <a:prstGeom prst="rect">
+              <a:avLst/>
+            </a:prstGeom>
+          </p:spPr>
+        </p:pic>
+        <p:pic>
+          <p:nvPicPr>
+            <p:cNvPr id="21" name="Picture 20">
+              <a:extLst>
+                <a:ext uri="{FF2B5EF4-FFF2-40B4-BE49-F238E27FC236}">
+                  <a16:creationId xmlns:a16="http://schemas.microsoft.com/office/drawing/2014/main" id="{8C7C441D-0C44-2040-A959-05DA66BEC87C}"/>
+                </a:ext>
+              </a:extLst>
+            </p:cNvPr>
+            <p:cNvPicPr>
+              <a:picLocks noChangeAspect="1"/>
+            </p:cNvPicPr>
+            <p:nvPr/>
+          </p:nvPicPr>
+          <p:blipFill>
+            <a:blip r:embed="rId8"/>
+            <a:stretch>
+              <a:fillRect/>
+            </a:stretch>
+          </p:blipFill>
+          <p:spPr>
+            <a:xfrm>
+              <a:off x="11303945" y="8624975"/>
+              <a:ext cx="5524500" cy="3759200"/>
+            </a:xfrm>
+            <a:prstGeom prst="rect">
+              <a:avLst/>
+            </a:prstGeom>
+          </p:spPr>
+        </p:pic>
+        <p:sp>
+          <p:nvSpPr>
+            <p:cNvPr id="23" name="TextBox 22">
+              <a:extLst>
+                <a:ext uri="{FF2B5EF4-FFF2-40B4-BE49-F238E27FC236}">
+                  <a16:creationId xmlns:a16="http://schemas.microsoft.com/office/drawing/2014/main" id="{1D5B5C67-E566-1D4A-839A-22CB829D4D2C}"/>
+                </a:ext>
+              </a:extLst>
+            </p:cNvPr>
+            <p:cNvSpPr txBox="1"/>
+            <p:nvPr/>
+          </p:nvSpPr>
+          <p:spPr>
+            <a:xfrm>
+              <a:off x="9241275" y="8933783"/>
+              <a:ext cx="778213" cy="646331"/>
+            </a:xfrm>
+            <a:prstGeom prst="rect">
+              <a:avLst/>
+            </a:prstGeom>
+            <a:noFill/>
+          </p:spPr>
+          <p:txBody>
+            <a:bodyPr wrap="square" rtlCol="0">
+              <a:spAutoFit/>
+            </a:bodyPr>
+            <a:lstStyle/>
+            <a:p>
+              <a:pPr algn="ctr"/>
+              <a:r>
+                <a:rPr lang="en-US" sz="3600" dirty="0"/>
+                <a:t>e</a:t>
+              </a:r>
+            </a:p>
+          </p:txBody>
+        </p:sp>
+        <p:sp>
+          <p:nvSpPr>
+            <p:cNvPr id="24" name="TextBox 23">
+              <a:extLst>
+                <a:ext uri="{FF2B5EF4-FFF2-40B4-BE49-F238E27FC236}">
+                  <a16:creationId xmlns:a16="http://schemas.microsoft.com/office/drawing/2014/main" id="{B5CD7F4D-A389-974D-BF5D-40AB76511840}"/>
+                </a:ext>
+              </a:extLst>
+            </p:cNvPr>
+            <p:cNvSpPr txBox="1"/>
+            <p:nvPr/>
+          </p:nvSpPr>
+          <p:spPr>
+            <a:xfrm>
+              <a:off x="15773722" y="8933782"/>
+              <a:ext cx="778213" cy="646331"/>
+            </a:xfrm>
+            <a:prstGeom prst="rect">
+              <a:avLst/>
+            </a:prstGeom>
+            <a:noFill/>
+          </p:spPr>
+          <p:txBody>
+            <a:bodyPr wrap="square" rtlCol="0">
+              <a:spAutoFit/>
+            </a:bodyPr>
+            <a:lstStyle/>
+            <a:p>
+              <a:pPr algn="ctr"/>
+              <a:r>
+                <a:rPr lang="en-US" sz="3600" dirty="0"/>
+                <a:t>f</a:t>
+              </a:r>
+            </a:p>
+          </p:txBody>
+        </p:sp>
+        <p:pic>
+          <p:nvPicPr>
+            <p:cNvPr id="26" name="Picture 25">
+              <a:extLst>
+                <a:ext uri="{FF2B5EF4-FFF2-40B4-BE49-F238E27FC236}">
+                  <a16:creationId xmlns:a16="http://schemas.microsoft.com/office/drawing/2014/main" id="{C98BEB55-1C6D-BB49-9A26-A907B7568A82}"/>
+                </a:ext>
+              </a:extLst>
+            </p:cNvPr>
+            <p:cNvPicPr>
+              <a:picLocks noChangeAspect="1"/>
+            </p:cNvPicPr>
+            <p:nvPr/>
+          </p:nvPicPr>
+          <p:blipFill>
+            <a:blip r:embed="rId9"/>
+            <a:stretch>
+              <a:fillRect/>
+            </a:stretch>
+          </p:blipFill>
+          <p:spPr>
+            <a:xfrm>
+              <a:off x="4766959" y="12569595"/>
+              <a:ext cx="5524500" cy="3759200"/>
+            </a:xfrm>
+            <a:prstGeom prst="rect">
+              <a:avLst/>
+            </a:prstGeom>
+          </p:spPr>
+        </p:pic>
+        <p:pic>
+          <p:nvPicPr>
+            <p:cNvPr id="28" name="Picture 27">
+              <a:extLst>
+                <a:ext uri="{FF2B5EF4-FFF2-40B4-BE49-F238E27FC236}">
+                  <a16:creationId xmlns:a16="http://schemas.microsoft.com/office/drawing/2014/main" id="{D053F711-AAB1-C14B-B732-79A894D5B522}"/>
+                </a:ext>
+              </a:extLst>
+            </p:cNvPr>
+            <p:cNvPicPr>
+              <a:picLocks noChangeAspect="1"/>
+            </p:cNvPicPr>
+            <p:nvPr/>
+          </p:nvPicPr>
+          <p:blipFill>
+            <a:blip r:embed="rId10"/>
+            <a:stretch>
+              <a:fillRect/>
+            </a:stretch>
+          </p:blipFill>
+          <p:spPr>
+            <a:xfrm>
+              <a:off x="11303945" y="12569595"/>
+              <a:ext cx="5524500" cy="3759200"/>
+            </a:xfrm>
+            <a:prstGeom prst="rect">
+              <a:avLst/>
+            </a:prstGeom>
+          </p:spPr>
+        </p:pic>
+        <p:sp>
+          <p:nvSpPr>
+            <p:cNvPr id="29" name="TextBox 28">
+              <a:extLst>
+                <a:ext uri="{FF2B5EF4-FFF2-40B4-BE49-F238E27FC236}">
+                  <a16:creationId xmlns:a16="http://schemas.microsoft.com/office/drawing/2014/main" id="{E5A3E572-5127-3148-8B90-6D1BAAF9DC82}"/>
+                </a:ext>
+              </a:extLst>
+            </p:cNvPr>
+            <p:cNvSpPr txBox="1"/>
+            <p:nvPr/>
+          </p:nvSpPr>
+          <p:spPr>
+            <a:xfrm>
+              <a:off x="9241275" y="12748460"/>
+              <a:ext cx="778213" cy="646331"/>
+            </a:xfrm>
+            <a:prstGeom prst="rect">
+              <a:avLst/>
+            </a:prstGeom>
+            <a:noFill/>
+          </p:spPr>
+          <p:txBody>
+            <a:bodyPr wrap="square" rtlCol="0">
+              <a:spAutoFit/>
+            </a:bodyPr>
+            <a:lstStyle/>
+            <a:p>
+              <a:pPr algn="ctr"/>
+              <a:r>
+                <a:rPr lang="en-US" sz="3600" dirty="0"/>
+                <a:t>g</a:t>
+              </a:r>
+            </a:p>
+          </p:txBody>
+        </p:sp>
+        <p:sp>
+          <p:nvSpPr>
+            <p:cNvPr id="30" name="TextBox 29">
+              <a:extLst>
+                <a:ext uri="{FF2B5EF4-FFF2-40B4-BE49-F238E27FC236}">
+                  <a16:creationId xmlns:a16="http://schemas.microsoft.com/office/drawing/2014/main" id="{FF5B8D85-850A-3B49-8600-52CC822E3219}"/>
+                </a:ext>
+              </a:extLst>
+            </p:cNvPr>
+            <p:cNvSpPr txBox="1"/>
+            <p:nvPr/>
+          </p:nvSpPr>
+          <p:spPr>
+            <a:xfrm>
+              <a:off x="15773722" y="12748459"/>
+              <a:ext cx="778213" cy="646331"/>
+            </a:xfrm>
+            <a:prstGeom prst="rect">
+              <a:avLst/>
+            </a:prstGeom>
+            <a:noFill/>
+          </p:spPr>
+          <p:txBody>
+            <a:bodyPr wrap="square" rtlCol="0">
+              <a:spAutoFit/>
+            </a:bodyPr>
+            <a:lstStyle/>
+            <a:p>
+              <a:pPr algn="ctr"/>
+              <a:r>
+                <a:rPr lang="en-US" sz="3600" dirty="0"/>
+                <a:t>h</a:t>
+              </a:r>
+            </a:p>
+          </p:txBody>
+        </p:sp>
+      </p:grpSp>
     </p:spTree>
     <p:extLst>
       <p:ext uri="{BB962C8B-B14F-4D97-AF65-F5344CB8AC3E}">
         <p14:creationId xmlns:p14="http://schemas.microsoft.com/office/powerpoint/2010/main" val="2145722793"/>
+      </p:ext>
+    </p:extLst>
+  </p:cSld>
+  <p:clrMapOvr>
+    <a:masterClrMapping/>
+  </p:clrMapOvr>
+</p:sld>
+</file>
+
+<file path=ppt/slides/slide4.xml><?xml version="1.0" encoding="utf-8"?>
+<p:sld xmlns:a="http://schemas.openxmlformats.org/drawingml/2006/main" xmlns:r="http://schemas.openxmlformats.org/officeDocument/2006/relationships" xmlns:p="http://schemas.openxmlformats.org/presentationml/2006/main">
+  <p:cSld>
+    <p:spTree>
+      <p:nvGrpSpPr>
+        <p:cNvPr id="1" name=""/>
+        <p:cNvGrpSpPr/>
+        <p:nvPr/>
+      </p:nvGrpSpPr>
+      <p:grpSpPr>
+        <a:xfrm>
+          <a:off x="0" y="0"/>
+          <a:ext cx="0" cy="0"/>
+          <a:chOff x="0" y="0"/>
+          <a:chExt cx="0" cy="0"/>
+        </a:xfrm>
+      </p:grpSpPr>
+      <p:grpSp>
+        <p:nvGrpSpPr>
+          <p:cNvPr id="42" name="Group 41">
+            <a:extLst>
+              <a:ext uri="{FF2B5EF4-FFF2-40B4-BE49-F238E27FC236}">
+                <a16:creationId xmlns:a16="http://schemas.microsoft.com/office/drawing/2014/main" id="{A93B4AC0-6255-E042-8861-2F200F1A12B9}"/>
+              </a:ext>
+            </a:extLst>
+          </p:cNvPr>
+          <p:cNvGrpSpPr/>
+          <p:nvPr/>
+        </p:nvGrpSpPr>
+        <p:grpSpPr>
+          <a:xfrm>
+            <a:off x="5293179" y="370115"/>
+            <a:ext cx="11555186" cy="15392400"/>
+            <a:chOff x="5293179" y="370115"/>
+            <a:chExt cx="11555186" cy="15392400"/>
+          </a:xfrm>
+        </p:grpSpPr>
+        <p:pic>
+          <p:nvPicPr>
+            <p:cNvPr id="3" name="Picture 2">
+              <a:extLst>
+                <a:ext uri="{FF2B5EF4-FFF2-40B4-BE49-F238E27FC236}">
+                  <a16:creationId xmlns:a16="http://schemas.microsoft.com/office/drawing/2014/main" id="{5BDEA4C0-C095-CB4F-9130-A8D8CEC3D032}"/>
+                </a:ext>
+              </a:extLst>
+            </p:cNvPr>
+            <p:cNvPicPr>
+              <a:picLocks noChangeAspect="1"/>
+            </p:cNvPicPr>
+            <p:nvPr/>
+          </p:nvPicPr>
+          <p:blipFill>
+            <a:blip r:embed="rId3"/>
+            <a:stretch>
+              <a:fillRect/>
+            </a:stretch>
+          </p:blipFill>
+          <p:spPr>
+            <a:xfrm>
+              <a:off x="5293179" y="370115"/>
+              <a:ext cx="5524500" cy="3657600"/>
+            </a:xfrm>
+            <a:prstGeom prst="rect">
+              <a:avLst/>
+            </a:prstGeom>
+          </p:spPr>
+        </p:pic>
+        <p:sp>
+          <p:nvSpPr>
+            <p:cNvPr id="10" name="TextBox 9">
+              <a:extLst>
+                <a:ext uri="{FF2B5EF4-FFF2-40B4-BE49-F238E27FC236}">
+                  <a16:creationId xmlns:a16="http://schemas.microsoft.com/office/drawing/2014/main" id="{E1E546EC-77F7-0F42-B69A-6AF42C820633}"/>
+                </a:ext>
+              </a:extLst>
+            </p:cNvPr>
+            <p:cNvSpPr txBox="1"/>
+            <p:nvPr/>
+          </p:nvSpPr>
+          <p:spPr>
+            <a:xfrm>
+              <a:off x="9698476" y="522515"/>
+              <a:ext cx="778213" cy="646331"/>
+            </a:xfrm>
+            <a:prstGeom prst="rect">
+              <a:avLst/>
+            </a:prstGeom>
+            <a:noFill/>
+          </p:spPr>
+          <p:txBody>
+            <a:bodyPr wrap="square" rtlCol="0">
+              <a:spAutoFit/>
+            </a:bodyPr>
+            <a:lstStyle/>
+            <a:p>
+              <a:pPr algn="ctr"/>
+              <a:r>
+                <a:rPr lang="en-US" sz="3600" dirty="0"/>
+                <a:t>a</a:t>
+              </a:r>
+            </a:p>
+          </p:txBody>
+        </p:sp>
+        <p:pic>
+          <p:nvPicPr>
+            <p:cNvPr id="5" name="Picture 4">
+              <a:extLst>
+                <a:ext uri="{FF2B5EF4-FFF2-40B4-BE49-F238E27FC236}">
+                  <a16:creationId xmlns:a16="http://schemas.microsoft.com/office/drawing/2014/main" id="{7D826115-D8D7-2246-95BC-80FFB2E4D725}"/>
+                </a:ext>
+              </a:extLst>
+            </p:cNvPr>
+            <p:cNvPicPr>
+              <a:picLocks noChangeAspect="1"/>
+            </p:cNvPicPr>
+            <p:nvPr/>
+          </p:nvPicPr>
+          <p:blipFill>
+            <a:blip r:embed="rId4"/>
+            <a:stretch>
+              <a:fillRect/>
+            </a:stretch>
+          </p:blipFill>
+          <p:spPr>
+            <a:xfrm>
+              <a:off x="11323865" y="370115"/>
+              <a:ext cx="5524500" cy="3657600"/>
+            </a:xfrm>
+            <a:prstGeom prst="rect">
+              <a:avLst/>
+            </a:prstGeom>
+          </p:spPr>
+        </p:pic>
+        <p:sp>
+          <p:nvSpPr>
+            <p:cNvPr id="25" name="TextBox 24">
+              <a:extLst>
+                <a:ext uri="{FF2B5EF4-FFF2-40B4-BE49-F238E27FC236}">
+                  <a16:creationId xmlns:a16="http://schemas.microsoft.com/office/drawing/2014/main" id="{FBB5383D-EC48-0941-AED2-5AECED242768}"/>
+                </a:ext>
+              </a:extLst>
+            </p:cNvPr>
+            <p:cNvSpPr txBox="1"/>
+            <p:nvPr/>
+          </p:nvSpPr>
+          <p:spPr>
+            <a:xfrm>
+              <a:off x="15729162" y="522515"/>
+              <a:ext cx="778213" cy="646331"/>
+            </a:xfrm>
+            <a:prstGeom prst="rect">
+              <a:avLst/>
+            </a:prstGeom>
+            <a:noFill/>
+          </p:spPr>
+          <p:txBody>
+            <a:bodyPr wrap="square" rtlCol="0">
+              <a:spAutoFit/>
+            </a:bodyPr>
+            <a:lstStyle/>
+            <a:p>
+              <a:pPr algn="ctr"/>
+              <a:r>
+                <a:rPr lang="en-US" sz="3600" dirty="0"/>
+                <a:t>b</a:t>
+              </a:r>
+            </a:p>
+          </p:txBody>
+        </p:sp>
+        <p:pic>
+          <p:nvPicPr>
+            <p:cNvPr id="8" name="Picture 7">
+              <a:extLst>
+                <a:ext uri="{FF2B5EF4-FFF2-40B4-BE49-F238E27FC236}">
+                  <a16:creationId xmlns:a16="http://schemas.microsoft.com/office/drawing/2014/main" id="{563CA82B-325B-974D-BC47-3F6D9FA72343}"/>
+                </a:ext>
+              </a:extLst>
+            </p:cNvPr>
+            <p:cNvPicPr>
+              <a:picLocks noChangeAspect="1"/>
+            </p:cNvPicPr>
+            <p:nvPr/>
+          </p:nvPicPr>
+          <p:blipFill>
+            <a:blip r:embed="rId5"/>
+            <a:stretch>
+              <a:fillRect/>
+            </a:stretch>
+          </p:blipFill>
+          <p:spPr>
+            <a:xfrm>
+              <a:off x="5293179" y="4180115"/>
+              <a:ext cx="5524500" cy="3759200"/>
+            </a:xfrm>
+            <a:prstGeom prst="rect">
+              <a:avLst/>
+            </a:prstGeom>
+          </p:spPr>
+        </p:pic>
+        <p:pic>
+          <p:nvPicPr>
+            <p:cNvPr id="14" name="Picture 13">
+              <a:extLst>
+                <a:ext uri="{FF2B5EF4-FFF2-40B4-BE49-F238E27FC236}">
+                  <a16:creationId xmlns:a16="http://schemas.microsoft.com/office/drawing/2014/main" id="{25B5671D-154A-6242-9122-F66B8F1CEF45}"/>
+                </a:ext>
+              </a:extLst>
+            </p:cNvPr>
+            <p:cNvPicPr>
+              <a:picLocks noChangeAspect="1"/>
+            </p:cNvPicPr>
+            <p:nvPr/>
+          </p:nvPicPr>
+          <p:blipFill>
+            <a:blip r:embed="rId6"/>
+            <a:stretch>
+              <a:fillRect/>
+            </a:stretch>
+          </p:blipFill>
+          <p:spPr>
+            <a:xfrm>
+              <a:off x="11323865" y="4180115"/>
+              <a:ext cx="5524500" cy="3759200"/>
+            </a:xfrm>
+            <a:prstGeom prst="rect">
+              <a:avLst/>
+            </a:prstGeom>
+          </p:spPr>
+        </p:pic>
+        <p:sp>
+          <p:nvSpPr>
+            <p:cNvPr id="32" name="TextBox 31">
+              <a:extLst>
+                <a:ext uri="{FF2B5EF4-FFF2-40B4-BE49-F238E27FC236}">
+                  <a16:creationId xmlns:a16="http://schemas.microsoft.com/office/drawing/2014/main" id="{FF927E34-CF46-F648-B9D0-DA82679FF738}"/>
+                </a:ext>
+              </a:extLst>
+            </p:cNvPr>
+            <p:cNvSpPr txBox="1"/>
+            <p:nvPr/>
+          </p:nvSpPr>
+          <p:spPr>
+            <a:xfrm>
+              <a:off x="9698475" y="4480842"/>
+              <a:ext cx="778213" cy="646331"/>
+            </a:xfrm>
+            <a:prstGeom prst="rect">
+              <a:avLst/>
+            </a:prstGeom>
+            <a:noFill/>
+          </p:spPr>
+          <p:txBody>
+            <a:bodyPr wrap="square" rtlCol="0">
+              <a:spAutoFit/>
+            </a:bodyPr>
+            <a:lstStyle/>
+            <a:p>
+              <a:pPr algn="ctr"/>
+              <a:r>
+                <a:rPr lang="en-US" sz="3600" dirty="0"/>
+                <a:t>c</a:t>
+              </a:r>
+            </a:p>
+          </p:txBody>
+        </p:sp>
+        <p:sp>
+          <p:nvSpPr>
+            <p:cNvPr id="33" name="TextBox 32">
+              <a:extLst>
+                <a:ext uri="{FF2B5EF4-FFF2-40B4-BE49-F238E27FC236}">
+                  <a16:creationId xmlns:a16="http://schemas.microsoft.com/office/drawing/2014/main" id="{CCDEE902-F410-454A-92FB-696517004897}"/>
+                </a:ext>
+              </a:extLst>
+            </p:cNvPr>
+            <p:cNvSpPr txBox="1"/>
+            <p:nvPr/>
+          </p:nvSpPr>
+          <p:spPr>
+            <a:xfrm>
+              <a:off x="15729161" y="4480841"/>
+              <a:ext cx="778213" cy="646331"/>
+            </a:xfrm>
+            <a:prstGeom prst="rect">
+              <a:avLst/>
+            </a:prstGeom>
+            <a:noFill/>
+          </p:spPr>
+          <p:txBody>
+            <a:bodyPr wrap="square" rtlCol="0">
+              <a:spAutoFit/>
+            </a:bodyPr>
+            <a:lstStyle/>
+            <a:p>
+              <a:pPr algn="ctr"/>
+              <a:r>
+                <a:rPr lang="en-US" sz="3600" dirty="0"/>
+                <a:t>d</a:t>
+              </a:r>
+            </a:p>
+          </p:txBody>
+        </p:sp>
+        <p:pic>
+          <p:nvPicPr>
+            <p:cNvPr id="20" name="Picture 19">
+              <a:extLst>
+                <a:ext uri="{FF2B5EF4-FFF2-40B4-BE49-F238E27FC236}">
+                  <a16:creationId xmlns:a16="http://schemas.microsoft.com/office/drawing/2014/main" id="{3A77A1A6-993A-6B4E-892D-FB11D4A35CB6}"/>
+                </a:ext>
+              </a:extLst>
+            </p:cNvPr>
+            <p:cNvPicPr>
+              <a:picLocks noChangeAspect="1"/>
+            </p:cNvPicPr>
+            <p:nvPr/>
+          </p:nvPicPr>
+          <p:blipFill>
+            <a:blip r:embed="rId7"/>
+            <a:stretch>
+              <a:fillRect/>
+            </a:stretch>
+          </p:blipFill>
+          <p:spPr>
+            <a:xfrm>
+              <a:off x="5293179" y="8091715"/>
+              <a:ext cx="5524500" cy="3759200"/>
+            </a:xfrm>
+            <a:prstGeom prst="rect">
+              <a:avLst/>
+            </a:prstGeom>
+          </p:spPr>
+        </p:pic>
+        <p:pic>
+          <p:nvPicPr>
+            <p:cNvPr id="27" name="Picture 26">
+              <a:extLst>
+                <a:ext uri="{FF2B5EF4-FFF2-40B4-BE49-F238E27FC236}">
+                  <a16:creationId xmlns:a16="http://schemas.microsoft.com/office/drawing/2014/main" id="{644F9FBF-2354-054D-A189-2335E01CA239}"/>
+                </a:ext>
+              </a:extLst>
+            </p:cNvPr>
+            <p:cNvPicPr>
+              <a:picLocks noChangeAspect="1"/>
+            </p:cNvPicPr>
+            <p:nvPr/>
+          </p:nvPicPr>
+          <p:blipFill>
+            <a:blip r:embed="rId8"/>
+            <a:stretch>
+              <a:fillRect/>
+            </a:stretch>
+          </p:blipFill>
+          <p:spPr>
+            <a:xfrm>
+              <a:off x="11323865" y="8091715"/>
+              <a:ext cx="5524500" cy="3759200"/>
+            </a:xfrm>
+            <a:prstGeom prst="rect">
+              <a:avLst/>
+            </a:prstGeom>
+          </p:spPr>
+        </p:pic>
+        <p:sp>
+          <p:nvSpPr>
+            <p:cNvPr id="34" name="TextBox 33">
+              <a:extLst>
+                <a:ext uri="{FF2B5EF4-FFF2-40B4-BE49-F238E27FC236}">
+                  <a16:creationId xmlns:a16="http://schemas.microsoft.com/office/drawing/2014/main" id="{4FA18911-EEE8-A54C-8201-3D193B4A3EA4}"/>
+                </a:ext>
+              </a:extLst>
+            </p:cNvPr>
+            <p:cNvSpPr txBox="1"/>
+            <p:nvPr/>
+          </p:nvSpPr>
+          <p:spPr>
+            <a:xfrm>
+              <a:off x="9698475" y="8386776"/>
+              <a:ext cx="778213" cy="646331"/>
+            </a:xfrm>
+            <a:prstGeom prst="rect">
+              <a:avLst/>
+            </a:prstGeom>
+            <a:noFill/>
+          </p:spPr>
+          <p:txBody>
+            <a:bodyPr wrap="square" rtlCol="0">
+              <a:spAutoFit/>
+            </a:bodyPr>
+            <a:lstStyle/>
+            <a:p>
+              <a:pPr algn="ctr"/>
+              <a:r>
+                <a:rPr lang="en-US" sz="3600" dirty="0"/>
+                <a:t>e</a:t>
+              </a:r>
+            </a:p>
+          </p:txBody>
+        </p:sp>
+        <p:sp>
+          <p:nvSpPr>
+            <p:cNvPr id="35" name="TextBox 34">
+              <a:extLst>
+                <a:ext uri="{FF2B5EF4-FFF2-40B4-BE49-F238E27FC236}">
+                  <a16:creationId xmlns:a16="http://schemas.microsoft.com/office/drawing/2014/main" id="{03600551-5CAE-EE48-93E8-7EA0CC4C40E1}"/>
+                </a:ext>
+              </a:extLst>
+            </p:cNvPr>
+            <p:cNvSpPr txBox="1"/>
+            <p:nvPr/>
+          </p:nvSpPr>
+          <p:spPr>
+            <a:xfrm>
+              <a:off x="15729160" y="8386776"/>
+              <a:ext cx="778213" cy="646331"/>
+            </a:xfrm>
+            <a:prstGeom prst="rect">
+              <a:avLst/>
+            </a:prstGeom>
+            <a:noFill/>
+          </p:spPr>
+          <p:txBody>
+            <a:bodyPr wrap="square" rtlCol="0">
+              <a:spAutoFit/>
+            </a:bodyPr>
+            <a:lstStyle/>
+            <a:p>
+              <a:pPr algn="ctr"/>
+              <a:r>
+                <a:rPr lang="en-US" sz="3600" dirty="0"/>
+                <a:t>f</a:t>
+              </a:r>
+            </a:p>
+          </p:txBody>
+        </p:sp>
+        <p:pic>
+          <p:nvPicPr>
+            <p:cNvPr id="37" name="Picture 36">
+              <a:extLst>
+                <a:ext uri="{FF2B5EF4-FFF2-40B4-BE49-F238E27FC236}">
+                  <a16:creationId xmlns:a16="http://schemas.microsoft.com/office/drawing/2014/main" id="{7DF95B10-A614-284A-AF73-C6598FF86272}"/>
+                </a:ext>
+              </a:extLst>
+            </p:cNvPr>
+            <p:cNvPicPr>
+              <a:picLocks noChangeAspect="1"/>
+            </p:cNvPicPr>
+            <p:nvPr/>
+          </p:nvPicPr>
+          <p:blipFill>
+            <a:blip r:embed="rId9"/>
+            <a:stretch>
+              <a:fillRect/>
+            </a:stretch>
+          </p:blipFill>
+          <p:spPr>
+            <a:xfrm>
+              <a:off x="5293179" y="12003315"/>
+              <a:ext cx="5524500" cy="3759200"/>
+            </a:xfrm>
+            <a:prstGeom prst="rect">
+              <a:avLst/>
+            </a:prstGeom>
+          </p:spPr>
+        </p:pic>
+        <p:pic>
+          <p:nvPicPr>
+            <p:cNvPr id="39" name="Picture 38">
+              <a:extLst>
+                <a:ext uri="{FF2B5EF4-FFF2-40B4-BE49-F238E27FC236}">
+                  <a16:creationId xmlns:a16="http://schemas.microsoft.com/office/drawing/2014/main" id="{2A83E70B-0462-3B4F-B29F-07CECCB35B68}"/>
+                </a:ext>
+              </a:extLst>
+            </p:cNvPr>
+            <p:cNvPicPr>
+              <a:picLocks noChangeAspect="1"/>
+            </p:cNvPicPr>
+            <p:nvPr/>
+          </p:nvPicPr>
+          <p:blipFill>
+            <a:blip r:embed="rId10"/>
+            <a:stretch>
+              <a:fillRect/>
+            </a:stretch>
+          </p:blipFill>
+          <p:spPr>
+            <a:xfrm>
+              <a:off x="11323865" y="12003315"/>
+              <a:ext cx="5524500" cy="3759200"/>
+            </a:xfrm>
+            <a:prstGeom prst="rect">
+              <a:avLst/>
+            </a:prstGeom>
+          </p:spPr>
+        </p:pic>
+        <p:sp>
+          <p:nvSpPr>
+            <p:cNvPr id="40" name="TextBox 39">
+              <a:extLst>
+                <a:ext uri="{FF2B5EF4-FFF2-40B4-BE49-F238E27FC236}">
+                  <a16:creationId xmlns:a16="http://schemas.microsoft.com/office/drawing/2014/main" id="{04D201ED-EF57-0C4B-A716-AADD8E04E59A}"/>
+                </a:ext>
+              </a:extLst>
+            </p:cNvPr>
+            <p:cNvSpPr txBox="1"/>
+            <p:nvPr/>
+          </p:nvSpPr>
+          <p:spPr>
+            <a:xfrm>
+              <a:off x="9698474" y="12290322"/>
+              <a:ext cx="778213" cy="646331"/>
+            </a:xfrm>
+            <a:prstGeom prst="rect">
+              <a:avLst/>
+            </a:prstGeom>
+            <a:noFill/>
+          </p:spPr>
+          <p:txBody>
+            <a:bodyPr wrap="square" rtlCol="0">
+              <a:spAutoFit/>
+            </a:bodyPr>
+            <a:lstStyle/>
+            <a:p>
+              <a:pPr algn="ctr"/>
+              <a:r>
+                <a:rPr lang="en-US" sz="3600" dirty="0"/>
+                <a:t>g</a:t>
+              </a:r>
+            </a:p>
+          </p:txBody>
+        </p:sp>
+        <p:sp>
+          <p:nvSpPr>
+            <p:cNvPr id="41" name="TextBox 40">
+              <a:extLst>
+                <a:ext uri="{FF2B5EF4-FFF2-40B4-BE49-F238E27FC236}">
+                  <a16:creationId xmlns:a16="http://schemas.microsoft.com/office/drawing/2014/main" id="{3F150052-5187-9B41-852C-03E7B69E6A02}"/>
+                </a:ext>
+              </a:extLst>
+            </p:cNvPr>
+            <p:cNvSpPr txBox="1"/>
+            <p:nvPr/>
+          </p:nvSpPr>
+          <p:spPr>
+            <a:xfrm>
+              <a:off x="15729159" y="12290322"/>
+              <a:ext cx="778213" cy="646331"/>
+            </a:xfrm>
+            <a:prstGeom prst="rect">
+              <a:avLst/>
+            </a:prstGeom>
+            <a:noFill/>
+          </p:spPr>
+          <p:txBody>
+            <a:bodyPr wrap="square" rtlCol="0">
+              <a:spAutoFit/>
+            </a:bodyPr>
+            <a:lstStyle/>
+            <a:p>
+              <a:pPr algn="ctr"/>
+              <a:r>
+                <a:rPr lang="en-US" sz="3600" dirty="0"/>
+                <a:t>h</a:t>
+              </a:r>
+            </a:p>
+          </p:txBody>
+        </p:sp>
+      </p:grpSp>
+    </p:spTree>
+    <p:extLst>
+      <p:ext uri="{BB962C8B-B14F-4D97-AF65-F5344CB8AC3E}">
+        <p14:creationId xmlns:p14="http://schemas.microsoft.com/office/powerpoint/2010/main" val="233301145"/>
+      </p:ext>
+    </p:extLst>
+  </p:cSld>
+  <p:clrMapOvr>
+    <a:masterClrMapping/>
+  </p:clrMapOvr>
+</p:sld>
+</file>
+
+<file path=ppt/slides/slide5.xml><?xml version="1.0" encoding="utf-8"?>
+<p:sld xmlns:a="http://schemas.openxmlformats.org/drawingml/2006/main" xmlns:r="http://schemas.openxmlformats.org/officeDocument/2006/relationships" xmlns:p="http://schemas.openxmlformats.org/presentationml/2006/main">
+  <p:cSld>
+    <p:spTree>
+      <p:nvGrpSpPr>
+        <p:cNvPr id="1" name=""/>
+        <p:cNvGrpSpPr/>
+        <p:nvPr/>
+      </p:nvGrpSpPr>
+      <p:grpSpPr>
+        <a:xfrm>
+          <a:off x="0" y="0"/>
+          <a:ext cx="0" cy="0"/>
+          <a:chOff x="0" y="0"/>
+          <a:chExt cx="0" cy="0"/>
+        </a:xfrm>
+      </p:grpSpPr>
+      <p:grpSp>
+        <p:nvGrpSpPr>
+          <p:cNvPr id="26" name="Group 25">
+            <a:extLst>
+              <a:ext uri="{FF2B5EF4-FFF2-40B4-BE49-F238E27FC236}">
+                <a16:creationId xmlns:a16="http://schemas.microsoft.com/office/drawing/2014/main" id="{BF8B3904-9732-FB45-8188-678C54C10490}"/>
+              </a:ext>
+            </a:extLst>
+          </p:cNvPr>
+          <p:cNvGrpSpPr/>
+          <p:nvPr/>
+        </p:nvGrpSpPr>
+        <p:grpSpPr>
+          <a:xfrm>
+            <a:off x="5448300" y="471714"/>
+            <a:ext cx="11378293" cy="15567049"/>
+            <a:chOff x="5448300" y="449943"/>
+            <a:chExt cx="11378293" cy="15567049"/>
+          </a:xfrm>
+        </p:grpSpPr>
+        <p:pic>
+          <p:nvPicPr>
+            <p:cNvPr id="4" name="Picture 3">
+              <a:extLst>
+                <a:ext uri="{FF2B5EF4-FFF2-40B4-BE49-F238E27FC236}">
+                  <a16:creationId xmlns:a16="http://schemas.microsoft.com/office/drawing/2014/main" id="{A5343D0B-7C69-2F47-A525-6A9D25EC1859}"/>
+                </a:ext>
+              </a:extLst>
+            </p:cNvPr>
+            <p:cNvPicPr>
+              <a:picLocks noChangeAspect="1"/>
+            </p:cNvPicPr>
+            <p:nvPr/>
+          </p:nvPicPr>
+          <p:blipFill>
+            <a:blip r:embed="rId3"/>
+            <a:stretch>
+              <a:fillRect/>
+            </a:stretch>
+          </p:blipFill>
+          <p:spPr>
+            <a:xfrm>
+              <a:off x="5448300" y="462643"/>
+              <a:ext cx="5524500" cy="3733800"/>
+            </a:xfrm>
+            <a:prstGeom prst="rect">
+              <a:avLst/>
+            </a:prstGeom>
+          </p:spPr>
+        </p:pic>
+        <p:sp>
+          <p:nvSpPr>
+            <p:cNvPr id="10" name="TextBox 9">
+              <a:extLst>
+                <a:ext uri="{FF2B5EF4-FFF2-40B4-BE49-F238E27FC236}">
+                  <a16:creationId xmlns:a16="http://schemas.microsoft.com/office/drawing/2014/main" id="{E1E546EC-77F7-0F42-B69A-6AF42C820633}"/>
+                </a:ext>
+              </a:extLst>
+            </p:cNvPr>
+            <p:cNvSpPr txBox="1"/>
+            <p:nvPr/>
+          </p:nvSpPr>
+          <p:spPr>
+            <a:xfrm>
+              <a:off x="9872647" y="643626"/>
+              <a:ext cx="778213" cy="646331"/>
+            </a:xfrm>
+            <a:prstGeom prst="rect">
+              <a:avLst/>
+            </a:prstGeom>
+            <a:noFill/>
+          </p:spPr>
+          <p:txBody>
+            <a:bodyPr wrap="square" rtlCol="0">
+              <a:spAutoFit/>
+            </a:bodyPr>
+            <a:lstStyle/>
+            <a:p>
+              <a:pPr algn="ctr"/>
+              <a:r>
+                <a:rPr lang="en-US" sz="3600" dirty="0"/>
+                <a:t>a</a:t>
+              </a:r>
+            </a:p>
+          </p:txBody>
+        </p:sp>
+        <p:pic>
+          <p:nvPicPr>
+            <p:cNvPr id="7" name="Picture 6">
+              <a:extLst>
+                <a:ext uri="{FF2B5EF4-FFF2-40B4-BE49-F238E27FC236}">
+                  <a16:creationId xmlns:a16="http://schemas.microsoft.com/office/drawing/2014/main" id="{4F724C1B-B268-D94E-AC63-50C96DB50D2C}"/>
+                </a:ext>
+              </a:extLst>
+            </p:cNvPr>
+            <p:cNvPicPr>
+              <a:picLocks noChangeAspect="1"/>
+            </p:cNvPicPr>
+            <p:nvPr/>
+          </p:nvPicPr>
+          <p:blipFill>
+            <a:blip r:embed="rId4"/>
+            <a:stretch>
+              <a:fillRect/>
+            </a:stretch>
+          </p:blipFill>
+          <p:spPr>
+            <a:xfrm>
+              <a:off x="11302093" y="449943"/>
+              <a:ext cx="5524500" cy="3759200"/>
+            </a:xfrm>
+            <a:prstGeom prst="rect">
+              <a:avLst/>
+            </a:prstGeom>
+          </p:spPr>
+        </p:pic>
+        <p:sp>
+          <p:nvSpPr>
+            <p:cNvPr id="23" name="TextBox 22">
+              <a:extLst>
+                <a:ext uri="{FF2B5EF4-FFF2-40B4-BE49-F238E27FC236}">
+                  <a16:creationId xmlns:a16="http://schemas.microsoft.com/office/drawing/2014/main" id="{09B68531-60E1-0943-AFCD-AF8F3E3295B9}"/>
+                </a:ext>
+              </a:extLst>
+            </p:cNvPr>
+            <p:cNvSpPr txBox="1"/>
+            <p:nvPr/>
+          </p:nvSpPr>
+          <p:spPr>
+            <a:xfrm>
+              <a:off x="15729161" y="643626"/>
+              <a:ext cx="778213" cy="646331"/>
+            </a:xfrm>
+            <a:prstGeom prst="rect">
+              <a:avLst/>
+            </a:prstGeom>
+            <a:noFill/>
+          </p:spPr>
+          <p:txBody>
+            <a:bodyPr wrap="square" rtlCol="0">
+              <a:spAutoFit/>
+            </a:bodyPr>
+            <a:lstStyle/>
+            <a:p>
+              <a:pPr algn="ctr"/>
+              <a:r>
+                <a:rPr lang="en-US" sz="3600" dirty="0"/>
+                <a:t>b</a:t>
+              </a:r>
+            </a:p>
+          </p:txBody>
+        </p:sp>
+        <p:pic>
+          <p:nvPicPr>
+            <p:cNvPr id="11" name="Picture 10">
+              <a:extLst>
+                <a:ext uri="{FF2B5EF4-FFF2-40B4-BE49-F238E27FC236}">
+                  <a16:creationId xmlns:a16="http://schemas.microsoft.com/office/drawing/2014/main" id="{7FFE9E05-49CF-0641-9CA9-90591BACE6EB}"/>
+                </a:ext>
+              </a:extLst>
+            </p:cNvPr>
+            <p:cNvPicPr>
+              <a:picLocks noChangeAspect="1"/>
+            </p:cNvPicPr>
+            <p:nvPr/>
+          </p:nvPicPr>
+          <p:blipFill>
+            <a:blip r:embed="rId5"/>
+            <a:stretch>
+              <a:fillRect/>
+            </a:stretch>
+          </p:blipFill>
+          <p:spPr>
+            <a:xfrm>
+              <a:off x="5448300" y="4377426"/>
+              <a:ext cx="5524500" cy="3759200"/>
+            </a:xfrm>
+            <a:prstGeom prst="rect">
+              <a:avLst/>
+            </a:prstGeom>
+          </p:spPr>
+        </p:pic>
+        <p:pic>
+          <p:nvPicPr>
+            <p:cNvPr id="13" name="Picture 12">
+              <a:extLst>
+                <a:ext uri="{FF2B5EF4-FFF2-40B4-BE49-F238E27FC236}">
+                  <a16:creationId xmlns:a16="http://schemas.microsoft.com/office/drawing/2014/main" id="{9C3D6E97-1EB2-5546-BD4E-576B4FB0704F}"/>
+                </a:ext>
+              </a:extLst>
+            </p:cNvPr>
+            <p:cNvPicPr>
+              <a:picLocks noChangeAspect="1"/>
+            </p:cNvPicPr>
+            <p:nvPr/>
+          </p:nvPicPr>
+          <p:blipFill>
+            <a:blip r:embed="rId6"/>
+            <a:stretch>
+              <a:fillRect/>
+            </a:stretch>
+          </p:blipFill>
+          <p:spPr>
+            <a:xfrm>
+              <a:off x="11302093" y="4377426"/>
+              <a:ext cx="5524500" cy="3759200"/>
+            </a:xfrm>
+            <a:prstGeom prst="rect">
+              <a:avLst/>
+            </a:prstGeom>
+          </p:spPr>
+        </p:pic>
+        <p:sp>
+          <p:nvSpPr>
+            <p:cNvPr id="28" name="TextBox 27">
+              <a:extLst>
+                <a:ext uri="{FF2B5EF4-FFF2-40B4-BE49-F238E27FC236}">
+                  <a16:creationId xmlns:a16="http://schemas.microsoft.com/office/drawing/2014/main" id="{9C8A8802-CF44-064F-8200-320D03F74146}"/>
+                </a:ext>
+              </a:extLst>
+            </p:cNvPr>
+            <p:cNvSpPr txBox="1"/>
+            <p:nvPr/>
+          </p:nvSpPr>
+          <p:spPr>
+            <a:xfrm>
+              <a:off x="9872647" y="4680189"/>
+              <a:ext cx="778213" cy="646331"/>
+            </a:xfrm>
+            <a:prstGeom prst="rect">
+              <a:avLst/>
+            </a:prstGeom>
+            <a:noFill/>
+          </p:spPr>
+          <p:txBody>
+            <a:bodyPr wrap="square" rtlCol="0">
+              <a:spAutoFit/>
+            </a:bodyPr>
+            <a:lstStyle/>
+            <a:p>
+              <a:pPr algn="ctr"/>
+              <a:r>
+                <a:rPr lang="en-US" sz="3600" dirty="0"/>
+                <a:t>c</a:t>
+              </a:r>
+            </a:p>
+          </p:txBody>
+        </p:sp>
+        <p:sp>
+          <p:nvSpPr>
+            <p:cNvPr id="29" name="TextBox 28">
+              <a:extLst>
+                <a:ext uri="{FF2B5EF4-FFF2-40B4-BE49-F238E27FC236}">
+                  <a16:creationId xmlns:a16="http://schemas.microsoft.com/office/drawing/2014/main" id="{3DDF2C55-AE86-3546-9EAC-1D313CEA55D9}"/>
+                </a:ext>
+              </a:extLst>
+            </p:cNvPr>
+            <p:cNvSpPr txBox="1"/>
+            <p:nvPr/>
+          </p:nvSpPr>
+          <p:spPr>
+            <a:xfrm>
+              <a:off x="15729160" y="4680188"/>
+              <a:ext cx="778213" cy="646331"/>
+            </a:xfrm>
+            <a:prstGeom prst="rect">
+              <a:avLst/>
+            </a:prstGeom>
+            <a:noFill/>
+          </p:spPr>
+          <p:txBody>
+            <a:bodyPr wrap="square" rtlCol="0">
+              <a:spAutoFit/>
+            </a:bodyPr>
+            <a:lstStyle/>
+            <a:p>
+              <a:pPr algn="ctr"/>
+              <a:r>
+                <a:rPr lang="en-US" sz="3600" dirty="0"/>
+                <a:t>d</a:t>
+              </a:r>
+            </a:p>
+          </p:txBody>
+        </p:sp>
+        <p:pic>
+          <p:nvPicPr>
+            <p:cNvPr id="16" name="Picture 15">
+              <a:extLst>
+                <a:ext uri="{FF2B5EF4-FFF2-40B4-BE49-F238E27FC236}">
+                  <a16:creationId xmlns:a16="http://schemas.microsoft.com/office/drawing/2014/main" id="{2608EA28-E9C3-4947-89CF-63F87B40089D}"/>
+                </a:ext>
+              </a:extLst>
+            </p:cNvPr>
+            <p:cNvPicPr>
+              <a:picLocks noChangeAspect="1"/>
+            </p:cNvPicPr>
+            <p:nvPr/>
+          </p:nvPicPr>
+          <p:blipFill>
+            <a:blip r:embed="rId7"/>
+            <a:stretch>
+              <a:fillRect/>
+            </a:stretch>
+          </p:blipFill>
+          <p:spPr>
+            <a:xfrm>
+              <a:off x="5448300" y="8317609"/>
+              <a:ext cx="5524500" cy="3759200"/>
+            </a:xfrm>
+            <a:prstGeom prst="rect">
+              <a:avLst/>
+            </a:prstGeom>
+          </p:spPr>
+        </p:pic>
+        <p:pic>
+          <p:nvPicPr>
+            <p:cNvPr id="18" name="Picture 17">
+              <a:extLst>
+                <a:ext uri="{FF2B5EF4-FFF2-40B4-BE49-F238E27FC236}">
+                  <a16:creationId xmlns:a16="http://schemas.microsoft.com/office/drawing/2014/main" id="{9E00DB23-E296-114D-B528-4F59CDC2668A}"/>
+                </a:ext>
+              </a:extLst>
+            </p:cNvPr>
+            <p:cNvPicPr>
+              <a:picLocks noChangeAspect="1"/>
+            </p:cNvPicPr>
+            <p:nvPr/>
+          </p:nvPicPr>
+          <p:blipFill>
+            <a:blip r:embed="rId8"/>
+            <a:stretch>
+              <a:fillRect/>
+            </a:stretch>
+          </p:blipFill>
+          <p:spPr>
+            <a:xfrm>
+              <a:off x="11302093" y="8317609"/>
+              <a:ext cx="5524500" cy="3759200"/>
+            </a:xfrm>
+            <a:prstGeom prst="rect">
+              <a:avLst/>
+            </a:prstGeom>
+          </p:spPr>
+        </p:pic>
+        <p:sp>
+          <p:nvSpPr>
+            <p:cNvPr id="36" name="TextBox 35">
+              <a:extLst>
+                <a:ext uri="{FF2B5EF4-FFF2-40B4-BE49-F238E27FC236}">
+                  <a16:creationId xmlns:a16="http://schemas.microsoft.com/office/drawing/2014/main" id="{489A0882-BE83-994F-8F35-913C578F8EA3}"/>
+                </a:ext>
+              </a:extLst>
+            </p:cNvPr>
+            <p:cNvSpPr txBox="1"/>
+            <p:nvPr/>
+          </p:nvSpPr>
+          <p:spPr>
+            <a:xfrm>
+              <a:off x="9872647" y="8572182"/>
+              <a:ext cx="778213" cy="646331"/>
+            </a:xfrm>
+            <a:prstGeom prst="rect">
+              <a:avLst/>
+            </a:prstGeom>
+            <a:noFill/>
+          </p:spPr>
+          <p:txBody>
+            <a:bodyPr wrap="square" rtlCol="0">
+              <a:spAutoFit/>
+            </a:bodyPr>
+            <a:lstStyle/>
+            <a:p>
+              <a:pPr algn="ctr"/>
+              <a:r>
+                <a:rPr lang="en-US" sz="3600" dirty="0"/>
+                <a:t>e</a:t>
+              </a:r>
+            </a:p>
+          </p:txBody>
+        </p:sp>
+        <p:sp>
+          <p:nvSpPr>
+            <p:cNvPr id="38" name="TextBox 37">
+              <a:extLst>
+                <a:ext uri="{FF2B5EF4-FFF2-40B4-BE49-F238E27FC236}">
+                  <a16:creationId xmlns:a16="http://schemas.microsoft.com/office/drawing/2014/main" id="{332F2A98-AD92-794F-9DFE-A3465AF77F7C}"/>
+                </a:ext>
+              </a:extLst>
+            </p:cNvPr>
+            <p:cNvSpPr txBox="1"/>
+            <p:nvPr/>
+          </p:nvSpPr>
+          <p:spPr>
+            <a:xfrm>
+              <a:off x="15729160" y="8572181"/>
+              <a:ext cx="778213" cy="646331"/>
+            </a:xfrm>
+            <a:prstGeom prst="rect">
+              <a:avLst/>
+            </a:prstGeom>
+            <a:noFill/>
+          </p:spPr>
+          <p:txBody>
+            <a:bodyPr wrap="square" rtlCol="0">
+              <a:spAutoFit/>
+            </a:bodyPr>
+            <a:lstStyle/>
+            <a:p>
+              <a:pPr algn="ctr"/>
+              <a:r>
+                <a:rPr lang="en-US" sz="3600" dirty="0"/>
+                <a:t>f</a:t>
+              </a:r>
+            </a:p>
+          </p:txBody>
+        </p:sp>
+        <p:pic>
+          <p:nvPicPr>
+            <p:cNvPr id="21" name="Picture 20">
+              <a:extLst>
+                <a:ext uri="{FF2B5EF4-FFF2-40B4-BE49-F238E27FC236}">
+                  <a16:creationId xmlns:a16="http://schemas.microsoft.com/office/drawing/2014/main" id="{F91AEA56-13B7-204B-9069-378EC95D0EDF}"/>
+                </a:ext>
+              </a:extLst>
+            </p:cNvPr>
+            <p:cNvPicPr>
+              <a:picLocks noChangeAspect="1"/>
+            </p:cNvPicPr>
+            <p:nvPr/>
+          </p:nvPicPr>
+          <p:blipFill>
+            <a:blip r:embed="rId9"/>
+            <a:stretch>
+              <a:fillRect/>
+            </a:stretch>
+          </p:blipFill>
+          <p:spPr>
+            <a:xfrm>
+              <a:off x="5448300" y="12257792"/>
+              <a:ext cx="5524500" cy="3759200"/>
+            </a:xfrm>
+            <a:prstGeom prst="rect">
+              <a:avLst/>
+            </a:prstGeom>
+          </p:spPr>
+        </p:pic>
+        <p:pic>
+          <p:nvPicPr>
+            <p:cNvPr id="24" name="Picture 23">
+              <a:extLst>
+                <a:ext uri="{FF2B5EF4-FFF2-40B4-BE49-F238E27FC236}">
+                  <a16:creationId xmlns:a16="http://schemas.microsoft.com/office/drawing/2014/main" id="{FBA25B89-2C7A-474F-9CD0-C06B6554E591}"/>
+                </a:ext>
+              </a:extLst>
+            </p:cNvPr>
+            <p:cNvPicPr>
+              <a:picLocks noChangeAspect="1"/>
+            </p:cNvPicPr>
+            <p:nvPr/>
+          </p:nvPicPr>
+          <p:blipFill>
+            <a:blip r:embed="rId10"/>
+            <a:stretch>
+              <a:fillRect/>
+            </a:stretch>
+          </p:blipFill>
+          <p:spPr>
+            <a:xfrm>
+              <a:off x="11302093" y="12257792"/>
+              <a:ext cx="5524500" cy="3759200"/>
+            </a:xfrm>
+            <a:prstGeom prst="rect">
+              <a:avLst/>
+            </a:prstGeom>
+          </p:spPr>
+        </p:pic>
+        <p:sp>
+          <p:nvSpPr>
+            <p:cNvPr id="43" name="TextBox 42">
+              <a:extLst>
+                <a:ext uri="{FF2B5EF4-FFF2-40B4-BE49-F238E27FC236}">
+                  <a16:creationId xmlns:a16="http://schemas.microsoft.com/office/drawing/2014/main" id="{073683D8-ED79-844A-B8FD-CC84C1913F50}"/>
+                </a:ext>
+              </a:extLst>
+            </p:cNvPr>
+            <p:cNvSpPr txBox="1"/>
+            <p:nvPr/>
+          </p:nvSpPr>
+          <p:spPr>
+            <a:xfrm>
+              <a:off x="9872646" y="12574242"/>
+              <a:ext cx="778213" cy="646331"/>
+            </a:xfrm>
+            <a:prstGeom prst="rect">
+              <a:avLst/>
+            </a:prstGeom>
+            <a:noFill/>
+          </p:spPr>
+          <p:txBody>
+            <a:bodyPr wrap="square" rtlCol="0">
+              <a:spAutoFit/>
+            </a:bodyPr>
+            <a:lstStyle/>
+            <a:p>
+              <a:pPr algn="ctr"/>
+              <a:r>
+                <a:rPr lang="en-US" sz="3600" dirty="0"/>
+                <a:t>g</a:t>
+              </a:r>
+            </a:p>
+          </p:txBody>
+        </p:sp>
+        <p:sp>
+          <p:nvSpPr>
+            <p:cNvPr id="44" name="TextBox 43">
+              <a:extLst>
+                <a:ext uri="{FF2B5EF4-FFF2-40B4-BE49-F238E27FC236}">
+                  <a16:creationId xmlns:a16="http://schemas.microsoft.com/office/drawing/2014/main" id="{EC83927F-7D2A-5342-9210-A00F4F7FE699}"/>
+                </a:ext>
+              </a:extLst>
+            </p:cNvPr>
+            <p:cNvSpPr txBox="1"/>
+            <p:nvPr/>
+          </p:nvSpPr>
+          <p:spPr>
+            <a:xfrm>
+              <a:off x="15729159" y="12574242"/>
+              <a:ext cx="778213" cy="646331"/>
+            </a:xfrm>
+            <a:prstGeom prst="rect">
+              <a:avLst/>
+            </a:prstGeom>
+            <a:noFill/>
+          </p:spPr>
+          <p:txBody>
+            <a:bodyPr wrap="square" rtlCol="0">
+              <a:spAutoFit/>
+            </a:bodyPr>
+            <a:lstStyle/>
+            <a:p>
+              <a:pPr algn="ctr"/>
+              <a:r>
+                <a:rPr lang="en-US" sz="3600" dirty="0"/>
+                <a:t>h</a:t>
+              </a:r>
+            </a:p>
+          </p:txBody>
+        </p:sp>
+      </p:grpSp>
+    </p:spTree>
+    <p:extLst>
+      <p:ext uri="{BB962C8B-B14F-4D97-AF65-F5344CB8AC3E}">
+        <p14:creationId xmlns:p14="http://schemas.microsoft.com/office/powerpoint/2010/main" val="41977413"/>
       </p:ext>
     </p:extLst>
   </p:cSld>
@@ -7567,4 +10195,299 @@
     </a:ext>
   </a:extLst>
 </a:theme>
+</file>
+
+<file path=ppt/theme/theme2.xml><?xml version="1.0" encoding="utf-8"?>
+<a:theme xmlns:a="http://schemas.openxmlformats.org/drawingml/2006/main" name="Office Theme">
+  <a:themeElements>
+    <a:clrScheme name="Office">
+      <a:dk1>
+        <a:sysClr val="windowText" lastClr="000000"/>
+      </a:dk1>
+      <a:lt1>
+        <a:sysClr val="window" lastClr="FFFFFF"/>
+      </a:lt1>
+      <a:dk2>
+        <a:srgbClr val="44546A"/>
+      </a:dk2>
+      <a:lt2>
+        <a:srgbClr val="E7E6E6"/>
+      </a:lt2>
+      <a:accent1>
+        <a:srgbClr val="4472C4"/>
+      </a:accent1>
+      <a:accent2>
+        <a:srgbClr val="ED7D31"/>
+      </a:accent2>
+      <a:accent3>
+        <a:srgbClr val="A5A5A5"/>
+      </a:accent3>
+      <a:accent4>
+        <a:srgbClr val="FFC000"/>
+      </a:accent4>
+      <a:accent5>
+        <a:srgbClr val="5B9BD5"/>
+      </a:accent5>
+      <a:accent6>
+        <a:srgbClr val="70AD47"/>
+      </a:accent6>
+      <a:hlink>
+        <a:srgbClr val="0563C1"/>
+      </a:hlink>
+      <a:folHlink>
+        <a:srgbClr val="954F72"/>
+      </a:folHlink>
+    </a:clrScheme>
+    <a:fontScheme name="Office">
+      <a:majorFont>
+        <a:latin typeface="Calibri Light" panose="020F0302020204030204"/>
+        <a:ea typeface=""/>
+        <a:cs typeface=""/>
+        <a:font script="Jpan" typeface="游ゴシック Light"/>
+        <a:font script="Hang" typeface="맑은 고딕"/>
+        <a:font script="Hans" typeface="等线 Light"/>
+        <a:font script="Hant" typeface="新細明體"/>
+        <a:font script="Arab" typeface="Times New Roman"/>
+        <a:font script="Hebr" typeface="Times New Roman"/>
+        <a:font script="Thai" typeface="Angsana New"/>
+        <a:font script="Ethi" typeface="Nyala"/>
+        <a:font script="Beng" typeface="Vrinda"/>
+        <a:font script="Gujr" typeface="Shruti"/>
+        <a:font script="Khmr" typeface="MoolBoran"/>
+        <a:font script="Knda" typeface="Tunga"/>
+        <a:font script="Guru" typeface="Raavi"/>
+        <a:font script="Cans" typeface="Euphemia"/>
+        <a:font script="Cher" typeface="Plantagenet Cherokee"/>
+        <a:font script="Yiii" typeface="Microsoft Yi Baiti"/>
+        <a:font script="Tibt" typeface="Microsoft Himalaya"/>
+        <a:font script="Thaa" typeface="MV Boli"/>
+        <a:font script="Deva" typeface="Mangal"/>
+        <a:font script="Telu" typeface="Gautami"/>
+        <a:font script="Taml" typeface="Latha"/>
+        <a:font script="Syrc" typeface="Estrangelo Edessa"/>
+        <a:font script="Orya" typeface="Kalinga"/>
+        <a:font script="Mlym" typeface="Kartika"/>
+        <a:font script="Laoo" typeface="DokChampa"/>
+        <a:font script="Sinh" typeface="Iskoola Pota"/>
+        <a:font script="Mong" typeface="Mongolian Baiti"/>
+        <a:font script="Viet" typeface="Times New Roman"/>
+        <a:font script="Uigh" typeface="Microsoft Uighur"/>
+        <a:font script="Geor" typeface="Sylfaen"/>
+        <a:font script="Armn" typeface="Arial"/>
+        <a:font script="Bugi" typeface="Leelawadee UI"/>
+        <a:font script="Bopo" typeface="Microsoft JhengHei"/>
+        <a:font script="Java" typeface="Javanese Text"/>
+        <a:font script="Lisu" typeface="Segoe UI"/>
+        <a:font script="Mymr" typeface="Myanmar Text"/>
+        <a:font script="Nkoo" typeface="Ebrima"/>
+        <a:font script="Olck" typeface="Nirmala UI"/>
+        <a:font script="Osma" typeface="Ebrima"/>
+        <a:font script="Phag" typeface="Phagspa"/>
+        <a:font script="Syrn" typeface="Estrangelo Edessa"/>
+        <a:font script="Syrj" typeface="Estrangelo Edessa"/>
+        <a:font script="Syre" typeface="Estrangelo Edessa"/>
+        <a:font script="Sora" typeface="Nirmala UI"/>
+        <a:font script="Tale" typeface="Microsoft Tai Le"/>
+        <a:font script="Talu" typeface="Microsoft New Tai Lue"/>
+        <a:font script="Tfng" typeface="Ebrima"/>
+      </a:majorFont>
+      <a:minorFont>
+        <a:latin typeface="Calibri" panose="020F0502020204030204"/>
+        <a:ea typeface=""/>
+        <a:cs typeface=""/>
+        <a:font script="Jpan" typeface="游ゴシック"/>
+        <a:font script="Hang" typeface="맑은 고딕"/>
+        <a:font script="Hans" typeface="等线"/>
+        <a:font script="Hant" typeface="新細明體"/>
+        <a:font script="Arab" typeface="Arial"/>
+        <a:font script="Hebr" typeface="Arial"/>
+        <a:font script="Thai" typeface="Cordia New"/>
+        <a:font script="Ethi" typeface="Nyala"/>
+        <a:font script="Beng" typeface="Vrinda"/>
+        <a:font script="Gujr" typeface="Shruti"/>
+        <a:font script="Khmr" typeface="DaunPenh"/>
+        <a:font script="Knda" typeface="Tunga"/>
+        <a:font script="Guru" typeface="Raavi"/>
+        <a:font script="Cans" typeface="Euphemia"/>
+        <a:font script="Cher" typeface="Plantagenet Cherokee"/>
+        <a:font script="Yiii" typeface="Microsoft Yi Baiti"/>
+        <a:font script="Tibt" typeface="Microsoft Himalaya"/>
+        <a:font script="Thaa" typeface="MV Boli"/>
+        <a:font script="Deva" typeface="Mangal"/>
+        <a:font script="Telu" typeface="Gautami"/>
+        <a:font script="Taml" typeface="Latha"/>
+        <a:font script="Syrc" typeface="Estrangelo Edessa"/>
+        <a:font script="Orya" typeface="Kalinga"/>
+        <a:font script="Mlym" typeface="Kartika"/>
+        <a:font script="Laoo" typeface="DokChampa"/>
+        <a:font script="Sinh" typeface="Iskoola Pota"/>
+        <a:font script="Mong" typeface="Mongolian Baiti"/>
+        <a:font script="Viet" typeface="Arial"/>
+        <a:font script="Uigh" typeface="Microsoft Uighur"/>
+        <a:font script="Geor" typeface="Sylfaen"/>
+        <a:font script="Armn" typeface="Arial"/>
+        <a:font script="Bugi" typeface="Leelawadee UI"/>
+        <a:font script="Bopo" typeface="Microsoft JhengHei"/>
+        <a:font script="Java" typeface="Javanese Text"/>
+        <a:font script="Lisu" typeface="Segoe UI"/>
+        <a:font script="Mymr" typeface="Myanmar Text"/>
+        <a:font script="Nkoo" typeface="Ebrima"/>
+        <a:font script="Olck" typeface="Nirmala UI"/>
+        <a:font script="Osma" typeface="Ebrima"/>
+        <a:font script="Phag" typeface="Phagspa"/>
+        <a:font script="Syrn" typeface="Estrangelo Edessa"/>
+        <a:font script="Syrj" typeface="Estrangelo Edessa"/>
+        <a:font script="Syre" typeface="Estrangelo Edessa"/>
+        <a:font script="Sora" typeface="Nirmala UI"/>
+        <a:font script="Tale" typeface="Microsoft Tai Le"/>
+        <a:font script="Talu" typeface="Microsoft New Tai Lue"/>
+        <a:font script="Tfng" typeface="Ebrima"/>
+      </a:minorFont>
+    </a:fontScheme>
+    <a:fmtScheme name="Office">
+      <a:fillStyleLst>
+        <a:solidFill>
+          <a:schemeClr val="phClr"/>
+        </a:solidFill>
+        <a:gradFill rotWithShape="1">
+          <a:gsLst>
+            <a:gs pos="0">
+              <a:schemeClr val="phClr">
+                <a:lumMod val="110000"/>
+                <a:satMod val="105000"/>
+                <a:tint val="67000"/>
+              </a:schemeClr>
+            </a:gs>
+            <a:gs pos="50000">
+              <a:schemeClr val="phClr">
+                <a:lumMod val="105000"/>
+                <a:satMod val="103000"/>
+                <a:tint val="73000"/>
+              </a:schemeClr>
+            </a:gs>
+            <a:gs pos="100000">
+              <a:schemeClr val="phClr">
+                <a:lumMod val="105000"/>
+                <a:satMod val="109000"/>
+                <a:tint val="81000"/>
+              </a:schemeClr>
+            </a:gs>
+          </a:gsLst>
+          <a:lin ang="5400000" scaled="0"/>
+        </a:gradFill>
+        <a:gradFill rotWithShape="1">
+          <a:gsLst>
+            <a:gs pos="0">
+              <a:schemeClr val="phClr">
+                <a:satMod val="103000"/>
+                <a:lumMod val="102000"/>
+                <a:tint val="94000"/>
+              </a:schemeClr>
+            </a:gs>
+            <a:gs pos="50000">
+              <a:schemeClr val="phClr">
+                <a:satMod val="110000"/>
+                <a:lumMod val="100000"/>
+                <a:shade val="100000"/>
+              </a:schemeClr>
+            </a:gs>
+            <a:gs pos="100000">
+              <a:schemeClr val="phClr">
+                <a:lumMod val="99000"/>
+                <a:satMod val="120000"/>
+                <a:shade val="78000"/>
+              </a:schemeClr>
+            </a:gs>
+          </a:gsLst>
+          <a:lin ang="5400000" scaled="0"/>
+        </a:gradFill>
+      </a:fillStyleLst>
+      <a:lnStyleLst>
+        <a:ln w="6350" cap="flat" cmpd="sng" algn="ctr">
+          <a:solidFill>
+            <a:schemeClr val="phClr"/>
+          </a:solidFill>
+          <a:prstDash val="solid"/>
+          <a:miter lim="800000"/>
+        </a:ln>
+        <a:ln w="12700" cap="flat" cmpd="sng" algn="ctr">
+          <a:solidFill>
+            <a:schemeClr val="phClr"/>
+          </a:solidFill>
+          <a:prstDash val="solid"/>
+          <a:miter lim="800000"/>
+        </a:ln>
+        <a:ln w="19050" cap="flat" cmpd="sng" algn="ctr">
+          <a:solidFill>
+            <a:schemeClr val="phClr"/>
+          </a:solidFill>
+          <a:prstDash val="solid"/>
+          <a:miter lim="800000"/>
+        </a:ln>
+      </a:lnStyleLst>
+      <a:effectStyleLst>
+        <a:effectStyle>
+          <a:effectLst/>
+        </a:effectStyle>
+        <a:effectStyle>
+          <a:effectLst/>
+        </a:effectStyle>
+        <a:effectStyle>
+          <a:effectLst>
+            <a:outerShdw blurRad="57150" dist="19050" dir="5400000" algn="ctr" rotWithShape="0">
+              <a:srgbClr val="000000">
+                <a:alpha val="63000"/>
+              </a:srgbClr>
+            </a:outerShdw>
+          </a:effectLst>
+        </a:effectStyle>
+      </a:effectStyleLst>
+      <a:bgFillStyleLst>
+        <a:solidFill>
+          <a:schemeClr val="phClr"/>
+        </a:solidFill>
+        <a:solidFill>
+          <a:schemeClr val="phClr">
+            <a:tint val="95000"/>
+            <a:satMod val="170000"/>
+          </a:schemeClr>
+        </a:solidFill>
+        <a:gradFill rotWithShape="1">
+          <a:gsLst>
+            <a:gs pos="0">
+              <a:schemeClr val="phClr">
+                <a:tint val="93000"/>
+                <a:satMod val="150000"/>
+                <a:shade val="98000"/>
+                <a:lumMod val="102000"/>
+              </a:schemeClr>
+            </a:gs>
+            <a:gs pos="50000">
+              <a:schemeClr val="phClr">
+                <a:tint val="98000"/>
+                <a:satMod val="130000"/>
+                <a:shade val="90000"/>
+                <a:lumMod val="103000"/>
+              </a:schemeClr>
+            </a:gs>
+            <a:gs pos="100000">
+              <a:schemeClr val="phClr">
+                <a:shade val="63000"/>
+                <a:satMod val="120000"/>
+              </a:schemeClr>
+            </a:gs>
+          </a:gsLst>
+          <a:lin ang="5400000" scaled="0"/>
+        </a:gradFill>
+      </a:bgFillStyleLst>
+    </a:fmtScheme>
+  </a:themeElements>
+  <a:objectDefaults/>
+  <a:extraClrSchemeLst/>
+  <a:extLst>
+    <a:ext uri="{05A4C25C-085E-4340-85A3-A5531E510DB2}">
+      <thm15:themeFamily xmlns:thm15="http://schemas.microsoft.com/office/thememl/2012/main" name="Office Theme" id="{62F939B6-93AF-4DB8-9C6B-D6C7DFDC589F}" vid="{4A3C46E8-61CC-4603-A589-7422A47A8E4A}"/>
+    </a:ext>
+  </a:extLst>
+</a:theme>
 </file>
--- a/modsel/paramest/ModSelAnalysis_FlowDiagram.pptx
+++ b/modsel/paramest/ModSelAnalysis_FlowDiagram.pptx
@@ -5,7 +5,7 @@
     <p:sldMasterId id="2147483756" r:id="rId1"/>
   </p:sldMasterIdLst>
   <p:notesMasterIdLst>
-    <p:notesMasterId r:id="rId7"/>
+    <p:notesMasterId r:id="rId8"/>
   </p:notesMasterIdLst>
   <p:sldIdLst>
     <p:sldId id="256" r:id="rId2"/>
@@ -13,6 +13,7 @@
     <p:sldId id="259" r:id="rId4"/>
     <p:sldId id="260" r:id="rId5"/>
     <p:sldId id="261" r:id="rId6"/>
+    <p:sldId id="262" r:id="rId7"/>
   </p:sldIdLst>
   <p:sldSz cx="21945600" cy="21945600"/>
   <p:notesSz cx="6858000" cy="9144000"/>
@@ -9936,6 +9937,36 @@
 </p:sld>
 </file>
 
+<file path=ppt/slides/slide6.xml><?xml version="1.0" encoding="utf-8"?>
+<p:sld xmlns:a="http://schemas.openxmlformats.org/drawingml/2006/main" xmlns:r="http://schemas.openxmlformats.org/officeDocument/2006/relationships" xmlns:p="http://schemas.openxmlformats.org/presentationml/2006/main">
+  <p:cSld>
+    <p:spTree>
+      <p:nvGrpSpPr>
+        <p:cNvPr id="1" name=""/>
+        <p:cNvGrpSpPr/>
+        <p:nvPr/>
+      </p:nvGrpSpPr>
+      <p:grpSpPr>
+        <a:xfrm>
+          <a:off x="0" y="0"/>
+          <a:ext cx="0" cy="0"/>
+          <a:chOff x="0" y="0"/>
+          <a:chExt cx="0" cy="0"/>
+        </a:xfrm>
+      </p:grpSpPr>
+    </p:spTree>
+    <p:extLst>
+      <p:ext uri="{BB962C8B-B14F-4D97-AF65-F5344CB8AC3E}">
+        <p14:creationId xmlns:p14="http://schemas.microsoft.com/office/powerpoint/2010/main" val="3882129473"/>
+      </p:ext>
+    </p:extLst>
+  </p:cSld>
+  <p:clrMapOvr>
+    <a:masterClrMapping/>
+  </p:clrMapOvr>
+</p:sld>
+</file>
+
 <file path=ppt/theme/theme1.xml><?xml version="1.0" encoding="utf-8"?>
 <a:theme xmlns:a="http://schemas.openxmlformats.org/drawingml/2006/main" name="Office Theme">
   <a:themeElements>

--- a/modsel/paramest/ModSelAnalysis_FlowDiagram.pptx
+++ b/modsel/paramest/ModSelAnalysis_FlowDiagram.pptx
@@ -2,10 +2,10 @@
 <file path=ppt/presentation.xml><?xml version="1.0" encoding="utf-8"?>
 <p:presentation xmlns:a="http://schemas.openxmlformats.org/drawingml/2006/main" xmlns:r="http://schemas.openxmlformats.org/officeDocument/2006/relationships" xmlns:p="http://schemas.openxmlformats.org/presentationml/2006/main" saveSubsetFonts="1" autoCompressPictures="0">
   <p:sldMasterIdLst>
-    <p:sldMasterId id="2147483756" r:id="rId1"/>
+    <p:sldMasterId id="2147483804" r:id="rId1"/>
   </p:sldMasterIdLst>
   <p:notesMasterIdLst>
-    <p:notesMasterId r:id="rId8"/>
+    <p:notesMasterId r:id="rId10"/>
   </p:notesMasterIdLst>
   <p:sldIdLst>
     <p:sldId id="256" r:id="rId2"/>
@@ -14,15 +14,17 @@
     <p:sldId id="260" r:id="rId5"/>
     <p:sldId id="261" r:id="rId6"/>
     <p:sldId id="262" r:id="rId7"/>
+    <p:sldId id="263" r:id="rId8"/>
+    <p:sldId id="264" r:id="rId9"/>
   </p:sldIdLst>
-  <p:sldSz cx="21945600" cy="21945600"/>
+  <p:sldSz cx="47548800" cy="32918400"/>
   <p:notesSz cx="6858000" cy="9144000"/>
   <p:defaultTextStyle>
     <a:defPPr>
       <a:defRPr lang="en-US"/>
     </a:defPPr>
-    <a:lvl1pPr marL="0" algn="l" defTabSz="1219170" rtl="0" eaLnBrk="1" latinLnBrk="0" hangingPunct="1">
-      <a:defRPr sz="2400" kern="1200">
+    <a:lvl1pPr marL="0" algn="l" defTabSz="1828755" rtl="0" eaLnBrk="1" latinLnBrk="0" hangingPunct="1">
+      <a:defRPr sz="3600" kern="1200">
         <a:solidFill>
           <a:schemeClr val="tx1"/>
         </a:solidFill>
@@ -31,8 +33,8 @@
         <a:cs typeface="+mn-cs"/>
       </a:defRPr>
     </a:lvl1pPr>
-    <a:lvl2pPr marL="609585" algn="l" defTabSz="1219170" rtl="0" eaLnBrk="1" latinLnBrk="0" hangingPunct="1">
-      <a:defRPr sz="2400" kern="1200">
+    <a:lvl2pPr marL="914378" algn="l" defTabSz="1828755" rtl="0" eaLnBrk="1" latinLnBrk="0" hangingPunct="1">
+      <a:defRPr sz="3600" kern="1200">
         <a:solidFill>
           <a:schemeClr val="tx1"/>
         </a:solidFill>
@@ -41,8 +43,8 @@
         <a:cs typeface="+mn-cs"/>
       </a:defRPr>
     </a:lvl2pPr>
-    <a:lvl3pPr marL="1219170" algn="l" defTabSz="1219170" rtl="0" eaLnBrk="1" latinLnBrk="0" hangingPunct="1">
-      <a:defRPr sz="2400" kern="1200">
+    <a:lvl3pPr marL="1828755" algn="l" defTabSz="1828755" rtl="0" eaLnBrk="1" latinLnBrk="0" hangingPunct="1">
+      <a:defRPr sz="3600" kern="1200">
         <a:solidFill>
           <a:schemeClr val="tx1"/>
         </a:solidFill>
@@ -51,8 +53,8 @@
         <a:cs typeface="+mn-cs"/>
       </a:defRPr>
     </a:lvl3pPr>
-    <a:lvl4pPr marL="1828754" algn="l" defTabSz="1219170" rtl="0" eaLnBrk="1" latinLnBrk="0" hangingPunct="1">
-      <a:defRPr sz="2400" kern="1200">
+    <a:lvl4pPr marL="2743131" algn="l" defTabSz="1828755" rtl="0" eaLnBrk="1" latinLnBrk="0" hangingPunct="1">
+      <a:defRPr sz="3600" kern="1200">
         <a:solidFill>
           <a:schemeClr val="tx1"/>
         </a:solidFill>
@@ -61,8 +63,8 @@
         <a:cs typeface="+mn-cs"/>
       </a:defRPr>
     </a:lvl4pPr>
-    <a:lvl5pPr marL="2438339" algn="l" defTabSz="1219170" rtl="0" eaLnBrk="1" latinLnBrk="0" hangingPunct="1">
-      <a:defRPr sz="2400" kern="1200">
+    <a:lvl5pPr marL="3657509" algn="l" defTabSz="1828755" rtl="0" eaLnBrk="1" latinLnBrk="0" hangingPunct="1">
+      <a:defRPr sz="3600" kern="1200">
         <a:solidFill>
           <a:schemeClr val="tx1"/>
         </a:solidFill>
@@ -71,8 +73,8 @@
         <a:cs typeface="+mn-cs"/>
       </a:defRPr>
     </a:lvl5pPr>
-    <a:lvl6pPr marL="3047924" algn="l" defTabSz="1219170" rtl="0" eaLnBrk="1" latinLnBrk="0" hangingPunct="1">
-      <a:defRPr sz="2400" kern="1200">
+    <a:lvl6pPr marL="4571886" algn="l" defTabSz="1828755" rtl="0" eaLnBrk="1" latinLnBrk="0" hangingPunct="1">
+      <a:defRPr sz="3600" kern="1200">
         <a:solidFill>
           <a:schemeClr val="tx1"/>
         </a:solidFill>
@@ -81,8 +83,8 @@
         <a:cs typeface="+mn-cs"/>
       </a:defRPr>
     </a:lvl6pPr>
-    <a:lvl7pPr marL="3657509" algn="l" defTabSz="1219170" rtl="0" eaLnBrk="1" latinLnBrk="0" hangingPunct="1">
-      <a:defRPr sz="2400" kern="1200">
+    <a:lvl7pPr marL="5486264" algn="l" defTabSz="1828755" rtl="0" eaLnBrk="1" latinLnBrk="0" hangingPunct="1">
+      <a:defRPr sz="3600" kern="1200">
         <a:solidFill>
           <a:schemeClr val="tx1"/>
         </a:solidFill>
@@ -91,8 +93,8 @@
         <a:cs typeface="+mn-cs"/>
       </a:defRPr>
     </a:lvl7pPr>
-    <a:lvl8pPr marL="4267093" algn="l" defTabSz="1219170" rtl="0" eaLnBrk="1" latinLnBrk="0" hangingPunct="1">
-      <a:defRPr sz="2400" kern="1200">
+    <a:lvl8pPr marL="6400640" algn="l" defTabSz="1828755" rtl="0" eaLnBrk="1" latinLnBrk="0" hangingPunct="1">
+      <a:defRPr sz="3600" kern="1200">
         <a:solidFill>
           <a:schemeClr val="tx1"/>
         </a:solidFill>
@@ -101,8 +103,8 @@
         <a:cs typeface="+mn-cs"/>
       </a:defRPr>
     </a:lvl8pPr>
-    <a:lvl9pPr marL="4876678" algn="l" defTabSz="1219170" rtl="0" eaLnBrk="1" latinLnBrk="0" hangingPunct="1">
-      <a:defRPr sz="2400" kern="1200">
+    <a:lvl9pPr marL="7315017" algn="l" defTabSz="1828755" rtl="0" eaLnBrk="1" latinLnBrk="0" hangingPunct="1">
+      <a:defRPr sz="3600" kern="1200">
         <a:solidFill>
           <a:schemeClr val="tx1"/>
         </a:solidFill>
@@ -115,12 +117,12 @@
   <p:extLst>
     <p:ext uri="{EFAFB233-063F-42B5-8137-9DF3F51BA10A}">
       <p15:sldGuideLst xmlns:p15="http://schemas.microsoft.com/office/powerpoint/2012/main">
-        <p15:guide id="1" orient="horz" pos="6912" userDrawn="1">
+        <p15:guide id="1" orient="horz" pos="10368" userDrawn="1">
           <p15:clr>
             <a:srgbClr val="A4A3A4"/>
           </p15:clr>
         </p15:guide>
-        <p15:guide id="2" pos="6912" userDrawn="1">
+        <p15:guide id="2" pos="14976" userDrawn="1">
           <p15:clr>
             <a:srgbClr val="A4A3A4"/>
           </p15:clr>
@@ -225,7 +227,7 @@
           <a:p>
             <a:fld id="{4F7CD100-96F6-244B-90D1-120180DBD7F9}" type="datetimeFigureOut">
               <a:rPr lang="en-US" smtClean="0"/>
-              <a:t>10/25/22</a:t>
+              <a:t>10/31/22</a:t>
             </a:fld>
             <a:endParaRPr lang="en-US"/>
           </a:p>
@@ -243,8 +245,8 @@
         </p:nvSpPr>
         <p:spPr>
           <a:xfrm>
-            <a:off x="1885950" y="1143000"/>
-            <a:ext cx="3086100" cy="3086100"/>
+            <a:off x="1200150" y="1143000"/>
+            <a:ext cx="4457700" cy="3086100"/>
           </a:xfrm>
           <a:prstGeom prst="rect">
             <a:avLst/>
@@ -398,8 +400,8 @@
   </p:cSld>
   <p:clrMap bg1="lt1" tx1="dk1" bg2="lt2" tx2="dk2" accent1="accent1" accent2="accent2" accent3="accent3" accent4="accent4" accent5="accent5" accent6="accent6" hlink="hlink" folHlink="folHlink"/>
   <p:notesStyle>
-    <a:lvl1pPr marL="0" algn="l" defTabSz="1219170" rtl="0" eaLnBrk="1" latinLnBrk="0" hangingPunct="1">
-      <a:defRPr sz="1600" kern="1200">
+    <a:lvl1pPr marL="0" algn="l" defTabSz="1828755" rtl="0" eaLnBrk="1" latinLnBrk="0" hangingPunct="1">
+      <a:defRPr sz="2400" kern="1200">
         <a:solidFill>
           <a:schemeClr val="tx1"/>
         </a:solidFill>
@@ -408,8 +410,8 @@
         <a:cs typeface="+mn-cs"/>
       </a:defRPr>
     </a:lvl1pPr>
-    <a:lvl2pPr marL="609585" algn="l" defTabSz="1219170" rtl="0" eaLnBrk="1" latinLnBrk="0" hangingPunct="1">
-      <a:defRPr sz="1600" kern="1200">
+    <a:lvl2pPr marL="914378" algn="l" defTabSz="1828755" rtl="0" eaLnBrk="1" latinLnBrk="0" hangingPunct="1">
+      <a:defRPr sz="2400" kern="1200">
         <a:solidFill>
           <a:schemeClr val="tx1"/>
         </a:solidFill>
@@ -418,8 +420,8 @@
         <a:cs typeface="+mn-cs"/>
       </a:defRPr>
     </a:lvl2pPr>
-    <a:lvl3pPr marL="1219170" algn="l" defTabSz="1219170" rtl="0" eaLnBrk="1" latinLnBrk="0" hangingPunct="1">
-      <a:defRPr sz="1600" kern="1200">
+    <a:lvl3pPr marL="1828755" algn="l" defTabSz="1828755" rtl="0" eaLnBrk="1" latinLnBrk="0" hangingPunct="1">
+      <a:defRPr sz="2400" kern="1200">
         <a:solidFill>
           <a:schemeClr val="tx1"/>
         </a:solidFill>
@@ -428,8 +430,8 @@
         <a:cs typeface="+mn-cs"/>
       </a:defRPr>
     </a:lvl3pPr>
-    <a:lvl4pPr marL="1828754" algn="l" defTabSz="1219170" rtl="0" eaLnBrk="1" latinLnBrk="0" hangingPunct="1">
-      <a:defRPr sz="1600" kern="1200">
+    <a:lvl4pPr marL="2743131" algn="l" defTabSz="1828755" rtl="0" eaLnBrk="1" latinLnBrk="0" hangingPunct="1">
+      <a:defRPr sz="2400" kern="1200">
         <a:solidFill>
           <a:schemeClr val="tx1"/>
         </a:solidFill>
@@ -438,8 +440,8 @@
         <a:cs typeface="+mn-cs"/>
       </a:defRPr>
     </a:lvl4pPr>
-    <a:lvl5pPr marL="2438339" algn="l" defTabSz="1219170" rtl="0" eaLnBrk="1" latinLnBrk="0" hangingPunct="1">
-      <a:defRPr sz="1600" kern="1200">
+    <a:lvl5pPr marL="3657509" algn="l" defTabSz="1828755" rtl="0" eaLnBrk="1" latinLnBrk="0" hangingPunct="1">
+      <a:defRPr sz="2400" kern="1200">
         <a:solidFill>
           <a:schemeClr val="tx1"/>
         </a:solidFill>
@@ -448,8 +450,8 @@
         <a:cs typeface="+mn-cs"/>
       </a:defRPr>
     </a:lvl5pPr>
-    <a:lvl6pPr marL="3047924" algn="l" defTabSz="1219170" rtl="0" eaLnBrk="1" latinLnBrk="0" hangingPunct="1">
-      <a:defRPr sz="1600" kern="1200">
+    <a:lvl6pPr marL="4571886" algn="l" defTabSz="1828755" rtl="0" eaLnBrk="1" latinLnBrk="0" hangingPunct="1">
+      <a:defRPr sz="2400" kern="1200">
         <a:solidFill>
           <a:schemeClr val="tx1"/>
         </a:solidFill>
@@ -458,8 +460,8 @@
         <a:cs typeface="+mn-cs"/>
       </a:defRPr>
     </a:lvl6pPr>
-    <a:lvl7pPr marL="3657509" algn="l" defTabSz="1219170" rtl="0" eaLnBrk="1" latinLnBrk="0" hangingPunct="1">
-      <a:defRPr sz="1600" kern="1200">
+    <a:lvl7pPr marL="5486264" algn="l" defTabSz="1828755" rtl="0" eaLnBrk="1" latinLnBrk="0" hangingPunct="1">
+      <a:defRPr sz="2400" kern="1200">
         <a:solidFill>
           <a:schemeClr val="tx1"/>
         </a:solidFill>
@@ -468,8 +470,8 @@
         <a:cs typeface="+mn-cs"/>
       </a:defRPr>
     </a:lvl7pPr>
-    <a:lvl8pPr marL="4267093" algn="l" defTabSz="1219170" rtl="0" eaLnBrk="1" latinLnBrk="0" hangingPunct="1">
-      <a:defRPr sz="1600" kern="1200">
+    <a:lvl8pPr marL="6400640" algn="l" defTabSz="1828755" rtl="0" eaLnBrk="1" latinLnBrk="0" hangingPunct="1">
+      <a:defRPr sz="2400" kern="1200">
         <a:solidFill>
           <a:schemeClr val="tx1"/>
         </a:solidFill>
@@ -478,8 +480,8 @@
         <a:cs typeface="+mn-cs"/>
       </a:defRPr>
     </a:lvl8pPr>
-    <a:lvl9pPr marL="4876678" algn="l" defTabSz="1219170" rtl="0" eaLnBrk="1" latinLnBrk="0" hangingPunct="1">
-      <a:defRPr sz="1600" kern="1200">
+    <a:lvl9pPr marL="7315017" algn="l" defTabSz="1828755" rtl="0" eaLnBrk="1" latinLnBrk="0" hangingPunct="1">
+      <a:defRPr sz="2400" kern="1200">
         <a:solidFill>
           <a:schemeClr val="tx1"/>
         </a:solidFill>
@@ -519,7 +521,12 @@
             <p:ph type="sldImg"/>
           </p:nvPr>
         </p:nvSpPr>
-        <p:spPr/>
+        <p:spPr>
+          <a:xfrm>
+            <a:off x="1200150" y="1143000"/>
+            <a:ext cx="4457700" cy="3086100"/>
+          </a:xfrm>
+        </p:spPr>
       </p:sp>
       <p:sp>
         <p:nvSpPr>
@@ -708,7 +715,12 @@
             <p:ph type="sldImg"/>
           </p:nvPr>
         </p:nvSpPr>
-        <p:spPr/>
+        <p:spPr>
+          <a:xfrm>
+            <a:off x="1200150" y="1143000"/>
+            <a:ext cx="4457700" cy="3086100"/>
+          </a:xfrm>
+        </p:spPr>
       </p:sp>
       <p:sp>
         <p:nvSpPr>
@@ -897,7 +909,12 @@
             <p:ph type="sldImg"/>
           </p:nvPr>
         </p:nvSpPr>
-        <p:spPr/>
+        <p:spPr>
+          <a:xfrm>
+            <a:off x="1200150" y="1143000"/>
+            <a:ext cx="4457700" cy="3086100"/>
+          </a:xfrm>
+        </p:spPr>
       </p:sp>
       <p:sp>
         <p:nvSpPr>
@@ -1050,6 +1067,184 @@
     <p:extLst>
       <p:ext uri="{BB962C8B-B14F-4D97-AF65-F5344CB8AC3E}">
         <p14:creationId xmlns:p14="http://schemas.microsoft.com/office/powerpoint/2010/main" val="787625694"/>
+      </p:ext>
+    </p:extLst>
+  </p:cSld>
+  <p:clrMapOvr>
+    <a:masterClrMapping/>
+  </p:clrMapOvr>
+</p:notes>
+</file>
+
+<file path=ppt/notesSlides/notesSlide4.xml><?xml version="1.0" encoding="utf-8"?>
+<p:notes xmlns:a="http://schemas.openxmlformats.org/drawingml/2006/main" xmlns:r="http://schemas.openxmlformats.org/officeDocument/2006/relationships" xmlns:p="http://schemas.openxmlformats.org/presentationml/2006/main">
+  <p:cSld>
+    <p:spTree>
+      <p:nvGrpSpPr>
+        <p:cNvPr id="1" name=""/>
+        <p:cNvGrpSpPr/>
+        <p:nvPr/>
+      </p:nvGrpSpPr>
+      <p:grpSpPr>
+        <a:xfrm>
+          <a:off x="0" y="0"/>
+          <a:ext cx="0" cy="0"/>
+          <a:chOff x="0" y="0"/>
+          <a:chExt cx="0" cy="0"/>
+        </a:xfrm>
+      </p:grpSpPr>
+      <p:sp>
+        <p:nvSpPr>
+          <p:cNvPr id="2" name="Slide Image Placeholder 1"/>
+          <p:cNvSpPr>
+            <a:spLocks noGrp="1" noRot="1" noChangeAspect="1"/>
+          </p:cNvSpPr>
+          <p:nvPr>
+            <p:ph type="sldImg"/>
+          </p:nvPr>
+        </p:nvSpPr>
+        <p:spPr>
+          <a:xfrm>
+            <a:off x="1200150" y="1143000"/>
+            <a:ext cx="4457700" cy="3086100"/>
+          </a:xfrm>
+        </p:spPr>
+      </p:sp>
+      <p:sp>
+        <p:nvSpPr>
+          <p:cNvPr id="3" name="Notes Placeholder 2"/>
+          <p:cNvSpPr>
+            <a:spLocks noGrp="1"/>
+          </p:cNvSpPr>
+          <p:nvPr>
+            <p:ph type="body" idx="1"/>
+          </p:nvPr>
+        </p:nvSpPr>
+        <p:spPr/>
+        <p:txBody>
+          <a:bodyPr/>
+          <a:lstStyle/>
+          <a:p>
+            <a:endParaRPr lang="en-US" dirty="0"/>
+          </a:p>
+        </p:txBody>
+      </p:sp>
+      <p:sp>
+        <p:nvSpPr>
+          <p:cNvPr id="4" name="Slide Number Placeholder 3"/>
+          <p:cNvSpPr>
+            <a:spLocks noGrp="1"/>
+          </p:cNvSpPr>
+          <p:nvPr>
+            <p:ph type="sldNum" sz="quarter" idx="5"/>
+          </p:nvPr>
+        </p:nvSpPr>
+        <p:spPr/>
+        <p:txBody>
+          <a:bodyPr/>
+          <a:lstStyle/>
+          <a:p>
+            <a:fld id="{679852A8-BD59-3649-AA16-7F990F12058F}" type="slidenum">
+              <a:rPr lang="en-US" smtClean="0"/>
+              <a:t>6</a:t>
+            </a:fld>
+            <a:endParaRPr lang="en-US"/>
+          </a:p>
+        </p:txBody>
+      </p:sp>
+    </p:spTree>
+    <p:extLst>
+      <p:ext uri="{BB962C8B-B14F-4D97-AF65-F5344CB8AC3E}">
+        <p14:creationId xmlns:p14="http://schemas.microsoft.com/office/powerpoint/2010/main" val="3348707900"/>
+      </p:ext>
+    </p:extLst>
+  </p:cSld>
+  <p:clrMapOvr>
+    <a:masterClrMapping/>
+  </p:clrMapOvr>
+</p:notes>
+</file>
+
+<file path=ppt/notesSlides/notesSlide5.xml><?xml version="1.0" encoding="utf-8"?>
+<p:notes xmlns:a="http://schemas.openxmlformats.org/drawingml/2006/main" xmlns:r="http://schemas.openxmlformats.org/officeDocument/2006/relationships" xmlns:p="http://schemas.openxmlformats.org/presentationml/2006/main">
+  <p:cSld>
+    <p:spTree>
+      <p:nvGrpSpPr>
+        <p:cNvPr id="1" name=""/>
+        <p:cNvGrpSpPr/>
+        <p:nvPr/>
+      </p:nvGrpSpPr>
+      <p:grpSpPr>
+        <a:xfrm>
+          <a:off x="0" y="0"/>
+          <a:ext cx="0" cy="0"/>
+          <a:chOff x="0" y="0"/>
+          <a:chExt cx="0" cy="0"/>
+        </a:xfrm>
+      </p:grpSpPr>
+      <p:sp>
+        <p:nvSpPr>
+          <p:cNvPr id="2" name="Slide Image Placeholder 1"/>
+          <p:cNvSpPr>
+            <a:spLocks noGrp="1" noRot="1" noChangeAspect="1"/>
+          </p:cNvSpPr>
+          <p:nvPr>
+            <p:ph type="sldImg"/>
+          </p:nvPr>
+        </p:nvSpPr>
+        <p:spPr>
+          <a:xfrm>
+            <a:off x="1200150" y="1143000"/>
+            <a:ext cx="4457700" cy="3086100"/>
+          </a:xfrm>
+        </p:spPr>
+      </p:sp>
+      <p:sp>
+        <p:nvSpPr>
+          <p:cNvPr id="3" name="Notes Placeholder 2"/>
+          <p:cNvSpPr>
+            <a:spLocks noGrp="1"/>
+          </p:cNvSpPr>
+          <p:nvPr>
+            <p:ph type="body" idx="1"/>
+          </p:nvPr>
+        </p:nvSpPr>
+        <p:spPr/>
+        <p:txBody>
+          <a:bodyPr/>
+          <a:lstStyle/>
+          <a:p>
+            <a:endParaRPr lang="en-US" dirty="0"/>
+          </a:p>
+        </p:txBody>
+      </p:sp>
+      <p:sp>
+        <p:nvSpPr>
+          <p:cNvPr id="4" name="Slide Number Placeholder 3"/>
+          <p:cNvSpPr>
+            <a:spLocks noGrp="1"/>
+          </p:cNvSpPr>
+          <p:nvPr>
+            <p:ph type="sldNum" sz="quarter" idx="5"/>
+          </p:nvPr>
+        </p:nvSpPr>
+        <p:spPr/>
+        <p:txBody>
+          <a:bodyPr/>
+          <a:lstStyle/>
+          <a:p>
+            <a:fld id="{679852A8-BD59-3649-AA16-7F990F12058F}" type="slidenum">
+              <a:rPr lang="en-US" smtClean="0"/>
+              <a:t>8</a:t>
+            </a:fld>
+            <a:endParaRPr lang="en-US"/>
+          </a:p>
+        </p:txBody>
+      </p:sp>
+    </p:spTree>
+    <p:extLst>
+      <p:ext uri="{BB962C8B-B14F-4D97-AF65-F5344CB8AC3E}">
+        <p14:creationId xmlns:p14="http://schemas.microsoft.com/office/powerpoint/2010/main" val="3282421110"/>
       </p:ext>
     </p:extLst>
   </p:cSld>
@@ -1088,15 +1283,15 @@
         </p:nvSpPr>
         <p:spPr>
           <a:xfrm>
-            <a:off x="1645920" y="3591562"/>
-            <a:ext cx="18653760" cy="7640320"/>
+            <a:off x="3566160" y="5387342"/>
+            <a:ext cx="40416480" cy="11460480"/>
           </a:xfrm>
         </p:spPr>
         <p:txBody>
           <a:bodyPr anchor="b"/>
           <a:lstStyle>
             <a:lvl1pPr algn="ctr">
-              <a:defRPr sz="14400"/>
+              <a:defRPr sz="28800"/>
             </a:lvl1pPr>
           </a:lstStyle>
           <a:p>
@@ -1120,8 +1315,8 @@
         </p:nvSpPr>
         <p:spPr>
           <a:xfrm>
-            <a:off x="2743200" y="11526522"/>
-            <a:ext cx="16459200" cy="5298438"/>
+            <a:off x="5943600" y="17289782"/>
+            <a:ext cx="35661600" cy="7947658"/>
           </a:xfrm>
         </p:spPr>
         <p:txBody>
@@ -1129,39 +1324,39 @@
           <a:lstStyle>
             <a:lvl1pPr marL="0" indent="0" algn="ctr">
               <a:buNone/>
-              <a:defRPr sz="5760"/>
+              <a:defRPr sz="11520"/>
             </a:lvl1pPr>
-            <a:lvl2pPr marL="1097280" indent="0" algn="ctr">
+            <a:lvl2pPr marL="2194560" indent="0" algn="ctr">
               <a:buNone/>
-              <a:defRPr sz="4800"/>
+              <a:defRPr sz="9600"/>
             </a:lvl2pPr>
-            <a:lvl3pPr marL="2194560" indent="0" algn="ctr">
+            <a:lvl3pPr marL="4389120" indent="0" algn="ctr">
               <a:buNone/>
-              <a:defRPr sz="4320"/>
+              <a:defRPr sz="8640"/>
             </a:lvl3pPr>
-            <a:lvl4pPr marL="3291840" indent="0" algn="ctr">
+            <a:lvl4pPr marL="6583680" indent="0" algn="ctr">
               <a:buNone/>
-              <a:defRPr sz="3840"/>
+              <a:defRPr sz="7680"/>
             </a:lvl4pPr>
-            <a:lvl5pPr marL="4389120" indent="0" algn="ctr">
+            <a:lvl5pPr marL="8778240" indent="0" algn="ctr">
               <a:buNone/>
-              <a:defRPr sz="3840"/>
+              <a:defRPr sz="7680"/>
             </a:lvl5pPr>
-            <a:lvl6pPr marL="5486400" indent="0" algn="ctr">
+            <a:lvl6pPr marL="10972800" indent="0" algn="ctr">
               <a:buNone/>
-              <a:defRPr sz="3840"/>
+              <a:defRPr sz="7680"/>
             </a:lvl6pPr>
-            <a:lvl7pPr marL="6583680" indent="0" algn="ctr">
+            <a:lvl7pPr marL="13167360" indent="0" algn="ctr">
               <a:buNone/>
-              <a:defRPr sz="3840"/>
+              <a:defRPr sz="7680"/>
             </a:lvl7pPr>
-            <a:lvl8pPr marL="7680960" indent="0" algn="ctr">
+            <a:lvl8pPr marL="15361920" indent="0" algn="ctr">
               <a:buNone/>
-              <a:defRPr sz="3840"/>
+              <a:defRPr sz="7680"/>
             </a:lvl8pPr>
-            <a:lvl9pPr marL="8778240" indent="0" algn="ctr">
+            <a:lvl9pPr marL="17556480" indent="0" algn="ctr">
               <a:buNone/>
-              <a:defRPr sz="3840"/>
+              <a:defRPr sz="7680"/>
             </a:lvl9pPr>
           </a:lstStyle>
           <a:p>
@@ -1190,7 +1385,7 @@
           <a:p>
             <a:fld id="{957CF60C-A504-6447-9F1C-7F75B010BCC6}" type="datetimeFigureOut">
               <a:rPr lang="en-US" smtClean="0"/>
-              <a:t>10/25/22</a:t>
+              <a:t>10/31/22</a:t>
             </a:fld>
             <a:endParaRPr lang="en-US"/>
           </a:p>
@@ -1241,7 +1436,7 @@
     </p:spTree>
     <p:extLst>
       <p:ext uri="{BB962C8B-B14F-4D97-AF65-F5344CB8AC3E}">
-        <p14:creationId xmlns:p14="http://schemas.microsoft.com/office/powerpoint/2010/main" val="2335765885"/>
+        <p14:creationId xmlns:p14="http://schemas.microsoft.com/office/powerpoint/2010/main" val="3385592"/>
       </p:ext>
     </p:extLst>
   </p:cSld>
@@ -1360,7 +1555,7 @@
           <a:p>
             <a:fld id="{957CF60C-A504-6447-9F1C-7F75B010BCC6}" type="datetimeFigureOut">
               <a:rPr lang="en-US" smtClean="0"/>
-              <a:t>10/25/22</a:t>
+              <a:t>10/31/22</a:t>
             </a:fld>
             <a:endParaRPr lang="en-US"/>
           </a:p>
@@ -1411,7 +1606,7 @@
     </p:spTree>
     <p:extLst>
       <p:ext uri="{BB962C8B-B14F-4D97-AF65-F5344CB8AC3E}">
-        <p14:creationId xmlns:p14="http://schemas.microsoft.com/office/powerpoint/2010/main" val="223212506"/>
+        <p14:creationId xmlns:p14="http://schemas.microsoft.com/office/powerpoint/2010/main" val="4203544094"/>
       </p:ext>
     </p:extLst>
   </p:cSld>
@@ -1450,8 +1645,8 @@
         </p:nvSpPr>
         <p:spPr>
           <a:xfrm>
-            <a:off x="15704821" y="1168400"/>
-            <a:ext cx="4732020" cy="18597882"/>
+            <a:off x="34027113" y="1752600"/>
+            <a:ext cx="10252710" cy="27896822"/>
           </a:xfrm>
         </p:spPr>
         <p:txBody>
@@ -1478,8 +1673,8 @@
         </p:nvSpPr>
         <p:spPr>
           <a:xfrm>
-            <a:off x="1508761" y="1168400"/>
-            <a:ext cx="13921740" cy="18597882"/>
+            <a:off x="3268983" y="1752600"/>
+            <a:ext cx="30163770" cy="27896822"/>
           </a:xfrm>
         </p:spPr>
         <p:txBody>
@@ -1540,7 +1735,7 @@
           <a:p>
             <a:fld id="{957CF60C-A504-6447-9F1C-7F75B010BCC6}" type="datetimeFigureOut">
               <a:rPr lang="en-US" smtClean="0"/>
-              <a:t>10/25/22</a:t>
+              <a:t>10/31/22</a:t>
             </a:fld>
             <a:endParaRPr lang="en-US"/>
           </a:p>
@@ -1591,7 +1786,7 @@
     </p:spTree>
     <p:extLst>
       <p:ext uri="{BB962C8B-B14F-4D97-AF65-F5344CB8AC3E}">
-        <p14:creationId xmlns:p14="http://schemas.microsoft.com/office/powerpoint/2010/main" val="3956027520"/>
+        <p14:creationId xmlns:p14="http://schemas.microsoft.com/office/powerpoint/2010/main" val="80459820"/>
       </p:ext>
     </p:extLst>
   </p:cSld>
@@ -1710,7 +1905,7 @@
           <a:p>
             <a:fld id="{957CF60C-A504-6447-9F1C-7F75B010BCC6}" type="datetimeFigureOut">
               <a:rPr lang="en-US" smtClean="0"/>
-              <a:t>10/25/22</a:t>
+              <a:t>10/31/22</a:t>
             </a:fld>
             <a:endParaRPr lang="en-US"/>
           </a:p>
@@ -1761,7 +1956,7 @@
     </p:spTree>
     <p:extLst>
       <p:ext uri="{BB962C8B-B14F-4D97-AF65-F5344CB8AC3E}">
-        <p14:creationId xmlns:p14="http://schemas.microsoft.com/office/powerpoint/2010/main" val="3348123153"/>
+        <p14:creationId xmlns:p14="http://schemas.microsoft.com/office/powerpoint/2010/main" val="1115256725"/>
       </p:ext>
     </p:extLst>
   </p:cSld>
@@ -1800,15 +1995,15 @@
         </p:nvSpPr>
         <p:spPr>
           <a:xfrm>
-            <a:off x="1497331" y="5471167"/>
-            <a:ext cx="18928080" cy="9128758"/>
+            <a:off x="3244218" y="8206749"/>
+            <a:ext cx="41010840" cy="13693138"/>
           </a:xfrm>
         </p:spPr>
         <p:txBody>
           <a:bodyPr anchor="b"/>
           <a:lstStyle>
             <a:lvl1pPr>
-              <a:defRPr sz="14400"/>
+              <a:defRPr sz="28800"/>
             </a:lvl1pPr>
           </a:lstStyle>
           <a:p>
@@ -1832,8 +2027,8 @@
         </p:nvSpPr>
         <p:spPr>
           <a:xfrm>
-            <a:off x="1497331" y="14686287"/>
-            <a:ext cx="18928080" cy="4800598"/>
+            <a:off x="3244218" y="22029429"/>
+            <a:ext cx="41010840" cy="7200898"/>
           </a:xfrm>
         </p:spPr>
         <p:txBody>
@@ -1841,15 +2036,15 @@
           <a:lstStyle>
             <a:lvl1pPr marL="0" indent="0">
               <a:buNone/>
-              <a:defRPr sz="5760">
+              <a:defRPr sz="11520">
                 <a:solidFill>
                   <a:schemeClr val="tx1"/>
                 </a:solidFill>
               </a:defRPr>
             </a:lvl1pPr>
-            <a:lvl2pPr marL="1097280" indent="0">
+            <a:lvl2pPr marL="2194560" indent="0">
               <a:buNone/>
-              <a:defRPr sz="4800">
+              <a:defRPr sz="9600">
                 <a:solidFill>
                   <a:schemeClr val="tx1">
                     <a:tint val="75000"/>
@@ -1857,9 +2052,9 @@
                 </a:solidFill>
               </a:defRPr>
             </a:lvl2pPr>
-            <a:lvl3pPr marL="2194560" indent="0">
+            <a:lvl3pPr marL="4389120" indent="0">
               <a:buNone/>
-              <a:defRPr sz="4320">
+              <a:defRPr sz="8640">
                 <a:solidFill>
                   <a:schemeClr val="tx1">
                     <a:tint val="75000"/>
@@ -1867,9 +2062,9 @@
                 </a:solidFill>
               </a:defRPr>
             </a:lvl3pPr>
-            <a:lvl4pPr marL="3291840" indent="0">
+            <a:lvl4pPr marL="6583680" indent="0">
               <a:buNone/>
-              <a:defRPr sz="3840">
+              <a:defRPr sz="7680">
                 <a:solidFill>
                   <a:schemeClr val="tx1">
                     <a:tint val="75000"/>
@@ -1877,9 +2072,9 @@
                 </a:solidFill>
               </a:defRPr>
             </a:lvl4pPr>
-            <a:lvl5pPr marL="4389120" indent="0">
+            <a:lvl5pPr marL="8778240" indent="0">
               <a:buNone/>
-              <a:defRPr sz="3840">
+              <a:defRPr sz="7680">
                 <a:solidFill>
                   <a:schemeClr val="tx1">
                     <a:tint val="75000"/>
@@ -1887,9 +2082,9 @@
                 </a:solidFill>
               </a:defRPr>
             </a:lvl5pPr>
-            <a:lvl6pPr marL="5486400" indent="0">
+            <a:lvl6pPr marL="10972800" indent="0">
               <a:buNone/>
-              <a:defRPr sz="3840">
+              <a:defRPr sz="7680">
                 <a:solidFill>
                   <a:schemeClr val="tx1">
                     <a:tint val="75000"/>
@@ -1897,9 +2092,9 @@
                 </a:solidFill>
               </a:defRPr>
             </a:lvl6pPr>
-            <a:lvl7pPr marL="6583680" indent="0">
+            <a:lvl7pPr marL="13167360" indent="0">
               <a:buNone/>
-              <a:defRPr sz="3840">
+              <a:defRPr sz="7680">
                 <a:solidFill>
                   <a:schemeClr val="tx1">
                     <a:tint val="75000"/>
@@ -1907,9 +2102,9 @@
                 </a:solidFill>
               </a:defRPr>
             </a:lvl7pPr>
-            <a:lvl8pPr marL="7680960" indent="0">
+            <a:lvl8pPr marL="15361920" indent="0">
               <a:buNone/>
-              <a:defRPr sz="3840">
+              <a:defRPr sz="7680">
                 <a:solidFill>
                   <a:schemeClr val="tx1">
                     <a:tint val="75000"/>
@@ -1917,9 +2112,9 @@
                 </a:solidFill>
               </a:defRPr>
             </a:lvl8pPr>
-            <a:lvl9pPr marL="8778240" indent="0">
+            <a:lvl9pPr marL="17556480" indent="0">
               <a:buNone/>
-              <a:defRPr sz="3840">
+              <a:defRPr sz="7680">
                 <a:solidFill>
                   <a:schemeClr val="tx1">
                     <a:tint val="75000"/>
@@ -1954,7 +2149,7 @@
           <a:p>
             <a:fld id="{957CF60C-A504-6447-9F1C-7F75B010BCC6}" type="datetimeFigureOut">
               <a:rPr lang="en-US" smtClean="0"/>
-              <a:t>10/25/22</a:t>
+              <a:t>10/31/22</a:t>
             </a:fld>
             <a:endParaRPr lang="en-US"/>
           </a:p>
@@ -2005,7 +2200,7 @@
     </p:spTree>
     <p:extLst>
       <p:ext uri="{BB962C8B-B14F-4D97-AF65-F5344CB8AC3E}">
-        <p14:creationId xmlns:p14="http://schemas.microsoft.com/office/powerpoint/2010/main" val="1005659629"/>
+        <p14:creationId xmlns:p14="http://schemas.microsoft.com/office/powerpoint/2010/main" val="211537176"/>
       </p:ext>
     </p:extLst>
   </p:cSld>
@@ -2067,8 +2262,8 @@
         </p:nvSpPr>
         <p:spPr>
           <a:xfrm>
-            <a:off x="1508760" y="5842000"/>
-            <a:ext cx="9326880" cy="13924282"/>
+            <a:off x="3268980" y="8763000"/>
+            <a:ext cx="20208240" cy="20886422"/>
           </a:xfrm>
         </p:spPr>
         <p:txBody>
@@ -2124,8 +2319,8 @@
         </p:nvSpPr>
         <p:spPr>
           <a:xfrm>
-            <a:off x="11109960" y="5842000"/>
-            <a:ext cx="9326880" cy="13924282"/>
+            <a:off x="24071580" y="8763000"/>
+            <a:ext cx="20208240" cy="20886422"/>
           </a:xfrm>
         </p:spPr>
         <p:txBody>
@@ -2186,7 +2381,7 @@
           <a:p>
             <a:fld id="{957CF60C-A504-6447-9F1C-7F75B010BCC6}" type="datetimeFigureOut">
               <a:rPr lang="en-US" smtClean="0"/>
-              <a:t>10/25/22</a:t>
+              <a:t>10/31/22</a:t>
             </a:fld>
             <a:endParaRPr lang="en-US"/>
           </a:p>
@@ -2237,7 +2432,7 @@
     </p:spTree>
     <p:extLst>
       <p:ext uri="{BB962C8B-B14F-4D97-AF65-F5344CB8AC3E}">
-        <p14:creationId xmlns:p14="http://schemas.microsoft.com/office/powerpoint/2010/main" val="965932962"/>
+        <p14:creationId xmlns:p14="http://schemas.microsoft.com/office/powerpoint/2010/main" val="365759922"/>
       </p:ext>
     </p:extLst>
   </p:cSld>
@@ -2276,8 +2471,8 @@
         </p:nvSpPr>
         <p:spPr>
           <a:xfrm>
-            <a:off x="1511618" y="1168405"/>
-            <a:ext cx="18928080" cy="4241802"/>
+            <a:off x="3275173" y="1752607"/>
+            <a:ext cx="41010840" cy="6362702"/>
           </a:xfrm>
         </p:spPr>
         <p:txBody>
@@ -2304,8 +2499,8 @@
         </p:nvSpPr>
         <p:spPr>
           <a:xfrm>
-            <a:off x="1511621" y="5379722"/>
-            <a:ext cx="9284016" cy="2636518"/>
+            <a:off x="3275178" y="8069582"/>
+            <a:ext cx="20115368" cy="3954778"/>
           </a:xfrm>
         </p:spPr>
         <p:txBody>
@@ -2313,39 +2508,39 @@
           <a:lstStyle>
             <a:lvl1pPr marL="0" indent="0">
               <a:buNone/>
-              <a:defRPr sz="5760" b="1"/>
+              <a:defRPr sz="11520" b="1"/>
             </a:lvl1pPr>
-            <a:lvl2pPr marL="1097280" indent="0">
+            <a:lvl2pPr marL="2194560" indent="0">
               <a:buNone/>
-              <a:defRPr sz="4800" b="1"/>
+              <a:defRPr sz="9600" b="1"/>
             </a:lvl2pPr>
-            <a:lvl3pPr marL="2194560" indent="0">
+            <a:lvl3pPr marL="4389120" indent="0">
               <a:buNone/>
-              <a:defRPr sz="4320" b="1"/>
+              <a:defRPr sz="8640" b="1"/>
             </a:lvl3pPr>
-            <a:lvl4pPr marL="3291840" indent="0">
+            <a:lvl4pPr marL="6583680" indent="0">
               <a:buNone/>
-              <a:defRPr sz="3840" b="1"/>
+              <a:defRPr sz="7680" b="1"/>
             </a:lvl4pPr>
-            <a:lvl5pPr marL="4389120" indent="0">
+            <a:lvl5pPr marL="8778240" indent="0">
               <a:buNone/>
-              <a:defRPr sz="3840" b="1"/>
+              <a:defRPr sz="7680" b="1"/>
             </a:lvl5pPr>
-            <a:lvl6pPr marL="5486400" indent="0">
+            <a:lvl6pPr marL="10972800" indent="0">
               <a:buNone/>
-              <a:defRPr sz="3840" b="1"/>
+              <a:defRPr sz="7680" b="1"/>
             </a:lvl6pPr>
-            <a:lvl7pPr marL="6583680" indent="0">
+            <a:lvl7pPr marL="13167360" indent="0">
               <a:buNone/>
-              <a:defRPr sz="3840" b="1"/>
+              <a:defRPr sz="7680" b="1"/>
             </a:lvl7pPr>
-            <a:lvl8pPr marL="7680960" indent="0">
+            <a:lvl8pPr marL="15361920" indent="0">
               <a:buNone/>
-              <a:defRPr sz="3840" b="1"/>
+              <a:defRPr sz="7680" b="1"/>
             </a:lvl8pPr>
-            <a:lvl9pPr marL="8778240" indent="0">
+            <a:lvl9pPr marL="17556480" indent="0">
               <a:buNone/>
-              <a:defRPr sz="3840" b="1"/>
+              <a:defRPr sz="7680" b="1"/>
             </a:lvl9pPr>
           </a:lstStyle>
           <a:p>
@@ -2369,8 +2564,8 @@
         </p:nvSpPr>
         <p:spPr>
           <a:xfrm>
-            <a:off x="1511621" y="8016240"/>
-            <a:ext cx="9284016" cy="11790682"/>
+            <a:off x="3275178" y="12024360"/>
+            <a:ext cx="20115368" cy="17686022"/>
           </a:xfrm>
         </p:spPr>
         <p:txBody>
@@ -2426,8 +2621,8 @@
         </p:nvSpPr>
         <p:spPr>
           <a:xfrm>
-            <a:off x="11109961" y="5379722"/>
-            <a:ext cx="9329738" cy="2636518"/>
+            <a:off x="24071583" y="8069582"/>
+            <a:ext cx="20214433" cy="3954778"/>
           </a:xfrm>
         </p:spPr>
         <p:txBody>
@@ -2435,39 +2630,39 @@
           <a:lstStyle>
             <a:lvl1pPr marL="0" indent="0">
               <a:buNone/>
-              <a:defRPr sz="5760" b="1"/>
+              <a:defRPr sz="11520" b="1"/>
             </a:lvl1pPr>
-            <a:lvl2pPr marL="1097280" indent="0">
+            <a:lvl2pPr marL="2194560" indent="0">
               <a:buNone/>
-              <a:defRPr sz="4800" b="1"/>
+              <a:defRPr sz="9600" b="1"/>
             </a:lvl2pPr>
-            <a:lvl3pPr marL="2194560" indent="0">
+            <a:lvl3pPr marL="4389120" indent="0">
               <a:buNone/>
-              <a:defRPr sz="4320" b="1"/>
+              <a:defRPr sz="8640" b="1"/>
             </a:lvl3pPr>
-            <a:lvl4pPr marL="3291840" indent="0">
+            <a:lvl4pPr marL="6583680" indent="0">
               <a:buNone/>
-              <a:defRPr sz="3840" b="1"/>
+              <a:defRPr sz="7680" b="1"/>
             </a:lvl4pPr>
-            <a:lvl5pPr marL="4389120" indent="0">
+            <a:lvl5pPr marL="8778240" indent="0">
               <a:buNone/>
-              <a:defRPr sz="3840" b="1"/>
+              <a:defRPr sz="7680" b="1"/>
             </a:lvl5pPr>
-            <a:lvl6pPr marL="5486400" indent="0">
+            <a:lvl6pPr marL="10972800" indent="0">
               <a:buNone/>
-              <a:defRPr sz="3840" b="1"/>
+              <a:defRPr sz="7680" b="1"/>
             </a:lvl6pPr>
-            <a:lvl7pPr marL="6583680" indent="0">
+            <a:lvl7pPr marL="13167360" indent="0">
               <a:buNone/>
-              <a:defRPr sz="3840" b="1"/>
+              <a:defRPr sz="7680" b="1"/>
             </a:lvl7pPr>
-            <a:lvl8pPr marL="7680960" indent="0">
+            <a:lvl8pPr marL="15361920" indent="0">
               <a:buNone/>
-              <a:defRPr sz="3840" b="1"/>
+              <a:defRPr sz="7680" b="1"/>
             </a:lvl8pPr>
-            <a:lvl9pPr marL="8778240" indent="0">
+            <a:lvl9pPr marL="17556480" indent="0">
               <a:buNone/>
-              <a:defRPr sz="3840" b="1"/>
+              <a:defRPr sz="7680" b="1"/>
             </a:lvl9pPr>
           </a:lstStyle>
           <a:p>
@@ -2491,8 +2686,8 @@
         </p:nvSpPr>
         <p:spPr>
           <a:xfrm>
-            <a:off x="11109961" y="8016240"/>
-            <a:ext cx="9329738" cy="11790682"/>
+            <a:off x="24071583" y="12024360"/>
+            <a:ext cx="20214433" cy="17686022"/>
           </a:xfrm>
         </p:spPr>
         <p:txBody>
@@ -2553,7 +2748,7 @@
           <a:p>
             <a:fld id="{957CF60C-A504-6447-9F1C-7F75B010BCC6}" type="datetimeFigureOut">
               <a:rPr lang="en-US" smtClean="0"/>
-              <a:t>10/25/22</a:t>
+              <a:t>10/31/22</a:t>
             </a:fld>
             <a:endParaRPr lang="en-US"/>
           </a:p>
@@ -2604,7 +2799,7 @@
     </p:spTree>
     <p:extLst>
       <p:ext uri="{BB962C8B-B14F-4D97-AF65-F5344CB8AC3E}">
-        <p14:creationId xmlns:p14="http://schemas.microsoft.com/office/powerpoint/2010/main" val="3620722852"/>
+        <p14:creationId xmlns:p14="http://schemas.microsoft.com/office/powerpoint/2010/main" val="364133261"/>
       </p:ext>
     </p:extLst>
   </p:cSld>
@@ -2671,7 +2866,7 @@
           <a:p>
             <a:fld id="{957CF60C-A504-6447-9F1C-7F75B010BCC6}" type="datetimeFigureOut">
               <a:rPr lang="en-US" smtClean="0"/>
-              <a:t>10/25/22</a:t>
+              <a:t>10/31/22</a:t>
             </a:fld>
             <a:endParaRPr lang="en-US"/>
           </a:p>
@@ -2722,7 +2917,7 @@
     </p:spTree>
     <p:extLst>
       <p:ext uri="{BB962C8B-B14F-4D97-AF65-F5344CB8AC3E}">
-        <p14:creationId xmlns:p14="http://schemas.microsoft.com/office/powerpoint/2010/main" val="2845440631"/>
+        <p14:creationId xmlns:p14="http://schemas.microsoft.com/office/powerpoint/2010/main" val="696250129"/>
       </p:ext>
     </p:extLst>
   </p:cSld>
@@ -2766,7 +2961,7 @@
           <a:p>
             <a:fld id="{957CF60C-A504-6447-9F1C-7F75B010BCC6}" type="datetimeFigureOut">
               <a:rPr lang="en-US" smtClean="0"/>
-              <a:t>10/25/22</a:t>
+              <a:t>10/31/22</a:t>
             </a:fld>
             <a:endParaRPr lang="en-US"/>
           </a:p>
@@ -2817,7 +3012,7 @@
     </p:spTree>
     <p:extLst>
       <p:ext uri="{BB962C8B-B14F-4D97-AF65-F5344CB8AC3E}">
-        <p14:creationId xmlns:p14="http://schemas.microsoft.com/office/powerpoint/2010/main" val="4280165748"/>
+        <p14:creationId xmlns:p14="http://schemas.microsoft.com/office/powerpoint/2010/main" val="18096141"/>
       </p:ext>
     </p:extLst>
   </p:cSld>
@@ -2856,15 +3051,15 @@
         </p:nvSpPr>
         <p:spPr>
           <a:xfrm>
-            <a:off x="1511619" y="1463040"/>
-            <a:ext cx="7078027" cy="5120640"/>
+            <a:off x="3275173" y="2194560"/>
+            <a:ext cx="15335726" cy="7680960"/>
           </a:xfrm>
         </p:spPr>
         <p:txBody>
           <a:bodyPr anchor="b"/>
           <a:lstStyle>
             <a:lvl1pPr>
-              <a:defRPr sz="7680"/>
+              <a:defRPr sz="15360"/>
             </a:lvl1pPr>
           </a:lstStyle>
           <a:p>
@@ -2888,39 +3083,39 @@
         </p:nvSpPr>
         <p:spPr>
           <a:xfrm>
-            <a:off x="9329738" y="3159765"/>
-            <a:ext cx="11109960" cy="15595600"/>
+            <a:off x="20214433" y="4739647"/>
+            <a:ext cx="24071580" cy="23393400"/>
           </a:xfrm>
         </p:spPr>
         <p:txBody>
           <a:bodyPr/>
           <a:lstStyle>
             <a:lvl1pPr>
-              <a:defRPr sz="7680"/>
+              <a:defRPr sz="15360"/>
             </a:lvl1pPr>
             <a:lvl2pPr>
-              <a:defRPr sz="6720"/>
+              <a:defRPr sz="13440"/>
             </a:lvl2pPr>
             <a:lvl3pPr>
-              <a:defRPr sz="5760"/>
+              <a:defRPr sz="11520"/>
             </a:lvl3pPr>
             <a:lvl4pPr>
-              <a:defRPr sz="4800"/>
+              <a:defRPr sz="9600"/>
             </a:lvl4pPr>
             <a:lvl5pPr>
-              <a:defRPr sz="4800"/>
+              <a:defRPr sz="9600"/>
             </a:lvl5pPr>
             <a:lvl6pPr>
-              <a:defRPr sz="4800"/>
+              <a:defRPr sz="9600"/>
             </a:lvl6pPr>
             <a:lvl7pPr>
-              <a:defRPr sz="4800"/>
+              <a:defRPr sz="9600"/>
             </a:lvl7pPr>
             <a:lvl8pPr>
-              <a:defRPr sz="4800"/>
+              <a:defRPr sz="9600"/>
             </a:lvl8pPr>
             <a:lvl9pPr>
-              <a:defRPr sz="4800"/>
+              <a:defRPr sz="9600"/>
             </a:lvl9pPr>
           </a:lstStyle>
           <a:p>
@@ -2973,8 +3168,8 @@
         </p:nvSpPr>
         <p:spPr>
           <a:xfrm>
-            <a:off x="1511619" y="6583680"/>
-            <a:ext cx="7078027" cy="12197082"/>
+            <a:off x="3275173" y="9875520"/>
+            <a:ext cx="15335726" cy="18295622"/>
           </a:xfrm>
         </p:spPr>
         <p:txBody>
@@ -2982,39 +3177,39 @@
           <a:lstStyle>
             <a:lvl1pPr marL="0" indent="0">
               <a:buNone/>
-              <a:defRPr sz="3840"/>
+              <a:defRPr sz="7680"/>
             </a:lvl1pPr>
-            <a:lvl2pPr marL="1097280" indent="0">
+            <a:lvl2pPr marL="2194560" indent="0">
               <a:buNone/>
-              <a:defRPr sz="3360"/>
+              <a:defRPr sz="6720"/>
             </a:lvl2pPr>
-            <a:lvl3pPr marL="2194560" indent="0">
+            <a:lvl3pPr marL="4389120" indent="0">
               <a:buNone/>
-              <a:defRPr sz="2880"/>
+              <a:defRPr sz="5760"/>
             </a:lvl3pPr>
-            <a:lvl4pPr marL="3291840" indent="0">
+            <a:lvl4pPr marL="6583680" indent="0">
               <a:buNone/>
-              <a:defRPr sz="2400"/>
+              <a:defRPr sz="4800"/>
             </a:lvl4pPr>
-            <a:lvl5pPr marL="4389120" indent="0">
+            <a:lvl5pPr marL="8778240" indent="0">
               <a:buNone/>
-              <a:defRPr sz="2400"/>
+              <a:defRPr sz="4800"/>
             </a:lvl5pPr>
-            <a:lvl6pPr marL="5486400" indent="0">
+            <a:lvl6pPr marL="10972800" indent="0">
               <a:buNone/>
-              <a:defRPr sz="2400"/>
+              <a:defRPr sz="4800"/>
             </a:lvl6pPr>
-            <a:lvl7pPr marL="6583680" indent="0">
+            <a:lvl7pPr marL="13167360" indent="0">
               <a:buNone/>
-              <a:defRPr sz="2400"/>
+              <a:defRPr sz="4800"/>
             </a:lvl7pPr>
-            <a:lvl8pPr marL="7680960" indent="0">
+            <a:lvl8pPr marL="15361920" indent="0">
               <a:buNone/>
-              <a:defRPr sz="2400"/>
+              <a:defRPr sz="4800"/>
             </a:lvl8pPr>
-            <a:lvl9pPr marL="8778240" indent="0">
+            <a:lvl9pPr marL="17556480" indent="0">
               <a:buNone/>
-              <a:defRPr sz="2400"/>
+              <a:defRPr sz="4800"/>
             </a:lvl9pPr>
           </a:lstStyle>
           <a:p>
@@ -3043,7 +3238,7 @@
           <a:p>
             <a:fld id="{957CF60C-A504-6447-9F1C-7F75B010BCC6}" type="datetimeFigureOut">
               <a:rPr lang="en-US" smtClean="0"/>
-              <a:t>10/25/22</a:t>
+              <a:t>10/31/22</a:t>
             </a:fld>
             <a:endParaRPr lang="en-US"/>
           </a:p>
@@ -3094,7 +3289,7 @@
     </p:spTree>
     <p:extLst>
       <p:ext uri="{BB962C8B-B14F-4D97-AF65-F5344CB8AC3E}">
-        <p14:creationId xmlns:p14="http://schemas.microsoft.com/office/powerpoint/2010/main" val="3464085268"/>
+        <p14:creationId xmlns:p14="http://schemas.microsoft.com/office/powerpoint/2010/main" val="3370735118"/>
       </p:ext>
     </p:extLst>
   </p:cSld>
@@ -3133,15 +3328,15 @@
         </p:nvSpPr>
         <p:spPr>
           <a:xfrm>
-            <a:off x="1511619" y="1463040"/>
-            <a:ext cx="7078027" cy="5120640"/>
+            <a:off x="3275173" y="2194560"/>
+            <a:ext cx="15335726" cy="7680960"/>
           </a:xfrm>
         </p:spPr>
         <p:txBody>
           <a:bodyPr anchor="b"/>
           <a:lstStyle>
             <a:lvl1pPr>
-              <a:defRPr sz="7680"/>
+              <a:defRPr sz="15360"/>
             </a:lvl1pPr>
           </a:lstStyle>
           <a:p>
@@ -3165,8 +3360,8 @@
         </p:nvSpPr>
         <p:spPr>
           <a:xfrm>
-            <a:off x="9329738" y="3159765"/>
-            <a:ext cx="11109960" cy="15595600"/>
+            <a:off x="20214433" y="4739647"/>
+            <a:ext cx="24071580" cy="23393400"/>
           </a:xfrm>
         </p:spPr>
         <p:txBody>
@@ -3174,39 +3369,39 @@
           <a:lstStyle>
             <a:lvl1pPr marL="0" indent="0">
               <a:buNone/>
-              <a:defRPr sz="7680"/>
+              <a:defRPr sz="15360"/>
             </a:lvl1pPr>
-            <a:lvl2pPr marL="1097280" indent="0">
+            <a:lvl2pPr marL="2194560" indent="0">
               <a:buNone/>
-              <a:defRPr sz="6720"/>
+              <a:defRPr sz="13440"/>
             </a:lvl2pPr>
-            <a:lvl3pPr marL="2194560" indent="0">
+            <a:lvl3pPr marL="4389120" indent="0">
               <a:buNone/>
-              <a:defRPr sz="5760"/>
+              <a:defRPr sz="11520"/>
             </a:lvl3pPr>
-            <a:lvl4pPr marL="3291840" indent="0">
+            <a:lvl4pPr marL="6583680" indent="0">
               <a:buNone/>
-              <a:defRPr sz="4800"/>
+              <a:defRPr sz="9600"/>
             </a:lvl4pPr>
-            <a:lvl5pPr marL="4389120" indent="0">
+            <a:lvl5pPr marL="8778240" indent="0">
               <a:buNone/>
-              <a:defRPr sz="4800"/>
+              <a:defRPr sz="9600"/>
             </a:lvl5pPr>
-            <a:lvl6pPr marL="5486400" indent="0">
+            <a:lvl6pPr marL="10972800" indent="0">
               <a:buNone/>
-              <a:defRPr sz="4800"/>
+              <a:defRPr sz="9600"/>
             </a:lvl6pPr>
-            <a:lvl7pPr marL="6583680" indent="0">
+            <a:lvl7pPr marL="13167360" indent="0">
               <a:buNone/>
-              <a:defRPr sz="4800"/>
+              <a:defRPr sz="9600"/>
             </a:lvl7pPr>
-            <a:lvl8pPr marL="7680960" indent="0">
+            <a:lvl8pPr marL="15361920" indent="0">
               <a:buNone/>
-              <a:defRPr sz="4800"/>
+              <a:defRPr sz="9600"/>
             </a:lvl8pPr>
-            <a:lvl9pPr marL="8778240" indent="0">
+            <a:lvl9pPr marL="17556480" indent="0">
               <a:buNone/>
-              <a:defRPr sz="4800"/>
+              <a:defRPr sz="9600"/>
             </a:lvl9pPr>
           </a:lstStyle>
           <a:p>
@@ -3230,8 +3425,8 @@
         </p:nvSpPr>
         <p:spPr>
           <a:xfrm>
-            <a:off x="1511619" y="6583680"/>
-            <a:ext cx="7078027" cy="12197082"/>
+            <a:off x="3275173" y="9875520"/>
+            <a:ext cx="15335726" cy="18295622"/>
           </a:xfrm>
         </p:spPr>
         <p:txBody>
@@ -3239,39 +3434,39 @@
           <a:lstStyle>
             <a:lvl1pPr marL="0" indent="0">
               <a:buNone/>
-              <a:defRPr sz="3840"/>
+              <a:defRPr sz="7680"/>
             </a:lvl1pPr>
-            <a:lvl2pPr marL="1097280" indent="0">
+            <a:lvl2pPr marL="2194560" indent="0">
               <a:buNone/>
-              <a:defRPr sz="3360"/>
+              <a:defRPr sz="6720"/>
             </a:lvl2pPr>
-            <a:lvl3pPr marL="2194560" indent="0">
+            <a:lvl3pPr marL="4389120" indent="0">
               <a:buNone/>
-              <a:defRPr sz="2880"/>
+              <a:defRPr sz="5760"/>
             </a:lvl3pPr>
-            <a:lvl4pPr marL="3291840" indent="0">
+            <a:lvl4pPr marL="6583680" indent="0">
               <a:buNone/>
-              <a:defRPr sz="2400"/>
+              <a:defRPr sz="4800"/>
             </a:lvl4pPr>
-            <a:lvl5pPr marL="4389120" indent="0">
+            <a:lvl5pPr marL="8778240" indent="0">
               <a:buNone/>
-              <a:defRPr sz="2400"/>
+              <a:defRPr sz="4800"/>
             </a:lvl5pPr>
-            <a:lvl6pPr marL="5486400" indent="0">
+            <a:lvl6pPr marL="10972800" indent="0">
               <a:buNone/>
-              <a:defRPr sz="2400"/>
+              <a:defRPr sz="4800"/>
             </a:lvl6pPr>
-            <a:lvl7pPr marL="6583680" indent="0">
+            <a:lvl7pPr marL="13167360" indent="0">
               <a:buNone/>
-              <a:defRPr sz="2400"/>
+              <a:defRPr sz="4800"/>
             </a:lvl7pPr>
-            <a:lvl8pPr marL="7680960" indent="0">
+            <a:lvl8pPr marL="15361920" indent="0">
               <a:buNone/>
-              <a:defRPr sz="2400"/>
+              <a:defRPr sz="4800"/>
             </a:lvl8pPr>
-            <a:lvl9pPr marL="8778240" indent="0">
+            <a:lvl9pPr marL="17556480" indent="0">
               <a:buNone/>
-              <a:defRPr sz="2400"/>
+              <a:defRPr sz="4800"/>
             </a:lvl9pPr>
           </a:lstStyle>
           <a:p>
@@ -3300,7 +3495,7 @@
           <a:p>
             <a:fld id="{957CF60C-A504-6447-9F1C-7F75B010BCC6}" type="datetimeFigureOut">
               <a:rPr lang="en-US" smtClean="0"/>
-              <a:t>10/25/22</a:t>
+              <a:t>10/31/22</a:t>
             </a:fld>
             <a:endParaRPr lang="en-US"/>
           </a:p>
@@ -3351,7 +3546,7 @@
     </p:spTree>
     <p:extLst>
       <p:ext uri="{BB962C8B-B14F-4D97-AF65-F5344CB8AC3E}">
-        <p14:creationId xmlns:p14="http://schemas.microsoft.com/office/powerpoint/2010/main" val="2692884433"/>
+        <p14:creationId xmlns:p14="http://schemas.microsoft.com/office/powerpoint/2010/main" val="1327138788"/>
       </p:ext>
     </p:extLst>
   </p:cSld>
@@ -3395,8 +3590,8 @@
         </p:nvSpPr>
         <p:spPr>
           <a:xfrm>
-            <a:off x="1508760" y="1168405"/>
-            <a:ext cx="18928080" cy="4241802"/>
+            <a:off x="3268980" y="1752607"/>
+            <a:ext cx="41010840" cy="6362702"/>
           </a:xfrm>
           <a:prstGeom prst="rect">
             <a:avLst/>
@@ -3428,8 +3623,8 @@
         </p:nvSpPr>
         <p:spPr>
           <a:xfrm>
-            <a:off x="1508760" y="5842000"/>
-            <a:ext cx="18928080" cy="13924282"/>
+            <a:off x="3268980" y="8763000"/>
+            <a:ext cx="41010840" cy="20886422"/>
           </a:xfrm>
           <a:prstGeom prst="rect">
             <a:avLst/>
@@ -3490,8 +3685,8 @@
         </p:nvSpPr>
         <p:spPr>
           <a:xfrm>
-            <a:off x="1508760" y="20340325"/>
-            <a:ext cx="4937760" cy="1168400"/>
+            <a:off x="3268980" y="30510487"/>
+            <a:ext cx="10698480" cy="1752600"/>
           </a:xfrm>
           <a:prstGeom prst="rect">
             <a:avLst/>
@@ -3501,7 +3696,7 @@
           <a:bodyPr vert="horz" lIns="91440" tIns="45720" rIns="91440" bIns="45720" rtlCol="0" anchor="ctr"/>
           <a:lstStyle>
             <a:lvl1pPr algn="l">
-              <a:defRPr sz="2880">
+              <a:defRPr sz="5760">
                 <a:solidFill>
                   <a:schemeClr val="tx1">
                     <a:tint val="75000"/>
@@ -3513,7 +3708,7 @@
           <a:p>
             <a:fld id="{957CF60C-A504-6447-9F1C-7F75B010BCC6}" type="datetimeFigureOut">
               <a:rPr lang="en-US" smtClean="0"/>
-              <a:t>10/25/22</a:t>
+              <a:t>10/31/22</a:t>
             </a:fld>
             <a:endParaRPr lang="en-US"/>
           </a:p>
@@ -3531,8 +3726,8 @@
         </p:nvSpPr>
         <p:spPr>
           <a:xfrm>
-            <a:off x="7269480" y="20340325"/>
-            <a:ext cx="7406640" cy="1168400"/>
+            <a:off x="15750540" y="30510487"/>
+            <a:ext cx="16047720" cy="1752600"/>
           </a:xfrm>
           <a:prstGeom prst="rect">
             <a:avLst/>
@@ -3542,7 +3737,7 @@
           <a:bodyPr vert="horz" lIns="91440" tIns="45720" rIns="91440" bIns="45720" rtlCol="0" anchor="ctr"/>
           <a:lstStyle>
             <a:lvl1pPr algn="ctr">
-              <a:defRPr sz="2880">
+              <a:defRPr sz="5760">
                 <a:solidFill>
                   <a:schemeClr val="tx1">
                     <a:tint val="75000"/>
@@ -3568,8 +3763,8 @@
         </p:nvSpPr>
         <p:spPr>
           <a:xfrm>
-            <a:off x="15499080" y="20340325"/>
-            <a:ext cx="4937760" cy="1168400"/>
+            <a:off x="33581340" y="30510487"/>
+            <a:ext cx="10698480" cy="1752600"/>
           </a:xfrm>
           <a:prstGeom prst="rect">
             <a:avLst/>
@@ -3579,7 +3774,7 @@
           <a:bodyPr vert="horz" lIns="91440" tIns="45720" rIns="91440" bIns="45720" rtlCol="0" anchor="ctr"/>
           <a:lstStyle>
             <a:lvl1pPr algn="r">
-              <a:defRPr sz="2880">
+              <a:defRPr sz="5760">
                 <a:solidFill>
                   <a:schemeClr val="tx1">
                     <a:tint val="75000"/>
@@ -3600,27 +3795,27 @@
     </p:spTree>
     <p:extLst>
       <p:ext uri="{BB962C8B-B14F-4D97-AF65-F5344CB8AC3E}">
-        <p14:creationId xmlns:p14="http://schemas.microsoft.com/office/powerpoint/2010/main" val="408482166"/>
+        <p14:creationId xmlns:p14="http://schemas.microsoft.com/office/powerpoint/2010/main" val="2532515721"/>
       </p:ext>
     </p:extLst>
   </p:cSld>
   <p:clrMap bg1="lt1" tx1="dk1" bg2="lt2" tx2="dk2" accent1="accent1" accent2="accent2" accent3="accent3" accent4="accent4" accent5="accent5" accent6="accent6" hlink="hlink" folHlink="folHlink"/>
   <p:sldLayoutIdLst>
-    <p:sldLayoutId id="2147483757" r:id="rId1"/>
-    <p:sldLayoutId id="2147483758" r:id="rId2"/>
-    <p:sldLayoutId id="2147483759" r:id="rId3"/>
-    <p:sldLayoutId id="2147483760" r:id="rId4"/>
-    <p:sldLayoutId id="2147483761" r:id="rId5"/>
-    <p:sldLayoutId id="2147483762" r:id="rId6"/>
-    <p:sldLayoutId id="2147483763" r:id="rId7"/>
-    <p:sldLayoutId id="2147483764" r:id="rId8"/>
-    <p:sldLayoutId id="2147483765" r:id="rId9"/>
-    <p:sldLayoutId id="2147483766" r:id="rId10"/>
-    <p:sldLayoutId id="2147483767" r:id="rId11"/>
+    <p:sldLayoutId id="2147483805" r:id="rId1"/>
+    <p:sldLayoutId id="2147483806" r:id="rId2"/>
+    <p:sldLayoutId id="2147483807" r:id="rId3"/>
+    <p:sldLayoutId id="2147483808" r:id="rId4"/>
+    <p:sldLayoutId id="2147483809" r:id="rId5"/>
+    <p:sldLayoutId id="2147483810" r:id="rId6"/>
+    <p:sldLayoutId id="2147483811" r:id="rId7"/>
+    <p:sldLayoutId id="2147483812" r:id="rId8"/>
+    <p:sldLayoutId id="2147483813" r:id="rId9"/>
+    <p:sldLayoutId id="2147483814" r:id="rId10"/>
+    <p:sldLayoutId id="2147483815" r:id="rId11"/>
   </p:sldLayoutIdLst>
   <p:txStyles>
     <p:titleStyle>
-      <a:lvl1pPr algn="l" defTabSz="2194560" rtl="0" eaLnBrk="1" latinLnBrk="0" hangingPunct="1">
+      <a:lvl1pPr algn="l" defTabSz="4389120" rtl="0" eaLnBrk="1" latinLnBrk="0" hangingPunct="1">
         <a:lnSpc>
           <a:spcPct val="90000"/>
         </a:lnSpc>
@@ -3628,7 +3823,7 @@
           <a:spcPct val="0"/>
         </a:spcBef>
         <a:buNone/>
-        <a:defRPr sz="10560" kern="1200">
+        <a:defRPr sz="21120" kern="1200">
           <a:solidFill>
             <a:schemeClr val="tx1"/>
           </a:solidFill>
@@ -3639,7 +3834,25 @@
       </a:lvl1pPr>
     </p:titleStyle>
     <p:bodyStyle>
-      <a:lvl1pPr marL="548640" indent="-548640" algn="l" defTabSz="2194560" rtl="0" eaLnBrk="1" latinLnBrk="0" hangingPunct="1">
+      <a:lvl1pPr marL="1097280" indent="-1097280" algn="l" defTabSz="4389120" rtl="0" eaLnBrk="1" latinLnBrk="0" hangingPunct="1">
+        <a:lnSpc>
+          <a:spcPct val="90000"/>
+        </a:lnSpc>
+        <a:spcBef>
+          <a:spcPts val="4800"/>
+        </a:spcBef>
+        <a:buFont typeface="Arial" panose="020B0604020202020204" pitchFamily="34" charset="0"/>
+        <a:buChar char="•"/>
+        <a:defRPr sz="13440" kern="1200">
+          <a:solidFill>
+            <a:schemeClr val="tx1"/>
+          </a:solidFill>
+          <a:latin typeface="+mn-lt"/>
+          <a:ea typeface="+mn-ea"/>
+          <a:cs typeface="+mn-cs"/>
+        </a:defRPr>
+      </a:lvl1pPr>
+      <a:lvl2pPr marL="3291840" indent="-1097280" algn="l" defTabSz="4389120" rtl="0" eaLnBrk="1" latinLnBrk="0" hangingPunct="1">
         <a:lnSpc>
           <a:spcPct val="90000"/>
         </a:lnSpc>
@@ -3648,25 +3861,7 @@
         </a:spcBef>
         <a:buFont typeface="Arial" panose="020B0604020202020204" pitchFamily="34" charset="0"/>
         <a:buChar char="•"/>
-        <a:defRPr sz="6720" kern="1200">
-          <a:solidFill>
-            <a:schemeClr val="tx1"/>
-          </a:solidFill>
-          <a:latin typeface="+mn-lt"/>
-          <a:ea typeface="+mn-ea"/>
-          <a:cs typeface="+mn-cs"/>
-        </a:defRPr>
-      </a:lvl1pPr>
-      <a:lvl2pPr marL="1645920" indent="-548640" algn="l" defTabSz="2194560" rtl="0" eaLnBrk="1" latinLnBrk="0" hangingPunct="1">
-        <a:lnSpc>
-          <a:spcPct val="90000"/>
-        </a:lnSpc>
-        <a:spcBef>
-          <a:spcPts val="1200"/>
-        </a:spcBef>
-        <a:buFont typeface="Arial" panose="020B0604020202020204" pitchFamily="34" charset="0"/>
-        <a:buChar char="•"/>
-        <a:defRPr sz="5760" kern="1200">
+        <a:defRPr sz="11520" kern="1200">
           <a:solidFill>
             <a:schemeClr val="tx1"/>
           </a:solidFill>
@@ -3675,16 +3870,16 @@
           <a:cs typeface="+mn-cs"/>
         </a:defRPr>
       </a:lvl2pPr>
-      <a:lvl3pPr marL="2743200" indent="-548640" algn="l" defTabSz="2194560" rtl="0" eaLnBrk="1" latinLnBrk="0" hangingPunct="1">
+      <a:lvl3pPr marL="5486400" indent="-1097280" algn="l" defTabSz="4389120" rtl="0" eaLnBrk="1" latinLnBrk="0" hangingPunct="1">
         <a:lnSpc>
           <a:spcPct val="90000"/>
         </a:lnSpc>
         <a:spcBef>
-          <a:spcPts val="1200"/>
+          <a:spcPts val="2400"/>
         </a:spcBef>
         <a:buFont typeface="Arial" panose="020B0604020202020204" pitchFamily="34" charset="0"/>
         <a:buChar char="•"/>
-        <a:defRPr sz="4800" kern="1200">
+        <a:defRPr sz="9600" kern="1200">
           <a:solidFill>
             <a:schemeClr val="tx1"/>
           </a:solidFill>
@@ -3693,16 +3888,16 @@
           <a:cs typeface="+mn-cs"/>
         </a:defRPr>
       </a:lvl3pPr>
-      <a:lvl4pPr marL="3840480" indent="-548640" algn="l" defTabSz="2194560" rtl="0" eaLnBrk="1" latinLnBrk="0" hangingPunct="1">
+      <a:lvl4pPr marL="7680960" indent="-1097280" algn="l" defTabSz="4389120" rtl="0" eaLnBrk="1" latinLnBrk="0" hangingPunct="1">
         <a:lnSpc>
           <a:spcPct val="90000"/>
         </a:lnSpc>
         <a:spcBef>
-          <a:spcPts val="1200"/>
+          <a:spcPts val="2400"/>
         </a:spcBef>
         <a:buFont typeface="Arial" panose="020B0604020202020204" pitchFamily="34" charset="0"/>
         <a:buChar char="•"/>
-        <a:defRPr sz="4320" kern="1200">
+        <a:defRPr sz="8640" kern="1200">
           <a:solidFill>
             <a:schemeClr val="tx1"/>
           </a:solidFill>
@@ -3711,16 +3906,16 @@
           <a:cs typeface="+mn-cs"/>
         </a:defRPr>
       </a:lvl4pPr>
-      <a:lvl5pPr marL="4937760" indent="-548640" algn="l" defTabSz="2194560" rtl="0" eaLnBrk="1" latinLnBrk="0" hangingPunct="1">
+      <a:lvl5pPr marL="9875520" indent="-1097280" algn="l" defTabSz="4389120" rtl="0" eaLnBrk="1" latinLnBrk="0" hangingPunct="1">
         <a:lnSpc>
           <a:spcPct val="90000"/>
         </a:lnSpc>
         <a:spcBef>
-          <a:spcPts val="1200"/>
+          <a:spcPts val="2400"/>
         </a:spcBef>
         <a:buFont typeface="Arial" panose="020B0604020202020204" pitchFamily="34" charset="0"/>
         <a:buChar char="•"/>
-        <a:defRPr sz="4320" kern="1200">
+        <a:defRPr sz="8640" kern="1200">
           <a:solidFill>
             <a:schemeClr val="tx1"/>
           </a:solidFill>
@@ -3729,16 +3924,16 @@
           <a:cs typeface="+mn-cs"/>
         </a:defRPr>
       </a:lvl5pPr>
-      <a:lvl6pPr marL="6035040" indent="-548640" algn="l" defTabSz="2194560" rtl="0" eaLnBrk="1" latinLnBrk="0" hangingPunct="1">
+      <a:lvl6pPr marL="12070080" indent="-1097280" algn="l" defTabSz="4389120" rtl="0" eaLnBrk="1" latinLnBrk="0" hangingPunct="1">
         <a:lnSpc>
           <a:spcPct val="90000"/>
         </a:lnSpc>
         <a:spcBef>
-          <a:spcPts val="1200"/>
+          <a:spcPts val="2400"/>
         </a:spcBef>
         <a:buFont typeface="Arial" panose="020B0604020202020204" pitchFamily="34" charset="0"/>
         <a:buChar char="•"/>
-        <a:defRPr sz="4320" kern="1200">
+        <a:defRPr sz="8640" kern="1200">
           <a:solidFill>
             <a:schemeClr val="tx1"/>
           </a:solidFill>
@@ -3747,16 +3942,16 @@
           <a:cs typeface="+mn-cs"/>
         </a:defRPr>
       </a:lvl6pPr>
-      <a:lvl7pPr marL="7132320" indent="-548640" algn="l" defTabSz="2194560" rtl="0" eaLnBrk="1" latinLnBrk="0" hangingPunct="1">
+      <a:lvl7pPr marL="14264640" indent="-1097280" algn="l" defTabSz="4389120" rtl="0" eaLnBrk="1" latinLnBrk="0" hangingPunct="1">
         <a:lnSpc>
           <a:spcPct val="90000"/>
         </a:lnSpc>
         <a:spcBef>
-          <a:spcPts val="1200"/>
+          <a:spcPts val="2400"/>
         </a:spcBef>
         <a:buFont typeface="Arial" panose="020B0604020202020204" pitchFamily="34" charset="0"/>
         <a:buChar char="•"/>
-        <a:defRPr sz="4320" kern="1200">
+        <a:defRPr sz="8640" kern="1200">
           <a:solidFill>
             <a:schemeClr val="tx1"/>
           </a:solidFill>
@@ -3765,16 +3960,16 @@
           <a:cs typeface="+mn-cs"/>
         </a:defRPr>
       </a:lvl7pPr>
-      <a:lvl8pPr marL="8229600" indent="-548640" algn="l" defTabSz="2194560" rtl="0" eaLnBrk="1" latinLnBrk="0" hangingPunct="1">
+      <a:lvl8pPr marL="16459200" indent="-1097280" algn="l" defTabSz="4389120" rtl="0" eaLnBrk="1" latinLnBrk="0" hangingPunct="1">
         <a:lnSpc>
           <a:spcPct val="90000"/>
         </a:lnSpc>
         <a:spcBef>
-          <a:spcPts val="1200"/>
+          <a:spcPts val="2400"/>
         </a:spcBef>
         <a:buFont typeface="Arial" panose="020B0604020202020204" pitchFamily="34" charset="0"/>
         <a:buChar char="•"/>
-        <a:defRPr sz="4320" kern="1200">
+        <a:defRPr sz="8640" kern="1200">
           <a:solidFill>
             <a:schemeClr val="tx1"/>
           </a:solidFill>
@@ -3783,16 +3978,16 @@
           <a:cs typeface="+mn-cs"/>
         </a:defRPr>
       </a:lvl8pPr>
-      <a:lvl9pPr marL="9326880" indent="-548640" algn="l" defTabSz="2194560" rtl="0" eaLnBrk="1" latinLnBrk="0" hangingPunct="1">
+      <a:lvl9pPr marL="18653760" indent="-1097280" algn="l" defTabSz="4389120" rtl="0" eaLnBrk="1" latinLnBrk="0" hangingPunct="1">
         <a:lnSpc>
           <a:spcPct val="90000"/>
         </a:lnSpc>
         <a:spcBef>
-          <a:spcPts val="1200"/>
+          <a:spcPts val="2400"/>
         </a:spcBef>
         <a:buFont typeface="Arial" panose="020B0604020202020204" pitchFamily="34" charset="0"/>
         <a:buChar char="•"/>
-        <a:defRPr sz="4320" kern="1200">
+        <a:defRPr sz="8640" kern="1200">
           <a:solidFill>
             <a:schemeClr val="tx1"/>
           </a:solidFill>
@@ -3806,8 +4001,8 @@
       <a:defPPr>
         <a:defRPr lang="en-US"/>
       </a:defPPr>
-      <a:lvl1pPr marL="0" algn="l" defTabSz="2194560" rtl="0" eaLnBrk="1" latinLnBrk="0" hangingPunct="1">
-        <a:defRPr sz="4320" kern="1200">
+      <a:lvl1pPr marL="0" algn="l" defTabSz="4389120" rtl="0" eaLnBrk="1" latinLnBrk="0" hangingPunct="1">
+        <a:defRPr sz="8640" kern="1200">
           <a:solidFill>
             <a:schemeClr val="tx1"/>
           </a:solidFill>
@@ -3816,8 +4011,8 @@
           <a:cs typeface="+mn-cs"/>
         </a:defRPr>
       </a:lvl1pPr>
-      <a:lvl2pPr marL="1097280" algn="l" defTabSz="2194560" rtl="0" eaLnBrk="1" latinLnBrk="0" hangingPunct="1">
-        <a:defRPr sz="4320" kern="1200">
+      <a:lvl2pPr marL="2194560" algn="l" defTabSz="4389120" rtl="0" eaLnBrk="1" latinLnBrk="0" hangingPunct="1">
+        <a:defRPr sz="8640" kern="1200">
           <a:solidFill>
             <a:schemeClr val="tx1"/>
           </a:solidFill>
@@ -3826,8 +4021,8 @@
           <a:cs typeface="+mn-cs"/>
         </a:defRPr>
       </a:lvl2pPr>
-      <a:lvl3pPr marL="2194560" algn="l" defTabSz="2194560" rtl="0" eaLnBrk="1" latinLnBrk="0" hangingPunct="1">
-        <a:defRPr sz="4320" kern="1200">
+      <a:lvl3pPr marL="4389120" algn="l" defTabSz="4389120" rtl="0" eaLnBrk="1" latinLnBrk="0" hangingPunct="1">
+        <a:defRPr sz="8640" kern="1200">
           <a:solidFill>
             <a:schemeClr val="tx1"/>
           </a:solidFill>
@@ -3836,8 +4031,8 @@
           <a:cs typeface="+mn-cs"/>
         </a:defRPr>
       </a:lvl3pPr>
-      <a:lvl4pPr marL="3291840" algn="l" defTabSz="2194560" rtl="0" eaLnBrk="1" latinLnBrk="0" hangingPunct="1">
-        <a:defRPr sz="4320" kern="1200">
+      <a:lvl4pPr marL="6583680" algn="l" defTabSz="4389120" rtl="0" eaLnBrk="1" latinLnBrk="0" hangingPunct="1">
+        <a:defRPr sz="8640" kern="1200">
           <a:solidFill>
             <a:schemeClr val="tx1"/>
           </a:solidFill>
@@ -3846,8 +4041,8 @@
           <a:cs typeface="+mn-cs"/>
         </a:defRPr>
       </a:lvl4pPr>
-      <a:lvl5pPr marL="4389120" algn="l" defTabSz="2194560" rtl="0" eaLnBrk="1" latinLnBrk="0" hangingPunct="1">
-        <a:defRPr sz="4320" kern="1200">
+      <a:lvl5pPr marL="8778240" algn="l" defTabSz="4389120" rtl="0" eaLnBrk="1" latinLnBrk="0" hangingPunct="1">
+        <a:defRPr sz="8640" kern="1200">
           <a:solidFill>
             <a:schemeClr val="tx1"/>
           </a:solidFill>
@@ -3856,8 +4051,8 @@
           <a:cs typeface="+mn-cs"/>
         </a:defRPr>
       </a:lvl5pPr>
-      <a:lvl6pPr marL="5486400" algn="l" defTabSz="2194560" rtl="0" eaLnBrk="1" latinLnBrk="0" hangingPunct="1">
-        <a:defRPr sz="4320" kern="1200">
+      <a:lvl6pPr marL="10972800" algn="l" defTabSz="4389120" rtl="0" eaLnBrk="1" latinLnBrk="0" hangingPunct="1">
+        <a:defRPr sz="8640" kern="1200">
           <a:solidFill>
             <a:schemeClr val="tx1"/>
           </a:solidFill>
@@ -3866,8 +4061,8 @@
           <a:cs typeface="+mn-cs"/>
         </a:defRPr>
       </a:lvl6pPr>
-      <a:lvl7pPr marL="6583680" algn="l" defTabSz="2194560" rtl="0" eaLnBrk="1" latinLnBrk="0" hangingPunct="1">
-        <a:defRPr sz="4320" kern="1200">
+      <a:lvl7pPr marL="13167360" algn="l" defTabSz="4389120" rtl="0" eaLnBrk="1" latinLnBrk="0" hangingPunct="1">
+        <a:defRPr sz="8640" kern="1200">
           <a:solidFill>
             <a:schemeClr val="tx1"/>
           </a:solidFill>
@@ -3876,8 +4071,8 @@
           <a:cs typeface="+mn-cs"/>
         </a:defRPr>
       </a:lvl7pPr>
-      <a:lvl8pPr marL="7680960" algn="l" defTabSz="2194560" rtl="0" eaLnBrk="1" latinLnBrk="0" hangingPunct="1">
-        <a:defRPr sz="4320" kern="1200">
+      <a:lvl8pPr marL="15361920" algn="l" defTabSz="4389120" rtl="0" eaLnBrk="1" latinLnBrk="0" hangingPunct="1">
+        <a:defRPr sz="8640" kern="1200">
           <a:solidFill>
             <a:schemeClr val="tx1"/>
           </a:solidFill>
@@ -3886,8 +4081,8 @@
           <a:cs typeface="+mn-cs"/>
         </a:defRPr>
       </a:lvl8pPr>
-      <a:lvl9pPr marL="8778240" algn="l" defTabSz="2194560" rtl="0" eaLnBrk="1" latinLnBrk="0" hangingPunct="1">
-        <a:defRPr sz="4320" kern="1200">
+      <a:lvl9pPr marL="17556480" algn="l" defTabSz="4389120" rtl="0" eaLnBrk="1" latinLnBrk="0" hangingPunct="1">
+        <a:defRPr sz="8640" kern="1200">
           <a:solidFill>
             <a:schemeClr val="tx1"/>
           </a:solidFill>
@@ -3932,8 +4127,8 @@
         </p:nvGrpSpPr>
         <p:grpSpPr>
           <a:xfrm>
-            <a:off x="12626634" y="9609669"/>
-            <a:ext cx="811893" cy="2775755"/>
+            <a:off x="26255152" y="14414507"/>
+            <a:ext cx="1217840" cy="4163633"/>
             <a:chOff x="8515685" y="1263650"/>
             <a:chExt cx="608920" cy="2081816"/>
           </a:xfrm>
@@ -3979,7 +4174,7 @@
             </a:fontRef>
           </p:style>
           <p:txBody>
-            <a:bodyPr rot="0" spcFirstLastPara="0" vertOverflow="overflow" horzOverflow="overflow" vert="horz" wrap="square" lIns="121920" tIns="60960" rIns="121920" bIns="60960" numCol="1" spcCol="0" rtlCol="0" fromWordArt="0" anchor="ctr" anchorCtr="0" forceAA="0" compatLnSpc="1">
+            <a:bodyPr rot="0" spcFirstLastPara="0" vertOverflow="overflow" horzOverflow="overflow" vert="horz" wrap="square" lIns="182880" tIns="91440" rIns="182880" bIns="91440" numCol="1" spcCol="0" rtlCol="0" fromWordArt="0" anchor="ctr" anchorCtr="0" forceAA="0" compatLnSpc="1">
               <a:prstTxWarp prst="textNoShape">
                 <a:avLst/>
               </a:prstTxWarp>
@@ -3988,7 +4183,7 @@
             <a:lstStyle/>
             <a:p>
               <a:pPr algn="ctr"/>
-              <a:endParaRPr lang="en-US" sz="3200" dirty="0"/>
+              <a:endParaRPr lang="en-US" sz="4800" dirty="0"/>
             </a:p>
           </p:txBody>
         </p:sp>
@@ -4097,8 +4292,8 @@
           </p:nvCxnSpPr>
           <p:spPr>
             <a:xfrm flipV="1">
-              <a:off x="8607593" y="2280996"/>
-              <a:ext cx="164591" cy="23563"/>
+              <a:off x="8607593" y="2269502"/>
+              <a:ext cx="164591" cy="35056"/>
             </a:xfrm>
             <a:prstGeom prst="straightConnector1">
               <a:avLst/>
@@ -4142,8 +4337,8 @@
           </p:nvCxnSpPr>
           <p:spPr>
             <a:xfrm>
-              <a:off x="8515685" y="2282952"/>
-              <a:ext cx="91908" cy="21606"/>
+              <a:off x="8515685" y="2271443"/>
+              <a:ext cx="91908" cy="33115"/>
             </a:xfrm>
             <a:prstGeom prst="line">
               <a:avLst/>
@@ -4184,8 +4379,8 @@
         </p:nvSpPr>
         <p:spPr>
           <a:xfrm>
-            <a:off x="13438530" y="8157615"/>
-            <a:ext cx="2670985" cy="1569660"/>
+            <a:off x="27472996" y="12236423"/>
+            <a:ext cx="4006478" cy="2308324"/>
           </a:xfrm>
           <a:prstGeom prst="rect">
             <a:avLst/>
@@ -4205,22 +4400,22 @@
           <a:p>
             <a:pPr algn="ctr"/>
             <a:r>
-              <a:rPr lang="en-US" sz="3200" b="1" u="sng" dirty="0"/>
+              <a:rPr lang="en-US" sz="4800" b="1" u="sng" dirty="0"/>
               <a:t>Step 3(</a:t>
             </a:r>
             <a:r>
-              <a:rPr lang="en-US" sz="3200" b="1" u="sng" dirty="0" err="1"/>
+              <a:rPr lang="en-US" sz="4800" b="1" u="sng" dirty="0" err="1"/>
               <a:t>i</a:t>
             </a:r>
             <a:r>
-              <a:rPr lang="en-US" sz="3200" b="1" u="sng" dirty="0"/>
+              <a:rPr lang="en-US" sz="4800" b="1" u="sng" dirty="0"/>
               <a:t>)</a:t>
             </a:r>
           </a:p>
           <a:p>
             <a:pPr algn="ctr"/>
             <a:r>
-              <a:rPr lang="en-US" sz="3200" dirty="0"/>
+              <a:rPr lang="en-US" sz="4800" dirty="0"/>
               <a:t>Identifiability Analysis</a:t>
             </a:r>
           </a:p>
@@ -4242,8 +4437,8 @@
             </p:nvSpPr>
             <p:spPr>
               <a:xfrm>
-                <a:off x="12968633" y="10020743"/>
-                <a:ext cx="3610785" cy="1890774"/>
+                <a:off x="26768150" y="15031118"/>
+                <a:ext cx="5416178" cy="2790187"/>
               </a:xfrm>
               <a:prstGeom prst="rect">
                 <a:avLst/>
@@ -4263,14 +4458,14 @@
               <a:p>
                 <a:pPr algn="ctr"/>
                 <a:r>
-                  <a:rPr lang="en-US" sz="3200" b="1" u="sng" dirty="0"/>
+                  <a:rPr lang="en-US" sz="4800" b="1" u="sng" dirty="0"/>
                   <a:t>Step 3(ii)</a:t>
                 </a:r>
               </a:p>
               <a:p>
                 <a:pPr algn="ctr"/>
                 <a:r>
-                  <a:rPr lang="en-US" sz="3200" dirty="0"/>
+                  <a:rPr lang="en-US" sz="4800" dirty="0"/>
                   <a:t>Uncertainty Analysis</a:t>
                 </a:r>
               </a:p>
@@ -4285,7 +4480,7 @@
                       <m:sSub>
                         <m:sSubPr>
                           <m:ctrlPr>
-                            <a:rPr lang="en-US" sz="2133" i="1">
+                            <a:rPr lang="en-US" sz="3200" i="1">
                               <a:latin typeface="Cambria Math" panose="02040503050406030204" pitchFamily="18" charset="0"/>
                               <a:ea typeface="Cambria Math" panose="02040503050406030204" pitchFamily="18" charset="0"/>
                             </a:rPr>
@@ -4296,7 +4491,7 @@
                             <m:rPr>
                               <m:sty m:val="p"/>
                             </m:rPr>
-                            <a:rPr lang="el-GR" sz="2133" i="1">
+                            <a:rPr lang="el-GR" sz="3200" i="1">
                               <a:latin typeface="Cambria Math" panose="02040503050406030204" pitchFamily="18" charset="0"/>
                               <a:ea typeface="Cambria Math" panose="02040503050406030204" pitchFamily="18" charset="0"/>
                             </a:rPr>
@@ -4305,21 +4500,21 @@
                         </m:e>
                         <m:sub>
                           <m:r>
-                            <a:rPr lang="en-US" sz="2133" i="1">
+                            <a:rPr lang="en-US" sz="3200" i="1">
                               <a:latin typeface="Cambria Math" panose="02040503050406030204" pitchFamily="18" charset="0"/>
                               <a:ea typeface="Cambria Math" panose="02040503050406030204" pitchFamily="18" charset="0"/>
                             </a:rPr>
                             <m:t>𝑖</m:t>
                           </m:r>
                           <m:r>
-                            <a:rPr lang="en-US" sz="2133" i="1">
+                            <a:rPr lang="en-US" sz="3200" i="1">
                               <a:latin typeface="Cambria Math" panose="02040503050406030204" pitchFamily="18" charset="0"/>
                               <a:ea typeface="Cambria Math" panose="02040503050406030204" pitchFamily="18" charset="0"/>
                             </a:rPr>
                             <m:t>,</m:t>
                           </m:r>
                           <m:r>
-                            <a:rPr lang="en-US" sz="2133" i="1">
+                            <a:rPr lang="en-US" sz="3200" i="1">
                               <a:latin typeface="Cambria Math" panose="02040503050406030204" pitchFamily="18" charset="0"/>
                               <a:ea typeface="Cambria Math" panose="02040503050406030204" pitchFamily="18" charset="0"/>
                             </a:rPr>
@@ -4328,7 +4523,7 @@
                         </m:sub>
                       </m:sSub>
                       <m:r>
-                        <a:rPr lang="en-US" sz="2133" i="1">
+                        <a:rPr lang="en-US" sz="3200" i="1">
                           <a:latin typeface="Cambria Math" panose="02040503050406030204" pitchFamily="18" charset="0"/>
                           <a:ea typeface="Cambria Math" panose="02040503050406030204" pitchFamily="18" charset="0"/>
                         </a:rPr>
@@ -4339,7 +4534,7 @@
                           <m:begChr m:val="["/>
                           <m:endChr m:val="]"/>
                           <m:ctrlPr>
-                            <a:rPr lang="en-US" sz="2133" i="1">
+                            <a:rPr lang="en-US" sz="3200" i="1">
                               <a:latin typeface="Cambria Math" panose="02040503050406030204" pitchFamily="18" charset="0"/>
                               <a:ea typeface="Cambria Math" panose="02040503050406030204" pitchFamily="18" charset="0"/>
                             </a:rPr>
@@ -4357,7 +4552,7 @@
                                 </m:mc>
                               </m:mcs>
                               <m:ctrlPr>
-                                <a:rPr lang="en-US" sz="2133" i="1">
+                                <a:rPr lang="en-US" sz="3200" i="1">
                                   <a:latin typeface="Cambria Math" panose="02040503050406030204" pitchFamily="18" charset="0"/>
                                   <a:ea typeface="Cambria Math" panose="02040503050406030204" pitchFamily="18" charset="0"/>
                                 </a:rPr>
@@ -4368,7 +4563,7 @@
                                 <m:sSubSup>
                                   <m:sSubSupPr>
                                     <m:ctrlPr>
-                                      <a:rPr lang="en-US" sz="2133" i="1">
+                                      <a:rPr lang="en-US" sz="3200" i="1">
                                         <a:latin typeface="Cambria Math" panose="02040503050406030204" pitchFamily="18" charset="0"/>
                                         <a:ea typeface="Cambria Math" panose="02040503050406030204" pitchFamily="18" charset="0"/>
                                       </a:rPr>
@@ -4379,7 +4574,7 @@
                                       <m:rPr>
                                         <m:brk m:alnAt="7"/>
                                       </m:rPr>
-                                      <a:rPr lang="en-US" sz="2133" i="1">
+                                      <a:rPr lang="en-US" sz="3200" i="1">
                                         <a:latin typeface="Cambria Math" panose="02040503050406030204" pitchFamily="18" charset="0"/>
                                         <a:ea typeface="Cambria Math" panose="02040503050406030204" pitchFamily="18" charset="0"/>
                                       </a:rPr>
@@ -4391,21 +4586,21 @@
                                       <m:rPr>
                                         <m:brk m:alnAt="7"/>
                                       </m:rPr>
-                                      <a:rPr lang="en-US" sz="2133" i="1">
+                                      <a:rPr lang="en-US" sz="3200" i="1">
                                         <a:latin typeface="Cambria Math" panose="02040503050406030204" pitchFamily="18" charset="0"/>
                                         <a:ea typeface="Cambria Math" panose="02040503050406030204" pitchFamily="18" charset="0"/>
                                       </a:rPr>
                                       <m:t>𝑖</m:t>
                                     </m:r>
                                     <m:r>
-                                      <a:rPr lang="en-US" sz="2133" i="1">
+                                      <a:rPr lang="en-US" sz="3200" i="1">
                                         <a:latin typeface="Cambria Math" panose="02040503050406030204" pitchFamily="18" charset="0"/>
                                         <a:ea typeface="Cambria Math" panose="02040503050406030204" pitchFamily="18" charset="0"/>
                                       </a:rPr>
                                       <m:t>,</m:t>
                                     </m:r>
                                     <m:r>
-                                      <a:rPr lang="en-US" sz="2133" i="1">
+                                      <a:rPr lang="en-US" sz="3200" i="1">
                                         <a:latin typeface="Cambria Math" panose="02040503050406030204" pitchFamily="18" charset="0"/>
                                         <a:ea typeface="Cambria Math" panose="02040503050406030204" pitchFamily="18" charset="0"/>
                                       </a:rPr>
@@ -4417,7 +4612,7 @@
                                       <m:rPr>
                                         <m:brk m:alnAt="7"/>
                                       </m:rPr>
-                                      <a:rPr lang="en-US" sz="2133" i="1">
+                                      <a:rPr lang="en-US" sz="3200" i="1">
                                         <a:latin typeface="Cambria Math" panose="02040503050406030204" pitchFamily="18" charset="0"/>
                                         <a:ea typeface="Cambria Math" panose="02040503050406030204" pitchFamily="18" charset="0"/>
                                       </a:rPr>
@@ -4430,7 +4625,7 @@
                                 <m:sSubSup>
                                   <m:sSubSupPr>
                                     <m:ctrlPr>
-                                      <a:rPr lang="en-US" sz="2133" i="1">
+                                      <a:rPr lang="en-US" sz="3200" i="1">
                                         <a:latin typeface="Cambria Math" panose="02040503050406030204" pitchFamily="18" charset="0"/>
                                         <a:ea typeface="Cambria Math" panose="02040503050406030204" pitchFamily="18" charset="0"/>
                                       </a:rPr>
@@ -4441,7 +4636,7 @@
                                       <m:rPr>
                                         <m:brk m:alnAt="7"/>
                                       </m:rPr>
-                                      <a:rPr lang="en-US" sz="2133" i="1">
+                                      <a:rPr lang="en-US" sz="3200" i="1">
                                         <a:latin typeface="Cambria Math" panose="02040503050406030204" pitchFamily="18" charset="0"/>
                                         <a:ea typeface="Cambria Math" panose="02040503050406030204" pitchFamily="18" charset="0"/>
                                       </a:rPr>
@@ -4453,21 +4648,21 @@
                                       <m:rPr>
                                         <m:brk m:alnAt="7"/>
                                       </m:rPr>
-                                      <a:rPr lang="en-US" sz="2133" i="1">
+                                      <a:rPr lang="en-US" sz="3200" i="1">
                                         <a:latin typeface="Cambria Math" panose="02040503050406030204" pitchFamily="18" charset="0"/>
                                         <a:ea typeface="Cambria Math" panose="02040503050406030204" pitchFamily="18" charset="0"/>
                                       </a:rPr>
                                       <m:t>𝑖</m:t>
                                     </m:r>
                                     <m:r>
-                                      <a:rPr lang="en-US" sz="2133" i="1">
+                                      <a:rPr lang="en-US" sz="3200" i="1">
                                         <a:latin typeface="Cambria Math" panose="02040503050406030204" pitchFamily="18" charset="0"/>
                                         <a:ea typeface="Cambria Math" panose="02040503050406030204" pitchFamily="18" charset="0"/>
                                       </a:rPr>
                                       <m:t>,</m:t>
                                     </m:r>
                                     <m:r>
-                                      <a:rPr lang="en-US" sz="2133" i="1">
+                                      <a:rPr lang="en-US" sz="3200" i="1">
                                         <a:latin typeface="Cambria Math" panose="02040503050406030204" pitchFamily="18" charset="0"/>
                                         <a:ea typeface="Cambria Math" panose="02040503050406030204" pitchFamily="18" charset="0"/>
                                       </a:rPr>
@@ -4479,7 +4674,7 @@
                                       <m:rPr>
                                         <m:brk m:alnAt="7"/>
                                       </m:rPr>
-                                      <a:rPr lang="en-US" sz="2133" i="1">
+                                      <a:rPr lang="en-US" sz="3200" i="1">
                                         <a:latin typeface="Cambria Math" panose="02040503050406030204" pitchFamily="18" charset="0"/>
                                         <a:ea typeface="Cambria Math" panose="02040503050406030204" pitchFamily="18" charset="0"/>
                                       </a:rPr>
@@ -4494,7 +4689,7 @@
                                 <m:sSubSup>
                                   <m:sSubSupPr>
                                     <m:ctrlPr>
-                                      <a:rPr lang="en-US" sz="2133" i="1">
+                                      <a:rPr lang="en-US" sz="3200" i="1">
                                         <a:latin typeface="Cambria Math" panose="02040503050406030204" pitchFamily="18" charset="0"/>
                                         <a:ea typeface="Cambria Math" panose="02040503050406030204" pitchFamily="18" charset="0"/>
                                       </a:rPr>
@@ -4505,7 +4700,7 @@
                                       <m:rPr>
                                         <m:brk m:alnAt="7"/>
                                       </m:rPr>
-                                      <a:rPr lang="en-US" sz="2133" i="1">
+                                      <a:rPr lang="en-US" sz="3200" i="1">
                                         <a:latin typeface="Cambria Math" panose="02040503050406030204" pitchFamily="18" charset="0"/>
                                         <a:ea typeface="Cambria Math" panose="02040503050406030204" pitchFamily="18" charset="0"/>
                                       </a:rPr>
@@ -4514,21 +4709,21 @@
                                   </m:e>
                                   <m:sub>
                                     <m:r>
-                                      <a:rPr lang="en-US" sz="2133" i="1">
+                                      <a:rPr lang="en-US" sz="3200" i="1">
                                         <a:latin typeface="Cambria Math" panose="02040503050406030204" pitchFamily="18" charset="0"/>
                                         <a:ea typeface="Cambria Math" panose="02040503050406030204" pitchFamily="18" charset="0"/>
                                       </a:rPr>
                                       <m:t>𝑗</m:t>
                                     </m:r>
                                     <m:r>
-                                      <a:rPr lang="en-US" sz="2133" i="1">
+                                      <a:rPr lang="en-US" sz="3200" i="1">
                                         <a:latin typeface="Cambria Math" panose="02040503050406030204" pitchFamily="18" charset="0"/>
                                         <a:ea typeface="Cambria Math" panose="02040503050406030204" pitchFamily="18" charset="0"/>
                                       </a:rPr>
                                       <m:t>,</m:t>
                                     </m:r>
                                     <m:r>
-                                      <a:rPr lang="en-US" sz="2133" i="1">
+                                      <a:rPr lang="en-US" sz="3200" i="1">
                                         <a:latin typeface="Cambria Math" panose="02040503050406030204" pitchFamily="18" charset="0"/>
                                         <a:ea typeface="Cambria Math" panose="02040503050406030204" pitchFamily="18" charset="0"/>
                                       </a:rPr>
@@ -4540,7 +4735,7 @@
                                       <m:rPr>
                                         <m:brk m:alnAt="7"/>
                                       </m:rPr>
-                                      <a:rPr lang="en-US" sz="2133" i="1">
+                                      <a:rPr lang="en-US" sz="3200" i="1">
                                         <a:latin typeface="Cambria Math" panose="02040503050406030204" pitchFamily="18" charset="0"/>
                                         <a:ea typeface="Cambria Math" panose="02040503050406030204" pitchFamily="18" charset="0"/>
                                       </a:rPr>
@@ -4553,7 +4748,7 @@
                                 <m:sSubSup>
                                   <m:sSubSupPr>
                                     <m:ctrlPr>
-                                      <a:rPr lang="en-US" sz="2133" i="1">
+                                      <a:rPr lang="en-US" sz="3200" i="1">
                                         <a:latin typeface="Cambria Math" panose="02040503050406030204" pitchFamily="18" charset="0"/>
                                         <a:ea typeface="Cambria Math" panose="02040503050406030204" pitchFamily="18" charset="0"/>
                                       </a:rPr>
@@ -4564,7 +4759,7 @@
                                       <m:rPr>
                                         <m:brk m:alnAt="7"/>
                                       </m:rPr>
-                                      <a:rPr lang="en-US" sz="2133" i="1">
+                                      <a:rPr lang="en-US" sz="3200" i="1">
                                         <a:latin typeface="Cambria Math" panose="02040503050406030204" pitchFamily="18" charset="0"/>
                                         <a:ea typeface="Cambria Math" panose="02040503050406030204" pitchFamily="18" charset="0"/>
                                       </a:rPr>
@@ -4573,21 +4768,21 @@
                                   </m:e>
                                   <m:sub>
                                     <m:r>
-                                      <a:rPr lang="en-US" sz="2133" i="1">
+                                      <a:rPr lang="en-US" sz="3200" i="1">
                                         <a:latin typeface="Cambria Math" panose="02040503050406030204" pitchFamily="18" charset="0"/>
                                         <a:ea typeface="Cambria Math" panose="02040503050406030204" pitchFamily="18" charset="0"/>
                                       </a:rPr>
                                       <m:t>𝑗</m:t>
                                     </m:r>
                                     <m:r>
-                                      <a:rPr lang="en-US" sz="2133" i="1">
+                                      <a:rPr lang="en-US" sz="3200" i="1">
                                         <a:latin typeface="Cambria Math" panose="02040503050406030204" pitchFamily="18" charset="0"/>
                                         <a:ea typeface="Cambria Math" panose="02040503050406030204" pitchFamily="18" charset="0"/>
                                       </a:rPr>
                                       <m:t>,</m:t>
                                     </m:r>
                                     <m:r>
-                                      <a:rPr lang="en-US" sz="2133" i="1">
+                                      <a:rPr lang="en-US" sz="3200" i="1">
                                         <a:latin typeface="Cambria Math" panose="02040503050406030204" pitchFamily="18" charset="0"/>
                                         <a:ea typeface="Cambria Math" panose="02040503050406030204" pitchFamily="18" charset="0"/>
                                       </a:rPr>
@@ -4599,7 +4794,7 @@
                                       <m:rPr>
                                         <m:brk m:alnAt="7"/>
                                       </m:rPr>
-                                      <a:rPr lang="en-US" sz="2133" i="1">
+                                      <a:rPr lang="en-US" sz="3200" i="1">
                                         <a:latin typeface="Cambria Math" panose="02040503050406030204" pitchFamily="18" charset="0"/>
                                         <a:ea typeface="Cambria Math" panose="02040503050406030204" pitchFamily="18" charset="0"/>
                                       </a:rPr>
@@ -4615,7 +4810,7 @@
                     </m:oMath>
                   </m:oMathPara>
                 </a14:m>
-                <a:endParaRPr lang="en-US" sz="2133" dirty="0"/>
+                <a:endParaRPr lang="en-US" sz="3200" dirty="0"/>
               </a:p>
             </p:txBody>
           </p:sp>
@@ -4637,8 +4832,8 @@
             </p:nvSpPr>
             <p:spPr>
               <a:xfrm>
-                <a:off x="12968633" y="10020743"/>
-                <a:ext cx="3610785" cy="1890774"/>
+                <a:off x="26768150" y="15031118"/>
+                <a:ext cx="5416178" cy="2790187"/>
               </a:xfrm>
               <a:prstGeom prst="rect">
                 <a:avLst/>
@@ -4646,7 +4841,7 @@
               <a:blipFill>
                 <a:blip r:embed="rId2"/>
                 <a:stretch>
-                  <a:fillRect l="-3147" t="-3289" r="-2797"/>
+                  <a:fillRect l="-3030" t="-4505" r="-3030" b="-1802"/>
                 </a:stretch>
               </a:blipFill>
               <a:ln w="28575">
@@ -4684,8 +4879,8 @@
         </p:nvGrpSpPr>
         <p:grpSpPr>
           <a:xfrm>
-            <a:off x="12996805" y="12205159"/>
-            <a:ext cx="3554439" cy="2409318"/>
+            <a:off x="26810411" y="18307740"/>
+            <a:ext cx="5331659" cy="3613978"/>
             <a:chOff x="8651359" y="2961973"/>
             <a:chExt cx="2665829" cy="1806988"/>
           </a:xfrm>
@@ -4705,7 +4900,7 @@
           <p:spPr>
             <a:xfrm>
               <a:off x="8651359" y="2961973"/>
-              <a:ext cx="2665829" cy="1792750"/>
+              <a:ext cx="2665829" cy="1769714"/>
             </a:xfrm>
             <a:prstGeom prst="rect">
               <a:avLst/>
@@ -4725,28 +4920,28 @@
             <a:p>
               <a:pPr algn="ctr"/>
               <a:r>
-                <a:rPr lang="en-US" sz="3200" b="1" u="sng" dirty="0"/>
+                <a:rPr lang="en-US" sz="4800" b="1" u="sng" dirty="0"/>
                 <a:t>Step 3(iii)</a:t>
               </a:r>
             </a:p>
             <a:p>
               <a:pPr algn="ctr"/>
               <a:r>
-                <a:rPr lang="en-US" sz="3200" dirty="0"/>
+                <a:rPr lang="en-US" sz="4800" dirty="0"/>
                 <a:t>Optimality Analysis</a:t>
               </a:r>
             </a:p>
             <a:p>
               <a:pPr algn="ctr"/>
-              <a:endParaRPr lang="en-US" sz="3200" dirty="0"/>
+              <a:endParaRPr lang="en-US" sz="4800" dirty="0"/>
+            </a:p>
+            <a:p>
+              <a:pPr algn="ctr"/>
+              <a:endParaRPr lang="en-US" sz="4800" dirty="0"/>
             </a:p>
             <a:p>
               <a:pPr algn="ctr"/>
               <a:endParaRPr lang="en-US" sz="3200" dirty="0"/>
-            </a:p>
-            <a:p>
-              <a:pPr algn="ctr"/>
-              <a:endParaRPr lang="en-US" sz="2133" dirty="0"/>
             </a:p>
           </p:txBody>
         </p:sp>
@@ -4812,8 +5007,8 @@
         </p:nvGrpSpPr>
         <p:grpSpPr>
           <a:xfrm>
-            <a:off x="8302200" y="10584807"/>
-            <a:ext cx="574011" cy="778912"/>
+            <a:off x="19768504" y="15877217"/>
+            <a:ext cx="861017" cy="1168369"/>
             <a:chOff x="5272360" y="2006015"/>
             <a:chExt cx="430508" cy="573172"/>
           </a:xfrm>
@@ -4859,7 +5054,7 @@
             </a:fontRef>
           </p:style>
           <p:txBody>
-            <a:bodyPr rot="0" spcFirstLastPara="0" vertOverflow="overflow" horzOverflow="overflow" vert="horz" wrap="square" lIns="121920" tIns="60960" rIns="121920" bIns="60960" numCol="1" spcCol="0" rtlCol="0" fromWordArt="0" anchor="ctr" anchorCtr="0" forceAA="0" compatLnSpc="1">
+            <a:bodyPr rot="0" spcFirstLastPara="0" vertOverflow="overflow" horzOverflow="overflow" vert="horz" wrap="square" lIns="182880" tIns="91440" rIns="182880" bIns="91440" numCol="1" spcCol="0" rtlCol="0" fromWordArt="0" anchor="ctr" anchorCtr="0" forceAA="0" compatLnSpc="1">
               <a:prstTxWarp prst="textNoShape">
                 <a:avLst/>
               </a:prstTxWarp>
@@ -4868,7 +5063,7 @@
             <a:lstStyle/>
             <a:p>
               <a:pPr algn="ctr"/>
-              <a:endParaRPr lang="en-US" sz="3200" dirty="0"/>
+              <a:endParaRPr lang="en-US" sz="4800" dirty="0"/>
             </a:p>
           </p:txBody>
         </p:sp>
@@ -4930,8 +5125,8 @@
           </p:nvCxnSpPr>
           <p:spPr>
             <a:xfrm flipV="1">
-              <a:off x="5605070" y="2288537"/>
-              <a:ext cx="97798" cy="4064"/>
+              <a:off x="5605070" y="2277242"/>
+              <a:ext cx="97798" cy="15358"/>
             </a:xfrm>
             <a:prstGeom prst="straightConnector1">
               <a:avLst/>
@@ -4973,8 +5168,8 @@
         </p:nvGrpSpPr>
         <p:grpSpPr>
           <a:xfrm>
-            <a:off x="4981168" y="10584808"/>
-            <a:ext cx="571098" cy="764230"/>
+            <a:off x="14786953" y="15877216"/>
+            <a:ext cx="856647" cy="1146345"/>
             <a:chOff x="2783765" y="2006015"/>
             <a:chExt cx="428323" cy="573172"/>
           </a:xfrm>
@@ -5085,8 +5280,8 @@
           </p:nvCxnSpPr>
           <p:spPr>
             <a:xfrm>
-              <a:off x="2783765" y="2281062"/>
-              <a:ext cx="95613" cy="11539"/>
+              <a:off x="2783765" y="2269518"/>
+              <a:ext cx="95613" cy="23083"/>
             </a:xfrm>
             <a:prstGeom prst="line">
               <a:avLst/>
@@ -5153,7 +5348,7 @@
             </a:fontRef>
           </p:style>
           <p:txBody>
-            <a:bodyPr rot="0" spcFirstLastPara="0" vertOverflow="overflow" horzOverflow="overflow" vert="horz" wrap="square" lIns="121920" tIns="60960" rIns="121920" bIns="60960" numCol="1" spcCol="0" rtlCol="0" fromWordArt="0" anchor="ctr" anchorCtr="0" forceAA="0" compatLnSpc="1">
+            <a:bodyPr rot="0" spcFirstLastPara="0" vertOverflow="overflow" horzOverflow="overflow" vert="horz" wrap="square" lIns="182880" tIns="91440" rIns="182880" bIns="91440" numCol="1" spcCol="0" rtlCol="0" fromWordArt="0" anchor="ctr" anchorCtr="0" forceAA="0" compatLnSpc="1">
               <a:prstTxWarp prst="textNoShape">
                 <a:avLst/>
               </a:prstTxWarp>
@@ -5162,7 +5357,7 @@
             <a:lstStyle/>
             <a:p>
               <a:pPr algn="ctr"/>
-              <a:endParaRPr lang="en-US" sz="3200" dirty="0"/>
+              <a:endParaRPr lang="en-US" sz="4800" dirty="0"/>
             </a:p>
           </p:txBody>
         </p:sp>
@@ -5181,8 +5376,8 @@
         </p:nvSpPr>
         <p:spPr>
           <a:xfrm>
-            <a:off x="5323166" y="11152811"/>
-            <a:ext cx="3208140" cy="1569660"/>
+            <a:off x="15299949" y="16729217"/>
+            <a:ext cx="4812210" cy="2308324"/>
           </a:xfrm>
           <a:prstGeom prst="rect">
             <a:avLst/>
@@ -5202,14 +5397,14 @@
           <a:p>
             <a:pPr algn="ctr"/>
             <a:r>
-              <a:rPr lang="en-US" sz="3200" b="1" u="sng" dirty="0"/>
+              <a:rPr lang="en-US" sz="4800" b="1" u="sng" dirty="0"/>
               <a:t>Step 1(ii)</a:t>
             </a:r>
           </a:p>
           <a:p>
             <a:pPr algn="ctr"/>
             <a:r>
-              <a:rPr lang="en-US" sz="3200" dirty="0"/>
+              <a:rPr lang="en-US" sz="4800" dirty="0"/>
               <a:t>Compare Model Fit Indices</a:t>
             </a:r>
           </a:p>
@@ -5229,10 +5424,10 @@
         </p:nvGrpSpPr>
         <p:grpSpPr>
           <a:xfrm>
-            <a:off x="1332359" y="10166706"/>
-            <a:ext cx="3648807" cy="1569660"/>
+            <a:off x="9313742" y="15250059"/>
+            <a:ext cx="5473211" cy="2308324"/>
             <a:chOff x="44977" y="3053026"/>
-            <a:chExt cx="2736605" cy="1177245"/>
+            <a:chExt cx="2736605" cy="1154162"/>
           </a:xfrm>
         </p:grpSpPr>
         <p:sp>
@@ -5250,7 +5445,7 @@
           <p:spPr>
             <a:xfrm>
               <a:off x="44977" y="3053026"/>
-              <a:ext cx="2736605" cy="1177245"/>
+              <a:ext cx="2736605" cy="1154162"/>
             </a:xfrm>
             <a:prstGeom prst="rect">
               <a:avLst/>
@@ -5270,20 +5465,20 @@
             <a:p>
               <a:pPr algn="ctr"/>
               <a:r>
-                <a:rPr lang="en-US" sz="3200" b="1" u="sng" dirty="0"/>
+                <a:rPr lang="en-US" sz="4800" b="1" u="sng" dirty="0"/>
                 <a:t>Step 0</a:t>
               </a:r>
             </a:p>
             <a:p>
               <a:pPr algn="ctr"/>
               <a:r>
-                <a:rPr lang="en-US" sz="3200" dirty="0"/>
+                <a:rPr lang="en-US" sz="4800" dirty="0"/>
                 <a:t>Estimate Parameters</a:t>
               </a:r>
             </a:p>
             <a:p>
               <a:pPr algn="ctr"/>
-              <a:endParaRPr lang="en-US" sz="3200" dirty="0"/>
+              <a:endParaRPr lang="en-US" sz="4800" dirty="0"/>
             </a:p>
           </p:txBody>
         </p:sp>
@@ -5370,10 +5565,10 @@
         </p:nvGrpSpPr>
         <p:grpSpPr>
           <a:xfrm>
-            <a:off x="5552264" y="8310266"/>
-            <a:ext cx="2749936" cy="2390334"/>
+            <a:off x="15643596" y="12465400"/>
+            <a:ext cx="4124904" cy="3539430"/>
             <a:chOff x="3125498" y="321690"/>
-            <a:chExt cx="2062452" cy="1792750"/>
+            <a:chExt cx="2062452" cy="1769714"/>
           </a:xfrm>
         </p:grpSpPr>
         <p:sp>
@@ -5391,7 +5586,7 @@
           <p:spPr>
             <a:xfrm>
               <a:off x="3125498" y="321690"/>
-              <a:ext cx="2062452" cy="1792750"/>
+              <a:ext cx="2062452" cy="1769714"/>
             </a:xfrm>
             <a:prstGeom prst="rect">
               <a:avLst/>
@@ -5411,36 +5606,36 @@
             <a:p>
               <a:pPr algn="ctr"/>
               <a:r>
-                <a:rPr lang="en-US" sz="3200" b="1" u="sng" dirty="0"/>
+                <a:rPr lang="en-US" sz="4800" b="1" u="sng" dirty="0"/>
                 <a:t>Step 1(</a:t>
               </a:r>
               <a:r>
-                <a:rPr lang="en-US" sz="3200" b="1" u="sng" dirty="0" err="1"/>
+                <a:rPr lang="en-US" sz="4800" b="1" u="sng" dirty="0" err="1"/>
                 <a:t>i</a:t>
               </a:r>
               <a:r>
-                <a:rPr lang="en-US" sz="3200" b="1" u="sng" dirty="0"/>
+                <a:rPr lang="en-US" sz="4800" b="1" u="sng" dirty="0"/>
                 <a:t>)</a:t>
               </a:r>
             </a:p>
             <a:p>
               <a:pPr algn="ctr"/>
               <a:r>
-                <a:rPr lang="en-US" sz="3200" dirty="0"/>
+                <a:rPr lang="en-US" sz="4800" dirty="0"/>
                 <a:t>Visualize Fits</a:t>
               </a:r>
             </a:p>
             <a:p>
               <a:pPr algn="ctr"/>
-              <a:endParaRPr lang="en-US" sz="3200" dirty="0"/>
+              <a:endParaRPr lang="en-US" sz="4800" dirty="0"/>
+            </a:p>
+            <a:p>
+              <a:pPr algn="ctr"/>
+              <a:endParaRPr lang="en-US" sz="4800" dirty="0"/>
             </a:p>
             <a:p>
               <a:pPr algn="ctr"/>
               <a:endParaRPr lang="en-US" sz="3200" dirty="0"/>
-            </a:p>
-            <a:p>
-              <a:pPr algn="ctr"/>
-              <a:endParaRPr lang="en-US" sz="2133" dirty="0"/>
             </a:p>
           </p:txBody>
         </p:sp>
@@ -5491,8 +5686,8 @@
             </p:nvSpPr>
             <p:spPr>
               <a:xfrm>
-                <a:off x="8876211" y="10244887"/>
-                <a:ext cx="3750423" cy="1447704"/>
+                <a:off x="20629520" y="15367331"/>
+                <a:ext cx="5625635" cy="2125518"/>
               </a:xfrm>
               <a:prstGeom prst="rect">
                 <a:avLst/>
@@ -5512,14 +5707,14 @@
               <a:p>
                 <a:pPr algn="ctr"/>
                 <a:r>
-                  <a:rPr lang="en-US" sz="3200" b="1" u="sng" dirty="0"/>
+                  <a:rPr lang="en-US" sz="4800" b="1" u="sng" dirty="0"/>
                   <a:t>Step 2</a:t>
                 </a:r>
               </a:p>
               <a:p>
                 <a:pPr algn="ctr"/>
                 <a:r>
-                  <a:rPr lang="en-US" sz="3200" dirty="0"/>
+                  <a:rPr lang="en-US" sz="4800" dirty="0"/>
                   <a:t>Rank Models</a:t>
                 </a:r>
               </a:p>
@@ -5532,7 +5727,7 @@
                     </m:oMathParaPr>
                     <m:oMath xmlns:m="http://schemas.openxmlformats.org/officeDocument/2006/math">
                       <m:r>
-                        <a:rPr lang="en-US" sz="2133" i="1">
+                        <a:rPr lang="en-US" sz="3200" i="1">
                           <a:latin typeface="Cambria Math" panose="02040503050406030204" pitchFamily="18" charset="0"/>
                         </a:rPr>
                         <m:t>𝐴𝐼𝐶</m:t>
@@ -5540,14 +5735,14 @@
                       <m:d>
                         <m:dPr>
                           <m:ctrlPr>
-                            <a:rPr lang="en-US" sz="2133" i="1">
+                            <a:rPr lang="en-US" sz="3200" i="1">
                               <a:latin typeface="Cambria Math" panose="02040503050406030204" pitchFamily="18" charset="0"/>
                             </a:rPr>
                           </m:ctrlPr>
                         </m:dPr>
                         <m:e>
                           <m:r>
-                            <a:rPr lang="en-US" sz="2133" i="1">
+                            <a:rPr lang="en-US" sz="3200" i="1">
                               <a:latin typeface="Cambria Math" panose="02040503050406030204" pitchFamily="18" charset="0"/>
                             </a:rPr>
                             <m:t>𝑝</m:t>
@@ -5555,13 +5750,13 @@
                         </m:e>
                       </m:d>
                       <m:r>
-                        <a:rPr lang="en-US" sz="2133" i="1">
+                        <a:rPr lang="en-US" sz="3200" i="1">
                           <a:latin typeface="Cambria Math" panose="02040503050406030204" pitchFamily="18" charset="0"/>
                         </a:rPr>
                         <m:t>=</m:t>
                       </m:r>
                       <m:r>
-                        <a:rPr lang="en-US" sz="2133" i="1">
+                        <a:rPr lang="en-US" sz="3200" i="1">
                           <a:latin typeface="Cambria Math" panose="02040503050406030204" pitchFamily="18" charset="0"/>
                         </a:rPr>
                         <m:t>𝑁</m:t>
@@ -5570,7 +5765,7 @@
                         <m:rPr>
                           <m:sty m:val="p"/>
                         </m:rPr>
-                        <a:rPr lang="en-US" sz="2133">
+                        <a:rPr lang="en-US" sz="3200">
                           <a:latin typeface="Cambria Math" panose="02040503050406030204" pitchFamily="18" charset="0"/>
                         </a:rPr>
                         <m:t>ln</m:t>
@@ -5578,14 +5773,14 @@
                       <m:d>
                         <m:dPr>
                           <m:ctrlPr>
-                            <a:rPr lang="en-US" sz="2133" i="1">
+                            <a:rPr lang="en-US" sz="3200" i="1">
                               <a:latin typeface="Cambria Math" panose="02040503050406030204" pitchFamily="18" charset="0"/>
                             </a:rPr>
                           </m:ctrlPr>
                         </m:dPr>
                         <m:e>
                           <m:r>
-                            <a:rPr lang="en-US" sz="2133" i="1">
+                            <a:rPr lang="en-US" sz="3200" i="1">
                               <a:latin typeface="Cambria Math" panose="02040503050406030204" pitchFamily="18" charset="0"/>
                             </a:rPr>
                             <m:t>𝑀𝑆𝐸</m:t>
@@ -5593,14 +5788,14 @@
                           <m:d>
                             <m:dPr>
                               <m:ctrlPr>
-                                <a:rPr lang="en-US" sz="2133" i="1">
+                                <a:rPr lang="en-US" sz="3200" i="1">
                                   <a:latin typeface="Cambria Math" panose="02040503050406030204" pitchFamily="18" charset="0"/>
                                 </a:rPr>
                               </m:ctrlPr>
                             </m:dPr>
                             <m:e>
                               <m:r>
-                                <a:rPr lang="en-US" sz="2133" i="1">
+                                <a:rPr lang="en-US" sz="3200" i="1">
                                   <a:latin typeface="Cambria Math" panose="02040503050406030204" pitchFamily="18" charset="0"/>
                                 </a:rPr>
                                 <m:t>𝑝</m:t>
@@ -5610,13 +5805,13 @@
                         </m:e>
                       </m:d>
                       <m:r>
-                        <a:rPr lang="en-US" sz="2133" i="1">
+                        <a:rPr lang="en-US" sz="3200" i="1">
                           <a:latin typeface="Cambria Math" panose="02040503050406030204" pitchFamily="18" charset="0"/>
                         </a:rPr>
                         <m:t>+2</m:t>
                       </m:r>
                       <m:r>
-                        <a:rPr lang="en-US" sz="2133" i="1">
+                        <a:rPr lang="en-US" sz="3200" i="1">
                           <a:latin typeface="Cambria Math" panose="02040503050406030204" pitchFamily="18" charset="0"/>
                         </a:rPr>
                         <m:t>𝑝</m:t>
@@ -5624,7 +5819,7 @@
                     </m:oMath>
                   </m:oMathPara>
                 </a14:m>
-                <a:endParaRPr lang="en-US" sz="2133" dirty="0"/>
+                <a:endParaRPr lang="en-US" sz="3200" dirty="0"/>
               </a:p>
             </p:txBody>
           </p:sp>
@@ -5646,8 +5841,8 @@
             </p:nvSpPr>
             <p:spPr>
               <a:xfrm>
-                <a:off x="8876211" y="10244887"/>
-                <a:ext cx="3750423" cy="1447704"/>
+                <a:off x="20629520" y="15367331"/>
+                <a:ext cx="5625635" cy="2125518"/>
               </a:xfrm>
               <a:prstGeom prst="rect">
                 <a:avLst/>
@@ -5655,7 +5850,7 @@
               <a:blipFill>
                 <a:blip r:embed="rId7"/>
                 <a:stretch>
-                  <a:fillRect t="-4274"/>
+                  <a:fillRect t="-5294" b="-2941"/>
                 </a:stretch>
               </a:blipFill>
               <a:ln w="28575">
@@ -5711,10 +5906,10 @@
       </p:grpSpPr>
       <p:grpSp>
         <p:nvGrpSpPr>
-          <p:cNvPr id="18" name="Group 17">
+          <p:cNvPr id="92" name="Group 91">
             <a:extLst>
               <a:ext uri="{FF2B5EF4-FFF2-40B4-BE49-F238E27FC236}">
-                <a16:creationId xmlns:a16="http://schemas.microsoft.com/office/drawing/2014/main" id="{64B30071-F484-E644-A563-797B593DC5ED}"/>
+                <a16:creationId xmlns:a16="http://schemas.microsoft.com/office/drawing/2014/main" id="{02BD36A0-B2E2-634D-B5D3-E3A07F74EC68}"/>
               </a:ext>
             </a:extLst>
           </p:cNvPr>
@@ -5723,153 +5918,18 @@
         </p:nvGrpSpPr>
         <p:grpSpPr>
           <a:xfrm>
-            <a:off x="1324173" y="7878022"/>
-            <a:ext cx="15667067" cy="6189558"/>
-            <a:chOff x="44977" y="1336516"/>
-            <a:chExt cx="11750300" cy="4642168"/>
+            <a:off x="1196109" y="11617010"/>
+            <a:ext cx="45865968" cy="11025549"/>
+            <a:chOff x="1196109" y="11617010"/>
+            <a:chExt cx="45865968" cy="11025549"/>
           </a:xfrm>
         </p:grpSpPr>
-        <p:cxnSp>
-          <p:nvCxnSpPr>
-            <p:cNvPr id="16" name="Straight Arrow Connector 15">
+        <p:grpSp>
+          <p:nvGrpSpPr>
+            <p:cNvPr id="91" name="Group 90">
               <a:extLst>
                 <a:ext uri="{FF2B5EF4-FFF2-40B4-BE49-F238E27FC236}">
-                  <a16:creationId xmlns:a16="http://schemas.microsoft.com/office/drawing/2014/main" id="{3EDCAE9A-DBB2-C940-83EA-D68536364825}"/>
-                </a:ext>
-              </a:extLst>
-            </p:cNvPr>
-            <p:cNvCxnSpPr>
-              <a:stCxn id="60" idx="3"/>
-              <a:endCxn id="66" idx="1"/>
-            </p:cNvCxnSpPr>
-            <p:nvPr/>
-          </p:nvCxnSpPr>
-          <p:spPr>
-            <a:xfrm flipV="1">
-              <a:off x="8443350" y="3645899"/>
-              <a:ext cx="164242" cy="112"/>
-            </a:xfrm>
-            <a:prstGeom prst="straightConnector1">
-              <a:avLst/>
-            </a:prstGeom>
-            <a:ln w="28575">
-              <a:solidFill>
-                <a:srgbClr val="00B050"/>
-              </a:solidFill>
-              <a:tailEnd type="triangle"/>
-            </a:ln>
-          </p:spPr>
-          <p:style>
-            <a:lnRef idx="1">
-              <a:schemeClr val="accent1"/>
-            </a:lnRef>
-            <a:fillRef idx="0">
-              <a:schemeClr val="accent1"/>
-            </a:fillRef>
-            <a:effectRef idx="0">
-              <a:schemeClr val="accent1"/>
-            </a:effectRef>
-            <a:fontRef idx="minor">
-              <a:schemeClr val="tx1"/>
-            </a:fontRef>
-          </p:style>
-        </p:cxnSp>
-        <p:cxnSp>
-          <p:nvCxnSpPr>
-            <p:cNvPr id="13" name="Straight Arrow Connector 12">
-              <a:extLst>
-                <a:ext uri="{FF2B5EF4-FFF2-40B4-BE49-F238E27FC236}">
-                  <a16:creationId xmlns:a16="http://schemas.microsoft.com/office/drawing/2014/main" id="{4008B2E5-D1A9-DF4E-837E-92F767B1E003}"/>
-                </a:ext>
-              </a:extLst>
-            </p:cNvPr>
-            <p:cNvCxnSpPr>
-              <a:stCxn id="42" idx="3"/>
-              <a:endCxn id="60" idx="1"/>
-            </p:cNvCxnSpPr>
-            <p:nvPr/>
-          </p:nvCxnSpPr>
-          <p:spPr>
-            <a:xfrm flipV="1">
-              <a:off x="5466291" y="3646010"/>
-              <a:ext cx="164242" cy="25"/>
-            </a:xfrm>
-            <a:prstGeom prst="straightConnector1">
-              <a:avLst/>
-            </a:prstGeom>
-            <a:ln w="28575">
-              <a:solidFill>
-                <a:srgbClr val="00B050"/>
-              </a:solidFill>
-              <a:tailEnd type="triangle"/>
-            </a:ln>
-          </p:spPr>
-          <p:style>
-            <a:lnRef idx="1">
-              <a:schemeClr val="accent1"/>
-            </a:lnRef>
-            <a:fillRef idx="0">
-              <a:schemeClr val="accent1"/>
-            </a:fillRef>
-            <a:effectRef idx="0">
-              <a:schemeClr val="accent1"/>
-            </a:effectRef>
-            <a:fontRef idx="minor">
-              <a:schemeClr val="tx1"/>
-            </a:fontRef>
-          </p:style>
-        </p:cxnSp>
-        <p:cxnSp>
-          <p:nvCxnSpPr>
-            <p:cNvPr id="10" name="Straight Arrow Connector 9">
-              <a:extLst>
-                <a:ext uri="{FF2B5EF4-FFF2-40B4-BE49-F238E27FC236}">
-                  <a16:creationId xmlns:a16="http://schemas.microsoft.com/office/drawing/2014/main" id="{9A6C2D86-824F-DE45-A9EE-6967DD2AF95B}"/>
-                </a:ext>
-              </a:extLst>
-            </p:cNvPr>
-            <p:cNvCxnSpPr>
-              <a:stCxn id="19" idx="3"/>
-              <a:endCxn id="42" idx="1"/>
-            </p:cNvCxnSpPr>
-            <p:nvPr/>
-          </p:nvCxnSpPr>
-          <p:spPr>
-            <a:xfrm>
-              <a:off x="2781582" y="3641648"/>
-              <a:ext cx="164589" cy="4386"/>
-            </a:xfrm>
-            <a:prstGeom prst="straightConnector1">
-              <a:avLst/>
-            </a:prstGeom>
-            <a:ln w="28575">
-              <a:solidFill>
-                <a:srgbClr val="00B050"/>
-              </a:solidFill>
-              <a:tailEnd type="triangle"/>
-            </a:ln>
-          </p:spPr>
-          <p:style>
-            <a:lnRef idx="1">
-              <a:schemeClr val="accent1"/>
-            </a:lnRef>
-            <a:fillRef idx="0">
-              <a:schemeClr val="accent1"/>
-            </a:fillRef>
-            <a:effectRef idx="0">
-              <a:schemeClr val="accent1"/>
-            </a:effectRef>
-            <a:fontRef idx="minor">
-              <a:schemeClr val="tx1"/>
-            </a:fontRef>
-          </p:style>
-        </p:cxnSp>
-        <p:grpSp>
-          <p:nvGrpSpPr>
-            <p:cNvPr id="108" name="Group 107">
-              <a:extLst>
-                <a:ext uri="{FF2B5EF4-FFF2-40B4-BE49-F238E27FC236}">
-                  <a16:creationId xmlns:a16="http://schemas.microsoft.com/office/drawing/2014/main" id="{3AD6DE9C-E889-A341-8D7C-51B2C695B6D3}"/>
+                  <a16:creationId xmlns:a16="http://schemas.microsoft.com/office/drawing/2014/main" id="{EB0DD3FC-DEE5-AC4D-9B72-6394D33CBFB4}"/>
                 </a:ext>
               </a:extLst>
             </p:cNvPr>
@@ -5878,487 +5938,1309 @@
           </p:nvGrpSpPr>
           <p:grpSpPr>
             <a:xfrm>
-              <a:off x="44977" y="3053026"/>
-              <a:ext cx="2736605" cy="1177245"/>
-              <a:chOff x="44977" y="3053026"/>
-              <a:chExt cx="2736605" cy="1177245"/>
+              <a:off x="1196109" y="11617010"/>
+              <a:ext cx="45865968" cy="11025549"/>
+              <a:chOff x="1196109" y="11617010"/>
+              <a:chExt cx="45865968" cy="11025549"/>
             </a:xfrm>
           </p:grpSpPr>
-          <p:sp>
-            <p:nvSpPr>
-              <p:cNvPr id="19" name="TextBox 18">
+          <p:grpSp>
+            <p:nvGrpSpPr>
+              <p:cNvPr id="57" name="Group 56">
                 <a:extLst>
                   <a:ext uri="{FF2B5EF4-FFF2-40B4-BE49-F238E27FC236}">
-                    <a16:creationId xmlns:a16="http://schemas.microsoft.com/office/drawing/2014/main" id="{5E91B94C-03C0-EB4A-BD3F-6648F24F58F2}"/>
+                    <a16:creationId xmlns:a16="http://schemas.microsoft.com/office/drawing/2014/main" id="{D26EB751-9569-9240-BCD2-C491763E2EE5}"/>
                   </a:ext>
                 </a:extLst>
               </p:cNvPr>
-              <p:cNvSpPr txBox="1"/>
+              <p:cNvGrpSpPr/>
               <p:nvPr/>
-            </p:nvSpPr>
-            <p:spPr>
+            </p:nvGrpSpPr>
+            <p:grpSpPr>
               <a:xfrm>
-                <a:off x="44977" y="3053026"/>
-                <a:ext cx="2736605" cy="1177245"/>
+                <a:off x="1196109" y="11617010"/>
+                <a:ext cx="45865968" cy="9684382"/>
+                <a:chOff x="1196109" y="11617010"/>
+                <a:chExt cx="45865968" cy="9684382"/>
               </a:xfrm>
-              <a:prstGeom prst="rect">
-                <a:avLst/>
-              </a:prstGeom>
-              <a:noFill/>
-              <a:ln w="28575">
-                <a:solidFill>
-                  <a:srgbClr val="0432FF"/>
-                </a:solidFill>
-              </a:ln>
-            </p:spPr>
-            <p:txBody>
-              <a:bodyPr wrap="square" rtlCol="0">
-                <a:spAutoFit/>
-              </a:bodyPr>
-              <a:lstStyle/>
-              <a:p>
-                <a:pPr algn="ctr"/>
-                <a:r>
-                  <a:rPr lang="en-US" sz="3200" b="1" u="sng" dirty="0"/>
-                  <a:t>Step 0</a:t>
-                </a:r>
-              </a:p>
-              <a:p>
-                <a:pPr algn="ctr"/>
-                <a:r>
-                  <a:rPr lang="en-US" sz="3200" dirty="0"/>
-                  <a:t>Estimate Parameters</a:t>
-                </a:r>
-              </a:p>
-              <a:p>
-                <a:pPr algn="ctr"/>
-                <a:endParaRPr lang="en-US" sz="3200" dirty="0"/>
-              </a:p>
-            </p:txBody>
-          </p:sp>
-          <p:pic>
-            <p:nvPicPr>
-              <p:cNvPr id="21" name="Picture 20" descr="Logo&#10;&#10;Description automatically generated">
-                <a:extLst>
-                  <a:ext uri="{FF2B5EF4-FFF2-40B4-BE49-F238E27FC236}">
-                    <a16:creationId xmlns:a16="http://schemas.microsoft.com/office/drawing/2014/main" id="{69522DBC-F418-1249-BEB6-C79B68261406}"/>
-                  </a:ext>
-                </a:extLst>
-              </p:cNvPr>
-              <p:cNvPicPr/>
-              <p:nvPr/>
-            </p:nvPicPr>
-            <p:blipFill>
-              <a:blip r:embed="rId2" cstate="print">
-                <a:extLst>
-                  <a:ext uri="{28A0092B-C50C-407E-A947-70E740481C1C}">
-                    <a14:useLocalDpi xmlns:a14="http://schemas.microsoft.com/office/drawing/2010/main" val="0"/>
-                  </a:ext>
-                </a:extLst>
-              </a:blip>
-              <a:stretch>
-                <a:fillRect/>
-              </a:stretch>
-            </p:blipFill>
-            <p:spPr>
-              <a:xfrm>
-                <a:off x="447030" y="3865617"/>
-                <a:ext cx="633006" cy="223013"/>
-              </a:xfrm>
-              <a:prstGeom prst="rect">
-                <a:avLst/>
-              </a:prstGeom>
-            </p:spPr>
-          </p:pic>
-          <p:pic>
-            <p:nvPicPr>
-              <p:cNvPr id="55" name="Picture 54" descr="A picture containing logo&#10;&#10;Description automatically generated">
-                <a:extLst>
-                  <a:ext uri="{FF2B5EF4-FFF2-40B4-BE49-F238E27FC236}">
-                    <a16:creationId xmlns:a16="http://schemas.microsoft.com/office/drawing/2014/main" id="{D180184F-AE5F-EB4D-B684-878C5D7210E5}"/>
-                  </a:ext>
-                </a:extLst>
-              </p:cNvPr>
-              <p:cNvPicPr/>
-              <p:nvPr/>
-            </p:nvPicPr>
-            <p:blipFill>
-              <a:blip r:embed="rId3" cstate="print">
-                <a:extLst>
-                  <a:ext uri="{28A0092B-C50C-407E-A947-70E740481C1C}">
-                    <a14:useLocalDpi xmlns:a14="http://schemas.microsoft.com/office/drawing/2010/main" val="0"/>
-                  </a:ext>
-                </a:extLst>
-              </a:blip>
-              <a:stretch>
-                <a:fillRect/>
-              </a:stretch>
-            </p:blipFill>
-            <p:spPr>
-              <a:xfrm>
-                <a:off x="1328452" y="3792605"/>
-                <a:ext cx="1007897" cy="369039"/>
-              </a:xfrm>
-              <a:prstGeom prst="rect">
-                <a:avLst/>
-              </a:prstGeom>
-            </p:spPr>
-          </p:pic>
-        </p:grpSp>
-        <p:grpSp>
-          <p:nvGrpSpPr>
-            <p:cNvPr id="2" name="Group 1">
-              <a:extLst>
-                <a:ext uri="{FF2B5EF4-FFF2-40B4-BE49-F238E27FC236}">
-                  <a16:creationId xmlns:a16="http://schemas.microsoft.com/office/drawing/2014/main" id="{4E06B52A-1B8D-8945-A28C-02F42534A7A6}"/>
-                </a:ext>
-              </a:extLst>
-            </p:cNvPr>
-            <p:cNvGrpSpPr/>
-            <p:nvPr/>
-          </p:nvGrpSpPr>
-          <p:grpSpPr>
-            <a:xfrm>
-              <a:off x="2946171" y="2380327"/>
-              <a:ext cx="2520120" cy="2531414"/>
-              <a:chOff x="2953409" y="2144128"/>
-              <a:chExt cx="2520120" cy="2531414"/>
-            </a:xfrm>
-          </p:grpSpPr>
-          <p:sp>
-            <p:nvSpPr>
-              <p:cNvPr id="42" name="TextBox 41">
-                <a:extLst>
-                  <a:ext uri="{FF2B5EF4-FFF2-40B4-BE49-F238E27FC236}">
-                    <a16:creationId xmlns:a16="http://schemas.microsoft.com/office/drawing/2014/main" id="{5EFCC20A-56A8-0945-8992-632963F4176B}"/>
-                  </a:ext>
-                </a:extLst>
-              </p:cNvPr>
-              <p:cNvSpPr txBox="1"/>
-              <p:nvPr/>
-            </p:nvSpPr>
-            <p:spPr>
-              <a:xfrm>
-                <a:off x="2953409" y="2144128"/>
-                <a:ext cx="2520120" cy="2531414"/>
-              </a:xfrm>
-              <a:prstGeom prst="rect">
-                <a:avLst/>
-              </a:prstGeom>
-              <a:noFill/>
-              <a:ln w="28575">
-                <a:solidFill>
-                  <a:srgbClr val="0432FF"/>
-                </a:solidFill>
-              </a:ln>
-            </p:spPr>
-            <p:txBody>
-              <a:bodyPr wrap="square" rtlCol="0">
-                <a:spAutoFit/>
-              </a:bodyPr>
-              <a:lstStyle/>
-              <a:p>
-                <a:pPr algn="ctr"/>
-                <a:r>
-                  <a:rPr lang="en-US" sz="3200" b="1" u="sng" dirty="0"/>
-                  <a:t>Step 1</a:t>
-                </a:r>
-              </a:p>
-              <a:p>
-                <a:pPr algn="ctr"/>
-                <a:r>
-                  <a:rPr lang="en-US" sz="3200" dirty="0" err="1"/>
-                  <a:t>i</a:t>
-                </a:r>
-                <a:r>
-                  <a:rPr lang="en-US" sz="3200" dirty="0"/>
-                  <a:t>) Visualize Fits</a:t>
-                </a:r>
-              </a:p>
-              <a:p>
-                <a:pPr algn="ctr"/>
-                <a:endParaRPr lang="en-US" sz="3200" dirty="0"/>
-              </a:p>
-              <a:p>
-                <a:pPr algn="ctr"/>
-                <a:endParaRPr lang="en-US" sz="3200" dirty="0"/>
-              </a:p>
-              <a:p>
-                <a:pPr algn="ctr"/>
-                <a:endParaRPr lang="en-US" sz="2133" dirty="0"/>
-              </a:p>
-              <a:p>
-                <a:pPr algn="ctr"/>
-                <a:r>
-                  <a:rPr lang="en-US" sz="3200" dirty="0"/>
-                  <a:t>ii) Compare Model Fit Metric</a:t>
-                </a:r>
-              </a:p>
-            </p:txBody>
-          </p:sp>
-          <p:pic>
-            <p:nvPicPr>
-              <p:cNvPr id="5" name="Picture 4">
-                <a:extLst>
-                  <a:ext uri="{FF2B5EF4-FFF2-40B4-BE49-F238E27FC236}">
-                    <a16:creationId xmlns:a16="http://schemas.microsoft.com/office/drawing/2014/main" id="{6E32A4FC-60A3-664C-8EF2-50369BA89118}"/>
-                  </a:ext>
-                </a:extLst>
-              </p:cNvPr>
-              <p:cNvPicPr>
-                <a:picLocks noChangeAspect="1"/>
-              </p:cNvPicPr>
-              <p:nvPr/>
-            </p:nvPicPr>
-            <p:blipFill>
-              <a:blip r:embed="rId4"/>
-              <a:stretch>
-                <a:fillRect/>
-              </a:stretch>
-            </p:blipFill>
-            <p:spPr>
-              <a:xfrm>
-                <a:off x="3441167" y="2950484"/>
-                <a:ext cx="1544604" cy="941832"/>
-              </a:xfrm>
-              <a:prstGeom prst="rect">
-                <a:avLst/>
-              </a:prstGeom>
-            </p:spPr>
-          </p:pic>
-        </p:grpSp>
-        <mc:AlternateContent xmlns:mc="http://schemas.openxmlformats.org/markup-compatibility/2006">
-          <mc:Choice xmlns:a14="http://schemas.microsoft.com/office/drawing/2010/main" Requires="a14">
-            <p:sp>
-              <p:nvSpPr>
-                <p:cNvPr id="60" name="TextBox 59">
+            </p:grpSpPr>
+            <p:grpSp>
+              <p:nvGrpSpPr>
+                <p:cNvPr id="8" name="Group 7">
                   <a:extLst>
                     <a:ext uri="{FF2B5EF4-FFF2-40B4-BE49-F238E27FC236}">
-                      <a16:creationId xmlns:a16="http://schemas.microsoft.com/office/drawing/2014/main" id="{83C26019-B519-2049-AEEB-CDC5AD007F43}"/>
+                      <a16:creationId xmlns:a16="http://schemas.microsoft.com/office/drawing/2014/main" id="{63A8BDD0-90F8-034E-B3C8-D91C4594A04E}"/>
                     </a:ext>
                   </a:extLst>
                 </p:cNvPr>
-                <p:cNvSpPr txBox="1"/>
+                <p:cNvGrpSpPr/>
                 <p:nvPr/>
-              </p:nvSpPr>
-              <p:spPr>
+              </p:nvGrpSpPr>
+              <p:grpSpPr>
                 <a:xfrm>
-                  <a:off x="5630533" y="3103121"/>
-                  <a:ext cx="2812817" cy="1085778"/>
+                  <a:off x="1196109" y="11617010"/>
+                  <a:ext cx="45865968" cy="9684382"/>
+                  <a:chOff x="-11548" y="1238061"/>
+                  <a:chExt cx="22932984" cy="4839080"/>
                 </a:xfrm>
-                <a:prstGeom prst="rect">
-                  <a:avLst/>
-                </a:prstGeom>
-                <a:noFill/>
-                <a:ln w="28575">
-                  <a:solidFill>
-                    <a:srgbClr val="0432FF"/>
-                  </a:solidFill>
-                </a:ln>
-              </p:spPr>
-              <p:txBody>
-                <a:bodyPr wrap="square" rtlCol="0">
-                  <a:spAutoFit/>
-                </a:bodyPr>
-                <a:lstStyle/>
-                <a:p>
-                  <a:pPr algn="ctr"/>
-                  <a:r>
-                    <a:rPr lang="en-US" sz="3200" b="1" u="sng" dirty="0"/>
-                    <a:t>Step 2</a:t>
-                  </a:r>
-                </a:p>
-                <a:p>
-                  <a:pPr algn="ctr"/>
-                  <a:r>
-                    <a:rPr lang="en-US" sz="3200" dirty="0"/>
-                    <a:t>Rank Models</a:t>
-                  </a:r>
-                </a:p>
-                <a:p>
-                  <a:pPr algn="ctr"/>
-                  <a14:m>
-                    <m:oMathPara xmlns:m="http://schemas.openxmlformats.org/officeDocument/2006/math">
-                      <m:oMathParaPr>
-                        <m:jc m:val="centerGroup"/>
-                      </m:oMathParaPr>
-                      <m:oMath xmlns:m="http://schemas.openxmlformats.org/officeDocument/2006/math">
-                        <m:r>
-                          <a:rPr lang="en-US" sz="2133" i="1">
-                            <a:latin typeface="Cambria Math" panose="02040503050406030204" pitchFamily="18" charset="0"/>
+              </p:grpSpPr>
+              <p:cxnSp>
+                <p:nvCxnSpPr>
+                  <p:cNvPr id="4" name="Straight Arrow Connector 3">
+                    <a:extLst>
+                      <a:ext uri="{FF2B5EF4-FFF2-40B4-BE49-F238E27FC236}">
+                        <a16:creationId xmlns:a16="http://schemas.microsoft.com/office/drawing/2014/main" id="{FBDEA873-AB70-B34D-85AF-050DCBE613C4}"/>
+                      </a:ext>
+                    </a:extLst>
+                  </p:cNvPr>
+                  <p:cNvCxnSpPr>
+                    <a:stCxn id="28" idx="3"/>
+                    <a:endCxn id="36" idx="1"/>
+                  </p:cNvCxnSpPr>
+                  <p:nvPr/>
+                </p:nvCxnSpPr>
+                <p:spPr>
+                  <a:xfrm flipV="1">
+                    <a:off x="18024010" y="3657599"/>
+                    <a:ext cx="2084609" cy="2"/>
+                  </a:xfrm>
+                  <a:prstGeom prst="straightConnector1">
+                    <a:avLst/>
+                  </a:prstGeom>
+                  <a:ln w="57150">
+                    <a:solidFill>
+                      <a:srgbClr val="00B050"/>
+                    </a:solidFill>
+                    <a:tailEnd type="triangle"/>
+                  </a:ln>
+                </p:spPr>
+                <p:style>
+                  <a:lnRef idx="1">
+                    <a:schemeClr val="accent1"/>
+                  </a:lnRef>
+                  <a:fillRef idx="0">
+                    <a:schemeClr val="accent1"/>
+                  </a:fillRef>
+                  <a:effectRef idx="0">
+                    <a:schemeClr val="accent1"/>
+                  </a:effectRef>
+                  <a:fontRef idx="minor">
+                    <a:schemeClr val="tx1"/>
+                  </a:fontRef>
+                </p:style>
+              </p:cxnSp>
+              <p:cxnSp>
+                <p:nvCxnSpPr>
+                  <p:cNvPr id="20" name="Straight Arrow Connector 19">
+                    <a:extLst>
+                      <a:ext uri="{FF2B5EF4-FFF2-40B4-BE49-F238E27FC236}">
+                        <a16:creationId xmlns:a16="http://schemas.microsoft.com/office/drawing/2014/main" id="{B5FECB67-643D-C548-8AF1-2ECC18FC6F4B}"/>
+                      </a:ext>
+                    </a:extLst>
+                  </p:cNvPr>
+                  <p:cNvCxnSpPr>
+                    <a:stCxn id="26" idx="3"/>
+                    <a:endCxn id="28" idx="1"/>
+                  </p:cNvCxnSpPr>
+                  <p:nvPr/>
+                </p:nvCxnSpPr>
+                <p:spPr>
+                  <a:xfrm>
+                    <a:off x="12686920" y="3657599"/>
+                    <a:ext cx="2149405" cy="2"/>
+                  </a:xfrm>
+                  <a:prstGeom prst="straightConnector1">
+                    <a:avLst/>
+                  </a:prstGeom>
+                  <a:ln w="57150">
+                    <a:solidFill>
+                      <a:srgbClr val="00B050"/>
+                    </a:solidFill>
+                    <a:tailEnd type="triangle"/>
+                  </a:ln>
+                </p:spPr>
+                <p:style>
+                  <a:lnRef idx="1">
+                    <a:schemeClr val="accent1"/>
+                  </a:lnRef>
+                  <a:fillRef idx="0">
+                    <a:schemeClr val="accent1"/>
+                  </a:fillRef>
+                  <a:effectRef idx="0">
+                    <a:schemeClr val="accent1"/>
+                  </a:effectRef>
+                  <a:fontRef idx="minor">
+                    <a:schemeClr val="tx1"/>
+                  </a:fontRef>
+                </p:style>
+              </p:cxnSp>
+              <p:cxnSp>
+                <p:nvCxnSpPr>
+                  <p:cNvPr id="22" name="Straight Arrow Connector 21">
+                    <a:extLst>
+                      <a:ext uri="{FF2B5EF4-FFF2-40B4-BE49-F238E27FC236}">
+                        <a16:creationId xmlns:a16="http://schemas.microsoft.com/office/drawing/2014/main" id="{5446778C-119B-B849-AED1-859C3BA56820}"/>
+                      </a:ext>
+                    </a:extLst>
+                  </p:cNvPr>
+                  <p:cNvCxnSpPr>
+                    <a:cxnSpLocks/>
+                    <a:stCxn id="30" idx="3"/>
+                    <a:endCxn id="26" idx="1"/>
+                  </p:cNvCxnSpPr>
+                  <p:nvPr/>
+                </p:nvCxnSpPr>
+                <p:spPr>
+                  <a:xfrm flipV="1">
+                    <a:off x="7757096" y="3657599"/>
+                    <a:ext cx="2117007" cy="1"/>
+                  </a:xfrm>
+                  <a:prstGeom prst="straightConnector1">
+                    <a:avLst/>
+                  </a:prstGeom>
+                  <a:ln w="57150">
+                    <a:solidFill>
+                      <a:srgbClr val="00B050"/>
+                    </a:solidFill>
+                    <a:tailEnd type="triangle"/>
+                  </a:ln>
+                </p:spPr>
+                <p:style>
+                  <a:lnRef idx="1">
+                    <a:schemeClr val="accent1"/>
+                  </a:lnRef>
+                  <a:fillRef idx="0">
+                    <a:schemeClr val="accent1"/>
+                  </a:fillRef>
+                  <a:effectRef idx="0">
+                    <a:schemeClr val="accent1"/>
+                  </a:effectRef>
+                  <a:fontRef idx="minor">
+                    <a:schemeClr val="tx1"/>
+                  </a:fontRef>
+                </p:style>
+              </p:cxnSp>
+              <p:cxnSp>
+                <p:nvCxnSpPr>
+                  <p:cNvPr id="23" name="Straight Arrow Connector 22">
+                    <a:extLst>
+                      <a:ext uri="{FF2B5EF4-FFF2-40B4-BE49-F238E27FC236}">
+                        <a16:creationId xmlns:a16="http://schemas.microsoft.com/office/drawing/2014/main" id="{FE20D86D-EF8A-5E4A-BD6D-B3BDC0776C09}"/>
+                      </a:ext>
+                    </a:extLst>
+                  </p:cNvPr>
+                  <p:cNvCxnSpPr>
+                    <a:cxnSpLocks/>
+                    <a:stCxn id="32" idx="3"/>
+                    <a:endCxn id="30" idx="1"/>
+                  </p:cNvCxnSpPr>
+                  <p:nvPr/>
+                </p:nvCxnSpPr>
+                <p:spPr>
+                  <a:xfrm flipV="1">
+                    <a:off x="3119969" y="3657601"/>
+                    <a:ext cx="2117007" cy="1"/>
+                  </a:xfrm>
+                  <a:prstGeom prst="straightConnector1">
+                    <a:avLst/>
+                  </a:prstGeom>
+                  <a:ln w="57150">
+                    <a:solidFill>
+                      <a:srgbClr val="00B050"/>
+                    </a:solidFill>
+                    <a:tailEnd type="triangle"/>
+                  </a:ln>
+                </p:spPr>
+                <p:style>
+                  <a:lnRef idx="1">
+                    <a:schemeClr val="accent1"/>
+                  </a:lnRef>
+                  <a:fillRef idx="0">
+                    <a:schemeClr val="accent1"/>
+                  </a:fillRef>
+                  <a:effectRef idx="0">
+                    <a:schemeClr val="accent1"/>
+                  </a:effectRef>
+                  <a:fontRef idx="minor">
+                    <a:schemeClr val="tx1"/>
+                  </a:fontRef>
+                </p:style>
+              </p:cxnSp>
+              <p:grpSp>
+                <p:nvGrpSpPr>
+                  <p:cNvPr id="24" name="Group 23">
+                    <a:extLst>
+                      <a:ext uri="{FF2B5EF4-FFF2-40B4-BE49-F238E27FC236}">
+                        <a16:creationId xmlns:a16="http://schemas.microsoft.com/office/drawing/2014/main" id="{9F12D215-FF1C-EB4E-9446-93E171739920}"/>
+                      </a:ext>
+                    </a:extLst>
+                  </p:cNvPr>
+                  <p:cNvGrpSpPr/>
+                  <p:nvPr/>
+                </p:nvGrpSpPr>
+                <p:grpSpPr>
+                  <a:xfrm>
+                    <a:off x="-11548" y="2342702"/>
+                    <a:ext cx="3131517" cy="2629799"/>
+                    <a:chOff x="-965839" y="2342701"/>
+                    <a:chExt cx="3131517" cy="2629799"/>
+                  </a:xfrm>
+                </p:grpSpPr>
+                <p:sp>
+                  <p:nvSpPr>
+                    <p:cNvPr id="32" name="TextBox 31">
+                      <a:extLst>
+                        <a:ext uri="{FF2B5EF4-FFF2-40B4-BE49-F238E27FC236}">
+                          <a16:creationId xmlns:a16="http://schemas.microsoft.com/office/drawing/2014/main" id="{15DA86BE-4CFE-2A44-AEC6-8C55C18BCDED}"/>
+                        </a:ext>
+                      </a:extLst>
+                    </p:cNvPr>
+                    <p:cNvSpPr txBox="1"/>
+                    <p:nvPr/>
+                  </p:nvSpPr>
+                  <p:spPr>
+                    <a:xfrm>
+                      <a:off x="-965839" y="2342701"/>
+                      <a:ext cx="3131517" cy="2629799"/>
+                    </a:xfrm>
+                    <a:prstGeom prst="rect">
+                      <a:avLst/>
+                    </a:prstGeom>
+                    <a:noFill/>
+                    <a:ln w="28575">
+                      <a:solidFill>
+                        <a:srgbClr val="0432FF"/>
+                      </a:solidFill>
+                    </a:ln>
+                  </p:spPr>
+                  <p:txBody>
+                    <a:bodyPr wrap="square" rtlCol="0">
+                      <a:spAutoFit/>
+                    </a:bodyPr>
+                    <a:lstStyle/>
+                    <a:p>
+                      <a:pPr algn="ctr"/>
+                      <a:r>
+                        <a:rPr lang="en-US" sz="4800" b="1" u="sng" dirty="0"/>
+                        <a:t>Step 1</a:t>
+                      </a:r>
+                      <a:endParaRPr lang="en-US" sz="4800" dirty="0"/>
+                    </a:p>
+                    <a:p>
+                      <a:pPr algn="ctr"/>
+                      <a:r>
+                        <a:rPr lang="en-US" sz="4800" dirty="0" err="1"/>
+                        <a:t>i</a:t>
+                      </a:r>
+                      <a:r>
+                        <a:rPr lang="en-US" sz="4800" dirty="0"/>
+                        <a:t>) Gather Data</a:t>
+                      </a:r>
+                    </a:p>
+                    <a:p>
+                      <a:pPr marL="1028700" indent="-1028700" algn="ctr">
+                        <a:buAutoNum type="romanLcParenR"/>
+                      </a:pPr>
+                      <a:endParaRPr lang="en-US" sz="2400" dirty="0"/>
+                    </a:p>
+                    <a:p>
+                      <a:pPr algn="ctr"/>
+                      <a:r>
+                        <a:rPr lang="en-US" sz="4800" dirty="0"/>
+                        <a:t>ii) Propose Library of Candidate Models</a:t>
+                      </a:r>
+                    </a:p>
+                    <a:p>
+                      <a:pPr algn="ctr"/>
+                      <a:endParaRPr lang="en-US" sz="2400" dirty="0"/>
+                    </a:p>
+                    <a:p>
+                      <a:pPr algn="ctr"/>
+                      <a:r>
+                        <a:rPr lang="en-US" sz="4800" dirty="0"/>
+                        <a:t>iii) Estimate Parameters</a:t>
+                      </a:r>
+                    </a:p>
+                    <a:p>
+                      <a:pPr algn="ctr"/>
+                      <a:endParaRPr lang="en-US" sz="4800" dirty="0"/>
+                    </a:p>
+                  </p:txBody>
+                </p:sp>
+                <p:pic>
+                  <p:nvPicPr>
+                    <p:cNvPr id="33" name="Picture 32" descr="Logo&#10;&#10;Description automatically generated">
+                      <a:extLst>
+                        <a:ext uri="{FF2B5EF4-FFF2-40B4-BE49-F238E27FC236}">
+                          <a16:creationId xmlns:a16="http://schemas.microsoft.com/office/drawing/2014/main" id="{579E6AEB-0AA5-5440-94EB-A2BFF09F75F4}"/>
+                        </a:ext>
+                      </a:extLst>
+                    </p:cNvPr>
+                    <p:cNvPicPr/>
+                    <p:nvPr/>
+                  </p:nvPicPr>
+                  <p:blipFill>
+                    <a:blip r:embed="rId2" cstate="print">
+                      <a:extLst>
+                        <a:ext uri="{28A0092B-C50C-407E-A947-70E740481C1C}">
+                          <a14:useLocalDpi xmlns:a14="http://schemas.microsoft.com/office/drawing/2010/main" val="0"/>
+                        </a:ext>
+                      </a:extLst>
+                    </a:blip>
+                    <a:stretch>
+                      <a:fillRect/>
+                    </a:stretch>
+                  </p:blipFill>
+                  <p:spPr>
+                    <a:xfrm>
+                      <a:off x="-501564" y="4614955"/>
+                      <a:ext cx="724354" cy="223013"/>
+                    </a:xfrm>
+                    <a:prstGeom prst="rect">
+                      <a:avLst/>
+                    </a:prstGeom>
+                  </p:spPr>
+                </p:pic>
+                <p:pic>
+                  <p:nvPicPr>
+                    <p:cNvPr id="35" name="Picture 34" descr="A picture containing logo&#10;&#10;Description automatically generated">
+                      <a:extLst>
+                        <a:ext uri="{FF2B5EF4-FFF2-40B4-BE49-F238E27FC236}">
+                          <a16:creationId xmlns:a16="http://schemas.microsoft.com/office/drawing/2014/main" id="{9371D1F4-2A52-B74B-A4ED-EB530D44EA00}"/>
+                        </a:ext>
+                      </a:extLst>
+                    </p:cNvPr>
+                    <p:cNvPicPr/>
+                    <p:nvPr/>
+                  </p:nvPicPr>
+                  <p:blipFill>
+                    <a:blip r:embed="rId3" cstate="print">
+                      <a:extLst>
+                        <a:ext uri="{28A0092B-C50C-407E-A947-70E740481C1C}">
+                          <a14:useLocalDpi xmlns:a14="http://schemas.microsoft.com/office/drawing/2010/main" val="0"/>
+                        </a:ext>
+                      </a:extLst>
+                    </a:blip>
+                    <a:stretch>
+                      <a:fillRect/>
+                    </a:stretch>
+                  </p:blipFill>
+                  <p:spPr>
+                    <a:xfrm>
+                      <a:off x="462712" y="4541943"/>
+                      <a:ext cx="1153344" cy="369039"/>
+                    </a:xfrm>
+                    <a:prstGeom prst="rect">
+                      <a:avLst/>
+                    </a:prstGeom>
+                  </p:spPr>
+                </p:pic>
+              </p:grpSp>
+              <p:grpSp>
+                <p:nvGrpSpPr>
+                  <p:cNvPr id="25" name="Group 24">
+                    <a:extLst>
+                      <a:ext uri="{FF2B5EF4-FFF2-40B4-BE49-F238E27FC236}">
+                        <a16:creationId xmlns:a16="http://schemas.microsoft.com/office/drawing/2014/main" id="{F9E716D6-739B-EF45-8096-ADDA4C855D89}"/>
+                      </a:ext>
+                    </a:extLst>
+                  </p:cNvPr>
+                  <p:cNvGrpSpPr/>
+                  <p:nvPr/>
+                </p:nvGrpSpPr>
+                <p:grpSpPr>
+                  <a:xfrm>
+                    <a:off x="5236976" y="2404217"/>
+                    <a:ext cx="2520120" cy="2506767"/>
+                    <a:chOff x="4289924" y="2168017"/>
+                    <a:chExt cx="2520120" cy="2506767"/>
+                  </a:xfrm>
+                </p:grpSpPr>
+                <p:sp>
+                  <p:nvSpPr>
+                    <p:cNvPr id="30" name="TextBox 29">
+                      <a:extLst>
+                        <a:ext uri="{FF2B5EF4-FFF2-40B4-BE49-F238E27FC236}">
+                          <a16:creationId xmlns:a16="http://schemas.microsoft.com/office/drawing/2014/main" id="{7C13B202-666E-F348-930C-FC3B24054124}"/>
+                        </a:ext>
+                      </a:extLst>
+                    </p:cNvPr>
+                    <p:cNvSpPr txBox="1"/>
+                    <p:nvPr/>
+                  </p:nvSpPr>
+                  <p:spPr>
+                    <a:xfrm>
+                      <a:off x="4289924" y="2168017"/>
+                      <a:ext cx="2520120" cy="2506767"/>
+                    </a:xfrm>
+                    <a:prstGeom prst="rect">
+                      <a:avLst/>
+                    </a:prstGeom>
+                    <a:noFill/>
+                    <a:ln w="28575">
+                      <a:solidFill>
+                        <a:srgbClr val="0432FF"/>
+                      </a:solidFill>
+                    </a:ln>
+                  </p:spPr>
+                  <p:txBody>
+                    <a:bodyPr wrap="square" rtlCol="0">
+                      <a:spAutoFit/>
+                    </a:bodyPr>
+                    <a:lstStyle/>
+                    <a:p>
+                      <a:pPr algn="ctr"/>
+                      <a:r>
+                        <a:rPr lang="en-US" sz="4800" b="1" u="sng" dirty="0"/>
+                        <a:t>Step 2</a:t>
+                      </a:r>
+                    </a:p>
+                    <a:p>
+                      <a:pPr algn="ctr"/>
+                      <a:r>
+                        <a:rPr lang="en-US" sz="4800" dirty="0" err="1"/>
+                        <a:t>i</a:t>
+                      </a:r>
+                      <a:r>
+                        <a:rPr lang="en-US" sz="4800" dirty="0"/>
+                        <a:t>) Visualize Fits</a:t>
+                      </a:r>
+                    </a:p>
+                    <a:p>
+                      <a:pPr algn="ctr"/>
+                      <a:endParaRPr lang="en-US" sz="4800" dirty="0"/>
+                    </a:p>
+                    <a:p>
+                      <a:pPr algn="ctr"/>
+                      <a:endParaRPr lang="en-US" sz="4800" dirty="0"/>
+                    </a:p>
+                    <a:p>
+                      <a:pPr algn="ctr"/>
+                      <a:endParaRPr lang="en-US" sz="3200" dirty="0"/>
+                    </a:p>
+                    <a:p>
+                      <a:pPr algn="ctr"/>
+                      <a:r>
+                        <a:rPr lang="en-US" sz="4800" dirty="0"/>
+                        <a:t>ii) Compare Model Fit Metric</a:t>
+                      </a:r>
+                    </a:p>
+                  </p:txBody>
+                </p:sp>
+                <p:pic>
+                  <p:nvPicPr>
+                    <p:cNvPr id="31" name="Picture 30">
+                      <a:extLst>
+                        <a:ext uri="{FF2B5EF4-FFF2-40B4-BE49-F238E27FC236}">
+                          <a16:creationId xmlns:a16="http://schemas.microsoft.com/office/drawing/2014/main" id="{5741C64B-0CF0-4040-B357-F53FB64F7A69}"/>
+                        </a:ext>
+                      </a:extLst>
+                    </p:cNvPr>
+                    <p:cNvPicPr>
+                      <a:picLocks noChangeAspect="1"/>
+                    </p:cNvPicPr>
+                    <p:nvPr/>
+                  </p:nvPicPr>
+                  <p:blipFill>
+                    <a:blip r:embed="rId4"/>
+                    <a:stretch>
+                      <a:fillRect/>
+                    </a:stretch>
+                  </p:blipFill>
+                  <p:spPr>
+                    <a:xfrm>
+                      <a:off x="4777682" y="2929937"/>
+                      <a:ext cx="1544604" cy="941832"/>
+                    </a:xfrm>
+                    <a:prstGeom prst="rect">
+                      <a:avLst/>
+                    </a:prstGeom>
+                  </p:spPr>
+                </p:pic>
+              </p:grpSp>
+              <mc:AlternateContent xmlns:mc="http://schemas.openxmlformats.org/markup-compatibility/2006">
+                <mc:Choice xmlns:a14="http://schemas.microsoft.com/office/drawing/2010/main" Requires="a14">
+                  <p:sp>
+                    <p:nvSpPr>
+                      <p:cNvPr id="26" name="TextBox 25">
+                        <a:extLst>
+                          <a:ext uri="{FF2B5EF4-FFF2-40B4-BE49-F238E27FC236}">
+                            <a16:creationId xmlns:a16="http://schemas.microsoft.com/office/drawing/2014/main" id="{A13E7E2E-3AAA-7E45-A688-C94E7F1DD4DF}"/>
+                          </a:ext>
+                        </a:extLst>
+                      </p:cNvPr>
+                      <p:cNvSpPr txBox="1"/>
+                      <p:nvPr/>
+                    </p:nvSpPr>
+                    <p:spPr>
+                      <a:xfrm>
+                        <a:off x="9874103" y="3126561"/>
+                        <a:ext cx="2812817" cy="1062076"/>
+                      </a:xfrm>
+                      <a:prstGeom prst="rect">
+                        <a:avLst/>
+                      </a:prstGeom>
+                      <a:noFill/>
+                      <a:ln w="28575">
+                        <a:solidFill>
+                          <a:srgbClr val="0432FF"/>
+                        </a:solidFill>
+                      </a:ln>
+                    </p:spPr>
+                    <p:txBody>
+                      <a:bodyPr wrap="square" rtlCol="0">
+                        <a:spAutoFit/>
+                      </a:bodyPr>
+                      <a:lstStyle/>
+                      <a:p>
+                        <a:pPr algn="ctr"/>
+                        <a:r>
+                          <a:rPr lang="en-US" sz="4800" b="1" u="sng" dirty="0"/>
+                          <a:t>Step 3</a:t>
+                        </a:r>
+                      </a:p>
+                      <a:p>
+                        <a:pPr algn="ctr"/>
+                        <a:r>
+                          <a:rPr lang="en-US" sz="4800" dirty="0"/>
+                          <a:t>Rank Models</a:t>
+                        </a:r>
+                      </a:p>
+                      <a:p>
+                        <a:pPr algn="ctr"/>
+                        <a14:m>
+                          <m:oMathPara xmlns:m="http://schemas.openxmlformats.org/officeDocument/2006/math">
+                            <m:oMathParaPr>
+                              <m:jc m:val="centerGroup"/>
+                            </m:oMathParaPr>
+                            <m:oMath xmlns:m="http://schemas.openxmlformats.org/officeDocument/2006/math">
+                              <m:r>
+                                <a:rPr lang="en-US" sz="3200" i="1">
+                                  <a:latin typeface="Cambria Math" panose="02040503050406030204" pitchFamily="18" charset="0"/>
+                                </a:rPr>
+                                <m:t>𝐴𝐼𝐶</m:t>
+                              </m:r>
+                              <m:d>
+                                <m:dPr>
+                                  <m:ctrlPr>
+                                    <a:rPr lang="en-US" sz="3200" i="1">
+                                      <a:latin typeface="Cambria Math" panose="02040503050406030204" pitchFamily="18" charset="0"/>
+                                    </a:rPr>
+                                  </m:ctrlPr>
+                                </m:dPr>
+                                <m:e>
+                                  <m:r>
+                                    <a:rPr lang="en-US" sz="3200" i="1">
+                                      <a:latin typeface="Cambria Math" panose="02040503050406030204" pitchFamily="18" charset="0"/>
+                                    </a:rPr>
+                                    <m:t>𝑝</m:t>
+                                  </m:r>
+                                </m:e>
+                              </m:d>
+                              <m:r>
+                                <a:rPr lang="en-US" sz="3200" i="1">
+                                  <a:latin typeface="Cambria Math" panose="02040503050406030204" pitchFamily="18" charset="0"/>
+                                </a:rPr>
+                                <m:t>=</m:t>
+                              </m:r>
+                              <m:r>
+                                <a:rPr lang="en-US" sz="3200" i="1">
+                                  <a:latin typeface="Cambria Math" panose="02040503050406030204" pitchFamily="18" charset="0"/>
+                                </a:rPr>
+                                <m:t>𝑁</m:t>
+                              </m:r>
+                              <m:r>
+                                <m:rPr>
+                                  <m:sty m:val="p"/>
+                                </m:rPr>
+                                <a:rPr lang="en-US" sz="3200">
+                                  <a:latin typeface="Cambria Math" panose="02040503050406030204" pitchFamily="18" charset="0"/>
+                                </a:rPr>
+                                <m:t>ln</m:t>
+                              </m:r>
+                              <m:d>
+                                <m:dPr>
+                                  <m:ctrlPr>
+                                    <a:rPr lang="en-US" sz="3200" i="1">
+                                      <a:latin typeface="Cambria Math" panose="02040503050406030204" pitchFamily="18" charset="0"/>
+                                    </a:rPr>
+                                  </m:ctrlPr>
+                                </m:dPr>
+                                <m:e>
+                                  <m:r>
+                                    <a:rPr lang="en-US" sz="3200" i="1">
+                                      <a:latin typeface="Cambria Math" panose="02040503050406030204" pitchFamily="18" charset="0"/>
+                                    </a:rPr>
+                                    <m:t>𝑀𝑆𝐸</m:t>
+                                  </m:r>
+                                  <m:d>
+                                    <m:dPr>
+                                      <m:ctrlPr>
+                                        <a:rPr lang="en-US" sz="3200" i="1">
+                                          <a:latin typeface="Cambria Math" panose="02040503050406030204" pitchFamily="18" charset="0"/>
+                                        </a:rPr>
+                                      </m:ctrlPr>
+                                    </m:dPr>
+                                    <m:e>
+                                      <m:r>
+                                        <a:rPr lang="en-US" sz="3200" i="1">
+                                          <a:latin typeface="Cambria Math" panose="02040503050406030204" pitchFamily="18" charset="0"/>
+                                        </a:rPr>
+                                        <m:t>𝑝</m:t>
+                                      </m:r>
+                                    </m:e>
+                                  </m:d>
+                                </m:e>
+                              </m:d>
+                              <m:r>
+                                <a:rPr lang="en-US" sz="3200" i="1">
+                                  <a:latin typeface="Cambria Math" panose="02040503050406030204" pitchFamily="18" charset="0"/>
+                                </a:rPr>
+                                <m:t>+2</m:t>
+                              </m:r>
+                              <m:r>
+                                <a:rPr lang="en-US" sz="3200" i="1">
+                                  <a:latin typeface="Cambria Math" panose="02040503050406030204" pitchFamily="18" charset="0"/>
+                                </a:rPr>
+                                <m:t>𝑝</m:t>
+                              </m:r>
+                            </m:oMath>
+                          </m:oMathPara>
+                        </a14:m>
+                        <a:endParaRPr lang="en-US" sz="3200" dirty="0"/>
+                      </a:p>
+                    </p:txBody>
+                  </p:sp>
+                </mc:Choice>
+                <mc:Fallback>
+                  <p:sp>
+                    <p:nvSpPr>
+                      <p:cNvPr id="26" name="TextBox 25">
+                        <a:extLst>
+                          <a:ext uri="{FF2B5EF4-FFF2-40B4-BE49-F238E27FC236}">
+                            <a16:creationId xmlns:a16="http://schemas.microsoft.com/office/drawing/2014/main" id="{A13E7E2E-3AAA-7E45-A688-C94E7F1DD4DF}"/>
+                          </a:ext>
+                        </a:extLst>
+                      </p:cNvPr>
+                      <p:cNvSpPr txBox="1">
+                        <a:spLocks noRot="1" noChangeAspect="1" noMove="1" noResize="1" noEditPoints="1" noAdjustHandles="1" noChangeArrowheads="1" noChangeShapeType="1" noTextEdit="1"/>
+                      </p:cNvSpPr>
+                      <p:nvPr/>
+                    </p:nvSpPr>
+                    <p:spPr>
+                      <a:xfrm>
+                        <a:off x="9874103" y="3126561"/>
+                        <a:ext cx="2812817" cy="1062076"/>
+                      </a:xfrm>
+                      <a:prstGeom prst="rect">
+                        <a:avLst/>
+                      </a:prstGeom>
+                      <a:blipFill>
+                        <a:blip r:embed="rId5"/>
+                        <a:stretch>
+                          <a:fillRect t="-5848" b="-2339"/>
+                        </a:stretch>
+                      </a:blipFill>
+                      <a:ln w="28575">
+                        <a:solidFill>
+                          <a:srgbClr val="0432FF"/>
+                        </a:solidFill>
+                      </a:ln>
+                    </p:spPr>
+                    <p:txBody>
+                      <a:bodyPr/>
+                      <a:lstStyle/>
+                      <a:p>
+                        <a:r>
+                          <a:rPr lang="en-US">
+                            <a:noFill/>
                           </a:rPr>
-                          <m:t>𝐴𝐼𝐶</m:t>
-                        </m:r>
-                        <m:d>
-                          <m:dPr>
-                            <m:ctrlPr>
-                              <a:rPr lang="en-US" sz="2133" i="1">
-                                <a:latin typeface="Cambria Math" panose="02040503050406030204" pitchFamily="18" charset="0"/>
-                              </a:rPr>
-                            </m:ctrlPr>
-                          </m:dPr>
-                          <m:e>
-                            <m:r>
-                              <a:rPr lang="en-US" sz="2133" i="1">
-                                <a:latin typeface="Cambria Math" panose="02040503050406030204" pitchFamily="18" charset="0"/>
-                              </a:rPr>
-                              <m:t>𝑝</m:t>
-                            </m:r>
-                          </m:e>
-                        </m:d>
-                        <m:r>
-                          <a:rPr lang="en-US" sz="2133" i="1">
-                            <a:latin typeface="Cambria Math" panose="02040503050406030204" pitchFamily="18" charset="0"/>
-                          </a:rPr>
-                          <m:t>=</m:t>
-                        </m:r>
-                        <m:r>
-                          <a:rPr lang="en-US" sz="2133" i="1">
-                            <a:latin typeface="Cambria Math" panose="02040503050406030204" pitchFamily="18" charset="0"/>
-                          </a:rPr>
-                          <m:t>𝑁</m:t>
-                        </m:r>
-                        <m:r>
-                          <m:rPr>
-                            <m:sty m:val="p"/>
-                          </m:rPr>
-                          <a:rPr lang="en-US" sz="2133">
-                            <a:latin typeface="Cambria Math" panose="02040503050406030204" pitchFamily="18" charset="0"/>
-                          </a:rPr>
-                          <m:t>ln</m:t>
-                        </m:r>
-                        <m:d>
-                          <m:dPr>
-                            <m:ctrlPr>
-                              <a:rPr lang="en-US" sz="2133" i="1">
-                                <a:latin typeface="Cambria Math" panose="02040503050406030204" pitchFamily="18" charset="0"/>
-                              </a:rPr>
-                            </m:ctrlPr>
-                          </m:dPr>
-                          <m:e>
-                            <m:r>
-                              <a:rPr lang="en-US" sz="2133" i="1">
-                                <a:latin typeface="Cambria Math" panose="02040503050406030204" pitchFamily="18" charset="0"/>
-                              </a:rPr>
-                              <m:t>𝑀𝑆𝐸</m:t>
-                            </m:r>
-                            <m:d>
-                              <m:dPr>
-                                <m:ctrlPr>
-                                  <a:rPr lang="en-US" sz="2133" i="1">
+                          <a:t> </a:t>
+                        </a:r>
+                      </a:p>
+                    </p:txBody>
+                  </p:sp>
+                </mc:Fallback>
+              </mc:AlternateContent>
+              <p:grpSp>
+                <p:nvGrpSpPr>
+                  <p:cNvPr id="27" name="Group 26">
+                    <a:extLst>
+                      <a:ext uri="{FF2B5EF4-FFF2-40B4-BE49-F238E27FC236}">
+                        <a16:creationId xmlns:a16="http://schemas.microsoft.com/office/drawing/2014/main" id="{61F5EB53-5EB8-FF45-866E-D08508B9C07D}"/>
+                      </a:ext>
+                    </a:extLst>
+                  </p:cNvPr>
+                  <p:cNvGrpSpPr/>
+                  <p:nvPr/>
+                </p:nvGrpSpPr>
+                <p:grpSpPr>
+                  <a:xfrm>
+                    <a:off x="14836325" y="1238061"/>
+                    <a:ext cx="3187685" cy="4839080"/>
+                    <a:chOff x="13828622" y="2099835"/>
+                    <a:chExt cx="3187685" cy="4839080"/>
+                  </a:xfrm>
+                </p:grpSpPr>
+                <mc:AlternateContent xmlns:mc="http://schemas.openxmlformats.org/markup-compatibility/2006">
+                  <mc:Choice xmlns:a14="http://schemas.microsoft.com/office/drawing/2010/main" Requires="a14">
+                    <p:sp>
+                      <p:nvSpPr>
+                        <p:cNvPr id="28" name="TextBox 27">
+                          <a:extLst>
+                            <a:ext uri="{FF2B5EF4-FFF2-40B4-BE49-F238E27FC236}">
+                              <a16:creationId xmlns:a16="http://schemas.microsoft.com/office/drawing/2014/main" id="{726589B9-6663-A647-B794-2BBF0D82511C}"/>
+                            </a:ext>
+                          </a:extLst>
+                        </p:cNvPr>
+                        <p:cNvSpPr txBox="1"/>
+                        <p:nvPr/>
+                      </p:nvSpPr>
+                      <p:spPr>
+                        <a:xfrm>
+                          <a:off x="13828622" y="2099835"/>
+                          <a:ext cx="3187685" cy="4839080"/>
+                        </a:xfrm>
+                        <a:prstGeom prst="rect">
+                          <a:avLst/>
+                        </a:prstGeom>
+                        <a:noFill/>
+                        <a:ln w="28575">
+                          <a:solidFill>
+                            <a:srgbClr val="0432FF"/>
+                          </a:solidFill>
+                        </a:ln>
+                      </p:spPr>
+                      <p:txBody>
+                        <a:bodyPr wrap="square" rtlCol="0">
+                          <a:spAutoFit/>
+                        </a:bodyPr>
+                        <a:lstStyle/>
+                        <a:p>
+                          <a:pPr algn="ctr"/>
+                          <a:r>
+                            <a:rPr lang="en-US" sz="4800" b="1" u="sng" dirty="0"/>
+                            <a:t>Step 4</a:t>
+                          </a:r>
+                        </a:p>
+                        <a:p>
+                          <a:pPr algn="ctr"/>
+                          <a:r>
+                            <a:rPr lang="en-US" sz="4800" dirty="0" err="1"/>
+                            <a:t>i</a:t>
+                          </a:r>
+                          <a:r>
+                            <a:rPr lang="en-US" sz="4800" dirty="0"/>
+                            <a:t>) Compute Fischer Information Matrix</a:t>
+                          </a:r>
+                        </a:p>
+                        <a:p>
+                          <a:pPr algn="ctr"/>
+                          <a:endParaRPr lang="en-US" sz="2400" dirty="0"/>
+                        </a:p>
+                        <a:p>
+                          <a:pPr algn="ctr"/>
+                          <a:r>
+                            <a:rPr lang="en-US" sz="4800" dirty="0"/>
+                            <a:t>ii) Identifiability Analysis</a:t>
+                          </a:r>
+                        </a:p>
+                        <a:p>
+                          <a:pPr algn="ctr"/>
+                          <a:endParaRPr lang="en-US" sz="2400" dirty="0"/>
+                        </a:p>
+                        <a:p>
+                          <a:pPr algn="ctr"/>
+                          <a:r>
+                            <a:rPr lang="en-US" sz="4800" dirty="0"/>
+                            <a:t>iii) Uncertainty Analysis</a:t>
+                          </a:r>
+                        </a:p>
+                        <a:p>
+                          <a:pPr algn="ctr"/>
+                          <a:endParaRPr lang="en-US" sz="2400" dirty="0"/>
+                        </a:p>
+                        <a:p>
+                          <a:pPr algn="ctr"/>
+                          <a14:m>
+                            <m:oMathPara xmlns:m="http://schemas.openxmlformats.org/officeDocument/2006/math">
+                              <m:oMathParaPr>
+                                <m:jc m:val="centerGroup"/>
+                              </m:oMathParaPr>
+                              <m:oMath xmlns:m="http://schemas.openxmlformats.org/officeDocument/2006/math">
+                                <m:sSub>
+                                  <m:sSubPr>
+                                    <m:ctrlPr>
+                                      <a:rPr lang="en-US" sz="3200" i="1">
+                                        <a:latin typeface="Cambria Math" panose="02040503050406030204" pitchFamily="18" charset="0"/>
+                                        <a:ea typeface="Cambria Math" panose="02040503050406030204" pitchFamily="18" charset="0"/>
+                                      </a:rPr>
+                                    </m:ctrlPr>
+                                  </m:sSubPr>
+                                  <m:e>
+                                    <m:r>
+                                      <m:rPr>
+                                        <m:sty m:val="p"/>
+                                      </m:rPr>
+                                      <a:rPr lang="el-GR" sz="3200" i="1">
+                                        <a:latin typeface="Cambria Math" panose="02040503050406030204" pitchFamily="18" charset="0"/>
+                                        <a:ea typeface="Cambria Math" panose="02040503050406030204" pitchFamily="18" charset="0"/>
+                                      </a:rPr>
+                                      <m:t>Σ</m:t>
+                                    </m:r>
+                                  </m:e>
+                                  <m:sub>
+                                    <m:r>
+                                      <a:rPr lang="en-US" sz="3200" i="1">
+                                        <a:latin typeface="Cambria Math" panose="02040503050406030204" pitchFamily="18" charset="0"/>
+                                        <a:ea typeface="Cambria Math" panose="02040503050406030204" pitchFamily="18" charset="0"/>
+                                      </a:rPr>
+                                      <m:t>𝑖</m:t>
+                                    </m:r>
+                                    <m:r>
+                                      <a:rPr lang="en-US" sz="3200" i="1">
+                                        <a:latin typeface="Cambria Math" panose="02040503050406030204" pitchFamily="18" charset="0"/>
+                                        <a:ea typeface="Cambria Math" panose="02040503050406030204" pitchFamily="18" charset="0"/>
+                                      </a:rPr>
+                                      <m:t>,</m:t>
+                                    </m:r>
+                                    <m:r>
+                                      <a:rPr lang="en-US" sz="3200" i="1">
+                                        <a:latin typeface="Cambria Math" panose="02040503050406030204" pitchFamily="18" charset="0"/>
+                                        <a:ea typeface="Cambria Math" panose="02040503050406030204" pitchFamily="18" charset="0"/>
+                                      </a:rPr>
+                                      <m:t>𝑗</m:t>
+                                    </m:r>
+                                  </m:sub>
+                                </m:sSub>
+                                <m:r>
+                                  <a:rPr lang="en-US" sz="3200" i="1">
                                     <a:latin typeface="Cambria Math" panose="02040503050406030204" pitchFamily="18" charset="0"/>
+                                    <a:ea typeface="Cambria Math" panose="02040503050406030204" pitchFamily="18" charset="0"/>
                                   </a:rPr>
-                                </m:ctrlPr>
-                              </m:dPr>
-                              <m:e>
-                                <m:r>
-                                  <a:rPr lang="en-US" sz="2133" i="1">
-                                    <a:latin typeface="Cambria Math" panose="02040503050406030204" pitchFamily="18" charset="0"/>
-                                  </a:rPr>
-                                  <m:t>𝑝</m:t>
+                                  <m:t>=</m:t>
                                 </m:r>
-                              </m:e>
-                            </m:d>
-                          </m:e>
-                        </m:d>
-                        <m:r>
-                          <a:rPr lang="en-US" sz="2133" i="1">
-                            <a:latin typeface="Cambria Math" panose="02040503050406030204" pitchFamily="18" charset="0"/>
-                          </a:rPr>
-                          <m:t>+2</m:t>
-                        </m:r>
-                        <m:r>
-                          <a:rPr lang="en-US" sz="2133" i="1">
-                            <a:latin typeface="Cambria Math" panose="02040503050406030204" pitchFamily="18" charset="0"/>
-                          </a:rPr>
-                          <m:t>𝑝</m:t>
-                        </m:r>
-                      </m:oMath>
-                    </m:oMathPara>
-                  </a14:m>
-                  <a:endParaRPr lang="en-US" sz="2133" dirty="0"/>
-                </a:p>
-              </p:txBody>
-            </p:sp>
-          </mc:Choice>
-          <mc:Fallback>
-            <p:sp>
-              <p:nvSpPr>
-                <p:cNvPr id="60" name="TextBox 59">
-                  <a:extLst>
-                    <a:ext uri="{FF2B5EF4-FFF2-40B4-BE49-F238E27FC236}">
-                      <a16:creationId xmlns:a16="http://schemas.microsoft.com/office/drawing/2014/main" id="{83C26019-B519-2049-AEEB-CDC5AD007F43}"/>
-                    </a:ext>
-                  </a:extLst>
-                </p:cNvPr>
-                <p:cNvSpPr txBox="1">
-                  <a:spLocks noRot="1" noChangeAspect="1" noMove="1" noResize="1" noEditPoints="1" noAdjustHandles="1" noChangeArrowheads="1" noChangeShapeType="1" noTextEdit="1"/>
-                </p:cNvSpPr>
-                <p:nvPr/>
-              </p:nvSpPr>
-              <p:spPr>
-                <a:xfrm>
-                  <a:off x="5630533" y="3103121"/>
-                  <a:ext cx="2812817" cy="1085778"/>
-                </a:xfrm>
-                <a:prstGeom prst="rect">
-                  <a:avLst/>
-                </a:prstGeom>
-                <a:blipFill>
-                  <a:blip r:embed="rId5"/>
-                  <a:stretch>
-                    <a:fillRect t="-4274"/>
-                  </a:stretch>
-                </a:blipFill>
-                <a:ln w="28575">
-                  <a:solidFill>
-                    <a:srgbClr val="0432FF"/>
-                  </a:solidFill>
-                </a:ln>
-              </p:spPr>
-              <p:txBody>
-                <a:bodyPr/>
-                <a:lstStyle/>
-                <a:p>
-                  <a:r>
-                    <a:rPr lang="en-US">
-                      <a:noFill/>
-                    </a:rPr>
-                    <a:t> </a:t>
-                  </a:r>
-                </a:p>
-              </p:txBody>
-            </p:sp>
-          </mc:Fallback>
-        </mc:AlternateContent>
-        <p:grpSp>
-          <p:nvGrpSpPr>
-            <p:cNvPr id="7" name="Group 6">
-              <a:extLst>
-                <a:ext uri="{FF2B5EF4-FFF2-40B4-BE49-F238E27FC236}">
-                  <a16:creationId xmlns:a16="http://schemas.microsoft.com/office/drawing/2014/main" id="{A1AFAD2E-061A-FA44-9DE8-A5C1ACEC0A9B}"/>
-                </a:ext>
-              </a:extLst>
-            </p:cNvPr>
-            <p:cNvGrpSpPr/>
-            <p:nvPr/>
-          </p:nvGrpSpPr>
-          <p:grpSpPr>
-            <a:xfrm>
-              <a:off x="8607592" y="1336516"/>
-              <a:ext cx="3187685" cy="4642168"/>
-              <a:chOff x="8554180" y="2198290"/>
-              <a:chExt cx="3187685" cy="4642168"/>
-            </a:xfrm>
-          </p:grpSpPr>
-          <mc:AlternateContent xmlns:mc="http://schemas.openxmlformats.org/markup-compatibility/2006">
-            <mc:Choice xmlns:a14="http://schemas.microsoft.com/office/drawing/2010/main" Requires="a14">
+                                <m:d>
+                                  <m:dPr>
+                                    <m:begChr m:val="["/>
+                                    <m:endChr m:val="]"/>
+                                    <m:ctrlPr>
+                                      <a:rPr lang="en-US" sz="3200" i="1">
+                                        <a:latin typeface="Cambria Math" panose="02040503050406030204" pitchFamily="18" charset="0"/>
+                                        <a:ea typeface="Cambria Math" panose="02040503050406030204" pitchFamily="18" charset="0"/>
+                                      </a:rPr>
+                                    </m:ctrlPr>
+                                  </m:dPr>
+                                  <m:e>
+                                    <m:m>
+                                      <m:mPr>
+                                        <m:mcs>
+                                          <m:mc>
+                                            <m:mcPr>
+                                              <m:count m:val="2"/>
+                                              <m:mcJc m:val="center"/>
+                                            </m:mcPr>
+                                          </m:mc>
+                                        </m:mcs>
+                                        <m:ctrlPr>
+                                          <a:rPr lang="en-US" sz="3200" i="1">
+                                            <a:latin typeface="Cambria Math" panose="02040503050406030204" pitchFamily="18" charset="0"/>
+                                            <a:ea typeface="Cambria Math" panose="02040503050406030204" pitchFamily="18" charset="0"/>
+                                          </a:rPr>
+                                        </m:ctrlPr>
+                                      </m:mPr>
+                                      <m:mr>
+                                        <m:e>
+                                          <m:sSubSup>
+                                            <m:sSubSupPr>
+                                              <m:ctrlPr>
+                                                <a:rPr lang="en-US" sz="3200" i="1">
+                                                  <a:latin typeface="Cambria Math" panose="02040503050406030204" pitchFamily="18" charset="0"/>
+                                                  <a:ea typeface="Cambria Math" panose="02040503050406030204" pitchFamily="18" charset="0"/>
+                                                </a:rPr>
+                                              </m:ctrlPr>
+                                            </m:sSubSupPr>
+                                            <m:e>
+                                              <m:r>
+                                                <m:rPr>
+                                                  <m:brk m:alnAt="7"/>
+                                                </m:rPr>
+                                                <a:rPr lang="en-US" sz="3200" i="1">
+                                                  <a:latin typeface="Cambria Math" panose="02040503050406030204" pitchFamily="18" charset="0"/>
+                                                  <a:ea typeface="Cambria Math" panose="02040503050406030204" pitchFamily="18" charset="0"/>
+                                                </a:rPr>
+                                                <m:t>𝜎</m:t>
+                                              </m:r>
+                                            </m:e>
+                                            <m:sub>
+                                              <m:r>
+                                                <m:rPr>
+                                                  <m:brk m:alnAt="7"/>
+                                                </m:rPr>
+                                                <a:rPr lang="en-US" sz="3200" i="1">
+                                                  <a:latin typeface="Cambria Math" panose="02040503050406030204" pitchFamily="18" charset="0"/>
+                                                  <a:ea typeface="Cambria Math" panose="02040503050406030204" pitchFamily="18" charset="0"/>
+                                                </a:rPr>
+                                                <m:t>𝑖</m:t>
+                                              </m:r>
+                                              <m:r>
+                                                <a:rPr lang="en-US" sz="3200" i="1">
+                                                  <a:latin typeface="Cambria Math" panose="02040503050406030204" pitchFamily="18" charset="0"/>
+                                                  <a:ea typeface="Cambria Math" panose="02040503050406030204" pitchFamily="18" charset="0"/>
+                                                </a:rPr>
+                                                <m:t>,</m:t>
+                                              </m:r>
+                                              <m:r>
+                                                <a:rPr lang="en-US" sz="3200" i="1">
+                                                  <a:latin typeface="Cambria Math" panose="02040503050406030204" pitchFamily="18" charset="0"/>
+                                                  <a:ea typeface="Cambria Math" panose="02040503050406030204" pitchFamily="18" charset="0"/>
+                                                </a:rPr>
+                                                <m:t>𝑖</m:t>
+                                              </m:r>
+                                            </m:sub>
+                                            <m:sup>
+                                              <m:r>
+                                                <m:rPr>
+                                                  <m:brk m:alnAt="7"/>
+                                                </m:rPr>
+                                                <a:rPr lang="en-US" sz="3200" i="1">
+                                                  <a:latin typeface="Cambria Math" panose="02040503050406030204" pitchFamily="18" charset="0"/>
+                                                  <a:ea typeface="Cambria Math" panose="02040503050406030204" pitchFamily="18" charset="0"/>
+                                                </a:rPr>
+                                                <m:t>2</m:t>
+                                              </m:r>
+                                            </m:sup>
+                                          </m:sSubSup>
+                                        </m:e>
+                                        <m:e>
+                                          <m:sSubSup>
+                                            <m:sSubSupPr>
+                                              <m:ctrlPr>
+                                                <a:rPr lang="en-US" sz="3200" i="1">
+                                                  <a:latin typeface="Cambria Math" panose="02040503050406030204" pitchFamily="18" charset="0"/>
+                                                  <a:ea typeface="Cambria Math" panose="02040503050406030204" pitchFamily="18" charset="0"/>
+                                                </a:rPr>
+                                              </m:ctrlPr>
+                                            </m:sSubSupPr>
+                                            <m:e>
+                                              <m:r>
+                                                <m:rPr>
+                                                  <m:brk m:alnAt="7"/>
+                                                </m:rPr>
+                                                <a:rPr lang="en-US" sz="3200" i="1">
+                                                  <a:latin typeface="Cambria Math" panose="02040503050406030204" pitchFamily="18" charset="0"/>
+                                                  <a:ea typeface="Cambria Math" panose="02040503050406030204" pitchFamily="18" charset="0"/>
+                                                </a:rPr>
+                                                <m:t>𝜎</m:t>
+                                              </m:r>
+                                            </m:e>
+                                            <m:sub>
+                                              <m:r>
+                                                <m:rPr>
+                                                  <m:brk m:alnAt="7"/>
+                                                </m:rPr>
+                                                <a:rPr lang="en-US" sz="3200" i="1">
+                                                  <a:latin typeface="Cambria Math" panose="02040503050406030204" pitchFamily="18" charset="0"/>
+                                                  <a:ea typeface="Cambria Math" panose="02040503050406030204" pitchFamily="18" charset="0"/>
+                                                </a:rPr>
+                                                <m:t>𝑖</m:t>
+                                              </m:r>
+                                              <m:r>
+                                                <a:rPr lang="en-US" sz="3200" i="1">
+                                                  <a:latin typeface="Cambria Math" panose="02040503050406030204" pitchFamily="18" charset="0"/>
+                                                  <a:ea typeface="Cambria Math" panose="02040503050406030204" pitchFamily="18" charset="0"/>
+                                                </a:rPr>
+                                                <m:t>,</m:t>
+                                              </m:r>
+                                              <m:r>
+                                                <a:rPr lang="en-US" sz="3200" i="1">
+                                                  <a:latin typeface="Cambria Math" panose="02040503050406030204" pitchFamily="18" charset="0"/>
+                                                  <a:ea typeface="Cambria Math" panose="02040503050406030204" pitchFamily="18" charset="0"/>
+                                                </a:rPr>
+                                                <m:t>𝑗</m:t>
+                                              </m:r>
+                                            </m:sub>
+                                            <m:sup>
+                                              <m:r>
+                                                <m:rPr>
+                                                  <m:brk m:alnAt="7"/>
+                                                </m:rPr>
+                                                <a:rPr lang="en-US" sz="3200" i="1">
+                                                  <a:latin typeface="Cambria Math" panose="02040503050406030204" pitchFamily="18" charset="0"/>
+                                                  <a:ea typeface="Cambria Math" panose="02040503050406030204" pitchFamily="18" charset="0"/>
+                                                </a:rPr>
+                                                <m:t>2</m:t>
+                                              </m:r>
+                                            </m:sup>
+                                          </m:sSubSup>
+                                        </m:e>
+                                      </m:mr>
+                                      <m:mr>
+                                        <m:e>
+                                          <m:sSubSup>
+                                            <m:sSubSupPr>
+                                              <m:ctrlPr>
+                                                <a:rPr lang="en-US" sz="3200" i="1">
+                                                  <a:latin typeface="Cambria Math" panose="02040503050406030204" pitchFamily="18" charset="0"/>
+                                                  <a:ea typeface="Cambria Math" panose="02040503050406030204" pitchFamily="18" charset="0"/>
+                                                </a:rPr>
+                                              </m:ctrlPr>
+                                            </m:sSubSupPr>
+                                            <m:e>
+                                              <m:r>
+                                                <m:rPr>
+                                                  <m:brk m:alnAt="7"/>
+                                                </m:rPr>
+                                                <a:rPr lang="en-US" sz="3200" i="1">
+                                                  <a:latin typeface="Cambria Math" panose="02040503050406030204" pitchFamily="18" charset="0"/>
+                                                  <a:ea typeface="Cambria Math" panose="02040503050406030204" pitchFamily="18" charset="0"/>
+                                                </a:rPr>
+                                                <m:t>𝜎</m:t>
+                                              </m:r>
+                                            </m:e>
+                                            <m:sub>
+                                              <m:r>
+                                                <a:rPr lang="en-US" sz="3200" i="1">
+                                                  <a:latin typeface="Cambria Math" panose="02040503050406030204" pitchFamily="18" charset="0"/>
+                                                  <a:ea typeface="Cambria Math" panose="02040503050406030204" pitchFamily="18" charset="0"/>
+                                                </a:rPr>
+                                                <m:t>𝑗</m:t>
+                                              </m:r>
+                                              <m:r>
+                                                <a:rPr lang="en-US" sz="3200" i="1">
+                                                  <a:latin typeface="Cambria Math" panose="02040503050406030204" pitchFamily="18" charset="0"/>
+                                                  <a:ea typeface="Cambria Math" panose="02040503050406030204" pitchFamily="18" charset="0"/>
+                                                </a:rPr>
+                                                <m:t>,</m:t>
+                                              </m:r>
+                                              <m:r>
+                                                <a:rPr lang="en-US" sz="3200" i="1">
+                                                  <a:latin typeface="Cambria Math" panose="02040503050406030204" pitchFamily="18" charset="0"/>
+                                                  <a:ea typeface="Cambria Math" panose="02040503050406030204" pitchFamily="18" charset="0"/>
+                                                </a:rPr>
+                                                <m:t>𝑖</m:t>
+                                              </m:r>
+                                            </m:sub>
+                                            <m:sup>
+                                              <m:r>
+                                                <m:rPr>
+                                                  <m:brk m:alnAt="7"/>
+                                                </m:rPr>
+                                                <a:rPr lang="en-US" sz="3200" i="1">
+                                                  <a:latin typeface="Cambria Math" panose="02040503050406030204" pitchFamily="18" charset="0"/>
+                                                  <a:ea typeface="Cambria Math" panose="02040503050406030204" pitchFamily="18" charset="0"/>
+                                                </a:rPr>
+                                                <m:t>2</m:t>
+                                              </m:r>
+                                            </m:sup>
+                                          </m:sSubSup>
+                                        </m:e>
+                                        <m:e>
+                                          <m:sSubSup>
+                                            <m:sSubSupPr>
+                                              <m:ctrlPr>
+                                                <a:rPr lang="en-US" sz="3200" i="1">
+                                                  <a:latin typeface="Cambria Math" panose="02040503050406030204" pitchFamily="18" charset="0"/>
+                                                  <a:ea typeface="Cambria Math" panose="02040503050406030204" pitchFamily="18" charset="0"/>
+                                                </a:rPr>
+                                              </m:ctrlPr>
+                                            </m:sSubSupPr>
+                                            <m:e>
+                                              <m:r>
+                                                <m:rPr>
+                                                  <m:brk m:alnAt="7"/>
+                                                </m:rPr>
+                                                <a:rPr lang="en-US" sz="3200" i="1">
+                                                  <a:latin typeface="Cambria Math" panose="02040503050406030204" pitchFamily="18" charset="0"/>
+                                                  <a:ea typeface="Cambria Math" panose="02040503050406030204" pitchFamily="18" charset="0"/>
+                                                </a:rPr>
+                                                <m:t>𝜎</m:t>
+                                              </m:r>
+                                            </m:e>
+                                            <m:sub>
+                                              <m:r>
+                                                <a:rPr lang="en-US" sz="3200" i="1">
+                                                  <a:latin typeface="Cambria Math" panose="02040503050406030204" pitchFamily="18" charset="0"/>
+                                                  <a:ea typeface="Cambria Math" panose="02040503050406030204" pitchFamily="18" charset="0"/>
+                                                </a:rPr>
+                                                <m:t>𝑗</m:t>
+                                              </m:r>
+                                              <m:r>
+                                                <a:rPr lang="en-US" sz="3200" i="1">
+                                                  <a:latin typeface="Cambria Math" panose="02040503050406030204" pitchFamily="18" charset="0"/>
+                                                  <a:ea typeface="Cambria Math" panose="02040503050406030204" pitchFamily="18" charset="0"/>
+                                                </a:rPr>
+                                                <m:t>,</m:t>
+                                              </m:r>
+                                              <m:r>
+                                                <a:rPr lang="en-US" sz="3200" i="1">
+                                                  <a:latin typeface="Cambria Math" panose="02040503050406030204" pitchFamily="18" charset="0"/>
+                                                  <a:ea typeface="Cambria Math" panose="02040503050406030204" pitchFamily="18" charset="0"/>
+                                                </a:rPr>
+                                                <m:t>𝑗</m:t>
+                                              </m:r>
+                                            </m:sub>
+                                            <m:sup>
+                                              <m:r>
+                                                <m:rPr>
+                                                  <m:brk m:alnAt="7"/>
+                                                </m:rPr>
+                                                <a:rPr lang="en-US" sz="3200" i="1">
+                                                  <a:latin typeface="Cambria Math" panose="02040503050406030204" pitchFamily="18" charset="0"/>
+                                                  <a:ea typeface="Cambria Math" panose="02040503050406030204" pitchFamily="18" charset="0"/>
+                                                </a:rPr>
+                                                <m:t>2</m:t>
+                                              </m:r>
+                                            </m:sup>
+                                          </m:sSubSup>
+                                        </m:e>
+                                      </m:mr>
+                                    </m:m>
+                                  </m:e>
+                                </m:d>
+                              </m:oMath>
+                            </m:oMathPara>
+                          </a14:m>
+                          <a:endParaRPr lang="en-US" sz="3200" dirty="0"/>
+                        </a:p>
+                        <a:p>
+                          <a:pPr algn="ctr"/>
+                          <a:endParaRPr lang="en-US" sz="2400" dirty="0"/>
+                        </a:p>
+                        <a:p>
+                          <a:pPr algn="ctr"/>
+                          <a:r>
+                            <a:rPr lang="en-US" sz="4800" dirty="0"/>
+                            <a:t>iv) Optimality Analysis</a:t>
+                          </a:r>
+                        </a:p>
+                        <a:p>
+                          <a:pPr algn="ctr"/>
+                          <a:endParaRPr lang="en-US" sz="3200" dirty="0"/>
+                        </a:p>
+                        <a:p>
+                          <a:pPr algn="ctr"/>
+                          <a:endParaRPr lang="en-US" sz="3200" dirty="0"/>
+                        </a:p>
+                        <a:p>
+                          <a:pPr algn="ctr"/>
+                          <a:endParaRPr lang="en-US" sz="3200" dirty="0"/>
+                        </a:p>
+                        <a:p>
+                          <a:pPr algn="ctr"/>
+                          <a:endParaRPr lang="en-US" sz="2000" dirty="0"/>
+                        </a:p>
+                        <a:p>
+                          <a:pPr algn="ctr"/>
+                          <a:endParaRPr lang="en-US" sz="2000" dirty="0"/>
+                        </a:p>
+                      </p:txBody>
+                    </p:sp>
+                  </mc:Choice>
+                  <mc:Fallback>
+                    <p:sp>
+                      <p:nvSpPr>
+                        <p:cNvPr id="28" name="TextBox 27">
+                          <a:extLst>
+                            <a:ext uri="{FF2B5EF4-FFF2-40B4-BE49-F238E27FC236}">
+                              <a16:creationId xmlns:a16="http://schemas.microsoft.com/office/drawing/2014/main" id="{726589B9-6663-A647-B794-2BBF0D82511C}"/>
+                            </a:ext>
+                          </a:extLst>
+                        </p:cNvPr>
+                        <p:cNvSpPr txBox="1">
+                          <a:spLocks noRot="1" noChangeAspect="1" noMove="1" noResize="1" noEditPoints="1" noAdjustHandles="1" noChangeArrowheads="1" noChangeShapeType="1" noTextEdit="1"/>
+                        </p:cNvSpPr>
+                        <p:nvPr/>
+                      </p:nvSpPr>
+                      <p:spPr>
+                        <a:xfrm>
+                          <a:off x="13828622" y="2099835"/>
+                          <a:ext cx="3187685" cy="4839080"/>
+                        </a:xfrm>
+                        <a:prstGeom prst="rect">
+                          <a:avLst/>
+                        </a:prstGeom>
+                        <a:blipFill>
+                          <a:blip r:embed="rId6"/>
+                          <a:stretch>
+                            <a:fillRect l="-2574" t="-1307" r="-2772"/>
+                          </a:stretch>
+                        </a:blipFill>
+                        <a:ln w="28575">
+                          <a:solidFill>
+                            <a:srgbClr val="0432FF"/>
+                          </a:solidFill>
+                        </a:ln>
+                      </p:spPr>
+                      <p:txBody>
+                        <a:bodyPr/>
+                        <a:lstStyle/>
+                        <a:p>
+                          <a:r>
+                            <a:rPr lang="en-US">
+                              <a:noFill/>
+                            </a:rPr>
+                            <a:t> </a:t>
+                          </a:r>
+                        </a:p>
+                      </p:txBody>
+                    </p:sp>
+                  </mc:Fallback>
+                </mc:AlternateContent>
+                <p:pic>
+                  <p:nvPicPr>
+                    <p:cNvPr id="29" name="Picture 2" descr="https://lh4.googleusercontent.com/jHfKAKWaIcBzb-YW-x9SZZcPbAoneCljbXOOcIoXhmUUKAt9x2dZn7tHAz1G4Rch5-a763A2xU7XdpN_xBsKLiO8tomUnXzW8Ze1lF0TbyvWT9qIbAiiyjMrwTVWfdvvjPX95H4YRpq8sfZuLP8WiA">
+                      <a:extLst>
+                        <a:ext uri="{FF2B5EF4-FFF2-40B4-BE49-F238E27FC236}">
+                          <a16:creationId xmlns:a16="http://schemas.microsoft.com/office/drawing/2014/main" id="{F459C2A7-A84D-6641-B21D-A32D22040ACA}"/>
+                        </a:ext>
+                      </a:extLst>
+                    </p:cNvPr>
+                    <p:cNvPicPr>
+                      <a:picLocks noChangeAspect="1" noChangeArrowheads="1"/>
+                    </p:cNvPicPr>
+                    <p:nvPr/>
+                  </p:nvPicPr>
+                  <p:blipFill>
+                    <a:blip r:embed="rId7">
+                      <a:extLst>
+                        <a:ext uri="{28A0092B-C50C-407E-A947-70E740481C1C}">
+                          <a14:useLocalDpi xmlns:a14="http://schemas.microsoft.com/office/drawing/2010/main" val="0"/>
+                        </a:ext>
+                      </a:extLst>
+                    </a:blip>
+                    <a:srcRect/>
+                    <a:stretch>
+                      <a:fillRect/>
+                    </a:stretch>
+                  </p:blipFill>
+                  <p:spPr bwMode="auto">
+                    <a:xfrm>
+                      <a:off x="14814598" y="5699743"/>
+                      <a:ext cx="1150938" cy="1143000"/>
+                    </a:xfrm>
+                    <a:prstGeom prst="rect">
+                      <a:avLst/>
+                    </a:prstGeom>
+                    <a:noFill/>
+                    <a:extLst>
+                      <a:ext uri="{909E8E84-426E-40DD-AFC4-6F175D3DCCD1}">
+                        <a14:hiddenFill xmlns:a14="http://schemas.microsoft.com/office/drawing/2010/main">
+                          <a:solidFill>
+                            <a:srgbClr val="FFFFFF"/>
+                          </a:solidFill>
+                        </a14:hiddenFill>
+                      </a:ext>
+                    </a:extLst>
+                  </p:spPr>
+                </p:pic>
+              </p:grpSp>
               <p:sp>
                 <p:nvSpPr>
-                  <p:cNvPr id="66" name="TextBox 65">
+                  <p:cNvPr id="36" name="TextBox 35">
                     <a:extLst>
                       <a:ext uri="{FF2B5EF4-FFF2-40B4-BE49-F238E27FC236}">
-                        <a16:creationId xmlns:a16="http://schemas.microsoft.com/office/drawing/2014/main" id="{481B0263-8DBD-C448-980A-C240B49FAA23}"/>
+                        <a16:creationId xmlns:a16="http://schemas.microsoft.com/office/drawing/2014/main" id="{D3F7FB7E-76A3-5949-9959-C761ED6217B3}"/>
                       </a:ext>
                     </a:extLst>
                   </p:cNvPr>
@@ -6367,8 +7249,8 @@
                 </p:nvSpPr>
                 <p:spPr>
                   <a:xfrm>
-                    <a:off x="8554180" y="2198290"/>
-                    <a:ext cx="3187685" cy="4618765"/>
+                    <a:off x="20108619" y="3080889"/>
+                    <a:ext cx="2812817" cy="1153420"/>
                   </a:xfrm>
                   <a:prstGeom prst="rect">
                     <a:avLst/>
@@ -6388,990 +7270,27 @@
                   <a:p>
                     <a:pPr algn="ctr"/>
                     <a:r>
-                      <a:rPr lang="en-US" sz="3200" b="1" u="sng" dirty="0"/>
-                      <a:t>Step 3</a:t>
+                      <a:rPr lang="en-US" sz="4800" b="1" u="sng" dirty="0"/>
+                      <a:t>Step 5</a:t>
                     </a:r>
                   </a:p>
                   <a:p>
                     <a:pPr algn="ctr"/>
                     <a:r>
-                      <a:rPr lang="en-US" sz="3200" dirty="0" err="1"/>
-                      <a:t>i</a:t>
+                      <a:rPr lang="en-US" sz="4800" dirty="0"/>
+                      <a:t>Model-Based Design of Experiments</a:t>
                     </a:r>
-                    <a:r>
-                      <a:rPr lang="en-US" sz="3200" dirty="0"/>
-                      <a:t>) Compute Fischer Information Matrix</a:t>
-                    </a:r>
-                  </a:p>
-                  <a:p>
-                    <a:pPr algn="ctr"/>
-                    <a:endParaRPr lang="en-US" sz="1600" dirty="0"/>
-                  </a:p>
-                  <a:p>
-                    <a:pPr algn="ctr"/>
-                    <a:r>
-                      <a:rPr lang="en-US" sz="3200" dirty="0"/>
-                      <a:t>ii) Identifiability Analysis</a:t>
-                    </a:r>
-                  </a:p>
-                  <a:p>
-                    <a:pPr algn="ctr"/>
-                    <a:endParaRPr lang="en-US" sz="1600" dirty="0"/>
-                  </a:p>
-                  <a:p>
-                    <a:pPr algn="ctr"/>
-                    <a:r>
-                      <a:rPr lang="en-US" sz="3200" dirty="0"/>
-                      <a:t>iii) Uncertainty Analysis</a:t>
-                    </a:r>
-                  </a:p>
-                  <a:p>
-                    <a:pPr algn="ctr"/>
-                    <a:endParaRPr lang="en-US" sz="1600" dirty="0"/>
-                  </a:p>
-                  <a:p>
-                    <a:pPr algn="ctr"/>
-                    <a14:m>
-                      <m:oMathPara xmlns:m="http://schemas.openxmlformats.org/officeDocument/2006/math">
-                        <m:oMathParaPr>
-                          <m:jc m:val="centerGroup"/>
-                        </m:oMathParaPr>
-                        <m:oMath xmlns:m="http://schemas.openxmlformats.org/officeDocument/2006/math">
-                          <m:sSub>
-                            <m:sSubPr>
-                              <m:ctrlPr>
-                                <a:rPr lang="en-US" sz="2133" i="1">
-                                  <a:latin typeface="Cambria Math" panose="02040503050406030204" pitchFamily="18" charset="0"/>
-                                  <a:ea typeface="Cambria Math" panose="02040503050406030204" pitchFamily="18" charset="0"/>
-                                </a:rPr>
-                              </m:ctrlPr>
-                            </m:sSubPr>
-                            <m:e>
-                              <m:r>
-                                <m:rPr>
-                                  <m:sty m:val="p"/>
-                                </m:rPr>
-                                <a:rPr lang="el-GR" sz="2133" i="1">
-                                  <a:latin typeface="Cambria Math" panose="02040503050406030204" pitchFamily="18" charset="0"/>
-                                  <a:ea typeface="Cambria Math" panose="02040503050406030204" pitchFamily="18" charset="0"/>
-                                </a:rPr>
-                                <m:t>Σ</m:t>
-                              </m:r>
-                            </m:e>
-                            <m:sub>
-                              <m:r>
-                                <a:rPr lang="en-US" sz="2133" i="1">
-                                  <a:latin typeface="Cambria Math" panose="02040503050406030204" pitchFamily="18" charset="0"/>
-                                  <a:ea typeface="Cambria Math" panose="02040503050406030204" pitchFamily="18" charset="0"/>
-                                </a:rPr>
-                                <m:t>𝑖</m:t>
-                              </m:r>
-                              <m:r>
-                                <a:rPr lang="en-US" sz="2133" i="1">
-                                  <a:latin typeface="Cambria Math" panose="02040503050406030204" pitchFamily="18" charset="0"/>
-                                  <a:ea typeface="Cambria Math" panose="02040503050406030204" pitchFamily="18" charset="0"/>
-                                </a:rPr>
-                                <m:t>,</m:t>
-                              </m:r>
-                              <m:r>
-                                <a:rPr lang="en-US" sz="2133" i="1">
-                                  <a:latin typeface="Cambria Math" panose="02040503050406030204" pitchFamily="18" charset="0"/>
-                                  <a:ea typeface="Cambria Math" panose="02040503050406030204" pitchFamily="18" charset="0"/>
-                                </a:rPr>
-                                <m:t>𝑗</m:t>
-                              </m:r>
-                            </m:sub>
-                          </m:sSub>
-                          <m:r>
-                            <a:rPr lang="en-US" sz="2133" i="1">
-                              <a:latin typeface="Cambria Math" panose="02040503050406030204" pitchFamily="18" charset="0"/>
-                              <a:ea typeface="Cambria Math" panose="02040503050406030204" pitchFamily="18" charset="0"/>
-                            </a:rPr>
-                            <m:t>=</m:t>
-                          </m:r>
-                          <m:d>
-                            <m:dPr>
-                              <m:begChr m:val="["/>
-                              <m:endChr m:val="]"/>
-                              <m:ctrlPr>
-                                <a:rPr lang="en-US" sz="2133" i="1">
-                                  <a:latin typeface="Cambria Math" panose="02040503050406030204" pitchFamily="18" charset="0"/>
-                                  <a:ea typeface="Cambria Math" panose="02040503050406030204" pitchFamily="18" charset="0"/>
-                                </a:rPr>
-                              </m:ctrlPr>
-                            </m:dPr>
-                            <m:e>
-                              <m:m>
-                                <m:mPr>
-                                  <m:mcs>
-                                    <m:mc>
-                                      <m:mcPr>
-                                        <m:count m:val="2"/>
-                                        <m:mcJc m:val="center"/>
-                                      </m:mcPr>
-                                    </m:mc>
-                                  </m:mcs>
-                                  <m:ctrlPr>
-                                    <a:rPr lang="en-US" sz="2133" i="1">
-                                      <a:latin typeface="Cambria Math" panose="02040503050406030204" pitchFamily="18" charset="0"/>
-                                      <a:ea typeface="Cambria Math" panose="02040503050406030204" pitchFamily="18" charset="0"/>
-                                    </a:rPr>
-                                  </m:ctrlPr>
-                                </m:mPr>
-                                <m:mr>
-                                  <m:e>
-                                    <m:sSubSup>
-                                      <m:sSubSupPr>
-                                        <m:ctrlPr>
-                                          <a:rPr lang="en-US" sz="2133" i="1">
-                                            <a:latin typeface="Cambria Math" panose="02040503050406030204" pitchFamily="18" charset="0"/>
-                                            <a:ea typeface="Cambria Math" panose="02040503050406030204" pitchFamily="18" charset="0"/>
-                                          </a:rPr>
-                                        </m:ctrlPr>
-                                      </m:sSubSupPr>
-                                      <m:e>
-                                        <m:r>
-                                          <m:rPr>
-                                            <m:brk m:alnAt="7"/>
-                                          </m:rPr>
-                                          <a:rPr lang="en-US" sz="2133" i="1">
-                                            <a:latin typeface="Cambria Math" panose="02040503050406030204" pitchFamily="18" charset="0"/>
-                                            <a:ea typeface="Cambria Math" panose="02040503050406030204" pitchFamily="18" charset="0"/>
-                                          </a:rPr>
-                                          <m:t>𝜎</m:t>
-                                        </m:r>
-                                      </m:e>
-                                      <m:sub>
-                                        <m:r>
-                                          <m:rPr>
-                                            <m:brk m:alnAt="7"/>
-                                          </m:rPr>
-                                          <a:rPr lang="en-US" sz="2133" i="1">
-                                            <a:latin typeface="Cambria Math" panose="02040503050406030204" pitchFamily="18" charset="0"/>
-                                            <a:ea typeface="Cambria Math" panose="02040503050406030204" pitchFamily="18" charset="0"/>
-                                          </a:rPr>
-                                          <m:t>𝑖</m:t>
-                                        </m:r>
-                                        <m:r>
-                                          <a:rPr lang="en-US" sz="2133" i="1">
-                                            <a:latin typeface="Cambria Math" panose="02040503050406030204" pitchFamily="18" charset="0"/>
-                                            <a:ea typeface="Cambria Math" panose="02040503050406030204" pitchFamily="18" charset="0"/>
-                                          </a:rPr>
-                                          <m:t>,</m:t>
-                                        </m:r>
-                                        <m:r>
-                                          <a:rPr lang="en-US" sz="2133" i="1">
-                                            <a:latin typeface="Cambria Math" panose="02040503050406030204" pitchFamily="18" charset="0"/>
-                                            <a:ea typeface="Cambria Math" panose="02040503050406030204" pitchFamily="18" charset="0"/>
-                                          </a:rPr>
-                                          <m:t>𝑖</m:t>
-                                        </m:r>
-                                      </m:sub>
-                                      <m:sup>
-                                        <m:r>
-                                          <m:rPr>
-                                            <m:brk m:alnAt="7"/>
-                                          </m:rPr>
-                                          <a:rPr lang="en-US" sz="2133" i="1">
-                                            <a:latin typeface="Cambria Math" panose="02040503050406030204" pitchFamily="18" charset="0"/>
-                                            <a:ea typeface="Cambria Math" panose="02040503050406030204" pitchFamily="18" charset="0"/>
-                                          </a:rPr>
-                                          <m:t>2</m:t>
-                                        </m:r>
-                                      </m:sup>
-                                    </m:sSubSup>
-                                  </m:e>
-                                  <m:e>
-                                    <m:sSubSup>
-                                      <m:sSubSupPr>
-                                        <m:ctrlPr>
-                                          <a:rPr lang="en-US" sz="2133" i="1">
-                                            <a:latin typeface="Cambria Math" panose="02040503050406030204" pitchFamily="18" charset="0"/>
-                                            <a:ea typeface="Cambria Math" panose="02040503050406030204" pitchFamily="18" charset="0"/>
-                                          </a:rPr>
-                                        </m:ctrlPr>
-                                      </m:sSubSupPr>
-                                      <m:e>
-                                        <m:r>
-                                          <m:rPr>
-                                            <m:brk m:alnAt="7"/>
-                                          </m:rPr>
-                                          <a:rPr lang="en-US" sz="2133" i="1">
-                                            <a:latin typeface="Cambria Math" panose="02040503050406030204" pitchFamily="18" charset="0"/>
-                                            <a:ea typeface="Cambria Math" panose="02040503050406030204" pitchFamily="18" charset="0"/>
-                                          </a:rPr>
-                                          <m:t>𝜎</m:t>
-                                        </m:r>
-                                      </m:e>
-                                      <m:sub>
-                                        <m:r>
-                                          <m:rPr>
-                                            <m:brk m:alnAt="7"/>
-                                          </m:rPr>
-                                          <a:rPr lang="en-US" sz="2133" i="1">
-                                            <a:latin typeface="Cambria Math" panose="02040503050406030204" pitchFamily="18" charset="0"/>
-                                            <a:ea typeface="Cambria Math" panose="02040503050406030204" pitchFamily="18" charset="0"/>
-                                          </a:rPr>
-                                          <m:t>𝑖</m:t>
-                                        </m:r>
-                                        <m:r>
-                                          <a:rPr lang="en-US" sz="2133" i="1">
-                                            <a:latin typeface="Cambria Math" panose="02040503050406030204" pitchFamily="18" charset="0"/>
-                                            <a:ea typeface="Cambria Math" panose="02040503050406030204" pitchFamily="18" charset="0"/>
-                                          </a:rPr>
-                                          <m:t>,</m:t>
-                                        </m:r>
-                                        <m:r>
-                                          <a:rPr lang="en-US" sz="2133" i="1">
-                                            <a:latin typeface="Cambria Math" panose="02040503050406030204" pitchFamily="18" charset="0"/>
-                                            <a:ea typeface="Cambria Math" panose="02040503050406030204" pitchFamily="18" charset="0"/>
-                                          </a:rPr>
-                                          <m:t>𝑗</m:t>
-                                        </m:r>
-                                      </m:sub>
-                                      <m:sup>
-                                        <m:r>
-                                          <m:rPr>
-                                            <m:brk m:alnAt="7"/>
-                                          </m:rPr>
-                                          <a:rPr lang="en-US" sz="2133" i="1">
-                                            <a:latin typeface="Cambria Math" panose="02040503050406030204" pitchFamily="18" charset="0"/>
-                                            <a:ea typeface="Cambria Math" panose="02040503050406030204" pitchFamily="18" charset="0"/>
-                                          </a:rPr>
-                                          <m:t>2</m:t>
-                                        </m:r>
-                                      </m:sup>
-                                    </m:sSubSup>
-                                  </m:e>
-                                </m:mr>
-                                <m:mr>
-                                  <m:e>
-                                    <m:sSubSup>
-                                      <m:sSubSupPr>
-                                        <m:ctrlPr>
-                                          <a:rPr lang="en-US" sz="2133" i="1">
-                                            <a:latin typeface="Cambria Math" panose="02040503050406030204" pitchFamily="18" charset="0"/>
-                                            <a:ea typeface="Cambria Math" panose="02040503050406030204" pitchFamily="18" charset="0"/>
-                                          </a:rPr>
-                                        </m:ctrlPr>
-                                      </m:sSubSupPr>
-                                      <m:e>
-                                        <m:r>
-                                          <m:rPr>
-                                            <m:brk m:alnAt="7"/>
-                                          </m:rPr>
-                                          <a:rPr lang="en-US" sz="2133" i="1">
-                                            <a:latin typeface="Cambria Math" panose="02040503050406030204" pitchFamily="18" charset="0"/>
-                                            <a:ea typeface="Cambria Math" panose="02040503050406030204" pitchFamily="18" charset="0"/>
-                                          </a:rPr>
-                                          <m:t>𝜎</m:t>
-                                        </m:r>
-                                      </m:e>
-                                      <m:sub>
-                                        <m:r>
-                                          <a:rPr lang="en-US" sz="2133" i="1">
-                                            <a:latin typeface="Cambria Math" panose="02040503050406030204" pitchFamily="18" charset="0"/>
-                                            <a:ea typeface="Cambria Math" panose="02040503050406030204" pitchFamily="18" charset="0"/>
-                                          </a:rPr>
-                                          <m:t>𝑗</m:t>
-                                        </m:r>
-                                        <m:r>
-                                          <a:rPr lang="en-US" sz="2133" i="1">
-                                            <a:latin typeface="Cambria Math" panose="02040503050406030204" pitchFamily="18" charset="0"/>
-                                            <a:ea typeface="Cambria Math" panose="02040503050406030204" pitchFamily="18" charset="0"/>
-                                          </a:rPr>
-                                          <m:t>,</m:t>
-                                        </m:r>
-                                        <m:r>
-                                          <a:rPr lang="en-US" sz="2133" i="1">
-                                            <a:latin typeface="Cambria Math" panose="02040503050406030204" pitchFamily="18" charset="0"/>
-                                            <a:ea typeface="Cambria Math" panose="02040503050406030204" pitchFamily="18" charset="0"/>
-                                          </a:rPr>
-                                          <m:t>𝑖</m:t>
-                                        </m:r>
-                                      </m:sub>
-                                      <m:sup>
-                                        <m:r>
-                                          <m:rPr>
-                                            <m:brk m:alnAt="7"/>
-                                          </m:rPr>
-                                          <a:rPr lang="en-US" sz="2133" i="1">
-                                            <a:latin typeface="Cambria Math" panose="02040503050406030204" pitchFamily="18" charset="0"/>
-                                            <a:ea typeface="Cambria Math" panose="02040503050406030204" pitchFamily="18" charset="0"/>
-                                          </a:rPr>
-                                          <m:t>2</m:t>
-                                        </m:r>
-                                      </m:sup>
-                                    </m:sSubSup>
-                                  </m:e>
-                                  <m:e>
-                                    <m:sSubSup>
-                                      <m:sSubSupPr>
-                                        <m:ctrlPr>
-                                          <a:rPr lang="en-US" sz="2133" i="1">
-                                            <a:latin typeface="Cambria Math" panose="02040503050406030204" pitchFamily="18" charset="0"/>
-                                            <a:ea typeface="Cambria Math" panose="02040503050406030204" pitchFamily="18" charset="0"/>
-                                          </a:rPr>
-                                        </m:ctrlPr>
-                                      </m:sSubSupPr>
-                                      <m:e>
-                                        <m:r>
-                                          <m:rPr>
-                                            <m:brk m:alnAt="7"/>
-                                          </m:rPr>
-                                          <a:rPr lang="en-US" sz="2133" i="1">
-                                            <a:latin typeface="Cambria Math" panose="02040503050406030204" pitchFamily="18" charset="0"/>
-                                            <a:ea typeface="Cambria Math" panose="02040503050406030204" pitchFamily="18" charset="0"/>
-                                          </a:rPr>
-                                          <m:t>𝜎</m:t>
-                                        </m:r>
-                                      </m:e>
-                                      <m:sub>
-                                        <m:r>
-                                          <a:rPr lang="en-US" sz="2133" i="1">
-                                            <a:latin typeface="Cambria Math" panose="02040503050406030204" pitchFamily="18" charset="0"/>
-                                            <a:ea typeface="Cambria Math" panose="02040503050406030204" pitchFamily="18" charset="0"/>
-                                          </a:rPr>
-                                          <m:t>𝑗</m:t>
-                                        </m:r>
-                                        <m:r>
-                                          <a:rPr lang="en-US" sz="2133" i="1">
-                                            <a:latin typeface="Cambria Math" panose="02040503050406030204" pitchFamily="18" charset="0"/>
-                                            <a:ea typeface="Cambria Math" panose="02040503050406030204" pitchFamily="18" charset="0"/>
-                                          </a:rPr>
-                                          <m:t>,</m:t>
-                                        </m:r>
-                                        <m:r>
-                                          <a:rPr lang="en-US" sz="2133" i="1">
-                                            <a:latin typeface="Cambria Math" panose="02040503050406030204" pitchFamily="18" charset="0"/>
-                                            <a:ea typeface="Cambria Math" panose="02040503050406030204" pitchFamily="18" charset="0"/>
-                                          </a:rPr>
-                                          <m:t>𝑗</m:t>
-                                        </m:r>
-                                      </m:sub>
-                                      <m:sup>
-                                        <m:r>
-                                          <m:rPr>
-                                            <m:brk m:alnAt="7"/>
-                                          </m:rPr>
-                                          <a:rPr lang="en-US" sz="2133" i="1">
-                                            <a:latin typeface="Cambria Math" panose="02040503050406030204" pitchFamily="18" charset="0"/>
-                                            <a:ea typeface="Cambria Math" panose="02040503050406030204" pitchFamily="18" charset="0"/>
-                                          </a:rPr>
-                                          <m:t>2</m:t>
-                                        </m:r>
-                                      </m:sup>
-                                    </m:sSubSup>
-                                  </m:e>
-                                </m:mr>
-                              </m:m>
-                            </m:e>
-                          </m:d>
-                        </m:oMath>
-                      </m:oMathPara>
-                    </a14:m>
-                    <a:endParaRPr lang="en-US" sz="2133" dirty="0"/>
-                  </a:p>
-                  <a:p>
-                    <a:pPr algn="ctr"/>
-                    <a:endParaRPr lang="en-US" sz="1600" dirty="0"/>
-                  </a:p>
-                  <a:p>
-                    <a:pPr algn="ctr"/>
-                    <a:r>
-                      <a:rPr lang="en-US" sz="3200" dirty="0"/>
-                      <a:t>iv) Optimality Analysis</a:t>
-                    </a:r>
-                  </a:p>
-                  <a:p>
-                    <a:pPr algn="ctr"/>
-                    <a:endParaRPr lang="en-US" sz="2133" dirty="0"/>
-                  </a:p>
-                  <a:p>
-                    <a:pPr algn="ctr"/>
-                    <a:endParaRPr lang="en-US" sz="2133" dirty="0"/>
-                  </a:p>
-                  <a:p>
-                    <a:pPr algn="ctr"/>
-                    <a:endParaRPr lang="en-US" sz="2133" dirty="0"/>
-                  </a:p>
-                  <a:p>
-                    <a:pPr algn="ctr"/>
-                    <a:endParaRPr lang="en-US" sz="2133" dirty="0"/>
+                    <a:endParaRPr lang="en-US" sz="3200" dirty="0"/>
                   </a:p>
                 </p:txBody>
               </p:sp>
-            </mc:Choice>
-            <mc:Fallback>
-              <p:sp>
-                <p:nvSpPr>
-                  <p:cNvPr id="66" name="TextBox 65">
-                    <a:extLst>
-                      <a:ext uri="{FF2B5EF4-FFF2-40B4-BE49-F238E27FC236}">
-                        <a16:creationId xmlns:a16="http://schemas.microsoft.com/office/drawing/2014/main" id="{481B0263-8DBD-C448-980A-C240B49FAA23}"/>
-                      </a:ext>
-                    </a:extLst>
-                  </p:cNvPr>
-                  <p:cNvSpPr txBox="1">
-                    <a:spLocks noRot="1" noChangeAspect="1" noMove="1" noResize="1" noEditPoints="1" noAdjustHandles="1" noChangeArrowheads="1" noChangeShapeType="1" noTextEdit="1"/>
-                  </p:cNvSpPr>
-                  <p:nvPr/>
-                </p:nvSpPr>
-                <p:spPr>
-                  <a:xfrm>
-                    <a:off x="8554180" y="2198290"/>
-                    <a:ext cx="3187685" cy="4618765"/>
-                  </a:xfrm>
-                  <a:prstGeom prst="rect">
-                    <a:avLst/>
-                  </a:prstGeom>
-                  <a:blipFill>
-                    <a:blip r:embed="rId6"/>
-                    <a:stretch>
-                      <a:fillRect l="-2367" t="-820" r="-2367"/>
-                    </a:stretch>
-                  </a:blipFill>
-                  <a:ln w="28575">
-                    <a:solidFill>
-                      <a:srgbClr val="0432FF"/>
-                    </a:solidFill>
-                  </a:ln>
-                </p:spPr>
-                <p:txBody>
-                  <a:bodyPr/>
-                  <a:lstStyle/>
-                  <a:p>
-                    <a:r>
-                      <a:rPr lang="en-US">
-                        <a:noFill/>
-                      </a:rPr>
-                      <a:t> </a:t>
-                    </a:r>
-                  </a:p>
-                </p:txBody>
-              </p:sp>
-            </mc:Fallback>
-          </mc:AlternateContent>
-          <p:pic>
-            <p:nvPicPr>
-              <p:cNvPr id="34" name="Picture 2" descr="https://lh4.googleusercontent.com/jHfKAKWaIcBzb-YW-x9SZZcPbAoneCljbXOOcIoXhmUUKAt9x2dZn7tHAz1G4Rch5-a763A2xU7XdpN_xBsKLiO8tomUnXzW8Ze1lF0TbyvWT9qIbAiiyjMrwTVWfdvvjPX95H4YRpq8sfZuLP8WiA">
-                <a:extLst>
-                  <a:ext uri="{FF2B5EF4-FFF2-40B4-BE49-F238E27FC236}">
-                    <a16:creationId xmlns:a16="http://schemas.microsoft.com/office/drawing/2014/main" id="{82A27719-E4A2-A848-A01E-B488A4E49FEA}"/>
-                  </a:ext>
-                </a:extLst>
-              </p:cNvPr>
-              <p:cNvPicPr>
-                <a:picLocks noChangeAspect="1" noChangeArrowheads="1"/>
-              </p:cNvPicPr>
-              <p:nvPr/>
-            </p:nvPicPr>
-            <p:blipFill>
-              <a:blip r:embed="rId7">
-                <a:extLst>
-                  <a:ext uri="{28A0092B-C50C-407E-A947-70E740481C1C}">
-                    <a14:useLocalDpi xmlns:a14="http://schemas.microsoft.com/office/drawing/2010/main" val="0"/>
-                  </a:ext>
-                </a:extLst>
-              </a:blip>
-              <a:srcRect/>
-              <a:stretch>
-                <a:fillRect/>
-              </a:stretch>
-            </p:blipFill>
-            <p:spPr bwMode="auto">
-              <a:xfrm>
-                <a:off x="9572553" y="5697458"/>
-                <a:ext cx="1150938" cy="1143000"/>
-              </a:xfrm>
-              <a:prstGeom prst="rect">
-                <a:avLst/>
-              </a:prstGeom>
-              <a:noFill/>
-              <a:extLst>
-                <a:ext uri="{909E8E84-426E-40DD-AFC4-6F175D3DCCD1}">
-                  <a14:hiddenFill xmlns:a14="http://schemas.microsoft.com/office/drawing/2010/main">
-                    <a:solidFill>
-                      <a:srgbClr val="FFFFFF"/>
-                    </a:solidFill>
-                  </a14:hiddenFill>
-                </a:ext>
-              </a:extLst>
-            </p:spPr>
-          </p:pic>
-        </p:grpSp>
-      </p:grpSp>
-      <p:grpSp>
-        <p:nvGrpSpPr>
-          <p:cNvPr id="8" name="Group 7">
-            <a:extLst>
-              <a:ext uri="{FF2B5EF4-FFF2-40B4-BE49-F238E27FC236}">
-                <a16:creationId xmlns:a16="http://schemas.microsoft.com/office/drawing/2014/main" id="{63A8BDD0-90F8-034E-B3C8-D91C4594A04E}"/>
-              </a:ext>
-            </a:extLst>
-          </p:cNvPr>
-          <p:cNvGrpSpPr/>
-          <p:nvPr/>
-        </p:nvGrpSpPr>
-        <p:grpSpPr>
-          <a:xfrm>
-            <a:off x="1332360" y="7878022"/>
-            <a:ext cx="19636945" cy="6193536"/>
-            <a:chOff x="999268" y="1336516"/>
-            <a:chExt cx="14727709" cy="4642168"/>
-          </a:xfrm>
-        </p:grpSpPr>
-        <p:cxnSp>
-          <p:nvCxnSpPr>
-            <p:cNvPr id="4" name="Straight Arrow Connector 3">
-              <a:extLst>
-                <a:ext uri="{FF2B5EF4-FFF2-40B4-BE49-F238E27FC236}">
-                  <a16:creationId xmlns:a16="http://schemas.microsoft.com/office/drawing/2014/main" id="{FBDEA873-AB70-B34D-85AF-050DCBE613C4}"/>
-                </a:ext>
-              </a:extLst>
-            </p:cNvPr>
-            <p:cNvCxnSpPr>
-              <a:stCxn id="28" idx="3"/>
-              <a:endCxn id="36" idx="1"/>
-            </p:cNvCxnSpPr>
-            <p:nvPr/>
-          </p:nvCxnSpPr>
-          <p:spPr>
-            <a:xfrm>
-              <a:off x="12749568" y="3644414"/>
-              <a:ext cx="164591" cy="4173"/>
-            </a:xfrm>
-            <a:prstGeom prst="straightConnector1">
-              <a:avLst/>
-            </a:prstGeom>
-            <a:ln w="28575">
-              <a:solidFill>
-                <a:srgbClr val="00B050"/>
-              </a:solidFill>
-              <a:tailEnd type="triangle"/>
-            </a:ln>
-          </p:spPr>
-          <p:style>
-            <a:lnRef idx="1">
-              <a:schemeClr val="accent1"/>
-            </a:lnRef>
-            <a:fillRef idx="0">
-              <a:schemeClr val="accent1"/>
-            </a:fillRef>
-            <a:effectRef idx="0">
-              <a:schemeClr val="accent1"/>
-            </a:effectRef>
-            <a:fontRef idx="minor">
-              <a:schemeClr val="tx1"/>
-            </a:fontRef>
-          </p:style>
-        </p:cxnSp>
-        <p:cxnSp>
-          <p:nvCxnSpPr>
-            <p:cNvPr id="20" name="Straight Arrow Connector 19">
-              <a:extLst>
-                <a:ext uri="{FF2B5EF4-FFF2-40B4-BE49-F238E27FC236}">
-                  <a16:creationId xmlns:a16="http://schemas.microsoft.com/office/drawing/2014/main" id="{B5FECB67-643D-C548-8AF1-2ECC18FC6F4B}"/>
-                </a:ext>
-              </a:extLst>
-            </p:cNvPr>
-            <p:cNvCxnSpPr>
-              <a:stCxn id="26" idx="3"/>
-              <a:endCxn id="28" idx="1"/>
-            </p:cNvCxnSpPr>
-            <p:nvPr/>
-          </p:nvCxnSpPr>
-          <p:spPr>
-            <a:xfrm flipV="1">
-              <a:off x="9397641" y="3644414"/>
-              <a:ext cx="164242" cy="1246"/>
-            </a:xfrm>
-            <a:prstGeom prst="straightConnector1">
-              <a:avLst/>
-            </a:prstGeom>
-            <a:ln w="28575">
-              <a:solidFill>
-                <a:srgbClr val="00B050"/>
-              </a:solidFill>
-              <a:tailEnd type="triangle"/>
-            </a:ln>
-          </p:spPr>
-          <p:style>
-            <a:lnRef idx="1">
-              <a:schemeClr val="accent1"/>
-            </a:lnRef>
-            <a:fillRef idx="0">
-              <a:schemeClr val="accent1"/>
-            </a:fillRef>
-            <a:effectRef idx="0">
-              <a:schemeClr val="accent1"/>
-            </a:effectRef>
-            <a:fontRef idx="minor">
-              <a:schemeClr val="tx1"/>
-            </a:fontRef>
-          </p:style>
-        </p:cxnSp>
-        <p:cxnSp>
-          <p:nvCxnSpPr>
-            <p:cNvPr id="22" name="Straight Arrow Connector 21">
-              <a:extLst>
-                <a:ext uri="{FF2B5EF4-FFF2-40B4-BE49-F238E27FC236}">
-                  <a16:creationId xmlns:a16="http://schemas.microsoft.com/office/drawing/2014/main" id="{5446778C-119B-B849-AED1-859C3BA56820}"/>
-                </a:ext>
-              </a:extLst>
-            </p:cNvPr>
-            <p:cNvCxnSpPr>
-              <a:stCxn id="30" idx="3"/>
-              <a:endCxn id="26" idx="1"/>
-            </p:cNvCxnSpPr>
-            <p:nvPr/>
-          </p:nvCxnSpPr>
-          <p:spPr>
-            <a:xfrm>
-              <a:off x="6420581" y="3645222"/>
-              <a:ext cx="164243" cy="439"/>
-            </a:xfrm>
-            <a:prstGeom prst="straightConnector1">
-              <a:avLst/>
-            </a:prstGeom>
-            <a:ln w="28575">
-              <a:solidFill>
-                <a:srgbClr val="00B050"/>
-              </a:solidFill>
-              <a:tailEnd type="triangle"/>
-            </a:ln>
-          </p:spPr>
-          <p:style>
-            <a:lnRef idx="1">
-              <a:schemeClr val="accent1"/>
-            </a:lnRef>
-            <a:fillRef idx="0">
-              <a:schemeClr val="accent1"/>
-            </a:fillRef>
-            <a:effectRef idx="0">
-              <a:schemeClr val="accent1"/>
-            </a:effectRef>
-            <a:fontRef idx="minor">
-              <a:schemeClr val="tx1"/>
-            </a:fontRef>
-          </p:style>
-        </p:cxnSp>
-        <p:cxnSp>
-          <p:nvCxnSpPr>
-            <p:cNvPr id="23" name="Straight Arrow Connector 22">
-              <a:extLst>
-                <a:ext uri="{FF2B5EF4-FFF2-40B4-BE49-F238E27FC236}">
-                  <a16:creationId xmlns:a16="http://schemas.microsoft.com/office/drawing/2014/main" id="{FE20D86D-EF8A-5E4A-BD6D-B3BDC0776C09}"/>
-                </a:ext>
-              </a:extLst>
-            </p:cNvPr>
-            <p:cNvCxnSpPr>
-              <a:stCxn id="32" idx="3"/>
-              <a:endCxn id="30" idx="1"/>
-            </p:cNvCxnSpPr>
-            <p:nvPr/>
-          </p:nvCxnSpPr>
-          <p:spPr>
-            <a:xfrm>
-              <a:off x="3735873" y="3641272"/>
-              <a:ext cx="164588" cy="3951"/>
-            </a:xfrm>
-            <a:prstGeom prst="straightConnector1">
-              <a:avLst/>
-            </a:prstGeom>
-            <a:ln w="28575">
-              <a:solidFill>
-                <a:srgbClr val="00B050"/>
-              </a:solidFill>
-              <a:tailEnd type="triangle"/>
-            </a:ln>
-          </p:spPr>
-          <p:style>
-            <a:lnRef idx="1">
-              <a:schemeClr val="accent1"/>
-            </a:lnRef>
-            <a:fillRef idx="0">
-              <a:schemeClr val="accent1"/>
-            </a:fillRef>
-            <a:effectRef idx="0">
-              <a:schemeClr val="accent1"/>
-            </a:effectRef>
-            <a:fontRef idx="minor">
-              <a:schemeClr val="tx1"/>
-            </a:fontRef>
-          </p:style>
-        </p:cxnSp>
-        <p:grpSp>
-          <p:nvGrpSpPr>
-            <p:cNvPr id="24" name="Group 23">
-              <a:extLst>
-                <a:ext uri="{FF2B5EF4-FFF2-40B4-BE49-F238E27FC236}">
-                  <a16:creationId xmlns:a16="http://schemas.microsoft.com/office/drawing/2014/main" id="{9F12D215-FF1C-EB4E-9446-93E171739920}"/>
-                </a:ext>
-              </a:extLst>
-            </p:cNvPr>
-            <p:cNvGrpSpPr/>
-            <p:nvPr/>
-          </p:nvGrpSpPr>
-          <p:grpSpPr>
-            <a:xfrm>
-              <a:off x="999268" y="3053027"/>
-              <a:ext cx="2736605" cy="1176489"/>
-              <a:chOff x="44977" y="3053026"/>
-              <a:chExt cx="2736605" cy="1176489"/>
-            </a:xfrm>
-          </p:grpSpPr>
-          <p:sp>
-            <p:nvSpPr>
-              <p:cNvPr id="32" name="TextBox 31">
-                <a:extLst>
-                  <a:ext uri="{FF2B5EF4-FFF2-40B4-BE49-F238E27FC236}">
-                    <a16:creationId xmlns:a16="http://schemas.microsoft.com/office/drawing/2014/main" id="{15DA86BE-4CFE-2A44-AEC6-8C55C18BCDED}"/>
-                  </a:ext>
-                </a:extLst>
-              </p:cNvPr>
-              <p:cNvSpPr txBox="1"/>
-              <p:nvPr/>
-            </p:nvSpPr>
-            <p:spPr>
-              <a:xfrm>
-                <a:off x="44977" y="3053026"/>
-                <a:ext cx="2736605" cy="1176489"/>
-              </a:xfrm>
-              <a:prstGeom prst="rect">
-                <a:avLst/>
-              </a:prstGeom>
-              <a:noFill/>
-              <a:ln w="28575">
-                <a:solidFill>
-                  <a:srgbClr val="0432FF"/>
-                </a:solidFill>
-              </a:ln>
-            </p:spPr>
-            <p:txBody>
-              <a:bodyPr wrap="square" rtlCol="0">
-                <a:spAutoFit/>
-              </a:bodyPr>
-              <a:lstStyle/>
-              <a:p>
-                <a:pPr algn="ctr"/>
-                <a:r>
-                  <a:rPr lang="en-US" sz="3200" b="1" u="sng" dirty="0"/>
-                  <a:t>Step 0</a:t>
-                </a:r>
-              </a:p>
-              <a:p>
-                <a:pPr algn="ctr"/>
-                <a:r>
-                  <a:rPr lang="en-US" sz="3200" dirty="0"/>
-                  <a:t>Estimate Parameters</a:t>
-                </a:r>
-              </a:p>
-              <a:p>
-                <a:pPr algn="ctr"/>
-                <a:endParaRPr lang="en-US" sz="3200" dirty="0"/>
-              </a:p>
-            </p:txBody>
-          </p:sp>
-          <p:pic>
-            <p:nvPicPr>
-              <p:cNvPr id="33" name="Picture 32" descr="Logo&#10;&#10;Description automatically generated">
-                <a:extLst>
-                  <a:ext uri="{FF2B5EF4-FFF2-40B4-BE49-F238E27FC236}">
-                    <a16:creationId xmlns:a16="http://schemas.microsoft.com/office/drawing/2014/main" id="{579E6AEB-0AA5-5440-94EB-A2BFF09F75F4}"/>
-                  </a:ext>
-                </a:extLst>
-              </p:cNvPr>
-              <p:cNvPicPr/>
-              <p:nvPr/>
-            </p:nvPicPr>
-            <p:blipFill>
-              <a:blip r:embed="rId2" cstate="print">
-                <a:extLst>
-                  <a:ext uri="{28A0092B-C50C-407E-A947-70E740481C1C}">
-                    <a14:useLocalDpi xmlns:a14="http://schemas.microsoft.com/office/drawing/2010/main" val="0"/>
-                  </a:ext>
-                </a:extLst>
-              </a:blip>
-              <a:stretch>
-                <a:fillRect/>
-              </a:stretch>
-            </p:blipFill>
-            <p:spPr>
-              <a:xfrm>
-                <a:off x="447030" y="3865617"/>
-                <a:ext cx="633006" cy="223013"/>
-              </a:xfrm>
-              <a:prstGeom prst="rect">
-                <a:avLst/>
-              </a:prstGeom>
-            </p:spPr>
-          </p:pic>
-          <p:pic>
-            <p:nvPicPr>
-              <p:cNvPr id="35" name="Picture 34" descr="A picture containing logo&#10;&#10;Description automatically generated">
-                <a:extLst>
-                  <a:ext uri="{FF2B5EF4-FFF2-40B4-BE49-F238E27FC236}">
-                    <a16:creationId xmlns:a16="http://schemas.microsoft.com/office/drawing/2014/main" id="{9371D1F4-2A52-B74B-A4ED-EB530D44EA00}"/>
-                  </a:ext>
-                </a:extLst>
-              </p:cNvPr>
-              <p:cNvPicPr/>
-              <p:nvPr/>
-            </p:nvPicPr>
-            <p:blipFill>
-              <a:blip r:embed="rId3" cstate="print">
-                <a:extLst>
-                  <a:ext uri="{28A0092B-C50C-407E-A947-70E740481C1C}">
-                    <a14:useLocalDpi xmlns:a14="http://schemas.microsoft.com/office/drawing/2010/main" val="0"/>
-                  </a:ext>
-                </a:extLst>
-              </a:blip>
-              <a:stretch>
-                <a:fillRect/>
-              </a:stretch>
-            </p:blipFill>
-            <p:spPr>
-              <a:xfrm>
-                <a:off x="1328452" y="3792605"/>
-                <a:ext cx="1007897" cy="369039"/>
-              </a:xfrm>
-              <a:prstGeom prst="rect">
-                <a:avLst/>
-              </a:prstGeom>
-            </p:spPr>
-          </p:pic>
-        </p:grpSp>
-        <p:grpSp>
-          <p:nvGrpSpPr>
-            <p:cNvPr id="25" name="Group 24">
-              <a:extLst>
-                <a:ext uri="{FF2B5EF4-FFF2-40B4-BE49-F238E27FC236}">
-                  <a16:creationId xmlns:a16="http://schemas.microsoft.com/office/drawing/2014/main" id="{F9E716D6-739B-EF45-8096-ADDA4C855D89}"/>
-                </a:ext>
-              </a:extLst>
-            </p:cNvPr>
-            <p:cNvGrpSpPr/>
-            <p:nvPr/>
-          </p:nvGrpSpPr>
-          <p:grpSpPr>
-            <a:xfrm>
-              <a:off x="3900461" y="2380328"/>
-              <a:ext cx="2520120" cy="2529788"/>
-              <a:chOff x="2953409" y="2144128"/>
-              <a:chExt cx="2520120" cy="2529788"/>
-            </a:xfrm>
-          </p:grpSpPr>
-          <p:sp>
-            <p:nvSpPr>
-              <p:cNvPr id="30" name="TextBox 29">
-                <a:extLst>
-                  <a:ext uri="{FF2B5EF4-FFF2-40B4-BE49-F238E27FC236}">
-                    <a16:creationId xmlns:a16="http://schemas.microsoft.com/office/drawing/2014/main" id="{7C13B202-666E-F348-930C-FC3B24054124}"/>
-                  </a:ext>
-                </a:extLst>
-              </p:cNvPr>
-              <p:cNvSpPr txBox="1"/>
-              <p:nvPr/>
-            </p:nvSpPr>
-            <p:spPr>
-              <a:xfrm>
-                <a:off x="2953409" y="2144128"/>
-                <a:ext cx="2520120" cy="2529788"/>
-              </a:xfrm>
-              <a:prstGeom prst="rect">
-                <a:avLst/>
-              </a:prstGeom>
-              <a:noFill/>
-              <a:ln w="28575">
-                <a:solidFill>
-                  <a:srgbClr val="0432FF"/>
-                </a:solidFill>
-              </a:ln>
-            </p:spPr>
-            <p:txBody>
-              <a:bodyPr wrap="square" rtlCol="0">
-                <a:spAutoFit/>
-              </a:bodyPr>
-              <a:lstStyle/>
-              <a:p>
-                <a:pPr algn="ctr"/>
-                <a:r>
-                  <a:rPr lang="en-US" sz="3200" b="1" u="sng" dirty="0"/>
-                  <a:t>Step 1</a:t>
-                </a:r>
-              </a:p>
-              <a:p>
-                <a:pPr algn="ctr"/>
-                <a:r>
-                  <a:rPr lang="en-US" sz="3200" dirty="0" err="1"/>
-                  <a:t>i</a:t>
-                </a:r>
-                <a:r>
-                  <a:rPr lang="en-US" sz="3200" dirty="0"/>
-                  <a:t>) Visualize Fits</a:t>
-                </a:r>
-              </a:p>
-              <a:p>
-                <a:pPr algn="ctr"/>
-                <a:endParaRPr lang="en-US" sz="3200" dirty="0"/>
-              </a:p>
-              <a:p>
-                <a:pPr algn="ctr"/>
-                <a:endParaRPr lang="en-US" sz="3200" dirty="0"/>
-              </a:p>
-              <a:p>
-                <a:pPr algn="ctr"/>
-                <a:endParaRPr lang="en-US" sz="2133" dirty="0"/>
-              </a:p>
-              <a:p>
-                <a:pPr algn="ctr"/>
-                <a:r>
-                  <a:rPr lang="en-US" sz="3200" dirty="0"/>
-                  <a:t>ii) Compare Model Fit Metric</a:t>
-                </a:r>
-              </a:p>
-            </p:txBody>
-          </p:sp>
-          <p:pic>
-            <p:nvPicPr>
-              <p:cNvPr id="31" name="Picture 30">
-                <a:extLst>
-                  <a:ext uri="{FF2B5EF4-FFF2-40B4-BE49-F238E27FC236}">
-                    <a16:creationId xmlns:a16="http://schemas.microsoft.com/office/drawing/2014/main" id="{5741C64B-0CF0-4040-B357-F53FB64F7A69}"/>
-                  </a:ext>
-                </a:extLst>
-              </p:cNvPr>
-              <p:cNvPicPr>
-                <a:picLocks noChangeAspect="1"/>
-              </p:cNvPicPr>
-              <p:nvPr/>
-            </p:nvPicPr>
-            <p:blipFill>
-              <a:blip r:embed="rId4"/>
-              <a:stretch>
-                <a:fillRect/>
-              </a:stretch>
-            </p:blipFill>
-            <p:spPr>
-              <a:xfrm>
-                <a:off x="3441167" y="2950484"/>
-                <a:ext cx="1544604" cy="941832"/>
-              </a:xfrm>
-              <a:prstGeom prst="rect">
-                <a:avLst/>
-              </a:prstGeom>
-            </p:spPr>
-          </p:pic>
-        </p:grpSp>
-        <mc:AlternateContent xmlns:mc="http://schemas.openxmlformats.org/markup-compatibility/2006">
-          <mc:Choice xmlns:a14="http://schemas.microsoft.com/office/drawing/2010/main" Requires="a14">
+            </p:grpSp>
             <p:sp>
               <p:nvSpPr>
-                <p:cNvPr id="26" name="TextBox 25">
+                <p:cNvPr id="45" name="TextBox 44">
                   <a:extLst>
                     <a:ext uri="{FF2B5EF4-FFF2-40B4-BE49-F238E27FC236}">
-                      <a16:creationId xmlns:a16="http://schemas.microsoft.com/office/drawing/2014/main" id="{A13E7E2E-3AAA-7E45-A688-C94E7F1DD4DF}"/>
+                      <a16:creationId xmlns:a16="http://schemas.microsoft.com/office/drawing/2014/main" id="{6ADB85BF-A8A0-B441-801B-59DF3DA3D082}"/>
                     </a:ext>
                   </a:extLst>
                 </p:cNvPr>
@@ -7380,18 +7299,13 @@
               </p:nvSpPr>
               <p:spPr>
                 <a:xfrm>
-                  <a:off x="6584824" y="3103121"/>
-                  <a:ext cx="2812817" cy="1085080"/>
+                  <a:off x="7504763" y="14754917"/>
+                  <a:ext cx="4188393" cy="1569660"/>
                 </a:xfrm>
                 <a:prstGeom prst="rect">
                   <a:avLst/>
                 </a:prstGeom>
                 <a:noFill/>
-                <a:ln w="28575">
-                  <a:solidFill>
-                    <a:srgbClr val="0432FF"/>
-                  </a:solidFill>
-                </a:ln>
               </p:spPr>
               <p:txBody>
                 <a:bodyPr wrap="square" rtlCol="0">
@@ -7401,748 +7315,217 @@
                 <a:p>
                   <a:pPr algn="ctr"/>
                   <a:r>
-                    <a:rPr lang="en-US" sz="3200" b="1" u="sng" dirty="0"/>
-                    <a:t>Step 2</a:t>
+                    <a:rPr lang="en-US" sz="4800" dirty="0"/>
+                    <a:t>Regressed Models</a:t>
                   </a:r>
-                </a:p>
-                <a:p>
-                  <a:pPr algn="ctr"/>
-                  <a:r>
-                    <a:rPr lang="en-US" sz="3200" dirty="0"/>
-                    <a:t>Rank Models</a:t>
-                  </a:r>
-                </a:p>
-                <a:p>
-                  <a:pPr algn="ctr"/>
-                  <a14:m>
-                    <m:oMathPara xmlns:m="http://schemas.openxmlformats.org/officeDocument/2006/math">
-                      <m:oMathParaPr>
-                        <m:jc m:val="centerGroup"/>
-                      </m:oMathParaPr>
-                      <m:oMath xmlns:m="http://schemas.openxmlformats.org/officeDocument/2006/math">
-                        <m:r>
-                          <a:rPr lang="en-US" sz="2133" i="1">
-                            <a:latin typeface="Cambria Math" panose="02040503050406030204" pitchFamily="18" charset="0"/>
-                          </a:rPr>
-                          <m:t>𝐴𝐼𝐶</m:t>
-                        </m:r>
-                        <m:d>
-                          <m:dPr>
-                            <m:ctrlPr>
-                              <a:rPr lang="en-US" sz="2133" i="1">
-                                <a:latin typeface="Cambria Math" panose="02040503050406030204" pitchFamily="18" charset="0"/>
-                              </a:rPr>
-                            </m:ctrlPr>
-                          </m:dPr>
-                          <m:e>
-                            <m:r>
-                              <a:rPr lang="en-US" sz="2133" i="1">
-                                <a:latin typeface="Cambria Math" panose="02040503050406030204" pitchFamily="18" charset="0"/>
-                              </a:rPr>
-                              <m:t>𝑝</m:t>
-                            </m:r>
-                          </m:e>
-                        </m:d>
-                        <m:r>
-                          <a:rPr lang="en-US" sz="2133" i="1">
-                            <a:latin typeface="Cambria Math" panose="02040503050406030204" pitchFamily="18" charset="0"/>
-                          </a:rPr>
-                          <m:t>=</m:t>
-                        </m:r>
-                        <m:r>
-                          <a:rPr lang="en-US" sz="2133" i="1">
-                            <a:latin typeface="Cambria Math" panose="02040503050406030204" pitchFamily="18" charset="0"/>
-                          </a:rPr>
-                          <m:t>𝑁</m:t>
-                        </m:r>
-                        <m:r>
-                          <m:rPr>
-                            <m:sty m:val="p"/>
-                          </m:rPr>
-                          <a:rPr lang="en-US" sz="2133">
-                            <a:latin typeface="Cambria Math" panose="02040503050406030204" pitchFamily="18" charset="0"/>
-                          </a:rPr>
-                          <m:t>ln</m:t>
-                        </m:r>
-                        <m:d>
-                          <m:dPr>
-                            <m:ctrlPr>
-                              <a:rPr lang="en-US" sz="2133" i="1">
-                                <a:latin typeface="Cambria Math" panose="02040503050406030204" pitchFamily="18" charset="0"/>
-                              </a:rPr>
-                            </m:ctrlPr>
-                          </m:dPr>
-                          <m:e>
-                            <m:r>
-                              <a:rPr lang="en-US" sz="2133" i="1">
-                                <a:latin typeface="Cambria Math" panose="02040503050406030204" pitchFamily="18" charset="0"/>
-                              </a:rPr>
-                              <m:t>𝑀𝑆𝐸</m:t>
-                            </m:r>
-                            <m:d>
-                              <m:dPr>
-                                <m:ctrlPr>
-                                  <a:rPr lang="en-US" sz="2133" i="1">
-                                    <a:latin typeface="Cambria Math" panose="02040503050406030204" pitchFamily="18" charset="0"/>
-                                  </a:rPr>
-                                </m:ctrlPr>
-                              </m:dPr>
-                              <m:e>
-                                <m:r>
-                                  <a:rPr lang="en-US" sz="2133" i="1">
-                                    <a:latin typeface="Cambria Math" panose="02040503050406030204" pitchFamily="18" charset="0"/>
-                                  </a:rPr>
-                                  <m:t>𝑝</m:t>
-                                </m:r>
-                              </m:e>
-                            </m:d>
-                          </m:e>
-                        </m:d>
-                        <m:r>
-                          <a:rPr lang="en-US" sz="2133" i="1">
-                            <a:latin typeface="Cambria Math" panose="02040503050406030204" pitchFamily="18" charset="0"/>
-                          </a:rPr>
-                          <m:t>+2</m:t>
-                        </m:r>
-                        <m:r>
-                          <a:rPr lang="en-US" sz="2133" i="1">
-                            <a:latin typeface="Cambria Math" panose="02040503050406030204" pitchFamily="18" charset="0"/>
-                          </a:rPr>
-                          <m:t>𝑝</m:t>
-                        </m:r>
-                      </m:oMath>
-                    </m:oMathPara>
-                  </a14:m>
-                  <a:endParaRPr lang="en-US" sz="2133" dirty="0"/>
                 </a:p>
               </p:txBody>
             </p:sp>
-          </mc:Choice>
-          <mc:Fallback>
             <p:sp>
               <p:nvSpPr>
-                <p:cNvPr id="26" name="TextBox 25">
+                <p:cNvPr id="52" name="TextBox 51">
                   <a:extLst>
                     <a:ext uri="{FF2B5EF4-FFF2-40B4-BE49-F238E27FC236}">
-                      <a16:creationId xmlns:a16="http://schemas.microsoft.com/office/drawing/2014/main" id="{A13E7E2E-3AAA-7E45-A688-C94E7F1DD4DF}"/>
+                      <a16:creationId xmlns:a16="http://schemas.microsoft.com/office/drawing/2014/main" id="{1D562825-2A34-F74A-BF70-DCB34C6AE09D}"/>
                     </a:ext>
                   </a:extLst>
                 </p:cNvPr>
-                <p:cNvSpPr txBox="1">
-                  <a:spLocks noRot="1" noChangeAspect="1" noMove="1" noResize="1" noEditPoints="1" noAdjustHandles="1" noChangeArrowheads="1" noChangeShapeType="1" noTextEdit="1"/>
-                </p:cNvSpPr>
+                <p:cNvSpPr txBox="1"/>
                 <p:nvPr/>
               </p:nvSpPr>
               <p:spPr>
                 <a:xfrm>
-                  <a:off x="6584824" y="3103121"/>
-                  <a:ext cx="2812817" cy="1085080"/>
+                  <a:off x="16733397" y="15493580"/>
+                  <a:ext cx="4234013" cy="830997"/>
                 </a:xfrm>
                 <a:prstGeom prst="rect">
                   <a:avLst/>
                 </a:prstGeom>
-                <a:blipFill>
-                  <a:blip r:embed="rId8"/>
-                  <a:stretch>
-                    <a:fillRect t="-4274"/>
-                  </a:stretch>
-                </a:blipFill>
-                <a:ln w="28575">
-                  <a:solidFill>
-                    <a:srgbClr val="0432FF"/>
-                  </a:solidFill>
-                </a:ln>
+                <a:noFill/>
               </p:spPr>
               <p:txBody>
-                <a:bodyPr/>
+                <a:bodyPr wrap="square" rtlCol="0">
+                  <a:spAutoFit/>
+                </a:bodyPr>
                 <a:lstStyle/>
                 <a:p>
+                  <a:pPr algn="ctr"/>
                   <a:r>
-                    <a:rPr lang="en-US">
-                      <a:noFill/>
-                    </a:rPr>
-                    <a:t> </a:t>
+                    <a:rPr lang="en-US" sz="4800" dirty="0"/>
+                    <a:t>Model Errors</a:t>
                   </a:r>
                 </a:p>
               </p:txBody>
             </p:sp>
-          </mc:Fallback>
-        </mc:AlternateContent>
-        <p:grpSp>
-          <p:nvGrpSpPr>
-            <p:cNvPr id="27" name="Group 26">
-              <a:extLst>
-                <a:ext uri="{FF2B5EF4-FFF2-40B4-BE49-F238E27FC236}">
-                  <a16:creationId xmlns:a16="http://schemas.microsoft.com/office/drawing/2014/main" id="{61F5EB53-5EB8-FF45-866E-D08508B9C07D}"/>
-                </a:ext>
-              </a:extLst>
-            </p:cNvPr>
-            <p:cNvGrpSpPr/>
-            <p:nvPr/>
-          </p:nvGrpSpPr>
-          <p:grpSpPr>
-            <a:xfrm>
-              <a:off x="9561883" y="1336516"/>
-              <a:ext cx="3187685" cy="4642168"/>
-              <a:chOff x="8554180" y="2198290"/>
-              <a:chExt cx="3187685" cy="4642168"/>
-            </a:xfrm>
-          </p:grpSpPr>
-          <mc:AlternateContent xmlns:mc="http://schemas.openxmlformats.org/markup-compatibility/2006">
-            <mc:Choice xmlns:a14="http://schemas.microsoft.com/office/drawing/2010/main" Requires="a14">
-              <p:sp>
-                <p:nvSpPr>
-                  <p:cNvPr id="28" name="TextBox 27">
-                    <a:extLst>
-                      <a:ext uri="{FF2B5EF4-FFF2-40B4-BE49-F238E27FC236}">
-                        <a16:creationId xmlns:a16="http://schemas.microsoft.com/office/drawing/2014/main" id="{726589B9-6663-A647-B794-2BBF0D82511C}"/>
-                      </a:ext>
-                    </a:extLst>
-                  </p:cNvPr>
-                  <p:cNvSpPr txBox="1"/>
-                  <p:nvPr/>
-                </p:nvSpPr>
-                <p:spPr>
-                  <a:xfrm>
-                    <a:off x="8554180" y="2198290"/>
-                    <a:ext cx="3187685" cy="4615797"/>
-                  </a:xfrm>
-                  <a:prstGeom prst="rect">
-                    <a:avLst/>
-                  </a:prstGeom>
-                  <a:noFill/>
-                  <a:ln w="28575">
-                    <a:solidFill>
-                      <a:srgbClr val="0432FF"/>
-                    </a:solidFill>
-                  </a:ln>
-                </p:spPr>
-                <p:txBody>
-                  <a:bodyPr wrap="square" rtlCol="0">
-                    <a:spAutoFit/>
-                  </a:bodyPr>
-                  <a:lstStyle/>
-                  <a:p>
-                    <a:pPr algn="ctr"/>
-                    <a:r>
-                      <a:rPr lang="en-US" sz="3200" b="1" u="sng" dirty="0"/>
-                      <a:t>Step 3</a:t>
-                    </a:r>
-                  </a:p>
-                  <a:p>
-                    <a:pPr algn="ctr"/>
-                    <a:r>
-                      <a:rPr lang="en-US" sz="3200" dirty="0" err="1"/>
-                      <a:t>i</a:t>
-                    </a:r>
-                    <a:r>
-                      <a:rPr lang="en-US" sz="3200" dirty="0"/>
-                      <a:t>) Compute Fischer Information Matrix</a:t>
-                    </a:r>
-                  </a:p>
-                  <a:p>
-                    <a:pPr algn="ctr"/>
-                    <a:endParaRPr lang="en-US" sz="1600" dirty="0"/>
-                  </a:p>
-                  <a:p>
-                    <a:pPr algn="ctr"/>
-                    <a:r>
-                      <a:rPr lang="en-US" sz="3200" dirty="0"/>
-                      <a:t>ii) Identifiability Analysis</a:t>
-                    </a:r>
-                  </a:p>
-                  <a:p>
-                    <a:pPr algn="ctr"/>
-                    <a:endParaRPr lang="en-US" sz="1600" dirty="0"/>
-                  </a:p>
-                  <a:p>
-                    <a:pPr algn="ctr"/>
-                    <a:r>
-                      <a:rPr lang="en-US" sz="3200" dirty="0"/>
-                      <a:t>iii) Uncertainty Analysis</a:t>
-                    </a:r>
-                  </a:p>
-                  <a:p>
-                    <a:pPr algn="ctr"/>
-                    <a:endParaRPr lang="en-US" sz="1600" dirty="0"/>
-                  </a:p>
-                  <a:p>
-                    <a:pPr algn="ctr"/>
-                    <a14:m>
-                      <m:oMathPara xmlns:m="http://schemas.openxmlformats.org/officeDocument/2006/math">
-                        <m:oMathParaPr>
-                          <m:jc m:val="centerGroup"/>
-                        </m:oMathParaPr>
-                        <m:oMath xmlns:m="http://schemas.openxmlformats.org/officeDocument/2006/math">
-                          <m:sSub>
-                            <m:sSubPr>
-                              <m:ctrlPr>
-                                <a:rPr lang="en-US" sz="2133" i="1">
-                                  <a:latin typeface="Cambria Math" panose="02040503050406030204" pitchFamily="18" charset="0"/>
-                                  <a:ea typeface="Cambria Math" panose="02040503050406030204" pitchFamily="18" charset="0"/>
-                                </a:rPr>
-                              </m:ctrlPr>
-                            </m:sSubPr>
-                            <m:e>
-                              <m:r>
-                                <m:rPr>
-                                  <m:sty m:val="p"/>
-                                </m:rPr>
-                                <a:rPr lang="el-GR" sz="2133" i="1">
-                                  <a:latin typeface="Cambria Math" panose="02040503050406030204" pitchFamily="18" charset="0"/>
-                                  <a:ea typeface="Cambria Math" panose="02040503050406030204" pitchFamily="18" charset="0"/>
-                                </a:rPr>
-                                <m:t>Σ</m:t>
-                              </m:r>
-                            </m:e>
-                            <m:sub>
-                              <m:r>
-                                <a:rPr lang="en-US" sz="2133" i="1">
-                                  <a:latin typeface="Cambria Math" panose="02040503050406030204" pitchFamily="18" charset="0"/>
-                                  <a:ea typeface="Cambria Math" panose="02040503050406030204" pitchFamily="18" charset="0"/>
-                                </a:rPr>
-                                <m:t>𝑖</m:t>
-                              </m:r>
-                              <m:r>
-                                <a:rPr lang="en-US" sz="2133" i="1">
-                                  <a:latin typeface="Cambria Math" panose="02040503050406030204" pitchFamily="18" charset="0"/>
-                                  <a:ea typeface="Cambria Math" panose="02040503050406030204" pitchFamily="18" charset="0"/>
-                                </a:rPr>
-                                <m:t>,</m:t>
-                              </m:r>
-                              <m:r>
-                                <a:rPr lang="en-US" sz="2133" i="1">
-                                  <a:latin typeface="Cambria Math" panose="02040503050406030204" pitchFamily="18" charset="0"/>
-                                  <a:ea typeface="Cambria Math" panose="02040503050406030204" pitchFamily="18" charset="0"/>
-                                </a:rPr>
-                                <m:t>𝑗</m:t>
-                              </m:r>
-                            </m:sub>
-                          </m:sSub>
-                          <m:r>
-                            <a:rPr lang="en-US" sz="2133" i="1">
-                              <a:latin typeface="Cambria Math" panose="02040503050406030204" pitchFamily="18" charset="0"/>
-                              <a:ea typeface="Cambria Math" panose="02040503050406030204" pitchFamily="18" charset="0"/>
-                            </a:rPr>
-                            <m:t>=</m:t>
-                          </m:r>
-                          <m:d>
-                            <m:dPr>
-                              <m:begChr m:val="["/>
-                              <m:endChr m:val="]"/>
-                              <m:ctrlPr>
-                                <a:rPr lang="en-US" sz="2133" i="1">
-                                  <a:latin typeface="Cambria Math" panose="02040503050406030204" pitchFamily="18" charset="0"/>
-                                  <a:ea typeface="Cambria Math" panose="02040503050406030204" pitchFamily="18" charset="0"/>
-                                </a:rPr>
-                              </m:ctrlPr>
-                            </m:dPr>
-                            <m:e>
-                              <m:m>
-                                <m:mPr>
-                                  <m:mcs>
-                                    <m:mc>
-                                      <m:mcPr>
-                                        <m:count m:val="2"/>
-                                        <m:mcJc m:val="center"/>
-                                      </m:mcPr>
-                                    </m:mc>
-                                  </m:mcs>
-                                  <m:ctrlPr>
-                                    <a:rPr lang="en-US" sz="2133" i="1">
-                                      <a:latin typeface="Cambria Math" panose="02040503050406030204" pitchFamily="18" charset="0"/>
-                                      <a:ea typeface="Cambria Math" panose="02040503050406030204" pitchFamily="18" charset="0"/>
-                                    </a:rPr>
-                                  </m:ctrlPr>
-                                </m:mPr>
-                                <m:mr>
-                                  <m:e>
-                                    <m:sSubSup>
-                                      <m:sSubSupPr>
-                                        <m:ctrlPr>
-                                          <a:rPr lang="en-US" sz="2133" i="1">
-                                            <a:latin typeface="Cambria Math" panose="02040503050406030204" pitchFamily="18" charset="0"/>
-                                            <a:ea typeface="Cambria Math" panose="02040503050406030204" pitchFamily="18" charset="0"/>
-                                          </a:rPr>
-                                        </m:ctrlPr>
-                                      </m:sSubSupPr>
-                                      <m:e>
-                                        <m:r>
-                                          <m:rPr>
-                                            <m:brk m:alnAt="7"/>
-                                          </m:rPr>
-                                          <a:rPr lang="en-US" sz="2133" i="1">
-                                            <a:latin typeface="Cambria Math" panose="02040503050406030204" pitchFamily="18" charset="0"/>
-                                            <a:ea typeface="Cambria Math" panose="02040503050406030204" pitchFamily="18" charset="0"/>
-                                          </a:rPr>
-                                          <m:t>𝜎</m:t>
-                                        </m:r>
-                                      </m:e>
-                                      <m:sub>
-                                        <m:r>
-                                          <m:rPr>
-                                            <m:brk m:alnAt="7"/>
-                                          </m:rPr>
-                                          <a:rPr lang="en-US" sz="2133" i="1">
-                                            <a:latin typeface="Cambria Math" panose="02040503050406030204" pitchFamily="18" charset="0"/>
-                                            <a:ea typeface="Cambria Math" panose="02040503050406030204" pitchFamily="18" charset="0"/>
-                                          </a:rPr>
-                                          <m:t>𝑖</m:t>
-                                        </m:r>
-                                        <m:r>
-                                          <a:rPr lang="en-US" sz="2133" i="1">
-                                            <a:latin typeface="Cambria Math" panose="02040503050406030204" pitchFamily="18" charset="0"/>
-                                            <a:ea typeface="Cambria Math" panose="02040503050406030204" pitchFamily="18" charset="0"/>
-                                          </a:rPr>
-                                          <m:t>,</m:t>
-                                        </m:r>
-                                        <m:r>
-                                          <a:rPr lang="en-US" sz="2133" i="1">
-                                            <a:latin typeface="Cambria Math" panose="02040503050406030204" pitchFamily="18" charset="0"/>
-                                            <a:ea typeface="Cambria Math" panose="02040503050406030204" pitchFamily="18" charset="0"/>
-                                          </a:rPr>
-                                          <m:t>𝑖</m:t>
-                                        </m:r>
-                                      </m:sub>
-                                      <m:sup>
-                                        <m:r>
-                                          <m:rPr>
-                                            <m:brk m:alnAt="7"/>
-                                          </m:rPr>
-                                          <a:rPr lang="en-US" sz="2133" i="1">
-                                            <a:latin typeface="Cambria Math" panose="02040503050406030204" pitchFamily="18" charset="0"/>
-                                            <a:ea typeface="Cambria Math" panose="02040503050406030204" pitchFamily="18" charset="0"/>
-                                          </a:rPr>
-                                          <m:t>2</m:t>
-                                        </m:r>
-                                      </m:sup>
-                                    </m:sSubSup>
-                                  </m:e>
-                                  <m:e>
-                                    <m:sSubSup>
-                                      <m:sSubSupPr>
-                                        <m:ctrlPr>
-                                          <a:rPr lang="en-US" sz="2133" i="1">
-                                            <a:latin typeface="Cambria Math" panose="02040503050406030204" pitchFamily="18" charset="0"/>
-                                            <a:ea typeface="Cambria Math" panose="02040503050406030204" pitchFamily="18" charset="0"/>
-                                          </a:rPr>
-                                        </m:ctrlPr>
-                                      </m:sSubSupPr>
-                                      <m:e>
-                                        <m:r>
-                                          <m:rPr>
-                                            <m:brk m:alnAt="7"/>
-                                          </m:rPr>
-                                          <a:rPr lang="en-US" sz="2133" i="1">
-                                            <a:latin typeface="Cambria Math" panose="02040503050406030204" pitchFamily="18" charset="0"/>
-                                            <a:ea typeface="Cambria Math" panose="02040503050406030204" pitchFamily="18" charset="0"/>
-                                          </a:rPr>
-                                          <m:t>𝜎</m:t>
-                                        </m:r>
-                                      </m:e>
-                                      <m:sub>
-                                        <m:r>
-                                          <m:rPr>
-                                            <m:brk m:alnAt="7"/>
-                                          </m:rPr>
-                                          <a:rPr lang="en-US" sz="2133" i="1">
-                                            <a:latin typeface="Cambria Math" panose="02040503050406030204" pitchFamily="18" charset="0"/>
-                                            <a:ea typeface="Cambria Math" panose="02040503050406030204" pitchFamily="18" charset="0"/>
-                                          </a:rPr>
-                                          <m:t>𝑖</m:t>
-                                        </m:r>
-                                        <m:r>
-                                          <a:rPr lang="en-US" sz="2133" i="1">
-                                            <a:latin typeface="Cambria Math" panose="02040503050406030204" pitchFamily="18" charset="0"/>
-                                            <a:ea typeface="Cambria Math" panose="02040503050406030204" pitchFamily="18" charset="0"/>
-                                          </a:rPr>
-                                          <m:t>,</m:t>
-                                        </m:r>
-                                        <m:r>
-                                          <a:rPr lang="en-US" sz="2133" i="1">
-                                            <a:latin typeface="Cambria Math" panose="02040503050406030204" pitchFamily="18" charset="0"/>
-                                            <a:ea typeface="Cambria Math" panose="02040503050406030204" pitchFamily="18" charset="0"/>
-                                          </a:rPr>
-                                          <m:t>𝑗</m:t>
-                                        </m:r>
-                                      </m:sub>
-                                      <m:sup>
-                                        <m:r>
-                                          <m:rPr>
-                                            <m:brk m:alnAt="7"/>
-                                          </m:rPr>
-                                          <a:rPr lang="en-US" sz="2133" i="1">
-                                            <a:latin typeface="Cambria Math" panose="02040503050406030204" pitchFamily="18" charset="0"/>
-                                            <a:ea typeface="Cambria Math" panose="02040503050406030204" pitchFamily="18" charset="0"/>
-                                          </a:rPr>
-                                          <m:t>2</m:t>
-                                        </m:r>
-                                      </m:sup>
-                                    </m:sSubSup>
-                                  </m:e>
-                                </m:mr>
-                                <m:mr>
-                                  <m:e>
-                                    <m:sSubSup>
-                                      <m:sSubSupPr>
-                                        <m:ctrlPr>
-                                          <a:rPr lang="en-US" sz="2133" i="1">
-                                            <a:latin typeface="Cambria Math" panose="02040503050406030204" pitchFamily="18" charset="0"/>
-                                            <a:ea typeface="Cambria Math" panose="02040503050406030204" pitchFamily="18" charset="0"/>
-                                          </a:rPr>
-                                        </m:ctrlPr>
-                                      </m:sSubSupPr>
-                                      <m:e>
-                                        <m:r>
-                                          <m:rPr>
-                                            <m:brk m:alnAt="7"/>
-                                          </m:rPr>
-                                          <a:rPr lang="en-US" sz="2133" i="1">
-                                            <a:latin typeface="Cambria Math" panose="02040503050406030204" pitchFamily="18" charset="0"/>
-                                            <a:ea typeface="Cambria Math" panose="02040503050406030204" pitchFamily="18" charset="0"/>
-                                          </a:rPr>
-                                          <m:t>𝜎</m:t>
-                                        </m:r>
-                                      </m:e>
-                                      <m:sub>
-                                        <m:r>
-                                          <a:rPr lang="en-US" sz="2133" i="1">
-                                            <a:latin typeface="Cambria Math" panose="02040503050406030204" pitchFamily="18" charset="0"/>
-                                            <a:ea typeface="Cambria Math" panose="02040503050406030204" pitchFamily="18" charset="0"/>
-                                          </a:rPr>
-                                          <m:t>𝑗</m:t>
-                                        </m:r>
-                                        <m:r>
-                                          <a:rPr lang="en-US" sz="2133" i="1">
-                                            <a:latin typeface="Cambria Math" panose="02040503050406030204" pitchFamily="18" charset="0"/>
-                                            <a:ea typeface="Cambria Math" panose="02040503050406030204" pitchFamily="18" charset="0"/>
-                                          </a:rPr>
-                                          <m:t>,</m:t>
-                                        </m:r>
-                                        <m:r>
-                                          <a:rPr lang="en-US" sz="2133" i="1">
-                                            <a:latin typeface="Cambria Math" panose="02040503050406030204" pitchFamily="18" charset="0"/>
-                                            <a:ea typeface="Cambria Math" panose="02040503050406030204" pitchFamily="18" charset="0"/>
-                                          </a:rPr>
-                                          <m:t>𝑖</m:t>
-                                        </m:r>
-                                      </m:sub>
-                                      <m:sup>
-                                        <m:r>
-                                          <m:rPr>
-                                            <m:brk m:alnAt="7"/>
-                                          </m:rPr>
-                                          <a:rPr lang="en-US" sz="2133" i="1">
-                                            <a:latin typeface="Cambria Math" panose="02040503050406030204" pitchFamily="18" charset="0"/>
-                                            <a:ea typeface="Cambria Math" panose="02040503050406030204" pitchFamily="18" charset="0"/>
-                                          </a:rPr>
-                                          <m:t>2</m:t>
-                                        </m:r>
-                                      </m:sup>
-                                    </m:sSubSup>
-                                  </m:e>
-                                  <m:e>
-                                    <m:sSubSup>
-                                      <m:sSubSupPr>
-                                        <m:ctrlPr>
-                                          <a:rPr lang="en-US" sz="2133" i="1">
-                                            <a:latin typeface="Cambria Math" panose="02040503050406030204" pitchFamily="18" charset="0"/>
-                                            <a:ea typeface="Cambria Math" panose="02040503050406030204" pitchFamily="18" charset="0"/>
-                                          </a:rPr>
-                                        </m:ctrlPr>
-                                      </m:sSubSupPr>
-                                      <m:e>
-                                        <m:r>
-                                          <m:rPr>
-                                            <m:brk m:alnAt="7"/>
-                                          </m:rPr>
-                                          <a:rPr lang="en-US" sz="2133" i="1">
-                                            <a:latin typeface="Cambria Math" panose="02040503050406030204" pitchFamily="18" charset="0"/>
-                                            <a:ea typeface="Cambria Math" panose="02040503050406030204" pitchFamily="18" charset="0"/>
-                                          </a:rPr>
-                                          <m:t>𝜎</m:t>
-                                        </m:r>
-                                      </m:e>
-                                      <m:sub>
-                                        <m:r>
-                                          <a:rPr lang="en-US" sz="2133" i="1">
-                                            <a:latin typeface="Cambria Math" panose="02040503050406030204" pitchFamily="18" charset="0"/>
-                                            <a:ea typeface="Cambria Math" panose="02040503050406030204" pitchFamily="18" charset="0"/>
-                                          </a:rPr>
-                                          <m:t>𝑗</m:t>
-                                        </m:r>
-                                        <m:r>
-                                          <a:rPr lang="en-US" sz="2133" i="1">
-                                            <a:latin typeface="Cambria Math" panose="02040503050406030204" pitchFamily="18" charset="0"/>
-                                            <a:ea typeface="Cambria Math" panose="02040503050406030204" pitchFamily="18" charset="0"/>
-                                          </a:rPr>
-                                          <m:t>,</m:t>
-                                        </m:r>
-                                        <m:r>
-                                          <a:rPr lang="en-US" sz="2133" i="1">
-                                            <a:latin typeface="Cambria Math" panose="02040503050406030204" pitchFamily="18" charset="0"/>
-                                            <a:ea typeface="Cambria Math" panose="02040503050406030204" pitchFamily="18" charset="0"/>
-                                          </a:rPr>
-                                          <m:t>𝑗</m:t>
-                                        </m:r>
-                                      </m:sub>
-                                      <m:sup>
-                                        <m:r>
-                                          <m:rPr>
-                                            <m:brk m:alnAt="7"/>
-                                          </m:rPr>
-                                          <a:rPr lang="en-US" sz="2133" i="1">
-                                            <a:latin typeface="Cambria Math" panose="02040503050406030204" pitchFamily="18" charset="0"/>
-                                            <a:ea typeface="Cambria Math" panose="02040503050406030204" pitchFamily="18" charset="0"/>
-                                          </a:rPr>
-                                          <m:t>2</m:t>
-                                        </m:r>
-                                      </m:sup>
-                                    </m:sSubSup>
-                                  </m:e>
-                                </m:mr>
-                              </m:m>
-                            </m:e>
-                          </m:d>
-                        </m:oMath>
-                      </m:oMathPara>
-                    </a14:m>
-                    <a:endParaRPr lang="en-US" sz="2133" dirty="0"/>
-                  </a:p>
-                  <a:p>
-                    <a:pPr algn="ctr"/>
-                    <a:endParaRPr lang="en-US" sz="1600" dirty="0"/>
-                  </a:p>
-                  <a:p>
-                    <a:pPr algn="ctr"/>
-                    <a:r>
-                      <a:rPr lang="en-US" sz="3200" dirty="0"/>
-                      <a:t>iv) Optimality Analysis</a:t>
-                    </a:r>
-                  </a:p>
-                  <a:p>
-                    <a:pPr algn="ctr"/>
-                    <a:endParaRPr lang="en-US" sz="2133" dirty="0"/>
-                  </a:p>
-                  <a:p>
-                    <a:pPr algn="ctr"/>
-                    <a:endParaRPr lang="en-US" sz="2133" dirty="0"/>
-                  </a:p>
-                  <a:p>
-                    <a:pPr algn="ctr"/>
-                    <a:endParaRPr lang="en-US" sz="2133" dirty="0"/>
-                  </a:p>
-                  <a:p>
-                    <a:pPr algn="ctr"/>
-                    <a:endParaRPr lang="en-US" sz="2133" dirty="0"/>
-                  </a:p>
-                </p:txBody>
-              </p:sp>
-            </mc:Choice>
-            <mc:Fallback>
-              <p:sp>
-                <p:nvSpPr>
-                  <p:cNvPr id="28" name="TextBox 27">
-                    <a:extLst>
-                      <a:ext uri="{FF2B5EF4-FFF2-40B4-BE49-F238E27FC236}">
-                        <a16:creationId xmlns:a16="http://schemas.microsoft.com/office/drawing/2014/main" id="{726589B9-6663-A647-B794-2BBF0D82511C}"/>
-                      </a:ext>
-                    </a:extLst>
-                  </p:cNvPr>
-                  <p:cNvSpPr txBox="1">
-                    <a:spLocks noRot="1" noChangeAspect="1" noMove="1" noResize="1" noEditPoints="1" noAdjustHandles="1" noChangeArrowheads="1" noChangeShapeType="1" noTextEdit="1"/>
-                  </p:cNvSpPr>
-                  <p:nvPr/>
-                </p:nvSpPr>
-                <p:spPr>
-                  <a:xfrm>
-                    <a:off x="8554180" y="2198290"/>
-                    <a:ext cx="3187685" cy="4615797"/>
-                  </a:xfrm>
-                  <a:prstGeom prst="rect">
-                    <a:avLst/>
-                  </a:prstGeom>
-                  <a:blipFill>
-                    <a:blip r:embed="rId9"/>
-                    <a:stretch>
-                      <a:fillRect l="-2367" t="-820" r="-2367"/>
-                    </a:stretch>
-                  </a:blipFill>
-                  <a:ln w="28575">
-                    <a:solidFill>
-                      <a:srgbClr val="0432FF"/>
-                    </a:solidFill>
-                  </a:ln>
-                </p:spPr>
-                <p:txBody>
-                  <a:bodyPr/>
-                  <a:lstStyle/>
-                  <a:p>
-                    <a:r>
-                      <a:rPr lang="en-US">
-                        <a:noFill/>
-                      </a:rPr>
-                      <a:t> </a:t>
-                    </a:r>
-                  </a:p>
-                </p:txBody>
-              </p:sp>
-            </mc:Fallback>
-          </mc:AlternateContent>
-          <p:pic>
-            <p:nvPicPr>
-              <p:cNvPr id="29" name="Picture 2" descr="https://lh4.googleusercontent.com/jHfKAKWaIcBzb-YW-x9SZZcPbAoneCljbXOOcIoXhmUUKAt9x2dZn7tHAz1G4Rch5-a763A2xU7XdpN_xBsKLiO8tomUnXzW8Ze1lF0TbyvWT9qIbAiiyjMrwTVWfdvvjPX95H4YRpq8sfZuLP8WiA">
+            <p:sp>
+              <p:nvSpPr>
+                <p:cNvPr id="58" name="TextBox 57">
+                  <a:extLst>
+                    <a:ext uri="{FF2B5EF4-FFF2-40B4-BE49-F238E27FC236}">
+                      <a16:creationId xmlns:a16="http://schemas.microsoft.com/office/drawing/2014/main" id="{87F4C978-6964-A343-9C31-CE454BB7D511}"/>
+                    </a:ext>
+                  </a:extLst>
+                </p:cNvPr>
+                <p:cNvSpPr txBox="1"/>
+                <p:nvPr/>
+              </p:nvSpPr>
+              <p:spPr>
+                <a:xfrm>
+                  <a:off x="26593045" y="14754917"/>
+                  <a:ext cx="4298810" cy="1569660"/>
+                </a:xfrm>
+                <a:prstGeom prst="rect">
+                  <a:avLst/>
+                </a:prstGeom>
+                <a:noFill/>
+              </p:spPr>
+              <p:txBody>
+                <a:bodyPr wrap="square" rtlCol="0">
+                  <a:spAutoFit/>
+                </a:bodyPr>
+                <a:lstStyle/>
+                <a:p>
+                  <a:pPr algn="ctr"/>
+                  <a:r>
+                    <a:rPr lang="en-US" sz="4800" dirty="0"/>
+                    <a:t>Top Ranked Model</a:t>
+                  </a:r>
+                </a:p>
+              </p:txBody>
+            </p:sp>
+            <p:sp>
+              <p:nvSpPr>
+                <p:cNvPr id="61" name="TextBox 60">
+                  <a:extLst>
+                    <a:ext uri="{FF2B5EF4-FFF2-40B4-BE49-F238E27FC236}">
+                      <a16:creationId xmlns:a16="http://schemas.microsoft.com/office/drawing/2014/main" id="{2F4F5745-F80F-3844-9134-D4A7A49CC4CD}"/>
+                    </a:ext>
+                  </a:extLst>
+                </p:cNvPr>
+                <p:cNvSpPr txBox="1"/>
+                <p:nvPr/>
+              </p:nvSpPr>
+              <p:spPr>
+                <a:xfrm>
+                  <a:off x="37267225" y="15475641"/>
+                  <a:ext cx="4169218" cy="830997"/>
+                </a:xfrm>
+                <a:prstGeom prst="rect">
+                  <a:avLst/>
+                </a:prstGeom>
+                <a:noFill/>
+              </p:spPr>
+              <p:txBody>
+                <a:bodyPr wrap="square" rtlCol="0">
+                  <a:spAutoFit/>
+                </a:bodyPr>
+                <a:lstStyle/>
+                <a:p>
+                  <a:pPr algn="ctr"/>
+                  <a:r>
+                    <a:rPr lang="en-US" sz="4800" dirty="0"/>
+                    <a:t>FIM</a:t>
+                  </a:r>
+                </a:p>
+              </p:txBody>
+            </p:sp>
+          </p:grpSp>
+          <p:cxnSp>
+            <p:nvCxnSpPr>
+              <p:cNvPr id="77" name="Elbow Connector 76">
                 <a:extLst>
                   <a:ext uri="{FF2B5EF4-FFF2-40B4-BE49-F238E27FC236}">
-                    <a16:creationId xmlns:a16="http://schemas.microsoft.com/office/drawing/2014/main" id="{F459C2A7-A84D-6641-B21D-A32D22040ACA}"/>
+                    <a16:creationId xmlns:a16="http://schemas.microsoft.com/office/drawing/2014/main" id="{E7C5615A-7449-AD4A-9B36-37A9AFC3DE39}"/>
                   </a:ext>
                 </a:extLst>
               </p:cNvPr>
-              <p:cNvPicPr>
-                <a:picLocks noChangeAspect="1" noChangeArrowheads="1"/>
-              </p:cNvPicPr>
+              <p:cNvCxnSpPr>
+                <a:cxnSpLocks/>
+              </p:cNvCxnSpPr>
               <p:nvPr/>
-            </p:nvPicPr>
-            <p:blipFill>
-              <a:blip r:embed="rId7">
+            </p:nvCxnSpPr>
+            <p:spPr>
+              <a:xfrm rot="10800000">
+                <a:off x="4053214" y="19090694"/>
+                <a:ext cx="40196047" cy="3551865"/>
+              </a:xfrm>
+              <a:prstGeom prst="bentConnector3">
+                <a:avLst>
+                  <a:gd name="adj1" fmla="val 100046"/>
+                </a:avLst>
+              </a:prstGeom>
+              <a:ln w="57150">
+                <a:solidFill>
+                  <a:srgbClr val="00B050"/>
+                </a:solidFill>
+                <a:tailEnd type="triangle"/>
+              </a:ln>
+            </p:spPr>
+            <p:style>
+              <a:lnRef idx="1">
+                <a:schemeClr val="accent1"/>
+              </a:lnRef>
+              <a:fillRef idx="0">
+                <a:schemeClr val="accent1"/>
+              </a:fillRef>
+              <a:effectRef idx="0">
+                <a:schemeClr val="accent1"/>
+              </a:effectRef>
+              <a:fontRef idx="minor">
+                <a:schemeClr val="tx1"/>
+              </a:fontRef>
+            </p:style>
+          </p:cxnSp>
+          <p:cxnSp>
+            <p:nvCxnSpPr>
+              <p:cNvPr id="84" name="Straight Connector 83">
                 <a:extLst>
-                  <a:ext uri="{28A0092B-C50C-407E-A947-70E740481C1C}">
-                    <a14:useLocalDpi xmlns:a14="http://schemas.microsoft.com/office/drawing/2010/main" val="0"/>
+                  <a:ext uri="{FF2B5EF4-FFF2-40B4-BE49-F238E27FC236}">
+                    <a16:creationId xmlns:a16="http://schemas.microsoft.com/office/drawing/2014/main" id="{E84DDDBF-C1A9-BE4B-858A-D6A9DF6DA8B2}"/>
                   </a:ext>
                 </a:extLst>
-              </a:blip>
-              <a:srcRect/>
-              <a:stretch>
-                <a:fillRect/>
-              </a:stretch>
-            </p:blipFill>
-            <p:spPr bwMode="auto">
+              </p:cNvPr>
+              <p:cNvCxnSpPr>
+                <a:stCxn id="36" idx="2"/>
+              </p:cNvCxnSpPr>
+              <p:nvPr/>
+            </p:nvCxnSpPr>
+            <p:spPr>
               <a:xfrm>
-                <a:off x="9572553" y="5697458"/>
-                <a:ext cx="1150938" cy="1143000"/>
+                <a:off x="44249260" y="17613358"/>
+                <a:ext cx="0" cy="5029200"/>
               </a:xfrm>
-              <a:prstGeom prst="rect">
+              <a:prstGeom prst="line">
                 <a:avLst/>
               </a:prstGeom>
-              <a:noFill/>
-              <a:extLst>
-                <a:ext uri="{909E8E84-426E-40DD-AFC4-6F175D3DCCD1}">
-                  <a14:hiddenFill xmlns:a14="http://schemas.microsoft.com/office/drawing/2010/main">
-                    <a:solidFill>
-                      <a:srgbClr val="FFFFFF"/>
-                    </a:solidFill>
-                  </a14:hiddenFill>
-                </a:ext>
-              </a:extLst>
+              <a:ln w="28575">
+                <a:solidFill>
+                  <a:srgbClr val="00B050"/>
+                </a:solidFill>
+              </a:ln>
             </p:spPr>
-          </p:pic>
+            <p:style>
+              <a:lnRef idx="1">
+                <a:schemeClr val="accent1"/>
+              </a:lnRef>
+              <a:fillRef idx="0">
+                <a:schemeClr val="accent1"/>
+              </a:fillRef>
+              <a:effectRef idx="0">
+                <a:schemeClr val="accent1"/>
+              </a:effectRef>
+              <a:fontRef idx="minor">
+                <a:schemeClr val="tx1"/>
+              </a:fontRef>
+            </p:style>
+          </p:cxnSp>
         </p:grpSp>
         <p:sp>
           <p:nvSpPr>
-            <p:cNvPr id="36" name="TextBox 35">
+            <p:cNvPr id="93" name="TextBox 92">
               <a:extLst>
                 <a:ext uri="{FF2B5EF4-FFF2-40B4-BE49-F238E27FC236}">
-                  <a16:creationId xmlns:a16="http://schemas.microsoft.com/office/drawing/2014/main" id="{D3F7FB7E-76A3-5949-9959-C761ED6217B3}"/>
+                  <a16:creationId xmlns:a16="http://schemas.microsoft.com/office/drawing/2014/main" id="{A973EBE4-6507-4942-BA53-5601A6628954}"/>
                 </a:ext>
               </a:extLst>
             </p:cNvPr>
@@ -8151,18 +7534,13 @@
           </p:nvSpPr>
           <p:spPr>
             <a:xfrm>
-              <a:off x="12914160" y="3060343"/>
-              <a:ext cx="2812817" cy="1176489"/>
+              <a:off x="20797404" y="21811561"/>
+              <a:ext cx="6707666" cy="830997"/>
             </a:xfrm>
             <a:prstGeom prst="rect">
               <a:avLst/>
             </a:prstGeom>
             <a:noFill/>
-            <a:ln w="28575">
-              <a:solidFill>
-                <a:srgbClr val="0432FF"/>
-              </a:solidFill>
-            </a:ln>
           </p:spPr>
           <p:txBody>
             <a:bodyPr wrap="square" rtlCol="0">
@@ -8172,17 +7550,9 @@
             <a:p>
               <a:pPr algn="ctr"/>
               <a:r>
-                <a:rPr lang="en-US" sz="3200" b="1" u="sng" dirty="0"/>
-                <a:t>Step 4</a:t>
+                <a:rPr lang="en-US" sz="4800" dirty="0"/>
+                <a:t>Suggested Measurements</a:t>
               </a:r>
-            </a:p>
-            <a:p>
-              <a:pPr algn="ctr"/>
-              <a:r>
-                <a:rPr lang="en-US" sz="3200" dirty="0"/>
-                <a:t>Model-Based Design of Experiments</a:t>
-              </a:r>
-              <a:endParaRPr lang="en-US" sz="2133" dirty="0"/>
             </a:p>
           </p:txBody>
         </p:sp>
@@ -8231,8 +7601,8 @@
         </p:nvGrpSpPr>
         <p:grpSpPr>
           <a:xfrm>
-            <a:off x="4766959" y="766323"/>
-            <a:ext cx="12061486" cy="15562472"/>
+            <a:off x="14465642" y="1149485"/>
+            <a:ext cx="18092229" cy="23343708"/>
             <a:chOff x="4766959" y="766323"/>
             <a:chExt cx="12061486" cy="15562472"/>
           </a:xfrm>
@@ -8312,7 +7682,7 @@
           <p:spPr>
             <a:xfrm>
               <a:off x="9241276" y="933855"/>
-              <a:ext cx="778213" cy="646331"/>
+              <a:ext cx="778213" cy="615553"/>
             </a:xfrm>
             <a:prstGeom prst="rect">
               <a:avLst/>
@@ -8327,7 +7697,7 @@
             <a:p>
               <a:pPr algn="ctr"/>
               <a:r>
-                <a:rPr lang="en-US" sz="3600" dirty="0"/>
+                <a:rPr lang="en-US" sz="5400" dirty="0"/>
                 <a:t>a</a:t>
               </a:r>
             </a:p>
@@ -8348,7 +7718,7 @@
           <p:spPr>
             <a:xfrm>
               <a:off x="15775021" y="933854"/>
-              <a:ext cx="778213" cy="646331"/>
+              <a:ext cx="778213" cy="615553"/>
             </a:xfrm>
             <a:prstGeom prst="rect">
               <a:avLst/>
@@ -8363,7 +7733,7 @@
             <a:p>
               <a:pPr algn="ctr"/>
               <a:r>
-                <a:rPr lang="en-US" sz="3600" dirty="0"/>
+                <a:rPr lang="en-US" sz="5400" dirty="0"/>
                 <a:t>b</a:t>
               </a:r>
             </a:p>
@@ -8444,7 +7814,7 @@
           <p:spPr>
             <a:xfrm>
               <a:off x="9241275" y="4865775"/>
-              <a:ext cx="778213" cy="646331"/>
+              <a:ext cx="778213" cy="615553"/>
             </a:xfrm>
             <a:prstGeom prst="rect">
               <a:avLst/>
@@ -8459,7 +7829,7 @@
             <a:p>
               <a:pPr algn="ctr"/>
               <a:r>
-                <a:rPr lang="en-US" sz="3600" dirty="0"/>
+                <a:rPr lang="en-US" sz="5400" dirty="0"/>
                 <a:t>c</a:t>
               </a:r>
             </a:p>
@@ -8480,7 +7850,7 @@
           <p:spPr>
             <a:xfrm>
               <a:off x="15775021" y="4865775"/>
-              <a:ext cx="778213" cy="646331"/>
+              <a:ext cx="778213" cy="615553"/>
             </a:xfrm>
             <a:prstGeom prst="rect">
               <a:avLst/>
@@ -8495,7 +7865,7 @@
             <a:p>
               <a:pPr algn="ctr"/>
               <a:r>
-                <a:rPr lang="en-US" sz="3600" dirty="0"/>
+                <a:rPr lang="en-US" sz="5400" dirty="0"/>
                 <a:t>d</a:t>
               </a:r>
             </a:p>
@@ -8576,7 +7946,7 @@
           <p:spPr>
             <a:xfrm>
               <a:off x="9241275" y="8933783"/>
-              <a:ext cx="778213" cy="646331"/>
+              <a:ext cx="778213" cy="615553"/>
             </a:xfrm>
             <a:prstGeom prst="rect">
               <a:avLst/>
@@ -8591,7 +7961,7 @@
             <a:p>
               <a:pPr algn="ctr"/>
               <a:r>
-                <a:rPr lang="en-US" sz="3600" dirty="0"/>
+                <a:rPr lang="en-US" sz="5400" dirty="0"/>
                 <a:t>e</a:t>
               </a:r>
             </a:p>
@@ -8612,7 +7982,7 @@
           <p:spPr>
             <a:xfrm>
               <a:off x="15773722" y="8933782"/>
-              <a:ext cx="778213" cy="646331"/>
+              <a:ext cx="778213" cy="615553"/>
             </a:xfrm>
             <a:prstGeom prst="rect">
               <a:avLst/>
@@ -8627,7 +7997,7 @@
             <a:p>
               <a:pPr algn="ctr"/>
               <a:r>
-                <a:rPr lang="en-US" sz="3600" dirty="0"/>
+                <a:rPr lang="en-US" sz="5400" dirty="0"/>
                 <a:t>f</a:t>
               </a:r>
             </a:p>
@@ -8708,7 +8078,7 @@
           <p:spPr>
             <a:xfrm>
               <a:off x="9241275" y="12748460"/>
-              <a:ext cx="778213" cy="646331"/>
+              <a:ext cx="778213" cy="615553"/>
             </a:xfrm>
             <a:prstGeom prst="rect">
               <a:avLst/>
@@ -8723,7 +8093,7 @@
             <a:p>
               <a:pPr algn="ctr"/>
               <a:r>
-                <a:rPr lang="en-US" sz="3600" dirty="0"/>
+                <a:rPr lang="en-US" sz="5400" dirty="0"/>
                 <a:t>g</a:t>
               </a:r>
             </a:p>
@@ -8744,7 +8114,7 @@
           <p:spPr>
             <a:xfrm>
               <a:off x="15773722" y="12748459"/>
-              <a:ext cx="778213" cy="646331"/>
+              <a:ext cx="778213" cy="615553"/>
             </a:xfrm>
             <a:prstGeom prst="rect">
               <a:avLst/>
@@ -8759,7 +8129,7 @@
             <a:p>
               <a:pPr algn="ctr"/>
               <a:r>
-                <a:rPr lang="en-US" sz="3600" dirty="0"/>
+                <a:rPr lang="en-US" sz="5400" dirty="0"/>
                 <a:t>h</a:t>
               </a:r>
             </a:p>
@@ -8810,8 +8180,8 @@
         </p:nvGrpSpPr>
         <p:grpSpPr>
           <a:xfrm>
-            <a:off x="5293179" y="370115"/>
-            <a:ext cx="11555186" cy="15392400"/>
+            <a:off x="15254972" y="555173"/>
+            <a:ext cx="17332779" cy="23088600"/>
             <a:chOff x="5293179" y="370115"/>
             <a:chExt cx="11555186" cy="15392400"/>
           </a:xfrm>
@@ -8861,7 +8231,7 @@
           <p:spPr>
             <a:xfrm>
               <a:off x="9698476" y="522515"/>
-              <a:ext cx="778213" cy="646331"/>
+              <a:ext cx="778213" cy="615553"/>
             </a:xfrm>
             <a:prstGeom prst="rect">
               <a:avLst/>
@@ -8876,7 +8246,7 @@
             <a:p>
               <a:pPr algn="ctr"/>
               <a:r>
-                <a:rPr lang="en-US" sz="3600" dirty="0"/>
+                <a:rPr lang="en-US" sz="5400" dirty="0"/>
                 <a:t>a</a:t>
               </a:r>
             </a:p>
@@ -8927,7 +8297,7 @@
           <p:spPr>
             <a:xfrm>
               <a:off x="15729162" y="522515"/>
-              <a:ext cx="778213" cy="646331"/>
+              <a:ext cx="778213" cy="615553"/>
             </a:xfrm>
             <a:prstGeom prst="rect">
               <a:avLst/>
@@ -8942,7 +8312,7 @@
             <a:p>
               <a:pPr algn="ctr"/>
               <a:r>
-                <a:rPr lang="en-US" sz="3600" dirty="0"/>
+                <a:rPr lang="en-US" sz="5400" dirty="0"/>
                 <a:t>b</a:t>
               </a:r>
             </a:p>
@@ -9023,7 +8393,7 @@
           <p:spPr>
             <a:xfrm>
               <a:off x="9698475" y="4480842"/>
-              <a:ext cx="778213" cy="646331"/>
+              <a:ext cx="778213" cy="615553"/>
             </a:xfrm>
             <a:prstGeom prst="rect">
               <a:avLst/>
@@ -9038,7 +8408,7 @@
             <a:p>
               <a:pPr algn="ctr"/>
               <a:r>
-                <a:rPr lang="en-US" sz="3600" dirty="0"/>
+                <a:rPr lang="en-US" sz="5400" dirty="0"/>
                 <a:t>c</a:t>
               </a:r>
             </a:p>
@@ -9059,7 +8429,7 @@
           <p:spPr>
             <a:xfrm>
               <a:off x="15729161" y="4480841"/>
-              <a:ext cx="778213" cy="646331"/>
+              <a:ext cx="778213" cy="615553"/>
             </a:xfrm>
             <a:prstGeom prst="rect">
               <a:avLst/>
@@ -9074,7 +8444,7 @@
             <a:p>
               <a:pPr algn="ctr"/>
               <a:r>
-                <a:rPr lang="en-US" sz="3600" dirty="0"/>
+                <a:rPr lang="en-US" sz="5400" dirty="0"/>
                 <a:t>d</a:t>
               </a:r>
             </a:p>
@@ -9155,7 +8525,7 @@
           <p:spPr>
             <a:xfrm>
               <a:off x="9698475" y="8386776"/>
-              <a:ext cx="778213" cy="646331"/>
+              <a:ext cx="778213" cy="615553"/>
             </a:xfrm>
             <a:prstGeom prst="rect">
               <a:avLst/>
@@ -9170,7 +8540,7 @@
             <a:p>
               <a:pPr algn="ctr"/>
               <a:r>
-                <a:rPr lang="en-US" sz="3600" dirty="0"/>
+                <a:rPr lang="en-US" sz="5400" dirty="0"/>
                 <a:t>e</a:t>
               </a:r>
             </a:p>
@@ -9191,7 +8561,7 @@
           <p:spPr>
             <a:xfrm>
               <a:off x="15729160" y="8386776"/>
-              <a:ext cx="778213" cy="646331"/>
+              <a:ext cx="778213" cy="615553"/>
             </a:xfrm>
             <a:prstGeom prst="rect">
               <a:avLst/>
@@ -9206,7 +8576,7 @@
             <a:p>
               <a:pPr algn="ctr"/>
               <a:r>
-                <a:rPr lang="en-US" sz="3600" dirty="0"/>
+                <a:rPr lang="en-US" sz="5400" dirty="0"/>
                 <a:t>f</a:t>
               </a:r>
             </a:p>
@@ -9287,7 +8657,7 @@
           <p:spPr>
             <a:xfrm>
               <a:off x="9698474" y="12290322"/>
-              <a:ext cx="778213" cy="646331"/>
+              <a:ext cx="778213" cy="615553"/>
             </a:xfrm>
             <a:prstGeom prst="rect">
               <a:avLst/>
@@ -9302,7 +8672,7 @@
             <a:p>
               <a:pPr algn="ctr"/>
               <a:r>
-                <a:rPr lang="en-US" sz="3600" dirty="0"/>
+                <a:rPr lang="en-US" sz="5400" dirty="0"/>
                 <a:t>g</a:t>
               </a:r>
             </a:p>
@@ -9323,7 +8693,7 @@
           <p:spPr>
             <a:xfrm>
               <a:off x="15729159" y="12290322"/>
-              <a:ext cx="778213" cy="646331"/>
+              <a:ext cx="778213" cy="615553"/>
             </a:xfrm>
             <a:prstGeom prst="rect">
               <a:avLst/>
@@ -9338,7 +8708,7 @@
             <a:p>
               <a:pPr algn="ctr"/>
               <a:r>
-                <a:rPr lang="en-US" sz="3600" dirty="0"/>
+                <a:rPr lang="en-US" sz="5400" dirty="0"/>
                 <a:t>h</a:t>
               </a:r>
             </a:p>
@@ -9389,8 +8759,8 @@
         </p:nvGrpSpPr>
         <p:grpSpPr>
           <a:xfrm>
-            <a:off x="5448300" y="471714"/>
-            <a:ext cx="11378293" cy="15567049"/>
+            <a:off x="15487651" y="707572"/>
+            <a:ext cx="17067440" cy="23350574"/>
             <a:chOff x="5448300" y="449943"/>
             <a:chExt cx="11378293" cy="15567049"/>
           </a:xfrm>
@@ -9440,7 +8810,7 @@
           <p:spPr>
             <a:xfrm>
               <a:off x="9872647" y="643626"/>
-              <a:ext cx="778213" cy="646331"/>
+              <a:ext cx="778213" cy="615553"/>
             </a:xfrm>
             <a:prstGeom prst="rect">
               <a:avLst/>
@@ -9455,7 +8825,7 @@
             <a:p>
               <a:pPr algn="ctr"/>
               <a:r>
-                <a:rPr lang="en-US" sz="3600" dirty="0"/>
+                <a:rPr lang="en-US" sz="5400" dirty="0"/>
                 <a:t>a</a:t>
               </a:r>
             </a:p>
@@ -9506,7 +8876,7 @@
           <p:spPr>
             <a:xfrm>
               <a:off x="15729161" y="643626"/>
-              <a:ext cx="778213" cy="646331"/>
+              <a:ext cx="778213" cy="615553"/>
             </a:xfrm>
             <a:prstGeom prst="rect">
               <a:avLst/>
@@ -9521,7 +8891,7 @@
             <a:p>
               <a:pPr algn="ctr"/>
               <a:r>
-                <a:rPr lang="en-US" sz="3600" dirty="0"/>
+                <a:rPr lang="en-US" sz="5400" dirty="0"/>
                 <a:t>b</a:t>
               </a:r>
             </a:p>
@@ -9602,7 +8972,7 @@
           <p:spPr>
             <a:xfrm>
               <a:off x="9872647" y="4680189"/>
-              <a:ext cx="778213" cy="646331"/>
+              <a:ext cx="778213" cy="615553"/>
             </a:xfrm>
             <a:prstGeom prst="rect">
               <a:avLst/>
@@ -9617,7 +8987,7 @@
             <a:p>
               <a:pPr algn="ctr"/>
               <a:r>
-                <a:rPr lang="en-US" sz="3600" dirty="0"/>
+                <a:rPr lang="en-US" sz="5400" dirty="0"/>
                 <a:t>c</a:t>
               </a:r>
             </a:p>
@@ -9638,7 +9008,7 @@
           <p:spPr>
             <a:xfrm>
               <a:off x="15729160" y="4680188"/>
-              <a:ext cx="778213" cy="646331"/>
+              <a:ext cx="778213" cy="615553"/>
             </a:xfrm>
             <a:prstGeom prst="rect">
               <a:avLst/>
@@ -9653,7 +9023,7 @@
             <a:p>
               <a:pPr algn="ctr"/>
               <a:r>
-                <a:rPr lang="en-US" sz="3600" dirty="0"/>
+                <a:rPr lang="en-US" sz="5400" dirty="0"/>
                 <a:t>d</a:t>
               </a:r>
             </a:p>
@@ -9734,7 +9104,7 @@
           <p:spPr>
             <a:xfrm>
               <a:off x="9872647" y="8572182"/>
-              <a:ext cx="778213" cy="646331"/>
+              <a:ext cx="778213" cy="615553"/>
             </a:xfrm>
             <a:prstGeom prst="rect">
               <a:avLst/>
@@ -9749,7 +9119,7 @@
             <a:p>
               <a:pPr algn="ctr"/>
               <a:r>
-                <a:rPr lang="en-US" sz="3600" dirty="0"/>
+                <a:rPr lang="en-US" sz="5400" dirty="0"/>
                 <a:t>e</a:t>
               </a:r>
             </a:p>
@@ -9770,7 +9140,7 @@
           <p:spPr>
             <a:xfrm>
               <a:off x="15729160" y="8572181"/>
-              <a:ext cx="778213" cy="646331"/>
+              <a:ext cx="778213" cy="615553"/>
             </a:xfrm>
             <a:prstGeom prst="rect">
               <a:avLst/>
@@ -9785,7 +9155,7 @@
             <a:p>
               <a:pPr algn="ctr"/>
               <a:r>
-                <a:rPr lang="en-US" sz="3600" dirty="0"/>
+                <a:rPr lang="en-US" sz="5400" dirty="0"/>
                 <a:t>f</a:t>
               </a:r>
             </a:p>
@@ -9866,7 +9236,7 @@
           <p:spPr>
             <a:xfrm>
               <a:off x="9872646" y="12574242"/>
-              <a:ext cx="778213" cy="646331"/>
+              <a:ext cx="778213" cy="615553"/>
             </a:xfrm>
             <a:prstGeom prst="rect">
               <a:avLst/>
@@ -9881,7 +9251,7 @@
             <a:p>
               <a:pPr algn="ctr"/>
               <a:r>
-                <a:rPr lang="en-US" sz="3600" dirty="0"/>
+                <a:rPr lang="en-US" sz="5400" dirty="0"/>
                 <a:t>g</a:t>
               </a:r>
             </a:p>
@@ -9902,7 +9272,7 @@
           <p:spPr>
             <a:xfrm>
               <a:off x="15729159" y="12574242"/>
-              <a:ext cx="778213" cy="646331"/>
+              <a:ext cx="778213" cy="615553"/>
             </a:xfrm>
             <a:prstGeom prst="rect">
               <a:avLst/>
@@ -9917,7 +9287,7 @@
             <a:p>
               <a:pPr algn="ctr"/>
               <a:r>
-                <a:rPr lang="en-US" sz="3600" dirty="0"/>
+                <a:rPr lang="en-US" sz="5400" dirty="0"/>
                 <a:t>h</a:t>
               </a:r>
             </a:p>
@@ -9954,10 +9324,1144 @@
           <a:chExt cx="0" cy="0"/>
         </a:xfrm>
       </p:grpSpPr>
+      <p:grpSp>
+        <p:nvGrpSpPr>
+          <p:cNvPr id="2" name="Group 1">
+            <a:extLst>
+              <a:ext uri="{FF2B5EF4-FFF2-40B4-BE49-F238E27FC236}">
+                <a16:creationId xmlns:a16="http://schemas.microsoft.com/office/drawing/2014/main" id="{0C54F36E-12CD-B14C-92DD-6395D178AEEA}"/>
+              </a:ext>
+            </a:extLst>
+          </p:cNvPr>
+          <p:cNvGrpSpPr/>
+          <p:nvPr/>
+        </p:nvGrpSpPr>
+        <p:grpSpPr>
+          <a:xfrm>
+            <a:off x="13701284" y="2199413"/>
+            <a:ext cx="19122899" cy="6179127"/>
+            <a:chOff x="4257387" y="1466273"/>
+            <a:chExt cx="12748599" cy="4119418"/>
+          </a:xfrm>
+        </p:grpSpPr>
+        <p:grpSp>
+          <p:nvGrpSpPr>
+            <p:cNvPr id="6" name="Group 5">
+              <a:extLst>
+                <a:ext uri="{FF2B5EF4-FFF2-40B4-BE49-F238E27FC236}">
+                  <a16:creationId xmlns:a16="http://schemas.microsoft.com/office/drawing/2014/main" id="{FDE5F365-0A21-1546-A762-CF0978A927EF}"/>
+                </a:ext>
+              </a:extLst>
+            </p:cNvPr>
+            <p:cNvGrpSpPr/>
+            <p:nvPr/>
+          </p:nvGrpSpPr>
+          <p:grpSpPr>
+            <a:xfrm>
+              <a:off x="4257387" y="1466273"/>
+              <a:ext cx="12748599" cy="4119418"/>
+              <a:chOff x="4257387" y="1466273"/>
+              <a:chExt cx="12748599" cy="4119418"/>
+            </a:xfrm>
+          </p:grpSpPr>
+          <p:pic>
+            <p:nvPicPr>
+              <p:cNvPr id="3" name="Picture 2">
+                <a:extLst>
+                  <a:ext uri="{FF2B5EF4-FFF2-40B4-BE49-F238E27FC236}">
+                    <a16:creationId xmlns:a16="http://schemas.microsoft.com/office/drawing/2014/main" id="{EE4E5BAC-BB77-DE47-A829-2C4D86D7E3BA}"/>
+                  </a:ext>
+                </a:extLst>
+              </p:cNvPr>
+              <p:cNvPicPr>
+                <a:picLocks noChangeAspect="1"/>
+              </p:cNvPicPr>
+              <p:nvPr/>
+            </p:nvPicPr>
+            <p:blipFill>
+              <a:blip r:embed="rId3"/>
+              <a:stretch>
+                <a:fillRect/>
+              </a:stretch>
+            </p:blipFill>
+            <p:spPr>
+              <a:xfrm>
+                <a:off x="10972800" y="1470891"/>
+                <a:ext cx="6033186" cy="4114800"/>
+              </a:xfrm>
+              <a:prstGeom prst="rect">
+                <a:avLst/>
+              </a:prstGeom>
+            </p:spPr>
+          </p:pic>
+          <p:pic>
+            <p:nvPicPr>
+              <p:cNvPr id="5" name="Picture 4">
+                <a:extLst>
+                  <a:ext uri="{FF2B5EF4-FFF2-40B4-BE49-F238E27FC236}">
+                    <a16:creationId xmlns:a16="http://schemas.microsoft.com/office/drawing/2014/main" id="{1B8E092C-AFE9-1849-A358-3929EB64D4BA}"/>
+                  </a:ext>
+                </a:extLst>
+              </p:cNvPr>
+              <p:cNvPicPr>
+                <a:picLocks noChangeAspect="1"/>
+              </p:cNvPicPr>
+              <p:nvPr/>
+            </p:nvPicPr>
+            <p:blipFill>
+              <a:blip r:embed="rId4"/>
+              <a:stretch>
+                <a:fillRect/>
+              </a:stretch>
+            </p:blipFill>
+            <p:spPr>
+              <a:xfrm>
+                <a:off x="4257387" y="1466273"/>
+                <a:ext cx="5880370" cy="4114800"/>
+              </a:xfrm>
+              <a:prstGeom prst="rect">
+                <a:avLst/>
+              </a:prstGeom>
+            </p:spPr>
+          </p:pic>
+        </p:grpSp>
+        <p:sp>
+          <p:nvSpPr>
+            <p:cNvPr id="7" name="TextBox 6">
+              <a:extLst>
+                <a:ext uri="{FF2B5EF4-FFF2-40B4-BE49-F238E27FC236}">
+                  <a16:creationId xmlns:a16="http://schemas.microsoft.com/office/drawing/2014/main" id="{C5F36155-852A-1B44-8332-88C3D6DDC4C4}"/>
+                </a:ext>
+              </a:extLst>
+            </p:cNvPr>
+            <p:cNvSpPr txBox="1"/>
+            <p:nvPr/>
+          </p:nvSpPr>
+          <p:spPr>
+            <a:xfrm>
+              <a:off x="5270167" y="1704981"/>
+              <a:ext cx="778213" cy="615553"/>
+            </a:xfrm>
+            <a:prstGeom prst="rect">
+              <a:avLst/>
+            </a:prstGeom>
+            <a:noFill/>
+          </p:spPr>
+          <p:txBody>
+            <a:bodyPr wrap="square" rtlCol="0">
+              <a:spAutoFit/>
+            </a:bodyPr>
+            <a:lstStyle/>
+            <a:p>
+              <a:pPr algn="ctr"/>
+              <a:r>
+                <a:rPr lang="en-US" sz="5400" dirty="0"/>
+                <a:t>a</a:t>
+              </a:r>
+            </a:p>
+          </p:txBody>
+        </p:sp>
+        <p:sp>
+          <p:nvSpPr>
+            <p:cNvPr id="8" name="TextBox 7">
+              <a:extLst>
+                <a:ext uri="{FF2B5EF4-FFF2-40B4-BE49-F238E27FC236}">
+                  <a16:creationId xmlns:a16="http://schemas.microsoft.com/office/drawing/2014/main" id="{4600D413-4069-CA49-B441-6B349F7DBED6}"/>
+                </a:ext>
+              </a:extLst>
+            </p:cNvPr>
+            <p:cNvSpPr txBox="1"/>
+            <p:nvPr/>
+          </p:nvSpPr>
+          <p:spPr>
+            <a:xfrm>
+              <a:off x="12219607" y="1702805"/>
+              <a:ext cx="778213" cy="615553"/>
+            </a:xfrm>
+            <a:prstGeom prst="rect">
+              <a:avLst/>
+            </a:prstGeom>
+            <a:noFill/>
+          </p:spPr>
+          <p:txBody>
+            <a:bodyPr wrap="square" rtlCol="0">
+              <a:spAutoFit/>
+            </a:bodyPr>
+            <a:lstStyle/>
+            <a:p>
+              <a:pPr algn="ctr"/>
+              <a:r>
+                <a:rPr lang="en-US" sz="5400" dirty="0"/>
+                <a:t>b</a:t>
+              </a:r>
+            </a:p>
+          </p:txBody>
+        </p:sp>
+      </p:grpSp>
     </p:spTree>
     <p:extLst>
       <p:ext uri="{BB962C8B-B14F-4D97-AF65-F5344CB8AC3E}">
         <p14:creationId xmlns:p14="http://schemas.microsoft.com/office/powerpoint/2010/main" val="3882129473"/>
+      </p:ext>
+    </p:extLst>
+  </p:cSld>
+  <p:clrMapOvr>
+    <a:masterClrMapping/>
+  </p:clrMapOvr>
+</p:sld>
+</file>
+
+<file path=ppt/slides/slide7.xml><?xml version="1.0" encoding="utf-8"?>
+<p:sld xmlns:a="http://schemas.openxmlformats.org/drawingml/2006/main" xmlns:r="http://schemas.openxmlformats.org/officeDocument/2006/relationships" xmlns:p="http://schemas.openxmlformats.org/presentationml/2006/main">
+  <p:cSld>
+    <p:spTree>
+      <p:nvGrpSpPr>
+        <p:cNvPr id="1" name=""/>
+        <p:cNvGrpSpPr/>
+        <p:nvPr/>
+      </p:nvGrpSpPr>
+      <p:grpSpPr>
+        <a:xfrm>
+          <a:off x="0" y="0"/>
+          <a:ext cx="0" cy="0"/>
+          <a:chOff x="0" y="0"/>
+          <a:chExt cx="0" cy="0"/>
+        </a:xfrm>
+      </p:grpSpPr>
+      <p:grpSp>
+        <p:nvGrpSpPr>
+          <p:cNvPr id="29" name="Group 28">
+            <a:extLst>
+              <a:ext uri="{FF2B5EF4-FFF2-40B4-BE49-F238E27FC236}">
+                <a16:creationId xmlns:a16="http://schemas.microsoft.com/office/drawing/2014/main" id="{5AA871E5-717D-3F41-8494-10DE5F5CB27A}"/>
+              </a:ext>
+            </a:extLst>
+          </p:cNvPr>
+          <p:cNvGrpSpPr/>
+          <p:nvPr/>
+        </p:nvGrpSpPr>
+        <p:grpSpPr>
+          <a:xfrm>
+            <a:off x="11185228" y="4000503"/>
+            <a:ext cx="26171264" cy="18812637"/>
+            <a:chOff x="2580018" y="2667000"/>
+            <a:chExt cx="17447509" cy="12541758"/>
+          </a:xfrm>
+        </p:grpSpPr>
+        <p:pic>
+          <p:nvPicPr>
+            <p:cNvPr id="3" name="Picture 2">
+              <a:extLst>
+                <a:ext uri="{FF2B5EF4-FFF2-40B4-BE49-F238E27FC236}">
+                  <a16:creationId xmlns:a16="http://schemas.microsoft.com/office/drawing/2014/main" id="{045AA4BE-5A21-BF4E-A0AA-898E0DCB45A2}"/>
+                </a:ext>
+              </a:extLst>
+            </p:cNvPr>
+            <p:cNvPicPr>
+              <a:picLocks noChangeAspect="1"/>
+            </p:cNvPicPr>
+            <p:nvPr/>
+          </p:nvPicPr>
+          <p:blipFill>
+            <a:blip r:embed="rId2"/>
+            <a:stretch>
+              <a:fillRect/>
+            </a:stretch>
+          </p:blipFill>
+          <p:spPr>
+            <a:xfrm>
+              <a:off x="2580018" y="2667000"/>
+              <a:ext cx="5562600" cy="4152900"/>
+            </a:xfrm>
+            <a:prstGeom prst="rect">
+              <a:avLst/>
+            </a:prstGeom>
+          </p:spPr>
+        </p:pic>
+        <p:pic>
+          <p:nvPicPr>
+            <p:cNvPr id="5" name="Picture 4">
+              <a:extLst>
+                <a:ext uri="{FF2B5EF4-FFF2-40B4-BE49-F238E27FC236}">
+                  <a16:creationId xmlns:a16="http://schemas.microsoft.com/office/drawing/2014/main" id="{E2DBFB98-7FC2-C24A-945D-149639E82D46}"/>
+                </a:ext>
+              </a:extLst>
+            </p:cNvPr>
+            <p:cNvPicPr>
+              <a:picLocks noChangeAspect="1"/>
+            </p:cNvPicPr>
+            <p:nvPr/>
+          </p:nvPicPr>
+          <p:blipFill>
+            <a:blip r:embed="rId3"/>
+            <a:stretch>
+              <a:fillRect/>
+            </a:stretch>
+          </p:blipFill>
+          <p:spPr>
+            <a:xfrm>
+              <a:off x="2580018" y="6902958"/>
+              <a:ext cx="5600700" cy="4152900"/>
+            </a:xfrm>
+            <a:prstGeom prst="rect">
+              <a:avLst/>
+            </a:prstGeom>
+          </p:spPr>
+        </p:pic>
+        <p:pic>
+          <p:nvPicPr>
+            <p:cNvPr id="7" name="Picture 6">
+              <a:extLst>
+                <a:ext uri="{FF2B5EF4-FFF2-40B4-BE49-F238E27FC236}">
+                  <a16:creationId xmlns:a16="http://schemas.microsoft.com/office/drawing/2014/main" id="{1C9CB21C-1FEF-6149-8ED4-70F827536548}"/>
+                </a:ext>
+              </a:extLst>
+            </p:cNvPr>
+            <p:cNvPicPr>
+              <a:picLocks noChangeAspect="1"/>
+            </p:cNvPicPr>
+            <p:nvPr/>
+          </p:nvPicPr>
+          <p:blipFill>
+            <a:blip r:embed="rId4"/>
+            <a:stretch>
+              <a:fillRect/>
+            </a:stretch>
+          </p:blipFill>
+          <p:spPr>
+            <a:xfrm>
+              <a:off x="2580018" y="11055858"/>
+              <a:ext cx="5600700" cy="4152900"/>
+            </a:xfrm>
+            <a:prstGeom prst="rect">
+              <a:avLst/>
+            </a:prstGeom>
+          </p:spPr>
+        </p:pic>
+        <p:pic>
+          <p:nvPicPr>
+            <p:cNvPr id="9" name="Picture 8">
+              <a:extLst>
+                <a:ext uri="{FF2B5EF4-FFF2-40B4-BE49-F238E27FC236}">
+                  <a16:creationId xmlns:a16="http://schemas.microsoft.com/office/drawing/2014/main" id="{202369D3-F749-FC4D-A003-05FFB2BE66E9}"/>
+                </a:ext>
+              </a:extLst>
+            </p:cNvPr>
+            <p:cNvPicPr>
+              <a:picLocks noChangeAspect="1"/>
+            </p:cNvPicPr>
+            <p:nvPr/>
+          </p:nvPicPr>
+          <p:blipFill>
+            <a:blip r:embed="rId5"/>
+            <a:stretch>
+              <a:fillRect/>
+            </a:stretch>
+          </p:blipFill>
+          <p:spPr>
+            <a:xfrm>
+              <a:off x="8368818" y="2667000"/>
+              <a:ext cx="5562600" cy="4152900"/>
+            </a:xfrm>
+            <a:prstGeom prst="rect">
+              <a:avLst/>
+            </a:prstGeom>
+          </p:spPr>
+        </p:pic>
+        <p:pic>
+          <p:nvPicPr>
+            <p:cNvPr id="11" name="Picture 10">
+              <a:extLst>
+                <a:ext uri="{FF2B5EF4-FFF2-40B4-BE49-F238E27FC236}">
+                  <a16:creationId xmlns:a16="http://schemas.microsoft.com/office/drawing/2014/main" id="{C51FAB2C-884F-284D-A890-CFE58D126590}"/>
+                </a:ext>
+              </a:extLst>
+            </p:cNvPr>
+            <p:cNvPicPr>
+              <a:picLocks noChangeAspect="1"/>
+            </p:cNvPicPr>
+            <p:nvPr/>
+          </p:nvPicPr>
+          <p:blipFill>
+            <a:blip r:embed="rId6"/>
+            <a:stretch>
+              <a:fillRect/>
+            </a:stretch>
+          </p:blipFill>
+          <p:spPr>
+            <a:xfrm>
+              <a:off x="8368818" y="6902958"/>
+              <a:ext cx="5600700" cy="4152900"/>
+            </a:xfrm>
+            <a:prstGeom prst="rect">
+              <a:avLst/>
+            </a:prstGeom>
+          </p:spPr>
+        </p:pic>
+        <p:pic>
+          <p:nvPicPr>
+            <p:cNvPr id="13" name="Picture 12">
+              <a:extLst>
+                <a:ext uri="{FF2B5EF4-FFF2-40B4-BE49-F238E27FC236}">
+                  <a16:creationId xmlns:a16="http://schemas.microsoft.com/office/drawing/2014/main" id="{5FFB9C6F-3788-E143-BA6D-76AF88F7CAA0}"/>
+                </a:ext>
+              </a:extLst>
+            </p:cNvPr>
+            <p:cNvPicPr>
+              <a:picLocks noChangeAspect="1"/>
+            </p:cNvPicPr>
+            <p:nvPr/>
+          </p:nvPicPr>
+          <p:blipFill>
+            <a:blip r:embed="rId7"/>
+            <a:stretch>
+              <a:fillRect/>
+            </a:stretch>
+          </p:blipFill>
+          <p:spPr>
+            <a:xfrm>
+              <a:off x="8358627" y="11055858"/>
+              <a:ext cx="5740400" cy="4152900"/>
+            </a:xfrm>
+            <a:prstGeom prst="rect">
+              <a:avLst/>
+            </a:prstGeom>
+          </p:spPr>
+        </p:pic>
+        <p:pic>
+          <p:nvPicPr>
+            <p:cNvPr id="15" name="Picture 14">
+              <a:extLst>
+                <a:ext uri="{FF2B5EF4-FFF2-40B4-BE49-F238E27FC236}">
+                  <a16:creationId xmlns:a16="http://schemas.microsoft.com/office/drawing/2014/main" id="{4B92EB94-5F74-4A48-9900-364B66B413A4}"/>
+                </a:ext>
+              </a:extLst>
+            </p:cNvPr>
+            <p:cNvPicPr>
+              <a:picLocks noChangeAspect="1"/>
+            </p:cNvPicPr>
+            <p:nvPr/>
+          </p:nvPicPr>
+          <p:blipFill>
+            <a:blip r:embed="rId8"/>
+            <a:stretch>
+              <a:fillRect/>
+            </a:stretch>
+          </p:blipFill>
+          <p:spPr>
+            <a:xfrm>
+              <a:off x="14157618" y="2667000"/>
+              <a:ext cx="5562600" cy="4152900"/>
+            </a:xfrm>
+            <a:prstGeom prst="rect">
+              <a:avLst/>
+            </a:prstGeom>
+          </p:spPr>
+        </p:pic>
+        <p:pic>
+          <p:nvPicPr>
+            <p:cNvPr id="17" name="Picture 16">
+              <a:extLst>
+                <a:ext uri="{FF2B5EF4-FFF2-40B4-BE49-F238E27FC236}">
+                  <a16:creationId xmlns:a16="http://schemas.microsoft.com/office/drawing/2014/main" id="{2821A179-0C76-5B4C-8AE2-C046757A2FC5}"/>
+                </a:ext>
+              </a:extLst>
+            </p:cNvPr>
+            <p:cNvPicPr>
+              <a:picLocks noChangeAspect="1"/>
+            </p:cNvPicPr>
+            <p:nvPr/>
+          </p:nvPicPr>
+          <p:blipFill>
+            <a:blip r:embed="rId9"/>
+            <a:stretch>
+              <a:fillRect/>
+            </a:stretch>
+          </p:blipFill>
+          <p:spPr>
+            <a:xfrm>
+              <a:off x="14157618" y="6819900"/>
+              <a:ext cx="5600700" cy="4152900"/>
+            </a:xfrm>
+            <a:prstGeom prst="rect">
+              <a:avLst/>
+            </a:prstGeom>
+          </p:spPr>
+        </p:pic>
+        <p:pic>
+          <p:nvPicPr>
+            <p:cNvPr id="19" name="Picture 18">
+              <a:extLst>
+                <a:ext uri="{FF2B5EF4-FFF2-40B4-BE49-F238E27FC236}">
+                  <a16:creationId xmlns:a16="http://schemas.microsoft.com/office/drawing/2014/main" id="{6825D3B9-85D5-FD4A-AD0F-128E64713FF1}"/>
+                </a:ext>
+              </a:extLst>
+            </p:cNvPr>
+            <p:cNvPicPr>
+              <a:picLocks noChangeAspect="1"/>
+            </p:cNvPicPr>
+            <p:nvPr/>
+          </p:nvPicPr>
+          <p:blipFill>
+            <a:blip r:embed="rId10"/>
+            <a:stretch>
+              <a:fillRect/>
+            </a:stretch>
+          </p:blipFill>
+          <p:spPr>
+            <a:xfrm>
+              <a:off x="14287127" y="11055858"/>
+              <a:ext cx="5740400" cy="4152900"/>
+            </a:xfrm>
+            <a:prstGeom prst="rect">
+              <a:avLst/>
+            </a:prstGeom>
+          </p:spPr>
+        </p:pic>
+        <p:sp>
+          <p:nvSpPr>
+            <p:cNvPr id="20" name="TextBox 19">
+              <a:extLst>
+                <a:ext uri="{FF2B5EF4-FFF2-40B4-BE49-F238E27FC236}">
+                  <a16:creationId xmlns:a16="http://schemas.microsoft.com/office/drawing/2014/main" id="{6A2633FB-5F0A-5545-9330-78C787536E13}"/>
+                </a:ext>
+              </a:extLst>
+            </p:cNvPr>
+            <p:cNvSpPr txBox="1"/>
+            <p:nvPr/>
+          </p:nvSpPr>
+          <p:spPr>
+            <a:xfrm>
+              <a:off x="5992239" y="2948565"/>
+              <a:ext cx="778213" cy="615553"/>
+            </a:xfrm>
+            <a:prstGeom prst="rect">
+              <a:avLst/>
+            </a:prstGeom>
+            <a:noFill/>
+          </p:spPr>
+          <p:txBody>
+            <a:bodyPr wrap="square" rtlCol="0">
+              <a:spAutoFit/>
+            </a:bodyPr>
+            <a:lstStyle/>
+            <a:p>
+              <a:pPr algn="ctr"/>
+              <a:r>
+                <a:rPr lang="en-US" sz="5400" dirty="0"/>
+                <a:t>a</a:t>
+              </a:r>
+            </a:p>
+          </p:txBody>
+        </p:sp>
+        <p:sp>
+          <p:nvSpPr>
+            <p:cNvPr id="21" name="TextBox 20">
+              <a:extLst>
+                <a:ext uri="{FF2B5EF4-FFF2-40B4-BE49-F238E27FC236}">
+                  <a16:creationId xmlns:a16="http://schemas.microsoft.com/office/drawing/2014/main" id="{224DEA3E-4A5A-9D40-9770-CD1A04FEB816}"/>
+                </a:ext>
+              </a:extLst>
+            </p:cNvPr>
+            <p:cNvSpPr txBox="1"/>
+            <p:nvPr/>
+          </p:nvSpPr>
+          <p:spPr>
+            <a:xfrm>
+              <a:off x="5992238" y="7202069"/>
+              <a:ext cx="778213" cy="615553"/>
+            </a:xfrm>
+            <a:prstGeom prst="rect">
+              <a:avLst/>
+            </a:prstGeom>
+            <a:noFill/>
+          </p:spPr>
+          <p:txBody>
+            <a:bodyPr wrap="square" rtlCol="0">
+              <a:spAutoFit/>
+            </a:bodyPr>
+            <a:lstStyle/>
+            <a:p>
+              <a:pPr algn="ctr"/>
+              <a:r>
+                <a:rPr lang="en-US" sz="5400" dirty="0"/>
+                <a:t>b</a:t>
+              </a:r>
+            </a:p>
+          </p:txBody>
+        </p:sp>
+        <p:sp>
+          <p:nvSpPr>
+            <p:cNvPr id="22" name="TextBox 21">
+              <a:extLst>
+                <a:ext uri="{FF2B5EF4-FFF2-40B4-BE49-F238E27FC236}">
+                  <a16:creationId xmlns:a16="http://schemas.microsoft.com/office/drawing/2014/main" id="{8F4F995C-228E-C44D-9E02-D27987398275}"/>
+                </a:ext>
+              </a:extLst>
+            </p:cNvPr>
+            <p:cNvSpPr txBox="1"/>
+            <p:nvPr/>
+          </p:nvSpPr>
+          <p:spPr>
+            <a:xfrm>
+              <a:off x="5992237" y="11387250"/>
+              <a:ext cx="778213" cy="615553"/>
+            </a:xfrm>
+            <a:prstGeom prst="rect">
+              <a:avLst/>
+            </a:prstGeom>
+            <a:noFill/>
+          </p:spPr>
+          <p:txBody>
+            <a:bodyPr wrap="square" rtlCol="0">
+              <a:spAutoFit/>
+            </a:bodyPr>
+            <a:lstStyle/>
+            <a:p>
+              <a:pPr algn="ctr"/>
+              <a:r>
+                <a:rPr lang="en-US" sz="5400" dirty="0"/>
+                <a:t>c</a:t>
+              </a:r>
+            </a:p>
+          </p:txBody>
+        </p:sp>
+        <p:sp>
+          <p:nvSpPr>
+            <p:cNvPr id="23" name="TextBox 22">
+              <a:extLst>
+                <a:ext uri="{FF2B5EF4-FFF2-40B4-BE49-F238E27FC236}">
+                  <a16:creationId xmlns:a16="http://schemas.microsoft.com/office/drawing/2014/main" id="{93FAB059-67F1-9A4F-94A7-F2BE37D0C621}"/>
+                </a:ext>
+              </a:extLst>
+            </p:cNvPr>
+            <p:cNvSpPr txBox="1"/>
+            <p:nvPr/>
+          </p:nvSpPr>
+          <p:spPr>
+            <a:xfrm>
+              <a:off x="11796329" y="2948565"/>
+              <a:ext cx="778213" cy="615553"/>
+            </a:xfrm>
+            <a:prstGeom prst="rect">
+              <a:avLst/>
+            </a:prstGeom>
+            <a:noFill/>
+          </p:spPr>
+          <p:txBody>
+            <a:bodyPr wrap="square" rtlCol="0">
+              <a:spAutoFit/>
+            </a:bodyPr>
+            <a:lstStyle/>
+            <a:p>
+              <a:pPr algn="ctr"/>
+              <a:r>
+                <a:rPr lang="en-US" sz="5400" dirty="0"/>
+                <a:t>d</a:t>
+              </a:r>
+            </a:p>
+          </p:txBody>
+        </p:sp>
+        <p:sp>
+          <p:nvSpPr>
+            <p:cNvPr id="24" name="TextBox 23">
+              <a:extLst>
+                <a:ext uri="{FF2B5EF4-FFF2-40B4-BE49-F238E27FC236}">
+                  <a16:creationId xmlns:a16="http://schemas.microsoft.com/office/drawing/2014/main" id="{9577723F-599C-D949-8E83-F90CC661E932}"/>
+                </a:ext>
+              </a:extLst>
+            </p:cNvPr>
+            <p:cNvSpPr txBox="1"/>
+            <p:nvPr/>
+          </p:nvSpPr>
+          <p:spPr>
+            <a:xfrm>
+              <a:off x="11796328" y="7202069"/>
+              <a:ext cx="778213" cy="615553"/>
+            </a:xfrm>
+            <a:prstGeom prst="rect">
+              <a:avLst/>
+            </a:prstGeom>
+            <a:noFill/>
+          </p:spPr>
+          <p:txBody>
+            <a:bodyPr wrap="square" rtlCol="0">
+              <a:spAutoFit/>
+            </a:bodyPr>
+            <a:lstStyle/>
+            <a:p>
+              <a:pPr algn="ctr"/>
+              <a:r>
+                <a:rPr lang="en-US" sz="5400" dirty="0"/>
+                <a:t>e</a:t>
+              </a:r>
+            </a:p>
+          </p:txBody>
+        </p:sp>
+        <p:sp>
+          <p:nvSpPr>
+            <p:cNvPr id="25" name="TextBox 24">
+              <a:extLst>
+                <a:ext uri="{FF2B5EF4-FFF2-40B4-BE49-F238E27FC236}">
+                  <a16:creationId xmlns:a16="http://schemas.microsoft.com/office/drawing/2014/main" id="{943DA35A-FAD9-7B42-A92F-75FB7BF322D2}"/>
+                </a:ext>
+              </a:extLst>
+            </p:cNvPr>
+            <p:cNvSpPr txBox="1"/>
+            <p:nvPr/>
+          </p:nvSpPr>
+          <p:spPr>
+            <a:xfrm>
+              <a:off x="11796328" y="11387249"/>
+              <a:ext cx="778213" cy="615553"/>
+            </a:xfrm>
+            <a:prstGeom prst="rect">
+              <a:avLst/>
+            </a:prstGeom>
+            <a:noFill/>
+          </p:spPr>
+          <p:txBody>
+            <a:bodyPr wrap="square" rtlCol="0">
+              <a:spAutoFit/>
+            </a:bodyPr>
+            <a:lstStyle/>
+            <a:p>
+              <a:pPr algn="ctr"/>
+              <a:r>
+                <a:rPr lang="en-US" sz="5400" dirty="0"/>
+                <a:t>f</a:t>
+              </a:r>
+            </a:p>
+          </p:txBody>
+        </p:sp>
+        <p:sp>
+          <p:nvSpPr>
+            <p:cNvPr id="26" name="TextBox 25">
+              <a:extLst>
+                <a:ext uri="{FF2B5EF4-FFF2-40B4-BE49-F238E27FC236}">
+                  <a16:creationId xmlns:a16="http://schemas.microsoft.com/office/drawing/2014/main" id="{702C84D7-EA83-8A43-B7D1-454A951CC066}"/>
+                </a:ext>
+              </a:extLst>
+            </p:cNvPr>
+            <p:cNvSpPr txBox="1"/>
+            <p:nvPr/>
+          </p:nvSpPr>
+          <p:spPr>
+            <a:xfrm>
+              <a:off x="17585645" y="2948565"/>
+              <a:ext cx="778213" cy="615553"/>
+            </a:xfrm>
+            <a:prstGeom prst="rect">
+              <a:avLst/>
+            </a:prstGeom>
+            <a:noFill/>
+          </p:spPr>
+          <p:txBody>
+            <a:bodyPr wrap="square" rtlCol="0">
+              <a:spAutoFit/>
+            </a:bodyPr>
+            <a:lstStyle/>
+            <a:p>
+              <a:pPr algn="ctr"/>
+              <a:r>
+                <a:rPr lang="en-US" sz="5400" dirty="0"/>
+                <a:t>g</a:t>
+              </a:r>
+            </a:p>
+          </p:txBody>
+        </p:sp>
+        <p:sp>
+          <p:nvSpPr>
+            <p:cNvPr id="27" name="TextBox 26">
+              <a:extLst>
+                <a:ext uri="{FF2B5EF4-FFF2-40B4-BE49-F238E27FC236}">
+                  <a16:creationId xmlns:a16="http://schemas.microsoft.com/office/drawing/2014/main" id="{7F14C191-695A-4444-A011-AE8474F5B52E}"/>
+                </a:ext>
+              </a:extLst>
+            </p:cNvPr>
+            <p:cNvSpPr txBox="1"/>
+            <p:nvPr/>
+          </p:nvSpPr>
+          <p:spPr>
+            <a:xfrm>
+              <a:off x="17585645" y="7202069"/>
+              <a:ext cx="778213" cy="615553"/>
+            </a:xfrm>
+            <a:prstGeom prst="rect">
+              <a:avLst/>
+            </a:prstGeom>
+            <a:noFill/>
+          </p:spPr>
+          <p:txBody>
+            <a:bodyPr wrap="square" rtlCol="0">
+              <a:spAutoFit/>
+            </a:bodyPr>
+            <a:lstStyle/>
+            <a:p>
+              <a:pPr algn="ctr"/>
+              <a:r>
+                <a:rPr lang="en-US" sz="5400" dirty="0"/>
+                <a:t>h</a:t>
+              </a:r>
+            </a:p>
+          </p:txBody>
+        </p:sp>
+        <p:sp>
+          <p:nvSpPr>
+            <p:cNvPr id="28" name="TextBox 27">
+              <a:extLst>
+                <a:ext uri="{FF2B5EF4-FFF2-40B4-BE49-F238E27FC236}">
+                  <a16:creationId xmlns:a16="http://schemas.microsoft.com/office/drawing/2014/main" id="{82C55546-C0F4-AA4D-B4F5-DD78263FFDEA}"/>
+                </a:ext>
+              </a:extLst>
+            </p:cNvPr>
+            <p:cNvSpPr txBox="1"/>
+            <p:nvPr/>
+          </p:nvSpPr>
+          <p:spPr>
+            <a:xfrm>
+              <a:off x="17585645" y="11387248"/>
+              <a:ext cx="778213" cy="615553"/>
+            </a:xfrm>
+            <a:prstGeom prst="rect">
+              <a:avLst/>
+            </a:prstGeom>
+            <a:noFill/>
+          </p:spPr>
+          <p:txBody>
+            <a:bodyPr wrap="square" rtlCol="0">
+              <a:spAutoFit/>
+            </a:bodyPr>
+            <a:lstStyle/>
+            <a:p>
+              <a:pPr algn="ctr"/>
+              <a:r>
+                <a:rPr lang="en-US" sz="5400" dirty="0"/>
+                <a:t>i</a:t>
+              </a:r>
+            </a:p>
+          </p:txBody>
+        </p:sp>
+      </p:grpSp>
+    </p:spTree>
+    <p:extLst>
+      <p:ext uri="{BB962C8B-B14F-4D97-AF65-F5344CB8AC3E}">
+        <p14:creationId xmlns:p14="http://schemas.microsoft.com/office/powerpoint/2010/main" val="1957964870"/>
+      </p:ext>
+    </p:extLst>
+  </p:cSld>
+  <p:clrMapOvr>
+    <a:masterClrMapping/>
+  </p:clrMapOvr>
+</p:sld>
+</file>
+
+<file path=ppt/slides/slide8.xml><?xml version="1.0" encoding="utf-8"?>
+<p:sld xmlns:a="http://schemas.openxmlformats.org/drawingml/2006/main" xmlns:r="http://schemas.openxmlformats.org/officeDocument/2006/relationships" xmlns:p="http://schemas.openxmlformats.org/presentationml/2006/main">
+  <p:cSld>
+    <p:spTree>
+      <p:nvGrpSpPr>
+        <p:cNvPr id="1" name=""/>
+        <p:cNvGrpSpPr/>
+        <p:nvPr/>
+      </p:nvGrpSpPr>
+      <p:grpSpPr>
+        <a:xfrm>
+          <a:off x="0" y="0"/>
+          <a:ext cx="0" cy="0"/>
+          <a:chOff x="0" y="0"/>
+          <a:chExt cx="0" cy="0"/>
+        </a:xfrm>
+      </p:grpSpPr>
+      <p:grpSp>
+        <p:nvGrpSpPr>
+          <p:cNvPr id="13" name="Group 12">
+            <a:extLst>
+              <a:ext uri="{FF2B5EF4-FFF2-40B4-BE49-F238E27FC236}">
+                <a16:creationId xmlns:a16="http://schemas.microsoft.com/office/drawing/2014/main" id="{C0ACCD37-28E8-2143-8D66-C0999D04C815}"/>
+              </a:ext>
+            </a:extLst>
+          </p:cNvPr>
+          <p:cNvGrpSpPr/>
+          <p:nvPr/>
+        </p:nvGrpSpPr>
+        <p:grpSpPr>
+          <a:xfrm>
+            <a:off x="10517382" y="1960008"/>
+            <a:ext cx="24949242" cy="5760720"/>
+            <a:chOff x="2134788" y="1306672"/>
+            <a:chExt cx="16632828" cy="3840480"/>
+          </a:xfrm>
+        </p:grpSpPr>
+        <p:pic>
+          <p:nvPicPr>
+            <p:cNvPr id="3" name="Picture 2">
+              <a:extLst>
+                <a:ext uri="{FF2B5EF4-FFF2-40B4-BE49-F238E27FC236}">
+                  <a16:creationId xmlns:a16="http://schemas.microsoft.com/office/drawing/2014/main" id="{311486CB-ECDA-C046-BFBE-48616BBE8CA5}"/>
+                </a:ext>
+              </a:extLst>
+            </p:cNvPr>
+            <p:cNvPicPr>
+              <a:picLocks noChangeAspect="1"/>
+            </p:cNvPicPr>
+            <p:nvPr/>
+          </p:nvPicPr>
+          <p:blipFill>
+            <a:blip r:embed="rId3"/>
+            <a:stretch>
+              <a:fillRect/>
+            </a:stretch>
+          </p:blipFill>
+          <p:spPr>
+            <a:xfrm>
+              <a:off x="10523320" y="1306672"/>
+              <a:ext cx="4008120" cy="3840480"/>
+            </a:xfrm>
+            <a:prstGeom prst="rect">
+              <a:avLst/>
+            </a:prstGeom>
+          </p:spPr>
+        </p:pic>
+        <p:pic>
+          <p:nvPicPr>
+            <p:cNvPr id="4" name="Picture 3">
+              <a:extLst>
+                <a:ext uri="{FF2B5EF4-FFF2-40B4-BE49-F238E27FC236}">
+                  <a16:creationId xmlns:a16="http://schemas.microsoft.com/office/drawing/2014/main" id="{33C563A6-AB77-5144-B956-116852C490AB}"/>
+                </a:ext>
+              </a:extLst>
+            </p:cNvPr>
+            <p:cNvPicPr>
+              <a:picLocks noChangeAspect="1"/>
+            </p:cNvPicPr>
+            <p:nvPr/>
+          </p:nvPicPr>
+          <p:blipFill>
+            <a:blip r:embed="rId4"/>
+            <a:stretch>
+              <a:fillRect/>
+            </a:stretch>
+          </p:blipFill>
+          <p:spPr>
+            <a:xfrm>
+              <a:off x="2134788" y="1306672"/>
+              <a:ext cx="3985260" cy="3840480"/>
+            </a:xfrm>
+            <a:prstGeom prst="rect">
+              <a:avLst/>
+            </a:prstGeom>
+          </p:spPr>
+        </p:pic>
+        <p:pic>
+          <p:nvPicPr>
+            <p:cNvPr id="5" name="Picture 4">
+              <a:extLst>
+                <a:ext uri="{FF2B5EF4-FFF2-40B4-BE49-F238E27FC236}">
+                  <a16:creationId xmlns:a16="http://schemas.microsoft.com/office/drawing/2014/main" id="{65B5ECB9-2E4F-6744-B22B-0F532160F129}"/>
+                </a:ext>
+              </a:extLst>
+            </p:cNvPr>
+            <p:cNvPicPr>
+              <a:picLocks noChangeAspect="1"/>
+            </p:cNvPicPr>
+            <p:nvPr/>
+          </p:nvPicPr>
+          <p:blipFill>
+            <a:blip r:embed="rId5"/>
+            <a:stretch>
+              <a:fillRect/>
+            </a:stretch>
+          </p:blipFill>
+          <p:spPr>
+            <a:xfrm>
+              <a:off x="6370964" y="1306672"/>
+              <a:ext cx="3901440" cy="3840480"/>
+            </a:xfrm>
+            <a:prstGeom prst="rect">
+              <a:avLst/>
+            </a:prstGeom>
+          </p:spPr>
+        </p:pic>
+        <p:sp>
+          <p:nvSpPr>
+            <p:cNvPr id="6" name="TextBox 5">
+              <a:extLst>
+                <a:ext uri="{FF2B5EF4-FFF2-40B4-BE49-F238E27FC236}">
+                  <a16:creationId xmlns:a16="http://schemas.microsoft.com/office/drawing/2014/main" id="{80C0C893-07A1-044E-A50D-AA9E98926A49}"/>
+                </a:ext>
+              </a:extLst>
+            </p:cNvPr>
+            <p:cNvSpPr txBox="1"/>
+            <p:nvPr/>
+          </p:nvSpPr>
+          <p:spPr>
+            <a:xfrm>
+              <a:off x="4401183" y="1522101"/>
+              <a:ext cx="778213" cy="615553"/>
+            </a:xfrm>
+            <a:prstGeom prst="rect">
+              <a:avLst/>
+            </a:prstGeom>
+            <a:noFill/>
+          </p:spPr>
+          <p:txBody>
+            <a:bodyPr wrap="square" rtlCol="0">
+              <a:spAutoFit/>
+            </a:bodyPr>
+            <a:lstStyle/>
+            <a:p>
+              <a:pPr algn="ctr"/>
+              <a:r>
+                <a:rPr lang="en-US" sz="5400" dirty="0"/>
+                <a:t>a</a:t>
+              </a:r>
+            </a:p>
+          </p:txBody>
+        </p:sp>
+        <p:sp>
+          <p:nvSpPr>
+            <p:cNvPr id="7" name="TextBox 6">
+              <a:extLst>
+                <a:ext uri="{FF2B5EF4-FFF2-40B4-BE49-F238E27FC236}">
+                  <a16:creationId xmlns:a16="http://schemas.microsoft.com/office/drawing/2014/main" id="{CE238AFB-BA10-E446-A8C4-215B23D4742F}"/>
+                </a:ext>
+              </a:extLst>
+            </p:cNvPr>
+            <p:cNvSpPr txBox="1"/>
+            <p:nvPr/>
+          </p:nvSpPr>
+          <p:spPr>
+            <a:xfrm>
+              <a:off x="8668383" y="1522101"/>
+              <a:ext cx="778213" cy="615553"/>
+            </a:xfrm>
+            <a:prstGeom prst="rect">
+              <a:avLst/>
+            </a:prstGeom>
+            <a:noFill/>
+          </p:spPr>
+          <p:txBody>
+            <a:bodyPr wrap="square" rtlCol="0">
+              <a:spAutoFit/>
+            </a:bodyPr>
+            <a:lstStyle/>
+            <a:p>
+              <a:pPr algn="ctr"/>
+              <a:r>
+                <a:rPr lang="en-US" sz="5400" dirty="0"/>
+                <a:t>b</a:t>
+              </a:r>
+            </a:p>
+          </p:txBody>
+        </p:sp>
+        <p:sp>
+          <p:nvSpPr>
+            <p:cNvPr id="8" name="TextBox 7">
+              <a:extLst>
+                <a:ext uri="{FF2B5EF4-FFF2-40B4-BE49-F238E27FC236}">
+                  <a16:creationId xmlns:a16="http://schemas.microsoft.com/office/drawing/2014/main" id="{F95DF29B-9D3C-6544-8A3B-57708E055555}"/>
+                </a:ext>
+              </a:extLst>
+            </p:cNvPr>
+            <p:cNvSpPr txBox="1"/>
+            <p:nvPr/>
+          </p:nvSpPr>
+          <p:spPr>
+            <a:xfrm>
+              <a:off x="12752703" y="1522100"/>
+              <a:ext cx="778213" cy="615553"/>
+            </a:xfrm>
+            <a:prstGeom prst="rect">
+              <a:avLst/>
+            </a:prstGeom>
+            <a:noFill/>
+          </p:spPr>
+          <p:txBody>
+            <a:bodyPr wrap="square" rtlCol="0">
+              <a:spAutoFit/>
+            </a:bodyPr>
+            <a:lstStyle/>
+            <a:p>
+              <a:pPr algn="ctr"/>
+              <a:r>
+                <a:rPr lang="en-US" sz="5400" dirty="0"/>
+                <a:t>c</a:t>
+              </a:r>
+            </a:p>
+          </p:txBody>
+        </p:sp>
+        <p:pic>
+          <p:nvPicPr>
+            <p:cNvPr id="10" name="Picture 9">
+              <a:extLst>
+                <a:ext uri="{FF2B5EF4-FFF2-40B4-BE49-F238E27FC236}">
+                  <a16:creationId xmlns:a16="http://schemas.microsoft.com/office/drawing/2014/main" id="{6EDC3823-0D15-9743-A9B6-7C62D17195CB}"/>
+                </a:ext>
+              </a:extLst>
+            </p:cNvPr>
+            <p:cNvPicPr>
+              <a:picLocks noChangeAspect="1"/>
+            </p:cNvPicPr>
+            <p:nvPr/>
+          </p:nvPicPr>
+          <p:blipFill>
+            <a:blip r:embed="rId6"/>
+            <a:stretch>
+              <a:fillRect/>
+            </a:stretch>
+          </p:blipFill>
+          <p:spPr>
+            <a:xfrm>
+              <a:off x="14782356" y="1306672"/>
+              <a:ext cx="3985260" cy="3840480"/>
+            </a:xfrm>
+            <a:prstGeom prst="rect">
+              <a:avLst/>
+            </a:prstGeom>
+          </p:spPr>
+        </p:pic>
+        <p:sp>
+          <p:nvSpPr>
+            <p:cNvPr id="12" name="TextBox 11">
+              <a:extLst>
+                <a:ext uri="{FF2B5EF4-FFF2-40B4-BE49-F238E27FC236}">
+                  <a16:creationId xmlns:a16="http://schemas.microsoft.com/office/drawing/2014/main" id="{5350E4E2-9E12-2346-8BB4-81C967B2CE10}"/>
+                </a:ext>
+              </a:extLst>
+            </p:cNvPr>
+            <p:cNvSpPr txBox="1"/>
+            <p:nvPr/>
+          </p:nvSpPr>
+          <p:spPr>
+            <a:xfrm>
+              <a:off x="17038191" y="1522100"/>
+              <a:ext cx="778213" cy="615553"/>
+            </a:xfrm>
+            <a:prstGeom prst="rect">
+              <a:avLst/>
+            </a:prstGeom>
+            <a:noFill/>
+          </p:spPr>
+          <p:txBody>
+            <a:bodyPr wrap="square" rtlCol="0">
+              <a:spAutoFit/>
+            </a:bodyPr>
+            <a:lstStyle/>
+            <a:p>
+              <a:pPr algn="ctr"/>
+              <a:r>
+                <a:rPr lang="en-US" sz="5400" dirty="0"/>
+                <a:t>d</a:t>
+              </a:r>
+            </a:p>
+          </p:txBody>
+        </p:sp>
+      </p:grpSp>
+    </p:spTree>
+    <p:extLst>
+      <p:ext uri="{BB962C8B-B14F-4D97-AF65-F5344CB8AC3E}">
+        <p14:creationId xmlns:p14="http://schemas.microsoft.com/office/powerpoint/2010/main" val="946501269"/>
       </p:ext>
     </p:extLst>
   </p:cSld>

--- a/modsel/paramest/ModSelAnalysis_FlowDiagram.pptx
+++ b/modsel/paramest/ModSelAnalysis_FlowDiagram.pptx
@@ -227,7 +227,7 @@
           <a:p>
             <a:fld id="{4F7CD100-96F6-244B-90D1-120180DBD7F9}" type="datetimeFigureOut">
               <a:rPr lang="en-US" smtClean="0"/>
-              <a:t>10/31/22</a:t>
+              <a:t>11/10/22</a:t>
             </a:fld>
             <a:endParaRPr lang="en-US"/>
           </a:p>
@@ -1385,7 +1385,7 @@
           <a:p>
             <a:fld id="{957CF60C-A504-6447-9F1C-7F75B010BCC6}" type="datetimeFigureOut">
               <a:rPr lang="en-US" smtClean="0"/>
-              <a:t>10/31/22</a:t>
+              <a:t>11/10/22</a:t>
             </a:fld>
             <a:endParaRPr lang="en-US"/>
           </a:p>
@@ -1555,7 +1555,7 @@
           <a:p>
             <a:fld id="{957CF60C-A504-6447-9F1C-7F75B010BCC6}" type="datetimeFigureOut">
               <a:rPr lang="en-US" smtClean="0"/>
-              <a:t>10/31/22</a:t>
+              <a:t>11/10/22</a:t>
             </a:fld>
             <a:endParaRPr lang="en-US"/>
           </a:p>
@@ -1735,7 +1735,7 @@
           <a:p>
             <a:fld id="{957CF60C-A504-6447-9F1C-7F75B010BCC6}" type="datetimeFigureOut">
               <a:rPr lang="en-US" smtClean="0"/>
-              <a:t>10/31/22</a:t>
+              <a:t>11/10/22</a:t>
             </a:fld>
             <a:endParaRPr lang="en-US"/>
           </a:p>
@@ -1905,7 +1905,7 @@
           <a:p>
             <a:fld id="{957CF60C-A504-6447-9F1C-7F75B010BCC6}" type="datetimeFigureOut">
               <a:rPr lang="en-US" smtClean="0"/>
-              <a:t>10/31/22</a:t>
+              <a:t>11/10/22</a:t>
             </a:fld>
             <a:endParaRPr lang="en-US"/>
           </a:p>
@@ -2149,7 +2149,7 @@
           <a:p>
             <a:fld id="{957CF60C-A504-6447-9F1C-7F75B010BCC6}" type="datetimeFigureOut">
               <a:rPr lang="en-US" smtClean="0"/>
-              <a:t>10/31/22</a:t>
+              <a:t>11/10/22</a:t>
             </a:fld>
             <a:endParaRPr lang="en-US"/>
           </a:p>
@@ -2381,7 +2381,7 @@
           <a:p>
             <a:fld id="{957CF60C-A504-6447-9F1C-7F75B010BCC6}" type="datetimeFigureOut">
               <a:rPr lang="en-US" smtClean="0"/>
-              <a:t>10/31/22</a:t>
+              <a:t>11/10/22</a:t>
             </a:fld>
             <a:endParaRPr lang="en-US"/>
           </a:p>
@@ -2748,7 +2748,7 @@
           <a:p>
             <a:fld id="{957CF60C-A504-6447-9F1C-7F75B010BCC6}" type="datetimeFigureOut">
               <a:rPr lang="en-US" smtClean="0"/>
-              <a:t>10/31/22</a:t>
+              <a:t>11/10/22</a:t>
             </a:fld>
             <a:endParaRPr lang="en-US"/>
           </a:p>
@@ -2866,7 +2866,7 @@
           <a:p>
             <a:fld id="{957CF60C-A504-6447-9F1C-7F75B010BCC6}" type="datetimeFigureOut">
               <a:rPr lang="en-US" smtClean="0"/>
-              <a:t>10/31/22</a:t>
+              <a:t>11/10/22</a:t>
             </a:fld>
             <a:endParaRPr lang="en-US"/>
           </a:p>
@@ -2961,7 +2961,7 @@
           <a:p>
             <a:fld id="{957CF60C-A504-6447-9F1C-7F75B010BCC6}" type="datetimeFigureOut">
               <a:rPr lang="en-US" smtClean="0"/>
-              <a:t>10/31/22</a:t>
+              <a:t>11/10/22</a:t>
             </a:fld>
             <a:endParaRPr lang="en-US"/>
           </a:p>
@@ -3238,7 +3238,7 @@
           <a:p>
             <a:fld id="{957CF60C-A504-6447-9F1C-7F75B010BCC6}" type="datetimeFigureOut">
               <a:rPr lang="en-US" smtClean="0"/>
-              <a:t>10/31/22</a:t>
+              <a:t>11/10/22</a:t>
             </a:fld>
             <a:endParaRPr lang="en-US"/>
           </a:p>
@@ -3495,7 +3495,7 @@
           <a:p>
             <a:fld id="{957CF60C-A504-6447-9F1C-7F75B010BCC6}" type="datetimeFigureOut">
               <a:rPr lang="en-US" smtClean="0"/>
-              <a:t>10/31/22</a:t>
+              <a:t>11/10/22</a:t>
             </a:fld>
             <a:endParaRPr lang="en-US"/>
           </a:p>
@@ -3708,7 +3708,7 @@
           <a:p>
             <a:fld id="{957CF60C-A504-6447-9F1C-7F75B010BCC6}" type="datetimeFigureOut">
               <a:rPr lang="en-US" smtClean="0"/>
-              <a:t>10/31/22</a:t>
+              <a:t>11/10/22</a:t>
             </a:fld>
             <a:endParaRPr lang="en-US"/>
           </a:p>
@@ -4421,8 +4421,8 @@
           </a:p>
         </p:txBody>
       </p:sp>
-      <mc:AlternateContent xmlns:mc="http://schemas.openxmlformats.org/markup-compatibility/2006">
-        <mc:Choice xmlns:a14="http://schemas.microsoft.com/office/drawing/2010/main" Requires="a14">
+      <mc:AlternateContent xmlns:mc="http://schemas.openxmlformats.org/markup-compatibility/2006" xmlns:a14="http://schemas.microsoft.com/office/drawing/2010/main">
+        <mc:Choice Requires="a14">
           <p:sp>
             <p:nvSpPr>
               <p:cNvPr id="66" name="TextBox 65">
@@ -4815,7 +4815,7 @@
             </p:txBody>
           </p:sp>
         </mc:Choice>
-        <mc:Fallback>
+        <mc:Fallback xmlns="">
           <p:sp>
             <p:nvSpPr>
               <p:cNvPr id="66" name="TextBox 65">
@@ -5670,8 +5670,8 @@
           </p:spPr>
         </p:pic>
       </p:grpSp>
-      <mc:AlternateContent xmlns:mc="http://schemas.openxmlformats.org/markup-compatibility/2006">
-        <mc:Choice xmlns:a14="http://schemas.microsoft.com/office/drawing/2010/main" Requires="a14">
+      <mc:AlternateContent xmlns:mc="http://schemas.openxmlformats.org/markup-compatibility/2006" xmlns:a14="http://schemas.microsoft.com/office/drawing/2010/main">
+        <mc:Choice Requires="a14">
           <p:sp>
             <p:nvSpPr>
               <p:cNvPr id="60" name="TextBox 59">
@@ -5824,7 +5824,7 @@
             </p:txBody>
           </p:sp>
         </mc:Choice>
-        <mc:Fallback>
+        <mc:Fallback xmlns="">
           <p:sp>
             <p:nvSpPr>
               <p:cNvPr id="60" name="TextBox 59">
@@ -5906,10 +5906,10 @@
       </p:grpSpPr>
       <p:grpSp>
         <p:nvGrpSpPr>
-          <p:cNvPr id="92" name="Group 91">
+          <p:cNvPr id="69" name="Group 68">
             <a:extLst>
               <a:ext uri="{FF2B5EF4-FFF2-40B4-BE49-F238E27FC236}">
-                <a16:creationId xmlns:a16="http://schemas.microsoft.com/office/drawing/2014/main" id="{02BD36A0-B2E2-634D-B5D3-E3A07F74EC68}"/>
+                <a16:creationId xmlns:a16="http://schemas.microsoft.com/office/drawing/2014/main" id="{3EF997BE-B18C-134D-BB2B-863BCF756FDA}"/>
               </a:ext>
             </a:extLst>
           </p:cNvPr>
@@ -5918,18 +5918,324 @@
         </p:nvGrpSpPr>
         <p:grpSpPr>
           <a:xfrm>
-            <a:off x="1196109" y="11617010"/>
-            <a:ext cx="45865968" cy="11025549"/>
-            <a:chOff x="1196109" y="11617010"/>
-            <a:chExt cx="45865968" cy="11025549"/>
+            <a:off x="2312010" y="10521170"/>
+            <a:ext cx="44498464" cy="11876060"/>
+            <a:chOff x="2379743" y="10577680"/>
+            <a:chExt cx="44498464" cy="11876060"/>
           </a:xfrm>
         </p:grpSpPr>
+        <p:sp>
+          <p:nvSpPr>
+            <p:cNvPr id="58" name="TextBox 57">
+              <a:extLst>
+                <a:ext uri="{FF2B5EF4-FFF2-40B4-BE49-F238E27FC236}">
+                  <a16:creationId xmlns:a16="http://schemas.microsoft.com/office/drawing/2014/main" id="{87F4C978-6964-A343-9C31-CE454BB7D511}"/>
+                </a:ext>
+              </a:extLst>
+            </p:cNvPr>
+            <p:cNvSpPr txBox="1"/>
+            <p:nvPr/>
+          </p:nvSpPr>
+          <p:spPr>
+            <a:xfrm>
+              <a:off x="26280364" y="14687156"/>
+              <a:ext cx="4298810" cy="1815882"/>
+            </a:xfrm>
+            <a:prstGeom prst="rect">
+              <a:avLst/>
+            </a:prstGeom>
+            <a:noFill/>
+          </p:spPr>
+          <p:txBody>
+            <a:bodyPr wrap="square" rtlCol="0">
+              <a:spAutoFit/>
+            </a:bodyPr>
+            <a:lstStyle/>
+            <a:p>
+              <a:pPr algn="ctr"/>
+              <a:r>
+                <a:rPr lang="en-US" sz="5600" dirty="0">
+                  <a:latin typeface="Arial" panose="020B0604020202020204" pitchFamily="34" charset="0"/>
+                  <a:cs typeface="Arial" panose="020B0604020202020204" pitchFamily="34" charset="0"/>
+                </a:rPr>
+                <a:t>Top Ranked Model</a:t>
+              </a:r>
+            </a:p>
+          </p:txBody>
+        </p:sp>
+        <p:sp>
+          <p:nvSpPr>
+            <p:cNvPr id="52" name="TextBox 51">
+              <a:extLst>
+                <a:ext uri="{FF2B5EF4-FFF2-40B4-BE49-F238E27FC236}">
+                  <a16:creationId xmlns:a16="http://schemas.microsoft.com/office/drawing/2014/main" id="{1D562825-2A34-F74A-BF70-DCB34C6AE09D}"/>
+                </a:ext>
+              </a:extLst>
+            </p:cNvPr>
+            <p:cNvSpPr txBox="1"/>
+            <p:nvPr/>
+          </p:nvSpPr>
+          <p:spPr>
+            <a:xfrm>
+              <a:off x="16381103" y="14701769"/>
+              <a:ext cx="4234013" cy="1815882"/>
+            </a:xfrm>
+            <a:prstGeom prst="rect">
+              <a:avLst/>
+            </a:prstGeom>
+            <a:noFill/>
+          </p:spPr>
+          <p:txBody>
+            <a:bodyPr wrap="square" rtlCol="0">
+              <a:spAutoFit/>
+            </a:bodyPr>
+            <a:lstStyle/>
+            <a:p>
+              <a:pPr algn="ctr"/>
+              <a:r>
+                <a:rPr lang="en-US" sz="5600" dirty="0">
+                  <a:latin typeface="Arial" panose="020B0604020202020204" pitchFamily="34" charset="0"/>
+                  <a:cs typeface="Arial" panose="020B0604020202020204" pitchFamily="34" charset="0"/>
+                </a:rPr>
+                <a:t>Model Errors</a:t>
+              </a:r>
+            </a:p>
+          </p:txBody>
+        </p:sp>
+        <p:cxnSp>
+          <p:nvCxnSpPr>
+            <p:cNvPr id="4" name="Straight Arrow Connector 3">
+              <a:extLst>
+                <a:ext uri="{FF2B5EF4-FFF2-40B4-BE49-F238E27FC236}">
+                  <a16:creationId xmlns:a16="http://schemas.microsoft.com/office/drawing/2014/main" id="{FBDEA873-AB70-B34D-85AF-050DCBE613C4}"/>
+                </a:ext>
+              </a:extLst>
+            </p:cNvPr>
+            <p:cNvCxnSpPr>
+              <a:cxnSpLocks/>
+              <a:stCxn id="28" idx="3"/>
+              <a:endCxn id="36" idx="1"/>
+            </p:cNvCxnSpPr>
+            <p:nvPr/>
+          </p:nvCxnSpPr>
+          <p:spPr>
+            <a:xfrm flipV="1">
+              <a:off x="37235403" y="16472949"/>
+              <a:ext cx="2632296" cy="15476"/>
+            </a:xfrm>
+            <a:prstGeom prst="straightConnector1">
+              <a:avLst/>
+            </a:prstGeom>
+            <a:ln w="57150">
+              <a:solidFill>
+                <a:srgbClr val="00B050"/>
+              </a:solidFill>
+              <a:tailEnd type="triangle"/>
+            </a:ln>
+          </p:spPr>
+          <p:style>
+            <a:lnRef idx="1">
+              <a:schemeClr val="accent1"/>
+            </a:lnRef>
+            <a:fillRef idx="0">
+              <a:schemeClr val="accent1"/>
+            </a:fillRef>
+            <a:effectRef idx="0">
+              <a:schemeClr val="accent1"/>
+            </a:effectRef>
+            <a:fontRef idx="minor">
+              <a:schemeClr val="tx1"/>
+            </a:fontRef>
+          </p:style>
+        </p:cxnSp>
+        <p:cxnSp>
+          <p:nvCxnSpPr>
+            <p:cNvPr id="20" name="Straight Arrow Connector 19">
+              <a:extLst>
+                <a:ext uri="{FF2B5EF4-FFF2-40B4-BE49-F238E27FC236}">
+                  <a16:creationId xmlns:a16="http://schemas.microsoft.com/office/drawing/2014/main" id="{B5FECB67-643D-C548-8AF1-2ECC18FC6F4B}"/>
+                </a:ext>
+              </a:extLst>
+            </p:cNvPr>
+            <p:cNvCxnSpPr>
+              <a:cxnSpLocks/>
+              <a:stCxn id="26" idx="3"/>
+              <a:endCxn id="28" idx="1"/>
+            </p:cNvCxnSpPr>
+            <p:nvPr/>
+          </p:nvCxnSpPr>
+          <p:spPr>
+            <a:xfrm flipV="1">
+              <a:off x="25999505" y="16488425"/>
+              <a:ext cx="4860528" cy="2055"/>
+            </a:xfrm>
+            <a:prstGeom prst="straightConnector1">
+              <a:avLst/>
+            </a:prstGeom>
+            <a:ln w="57150">
+              <a:solidFill>
+                <a:srgbClr val="00B050"/>
+              </a:solidFill>
+              <a:tailEnd type="triangle"/>
+            </a:ln>
+          </p:spPr>
+          <p:style>
+            <a:lnRef idx="1">
+              <a:schemeClr val="accent1"/>
+            </a:lnRef>
+            <a:fillRef idx="0">
+              <a:schemeClr val="accent1"/>
+            </a:fillRef>
+            <a:effectRef idx="0">
+              <a:schemeClr val="accent1"/>
+            </a:effectRef>
+            <a:fontRef idx="minor">
+              <a:schemeClr val="tx1"/>
+            </a:fontRef>
+          </p:style>
+        </p:cxnSp>
+        <p:cxnSp>
+          <p:nvCxnSpPr>
+            <p:cNvPr id="22" name="Straight Arrow Connector 21">
+              <a:extLst>
+                <a:ext uri="{FF2B5EF4-FFF2-40B4-BE49-F238E27FC236}">
+                  <a16:creationId xmlns:a16="http://schemas.microsoft.com/office/drawing/2014/main" id="{5446778C-119B-B849-AED1-859C3BA56820}"/>
+                </a:ext>
+              </a:extLst>
+            </p:cNvPr>
+            <p:cNvCxnSpPr>
+              <a:cxnSpLocks/>
+              <a:stCxn id="30" idx="3"/>
+              <a:endCxn id="26" idx="1"/>
+            </p:cNvCxnSpPr>
+            <p:nvPr/>
+          </p:nvCxnSpPr>
+          <p:spPr>
+            <a:xfrm>
+              <a:off x="16254055" y="16488426"/>
+              <a:ext cx="4119816" cy="2054"/>
+            </a:xfrm>
+            <a:prstGeom prst="straightConnector1">
+              <a:avLst/>
+            </a:prstGeom>
+            <a:ln w="57150">
+              <a:solidFill>
+                <a:srgbClr val="00B050"/>
+              </a:solidFill>
+              <a:tailEnd type="triangle"/>
+            </a:ln>
+          </p:spPr>
+          <p:style>
+            <a:lnRef idx="1">
+              <a:schemeClr val="accent1"/>
+            </a:lnRef>
+            <a:fillRef idx="0">
+              <a:schemeClr val="accent1"/>
+            </a:fillRef>
+            <a:effectRef idx="0">
+              <a:schemeClr val="accent1"/>
+            </a:effectRef>
+            <a:fontRef idx="minor">
+              <a:schemeClr val="tx1"/>
+            </a:fontRef>
+          </p:style>
+        </p:cxnSp>
+        <p:cxnSp>
+          <p:nvCxnSpPr>
+            <p:cNvPr id="23" name="Straight Arrow Connector 22">
+              <a:extLst>
+                <a:ext uri="{FF2B5EF4-FFF2-40B4-BE49-F238E27FC236}">
+                  <a16:creationId xmlns:a16="http://schemas.microsoft.com/office/drawing/2014/main" id="{FE20D86D-EF8A-5E4A-BD6D-B3BDC0776C09}"/>
+                </a:ext>
+              </a:extLst>
+            </p:cNvPr>
+            <p:cNvCxnSpPr>
+              <a:cxnSpLocks/>
+              <a:stCxn id="32" idx="3"/>
+              <a:endCxn id="30" idx="1"/>
+            </p:cNvCxnSpPr>
+            <p:nvPr/>
+          </p:nvCxnSpPr>
+          <p:spPr>
+            <a:xfrm>
+              <a:off x="6390189" y="16457473"/>
+              <a:ext cx="4823626" cy="30953"/>
+            </a:xfrm>
+            <a:prstGeom prst="straightConnector1">
+              <a:avLst/>
+            </a:prstGeom>
+            <a:ln w="57150">
+              <a:solidFill>
+                <a:srgbClr val="00B050"/>
+              </a:solidFill>
+              <a:tailEnd type="triangle"/>
+            </a:ln>
+          </p:spPr>
+          <p:style>
+            <a:lnRef idx="1">
+              <a:schemeClr val="accent1"/>
+            </a:lnRef>
+            <a:fillRef idx="0">
+              <a:schemeClr val="accent1"/>
+            </a:fillRef>
+            <a:effectRef idx="0">
+              <a:schemeClr val="accent1"/>
+            </a:effectRef>
+            <a:fontRef idx="minor">
+              <a:schemeClr val="tx1"/>
+            </a:fontRef>
+          </p:style>
+        </p:cxnSp>
+        <p:sp>
+          <p:nvSpPr>
+            <p:cNvPr id="32" name="TextBox 31">
+              <a:extLst>
+                <a:ext uri="{FF2B5EF4-FFF2-40B4-BE49-F238E27FC236}">
+                  <a16:creationId xmlns:a16="http://schemas.microsoft.com/office/drawing/2014/main" id="{15DA86BE-4CFE-2A44-AEC6-8C55C18BCDED}"/>
+                </a:ext>
+              </a:extLst>
+            </p:cNvPr>
+            <p:cNvSpPr txBox="1"/>
+            <p:nvPr/>
+          </p:nvSpPr>
+          <p:spPr>
+            <a:xfrm>
+              <a:off x="3533087" y="15980419"/>
+              <a:ext cx="2857102" cy="954107"/>
+            </a:xfrm>
+            <a:prstGeom prst="rect">
+              <a:avLst/>
+            </a:prstGeom>
+            <a:noFill/>
+            <a:ln w="28575">
+              <a:solidFill>
+                <a:srgbClr val="0432FF"/>
+              </a:solidFill>
+            </a:ln>
+          </p:spPr>
+          <p:txBody>
+            <a:bodyPr wrap="square" rtlCol="0">
+              <a:spAutoFit/>
+            </a:bodyPr>
+            <a:lstStyle/>
+            <a:p>
+              <a:pPr algn="ctr"/>
+              <a:r>
+                <a:rPr lang="en-US" sz="5600" dirty="0">
+                  <a:latin typeface="Arial" panose="020B0604020202020204" pitchFamily="34" charset="0"/>
+                  <a:cs typeface="Arial" panose="020B0604020202020204" pitchFamily="34" charset="0"/>
+                </a:rPr>
+                <a:t>Data</a:t>
+              </a:r>
+            </a:p>
+          </p:txBody>
+        </p:sp>
         <p:grpSp>
           <p:nvGrpSpPr>
-            <p:cNvPr id="91" name="Group 90">
-              <a:extLst>
-                <a:ext uri="{FF2B5EF4-FFF2-40B4-BE49-F238E27FC236}">
-                  <a16:creationId xmlns:a16="http://schemas.microsoft.com/office/drawing/2014/main" id="{EB0DD3FC-DEE5-AC4D-9B72-6394D33CBFB4}"/>
+            <p:cNvPr id="25" name="Group 24">
+              <a:extLst>
+                <a:ext uri="{FF2B5EF4-FFF2-40B4-BE49-F238E27FC236}">
+                  <a16:creationId xmlns:a16="http://schemas.microsoft.com/office/drawing/2014/main" id="{F9E716D6-739B-EF45-8096-ADDA4C855D89}"/>
                 </a:ext>
               </a:extLst>
             </p:cNvPr>
@@ -5938,1309 +6244,359 @@
           </p:nvGrpSpPr>
           <p:grpSpPr>
             <a:xfrm>
-              <a:off x="1196109" y="11617010"/>
-              <a:ext cx="45865968" cy="11025549"/>
-              <a:chOff x="1196109" y="11617010"/>
-              <a:chExt cx="45865968" cy="11025549"/>
+              <a:off x="11213815" y="14041602"/>
+              <a:ext cx="5040240" cy="4893647"/>
+              <a:chOff x="4289924" y="2168017"/>
+              <a:chExt cx="2520120" cy="2445251"/>
             </a:xfrm>
           </p:grpSpPr>
-          <p:grpSp>
-            <p:nvGrpSpPr>
-              <p:cNvPr id="57" name="Group 56">
+          <p:sp>
+            <p:nvSpPr>
+              <p:cNvPr id="30" name="TextBox 29">
                 <a:extLst>
                   <a:ext uri="{FF2B5EF4-FFF2-40B4-BE49-F238E27FC236}">
-                    <a16:creationId xmlns:a16="http://schemas.microsoft.com/office/drawing/2014/main" id="{D26EB751-9569-9240-BCD2-C491763E2EE5}"/>
+                    <a16:creationId xmlns:a16="http://schemas.microsoft.com/office/drawing/2014/main" id="{7C13B202-666E-F348-930C-FC3B24054124}"/>
                   </a:ext>
                 </a:extLst>
               </p:cNvPr>
-              <p:cNvGrpSpPr/>
+              <p:cNvSpPr txBox="1"/>
               <p:nvPr/>
-            </p:nvGrpSpPr>
-            <p:grpSpPr>
+            </p:nvSpPr>
+            <p:spPr>
               <a:xfrm>
-                <a:off x="1196109" y="11617010"/>
-                <a:ext cx="45865968" cy="9684382"/>
-                <a:chOff x="1196109" y="11617010"/>
-                <a:chExt cx="45865968" cy="9684382"/>
+                <a:off x="4289924" y="2168017"/>
+                <a:ext cx="2520120" cy="2445251"/>
               </a:xfrm>
-            </p:grpSpPr>
-            <p:grpSp>
-              <p:nvGrpSpPr>
-                <p:cNvPr id="8" name="Group 7">
+              <a:prstGeom prst="rect">
+                <a:avLst/>
+              </a:prstGeom>
+              <a:noFill/>
+              <a:ln w="28575">
+                <a:solidFill>
+                  <a:srgbClr val="0432FF"/>
+                </a:solidFill>
+              </a:ln>
+            </p:spPr>
+            <p:txBody>
+              <a:bodyPr wrap="square" rtlCol="0">
+                <a:spAutoFit/>
+              </a:bodyPr>
+              <a:lstStyle/>
+              <a:p>
+                <a:pPr algn="ctr"/>
+                <a:r>
+                  <a:rPr lang="en-US" sz="5600" b="1" u="sng" dirty="0">
+                    <a:latin typeface="Arial" panose="020B0604020202020204" pitchFamily="34" charset="0"/>
+                    <a:cs typeface="Arial" panose="020B0604020202020204" pitchFamily="34" charset="0"/>
+                  </a:rPr>
+                  <a:t>Step 1</a:t>
+                </a:r>
+              </a:p>
+              <a:p>
+                <a:pPr algn="ctr"/>
+                <a:r>
+                  <a:rPr lang="en-US" sz="5600" dirty="0">
+                    <a:latin typeface="Arial" panose="020B0604020202020204" pitchFamily="34" charset="0"/>
+                    <a:cs typeface="Arial" panose="020B0604020202020204" pitchFamily="34" charset="0"/>
+                  </a:rPr>
+                  <a:t>Visualize and assess fit</a:t>
+                </a:r>
+              </a:p>
+              <a:p>
+                <a:pPr algn="ctr"/>
+                <a:endParaRPr lang="en-US" sz="4800" dirty="0">
+                  <a:latin typeface="Arial" panose="020B0604020202020204" pitchFamily="34" charset="0"/>
+                  <a:cs typeface="Arial" panose="020B0604020202020204" pitchFamily="34" charset="0"/>
+                </a:endParaRPr>
+              </a:p>
+              <a:p>
+                <a:pPr algn="ctr"/>
+                <a:endParaRPr lang="en-US" sz="4800" dirty="0">
+                  <a:latin typeface="Arial" panose="020B0604020202020204" pitchFamily="34" charset="0"/>
+                  <a:cs typeface="Arial" panose="020B0604020202020204" pitchFamily="34" charset="0"/>
+                </a:endParaRPr>
+              </a:p>
+              <a:p>
+                <a:pPr algn="ctr"/>
+                <a:endParaRPr lang="en-US" sz="4800" dirty="0">
+                  <a:latin typeface="Arial" panose="020B0604020202020204" pitchFamily="34" charset="0"/>
+                  <a:cs typeface="Arial" panose="020B0604020202020204" pitchFamily="34" charset="0"/>
+                </a:endParaRPr>
+              </a:p>
+            </p:txBody>
+          </p:sp>
+          <p:pic>
+            <p:nvPicPr>
+              <p:cNvPr id="31" name="Picture 30">
+                <a:extLst>
+                  <a:ext uri="{FF2B5EF4-FFF2-40B4-BE49-F238E27FC236}">
+                    <a16:creationId xmlns:a16="http://schemas.microsoft.com/office/drawing/2014/main" id="{5741C64B-0CF0-4040-B357-F53FB64F7A69}"/>
+                  </a:ext>
+                </a:extLst>
+              </p:cNvPr>
+              <p:cNvPicPr>
+                <a:picLocks noChangeAspect="1"/>
+              </p:cNvPicPr>
+              <p:nvPr/>
+            </p:nvPicPr>
+            <p:blipFill>
+              <a:blip r:embed="rId2"/>
+              <a:stretch>
+                <a:fillRect/>
+              </a:stretch>
+            </p:blipFill>
+            <p:spPr>
+              <a:xfrm>
+                <a:off x="4777682" y="3512697"/>
+                <a:ext cx="1544604" cy="941832"/>
+              </a:xfrm>
+              <a:prstGeom prst="rect">
+                <a:avLst/>
+              </a:prstGeom>
+            </p:spPr>
+          </p:pic>
+        </p:grpSp>
+        <mc:AlternateContent xmlns:mc="http://schemas.openxmlformats.org/markup-compatibility/2006">
+          <mc:Choice xmlns:a14="http://schemas.microsoft.com/office/drawing/2010/main" Requires="a14">
+            <p:sp>
+              <p:nvSpPr>
+                <p:cNvPr id="26" name="TextBox 25">
                   <a:extLst>
                     <a:ext uri="{FF2B5EF4-FFF2-40B4-BE49-F238E27FC236}">
-                      <a16:creationId xmlns:a16="http://schemas.microsoft.com/office/drawing/2014/main" id="{63A8BDD0-90F8-034E-B3C8-D91C4594A04E}"/>
+                      <a16:creationId xmlns:a16="http://schemas.microsoft.com/office/drawing/2014/main" id="{A13E7E2E-3AAA-7E45-A688-C94E7F1DD4DF}"/>
                     </a:ext>
                   </a:extLst>
                 </p:cNvPr>
-                <p:cNvGrpSpPr/>
+                <p:cNvSpPr txBox="1"/>
                 <p:nvPr/>
-              </p:nvGrpSpPr>
-              <p:grpSpPr>
+              </p:nvSpPr>
+              <p:spPr>
                 <a:xfrm>
-                  <a:off x="1196109" y="11617010"/>
-                  <a:ext cx="45865968" cy="9684382"/>
-                  <a:chOff x="-11548" y="1238061"/>
-                  <a:chExt cx="22932984" cy="4839080"/>
+                  <a:off x="20373871" y="15304610"/>
+                  <a:ext cx="5625634" cy="2371740"/>
                 </a:xfrm>
-              </p:grpSpPr>
-              <p:cxnSp>
-                <p:nvCxnSpPr>
-                  <p:cNvPr id="4" name="Straight Arrow Connector 3">
-                    <a:extLst>
-                      <a:ext uri="{FF2B5EF4-FFF2-40B4-BE49-F238E27FC236}">
-                        <a16:creationId xmlns:a16="http://schemas.microsoft.com/office/drawing/2014/main" id="{FBDEA873-AB70-B34D-85AF-050DCBE613C4}"/>
-                      </a:ext>
-                    </a:extLst>
-                  </p:cNvPr>
-                  <p:cNvCxnSpPr>
-                    <a:stCxn id="28" idx="3"/>
-                    <a:endCxn id="36" idx="1"/>
-                  </p:cNvCxnSpPr>
-                  <p:nvPr/>
-                </p:nvCxnSpPr>
-                <p:spPr>
-                  <a:xfrm flipV="1">
-                    <a:off x="18024010" y="3657599"/>
-                    <a:ext cx="2084609" cy="2"/>
-                  </a:xfrm>
-                  <a:prstGeom prst="straightConnector1">
-                    <a:avLst/>
-                  </a:prstGeom>
-                  <a:ln w="57150">
-                    <a:solidFill>
-                      <a:srgbClr val="00B050"/>
-                    </a:solidFill>
-                    <a:tailEnd type="triangle"/>
-                  </a:ln>
-                </p:spPr>
-                <p:style>
-                  <a:lnRef idx="1">
-                    <a:schemeClr val="accent1"/>
-                  </a:lnRef>
-                  <a:fillRef idx="0">
-                    <a:schemeClr val="accent1"/>
-                  </a:fillRef>
-                  <a:effectRef idx="0">
-                    <a:schemeClr val="accent1"/>
-                  </a:effectRef>
-                  <a:fontRef idx="minor">
-                    <a:schemeClr val="tx1"/>
-                  </a:fontRef>
-                </p:style>
-              </p:cxnSp>
-              <p:cxnSp>
-                <p:nvCxnSpPr>
-                  <p:cNvPr id="20" name="Straight Arrow Connector 19">
-                    <a:extLst>
-                      <a:ext uri="{FF2B5EF4-FFF2-40B4-BE49-F238E27FC236}">
-                        <a16:creationId xmlns:a16="http://schemas.microsoft.com/office/drawing/2014/main" id="{B5FECB67-643D-C548-8AF1-2ECC18FC6F4B}"/>
-                      </a:ext>
-                    </a:extLst>
-                  </p:cNvPr>
-                  <p:cNvCxnSpPr>
-                    <a:stCxn id="26" idx="3"/>
-                    <a:endCxn id="28" idx="1"/>
-                  </p:cNvCxnSpPr>
-                  <p:nvPr/>
-                </p:nvCxnSpPr>
-                <p:spPr>
-                  <a:xfrm>
-                    <a:off x="12686920" y="3657599"/>
-                    <a:ext cx="2149405" cy="2"/>
-                  </a:xfrm>
-                  <a:prstGeom prst="straightConnector1">
-                    <a:avLst/>
-                  </a:prstGeom>
-                  <a:ln w="57150">
-                    <a:solidFill>
-                      <a:srgbClr val="00B050"/>
-                    </a:solidFill>
-                    <a:tailEnd type="triangle"/>
-                  </a:ln>
-                </p:spPr>
-                <p:style>
-                  <a:lnRef idx="1">
-                    <a:schemeClr val="accent1"/>
-                  </a:lnRef>
-                  <a:fillRef idx="0">
-                    <a:schemeClr val="accent1"/>
-                  </a:fillRef>
-                  <a:effectRef idx="0">
-                    <a:schemeClr val="accent1"/>
-                  </a:effectRef>
-                  <a:fontRef idx="minor">
-                    <a:schemeClr val="tx1"/>
-                  </a:fontRef>
-                </p:style>
-              </p:cxnSp>
-              <p:cxnSp>
-                <p:nvCxnSpPr>
-                  <p:cNvPr id="22" name="Straight Arrow Connector 21">
-                    <a:extLst>
-                      <a:ext uri="{FF2B5EF4-FFF2-40B4-BE49-F238E27FC236}">
-                        <a16:creationId xmlns:a16="http://schemas.microsoft.com/office/drawing/2014/main" id="{5446778C-119B-B849-AED1-859C3BA56820}"/>
-                      </a:ext>
-                    </a:extLst>
-                  </p:cNvPr>
-                  <p:cNvCxnSpPr>
-                    <a:cxnSpLocks/>
-                    <a:stCxn id="30" idx="3"/>
-                    <a:endCxn id="26" idx="1"/>
-                  </p:cNvCxnSpPr>
-                  <p:nvPr/>
-                </p:nvCxnSpPr>
-                <p:spPr>
-                  <a:xfrm flipV="1">
-                    <a:off x="7757096" y="3657599"/>
-                    <a:ext cx="2117007" cy="1"/>
-                  </a:xfrm>
-                  <a:prstGeom prst="straightConnector1">
-                    <a:avLst/>
-                  </a:prstGeom>
-                  <a:ln w="57150">
-                    <a:solidFill>
-                      <a:srgbClr val="00B050"/>
-                    </a:solidFill>
-                    <a:tailEnd type="triangle"/>
-                  </a:ln>
-                </p:spPr>
-                <p:style>
-                  <a:lnRef idx="1">
-                    <a:schemeClr val="accent1"/>
-                  </a:lnRef>
-                  <a:fillRef idx="0">
-                    <a:schemeClr val="accent1"/>
-                  </a:fillRef>
-                  <a:effectRef idx="0">
-                    <a:schemeClr val="accent1"/>
-                  </a:effectRef>
-                  <a:fontRef idx="minor">
-                    <a:schemeClr val="tx1"/>
-                  </a:fontRef>
-                </p:style>
-              </p:cxnSp>
-              <p:cxnSp>
-                <p:nvCxnSpPr>
-                  <p:cNvPr id="23" name="Straight Arrow Connector 22">
-                    <a:extLst>
-                      <a:ext uri="{FF2B5EF4-FFF2-40B4-BE49-F238E27FC236}">
-                        <a16:creationId xmlns:a16="http://schemas.microsoft.com/office/drawing/2014/main" id="{FE20D86D-EF8A-5E4A-BD6D-B3BDC0776C09}"/>
-                      </a:ext>
-                    </a:extLst>
-                  </p:cNvPr>
-                  <p:cNvCxnSpPr>
-                    <a:cxnSpLocks/>
-                    <a:stCxn id="32" idx="3"/>
-                    <a:endCxn id="30" idx="1"/>
-                  </p:cNvCxnSpPr>
-                  <p:nvPr/>
-                </p:nvCxnSpPr>
-                <p:spPr>
-                  <a:xfrm flipV="1">
-                    <a:off x="3119969" y="3657601"/>
-                    <a:ext cx="2117007" cy="1"/>
-                  </a:xfrm>
-                  <a:prstGeom prst="straightConnector1">
-                    <a:avLst/>
-                  </a:prstGeom>
-                  <a:ln w="57150">
-                    <a:solidFill>
-                      <a:srgbClr val="00B050"/>
-                    </a:solidFill>
-                    <a:tailEnd type="triangle"/>
-                  </a:ln>
-                </p:spPr>
-                <p:style>
-                  <a:lnRef idx="1">
-                    <a:schemeClr val="accent1"/>
-                  </a:lnRef>
-                  <a:fillRef idx="0">
-                    <a:schemeClr val="accent1"/>
-                  </a:fillRef>
-                  <a:effectRef idx="0">
-                    <a:schemeClr val="accent1"/>
-                  </a:effectRef>
-                  <a:fontRef idx="minor">
-                    <a:schemeClr val="tx1"/>
-                  </a:fontRef>
-                </p:style>
-              </p:cxnSp>
-              <p:grpSp>
-                <p:nvGrpSpPr>
-                  <p:cNvPr id="24" name="Group 23">
-                    <a:extLst>
-                      <a:ext uri="{FF2B5EF4-FFF2-40B4-BE49-F238E27FC236}">
-                        <a16:creationId xmlns:a16="http://schemas.microsoft.com/office/drawing/2014/main" id="{9F12D215-FF1C-EB4E-9446-93E171739920}"/>
-                      </a:ext>
-                    </a:extLst>
-                  </p:cNvPr>
-                  <p:cNvGrpSpPr/>
-                  <p:nvPr/>
-                </p:nvGrpSpPr>
-                <p:grpSpPr>
-                  <a:xfrm>
-                    <a:off x="-11548" y="2342702"/>
-                    <a:ext cx="3131517" cy="2629799"/>
-                    <a:chOff x="-965839" y="2342701"/>
-                    <a:chExt cx="3131517" cy="2629799"/>
-                  </a:xfrm>
-                </p:grpSpPr>
-                <p:sp>
-                  <p:nvSpPr>
-                    <p:cNvPr id="32" name="TextBox 31">
-                      <a:extLst>
-                        <a:ext uri="{FF2B5EF4-FFF2-40B4-BE49-F238E27FC236}">
-                          <a16:creationId xmlns:a16="http://schemas.microsoft.com/office/drawing/2014/main" id="{15DA86BE-4CFE-2A44-AEC6-8C55C18BCDED}"/>
-                        </a:ext>
-                      </a:extLst>
-                    </p:cNvPr>
-                    <p:cNvSpPr txBox="1"/>
-                    <p:nvPr/>
-                  </p:nvSpPr>
-                  <p:spPr>
-                    <a:xfrm>
-                      <a:off x="-965839" y="2342701"/>
-                      <a:ext cx="3131517" cy="2629799"/>
-                    </a:xfrm>
-                    <a:prstGeom prst="rect">
-                      <a:avLst/>
-                    </a:prstGeom>
-                    <a:noFill/>
-                    <a:ln w="28575">
-                      <a:solidFill>
-                        <a:srgbClr val="0432FF"/>
-                      </a:solidFill>
-                    </a:ln>
-                  </p:spPr>
-                  <p:txBody>
-                    <a:bodyPr wrap="square" rtlCol="0">
-                      <a:spAutoFit/>
-                    </a:bodyPr>
-                    <a:lstStyle/>
-                    <a:p>
-                      <a:pPr algn="ctr"/>
-                      <a:r>
-                        <a:rPr lang="en-US" sz="4800" b="1" u="sng" dirty="0"/>
-                        <a:t>Step 1</a:t>
-                      </a:r>
-                      <a:endParaRPr lang="en-US" sz="4800" dirty="0"/>
-                    </a:p>
-                    <a:p>
-                      <a:pPr algn="ctr"/>
-                      <a:r>
-                        <a:rPr lang="en-US" sz="4800" dirty="0" err="1"/>
-                        <a:t>i</a:t>
-                      </a:r>
-                      <a:r>
-                        <a:rPr lang="en-US" sz="4800" dirty="0"/>
-                        <a:t>) Gather Data</a:t>
-                      </a:r>
-                    </a:p>
-                    <a:p>
-                      <a:pPr marL="1028700" indent="-1028700" algn="ctr">
-                        <a:buAutoNum type="romanLcParenR"/>
-                      </a:pPr>
-                      <a:endParaRPr lang="en-US" sz="2400" dirty="0"/>
-                    </a:p>
-                    <a:p>
-                      <a:pPr algn="ctr"/>
-                      <a:r>
-                        <a:rPr lang="en-US" sz="4800" dirty="0"/>
-                        <a:t>ii) Propose Library of Candidate Models</a:t>
-                      </a:r>
-                    </a:p>
-                    <a:p>
-                      <a:pPr algn="ctr"/>
-                      <a:endParaRPr lang="en-US" sz="2400" dirty="0"/>
-                    </a:p>
-                    <a:p>
-                      <a:pPr algn="ctr"/>
-                      <a:r>
-                        <a:rPr lang="en-US" sz="4800" dirty="0"/>
-                        <a:t>iii) Estimate Parameters</a:t>
-                      </a:r>
-                    </a:p>
-                    <a:p>
-                      <a:pPr algn="ctr"/>
-                      <a:endParaRPr lang="en-US" sz="4800" dirty="0"/>
-                    </a:p>
-                  </p:txBody>
-                </p:sp>
-                <p:pic>
-                  <p:nvPicPr>
-                    <p:cNvPr id="33" name="Picture 32" descr="Logo&#10;&#10;Description automatically generated">
-                      <a:extLst>
-                        <a:ext uri="{FF2B5EF4-FFF2-40B4-BE49-F238E27FC236}">
-                          <a16:creationId xmlns:a16="http://schemas.microsoft.com/office/drawing/2014/main" id="{579E6AEB-0AA5-5440-94EB-A2BFF09F75F4}"/>
-                        </a:ext>
-                      </a:extLst>
-                    </p:cNvPr>
-                    <p:cNvPicPr/>
-                    <p:nvPr/>
-                  </p:nvPicPr>
-                  <p:blipFill>
-                    <a:blip r:embed="rId2" cstate="print">
-                      <a:extLst>
-                        <a:ext uri="{28A0092B-C50C-407E-A947-70E740481C1C}">
-                          <a14:useLocalDpi xmlns:a14="http://schemas.microsoft.com/office/drawing/2010/main" val="0"/>
-                        </a:ext>
-                      </a:extLst>
-                    </a:blip>
-                    <a:stretch>
-                      <a:fillRect/>
-                    </a:stretch>
-                  </p:blipFill>
-                  <p:spPr>
-                    <a:xfrm>
-                      <a:off x="-501564" y="4614955"/>
-                      <a:ext cx="724354" cy="223013"/>
-                    </a:xfrm>
-                    <a:prstGeom prst="rect">
-                      <a:avLst/>
-                    </a:prstGeom>
-                  </p:spPr>
-                </p:pic>
-                <p:pic>
-                  <p:nvPicPr>
-                    <p:cNvPr id="35" name="Picture 34" descr="A picture containing logo&#10;&#10;Description automatically generated">
-                      <a:extLst>
-                        <a:ext uri="{FF2B5EF4-FFF2-40B4-BE49-F238E27FC236}">
-                          <a16:creationId xmlns:a16="http://schemas.microsoft.com/office/drawing/2014/main" id="{9371D1F4-2A52-B74B-A4ED-EB530D44EA00}"/>
-                        </a:ext>
-                      </a:extLst>
-                    </p:cNvPr>
-                    <p:cNvPicPr/>
-                    <p:nvPr/>
-                  </p:nvPicPr>
-                  <p:blipFill>
-                    <a:blip r:embed="rId3" cstate="print">
-                      <a:extLst>
-                        <a:ext uri="{28A0092B-C50C-407E-A947-70E740481C1C}">
-                          <a14:useLocalDpi xmlns:a14="http://schemas.microsoft.com/office/drawing/2010/main" val="0"/>
-                        </a:ext>
-                      </a:extLst>
-                    </a:blip>
-                    <a:stretch>
-                      <a:fillRect/>
-                    </a:stretch>
-                  </p:blipFill>
-                  <p:spPr>
-                    <a:xfrm>
-                      <a:off x="462712" y="4541943"/>
-                      <a:ext cx="1153344" cy="369039"/>
-                    </a:xfrm>
-                    <a:prstGeom prst="rect">
-                      <a:avLst/>
-                    </a:prstGeom>
-                  </p:spPr>
-                </p:pic>
-              </p:grpSp>
-              <p:grpSp>
-                <p:nvGrpSpPr>
-                  <p:cNvPr id="25" name="Group 24">
-                    <a:extLst>
-                      <a:ext uri="{FF2B5EF4-FFF2-40B4-BE49-F238E27FC236}">
-                        <a16:creationId xmlns:a16="http://schemas.microsoft.com/office/drawing/2014/main" id="{F9E716D6-739B-EF45-8096-ADDA4C855D89}"/>
-                      </a:ext>
-                    </a:extLst>
-                  </p:cNvPr>
-                  <p:cNvGrpSpPr/>
-                  <p:nvPr/>
-                </p:nvGrpSpPr>
-                <p:grpSpPr>
-                  <a:xfrm>
-                    <a:off x="5236976" y="2404217"/>
-                    <a:ext cx="2520120" cy="2506767"/>
-                    <a:chOff x="4289924" y="2168017"/>
-                    <a:chExt cx="2520120" cy="2506767"/>
-                  </a:xfrm>
-                </p:grpSpPr>
-                <p:sp>
-                  <p:nvSpPr>
-                    <p:cNvPr id="30" name="TextBox 29">
-                      <a:extLst>
-                        <a:ext uri="{FF2B5EF4-FFF2-40B4-BE49-F238E27FC236}">
-                          <a16:creationId xmlns:a16="http://schemas.microsoft.com/office/drawing/2014/main" id="{7C13B202-666E-F348-930C-FC3B24054124}"/>
-                        </a:ext>
-                      </a:extLst>
-                    </p:cNvPr>
-                    <p:cNvSpPr txBox="1"/>
-                    <p:nvPr/>
-                  </p:nvSpPr>
-                  <p:spPr>
-                    <a:xfrm>
-                      <a:off x="4289924" y="2168017"/>
-                      <a:ext cx="2520120" cy="2506767"/>
-                    </a:xfrm>
-                    <a:prstGeom prst="rect">
-                      <a:avLst/>
-                    </a:prstGeom>
-                    <a:noFill/>
-                    <a:ln w="28575">
-                      <a:solidFill>
-                        <a:srgbClr val="0432FF"/>
-                      </a:solidFill>
-                    </a:ln>
-                  </p:spPr>
-                  <p:txBody>
-                    <a:bodyPr wrap="square" rtlCol="0">
-                      <a:spAutoFit/>
-                    </a:bodyPr>
-                    <a:lstStyle/>
-                    <a:p>
-                      <a:pPr algn="ctr"/>
-                      <a:r>
-                        <a:rPr lang="en-US" sz="4800" b="1" u="sng" dirty="0"/>
-                        <a:t>Step 2</a:t>
-                      </a:r>
-                    </a:p>
-                    <a:p>
-                      <a:pPr algn="ctr"/>
-                      <a:r>
-                        <a:rPr lang="en-US" sz="4800" dirty="0" err="1"/>
-                        <a:t>i</a:t>
-                      </a:r>
-                      <a:r>
-                        <a:rPr lang="en-US" sz="4800" dirty="0"/>
-                        <a:t>) Visualize Fits</a:t>
-                      </a:r>
-                    </a:p>
-                    <a:p>
-                      <a:pPr algn="ctr"/>
-                      <a:endParaRPr lang="en-US" sz="4800" dirty="0"/>
-                    </a:p>
-                    <a:p>
-                      <a:pPr algn="ctr"/>
-                      <a:endParaRPr lang="en-US" sz="4800" dirty="0"/>
-                    </a:p>
-                    <a:p>
-                      <a:pPr algn="ctr"/>
-                      <a:endParaRPr lang="en-US" sz="3200" dirty="0"/>
-                    </a:p>
-                    <a:p>
-                      <a:pPr algn="ctr"/>
-                      <a:r>
-                        <a:rPr lang="en-US" sz="4800" dirty="0"/>
-                        <a:t>ii) Compare Model Fit Metric</a:t>
-                      </a:r>
-                    </a:p>
-                  </p:txBody>
-                </p:sp>
-                <p:pic>
-                  <p:nvPicPr>
-                    <p:cNvPr id="31" name="Picture 30">
-                      <a:extLst>
-                        <a:ext uri="{FF2B5EF4-FFF2-40B4-BE49-F238E27FC236}">
-                          <a16:creationId xmlns:a16="http://schemas.microsoft.com/office/drawing/2014/main" id="{5741C64B-0CF0-4040-B357-F53FB64F7A69}"/>
-                        </a:ext>
-                      </a:extLst>
-                    </p:cNvPr>
-                    <p:cNvPicPr>
-                      <a:picLocks noChangeAspect="1"/>
-                    </p:cNvPicPr>
-                    <p:nvPr/>
-                  </p:nvPicPr>
-                  <p:blipFill>
-                    <a:blip r:embed="rId4"/>
-                    <a:stretch>
-                      <a:fillRect/>
-                    </a:stretch>
-                  </p:blipFill>
-                  <p:spPr>
-                    <a:xfrm>
-                      <a:off x="4777682" y="2929937"/>
-                      <a:ext cx="1544604" cy="941832"/>
-                    </a:xfrm>
-                    <a:prstGeom prst="rect">
-                      <a:avLst/>
-                    </a:prstGeom>
-                  </p:spPr>
-                </p:pic>
-              </p:grpSp>
-              <mc:AlternateContent xmlns:mc="http://schemas.openxmlformats.org/markup-compatibility/2006">
-                <mc:Choice xmlns:a14="http://schemas.microsoft.com/office/drawing/2010/main" Requires="a14">
-                  <p:sp>
-                    <p:nvSpPr>
-                      <p:cNvPr id="26" name="TextBox 25">
-                        <a:extLst>
-                          <a:ext uri="{FF2B5EF4-FFF2-40B4-BE49-F238E27FC236}">
-                            <a16:creationId xmlns:a16="http://schemas.microsoft.com/office/drawing/2014/main" id="{A13E7E2E-3AAA-7E45-A688-C94E7F1DD4DF}"/>
-                          </a:ext>
-                        </a:extLst>
-                      </p:cNvPr>
-                      <p:cNvSpPr txBox="1"/>
-                      <p:nvPr/>
-                    </p:nvSpPr>
-                    <p:spPr>
-                      <a:xfrm>
-                        <a:off x="9874103" y="3126561"/>
-                        <a:ext cx="2812817" cy="1062076"/>
-                      </a:xfrm>
-                      <a:prstGeom prst="rect">
-                        <a:avLst/>
-                      </a:prstGeom>
-                      <a:noFill/>
-                      <a:ln w="28575">
-                        <a:solidFill>
-                          <a:srgbClr val="0432FF"/>
-                        </a:solidFill>
-                      </a:ln>
-                    </p:spPr>
-                    <p:txBody>
-                      <a:bodyPr wrap="square" rtlCol="0">
-                        <a:spAutoFit/>
-                      </a:bodyPr>
-                      <a:lstStyle/>
-                      <a:p>
-                        <a:pPr algn="ctr"/>
-                        <a:r>
-                          <a:rPr lang="en-US" sz="4800" b="1" u="sng" dirty="0"/>
-                          <a:t>Step 3</a:t>
-                        </a:r>
-                      </a:p>
-                      <a:p>
-                        <a:pPr algn="ctr"/>
-                        <a:r>
-                          <a:rPr lang="en-US" sz="4800" dirty="0"/>
-                          <a:t>Rank Models</a:t>
-                        </a:r>
-                      </a:p>
-                      <a:p>
-                        <a:pPr algn="ctr"/>
-                        <a14:m>
-                          <m:oMathPara xmlns:m="http://schemas.openxmlformats.org/officeDocument/2006/math">
-                            <m:oMathParaPr>
-                              <m:jc m:val="centerGroup"/>
-                            </m:oMathParaPr>
-                            <m:oMath xmlns:m="http://schemas.openxmlformats.org/officeDocument/2006/math">
-                              <m:r>
-                                <a:rPr lang="en-US" sz="3200" i="1">
-                                  <a:latin typeface="Cambria Math" panose="02040503050406030204" pitchFamily="18" charset="0"/>
-                                </a:rPr>
-                                <m:t>𝐴𝐼𝐶</m:t>
-                              </m:r>
-                              <m:d>
-                                <m:dPr>
-                                  <m:ctrlPr>
-                                    <a:rPr lang="en-US" sz="3200" i="1">
-                                      <a:latin typeface="Cambria Math" panose="02040503050406030204" pitchFamily="18" charset="0"/>
-                                    </a:rPr>
-                                  </m:ctrlPr>
-                                </m:dPr>
-                                <m:e>
-                                  <m:r>
-                                    <a:rPr lang="en-US" sz="3200" i="1">
-                                      <a:latin typeface="Cambria Math" panose="02040503050406030204" pitchFamily="18" charset="0"/>
-                                    </a:rPr>
-                                    <m:t>𝑝</m:t>
-                                  </m:r>
-                                </m:e>
-                              </m:d>
-                              <m:r>
-                                <a:rPr lang="en-US" sz="3200" i="1">
-                                  <a:latin typeface="Cambria Math" panose="02040503050406030204" pitchFamily="18" charset="0"/>
-                                </a:rPr>
-                                <m:t>=</m:t>
-                              </m:r>
-                              <m:r>
-                                <a:rPr lang="en-US" sz="3200" i="1">
-                                  <a:latin typeface="Cambria Math" panose="02040503050406030204" pitchFamily="18" charset="0"/>
-                                </a:rPr>
-                                <m:t>𝑁</m:t>
-                              </m:r>
-                              <m:r>
-                                <m:rPr>
-                                  <m:sty m:val="p"/>
-                                </m:rPr>
-                                <a:rPr lang="en-US" sz="3200">
-                                  <a:latin typeface="Cambria Math" panose="02040503050406030204" pitchFamily="18" charset="0"/>
-                                </a:rPr>
-                                <m:t>ln</m:t>
-                              </m:r>
-                              <m:d>
-                                <m:dPr>
-                                  <m:ctrlPr>
-                                    <a:rPr lang="en-US" sz="3200" i="1">
-                                      <a:latin typeface="Cambria Math" panose="02040503050406030204" pitchFamily="18" charset="0"/>
-                                    </a:rPr>
-                                  </m:ctrlPr>
-                                </m:dPr>
-                                <m:e>
-                                  <m:r>
-                                    <a:rPr lang="en-US" sz="3200" i="1">
-                                      <a:latin typeface="Cambria Math" panose="02040503050406030204" pitchFamily="18" charset="0"/>
-                                    </a:rPr>
-                                    <m:t>𝑀𝑆𝐸</m:t>
-                                  </m:r>
-                                  <m:d>
-                                    <m:dPr>
-                                      <m:ctrlPr>
-                                        <a:rPr lang="en-US" sz="3200" i="1">
-                                          <a:latin typeface="Cambria Math" panose="02040503050406030204" pitchFamily="18" charset="0"/>
-                                        </a:rPr>
-                                      </m:ctrlPr>
-                                    </m:dPr>
-                                    <m:e>
-                                      <m:r>
-                                        <a:rPr lang="en-US" sz="3200" i="1">
-                                          <a:latin typeface="Cambria Math" panose="02040503050406030204" pitchFamily="18" charset="0"/>
-                                        </a:rPr>
-                                        <m:t>𝑝</m:t>
-                                      </m:r>
-                                    </m:e>
-                                  </m:d>
-                                </m:e>
-                              </m:d>
-                              <m:r>
-                                <a:rPr lang="en-US" sz="3200" i="1">
-                                  <a:latin typeface="Cambria Math" panose="02040503050406030204" pitchFamily="18" charset="0"/>
-                                </a:rPr>
-                                <m:t>+2</m:t>
-                              </m:r>
-                              <m:r>
-                                <a:rPr lang="en-US" sz="3200" i="1">
-                                  <a:latin typeface="Cambria Math" panose="02040503050406030204" pitchFamily="18" charset="0"/>
-                                </a:rPr>
-                                <m:t>𝑝</m:t>
-                              </m:r>
-                            </m:oMath>
-                          </m:oMathPara>
-                        </a14:m>
-                        <a:endParaRPr lang="en-US" sz="3200" dirty="0"/>
-                      </a:p>
-                    </p:txBody>
-                  </p:sp>
-                </mc:Choice>
-                <mc:Fallback>
-                  <p:sp>
-                    <p:nvSpPr>
-                      <p:cNvPr id="26" name="TextBox 25">
-                        <a:extLst>
-                          <a:ext uri="{FF2B5EF4-FFF2-40B4-BE49-F238E27FC236}">
-                            <a16:creationId xmlns:a16="http://schemas.microsoft.com/office/drawing/2014/main" id="{A13E7E2E-3AAA-7E45-A688-C94E7F1DD4DF}"/>
-                          </a:ext>
-                        </a:extLst>
-                      </p:cNvPr>
-                      <p:cNvSpPr txBox="1">
-                        <a:spLocks noRot="1" noChangeAspect="1" noMove="1" noResize="1" noEditPoints="1" noAdjustHandles="1" noChangeArrowheads="1" noChangeShapeType="1" noTextEdit="1"/>
-                      </p:cNvSpPr>
-                      <p:nvPr/>
-                    </p:nvSpPr>
-                    <p:spPr>
-                      <a:xfrm>
-                        <a:off x="9874103" y="3126561"/>
-                        <a:ext cx="2812817" cy="1062076"/>
-                      </a:xfrm>
-                      <a:prstGeom prst="rect">
-                        <a:avLst/>
-                      </a:prstGeom>
-                      <a:blipFill>
-                        <a:blip r:embed="rId5"/>
-                        <a:stretch>
-                          <a:fillRect t="-5848" b="-2339"/>
-                        </a:stretch>
-                      </a:blipFill>
-                      <a:ln w="28575">
-                        <a:solidFill>
-                          <a:srgbClr val="0432FF"/>
-                        </a:solidFill>
-                      </a:ln>
-                    </p:spPr>
-                    <p:txBody>
-                      <a:bodyPr/>
-                      <a:lstStyle/>
-                      <a:p>
-                        <a:r>
-                          <a:rPr lang="en-US">
-                            <a:noFill/>
+                <a:prstGeom prst="rect">
+                  <a:avLst/>
+                </a:prstGeom>
+                <a:noFill/>
+                <a:ln w="28575">
+                  <a:solidFill>
+                    <a:srgbClr val="0432FF"/>
+                  </a:solidFill>
+                </a:ln>
+              </p:spPr>
+              <p:txBody>
+                <a:bodyPr wrap="square" rtlCol="0">
+                  <a:spAutoFit/>
+                </a:bodyPr>
+                <a:lstStyle/>
+                <a:p>
+                  <a:pPr algn="ctr"/>
+                  <a:r>
+                    <a:rPr lang="en-US" sz="5600" b="1" u="sng" dirty="0">
+                      <a:latin typeface="Arial" panose="020B0604020202020204" pitchFamily="34" charset="0"/>
+                      <a:cs typeface="Arial" panose="020B0604020202020204" pitchFamily="34" charset="0"/>
+                    </a:rPr>
+                    <a:t>Step 2</a:t>
+                  </a:r>
+                </a:p>
+                <a:p>
+                  <a:pPr algn="ctr"/>
+                  <a:r>
+                    <a:rPr lang="en-US" sz="5600" dirty="0">
+                      <a:latin typeface="Arial" panose="020B0604020202020204" pitchFamily="34" charset="0"/>
+                      <a:cs typeface="Arial" panose="020B0604020202020204" pitchFamily="34" charset="0"/>
+                    </a:rPr>
+                    <a:t>Rank Models</a:t>
+                  </a:r>
+                </a:p>
+                <a:p>
+                  <a:pPr algn="ctr"/>
+                  <a14:m>
+                    <m:oMathPara xmlns:m="http://schemas.openxmlformats.org/officeDocument/2006/math">
+                      <m:oMathParaPr>
+                        <m:jc m:val="centerGroup"/>
+                      </m:oMathParaPr>
+                      <m:oMath xmlns:m="http://schemas.openxmlformats.org/officeDocument/2006/math">
+                        <m:r>
+                          <a:rPr lang="en-US" sz="3200" i="1">
+                            <a:latin typeface="Cambria Math" panose="02040503050406030204" pitchFamily="18" charset="0"/>
                           </a:rPr>
-                          <a:t> </a:t>
-                        </a:r>
-                      </a:p>
-                    </p:txBody>
-                  </p:sp>
-                </mc:Fallback>
-              </mc:AlternateContent>
-              <p:grpSp>
-                <p:nvGrpSpPr>
-                  <p:cNvPr id="27" name="Group 26">
-                    <a:extLst>
-                      <a:ext uri="{FF2B5EF4-FFF2-40B4-BE49-F238E27FC236}">
-                        <a16:creationId xmlns:a16="http://schemas.microsoft.com/office/drawing/2014/main" id="{61F5EB53-5EB8-FF45-866E-D08508B9C07D}"/>
-                      </a:ext>
-                    </a:extLst>
-                  </p:cNvPr>
-                  <p:cNvGrpSpPr/>
-                  <p:nvPr/>
-                </p:nvGrpSpPr>
-                <p:grpSpPr>
-                  <a:xfrm>
-                    <a:off x="14836325" y="1238061"/>
-                    <a:ext cx="3187685" cy="4839080"/>
-                    <a:chOff x="13828622" y="2099835"/>
-                    <a:chExt cx="3187685" cy="4839080"/>
-                  </a:xfrm>
-                </p:grpSpPr>
-                <mc:AlternateContent xmlns:mc="http://schemas.openxmlformats.org/markup-compatibility/2006">
-                  <mc:Choice xmlns:a14="http://schemas.microsoft.com/office/drawing/2010/main" Requires="a14">
-                    <p:sp>
-                      <p:nvSpPr>
-                        <p:cNvPr id="28" name="TextBox 27">
-                          <a:extLst>
-                            <a:ext uri="{FF2B5EF4-FFF2-40B4-BE49-F238E27FC236}">
-                              <a16:creationId xmlns:a16="http://schemas.microsoft.com/office/drawing/2014/main" id="{726589B9-6663-A647-B794-2BBF0D82511C}"/>
-                            </a:ext>
-                          </a:extLst>
-                        </p:cNvPr>
-                        <p:cNvSpPr txBox="1"/>
-                        <p:nvPr/>
-                      </p:nvSpPr>
-                      <p:spPr>
-                        <a:xfrm>
-                          <a:off x="13828622" y="2099835"/>
-                          <a:ext cx="3187685" cy="4839080"/>
-                        </a:xfrm>
-                        <a:prstGeom prst="rect">
-                          <a:avLst/>
-                        </a:prstGeom>
-                        <a:noFill/>
-                        <a:ln w="28575">
-                          <a:solidFill>
-                            <a:srgbClr val="0432FF"/>
-                          </a:solidFill>
-                        </a:ln>
-                      </p:spPr>
-                      <p:txBody>
-                        <a:bodyPr wrap="square" rtlCol="0">
-                          <a:spAutoFit/>
-                        </a:bodyPr>
-                        <a:lstStyle/>
-                        <a:p>
-                          <a:pPr algn="ctr"/>
-                          <a:r>
-                            <a:rPr lang="en-US" sz="4800" b="1" u="sng" dirty="0"/>
-                            <a:t>Step 4</a:t>
-                          </a:r>
-                        </a:p>
-                        <a:p>
-                          <a:pPr algn="ctr"/>
-                          <a:r>
-                            <a:rPr lang="en-US" sz="4800" dirty="0" err="1"/>
-                            <a:t>i</a:t>
-                          </a:r>
-                          <a:r>
-                            <a:rPr lang="en-US" sz="4800" dirty="0"/>
-                            <a:t>) Compute Fischer Information Matrix</a:t>
-                          </a:r>
-                        </a:p>
-                        <a:p>
-                          <a:pPr algn="ctr"/>
-                          <a:endParaRPr lang="en-US" sz="2400" dirty="0"/>
-                        </a:p>
-                        <a:p>
-                          <a:pPr algn="ctr"/>
-                          <a:r>
-                            <a:rPr lang="en-US" sz="4800" dirty="0"/>
-                            <a:t>ii) Identifiability Analysis</a:t>
-                          </a:r>
-                        </a:p>
-                        <a:p>
-                          <a:pPr algn="ctr"/>
-                          <a:endParaRPr lang="en-US" sz="2400" dirty="0"/>
-                        </a:p>
-                        <a:p>
-                          <a:pPr algn="ctr"/>
-                          <a:r>
-                            <a:rPr lang="en-US" sz="4800" dirty="0"/>
-                            <a:t>iii) Uncertainty Analysis</a:t>
-                          </a:r>
-                        </a:p>
-                        <a:p>
-                          <a:pPr algn="ctr"/>
-                          <a:endParaRPr lang="en-US" sz="2400" dirty="0"/>
-                        </a:p>
-                        <a:p>
-                          <a:pPr algn="ctr"/>
-                          <a14:m>
-                            <m:oMathPara xmlns:m="http://schemas.openxmlformats.org/officeDocument/2006/math">
-                              <m:oMathParaPr>
-                                <m:jc m:val="centerGroup"/>
-                              </m:oMathParaPr>
-                              <m:oMath xmlns:m="http://schemas.openxmlformats.org/officeDocument/2006/math">
-                                <m:sSub>
-                                  <m:sSubPr>
-                                    <m:ctrlPr>
-                                      <a:rPr lang="en-US" sz="3200" i="1">
-                                        <a:latin typeface="Cambria Math" panose="02040503050406030204" pitchFamily="18" charset="0"/>
-                                        <a:ea typeface="Cambria Math" panose="02040503050406030204" pitchFamily="18" charset="0"/>
-                                      </a:rPr>
-                                    </m:ctrlPr>
-                                  </m:sSubPr>
-                                  <m:e>
-                                    <m:r>
-                                      <m:rPr>
-                                        <m:sty m:val="p"/>
-                                      </m:rPr>
-                                      <a:rPr lang="el-GR" sz="3200" i="1">
-                                        <a:latin typeface="Cambria Math" panose="02040503050406030204" pitchFamily="18" charset="0"/>
-                                        <a:ea typeface="Cambria Math" panose="02040503050406030204" pitchFamily="18" charset="0"/>
-                                      </a:rPr>
-                                      <m:t>Σ</m:t>
-                                    </m:r>
-                                  </m:e>
-                                  <m:sub>
-                                    <m:r>
-                                      <a:rPr lang="en-US" sz="3200" i="1">
-                                        <a:latin typeface="Cambria Math" panose="02040503050406030204" pitchFamily="18" charset="0"/>
-                                        <a:ea typeface="Cambria Math" panose="02040503050406030204" pitchFamily="18" charset="0"/>
-                                      </a:rPr>
-                                      <m:t>𝑖</m:t>
-                                    </m:r>
-                                    <m:r>
-                                      <a:rPr lang="en-US" sz="3200" i="1">
-                                        <a:latin typeface="Cambria Math" panose="02040503050406030204" pitchFamily="18" charset="0"/>
-                                        <a:ea typeface="Cambria Math" panose="02040503050406030204" pitchFamily="18" charset="0"/>
-                                      </a:rPr>
-                                      <m:t>,</m:t>
-                                    </m:r>
-                                    <m:r>
-                                      <a:rPr lang="en-US" sz="3200" i="1">
-                                        <a:latin typeface="Cambria Math" panose="02040503050406030204" pitchFamily="18" charset="0"/>
-                                        <a:ea typeface="Cambria Math" panose="02040503050406030204" pitchFamily="18" charset="0"/>
-                                      </a:rPr>
-                                      <m:t>𝑗</m:t>
-                                    </m:r>
-                                  </m:sub>
-                                </m:sSub>
+                          <m:t>𝐴𝐼𝐶</m:t>
+                        </m:r>
+                        <m:d>
+                          <m:dPr>
+                            <m:ctrlPr>
+                              <a:rPr lang="en-US" sz="3200" i="1">
+                                <a:latin typeface="Cambria Math" panose="02040503050406030204" pitchFamily="18" charset="0"/>
+                              </a:rPr>
+                            </m:ctrlPr>
+                          </m:dPr>
+                          <m:e>
+                            <m:r>
+                              <a:rPr lang="en-US" sz="3200" i="1">
+                                <a:latin typeface="Cambria Math" panose="02040503050406030204" pitchFamily="18" charset="0"/>
+                              </a:rPr>
+                              <m:t>𝑝</m:t>
+                            </m:r>
+                          </m:e>
+                        </m:d>
+                        <m:r>
+                          <a:rPr lang="en-US" sz="3200" i="1">
+                            <a:latin typeface="Cambria Math" panose="02040503050406030204" pitchFamily="18" charset="0"/>
+                          </a:rPr>
+                          <m:t>=</m:t>
+                        </m:r>
+                        <m:r>
+                          <a:rPr lang="en-US" sz="3200" i="1">
+                            <a:latin typeface="Cambria Math" panose="02040503050406030204" pitchFamily="18" charset="0"/>
+                          </a:rPr>
+                          <m:t>𝑁</m:t>
+                        </m:r>
+                        <m:r>
+                          <m:rPr>
+                            <m:sty m:val="p"/>
+                          </m:rPr>
+                          <a:rPr lang="en-US" sz="3200">
+                            <a:latin typeface="Cambria Math" panose="02040503050406030204" pitchFamily="18" charset="0"/>
+                          </a:rPr>
+                          <m:t>ln</m:t>
+                        </m:r>
+                        <m:d>
+                          <m:dPr>
+                            <m:ctrlPr>
+                              <a:rPr lang="en-US" sz="3200" i="1">
+                                <a:latin typeface="Cambria Math" panose="02040503050406030204" pitchFamily="18" charset="0"/>
+                              </a:rPr>
+                            </m:ctrlPr>
+                          </m:dPr>
+                          <m:e>
+                            <m:r>
+                              <a:rPr lang="en-US" sz="3200" i="1">
+                                <a:latin typeface="Cambria Math" panose="02040503050406030204" pitchFamily="18" charset="0"/>
+                              </a:rPr>
+                              <m:t>𝑀𝑆𝐸</m:t>
+                            </m:r>
+                            <m:d>
+                              <m:dPr>
+                                <m:ctrlPr>
+                                  <a:rPr lang="en-US" sz="3200" i="1">
+                                    <a:latin typeface="Cambria Math" panose="02040503050406030204" pitchFamily="18" charset="0"/>
+                                  </a:rPr>
+                                </m:ctrlPr>
+                              </m:dPr>
+                              <m:e>
                                 <m:r>
                                   <a:rPr lang="en-US" sz="3200" i="1">
                                     <a:latin typeface="Cambria Math" panose="02040503050406030204" pitchFamily="18" charset="0"/>
-                                    <a:ea typeface="Cambria Math" panose="02040503050406030204" pitchFamily="18" charset="0"/>
                                   </a:rPr>
-                                  <m:t>=</m:t>
+                                  <m:t>𝑝</m:t>
                                 </m:r>
-                                <m:d>
-                                  <m:dPr>
-                                    <m:begChr m:val="["/>
-                                    <m:endChr m:val="]"/>
-                                    <m:ctrlPr>
-                                      <a:rPr lang="en-US" sz="3200" i="1">
-                                        <a:latin typeface="Cambria Math" panose="02040503050406030204" pitchFamily="18" charset="0"/>
-                                        <a:ea typeface="Cambria Math" panose="02040503050406030204" pitchFamily="18" charset="0"/>
-                                      </a:rPr>
-                                    </m:ctrlPr>
-                                  </m:dPr>
-                                  <m:e>
-                                    <m:m>
-                                      <m:mPr>
-                                        <m:mcs>
-                                          <m:mc>
-                                            <m:mcPr>
-                                              <m:count m:val="2"/>
-                                              <m:mcJc m:val="center"/>
-                                            </m:mcPr>
-                                          </m:mc>
-                                        </m:mcs>
-                                        <m:ctrlPr>
-                                          <a:rPr lang="en-US" sz="3200" i="1">
-                                            <a:latin typeface="Cambria Math" panose="02040503050406030204" pitchFamily="18" charset="0"/>
-                                            <a:ea typeface="Cambria Math" panose="02040503050406030204" pitchFamily="18" charset="0"/>
-                                          </a:rPr>
-                                        </m:ctrlPr>
-                                      </m:mPr>
-                                      <m:mr>
-                                        <m:e>
-                                          <m:sSubSup>
-                                            <m:sSubSupPr>
-                                              <m:ctrlPr>
-                                                <a:rPr lang="en-US" sz="3200" i="1">
-                                                  <a:latin typeface="Cambria Math" panose="02040503050406030204" pitchFamily="18" charset="0"/>
-                                                  <a:ea typeface="Cambria Math" panose="02040503050406030204" pitchFamily="18" charset="0"/>
-                                                </a:rPr>
-                                              </m:ctrlPr>
-                                            </m:sSubSupPr>
-                                            <m:e>
-                                              <m:r>
-                                                <m:rPr>
-                                                  <m:brk m:alnAt="7"/>
-                                                </m:rPr>
-                                                <a:rPr lang="en-US" sz="3200" i="1">
-                                                  <a:latin typeface="Cambria Math" panose="02040503050406030204" pitchFamily="18" charset="0"/>
-                                                  <a:ea typeface="Cambria Math" panose="02040503050406030204" pitchFamily="18" charset="0"/>
-                                                </a:rPr>
-                                                <m:t>𝜎</m:t>
-                                              </m:r>
-                                            </m:e>
-                                            <m:sub>
-                                              <m:r>
-                                                <m:rPr>
-                                                  <m:brk m:alnAt="7"/>
-                                                </m:rPr>
-                                                <a:rPr lang="en-US" sz="3200" i="1">
-                                                  <a:latin typeface="Cambria Math" panose="02040503050406030204" pitchFamily="18" charset="0"/>
-                                                  <a:ea typeface="Cambria Math" panose="02040503050406030204" pitchFamily="18" charset="0"/>
-                                                </a:rPr>
-                                                <m:t>𝑖</m:t>
-                                              </m:r>
-                                              <m:r>
-                                                <a:rPr lang="en-US" sz="3200" i="1">
-                                                  <a:latin typeface="Cambria Math" panose="02040503050406030204" pitchFamily="18" charset="0"/>
-                                                  <a:ea typeface="Cambria Math" panose="02040503050406030204" pitchFamily="18" charset="0"/>
-                                                </a:rPr>
-                                                <m:t>,</m:t>
-                                              </m:r>
-                                              <m:r>
-                                                <a:rPr lang="en-US" sz="3200" i="1">
-                                                  <a:latin typeface="Cambria Math" panose="02040503050406030204" pitchFamily="18" charset="0"/>
-                                                  <a:ea typeface="Cambria Math" panose="02040503050406030204" pitchFamily="18" charset="0"/>
-                                                </a:rPr>
-                                                <m:t>𝑖</m:t>
-                                              </m:r>
-                                            </m:sub>
-                                            <m:sup>
-                                              <m:r>
-                                                <m:rPr>
-                                                  <m:brk m:alnAt="7"/>
-                                                </m:rPr>
-                                                <a:rPr lang="en-US" sz="3200" i="1">
-                                                  <a:latin typeface="Cambria Math" panose="02040503050406030204" pitchFamily="18" charset="0"/>
-                                                  <a:ea typeface="Cambria Math" panose="02040503050406030204" pitchFamily="18" charset="0"/>
-                                                </a:rPr>
-                                                <m:t>2</m:t>
-                                              </m:r>
-                                            </m:sup>
-                                          </m:sSubSup>
-                                        </m:e>
-                                        <m:e>
-                                          <m:sSubSup>
-                                            <m:sSubSupPr>
-                                              <m:ctrlPr>
-                                                <a:rPr lang="en-US" sz="3200" i="1">
-                                                  <a:latin typeface="Cambria Math" panose="02040503050406030204" pitchFamily="18" charset="0"/>
-                                                  <a:ea typeface="Cambria Math" panose="02040503050406030204" pitchFamily="18" charset="0"/>
-                                                </a:rPr>
-                                              </m:ctrlPr>
-                                            </m:sSubSupPr>
-                                            <m:e>
-                                              <m:r>
-                                                <m:rPr>
-                                                  <m:brk m:alnAt="7"/>
-                                                </m:rPr>
-                                                <a:rPr lang="en-US" sz="3200" i="1">
-                                                  <a:latin typeface="Cambria Math" panose="02040503050406030204" pitchFamily="18" charset="0"/>
-                                                  <a:ea typeface="Cambria Math" panose="02040503050406030204" pitchFamily="18" charset="0"/>
-                                                </a:rPr>
-                                                <m:t>𝜎</m:t>
-                                              </m:r>
-                                            </m:e>
-                                            <m:sub>
-                                              <m:r>
-                                                <m:rPr>
-                                                  <m:brk m:alnAt="7"/>
-                                                </m:rPr>
-                                                <a:rPr lang="en-US" sz="3200" i="1">
-                                                  <a:latin typeface="Cambria Math" panose="02040503050406030204" pitchFamily="18" charset="0"/>
-                                                  <a:ea typeface="Cambria Math" panose="02040503050406030204" pitchFamily="18" charset="0"/>
-                                                </a:rPr>
-                                                <m:t>𝑖</m:t>
-                                              </m:r>
-                                              <m:r>
-                                                <a:rPr lang="en-US" sz="3200" i="1">
-                                                  <a:latin typeface="Cambria Math" panose="02040503050406030204" pitchFamily="18" charset="0"/>
-                                                  <a:ea typeface="Cambria Math" panose="02040503050406030204" pitchFamily="18" charset="0"/>
-                                                </a:rPr>
-                                                <m:t>,</m:t>
-                                              </m:r>
-                                              <m:r>
-                                                <a:rPr lang="en-US" sz="3200" i="1">
-                                                  <a:latin typeface="Cambria Math" panose="02040503050406030204" pitchFamily="18" charset="0"/>
-                                                  <a:ea typeface="Cambria Math" panose="02040503050406030204" pitchFamily="18" charset="0"/>
-                                                </a:rPr>
-                                                <m:t>𝑗</m:t>
-                                              </m:r>
-                                            </m:sub>
-                                            <m:sup>
-                                              <m:r>
-                                                <m:rPr>
-                                                  <m:brk m:alnAt="7"/>
-                                                </m:rPr>
-                                                <a:rPr lang="en-US" sz="3200" i="1">
-                                                  <a:latin typeface="Cambria Math" panose="02040503050406030204" pitchFamily="18" charset="0"/>
-                                                  <a:ea typeface="Cambria Math" panose="02040503050406030204" pitchFamily="18" charset="0"/>
-                                                </a:rPr>
-                                                <m:t>2</m:t>
-                                              </m:r>
-                                            </m:sup>
-                                          </m:sSubSup>
-                                        </m:e>
-                                      </m:mr>
-                                      <m:mr>
-                                        <m:e>
-                                          <m:sSubSup>
-                                            <m:sSubSupPr>
-                                              <m:ctrlPr>
-                                                <a:rPr lang="en-US" sz="3200" i="1">
-                                                  <a:latin typeface="Cambria Math" panose="02040503050406030204" pitchFamily="18" charset="0"/>
-                                                  <a:ea typeface="Cambria Math" panose="02040503050406030204" pitchFamily="18" charset="0"/>
-                                                </a:rPr>
-                                              </m:ctrlPr>
-                                            </m:sSubSupPr>
-                                            <m:e>
-                                              <m:r>
-                                                <m:rPr>
-                                                  <m:brk m:alnAt="7"/>
-                                                </m:rPr>
-                                                <a:rPr lang="en-US" sz="3200" i="1">
-                                                  <a:latin typeface="Cambria Math" panose="02040503050406030204" pitchFamily="18" charset="0"/>
-                                                  <a:ea typeface="Cambria Math" panose="02040503050406030204" pitchFamily="18" charset="0"/>
-                                                </a:rPr>
-                                                <m:t>𝜎</m:t>
-                                              </m:r>
-                                            </m:e>
-                                            <m:sub>
-                                              <m:r>
-                                                <a:rPr lang="en-US" sz="3200" i="1">
-                                                  <a:latin typeface="Cambria Math" panose="02040503050406030204" pitchFamily="18" charset="0"/>
-                                                  <a:ea typeface="Cambria Math" panose="02040503050406030204" pitchFamily="18" charset="0"/>
-                                                </a:rPr>
-                                                <m:t>𝑗</m:t>
-                                              </m:r>
-                                              <m:r>
-                                                <a:rPr lang="en-US" sz="3200" i="1">
-                                                  <a:latin typeface="Cambria Math" panose="02040503050406030204" pitchFamily="18" charset="0"/>
-                                                  <a:ea typeface="Cambria Math" panose="02040503050406030204" pitchFamily="18" charset="0"/>
-                                                </a:rPr>
-                                                <m:t>,</m:t>
-                                              </m:r>
-                                              <m:r>
-                                                <a:rPr lang="en-US" sz="3200" i="1">
-                                                  <a:latin typeface="Cambria Math" panose="02040503050406030204" pitchFamily="18" charset="0"/>
-                                                  <a:ea typeface="Cambria Math" panose="02040503050406030204" pitchFamily="18" charset="0"/>
-                                                </a:rPr>
-                                                <m:t>𝑖</m:t>
-                                              </m:r>
-                                            </m:sub>
-                                            <m:sup>
-                                              <m:r>
-                                                <m:rPr>
-                                                  <m:brk m:alnAt="7"/>
-                                                </m:rPr>
-                                                <a:rPr lang="en-US" sz="3200" i="1">
-                                                  <a:latin typeface="Cambria Math" panose="02040503050406030204" pitchFamily="18" charset="0"/>
-                                                  <a:ea typeface="Cambria Math" panose="02040503050406030204" pitchFamily="18" charset="0"/>
-                                                </a:rPr>
-                                                <m:t>2</m:t>
-                                              </m:r>
-                                            </m:sup>
-                                          </m:sSubSup>
-                                        </m:e>
-                                        <m:e>
-                                          <m:sSubSup>
-                                            <m:sSubSupPr>
-                                              <m:ctrlPr>
-                                                <a:rPr lang="en-US" sz="3200" i="1">
-                                                  <a:latin typeface="Cambria Math" panose="02040503050406030204" pitchFamily="18" charset="0"/>
-                                                  <a:ea typeface="Cambria Math" panose="02040503050406030204" pitchFamily="18" charset="0"/>
-                                                </a:rPr>
-                                              </m:ctrlPr>
-                                            </m:sSubSupPr>
-                                            <m:e>
-                                              <m:r>
-                                                <m:rPr>
-                                                  <m:brk m:alnAt="7"/>
-                                                </m:rPr>
-                                                <a:rPr lang="en-US" sz="3200" i="1">
-                                                  <a:latin typeface="Cambria Math" panose="02040503050406030204" pitchFamily="18" charset="0"/>
-                                                  <a:ea typeface="Cambria Math" panose="02040503050406030204" pitchFamily="18" charset="0"/>
-                                                </a:rPr>
-                                                <m:t>𝜎</m:t>
-                                              </m:r>
-                                            </m:e>
-                                            <m:sub>
-                                              <m:r>
-                                                <a:rPr lang="en-US" sz="3200" i="1">
-                                                  <a:latin typeface="Cambria Math" panose="02040503050406030204" pitchFamily="18" charset="0"/>
-                                                  <a:ea typeface="Cambria Math" panose="02040503050406030204" pitchFamily="18" charset="0"/>
-                                                </a:rPr>
-                                                <m:t>𝑗</m:t>
-                                              </m:r>
-                                              <m:r>
-                                                <a:rPr lang="en-US" sz="3200" i="1">
-                                                  <a:latin typeface="Cambria Math" panose="02040503050406030204" pitchFamily="18" charset="0"/>
-                                                  <a:ea typeface="Cambria Math" panose="02040503050406030204" pitchFamily="18" charset="0"/>
-                                                </a:rPr>
-                                                <m:t>,</m:t>
-                                              </m:r>
-                                              <m:r>
-                                                <a:rPr lang="en-US" sz="3200" i="1">
-                                                  <a:latin typeface="Cambria Math" panose="02040503050406030204" pitchFamily="18" charset="0"/>
-                                                  <a:ea typeface="Cambria Math" panose="02040503050406030204" pitchFamily="18" charset="0"/>
-                                                </a:rPr>
-                                                <m:t>𝑗</m:t>
-                                              </m:r>
-                                            </m:sub>
-                                            <m:sup>
-                                              <m:r>
-                                                <m:rPr>
-                                                  <m:brk m:alnAt="7"/>
-                                                </m:rPr>
-                                                <a:rPr lang="en-US" sz="3200" i="1">
-                                                  <a:latin typeface="Cambria Math" panose="02040503050406030204" pitchFamily="18" charset="0"/>
-                                                  <a:ea typeface="Cambria Math" panose="02040503050406030204" pitchFamily="18" charset="0"/>
-                                                </a:rPr>
-                                                <m:t>2</m:t>
-                                              </m:r>
-                                            </m:sup>
-                                          </m:sSubSup>
-                                        </m:e>
-                                      </m:mr>
-                                    </m:m>
-                                  </m:e>
-                                </m:d>
-                              </m:oMath>
-                            </m:oMathPara>
-                          </a14:m>
-                          <a:endParaRPr lang="en-US" sz="3200" dirty="0"/>
-                        </a:p>
-                        <a:p>
-                          <a:pPr algn="ctr"/>
-                          <a:endParaRPr lang="en-US" sz="2400" dirty="0"/>
-                        </a:p>
-                        <a:p>
-                          <a:pPr algn="ctr"/>
-                          <a:r>
-                            <a:rPr lang="en-US" sz="4800" dirty="0"/>
-                            <a:t>iv) Optimality Analysis</a:t>
-                          </a:r>
-                        </a:p>
-                        <a:p>
-                          <a:pPr algn="ctr"/>
-                          <a:endParaRPr lang="en-US" sz="3200" dirty="0"/>
-                        </a:p>
-                        <a:p>
-                          <a:pPr algn="ctr"/>
-                          <a:endParaRPr lang="en-US" sz="3200" dirty="0"/>
-                        </a:p>
-                        <a:p>
-                          <a:pPr algn="ctr"/>
-                          <a:endParaRPr lang="en-US" sz="3200" dirty="0"/>
-                        </a:p>
-                        <a:p>
-                          <a:pPr algn="ctr"/>
-                          <a:endParaRPr lang="en-US" sz="2000" dirty="0"/>
-                        </a:p>
-                        <a:p>
-                          <a:pPr algn="ctr"/>
-                          <a:endParaRPr lang="en-US" sz="2000" dirty="0"/>
-                        </a:p>
-                      </p:txBody>
-                    </p:sp>
-                  </mc:Choice>
-                  <mc:Fallback>
-                    <p:sp>
-                      <p:nvSpPr>
-                        <p:cNvPr id="28" name="TextBox 27">
-                          <a:extLst>
-                            <a:ext uri="{FF2B5EF4-FFF2-40B4-BE49-F238E27FC236}">
-                              <a16:creationId xmlns:a16="http://schemas.microsoft.com/office/drawing/2014/main" id="{726589B9-6663-A647-B794-2BBF0D82511C}"/>
-                            </a:ext>
-                          </a:extLst>
-                        </p:cNvPr>
-                        <p:cNvSpPr txBox="1">
-                          <a:spLocks noRot="1" noChangeAspect="1" noMove="1" noResize="1" noEditPoints="1" noAdjustHandles="1" noChangeArrowheads="1" noChangeShapeType="1" noTextEdit="1"/>
-                        </p:cNvSpPr>
-                        <p:nvPr/>
-                      </p:nvSpPr>
-                      <p:spPr>
-                        <a:xfrm>
-                          <a:off x="13828622" y="2099835"/>
-                          <a:ext cx="3187685" cy="4839080"/>
-                        </a:xfrm>
-                        <a:prstGeom prst="rect">
-                          <a:avLst/>
-                        </a:prstGeom>
-                        <a:blipFill>
-                          <a:blip r:embed="rId6"/>
-                          <a:stretch>
-                            <a:fillRect l="-2574" t="-1307" r="-2772"/>
-                          </a:stretch>
-                        </a:blipFill>
-                        <a:ln w="28575">
-                          <a:solidFill>
-                            <a:srgbClr val="0432FF"/>
-                          </a:solidFill>
-                        </a:ln>
-                      </p:spPr>
-                      <p:txBody>
-                        <a:bodyPr/>
-                        <a:lstStyle/>
-                        <a:p>
-                          <a:r>
-                            <a:rPr lang="en-US">
-                              <a:noFill/>
-                            </a:rPr>
-                            <a:t> </a:t>
-                          </a:r>
-                        </a:p>
-                      </p:txBody>
-                    </p:sp>
-                  </mc:Fallback>
-                </mc:AlternateContent>
-                <p:pic>
-                  <p:nvPicPr>
-                    <p:cNvPr id="29" name="Picture 2" descr="https://lh4.googleusercontent.com/jHfKAKWaIcBzb-YW-x9SZZcPbAoneCljbXOOcIoXhmUUKAt9x2dZn7tHAz1G4Rch5-a763A2xU7XdpN_xBsKLiO8tomUnXzW8Ze1lF0TbyvWT9qIbAiiyjMrwTVWfdvvjPX95H4YRpq8sfZuLP8WiA">
-                      <a:extLst>
-                        <a:ext uri="{FF2B5EF4-FFF2-40B4-BE49-F238E27FC236}">
-                          <a16:creationId xmlns:a16="http://schemas.microsoft.com/office/drawing/2014/main" id="{F459C2A7-A84D-6641-B21D-A32D22040ACA}"/>
-                        </a:ext>
-                      </a:extLst>
-                    </p:cNvPr>
-                    <p:cNvPicPr>
-                      <a:picLocks noChangeAspect="1" noChangeArrowheads="1"/>
-                    </p:cNvPicPr>
-                    <p:nvPr/>
-                  </p:nvPicPr>
-                  <p:blipFill>
-                    <a:blip r:embed="rId7">
-                      <a:extLst>
-                        <a:ext uri="{28A0092B-C50C-407E-A947-70E740481C1C}">
-                          <a14:useLocalDpi xmlns:a14="http://schemas.microsoft.com/office/drawing/2010/main" val="0"/>
-                        </a:ext>
-                      </a:extLst>
-                    </a:blip>
-                    <a:srcRect/>
-                    <a:stretch>
-                      <a:fillRect/>
-                    </a:stretch>
-                  </p:blipFill>
-                  <p:spPr bwMode="auto">
-                    <a:xfrm>
-                      <a:off x="14814598" y="5699743"/>
-                      <a:ext cx="1150938" cy="1143000"/>
-                    </a:xfrm>
-                    <a:prstGeom prst="rect">
-                      <a:avLst/>
-                    </a:prstGeom>
-                    <a:noFill/>
-                    <a:extLst>
-                      <a:ext uri="{909E8E84-426E-40DD-AFC4-6F175D3DCCD1}">
-                        <a14:hiddenFill xmlns:a14="http://schemas.microsoft.com/office/drawing/2010/main">
-                          <a:solidFill>
-                            <a:srgbClr val="FFFFFF"/>
-                          </a:solidFill>
-                        </a14:hiddenFill>
-                      </a:ext>
-                    </a:extLst>
-                  </p:spPr>
-                </p:pic>
-              </p:grpSp>
+                              </m:e>
+                            </m:d>
+                          </m:e>
+                        </m:d>
+                        <m:r>
+                          <a:rPr lang="en-US" sz="3200" i="1">
+                            <a:latin typeface="Cambria Math" panose="02040503050406030204" pitchFamily="18" charset="0"/>
+                          </a:rPr>
+                          <m:t>+2</m:t>
+                        </m:r>
+                        <m:r>
+                          <a:rPr lang="en-US" sz="3200" i="1">
+                            <a:latin typeface="Cambria Math" panose="02040503050406030204" pitchFamily="18" charset="0"/>
+                          </a:rPr>
+                          <m:t>𝑝</m:t>
+                        </m:r>
+                      </m:oMath>
+                    </m:oMathPara>
+                  </a14:m>
+                  <a:endParaRPr lang="en-US" sz="3200" dirty="0">
+                    <a:latin typeface="Arial" panose="020B0604020202020204" pitchFamily="34" charset="0"/>
+                    <a:cs typeface="Arial" panose="020B0604020202020204" pitchFamily="34" charset="0"/>
+                  </a:endParaRPr>
+                </a:p>
+              </p:txBody>
+            </p:sp>
+          </mc:Choice>
+          <mc:Fallback>
+            <p:sp>
+              <p:nvSpPr>
+                <p:cNvPr id="26" name="TextBox 25">
+                  <a:extLst>
+                    <a:ext uri="{FF2B5EF4-FFF2-40B4-BE49-F238E27FC236}">
+                      <a16:creationId xmlns:a16="http://schemas.microsoft.com/office/drawing/2014/main" id="{A13E7E2E-3AAA-7E45-A688-C94E7F1DD4DF}"/>
+                    </a:ext>
+                  </a:extLst>
+                </p:cNvPr>
+                <p:cNvSpPr txBox="1">
+                  <a:spLocks noRot="1" noChangeAspect="1" noMove="1" noResize="1" noEditPoints="1" noAdjustHandles="1" noChangeArrowheads="1" noChangeShapeType="1" noTextEdit="1"/>
+                </p:cNvSpPr>
+                <p:nvPr/>
+              </p:nvSpPr>
+              <p:spPr>
+                <a:xfrm>
+                  <a:off x="20373871" y="15304610"/>
+                  <a:ext cx="5625634" cy="2371740"/>
+                </a:xfrm>
+                <a:prstGeom prst="rect">
+                  <a:avLst/>
+                </a:prstGeom>
+                <a:blipFill>
+                  <a:blip r:embed="rId3"/>
+                  <a:stretch>
+                    <a:fillRect t="-6915" b="-2660"/>
+                  </a:stretch>
+                </a:blipFill>
+                <a:ln w="28575">
+                  <a:solidFill>
+                    <a:srgbClr val="0432FF"/>
+                  </a:solidFill>
+                </a:ln>
+              </p:spPr>
+              <p:txBody>
+                <a:bodyPr/>
+                <a:lstStyle/>
+                <a:p>
+                  <a:r>
+                    <a:rPr lang="en-US">
+                      <a:noFill/>
+                    </a:rPr>
+                    <a:t> </a:t>
+                  </a:r>
+                </a:p>
+              </p:txBody>
+            </p:sp>
+          </mc:Fallback>
+        </mc:AlternateContent>
+        <p:grpSp>
+          <p:nvGrpSpPr>
+            <p:cNvPr id="27" name="Group 26">
+              <a:extLst>
+                <a:ext uri="{FF2B5EF4-FFF2-40B4-BE49-F238E27FC236}">
+                  <a16:creationId xmlns:a16="http://schemas.microsoft.com/office/drawing/2014/main" id="{61F5EB53-5EB8-FF45-866E-D08508B9C07D}"/>
+                </a:ext>
+              </a:extLst>
+            </p:cNvPr>
+            <p:cNvGrpSpPr/>
+            <p:nvPr/>
+          </p:nvGrpSpPr>
+          <p:grpSpPr>
+            <a:xfrm>
+              <a:off x="30860033" y="12600340"/>
+              <a:ext cx="6375370" cy="7776169"/>
+              <a:chOff x="13828622" y="2099835"/>
+              <a:chExt cx="3187685" cy="3885586"/>
+            </a:xfrm>
+          </p:grpSpPr>
+          <mc:AlternateContent xmlns:mc="http://schemas.openxmlformats.org/markup-compatibility/2006">
+            <mc:Choice xmlns:a14="http://schemas.microsoft.com/office/drawing/2010/main" Requires="a14">
               <p:sp>
                 <p:nvSpPr>
-                  <p:cNvPr id="36" name="TextBox 35">
+                  <p:cNvPr id="28" name="TextBox 27">
                     <a:extLst>
                       <a:ext uri="{FF2B5EF4-FFF2-40B4-BE49-F238E27FC236}">
-                        <a16:creationId xmlns:a16="http://schemas.microsoft.com/office/drawing/2014/main" id="{D3F7FB7E-76A3-5949-9959-C761ED6217B3}"/>
+                        <a16:creationId xmlns:a16="http://schemas.microsoft.com/office/drawing/2014/main" id="{726589B9-6663-A647-B794-2BBF0D82511C}"/>
                       </a:ext>
                     </a:extLst>
                   </p:cNvPr>
@@ -7249,8 +6605,8 @@
                 </p:nvSpPr>
                 <p:spPr>
                   <a:xfrm>
-                    <a:off x="20108619" y="3080889"/>
-                    <a:ext cx="2812817" cy="1153420"/>
+                    <a:off x="13828622" y="2099835"/>
+                    <a:ext cx="3187685" cy="3885586"/>
                   </a:xfrm>
                   <a:prstGeom prst="rect">
                     <a:avLst/>
@@ -7270,262 +6626,537 @@
                   <a:p>
                     <a:pPr algn="ctr"/>
                     <a:r>
-                      <a:rPr lang="en-US" sz="4800" b="1" u="sng" dirty="0"/>
-                      <a:t>Step 5</a:t>
+                      <a:rPr lang="en-US" sz="5600" b="1" u="sng" dirty="0">
+                        <a:latin typeface="Arial" panose="020B0604020202020204" pitchFamily="34" charset="0"/>
+                        <a:cs typeface="Arial" panose="020B0604020202020204" pitchFamily="34" charset="0"/>
+                      </a:rPr>
+                      <a:t>Step 3</a:t>
                     </a:r>
                   </a:p>
                   <a:p>
                     <a:pPr algn="ctr"/>
                     <a:r>
-                      <a:rPr lang="en-US" sz="4800" dirty="0"/>
-                      <a:t>Model-Based Design of Experiments</a:t>
+                      <a:rPr lang="en-US" sz="5600" dirty="0">
+                        <a:latin typeface="Arial" panose="020B0604020202020204" pitchFamily="34" charset="0"/>
+                        <a:cs typeface="Arial" panose="020B0604020202020204" pitchFamily="34" charset="0"/>
+                      </a:rPr>
+                      <a:t>Fischer information matrix analysis:</a:t>
                     </a:r>
-                    <a:endParaRPr lang="en-US" sz="3200" dirty="0"/>
+                  </a:p>
+                  <a:p>
+                    <a:pPr algn="ctr"/>
+                    <a:endParaRPr lang="en-US" sz="2000" dirty="0">
+                      <a:latin typeface="Arial" panose="020B0604020202020204" pitchFamily="34" charset="0"/>
+                      <a:cs typeface="Arial" panose="020B0604020202020204" pitchFamily="34" charset="0"/>
+                    </a:endParaRPr>
+                  </a:p>
+                  <a:p>
+                    <a:pPr algn="ctr"/>
+                    <a:r>
+                      <a:rPr lang="en-US" sz="5600" dirty="0">
+                        <a:latin typeface="Arial" panose="020B0604020202020204" pitchFamily="34" charset="0"/>
+                        <a:cs typeface="Arial" panose="020B0604020202020204" pitchFamily="34" charset="0"/>
+                      </a:rPr>
+                      <a:t>Identifiability</a:t>
+                    </a:r>
+                  </a:p>
+                  <a:p>
+                    <a:pPr algn="ctr"/>
+                    <a:r>
+                      <a:rPr lang="en-US" sz="5600" dirty="0">
+                        <a:latin typeface="Arial" panose="020B0604020202020204" pitchFamily="34" charset="0"/>
+                        <a:cs typeface="Arial" panose="020B0604020202020204" pitchFamily="34" charset="0"/>
+                      </a:rPr>
+                      <a:t>Uncertainty</a:t>
+                    </a:r>
+                  </a:p>
+                  <a:p>
+                    <a:pPr algn="ctr"/>
+                    <a:r>
+                      <a:rPr lang="en-US" sz="5600" dirty="0">
+                        <a:latin typeface="Arial" panose="020B0604020202020204" pitchFamily="34" charset="0"/>
+                        <a:cs typeface="Arial" panose="020B0604020202020204" pitchFamily="34" charset="0"/>
+                      </a:rPr>
+                      <a:t>Optimality</a:t>
+                    </a:r>
+                  </a:p>
+                  <a:p>
+                    <a:pPr algn="ctr"/>
+                    <a:endParaRPr lang="en-US" sz="2400" dirty="0">
+                      <a:latin typeface="Arial" panose="020B0604020202020204" pitchFamily="34" charset="0"/>
+                      <a:cs typeface="Arial" panose="020B0604020202020204" pitchFamily="34" charset="0"/>
+                    </a:endParaRPr>
+                  </a:p>
+                  <a:p>
+                    <a:pPr/>
+                    <a:r>
+                      <a:rPr lang="en-US" sz="2400" dirty="0">
+                        <a:latin typeface="Arial" panose="020B0604020202020204" pitchFamily="34" charset="0"/>
+                        <a:ea typeface="Cambria Math" panose="02040503050406030204" pitchFamily="18" charset="0"/>
+                        <a:cs typeface="Arial" panose="020B0604020202020204" pitchFamily="34" charset="0"/>
+                      </a:rPr>
+                      <a:t>     </a:t>
+                    </a:r>
+                    <a14:m>
+                      <m:oMath xmlns:m="http://schemas.openxmlformats.org/officeDocument/2006/math">
+                        <m:sSub>
+                          <m:sSubPr>
+                            <m:ctrlPr>
+                              <a:rPr lang="en-US" sz="3200" i="1">
+                                <a:latin typeface="Cambria Math" panose="02040503050406030204" pitchFamily="18" charset="0"/>
+                                <a:ea typeface="Cambria Math" panose="02040503050406030204" pitchFamily="18" charset="0"/>
+                              </a:rPr>
+                            </m:ctrlPr>
+                          </m:sSubPr>
+                          <m:e>
+                            <m:r>
+                              <m:rPr>
+                                <m:sty m:val="p"/>
+                              </m:rPr>
+                              <a:rPr lang="el-GR" sz="3200" i="1">
+                                <a:latin typeface="Cambria Math" panose="02040503050406030204" pitchFamily="18" charset="0"/>
+                                <a:ea typeface="Cambria Math" panose="02040503050406030204" pitchFamily="18" charset="0"/>
+                              </a:rPr>
+                              <m:t>Σ</m:t>
+                            </m:r>
+                          </m:e>
+                          <m:sub>
+                            <m:r>
+                              <a:rPr lang="en-US" sz="3200" i="1">
+                                <a:latin typeface="Cambria Math" panose="02040503050406030204" pitchFamily="18" charset="0"/>
+                                <a:ea typeface="Cambria Math" panose="02040503050406030204" pitchFamily="18" charset="0"/>
+                              </a:rPr>
+                              <m:t>𝑖</m:t>
+                            </m:r>
+                            <m:r>
+                              <a:rPr lang="en-US" sz="3200" i="1">
+                                <a:latin typeface="Cambria Math" panose="02040503050406030204" pitchFamily="18" charset="0"/>
+                                <a:ea typeface="Cambria Math" panose="02040503050406030204" pitchFamily="18" charset="0"/>
+                              </a:rPr>
+                              <m:t>,</m:t>
+                            </m:r>
+                            <m:r>
+                              <a:rPr lang="en-US" sz="3200" i="1">
+                                <a:latin typeface="Cambria Math" panose="02040503050406030204" pitchFamily="18" charset="0"/>
+                                <a:ea typeface="Cambria Math" panose="02040503050406030204" pitchFamily="18" charset="0"/>
+                              </a:rPr>
+                              <m:t>𝑗</m:t>
+                            </m:r>
+                          </m:sub>
+                        </m:sSub>
+                        <m:r>
+                          <a:rPr lang="en-US" sz="3200" i="1">
+                            <a:latin typeface="Cambria Math" panose="02040503050406030204" pitchFamily="18" charset="0"/>
+                            <a:ea typeface="Cambria Math" panose="02040503050406030204" pitchFamily="18" charset="0"/>
+                          </a:rPr>
+                          <m:t>=</m:t>
+                        </m:r>
+                        <m:d>
+                          <m:dPr>
+                            <m:begChr m:val="["/>
+                            <m:endChr m:val="]"/>
+                            <m:ctrlPr>
+                              <a:rPr lang="en-US" sz="3200" i="1">
+                                <a:latin typeface="Cambria Math" panose="02040503050406030204" pitchFamily="18" charset="0"/>
+                                <a:ea typeface="Cambria Math" panose="02040503050406030204" pitchFamily="18" charset="0"/>
+                              </a:rPr>
+                            </m:ctrlPr>
+                          </m:dPr>
+                          <m:e>
+                            <m:m>
+                              <m:mPr>
+                                <m:mcs>
+                                  <m:mc>
+                                    <m:mcPr>
+                                      <m:count m:val="2"/>
+                                      <m:mcJc m:val="center"/>
+                                    </m:mcPr>
+                                  </m:mc>
+                                </m:mcs>
+                                <m:ctrlPr>
+                                  <a:rPr lang="en-US" sz="3200" i="1">
+                                    <a:latin typeface="Cambria Math" panose="02040503050406030204" pitchFamily="18" charset="0"/>
+                                    <a:ea typeface="Cambria Math" panose="02040503050406030204" pitchFamily="18" charset="0"/>
+                                  </a:rPr>
+                                </m:ctrlPr>
+                              </m:mPr>
+                              <m:mr>
+                                <m:e>
+                                  <m:sSubSup>
+                                    <m:sSubSupPr>
+                                      <m:ctrlPr>
+                                        <a:rPr lang="en-US" sz="3200" i="1">
+                                          <a:latin typeface="Cambria Math" panose="02040503050406030204" pitchFamily="18" charset="0"/>
+                                          <a:ea typeface="Cambria Math" panose="02040503050406030204" pitchFamily="18" charset="0"/>
+                                        </a:rPr>
+                                      </m:ctrlPr>
+                                    </m:sSubSupPr>
+                                    <m:e>
+                                      <m:r>
+                                        <m:rPr>
+                                          <m:brk m:alnAt="7"/>
+                                        </m:rPr>
+                                        <a:rPr lang="en-US" sz="3200" i="1">
+                                          <a:latin typeface="Cambria Math" panose="02040503050406030204" pitchFamily="18" charset="0"/>
+                                          <a:ea typeface="Cambria Math" panose="02040503050406030204" pitchFamily="18" charset="0"/>
+                                        </a:rPr>
+                                        <m:t>𝜎</m:t>
+                                      </m:r>
+                                    </m:e>
+                                    <m:sub>
+                                      <m:r>
+                                        <m:rPr>
+                                          <m:brk m:alnAt="7"/>
+                                        </m:rPr>
+                                        <a:rPr lang="en-US" sz="3200" i="1">
+                                          <a:latin typeface="Cambria Math" panose="02040503050406030204" pitchFamily="18" charset="0"/>
+                                          <a:ea typeface="Cambria Math" panose="02040503050406030204" pitchFamily="18" charset="0"/>
+                                        </a:rPr>
+                                        <m:t>𝑖</m:t>
+                                      </m:r>
+                                      <m:r>
+                                        <a:rPr lang="en-US" sz="3200" i="1">
+                                          <a:latin typeface="Cambria Math" panose="02040503050406030204" pitchFamily="18" charset="0"/>
+                                          <a:ea typeface="Cambria Math" panose="02040503050406030204" pitchFamily="18" charset="0"/>
+                                        </a:rPr>
+                                        <m:t>,</m:t>
+                                      </m:r>
+                                      <m:r>
+                                        <a:rPr lang="en-US" sz="3200" i="1">
+                                          <a:latin typeface="Cambria Math" panose="02040503050406030204" pitchFamily="18" charset="0"/>
+                                          <a:ea typeface="Cambria Math" panose="02040503050406030204" pitchFamily="18" charset="0"/>
+                                        </a:rPr>
+                                        <m:t>𝑖</m:t>
+                                      </m:r>
+                                    </m:sub>
+                                    <m:sup>
+                                      <m:r>
+                                        <m:rPr>
+                                          <m:brk m:alnAt="7"/>
+                                        </m:rPr>
+                                        <a:rPr lang="en-US" sz="3200" i="1">
+                                          <a:latin typeface="Cambria Math" panose="02040503050406030204" pitchFamily="18" charset="0"/>
+                                          <a:ea typeface="Cambria Math" panose="02040503050406030204" pitchFamily="18" charset="0"/>
+                                        </a:rPr>
+                                        <m:t>2</m:t>
+                                      </m:r>
+                                    </m:sup>
+                                  </m:sSubSup>
+                                </m:e>
+                                <m:e>
+                                  <m:sSubSup>
+                                    <m:sSubSupPr>
+                                      <m:ctrlPr>
+                                        <a:rPr lang="en-US" sz="3200" i="1">
+                                          <a:latin typeface="Cambria Math" panose="02040503050406030204" pitchFamily="18" charset="0"/>
+                                          <a:ea typeface="Cambria Math" panose="02040503050406030204" pitchFamily="18" charset="0"/>
+                                        </a:rPr>
+                                      </m:ctrlPr>
+                                    </m:sSubSupPr>
+                                    <m:e>
+                                      <m:r>
+                                        <m:rPr>
+                                          <m:brk m:alnAt="7"/>
+                                        </m:rPr>
+                                        <a:rPr lang="en-US" sz="3200" i="1">
+                                          <a:latin typeface="Cambria Math" panose="02040503050406030204" pitchFamily="18" charset="0"/>
+                                          <a:ea typeface="Cambria Math" panose="02040503050406030204" pitchFamily="18" charset="0"/>
+                                        </a:rPr>
+                                        <m:t>𝜎</m:t>
+                                      </m:r>
+                                    </m:e>
+                                    <m:sub>
+                                      <m:r>
+                                        <m:rPr>
+                                          <m:brk m:alnAt="7"/>
+                                        </m:rPr>
+                                        <a:rPr lang="en-US" sz="3200" i="1">
+                                          <a:latin typeface="Cambria Math" panose="02040503050406030204" pitchFamily="18" charset="0"/>
+                                          <a:ea typeface="Cambria Math" panose="02040503050406030204" pitchFamily="18" charset="0"/>
+                                        </a:rPr>
+                                        <m:t>𝑖</m:t>
+                                      </m:r>
+                                      <m:r>
+                                        <a:rPr lang="en-US" sz="3200" i="1">
+                                          <a:latin typeface="Cambria Math" panose="02040503050406030204" pitchFamily="18" charset="0"/>
+                                          <a:ea typeface="Cambria Math" panose="02040503050406030204" pitchFamily="18" charset="0"/>
+                                        </a:rPr>
+                                        <m:t>,</m:t>
+                                      </m:r>
+                                      <m:r>
+                                        <a:rPr lang="en-US" sz="3200" i="1">
+                                          <a:latin typeface="Cambria Math" panose="02040503050406030204" pitchFamily="18" charset="0"/>
+                                          <a:ea typeface="Cambria Math" panose="02040503050406030204" pitchFamily="18" charset="0"/>
+                                        </a:rPr>
+                                        <m:t>𝑗</m:t>
+                                      </m:r>
+                                    </m:sub>
+                                    <m:sup>
+                                      <m:r>
+                                        <m:rPr>
+                                          <m:brk m:alnAt="7"/>
+                                        </m:rPr>
+                                        <a:rPr lang="en-US" sz="3200" i="1">
+                                          <a:latin typeface="Cambria Math" panose="02040503050406030204" pitchFamily="18" charset="0"/>
+                                          <a:ea typeface="Cambria Math" panose="02040503050406030204" pitchFamily="18" charset="0"/>
+                                        </a:rPr>
+                                        <m:t>2</m:t>
+                                      </m:r>
+                                    </m:sup>
+                                  </m:sSubSup>
+                                </m:e>
+                              </m:mr>
+                              <m:mr>
+                                <m:e>
+                                  <m:sSubSup>
+                                    <m:sSubSupPr>
+                                      <m:ctrlPr>
+                                        <a:rPr lang="en-US" sz="3200" i="1">
+                                          <a:latin typeface="Cambria Math" panose="02040503050406030204" pitchFamily="18" charset="0"/>
+                                          <a:ea typeface="Cambria Math" panose="02040503050406030204" pitchFamily="18" charset="0"/>
+                                        </a:rPr>
+                                      </m:ctrlPr>
+                                    </m:sSubSupPr>
+                                    <m:e>
+                                      <m:r>
+                                        <m:rPr>
+                                          <m:brk m:alnAt="7"/>
+                                        </m:rPr>
+                                        <a:rPr lang="en-US" sz="3200" i="1">
+                                          <a:latin typeface="Cambria Math" panose="02040503050406030204" pitchFamily="18" charset="0"/>
+                                          <a:ea typeface="Cambria Math" panose="02040503050406030204" pitchFamily="18" charset="0"/>
+                                        </a:rPr>
+                                        <m:t>𝜎</m:t>
+                                      </m:r>
+                                    </m:e>
+                                    <m:sub>
+                                      <m:r>
+                                        <a:rPr lang="en-US" sz="3200" i="1">
+                                          <a:latin typeface="Cambria Math" panose="02040503050406030204" pitchFamily="18" charset="0"/>
+                                          <a:ea typeface="Cambria Math" panose="02040503050406030204" pitchFamily="18" charset="0"/>
+                                        </a:rPr>
+                                        <m:t>𝑗</m:t>
+                                      </m:r>
+                                      <m:r>
+                                        <a:rPr lang="en-US" sz="3200" i="1">
+                                          <a:latin typeface="Cambria Math" panose="02040503050406030204" pitchFamily="18" charset="0"/>
+                                          <a:ea typeface="Cambria Math" panose="02040503050406030204" pitchFamily="18" charset="0"/>
+                                        </a:rPr>
+                                        <m:t>,</m:t>
+                                      </m:r>
+                                      <m:r>
+                                        <a:rPr lang="en-US" sz="3200" i="1">
+                                          <a:latin typeface="Cambria Math" panose="02040503050406030204" pitchFamily="18" charset="0"/>
+                                          <a:ea typeface="Cambria Math" panose="02040503050406030204" pitchFamily="18" charset="0"/>
+                                        </a:rPr>
+                                        <m:t>𝑖</m:t>
+                                      </m:r>
+                                    </m:sub>
+                                    <m:sup>
+                                      <m:r>
+                                        <m:rPr>
+                                          <m:brk m:alnAt="7"/>
+                                        </m:rPr>
+                                        <a:rPr lang="en-US" sz="3200" i="1">
+                                          <a:latin typeface="Cambria Math" panose="02040503050406030204" pitchFamily="18" charset="0"/>
+                                          <a:ea typeface="Cambria Math" panose="02040503050406030204" pitchFamily="18" charset="0"/>
+                                        </a:rPr>
+                                        <m:t>2</m:t>
+                                      </m:r>
+                                    </m:sup>
+                                  </m:sSubSup>
+                                </m:e>
+                                <m:e>
+                                  <m:sSubSup>
+                                    <m:sSubSupPr>
+                                      <m:ctrlPr>
+                                        <a:rPr lang="en-US" sz="3200" i="1">
+                                          <a:latin typeface="Cambria Math" panose="02040503050406030204" pitchFamily="18" charset="0"/>
+                                          <a:ea typeface="Cambria Math" panose="02040503050406030204" pitchFamily="18" charset="0"/>
+                                        </a:rPr>
+                                      </m:ctrlPr>
+                                    </m:sSubSupPr>
+                                    <m:e>
+                                      <m:r>
+                                        <m:rPr>
+                                          <m:brk m:alnAt="7"/>
+                                        </m:rPr>
+                                        <a:rPr lang="en-US" sz="3200" i="1">
+                                          <a:latin typeface="Cambria Math" panose="02040503050406030204" pitchFamily="18" charset="0"/>
+                                          <a:ea typeface="Cambria Math" panose="02040503050406030204" pitchFamily="18" charset="0"/>
+                                        </a:rPr>
+                                        <m:t>𝜎</m:t>
+                                      </m:r>
+                                    </m:e>
+                                    <m:sub>
+                                      <m:r>
+                                        <a:rPr lang="en-US" sz="3200" i="1">
+                                          <a:latin typeface="Cambria Math" panose="02040503050406030204" pitchFamily="18" charset="0"/>
+                                          <a:ea typeface="Cambria Math" panose="02040503050406030204" pitchFamily="18" charset="0"/>
+                                        </a:rPr>
+                                        <m:t>𝑗</m:t>
+                                      </m:r>
+                                      <m:r>
+                                        <a:rPr lang="en-US" sz="3200" i="1">
+                                          <a:latin typeface="Cambria Math" panose="02040503050406030204" pitchFamily="18" charset="0"/>
+                                          <a:ea typeface="Cambria Math" panose="02040503050406030204" pitchFamily="18" charset="0"/>
+                                        </a:rPr>
+                                        <m:t>,</m:t>
+                                      </m:r>
+                                      <m:r>
+                                        <a:rPr lang="en-US" sz="3200" i="1">
+                                          <a:latin typeface="Cambria Math" panose="02040503050406030204" pitchFamily="18" charset="0"/>
+                                          <a:ea typeface="Cambria Math" panose="02040503050406030204" pitchFamily="18" charset="0"/>
+                                        </a:rPr>
+                                        <m:t>𝑗</m:t>
+                                      </m:r>
+                                    </m:sub>
+                                    <m:sup>
+                                      <m:r>
+                                        <m:rPr>
+                                          <m:brk m:alnAt="7"/>
+                                        </m:rPr>
+                                        <a:rPr lang="en-US" sz="3200" i="1">
+                                          <a:latin typeface="Cambria Math" panose="02040503050406030204" pitchFamily="18" charset="0"/>
+                                          <a:ea typeface="Cambria Math" panose="02040503050406030204" pitchFamily="18" charset="0"/>
+                                        </a:rPr>
+                                        <m:t>2</m:t>
+                                      </m:r>
+                                    </m:sup>
+                                  </m:sSubSup>
+                                </m:e>
+                              </m:mr>
+                            </m:m>
+                          </m:e>
+                        </m:d>
+                      </m:oMath>
+                    </a14:m>
+                    <a:endParaRPr lang="en-US" sz="3200" dirty="0">
+                      <a:latin typeface="Arial" panose="020B0604020202020204" pitchFamily="34" charset="0"/>
+                      <a:cs typeface="Arial" panose="020B0604020202020204" pitchFamily="34" charset="0"/>
+                    </a:endParaRPr>
+                  </a:p>
+                  <a:p>
+                    <a:pPr algn="ctr"/>
+                    <a:endParaRPr lang="en-US" sz="2000" dirty="0">
+                      <a:latin typeface="Arial" panose="020B0604020202020204" pitchFamily="34" charset="0"/>
+                      <a:cs typeface="Arial" panose="020B0604020202020204" pitchFamily="34" charset="0"/>
+                    </a:endParaRPr>
+                  </a:p>
+                  <a:p>
+                    <a:pPr algn="ctr"/>
+                    <a:endParaRPr lang="en-US" sz="2000" dirty="0">
+                      <a:latin typeface="Arial" panose="020B0604020202020204" pitchFamily="34" charset="0"/>
+                      <a:cs typeface="Arial" panose="020B0604020202020204" pitchFamily="34" charset="0"/>
+                    </a:endParaRPr>
                   </a:p>
                 </p:txBody>
               </p:sp>
-            </p:grpSp>
-            <p:sp>
-              <p:nvSpPr>
-                <p:cNvPr id="45" name="TextBox 44">
-                  <a:extLst>
-                    <a:ext uri="{FF2B5EF4-FFF2-40B4-BE49-F238E27FC236}">
-                      <a16:creationId xmlns:a16="http://schemas.microsoft.com/office/drawing/2014/main" id="{6ADB85BF-A8A0-B441-801B-59DF3DA3D082}"/>
-                    </a:ext>
-                  </a:extLst>
-                </p:cNvPr>
-                <p:cNvSpPr txBox="1"/>
-                <p:nvPr/>
-              </p:nvSpPr>
-              <p:spPr>
-                <a:xfrm>
-                  <a:off x="7504763" y="14754917"/>
-                  <a:ext cx="4188393" cy="1569660"/>
-                </a:xfrm>
-                <a:prstGeom prst="rect">
-                  <a:avLst/>
-                </a:prstGeom>
-                <a:noFill/>
-              </p:spPr>
-              <p:txBody>
-                <a:bodyPr wrap="square" rtlCol="0">
-                  <a:spAutoFit/>
-                </a:bodyPr>
-                <a:lstStyle/>
-                <a:p>
-                  <a:pPr algn="ctr"/>
-                  <a:r>
-                    <a:rPr lang="en-US" sz="4800" dirty="0"/>
-                    <a:t>Regressed Models</a:t>
-                  </a:r>
-                </a:p>
-              </p:txBody>
-            </p:sp>
-            <p:sp>
-              <p:nvSpPr>
-                <p:cNvPr id="52" name="TextBox 51">
-                  <a:extLst>
-                    <a:ext uri="{FF2B5EF4-FFF2-40B4-BE49-F238E27FC236}">
-                      <a16:creationId xmlns:a16="http://schemas.microsoft.com/office/drawing/2014/main" id="{1D562825-2A34-F74A-BF70-DCB34C6AE09D}"/>
-                    </a:ext>
-                  </a:extLst>
-                </p:cNvPr>
-                <p:cNvSpPr txBox="1"/>
-                <p:nvPr/>
-              </p:nvSpPr>
-              <p:spPr>
-                <a:xfrm>
-                  <a:off x="16733397" y="15493580"/>
-                  <a:ext cx="4234013" cy="830997"/>
-                </a:xfrm>
-                <a:prstGeom prst="rect">
-                  <a:avLst/>
-                </a:prstGeom>
-                <a:noFill/>
-              </p:spPr>
-              <p:txBody>
-                <a:bodyPr wrap="square" rtlCol="0">
-                  <a:spAutoFit/>
-                </a:bodyPr>
-                <a:lstStyle/>
-                <a:p>
-                  <a:pPr algn="ctr"/>
-                  <a:r>
-                    <a:rPr lang="en-US" sz="4800" dirty="0"/>
-                    <a:t>Model Errors</a:t>
-                  </a:r>
-                </a:p>
-              </p:txBody>
-            </p:sp>
-            <p:sp>
-              <p:nvSpPr>
-                <p:cNvPr id="58" name="TextBox 57">
-                  <a:extLst>
-                    <a:ext uri="{FF2B5EF4-FFF2-40B4-BE49-F238E27FC236}">
-                      <a16:creationId xmlns:a16="http://schemas.microsoft.com/office/drawing/2014/main" id="{87F4C978-6964-A343-9C31-CE454BB7D511}"/>
-                    </a:ext>
-                  </a:extLst>
-                </p:cNvPr>
-                <p:cNvSpPr txBox="1"/>
-                <p:nvPr/>
-              </p:nvSpPr>
-              <p:spPr>
-                <a:xfrm>
-                  <a:off x="26593045" y="14754917"/>
-                  <a:ext cx="4298810" cy="1569660"/>
-                </a:xfrm>
-                <a:prstGeom prst="rect">
-                  <a:avLst/>
-                </a:prstGeom>
-                <a:noFill/>
-              </p:spPr>
-              <p:txBody>
-                <a:bodyPr wrap="square" rtlCol="0">
-                  <a:spAutoFit/>
-                </a:bodyPr>
-                <a:lstStyle/>
-                <a:p>
-                  <a:pPr algn="ctr"/>
-                  <a:r>
-                    <a:rPr lang="en-US" sz="4800" dirty="0"/>
-                    <a:t>Top Ranked Model</a:t>
-                  </a:r>
-                </a:p>
-              </p:txBody>
-            </p:sp>
-            <p:sp>
-              <p:nvSpPr>
-                <p:cNvPr id="61" name="TextBox 60">
-                  <a:extLst>
-                    <a:ext uri="{FF2B5EF4-FFF2-40B4-BE49-F238E27FC236}">
-                      <a16:creationId xmlns:a16="http://schemas.microsoft.com/office/drawing/2014/main" id="{2F4F5745-F80F-3844-9134-D4A7A49CC4CD}"/>
-                    </a:ext>
-                  </a:extLst>
-                </p:cNvPr>
-                <p:cNvSpPr txBox="1"/>
-                <p:nvPr/>
-              </p:nvSpPr>
-              <p:spPr>
-                <a:xfrm>
-                  <a:off x="37267225" y="15475641"/>
-                  <a:ext cx="4169218" cy="830997"/>
-                </a:xfrm>
-                <a:prstGeom prst="rect">
-                  <a:avLst/>
-                </a:prstGeom>
-                <a:noFill/>
-              </p:spPr>
-              <p:txBody>
-                <a:bodyPr wrap="square" rtlCol="0">
-                  <a:spAutoFit/>
-                </a:bodyPr>
-                <a:lstStyle/>
-                <a:p>
-                  <a:pPr algn="ctr"/>
-                  <a:r>
-                    <a:rPr lang="en-US" sz="4800" dirty="0"/>
-                    <a:t>FIM</a:t>
-                  </a:r>
-                </a:p>
-              </p:txBody>
-            </p:sp>
-          </p:grpSp>
-          <p:cxnSp>
-            <p:nvCxnSpPr>
-              <p:cNvPr id="77" name="Elbow Connector 76">
+            </mc:Choice>
+            <mc:Fallback>
+              <p:sp>
+                <p:nvSpPr>
+                  <p:cNvPr id="28" name="TextBox 27">
+                    <a:extLst>
+                      <a:ext uri="{FF2B5EF4-FFF2-40B4-BE49-F238E27FC236}">
+                        <a16:creationId xmlns:a16="http://schemas.microsoft.com/office/drawing/2014/main" id="{726589B9-6663-A647-B794-2BBF0D82511C}"/>
+                      </a:ext>
+                    </a:extLst>
+                  </p:cNvPr>
+                  <p:cNvSpPr txBox="1">
+                    <a:spLocks noRot="1" noChangeAspect="1" noMove="1" noResize="1" noEditPoints="1" noAdjustHandles="1" noChangeArrowheads="1" noChangeShapeType="1" noTextEdit="1"/>
+                  </p:cNvSpPr>
+                  <p:nvPr/>
+                </p:nvSpPr>
+                <p:spPr>
+                  <a:xfrm>
+                    <a:off x="13828622" y="2099835"/>
+                    <a:ext cx="3187685" cy="3885586"/>
+                  </a:xfrm>
+                  <a:prstGeom prst="rect">
+                    <a:avLst/>
+                  </a:prstGeom>
+                  <a:blipFill>
+                    <a:blip r:embed="rId4"/>
+                    <a:stretch>
+                      <a:fillRect l="-4167" t="-1951" r="-6746"/>
+                    </a:stretch>
+                  </a:blipFill>
+                  <a:ln w="28575">
+                    <a:solidFill>
+                      <a:srgbClr val="0432FF"/>
+                    </a:solidFill>
+                  </a:ln>
+                </p:spPr>
+                <p:txBody>
+                  <a:bodyPr/>
+                  <a:lstStyle/>
+                  <a:p>
+                    <a:r>
+                      <a:rPr lang="en-US">
+                        <a:noFill/>
+                      </a:rPr>
+                      <a:t> </a:t>
+                    </a:r>
+                  </a:p>
+                </p:txBody>
+              </p:sp>
+            </mc:Fallback>
+          </mc:AlternateContent>
+          <p:pic>
+            <p:nvPicPr>
+              <p:cNvPr id="29" name="Picture 2" descr="https://lh4.googleusercontent.com/jHfKAKWaIcBzb-YW-x9SZZcPbAoneCljbXOOcIoXhmUUKAt9x2dZn7tHAz1G4Rch5-a763A2xU7XdpN_xBsKLiO8tomUnXzW8Ze1lF0TbyvWT9qIbAiiyjMrwTVWfdvvjPX95H4YRpq8sfZuLP8WiA">
                 <a:extLst>
                   <a:ext uri="{FF2B5EF4-FFF2-40B4-BE49-F238E27FC236}">
-                    <a16:creationId xmlns:a16="http://schemas.microsoft.com/office/drawing/2014/main" id="{E7C5615A-7449-AD4A-9B36-37A9AFC3DE39}"/>
+                    <a16:creationId xmlns:a16="http://schemas.microsoft.com/office/drawing/2014/main" id="{F459C2A7-A84D-6641-B21D-A32D22040ACA}"/>
                   </a:ext>
                 </a:extLst>
               </p:cNvPr>
-              <p:cNvCxnSpPr>
-                <a:cxnSpLocks/>
-              </p:cNvCxnSpPr>
+              <p:cNvPicPr>
+                <a:picLocks noChangeAspect="1" noChangeArrowheads="1"/>
+              </p:cNvPicPr>
               <p:nvPr/>
-            </p:nvCxnSpPr>
-            <p:spPr>
-              <a:xfrm rot="10800000">
-                <a:off x="4053214" y="19090694"/>
-                <a:ext cx="40196047" cy="3551865"/>
-              </a:xfrm>
-              <a:prstGeom prst="bentConnector3">
-                <a:avLst>
-                  <a:gd name="adj1" fmla="val 100046"/>
-                </a:avLst>
-              </a:prstGeom>
-              <a:ln w="57150">
-                <a:solidFill>
-                  <a:srgbClr val="00B050"/>
-                </a:solidFill>
-                <a:tailEnd type="triangle"/>
-              </a:ln>
-            </p:spPr>
-            <p:style>
-              <a:lnRef idx="1">
-                <a:schemeClr val="accent1"/>
-              </a:lnRef>
-              <a:fillRef idx="0">
-                <a:schemeClr val="accent1"/>
-              </a:fillRef>
-              <a:effectRef idx="0">
-                <a:schemeClr val="accent1"/>
-              </a:effectRef>
-              <a:fontRef idx="minor">
-                <a:schemeClr val="tx1"/>
-              </a:fontRef>
-            </p:style>
-          </p:cxnSp>
-          <p:cxnSp>
-            <p:nvCxnSpPr>
-              <p:cNvPr id="84" name="Straight Connector 83">
+            </p:nvPicPr>
+            <p:blipFill>
+              <a:blip r:embed="rId5">
                 <a:extLst>
-                  <a:ext uri="{FF2B5EF4-FFF2-40B4-BE49-F238E27FC236}">
-                    <a16:creationId xmlns:a16="http://schemas.microsoft.com/office/drawing/2014/main" id="{E84DDDBF-C1A9-BE4B-858A-D6A9DF6DA8B2}"/>
+                  <a:ext uri="{28A0092B-C50C-407E-A947-70E740481C1C}">
+                    <a14:useLocalDpi xmlns:a14="http://schemas.microsoft.com/office/drawing/2010/main" val="0"/>
                   </a:ext>
                 </a:extLst>
-              </p:cNvPr>
-              <p:cNvCxnSpPr>
-                <a:stCxn id="36" idx="2"/>
-              </p:cNvCxnSpPr>
-              <p:nvPr/>
-            </p:nvCxnSpPr>
-            <p:spPr>
+              </a:blip>
+              <a:srcRect/>
+              <a:stretch>
+                <a:fillRect/>
+              </a:stretch>
+            </p:blipFill>
+            <p:spPr bwMode="auto">
               <a:xfrm>
-                <a:off x="44249260" y="17613358"/>
-                <a:ext cx="0" cy="5029200"/>
+                <a:off x="15662868" y="4842421"/>
+                <a:ext cx="1150938" cy="1143000"/>
               </a:xfrm>
-              <a:prstGeom prst="line">
+              <a:prstGeom prst="rect">
                 <a:avLst/>
               </a:prstGeom>
-              <a:ln w="28575">
-                <a:solidFill>
-                  <a:srgbClr val="00B050"/>
-                </a:solidFill>
-              </a:ln>
+              <a:noFill/>
+              <a:extLst>
+                <a:ext uri="{909E8E84-426E-40DD-AFC4-6F175D3DCCD1}">
+                  <a14:hiddenFill xmlns:a14="http://schemas.microsoft.com/office/drawing/2010/main">
+                    <a:solidFill>
+                      <a:srgbClr val="FFFFFF"/>
+                    </a:solidFill>
+                  </a14:hiddenFill>
+                </a:ext>
+              </a:extLst>
             </p:spPr>
-            <p:style>
-              <a:lnRef idx="1">
-                <a:schemeClr val="accent1"/>
-              </a:lnRef>
-              <a:fillRef idx="0">
-                <a:schemeClr val="accent1"/>
-              </a:fillRef>
-              <a:effectRef idx="0">
-                <a:schemeClr val="accent1"/>
-              </a:effectRef>
-              <a:fontRef idx="minor">
-                <a:schemeClr val="tx1"/>
-              </a:fontRef>
-            </p:style>
-          </p:cxnSp>
+          </p:pic>
         </p:grpSp>
         <p:sp>
           <p:nvSpPr>
-            <p:cNvPr id="93" name="TextBox 92">
-              <a:extLst>
-                <a:ext uri="{FF2B5EF4-FFF2-40B4-BE49-F238E27FC236}">
-                  <a16:creationId xmlns:a16="http://schemas.microsoft.com/office/drawing/2014/main" id="{A973EBE4-6507-4942-BA53-5601A6628954}"/>
+            <p:cNvPr id="45" name="TextBox 44">
+              <a:extLst>
+                <a:ext uri="{FF2B5EF4-FFF2-40B4-BE49-F238E27FC236}">
+                  <a16:creationId xmlns:a16="http://schemas.microsoft.com/office/drawing/2014/main" id="{6ADB85BF-A8A0-B441-801B-59DF3DA3D082}"/>
                 </a:ext>
               </a:extLst>
             </p:cNvPr>
@@ -7534,8 +7165,8 @@
           </p:nvSpPr>
           <p:spPr>
             <a:xfrm>
-              <a:off x="20797404" y="21811561"/>
-              <a:ext cx="6707666" cy="830997"/>
+              <a:off x="6707805" y="14624147"/>
+              <a:ext cx="4188393" cy="1815882"/>
             </a:xfrm>
             <a:prstGeom prst="rect">
               <a:avLst/>
@@ -7550,12 +7181,501 @@
             <a:p>
               <a:pPr algn="ctr"/>
               <a:r>
-                <a:rPr lang="en-US" sz="4800" dirty="0"/>
+                <a:rPr lang="en-US" sz="5600" dirty="0">
+                  <a:latin typeface="Arial" panose="020B0604020202020204" pitchFamily="34" charset="0"/>
+                  <a:cs typeface="Arial" panose="020B0604020202020204" pitchFamily="34" charset="0"/>
+                </a:rPr>
+                <a:t>Regressed Models</a:t>
+              </a:r>
+            </a:p>
+          </p:txBody>
+        </p:sp>
+        <p:sp>
+          <p:nvSpPr>
+            <p:cNvPr id="61" name="TextBox 60">
+              <a:extLst>
+                <a:ext uri="{FF2B5EF4-FFF2-40B4-BE49-F238E27FC236}">
+                  <a16:creationId xmlns:a16="http://schemas.microsoft.com/office/drawing/2014/main" id="{2F4F5745-F80F-3844-9134-D4A7A49CC4CD}"/>
+                </a:ext>
+              </a:extLst>
+            </p:cNvPr>
+            <p:cNvSpPr txBox="1"/>
+            <p:nvPr/>
+          </p:nvSpPr>
+          <p:spPr>
+            <a:xfrm>
+              <a:off x="36466942" y="15485922"/>
+              <a:ext cx="4169218" cy="954107"/>
+            </a:xfrm>
+            <a:prstGeom prst="rect">
+              <a:avLst/>
+            </a:prstGeom>
+            <a:noFill/>
+          </p:spPr>
+          <p:txBody>
+            <a:bodyPr wrap="square" rtlCol="0">
+              <a:spAutoFit/>
+            </a:bodyPr>
+            <a:lstStyle/>
+            <a:p>
+              <a:pPr algn="ctr"/>
+              <a:r>
+                <a:rPr lang="en-US" sz="5600" dirty="0">
+                  <a:latin typeface="Arial" panose="020B0604020202020204" pitchFamily="34" charset="0"/>
+                  <a:cs typeface="Arial" panose="020B0604020202020204" pitchFamily="34" charset="0"/>
+                </a:rPr>
+                <a:t>FIM</a:t>
+              </a:r>
+            </a:p>
+          </p:txBody>
+        </p:sp>
+        <p:cxnSp>
+          <p:nvCxnSpPr>
+            <p:cNvPr id="77" name="Elbow Connector 76">
+              <a:extLst>
+                <a:ext uri="{FF2B5EF4-FFF2-40B4-BE49-F238E27FC236}">
+                  <a16:creationId xmlns:a16="http://schemas.microsoft.com/office/drawing/2014/main" id="{E7C5615A-7449-AD4A-9B36-37A9AFC3DE39}"/>
+                </a:ext>
+              </a:extLst>
+            </p:cNvPr>
+            <p:cNvCxnSpPr>
+              <a:cxnSpLocks/>
+              <a:endCxn id="32" idx="2"/>
+            </p:cNvCxnSpPr>
+            <p:nvPr/>
+          </p:nvCxnSpPr>
+          <p:spPr>
+            <a:xfrm rot="10800000">
+              <a:off x="4961639" y="16934526"/>
+              <a:ext cx="38411315" cy="5519214"/>
+            </a:xfrm>
+            <a:prstGeom prst="bentConnector2">
+              <a:avLst/>
+            </a:prstGeom>
+            <a:ln w="57150">
+              <a:solidFill>
+                <a:srgbClr val="00B050"/>
+              </a:solidFill>
+              <a:tailEnd type="triangle"/>
+            </a:ln>
+          </p:spPr>
+          <p:style>
+            <a:lnRef idx="1">
+              <a:schemeClr val="accent1"/>
+            </a:lnRef>
+            <a:fillRef idx="0">
+              <a:schemeClr val="accent1"/>
+            </a:fillRef>
+            <a:effectRef idx="0">
+              <a:schemeClr val="accent1"/>
+            </a:effectRef>
+            <a:fontRef idx="minor">
+              <a:schemeClr val="tx1"/>
+            </a:fontRef>
+          </p:style>
+        </p:cxnSp>
+        <p:cxnSp>
+          <p:nvCxnSpPr>
+            <p:cNvPr id="84" name="Straight Connector 83">
+              <a:extLst>
+                <a:ext uri="{FF2B5EF4-FFF2-40B4-BE49-F238E27FC236}">
+                  <a16:creationId xmlns:a16="http://schemas.microsoft.com/office/drawing/2014/main" id="{E84DDDBF-C1A9-BE4B-858A-D6A9DF6DA8B2}"/>
+                </a:ext>
+              </a:extLst>
+            </p:cNvPr>
+            <p:cNvCxnSpPr>
+              <a:cxnSpLocks/>
+              <a:stCxn id="36" idx="2"/>
+            </p:cNvCxnSpPr>
+            <p:nvPr/>
+          </p:nvCxnSpPr>
+          <p:spPr>
+            <a:xfrm>
+              <a:off x="43372953" y="18119553"/>
+              <a:ext cx="0" cy="4334187"/>
+            </a:xfrm>
+            <a:prstGeom prst="line">
+              <a:avLst/>
+            </a:prstGeom>
+            <a:ln w="57150">
+              <a:solidFill>
+                <a:srgbClr val="00B050"/>
+              </a:solidFill>
+            </a:ln>
+          </p:spPr>
+          <p:style>
+            <a:lnRef idx="1">
+              <a:schemeClr val="accent1"/>
+            </a:lnRef>
+            <a:fillRef idx="0">
+              <a:schemeClr val="accent1"/>
+            </a:fillRef>
+            <a:effectRef idx="0">
+              <a:schemeClr val="accent1"/>
+            </a:effectRef>
+            <a:fontRef idx="minor">
+              <a:schemeClr val="tx1"/>
+            </a:fontRef>
+          </p:style>
+        </p:cxnSp>
+        <p:sp>
+          <p:nvSpPr>
+            <p:cNvPr id="93" name="TextBox 92">
+              <a:extLst>
+                <a:ext uri="{FF2B5EF4-FFF2-40B4-BE49-F238E27FC236}">
+                  <a16:creationId xmlns:a16="http://schemas.microsoft.com/office/drawing/2014/main" id="{A973EBE4-6507-4942-BA53-5601A6628954}"/>
+                </a:ext>
+              </a:extLst>
+            </p:cNvPr>
+            <p:cNvSpPr txBox="1"/>
+            <p:nvPr/>
+          </p:nvSpPr>
+          <p:spPr>
+            <a:xfrm>
+              <a:off x="19829447" y="21499633"/>
+              <a:ext cx="8768196" cy="954107"/>
+            </a:xfrm>
+            <a:prstGeom prst="rect">
+              <a:avLst/>
+            </a:prstGeom>
+            <a:noFill/>
+          </p:spPr>
+          <p:txBody>
+            <a:bodyPr wrap="square" rtlCol="0">
+              <a:spAutoFit/>
+            </a:bodyPr>
+            <a:lstStyle/>
+            <a:p>
+              <a:pPr algn="ctr"/>
+              <a:r>
+                <a:rPr lang="en-US" sz="5600" dirty="0">
+                  <a:latin typeface="Arial" panose="020B0604020202020204" pitchFamily="34" charset="0"/>
+                  <a:cs typeface="Arial" panose="020B0604020202020204" pitchFamily="34" charset="0"/>
+                </a:rPr>
                 <a:t>Suggested Measurements</a:t>
               </a:r>
             </a:p>
           </p:txBody>
         </p:sp>
+        <p:cxnSp>
+          <p:nvCxnSpPr>
+            <p:cNvPr id="42" name="Straight Arrow Connector 41">
+              <a:extLst>
+                <a:ext uri="{FF2B5EF4-FFF2-40B4-BE49-F238E27FC236}">
+                  <a16:creationId xmlns:a16="http://schemas.microsoft.com/office/drawing/2014/main" id="{BD86AAC0-884B-FB4E-B10A-6A646C1B291B}"/>
+                </a:ext>
+              </a:extLst>
+            </p:cNvPr>
+            <p:cNvCxnSpPr>
+              <a:cxnSpLocks/>
+              <a:stCxn id="37" idx="2"/>
+              <a:endCxn id="32" idx="0"/>
+            </p:cNvCxnSpPr>
+            <p:nvPr/>
+          </p:nvCxnSpPr>
+          <p:spPr>
+            <a:xfrm>
+              <a:off x="4961638" y="13994000"/>
+              <a:ext cx="0" cy="1986419"/>
+            </a:xfrm>
+            <a:prstGeom prst="straightConnector1">
+              <a:avLst/>
+            </a:prstGeom>
+            <a:ln w="57150">
+              <a:solidFill>
+                <a:srgbClr val="00B050"/>
+              </a:solidFill>
+              <a:tailEnd type="triangle"/>
+            </a:ln>
+          </p:spPr>
+          <p:style>
+            <a:lnRef idx="1">
+              <a:schemeClr val="accent1"/>
+            </a:lnRef>
+            <a:fillRef idx="0">
+              <a:schemeClr val="accent1"/>
+            </a:fillRef>
+            <a:effectRef idx="0">
+              <a:schemeClr val="accent1"/>
+            </a:effectRef>
+            <a:fontRef idx="minor">
+              <a:schemeClr val="tx1"/>
+            </a:fontRef>
+          </p:style>
+        </p:cxnSp>
+        <p:grpSp>
+          <p:nvGrpSpPr>
+            <p:cNvPr id="40" name="Group 39">
+              <a:extLst>
+                <a:ext uri="{FF2B5EF4-FFF2-40B4-BE49-F238E27FC236}">
+                  <a16:creationId xmlns:a16="http://schemas.microsoft.com/office/drawing/2014/main" id="{FE608296-E2E4-F44F-9050-8D00F84819E3}"/>
+                </a:ext>
+              </a:extLst>
+            </p:cNvPr>
+            <p:cNvGrpSpPr/>
+            <p:nvPr/>
+          </p:nvGrpSpPr>
+          <p:grpSpPr>
+            <a:xfrm>
+              <a:off x="2379743" y="10577680"/>
+              <a:ext cx="5163790" cy="3416320"/>
+              <a:chOff x="2938481" y="11698958"/>
+              <a:chExt cx="5163790" cy="3416320"/>
+            </a:xfrm>
+          </p:grpSpPr>
+          <p:sp>
+            <p:nvSpPr>
+              <p:cNvPr id="37" name="TextBox 36">
+                <a:extLst>
+                  <a:ext uri="{FF2B5EF4-FFF2-40B4-BE49-F238E27FC236}">
+                    <a16:creationId xmlns:a16="http://schemas.microsoft.com/office/drawing/2014/main" id="{9206FAC6-BF4F-BF40-931B-27A0B1CE94BC}"/>
+                  </a:ext>
+                </a:extLst>
+              </p:cNvPr>
+              <p:cNvSpPr txBox="1"/>
+              <p:nvPr/>
+            </p:nvSpPr>
+            <p:spPr>
+              <a:xfrm>
+                <a:off x="2938481" y="11698958"/>
+                <a:ext cx="5163790" cy="3416320"/>
+              </a:xfrm>
+              <a:prstGeom prst="rect">
+                <a:avLst/>
+              </a:prstGeom>
+              <a:noFill/>
+              <a:ln w="28575">
+                <a:solidFill>
+                  <a:srgbClr val="0432FF"/>
+                </a:solidFill>
+              </a:ln>
+            </p:spPr>
+            <p:txBody>
+              <a:bodyPr wrap="square" rtlCol="0">
+                <a:spAutoFit/>
+              </a:bodyPr>
+              <a:lstStyle/>
+              <a:p>
+                <a:pPr algn="ctr"/>
+                <a:r>
+                  <a:rPr lang="en-US" sz="5600" dirty="0">
+                    <a:latin typeface="Arial" panose="020B0604020202020204" pitchFamily="34" charset="0"/>
+                    <a:cs typeface="Arial" panose="020B0604020202020204" pitchFamily="34" charset="0"/>
+                  </a:rPr>
+                  <a:t>Library of Candidate Models</a:t>
+                </a:r>
+              </a:p>
+              <a:p>
+                <a:pPr algn="ctr"/>
+                <a:endParaRPr lang="en-US" sz="4800" dirty="0">
+                  <a:latin typeface="Arial" panose="020B0604020202020204" pitchFamily="34" charset="0"/>
+                  <a:cs typeface="Arial" panose="020B0604020202020204" pitchFamily="34" charset="0"/>
+                </a:endParaRPr>
+              </a:p>
+            </p:txBody>
+          </p:sp>
+          <p:pic>
+            <p:nvPicPr>
+              <p:cNvPr id="50" name="Picture 49" descr="Logo&#10;&#10;Description automatically generated">
+                <a:extLst>
+                  <a:ext uri="{FF2B5EF4-FFF2-40B4-BE49-F238E27FC236}">
+                    <a16:creationId xmlns:a16="http://schemas.microsoft.com/office/drawing/2014/main" id="{3EBECB23-FD1D-3949-A55D-1123EFFE7D6D}"/>
+                  </a:ext>
+                </a:extLst>
+              </p:cNvPr>
+              <p:cNvPicPr/>
+              <p:nvPr/>
+            </p:nvPicPr>
+            <p:blipFill>
+              <a:blip r:embed="rId6" cstate="print">
+                <a:extLst>
+                  <a:ext uri="{28A0092B-C50C-407E-A947-70E740481C1C}">
+                    <a14:useLocalDpi xmlns:a14="http://schemas.microsoft.com/office/drawing/2010/main" val="0"/>
+                  </a:ext>
+                </a:extLst>
+              </a:blip>
+              <a:stretch>
+                <a:fillRect/>
+              </a:stretch>
+            </p:blipFill>
+            <p:spPr>
+              <a:xfrm>
+                <a:off x="6063539" y="14471869"/>
+                <a:ext cx="1266012" cy="446026"/>
+              </a:xfrm>
+              <a:prstGeom prst="rect">
+                <a:avLst/>
+              </a:prstGeom>
+            </p:spPr>
+          </p:pic>
+          <p:pic>
+            <p:nvPicPr>
+              <p:cNvPr id="51" name="Picture 50" descr="A picture containing logo&#10;&#10;Description automatically generated">
+                <a:extLst>
+                  <a:ext uri="{FF2B5EF4-FFF2-40B4-BE49-F238E27FC236}">
+                    <a16:creationId xmlns:a16="http://schemas.microsoft.com/office/drawing/2014/main" id="{D43C2402-C94F-5345-AC2A-4D582BE7E833}"/>
+                  </a:ext>
+                </a:extLst>
+              </p:cNvPr>
+              <p:cNvPicPr/>
+              <p:nvPr/>
+            </p:nvPicPr>
+            <p:blipFill>
+              <a:blip r:embed="rId7" cstate="print">
+                <a:extLst>
+                  <a:ext uri="{28A0092B-C50C-407E-A947-70E740481C1C}">
+                    <a14:useLocalDpi xmlns:a14="http://schemas.microsoft.com/office/drawing/2010/main" val="0"/>
+                  </a:ext>
+                </a:extLst>
+              </a:blip>
+              <a:stretch>
+                <a:fillRect/>
+              </a:stretch>
+            </p:blipFill>
+            <p:spPr>
+              <a:xfrm>
+                <a:off x="3543352" y="14272574"/>
+                <a:ext cx="2015794" cy="738078"/>
+              </a:xfrm>
+              <a:prstGeom prst="rect">
+                <a:avLst/>
+              </a:prstGeom>
+            </p:spPr>
+          </p:pic>
+        </p:grpSp>
+        <p:grpSp>
+          <p:nvGrpSpPr>
+            <p:cNvPr id="41" name="Group 40">
+              <a:extLst>
+                <a:ext uri="{FF2B5EF4-FFF2-40B4-BE49-F238E27FC236}">
+                  <a16:creationId xmlns:a16="http://schemas.microsoft.com/office/drawing/2014/main" id="{DD125464-86A0-3945-A4C7-6BF5A671638A}"/>
+                </a:ext>
+              </a:extLst>
+            </p:cNvPr>
+            <p:cNvGrpSpPr/>
+            <p:nvPr/>
+          </p:nvGrpSpPr>
+          <p:grpSpPr>
+            <a:xfrm>
+              <a:off x="39867699" y="14826344"/>
+              <a:ext cx="7010508" cy="3293209"/>
+              <a:chOff x="41436443" y="15305035"/>
+              <a:chExt cx="5625634" cy="3293209"/>
+            </a:xfrm>
+          </p:grpSpPr>
+          <p:sp>
+            <p:nvSpPr>
+              <p:cNvPr id="36" name="TextBox 35">
+                <a:extLst>
+                  <a:ext uri="{FF2B5EF4-FFF2-40B4-BE49-F238E27FC236}">
+                    <a16:creationId xmlns:a16="http://schemas.microsoft.com/office/drawing/2014/main" id="{D3F7FB7E-76A3-5949-9959-C761ED6217B3}"/>
+                  </a:ext>
+                </a:extLst>
+              </p:cNvPr>
+              <p:cNvSpPr txBox="1"/>
+              <p:nvPr/>
+            </p:nvSpPr>
+            <p:spPr>
+              <a:xfrm>
+                <a:off x="41436443" y="15305035"/>
+                <a:ext cx="5625634" cy="3293209"/>
+              </a:xfrm>
+              <a:prstGeom prst="rect">
+                <a:avLst/>
+              </a:prstGeom>
+              <a:noFill/>
+              <a:ln w="28575">
+                <a:solidFill>
+                  <a:srgbClr val="0432FF"/>
+                </a:solidFill>
+              </a:ln>
+            </p:spPr>
+            <p:txBody>
+              <a:bodyPr wrap="square" rtlCol="0">
+                <a:spAutoFit/>
+              </a:bodyPr>
+              <a:lstStyle/>
+              <a:p>
+                <a:pPr algn="ctr"/>
+                <a:r>
+                  <a:rPr lang="en-US" sz="5600" b="1" u="sng" dirty="0">
+                    <a:latin typeface="Arial" panose="020B0604020202020204" pitchFamily="34" charset="0"/>
+                    <a:cs typeface="Arial" panose="020B0604020202020204" pitchFamily="34" charset="0"/>
+                  </a:rPr>
+                  <a:t>Step 4</a:t>
+                </a:r>
+              </a:p>
+              <a:p>
+                <a:pPr algn="ctr"/>
+                <a:r>
+                  <a:rPr lang="en-US" sz="5600" dirty="0">
+                    <a:latin typeface="Arial" panose="020B0604020202020204" pitchFamily="34" charset="0"/>
+                    <a:cs typeface="Arial" panose="020B0604020202020204" pitchFamily="34" charset="0"/>
+                  </a:rPr>
+                  <a:t>Model-Based Design of Experiments</a:t>
+                </a:r>
+                <a:endParaRPr lang="en-US" sz="3200" dirty="0">
+                  <a:latin typeface="Arial" panose="020B0604020202020204" pitchFamily="34" charset="0"/>
+                  <a:cs typeface="Arial" panose="020B0604020202020204" pitchFamily="34" charset="0"/>
+                </a:endParaRPr>
+              </a:p>
+              <a:p>
+                <a:pPr algn="ctr"/>
+                <a:endParaRPr lang="en-US" sz="4000" dirty="0">
+                  <a:latin typeface="Arial" panose="020B0604020202020204" pitchFamily="34" charset="0"/>
+                  <a:cs typeface="Arial" panose="020B0604020202020204" pitchFamily="34" charset="0"/>
+                </a:endParaRPr>
+              </a:p>
+            </p:txBody>
+          </p:sp>
+          <p:pic>
+            <p:nvPicPr>
+              <p:cNvPr id="1026" name="Picture 2" descr="https://lh4.googleusercontent.com/im-gzqjvhj1yy3uBjZrldXKTYQTSkXCsWBKws1c6ZQ-DFaZw3NmY9E7-cIbRbCKHZulzDuFo_W79Jy01gMrO9cx7RjPKZAJfwChH1yRZzv3F98MEV4JpA7Ij6bw5ETrY_voqBEGyEVcC9PIukKMYXYNDNSbiF0bIblT5MfhwvFCkwvtwbSjqyBD9UpWrPNTQMwcsJGMh-Q">
+                <a:extLst>
+                  <a:ext uri="{FF2B5EF4-FFF2-40B4-BE49-F238E27FC236}">
+                    <a16:creationId xmlns:a16="http://schemas.microsoft.com/office/drawing/2014/main" id="{4F3E3B83-6979-E849-A5BF-8036A2D28364}"/>
+                  </a:ext>
+                </a:extLst>
+              </p:cNvPr>
+              <p:cNvPicPr>
+                <a:picLocks noChangeAspect="1" noChangeArrowheads="1"/>
+              </p:cNvPicPr>
+              <p:nvPr/>
+            </p:nvPicPr>
+            <p:blipFill>
+              <a:blip r:embed="rId8">
+                <a:extLst>
+                  <a:ext uri="{28A0092B-C50C-407E-A947-70E740481C1C}">
+                    <a14:useLocalDpi xmlns:a14="http://schemas.microsoft.com/office/drawing/2010/main" val="0"/>
+                  </a:ext>
+                </a:extLst>
+              </a:blip>
+              <a:srcRect/>
+              <a:stretch>
+                <a:fillRect/>
+              </a:stretch>
+            </p:blipFill>
+            <p:spPr bwMode="auto">
+              <a:xfrm>
+                <a:off x="43701823" y="18010087"/>
+                <a:ext cx="1094874" cy="457200"/>
+              </a:xfrm>
+              <a:prstGeom prst="rect">
+                <a:avLst/>
+              </a:prstGeom>
+              <a:noFill/>
+              <a:extLst>
+                <a:ext uri="{909E8E84-426E-40DD-AFC4-6F175D3DCCD1}">
+                  <a14:hiddenFill xmlns:a14="http://schemas.microsoft.com/office/drawing/2010/main">
+                    <a:solidFill>
+                      <a:srgbClr val="FFFFFF"/>
+                    </a:solidFill>
+                  </a14:hiddenFill>
+                </a:ext>
+              </a:extLst>
+            </p:spPr>
+          </p:pic>
+        </p:grpSp>
       </p:grpSp>
     </p:spTree>
     <p:extLst>

--- a/modsel/paramest/ModSelAnalysis_FlowDiagram.pptx
+++ b/modsel/paramest/ModSelAnalysis_FlowDiagram.pptx
@@ -5,7 +5,7 @@
     <p:sldMasterId id="2147483804" r:id="rId1"/>
   </p:sldMasterIdLst>
   <p:notesMasterIdLst>
-    <p:notesMasterId r:id="rId10"/>
+    <p:notesMasterId r:id="rId11"/>
   </p:notesMasterIdLst>
   <p:sldIdLst>
     <p:sldId id="256" r:id="rId2"/>
@@ -16,6 +16,7 @@
     <p:sldId id="262" r:id="rId7"/>
     <p:sldId id="263" r:id="rId8"/>
     <p:sldId id="264" r:id="rId9"/>
+    <p:sldId id="265" r:id="rId10"/>
   </p:sldIdLst>
   <p:sldSz cx="47548800" cy="32918400"/>
   <p:notesSz cx="6858000" cy="9144000"/>
@@ -227,7 +228,7 @@
           <a:p>
             <a:fld id="{4F7CD100-96F6-244B-90D1-120180DBD7F9}" type="datetimeFigureOut">
               <a:rPr lang="en-US" smtClean="0"/>
-              <a:t>11/10/22</a:t>
+              <a:t>11/11/22</a:t>
             </a:fld>
             <a:endParaRPr lang="en-US"/>
           </a:p>
@@ -1385,7 +1386,7 @@
           <a:p>
             <a:fld id="{957CF60C-A504-6447-9F1C-7F75B010BCC6}" type="datetimeFigureOut">
               <a:rPr lang="en-US" smtClean="0"/>
-              <a:t>11/10/22</a:t>
+              <a:t>11/11/22</a:t>
             </a:fld>
             <a:endParaRPr lang="en-US"/>
           </a:p>
@@ -1555,7 +1556,7 @@
           <a:p>
             <a:fld id="{957CF60C-A504-6447-9F1C-7F75B010BCC6}" type="datetimeFigureOut">
               <a:rPr lang="en-US" smtClean="0"/>
-              <a:t>11/10/22</a:t>
+              <a:t>11/11/22</a:t>
             </a:fld>
             <a:endParaRPr lang="en-US"/>
           </a:p>
@@ -1735,7 +1736,7 @@
           <a:p>
             <a:fld id="{957CF60C-A504-6447-9F1C-7F75B010BCC6}" type="datetimeFigureOut">
               <a:rPr lang="en-US" smtClean="0"/>
-              <a:t>11/10/22</a:t>
+              <a:t>11/11/22</a:t>
             </a:fld>
             <a:endParaRPr lang="en-US"/>
           </a:p>
@@ -1905,7 +1906,7 @@
           <a:p>
             <a:fld id="{957CF60C-A504-6447-9F1C-7F75B010BCC6}" type="datetimeFigureOut">
               <a:rPr lang="en-US" smtClean="0"/>
-              <a:t>11/10/22</a:t>
+              <a:t>11/11/22</a:t>
             </a:fld>
             <a:endParaRPr lang="en-US"/>
           </a:p>
@@ -2149,7 +2150,7 @@
           <a:p>
             <a:fld id="{957CF60C-A504-6447-9F1C-7F75B010BCC6}" type="datetimeFigureOut">
               <a:rPr lang="en-US" smtClean="0"/>
-              <a:t>11/10/22</a:t>
+              <a:t>11/11/22</a:t>
             </a:fld>
             <a:endParaRPr lang="en-US"/>
           </a:p>
@@ -2381,7 +2382,7 @@
           <a:p>
             <a:fld id="{957CF60C-A504-6447-9F1C-7F75B010BCC6}" type="datetimeFigureOut">
               <a:rPr lang="en-US" smtClean="0"/>
-              <a:t>11/10/22</a:t>
+              <a:t>11/11/22</a:t>
             </a:fld>
             <a:endParaRPr lang="en-US"/>
           </a:p>
@@ -2748,7 +2749,7 @@
           <a:p>
             <a:fld id="{957CF60C-A504-6447-9F1C-7F75B010BCC6}" type="datetimeFigureOut">
               <a:rPr lang="en-US" smtClean="0"/>
-              <a:t>11/10/22</a:t>
+              <a:t>11/11/22</a:t>
             </a:fld>
             <a:endParaRPr lang="en-US"/>
           </a:p>
@@ -2866,7 +2867,7 @@
           <a:p>
             <a:fld id="{957CF60C-A504-6447-9F1C-7F75B010BCC6}" type="datetimeFigureOut">
               <a:rPr lang="en-US" smtClean="0"/>
-              <a:t>11/10/22</a:t>
+              <a:t>11/11/22</a:t>
             </a:fld>
             <a:endParaRPr lang="en-US"/>
           </a:p>
@@ -2961,7 +2962,7 @@
           <a:p>
             <a:fld id="{957CF60C-A504-6447-9F1C-7F75B010BCC6}" type="datetimeFigureOut">
               <a:rPr lang="en-US" smtClean="0"/>
-              <a:t>11/10/22</a:t>
+              <a:t>11/11/22</a:t>
             </a:fld>
             <a:endParaRPr lang="en-US"/>
           </a:p>
@@ -3238,7 +3239,7 @@
           <a:p>
             <a:fld id="{957CF60C-A504-6447-9F1C-7F75B010BCC6}" type="datetimeFigureOut">
               <a:rPr lang="en-US" smtClean="0"/>
-              <a:t>11/10/22</a:t>
+              <a:t>11/11/22</a:t>
             </a:fld>
             <a:endParaRPr lang="en-US"/>
           </a:p>
@@ -3495,7 +3496,7 @@
           <a:p>
             <a:fld id="{957CF60C-A504-6447-9F1C-7F75B010BCC6}" type="datetimeFigureOut">
               <a:rPr lang="en-US" smtClean="0"/>
-              <a:t>11/10/22</a:t>
+              <a:t>11/11/22</a:t>
             </a:fld>
             <a:endParaRPr lang="en-US"/>
           </a:p>
@@ -3708,7 +3709,7 @@
           <a:p>
             <a:fld id="{957CF60C-A504-6447-9F1C-7F75B010BCC6}" type="datetimeFigureOut">
               <a:rPr lang="en-US" smtClean="0"/>
-              <a:t>11/10/22</a:t>
+              <a:t>11/11/22</a:t>
             </a:fld>
             <a:endParaRPr lang="en-US"/>
           </a:p>
@@ -6356,8 +6357,8 @@
             </p:spPr>
           </p:pic>
         </p:grpSp>
-        <mc:AlternateContent xmlns:mc="http://schemas.openxmlformats.org/markup-compatibility/2006">
-          <mc:Choice xmlns:a14="http://schemas.microsoft.com/office/drawing/2010/main" Requires="a14">
+        <mc:AlternateContent xmlns:mc="http://schemas.openxmlformats.org/markup-compatibility/2006" xmlns:a14="http://schemas.microsoft.com/office/drawing/2010/main">
+          <mc:Choice Requires="a14">
             <p:sp>
               <p:nvSpPr>
                 <p:cNvPr id="26" name="TextBox 25">
@@ -6519,7 +6520,7 @@
               </p:txBody>
             </p:sp>
           </mc:Choice>
-          <mc:Fallback>
+          <mc:Fallback xmlns="">
             <p:sp>
               <p:nvSpPr>
                 <p:cNvPr id="26" name="TextBox 25">
@@ -6589,8 +6590,8 @@
               <a:chExt cx="3187685" cy="3885586"/>
             </a:xfrm>
           </p:grpSpPr>
-          <mc:AlternateContent xmlns:mc="http://schemas.openxmlformats.org/markup-compatibility/2006">
-            <mc:Choice xmlns:a14="http://schemas.microsoft.com/office/drawing/2010/main" Requires="a14">
+          <mc:AlternateContent xmlns:mc="http://schemas.openxmlformats.org/markup-compatibility/2006" xmlns:a14="http://schemas.microsoft.com/office/drawing/2010/main">
+            <mc:Choice Requires="a14">
               <p:sp>
                 <p:nvSpPr>
                   <p:cNvPr id="28" name="TextBox 27">
@@ -6688,7 +6689,6 @@
                     </a:endParaRPr>
                   </a:p>
                   <a:p>
-                    <a:pPr/>
                     <a:r>
                       <a:rPr lang="en-US" sz="2400" dirty="0">
                         <a:latin typeface="Arial" panose="020B0604020202020204" pitchFamily="34" charset="0"/>
@@ -7053,7 +7053,7 @@
                 </p:txBody>
               </p:sp>
             </mc:Choice>
-            <mc:Fallback>
+            <mc:Fallback xmlns="">
               <p:sp>
                 <p:nvSpPr>
                   <p:cNvPr id="28" name="TextBox 27">
@@ -9459,9 +9459,9 @@
         <p:grpSpPr>
           <a:xfrm>
             <a:off x="13701284" y="2199413"/>
-            <a:ext cx="19122899" cy="6179127"/>
+            <a:ext cx="19122899" cy="6179126"/>
             <a:chOff x="4257387" y="1466273"/>
-            <a:chExt cx="12748599" cy="4119418"/>
+            <a:chExt cx="12748599" cy="4119417"/>
           </a:xfrm>
         </p:grpSpPr>
         <p:grpSp>
@@ -9479,9 +9479,9 @@
           <p:grpSpPr>
             <a:xfrm>
               <a:off x="4257387" y="1466273"/>
-              <a:ext cx="12748599" cy="4119418"/>
+              <a:ext cx="12748599" cy="4119417"/>
               <a:chOff x="4257387" y="1466273"/>
-              <a:chExt cx="12748599" cy="4119418"/>
+              <a:chExt cx="12748599" cy="4119417"/>
             </a:xfrm>
           </p:grpSpPr>
           <p:pic>
@@ -9507,7 +9507,7 @@
             <p:spPr>
               <a:xfrm>
                 <a:off x="10972800" y="1470891"/>
-                <a:ext cx="6033186" cy="4114800"/>
+                <a:ext cx="6033186" cy="4114799"/>
               </a:xfrm>
               <a:prstGeom prst="rect">
                 <a:avLst/>
@@ -9595,7 +9595,7 @@
           </p:nvSpPr>
           <p:spPr>
             <a:xfrm>
-              <a:off x="12219607" y="1702805"/>
+              <a:off x="12155439" y="1704981"/>
               <a:ext cx="778213" cy="615553"/>
             </a:xfrm>
             <a:prstGeom prst="rect">
@@ -10582,6 +10582,720 @@
     <p:extLst>
       <p:ext uri="{BB962C8B-B14F-4D97-AF65-F5344CB8AC3E}">
         <p14:creationId xmlns:p14="http://schemas.microsoft.com/office/powerpoint/2010/main" val="946501269"/>
+      </p:ext>
+    </p:extLst>
+  </p:cSld>
+  <p:clrMapOvr>
+    <a:masterClrMapping/>
+  </p:clrMapOvr>
+</p:sld>
+</file>
+
+<file path=ppt/slides/slide9.xml><?xml version="1.0" encoding="utf-8"?>
+<p:sld xmlns:a="http://schemas.openxmlformats.org/drawingml/2006/main" xmlns:r="http://schemas.openxmlformats.org/officeDocument/2006/relationships" xmlns:p="http://schemas.openxmlformats.org/presentationml/2006/main">
+  <p:cSld>
+    <p:spTree>
+      <p:nvGrpSpPr>
+        <p:cNvPr id="1" name=""/>
+        <p:cNvGrpSpPr/>
+        <p:nvPr/>
+      </p:nvGrpSpPr>
+      <p:grpSpPr>
+        <a:xfrm>
+          <a:off x="0" y="0"/>
+          <a:ext cx="0" cy="0"/>
+          <a:chOff x="0" y="0"/>
+          <a:chExt cx="0" cy="0"/>
+        </a:xfrm>
+      </p:grpSpPr>
+      <p:grpSp>
+        <p:nvGrpSpPr>
+          <p:cNvPr id="2" name="Group 1">
+            <a:extLst>
+              <a:ext uri="{FF2B5EF4-FFF2-40B4-BE49-F238E27FC236}">
+                <a16:creationId xmlns:a16="http://schemas.microsoft.com/office/drawing/2014/main" id="{ADC18EEB-8E18-F94D-A391-520AD1928E82}"/>
+              </a:ext>
+            </a:extLst>
+          </p:cNvPr>
+          <p:cNvGrpSpPr>
+            <a:grpSpLocks noChangeAspect="1"/>
+          </p:cNvGrpSpPr>
+          <p:nvPr/>
+        </p:nvGrpSpPr>
+        <p:grpSpPr>
+          <a:xfrm>
+            <a:off x="4298415" y="3103833"/>
+            <a:ext cx="6168995" cy="5486400"/>
+            <a:chOff x="6669839" y="2631556"/>
+            <a:chExt cx="3595170" cy="3197367"/>
+          </a:xfrm>
+        </p:grpSpPr>
+        <p:grpSp>
+          <p:nvGrpSpPr>
+            <p:cNvPr id="3" name="Group 2">
+              <a:extLst>
+                <a:ext uri="{FF2B5EF4-FFF2-40B4-BE49-F238E27FC236}">
+                  <a16:creationId xmlns:a16="http://schemas.microsoft.com/office/drawing/2014/main" id="{4F809D2C-41D9-DC4C-8F1B-78F91F89ED96}"/>
+                </a:ext>
+              </a:extLst>
+            </p:cNvPr>
+            <p:cNvGrpSpPr/>
+            <p:nvPr/>
+          </p:nvGrpSpPr>
+          <p:grpSpPr>
+            <a:xfrm>
+              <a:off x="6669839" y="2631556"/>
+              <a:ext cx="3595170" cy="3197367"/>
+              <a:chOff x="6938780" y="2382616"/>
+              <a:chExt cx="3595170" cy="3197367"/>
+            </a:xfrm>
+          </p:grpSpPr>
+          <p:grpSp>
+            <p:nvGrpSpPr>
+              <p:cNvPr id="7" name="Group 6">
+                <a:extLst>
+                  <a:ext uri="{FF2B5EF4-FFF2-40B4-BE49-F238E27FC236}">
+                    <a16:creationId xmlns:a16="http://schemas.microsoft.com/office/drawing/2014/main" id="{F3647AB5-966A-7044-8D19-01A9C3CCBCC5}"/>
+                  </a:ext>
+                </a:extLst>
+              </p:cNvPr>
+              <p:cNvGrpSpPr/>
+              <p:nvPr/>
+            </p:nvGrpSpPr>
+            <p:grpSpPr>
+              <a:xfrm>
+                <a:off x="6938780" y="2382616"/>
+                <a:ext cx="3595170" cy="3197367"/>
+                <a:chOff x="6938780" y="2382616"/>
+                <a:chExt cx="3595170" cy="3197367"/>
+              </a:xfrm>
+            </p:grpSpPr>
+            <p:grpSp>
+              <p:nvGrpSpPr>
+                <p:cNvPr id="11" name="Group 10">
+                  <a:extLst>
+                    <a:ext uri="{FF2B5EF4-FFF2-40B4-BE49-F238E27FC236}">
+                      <a16:creationId xmlns:a16="http://schemas.microsoft.com/office/drawing/2014/main" id="{D398465C-759B-604D-A1C8-A92DE8ED4C24}"/>
+                    </a:ext>
+                  </a:extLst>
+                </p:cNvPr>
+                <p:cNvGrpSpPr/>
+                <p:nvPr/>
+              </p:nvGrpSpPr>
+              <p:grpSpPr>
+                <a:xfrm>
+                  <a:off x="7790750" y="2382616"/>
+                  <a:ext cx="2743200" cy="2743200"/>
+                  <a:chOff x="7683174" y="2363974"/>
+                  <a:chExt cx="2743200" cy="2743200"/>
+                </a:xfrm>
+              </p:grpSpPr>
+              <p:cxnSp>
+                <p:nvCxnSpPr>
+                  <p:cNvPr id="14" name="Straight Arrow Connector 13">
+                    <a:extLst>
+                      <a:ext uri="{FF2B5EF4-FFF2-40B4-BE49-F238E27FC236}">
+                        <a16:creationId xmlns:a16="http://schemas.microsoft.com/office/drawing/2014/main" id="{1352F0B7-E78F-2640-AFDF-9C6C781A6957}"/>
+                      </a:ext>
+                    </a:extLst>
+                  </p:cNvPr>
+                  <p:cNvCxnSpPr/>
+                  <p:nvPr/>
+                </p:nvCxnSpPr>
+                <p:spPr>
+                  <a:xfrm flipV="1">
+                    <a:off x="7683174" y="2363974"/>
+                    <a:ext cx="0" cy="2743200"/>
+                  </a:xfrm>
+                  <a:prstGeom prst="straightConnector1">
+                    <a:avLst/>
+                  </a:prstGeom>
+                  <a:ln w="12700">
+                    <a:tailEnd type="triangle"/>
+                  </a:ln>
+                </p:spPr>
+                <p:style>
+                  <a:lnRef idx="1">
+                    <a:schemeClr val="dk1"/>
+                  </a:lnRef>
+                  <a:fillRef idx="0">
+                    <a:schemeClr val="dk1"/>
+                  </a:fillRef>
+                  <a:effectRef idx="0">
+                    <a:schemeClr val="dk1"/>
+                  </a:effectRef>
+                  <a:fontRef idx="minor">
+                    <a:schemeClr val="tx1"/>
+                  </a:fontRef>
+                </p:style>
+              </p:cxnSp>
+              <p:cxnSp>
+                <p:nvCxnSpPr>
+                  <p:cNvPr id="15" name="Straight Arrow Connector 14">
+                    <a:extLst>
+                      <a:ext uri="{FF2B5EF4-FFF2-40B4-BE49-F238E27FC236}">
+                        <a16:creationId xmlns:a16="http://schemas.microsoft.com/office/drawing/2014/main" id="{9ABA34C4-0867-C84F-92CE-216A0C27E065}"/>
+                      </a:ext>
+                    </a:extLst>
+                  </p:cNvPr>
+                  <p:cNvCxnSpPr/>
+                  <p:nvPr/>
+                </p:nvCxnSpPr>
+                <p:spPr>
+                  <a:xfrm flipV="1">
+                    <a:off x="7683174" y="5086045"/>
+                    <a:ext cx="2743200" cy="0"/>
+                  </a:xfrm>
+                  <a:prstGeom prst="straightConnector1">
+                    <a:avLst/>
+                  </a:prstGeom>
+                  <a:ln w="12700">
+                    <a:solidFill>
+                      <a:schemeClr val="tx1"/>
+                    </a:solidFill>
+                    <a:tailEnd type="triangle"/>
+                  </a:ln>
+                </p:spPr>
+                <p:style>
+                  <a:lnRef idx="1">
+                    <a:schemeClr val="accent1"/>
+                  </a:lnRef>
+                  <a:fillRef idx="0">
+                    <a:schemeClr val="accent1"/>
+                  </a:fillRef>
+                  <a:effectRef idx="0">
+                    <a:schemeClr val="accent1"/>
+                  </a:effectRef>
+                  <a:fontRef idx="minor">
+                    <a:schemeClr val="tx1"/>
+                  </a:fontRef>
+                </p:style>
+              </p:cxnSp>
+            </p:grpSp>
+            <mc:AlternateContent xmlns:mc="http://schemas.openxmlformats.org/markup-compatibility/2006" xmlns:a14="http://schemas.microsoft.com/office/drawing/2010/main">
+              <mc:Choice Requires="a14">
+                <p:sp>
+                  <p:nvSpPr>
+                    <p:cNvPr id="12" name="TextBox 11">
+                      <a:extLst>
+                        <a:ext uri="{FF2B5EF4-FFF2-40B4-BE49-F238E27FC236}">
+                          <a16:creationId xmlns:a16="http://schemas.microsoft.com/office/drawing/2014/main" id="{32BEC059-920B-5645-9B92-842A1626563E}"/>
+                        </a:ext>
+                      </a:extLst>
+                    </p:cNvPr>
+                    <p:cNvSpPr txBox="1"/>
+                    <p:nvPr/>
+                  </p:nvSpPr>
+                  <p:spPr>
+                    <a:xfrm>
+                      <a:off x="8395868" y="5210651"/>
+                      <a:ext cx="1075764" cy="369332"/>
+                    </a:xfrm>
+                    <a:prstGeom prst="rect">
+                      <a:avLst/>
+                    </a:prstGeom>
+                    <a:noFill/>
+                  </p:spPr>
+                  <p:txBody>
+                    <a:bodyPr wrap="square" rtlCol="0">
+                      <a:spAutoFit/>
+                    </a:bodyPr>
+                    <a:lstStyle/>
+                    <a:p>
+                      <a:pPr/>
+                      <a14:m>
+                        <m:oMathPara xmlns:m="http://schemas.openxmlformats.org/officeDocument/2006/math">
+                          <m:oMathParaPr>
+                            <m:jc m:val="centerGroup"/>
+                          </m:oMathParaPr>
+                          <m:oMath xmlns:m="http://schemas.openxmlformats.org/officeDocument/2006/math">
+                            <m:sSub>
+                              <m:sSubPr>
+                                <m:ctrlPr>
+                                  <a:rPr lang="en-US" b="0" i="1" smtClean="0">
+                                    <a:latin typeface="Cambria Math" panose="02040503050406030204" pitchFamily="18" charset="0"/>
+                                    <a:ea typeface="Cambria Math" panose="02040503050406030204" pitchFamily="18" charset="0"/>
+                                  </a:rPr>
+                                </m:ctrlPr>
+                              </m:sSubPr>
+                              <m:e>
+                                <m:r>
+                                  <a:rPr lang="en-US" i="1" smtClean="0">
+                                    <a:latin typeface="Cambria Math" panose="02040503050406030204" pitchFamily="18" charset="0"/>
+                                    <a:ea typeface="Cambria Math" panose="02040503050406030204" pitchFamily="18" charset="0"/>
+                                  </a:rPr>
+                                  <m:t>𝜃</m:t>
+                                </m:r>
+                              </m:e>
+                              <m:sub>
+                                <m:r>
+                                  <a:rPr lang="en-US" b="0" i="1" smtClean="0">
+                                    <a:latin typeface="Cambria Math" panose="02040503050406030204" pitchFamily="18" charset="0"/>
+                                    <a:ea typeface="Cambria Math" panose="02040503050406030204" pitchFamily="18" charset="0"/>
+                                  </a:rPr>
+                                  <m:t>𝑖</m:t>
+                                </m:r>
+                              </m:sub>
+                            </m:sSub>
+                          </m:oMath>
+                        </m:oMathPara>
+                      </a14:m>
+                      <a:endParaRPr lang="en-US" b="0" dirty="0">
+                        <a:ea typeface="Cambria Math" panose="02040503050406030204" pitchFamily="18" charset="0"/>
+                      </a:endParaRPr>
+                    </a:p>
+                  </p:txBody>
+                </p:sp>
+              </mc:Choice>
+              <mc:Fallback xmlns="">
+                <p:sp>
+                  <p:nvSpPr>
+                    <p:cNvPr id="30" name="TextBox 29">
+                      <a:extLst>
+                        <a:ext uri="{FF2B5EF4-FFF2-40B4-BE49-F238E27FC236}">
+                          <a16:creationId xmlns:a16="http://schemas.microsoft.com/office/drawing/2014/main" id="{3EA9C894-820F-E74A-9FDF-BF137B5C04D6}"/>
+                        </a:ext>
+                      </a:extLst>
+                    </p:cNvPr>
+                    <p:cNvSpPr txBox="1">
+                      <a:spLocks noRot="1" noChangeAspect="1" noMove="1" noResize="1" noEditPoints="1" noAdjustHandles="1" noChangeArrowheads="1" noChangeShapeType="1" noTextEdit="1"/>
+                    </p:cNvSpPr>
+                    <p:nvPr/>
+                  </p:nvSpPr>
+                  <p:spPr>
+                    <a:xfrm>
+                      <a:off x="8395868" y="5210651"/>
+                      <a:ext cx="1075764" cy="369332"/>
+                    </a:xfrm>
+                    <a:prstGeom prst="rect">
+                      <a:avLst/>
+                    </a:prstGeom>
+                    <a:blipFill>
+                      <a:blip r:embed="rId10"/>
+                      <a:stretch>
+                        <a:fillRect b="-3333"/>
+                      </a:stretch>
+                    </a:blipFill>
+                  </p:spPr>
+                  <p:txBody>
+                    <a:bodyPr/>
+                    <a:lstStyle/>
+                    <a:p>
+                      <a:r>
+                        <a:rPr lang="en-US">
+                          <a:noFill/>
+                        </a:rPr>
+                        <a:t> </a:t>
+                      </a:r>
+                    </a:p>
+                  </p:txBody>
+                </p:sp>
+              </mc:Fallback>
+            </mc:AlternateContent>
+            <mc:AlternateContent xmlns:mc="http://schemas.openxmlformats.org/markup-compatibility/2006" xmlns:a14="http://schemas.microsoft.com/office/drawing/2010/main">
+              <mc:Choice Requires="a14">
+                <p:sp>
+                  <p:nvSpPr>
+                    <p:cNvPr id="13" name="TextBox 12">
+                      <a:extLst>
+                        <a:ext uri="{FF2B5EF4-FFF2-40B4-BE49-F238E27FC236}">
+                          <a16:creationId xmlns:a16="http://schemas.microsoft.com/office/drawing/2014/main" id="{D9B013D4-2908-D34D-B45C-54A1337456C0}"/>
+                        </a:ext>
+                      </a:extLst>
+                    </p:cNvPr>
+                    <p:cNvSpPr txBox="1"/>
+                    <p:nvPr/>
+                  </p:nvSpPr>
+                  <p:spPr>
+                    <a:xfrm>
+                      <a:off x="6938780" y="3824965"/>
+                      <a:ext cx="1075764" cy="391646"/>
+                    </a:xfrm>
+                    <a:prstGeom prst="rect">
+                      <a:avLst/>
+                    </a:prstGeom>
+                    <a:noFill/>
+                  </p:spPr>
+                  <p:txBody>
+                    <a:bodyPr wrap="square" rtlCol="0">
+                      <a:spAutoFit/>
+                    </a:bodyPr>
+                    <a:lstStyle/>
+                    <a:p>
+                      <a:pPr/>
+                      <a14:m>
+                        <m:oMathPara xmlns:m="http://schemas.openxmlformats.org/officeDocument/2006/math">
+                          <m:oMathParaPr>
+                            <m:jc m:val="centerGroup"/>
+                          </m:oMathParaPr>
+                          <m:oMath xmlns:m="http://schemas.openxmlformats.org/officeDocument/2006/math">
+                            <m:sSub>
+                              <m:sSubPr>
+                                <m:ctrlPr>
+                                  <a:rPr lang="en-US" b="0" i="1" smtClean="0">
+                                    <a:latin typeface="Cambria Math" panose="02040503050406030204" pitchFamily="18" charset="0"/>
+                                    <a:ea typeface="Cambria Math" panose="02040503050406030204" pitchFamily="18" charset="0"/>
+                                  </a:rPr>
+                                </m:ctrlPr>
+                              </m:sSubPr>
+                              <m:e>
+                                <m:r>
+                                  <a:rPr lang="en-US" i="1" smtClean="0">
+                                    <a:latin typeface="Cambria Math" panose="02040503050406030204" pitchFamily="18" charset="0"/>
+                                    <a:ea typeface="Cambria Math" panose="02040503050406030204" pitchFamily="18" charset="0"/>
+                                  </a:rPr>
+                                  <m:t>𝜃</m:t>
+                                </m:r>
+                              </m:e>
+                              <m:sub>
+                                <m:r>
+                                  <a:rPr lang="en-US" b="0" i="1" smtClean="0">
+                                    <a:latin typeface="Cambria Math" panose="02040503050406030204" pitchFamily="18" charset="0"/>
+                                    <a:ea typeface="Cambria Math" panose="02040503050406030204" pitchFamily="18" charset="0"/>
+                                  </a:rPr>
+                                  <m:t>𝑗</m:t>
+                                </m:r>
+                              </m:sub>
+                            </m:sSub>
+                          </m:oMath>
+                        </m:oMathPara>
+                      </a14:m>
+                      <a:endParaRPr lang="en-US" b="0" dirty="0">
+                        <a:ea typeface="Cambria Math" panose="02040503050406030204" pitchFamily="18" charset="0"/>
+                      </a:endParaRPr>
+                    </a:p>
+                  </p:txBody>
+                </p:sp>
+              </mc:Choice>
+              <mc:Fallback xmlns="">
+                <p:sp>
+                  <p:nvSpPr>
+                    <p:cNvPr id="31" name="TextBox 30">
+                      <a:extLst>
+                        <a:ext uri="{FF2B5EF4-FFF2-40B4-BE49-F238E27FC236}">
+                          <a16:creationId xmlns:a16="http://schemas.microsoft.com/office/drawing/2014/main" id="{C8769533-2C26-624B-80EE-56B570FDD17E}"/>
+                        </a:ext>
+                      </a:extLst>
+                    </p:cNvPr>
+                    <p:cNvSpPr txBox="1">
+                      <a:spLocks noRot="1" noChangeAspect="1" noMove="1" noResize="1" noEditPoints="1" noAdjustHandles="1" noChangeArrowheads="1" noChangeShapeType="1" noTextEdit="1"/>
+                    </p:cNvSpPr>
+                    <p:nvPr/>
+                  </p:nvSpPr>
+                  <p:spPr>
+                    <a:xfrm>
+                      <a:off x="6938780" y="3824965"/>
+                      <a:ext cx="1075764" cy="391646"/>
+                    </a:xfrm>
+                    <a:prstGeom prst="rect">
+                      <a:avLst/>
+                    </a:prstGeom>
+                    <a:blipFill>
+                      <a:blip r:embed="rId11"/>
+                      <a:stretch>
+                        <a:fillRect b="-6250"/>
+                      </a:stretch>
+                    </a:blipFill>
+                  </p:spPr>
+                  <p:txBody>
+                    <a:bodyPr/>
+                    <a:lstStyle/>
+                    <a:p>
+                      <a:r>
+                        <a:rPr lang="en-US">
+                          <a:noFill/>
+                        </a:rPr>
+                        <a:t> </a:t>
+                      </a:r>
+                    </a:p>
+                  </p:txBody>
+                </p:sp>
+              </mc:Fallback>
+            </mc:AlternateContent>
+          </p:grpSp>
+          <p:grpSp>
+            <p:nvGrpSpPr>
+              <p:cNvPr id="8" name="Group 7">
+                <a:extLst>
+                  <a:ext uri="{FF2B5EF4-FFF2-40B4-BE49-F238E27FC236}">
+                    <a16:creationId xmlns:a16="http://schemas.microsoft.com/office/drawing/2014/main" id="{2473CC3F-6CA8-E248-B3A5-9AC7AE04CDD0}"/>
+                  </a:ext>
+                </a:extLst>
+              </p:cNvPr>
+              <p:cNvGrpSpPr/>
+              <p:nvPr/>
+            </p:nvGrpSpPr>
+            <p:grpSpPr>
+              <a:xfrm rot="19681431">
+                <a:off x="8027990" y="3033226"/>
+                <a:ext cx="2468880" cy="1653989"/>
+                <a:chOff x="8014544" y="3241893"/>
+                <a:chExt cx="2468880" cy="1653989"/>
+              </a:xfrm>
+            </p:grpSpPr>
+            <p:sp>
+              <p:nvSpPr>
+                <p:cNvPr id="9" name="Oval 8">
+                  <a:extLst>
+                    <a:ext uri="{FF2B5EF4-FFF2-40B4-BE49-F238E27FC236}">
+                      <a16:creationId xmlns:a16="http://schemas.microsoft.com/office/drawing/2014/main" id="{793C3E3E-1D17-3A4B-AE09-7FFE05C8F8E0}"/>
+                    </a:ext>
+                  </a:extLst>
+                </p:cNvPr>
+                <p:cNvSpPr/>
+                <p:nvPr/>
+              </p:nvSpPr>
+              <p:spPr>
+                <a:xfrm>
+                  <a:off x="8014544" y="3497388"/>
+                  <a:ext cx="2468880" cy="1143000"/>
+                </a:xfrm>
+                <a:prstGeom prst="ellipse">
+                  <a:avLst/>
+                </a:prstGeom>
+                <a:solidFill>
+                  <a:schemeClr val="accent1">
+                    <a:lumMod val="40000"/>
+                    <a:lumOff val="60000"/>
+                  </a:schemeClr>
+                </a:solidFill>
+                <a:ln>
+                  <a:solidFill>
+                    <a:schemeClr val="accent1">
+                      <a:lumMod val="60000"/>
+                      <a:lumOff val="40000"/>
+                    </a:schemeClr>
+                  </a:solidFill>
+                </a:ln>
+              </p:spPr>
+              <p:style>
+                <a:lnRef idx="2">
+                  <a:schemeClr val="accent1">
+                    <a:shade val="50000"/>
+                  </a:schemeClr>
+                </a:lnRef>
+                <a:fillRef idx="1">
+                  <a:schemeClr val="accent1"/>
+                </a:fillRef>
+                <a:effectRef idx="0">
+                  <a:schemeClr val="accent1"/>
+                </a:effectRef>
+                <a:fontRef idx="minor">
+                  <a:schemeClr val="lt1"/>
+                </a:fontRef>
+              </p:style>
+              <p:txBody>
+                <a:bodyPr rtlCol="0" anchor="ctr"/>
+                <a:lstStyle/>
+                <a:p>
+                  <a:pPr algn="ctr"/>
+                  <a:endParaRPr lang="en-US" dirty="0"/>
+                </a:p>
+              </p:txBody>
+            </p:sp>
+            <p:sp>
+              <p:nvSpPr>
+                <p:cNvPr id="10" name="Rectangle 9">
+                  <a:extLst>
+                    <a:ext uri="{FF2B5EF4-FFF2-40B4-BE49-F238E27FC236}">
+                      <a16:creationId xmlns:a16="http://schemas.microsoft.com/office/drawing/2014/main" id="{413371C4-05FE-1D47-AC24-FC3454CD79D0}"/>
+                    </a:ext>
+                  </a:extLst>
+                </p:cNvPr>
+                <p:cNvSpPr/>
+                <p:nvPr/>
+              </p:nvSpPr>
+              <p:spPr>
+                <a:xfrm rot="1918569">
+                  <a:off x="8140086" y="3241893"/>
+                  <a:ext cx="2217796" cy="1653989"/>
+                </a:xfrm>
+                <a:prstGeom prst="rect">
+                  <a:avLst/>
+                </a:prstGeom>
+                <a:noFill/>
+                <a:ln>
+                  <a:solidFill>
+                    <a:schemeClr val="bg2">
+                      <a:lumMod val="50000"/>
+                    </a:schemeClr>
+                  </a:solidFill>
+                  <a:prstDash val="sysDash"/>
+                </a:ln>
+              </p:spPr>
+              <p:style>
+                <a:lnRef idx="2">
+                  <a:schemeClr val="accent1">
+                    <a:shade val="50000"/>
+                  </a:schemeClr>
+                </a:lnRef>
+                <a:fillRef idx="1">
+                  <a:schemeClr val="accent1"/>
+                </a:fillRef>
+                <a:effectRef idx="0">
+                  <a:schemeClr val="accent1"/>
+                </a:effectRef>
+                <a:fontRef idx="minor">
+                  <a:schemeClr val="lt1"/>
+                </a:fontRef>
+              </p:style>
+              <p:txBody>
+                <a:bodyPr rtlCol="0" anchor="ctr"/>
+                <a:lstStyle/>
+                <a:p>
+                  <a:pPr algn="ctr"/>
+                  <a:endParaRPr lang="en-US" dirty="0"/>
+                </a:p>
+              </p:txBody>
+            </p:sp>
+          </p:grpSp>
+        </p:grpSp>
+        <p:sp>
+          <p:nvSpPr>
+            <p:cNvPr id="4" name="Oval 3">
+              <a:extLst>
+                <a:ext uri="{FF2B5EF4-FFF2-40B4-BE49-F238E27FC236}">
+                  <a16:creationId xmlns:a16="http://schemas.microsoft.com/office/drawing/2014/main" id="{BF168366-5347-0F4C-ABB2-5A702EBDFAB7}"/>
+                </a:ext>
+              </a:extLst>
+            </p:cNvPr>
+            <p:cNvSpPr/>
+            <p:nvPr/>
+          </p:nvSpPr>
+          <p:spPr>
+            <a:xfrm>
+              <a:off x="8893409" y="4073904"/>
+              <a:ext cx="91440" cy="91440"/>
+            </a:xfrm>
+            <a:prstGeom prst="ellipse">
+              <a:avLst/>
+            </a:prstGeom>
+            <a:solidFill>
+              <a:srgbClr val="FF0000"/>
+            </a:solidFill>
+            <a:ln>
+              <a:noFill/>
+            </a:ln>
+          </p:spPr>
+          <p:style>
+            <a:lnRef idx="2">
+              <a:schemeClr val="accent1">
+                <a:shade val="50000"/>
+              </a:schemeClr>
+            </a:lnRef>
+            <a:fillRef idx="1">
+              <a:schemeClr val="accent1"/>
+            </a:fillRef>
+            <a:effectRef idx="0">
+              <a:schemeClr val="accent1"/>
+            </a:effectRef>
+            <a:fontRef idx="minor">
+              <a:schemeClr val="lt1"/>
+            </a:fontRef>
+          </p:style>
+          <p:txBody>
+            <a:bodyPr rtlCol="0" anchor="ctr"/>
+            <a:lstStyle/>
+            <a:p>
+              <a:pPr algn="ctr"/>
+              <a:endParaRPr lang="en-US"/>
+            </a:p>
+          </p:txBody>
+        </p:sp>
+        <p:cxnSp>
+          <p:nvCxnSpPr>
+            <p:cNvPr id="5" name="Straight Arrow Connector 4">
+              <a:extLst>
+                <a:ext uri="{FF2B5EF4-FFF2-40B4-BE49-F238E27FC236}">
+                  <a16:creationId xmlns:a16="http://schemas.microsoft.com/office/drawing/2014/main" id="{823508C5-849A-C044-B641-ED30043A65A2}"/>
+                </a:ext>
+              </a:extLst>
+            </p:cNvPr>
+            <p:cNvCxnSpPr/>
+            <p:nvPr/>
+          </p:nvCxnSpPr>
+          <p:spPr>
+            <a:xfrm flipV="1">
+              <a:off x="8984849" y="3282166"/>
+              <a:ext cx="1117538" cy="791738"/>
+            </a:xfrm>
+            <a:prstGeom prst="straightConnector1">
+              <a:avLst/>
+            </a:prstGeom>
+            <a:ln w="12700">
+              <a:solidFill>
+                <a:schemeClr val="accent2"/>
+              </a:solidFill>
+              <a:prstDash val="dash"/>
+              <a:tailEnd type="triangle"/>
+            </a:ln>
+          </p:spPr>
+          <p:style>
+            <a:lnRef idx="1">
+              <a:schemeClr val="accent1"/>
+            </a:lnRef>
+            <a:fillRef idx="0">
+              <a:schemeClr val="accent1"/>
+            </a:fillRef>
+            <a:effectRef idx="0">
+              <a:schemeClr val="accent1"/>
+            </a:effectRef>
+            <a:fontRef idx="minor">
+              <a:schemeClr val="tx1"/>
+            </a:fontRef>
+          </p:style>
+        </p:cxnSp>
+        <p:cxnSp>
+          <p:nvCxnSpPr>
+            <p:cNvPr id="6" name="Straight Arrow Connector 5">
+              <a:extLst>
+                <a:ext uri="{FF2B5EF4-FFF2-40B4-BE49-F238E27FC236}">
+                  <a16:creationId xmlns:a16="http://schemas.microsoft.com/office/drawing/2014/main" id="{63D0FDA7-4B02-3D48-B48F-2DD68AAD8215}"/>
+                </a:ext>
+              </a:extLst>
+            </p:cNvPr>
+            <p:cNvCxnSpPr>
+              <a:cxnSpLocks/>
+              <a:stCxn id="4" idx="1"/>
+            </p:cNvCxnSpPr>
+            <p:nvPr/>
+          </p:nvCxnSpPr>
+          <p:spPr>
+            <a:xfrm flipH="1" flipV="1">
+              <a:off x="8893410" y="3261039"/>
+              <a:ext cx="13390" cy="826256"/>
+            </a:xfrm>
+            <a:prstGeom prst="straightConnector1">
+              <a:avLst/>
+            </a:prstGeom>
+            <a:ln w="12700">
+              <a:solidFill>
+                <a:schemeClr val="accent2"/>
+              </a:solidFill>
+              <a:prstDash val="dash"/>
+              <a:tailEnd type="triangle"/>
+            </a:ln>
+          </p:spPr>
+          <p:style>
+            <a:lnRef idx="1">
+              <a:schemeClr val="accent1"/>
+            </a:lnRef>
+            <a:fillRef idx="0">
+              <a:schemeClr val="accent1"/>
+            </a:fillRef>
+            <a:effectRef idx="0">
+              <a:schemeClr val="accent1"/>
+            </a:effectRef>
+            <a:fontRef idx="minor">
+              <a:schemeClr val="tx1"/>
+            </a:fontRef>
+          </p:style>
+        </p:cxnSp>
+      </p:grpSp>
+    </p:spTree>
+    <p:extLst>
+      <p:ext uri="{BB962C8B-B14F-4D97-AF65-F5344CB8AC3E}">
+        <p14:creationId xmlns:p14="http://schemas.microsoft.com/office/powerpoint/2010/main" val="300470955"/>
       </p:ext>
     </p:extLst>
   </p:cSld>
